--- a/slides/01_softwareTutorial.pptx
+++ b/slides/01_softwareTutorial.pptx
@@ -11,6 +11,7 @@
     <p:sldId id="259" r:id="rId5"/>
     <p:sldId id="260" r:id="rId6"/>
     <p:sldId id="261" r:id="rId7"/>
+    <p:sldId id="262" r:id="rId8"/>
   </p:sldIdLst>
   <p:sldSz cx="12192000" cy="6858000"/>
   <p:notesSz cx="6858000" cy="9144000"/>
@@ -4207,6 +4208,116 @@
 </p:sld>
 </file>
 
+<file path=ppt/slides/slide7.xml><?xml version="1.0" encoding="utf-8"?>
+<p:sld xmlns:a="http://schemas.openxmlformats.org/drawingml/2006/main" xmlns:r="http://schemas.openxmlformats.org/officeDocument/2006/relationships" xmlns:p="http://schemas.openxmlformats.org/presentationml/2006/main">
+  <p:cSld>
+    <p:spTree>
+      <p:nvGrpSpPr>
+        <p:cNvPr id="1" name=""/>
+        <p:cNvGrpSpPr/>
+        <p:nvPr/>
+      </p:nvGrpSpPr>
+      <p:grpSpPr>
+        <a:xfrm>
+          <a:off x="0" y="0"/>
+          <a:ext cx="0" cy="0"/>
+          <a:chOff x="0" y="0"/>
+          <a:chExt cx="0" cy="0"/>
+        </a:xfrm>
+      </p:grpSpPr>
+      <p:sp>
+        <p:nvSpPr>
+          <p:cNvPr id="2" name="Title 1">
+            <a:extLst>
+              <a:ext uri="{FF2B5EF4-FFF2-40B4-BE49-F238E27FC236}">
+                <a16:creationId xmlns:a16="http://schemas.microsoft.com/office/drawing/2014/main" id="{0EE90088-FAE6-421E-BDE5-BE146818F1C2}"/>
+              </a:ext>
+            </a:extLst>
+          </p:cNvPr>
+          <p:cNvSpPr>
+            <a:spLocks noGrp="1"/>
+          </p:cNvSpPr>
+          <p:nvPr>
+            <p:ph type="title"/>
+          </p:nvPr>
+        </p:nvSpPr>
+        <p:spPr/>
+        <p:txBody>
+          <a:bodyPr/>
+          <a:lstStyle/>
+          <a:p>
+            <a:r>
+              <a:rPr lang="en-US" dirty="0" err="1"/>
+              <a:t>VSCode</a:t>
+            </a:r>
+            <a:r>
+              <a:rPr lang="en-US" dirty="0"/>
+              <a:t> Extensions</a:t>
+            </a:r>
+          </a:p>
+        </p:txBody>
+      </p:sp>
+      <p:sp>
+        <p:nvSpPr>
+          <p:cNvPr id="3" name="Content Placeholder 2">
+            <a:extLst>
+              <a:ext uri="{FF2B5EF4-FFF2-40B4-BE49-F238E27FC236}">
+                <a16:creationId xmlns:a16="http://schemas.microsoft.com/office/drawing/2014/main" id="{1FC5D1E4-C07B-4CA5-AC3A-A666FE8B04BE}"/>
+              </a:ext>
+            </a:extLst>
+          </p:cNvPr>
+          <p:cNvSpPr>
+            <a:spLocks noGrp="1"/>
+          </p:cNvSpPr>
+          <p:nvPr>
+            <p:ph idx="1"/>
+          </p:nvPr>
+        </p:nvSpPr>
+        <p:spPr/>
+        <p:txBody>
+          <a:bodyPr/>
+          <a:lstStyle/>
+          <a:p>
+            <a:r>
+              <a:rPr lang="en-US" dirty="0"/>
+              <a:t>Markdown</a:t>
+            </a:r>
+          </a:p>
+          <a:p>
+            <a:r>
+              <a:rPr lang="en-US" dirty="0"/>
+              <a:t>Python</a:t>
+            </a:r>
+          </a:p>
+          <a:p>
+            <a:r>
+              <a:rPr lang="en-US" dirty="0"/>
+              <a:t>Dash/Zeal</a:t>
+            </a:r>
+          </a:p>
+          <a:p>
+            <a:pPr lvl="1"/>
+            <a:r>
+              <a:rPr lang="en-US" dirty="0" err="1"/>
+              <a:t>Ctrl+H</a:t>
+            </a:r>
+            <a:endParaRPr lang="en-US" dirty="0"/>
+          </a:p>
+        </p:txBody>
+      </p:sp>
+    </p:spTree>
+    <p:extLst>
+      <p:ext uri="{BB962C8B-B14F-4D97-AF65-F5344CB8AC3E}">
+        <p14:creationId xmlns:p14="http://schemas.microsoft.com/office/powerpoint/2010/main" val="2401509441"/>
+      </p:ext>
+    </p:extLst>
+  </p:cSld>
+  <p:clrMapOvr>
+    <a:masterClrMapping/>
+  </p:clrMapOvr>
+</p:sld>
+</file>
+
 <file path=ppt/theme/theme1.xml><?xml version="1.0" encoding="utf-8"?>
 <a:theme xmlns:a="http://schemas.openxmlformats.org/drawingml/2006/main" name="Office Theme">
   <a:themeElements>

--- a/slides/01_softwareTutorial.pptx
+++ b/slides/01_softwareTutorial.pptx
@@ -4,14 +4,24 @@
   <p:sldMasterIdLst>
     <p:sldMasterId id="2147483648" r:id="rId1"/>
   </p:sldMasterIdLst>
+  <p:notesMasterIdLst>
+    <p:notesMasterId r:id="rId16"/>
+  </p:notesMasterIdLst>
   <p:sldIdLst>
     <p:sldId id="256" r:id="rId2"/>
     <p:sldId id="257" r:id="rId3"/>
     <p:sldId id="258" r:id="rId4"/>
     <p:sldId id="259" r:id="rId5"/>
-    <p:sldId id="260" r:id="rId6"/>
-    <p:sldId id="261" r:id="rId7"/>
-    <p:sldId id="262" r:id="rId8"/>
+    <p:sldId id="267" r:id="rId6"/>
+    <p:sldId id="260" r:id="rId7"/>
+    <p:sldId id="263" r:id="rId8"/>
+    <p:sldId id="265" r:id="rId9"/>
+    <p:sldId id="269" r:id="rId10"/>
+    <p:sldId id="266" r:id="rId11"/>
+    <p:sldId id="264" r:id="rId12"/>
+    <p:sldId id="268" r:id="rId13"/>
+    <p:sldId id="261" r:id="rId14"/>
+    <p:sldId id="262" r:id="rId15"/>
   </p:sldIdLst>
   <p:sldSz cx="12192000" cy="6858000"/>
   <p:notesSz cx="6858000" cy="9144000"/>
@@ -118,6 +128,927 @@
 </p:presentation>
 </file>
 
+<file path=ppt/notesMasters/notesMaster1.xml><?xml version="1.0" encoding="utf-8"?>
+<p:notesMaster xmlns:a="http://schemas.openxmlformats.org/drawingml/2006/main" xmlns:r="http://schemas.openxmlformats.org/officeDocument/2006/relationships" xmlns:p="http://schemas.openxmlformats.org/presentationml/2006/main">
+  <p:cSld>
+    <p:bg>
+      <p:bgRef idx="1001">
+        <a:schemeClr val="bg1"/>
+      </p:bgRef>
+    </p:bg>
+    <p:spTree>
+      <p:nvGrpSpPr>
+        <p:cNvPr id="1" name=""/>
+        <p:cNvGrpSpPr/>
+        <p:nvPr/>
+      </p:nvGrpSpPr>
+      <p:grpSpPr>
+        <a:xfrm>
+          <a:off x="0" y="0"/>
+          <a:ext cx="0" cy="0"/>
+          <a:chOff x="0" y="0"/>
+          <a:chExt cx="0" cy="0"/>
+        </a:xfrm>
+      </p:grpSpPr>
+      <p:sp>
+        <p:nvSpPr>
+          <p:cNvPr id="2" name="Header Placeholder 1"/>
+          <p:cNvSpPr>
+            <a:spLocks noGrp="1"/>
+          </p:cNvSpPr>
+          <p:nvPr>
+            <p:ph type="hdr" sz="quarter"/>
+          </p:nvPr>
+        </p:nvSpPr>
+        <p:spPr>
+          <a:xfrm>
+            <a:off x="0" y="0"/>
+            <a:ext cx="2971800" cy="458788"/>
+          </a:xfrm>
+          <a:prstGeom prst="rect">
+            <a:avLst/>
+          </a:prstGeom>
+        </p:spPr>
+        <p:txBody>
+          <a:bodyPr vert="horz" lIns="91440" tIns="45720" rIns="91440" bIns="45720" rtlCol="0"/>
+          <a:lstStyle>
+            <a:lvl1pPr algn="l">
+              <a:defRPr sz="1200"/>
+            </a:lvl1pPr>
+          </a:lstStyle>
+          <a:p>
+            <a:endParaRPr lang="en-US"/>
+          </a:p>
+        </p:txBody>
+      </p:sp>
+      <p:sp>
+        <p:nvSpPr>
+          <p:cNvPr id="3" name="Date Placeholder 2"/>
+          <p:cNvSpPr>
+            <a:spLocks noGrp="1"/>
+          </p:cNvSpPr>
+          <p:nvPr>
+            <p:ph type="dt" idx="1"/>
+          </p:nvPr>
+        </p:nvSpPr>
+        <p:spPr>
+          <a:xfrm>
+            <a:off x="3884613" y="0"/>
+            <a:ext cx="2971800" cy="458788"/>
+          </a:xfrm>
+          <a:prstGeom prst="rect">
+            <a:avLst/>
+          </a:prstGeom>
+        </p:spPr>
+        <p:txBody>
+          <a:bodyPr vert="horz" lIns="91440" tIns="45720" rIns="91440" bIns="45720" rtlCol="0"/>
+          <a:lstStyle>
+            <a:lvl1pPr algn="r">
+              <a:defRPr sz="1200"/>
+            </a:lvl1pPr>
+          </a:lstStyle>
+          <a:p>
+            <a:fld id="{CA6E81E7-F4C5-4048-8654-5723B2F7EB41}" type="datetimeFigureOut">
+              <a:rPr lang="en-US" smtClean="0"/>
+              <a:t>3/12/2020</a:t>
+            </a:fld>
+            <a:endParaRPr lang="en-US"/>
+          </a:p>
+        </p:txBody>
+      </p:sp>
+      <p:sp>
+        <p:nvSpPr>
+          <p:cNvPr id="4" name="Slide Image Placeholder 3"/>
+          <p:cNvSpPr>
+            <a:spLocks noGrp="1" noRot="1" noChangeAspect="1"/>
+          </p:cNvSpPr>
+          <p:nvPr>
+            <p:ph type="sldImg" idx="2"/>
+          </p:nvPr>
+        </p:nvSpPr>
+        <p:spPr>
+          <a:xfrm>
+            <a:off x="685800" y="1143000"/>
+            <a:ext cx="5486400" cy="3086100"/>
+          </a:xfrm>
+          <a:prstGeom prst="rect">
+            <a:avLst/>
+          </a:prstGeom>
+          <a:noFill/>
+          <a:ln w="12700">
+            <a:solidFill>
+              <a:prstClr val="black"/>
+            </a:solidFill>
+          </a:ln>
+        </p:spPr>
+        <p:txBody>
+          <a:bodyPr vert="horz" lIns="91440" tIns="45720" rIns="91440" bIns="45720" rtlCol="0" anchor="ctr"/>
+          <a:lstStyle/>
+          <a:p>
+            <a:endParaRPr lang="en-US"/>
+          </a:p>
+        </p:txBody>
+      </p:sp>
+      <p:sp>
+        <p:nvSpPr>
+          <p:cNvPr id="5" name="Notes Placeholder 4"/>
+          <p:cNvSpPr>
+            <a:spLocks noGrp="1"/>
+          </p:cNvSpPr>
+          <p:nvPr>
+            <p:ph type="body" sz="quarter" idx="3"/>
+          </p:nvPr>
+        </p:nvSpPr>
+        <p:spPr>
+          <a:xfrm>
+            <a:off x="685800" y="4400550"/>
+            <a:ext cx="5486400" cy="3600450"/>
+          </a:xfrm>
+          <a:prstGeom prst="rect">
+            <a:avLst/>
+          </a:prstGeom>
+        </p:spPr>
+        <p:txBody>
+          <a:bodyPr vert="horz" lIns="91440" tIns="45720" rIns="91440" bIns="45720" rtlCol="0"/>
+          <a:lstStyle/>
+          <a:p>
+            <a:pPr lvl="0"/>
+            <a:r>
+              <a:rPr lang="en-US"/>
+              <a:t>Click to edit Master text styles</a:t>
+            </a:r>
+          </a:p>
+          <a:p>
+            <a:pPr lvl="1"/>
+            <a:r>
+              <a:rPr lang="en-US"/>
+              <a:t>Second level</a:t>
+            </a:r>
+          </a:p>
+          <a:p>
+            <a:pPr lvl="2"/>
+            <a:r>
+              <a:rPr lang="en-US"/>
+              <a:t>Third level</a:t>
+            </a:r>
+          </a:p>
+          <a:p>
+            <a:pPr lvl="3"/>
+            <a:r>
+              <a:rPr lang="en-US"/>
+              <a:t>Fourth level</a:t>
+            </a:r>
+          </a:p>
+          <a:p>
+            <a:pPr lvl="4"/>
+            <a:r>
+              <a:rPr lang="en-US"/>
+              <a:t>Fifth level</a:t>
+            </a:r>
+          </a:p>
+        </p:txBody>
+      </p:sp>
+      <p:sp>
+        <p:nvSpPr>
+          <p:cNvPr id="6" name="Footer Placeholder 5"/>
+          <p:cNvSpPr>
+            <a:spLocks noGrp="1"/>
+          </p:cNvSpPr>
+          <p:nvPr>
+            <p:ph type="ftr" sz="quarter" idx="4"/>
+          </p:nvPr>
+        </p:nvSpPr>
+        <p:spPr>
+          <a:xfrm>
+            <a:off x="0" y="8685213"/>
+            <a:ext cx="2971800" cy="458787"/>
+          </a:xfrm>
+          <a:prstGeom prst="rect">
+            <a:avLst/>
+          </a:prstGeom>
+        </p:spPr>
+        <p:txBody>
+          <a:bodyPr vert="horz" lIns="91440" tIns="45720" rIns="91440" bIns="45720" rtlCol="0" anchor="b"/>
+          <a:lstStyle>
+            <a:lvl1pPr algn="l">
+              <a:defRPr sz="1200"/>
+            </a:lvl1pPr>
+          </a:lstStyle>
+          <a:p>
+            <a:endParaRPr lang="en-US"/>
+          </a:p>
+        </p:txBody>
+      </p:sp>
+      <p:sp>
+        <p:nvSpPr>
+          <p:cNvPr id="7" name="Slide Number Placeholder 6"/>
+          <p:cNvSpPr>
+            <a:spLocks noGrp="1"/>
+          </p:cNvSpPr>
+          <p:nvPr>
+            <p:ph type="sldNum" sz="quarter" idx="5"/>
+          </p:nvPr>
+        </p:nvSpPr>
+        <p:spPr>
+          <a:xfrm>
+            <a:off x="3884613" y="8685213"/>
+            <a:ext cx="2971800" cy="458787"/>
+          </a:xfrm>
+          <a:prstGeom prst="rect">
+            <a:avLst/>
+          </a:prstGeom>
+        </p:spPr>
+        <p:txBody>
+          <a:bodyPr vert="horz" lIns="91440" tIns="45720" rIns="91440" bIns="45720" rtlCol="0" anchor="b"/>
+          <a:lstStyle>
+            <a:lvl1pPr algn="r">
+              <a:defRPr sz="1200"/>
+            </a:lvl1pPr>
+          </a:lstStyle>
+          <a:p>
+            <a:fld id="{7677C2CC-2023-45DB-8917-C16B4F38B900}" type="slidenum">
+              <a:rPr lang="en-US" smtClean="0"/>
+              <a:t>‹#›</a:t>
+            </a:fld>
+            <a:endParaRPr lang="en-US"/>
+          </a:p>
+        </p:txBody>
+      </p:sp>
+    </p:spTree>
+    <p:extLst>
+      <p:ext uri="{BB962C8B-B14F-4D97-AF65-F5344CB8AC3E}">
+        <p14:creationId xmlns:p14="http://schemas.microsoft.com/office/powerpoint/2010/main" val="3940322650"/>
+      </p:ext>
+    </p:extLst>
+  </p:cSld>
+  <p:clrMap bg1="lt1" tx1="dk1" bg2="lt2" tx2="dk2" accent1="accent1" accent2="accent2" accent3="accent3" accent4="accent4" accent5="accent5" accent6="accent6" hlink="hlink" folHlink="folHlink"/>
+  <p:notesStyle>
+    <a:lvl1pPr marL="0" algn="l" defTabSz="914400" rtl="0" eaLnBrk="1" latinLnBrk="0" hangingPunct="1">
+      <a:defRPr sz="1200" kern="1200">
+        <a:solidFill>
+          <a:schemeClr val="tx1"/>
+        </a:solidFill>
+        <a:latin typeface="+mn-lt"/>
+        <a:ea typeface="+mn-ea"/>
+        <a:cs typeface="+mn-cs"/>
+      </a:defRPr>
+    </a:lvl1pPr>
+    <a:lvl2pPr marL="457200" algn="l" defTabSz="914400" rtl="0" eaLnBrk="1" latinLnBrk="0" hangingPunct="1">
+      <a:defRPr sz="1200" kern="1200">
+        <a:solidFill>
+          <a:schemeClr val="tx1"/>
+        </a:solidFill>
+        <a:latin typeface="+mn-lt"/>
+        <a:ea typeface="+mn-ea"/>
+        <a:cs typeface="+mn-cs"/>
+      </a:defRPr>
+    </a:lvl2pPr>
+    <a:lvl3pPr marL="914400" algn="l" defTabSz="914400" rtl="0" eaLnBrk="1" latinLnBrk="0" hangingPunct="1">
+      <a:defRPr sz="1200" kern="1200">
+        <a:solidFill>
+          <a:schemeClr val="tx1"/>
+        </a:solidFill>
+        <a:latin typeface="+mn-lt"/>
+        <a:ea typeface="+mn-ea"/>
+        <a:cs typeface="+mn-cs"/>
+      </a:defRPr>
+    </a:lvl3pPr>
+    <a:lvl4pPr marL="1371600" algn="l" defTabSz="914400" rtl="0" eaLnBrk="1" latinLnBrk="0" hangingPunct="1">
+      <a:defRPr sz="1200" kern="1200">
+        <a:solidFill>
+          <a:schemeClr val="tx1"/>
+        </a:solidFill>
+        <a:latin typeface="+mn-lt"/>
+        <a:ea typeface="+mn-ea"/>
+        <a:cs typeface="+mn-cs"/>
+      </a:defRPr>
+    </a:lvl4pPr>
+    <a:lvl5pPr marL="1828800" algn="l" defTabSz="914400" rtl="0" eaLnBrk="1" latinLnBrk="0" hangingPunct="1">
+      <a:defRPr sz="1200" kern="1200">
+        <a:solidFill>
+          <a:schemeClr val="tx1"/>
+        </a:solidFill>
+        <a:latin typeface="+mn-lt"/>
+        <a:ea typeface="+mn-ea"/>
+        <a:cs typeface="+mn-cs"/>
+      </a:defRPr>
+    </a:lvl5pPr>
+    <a:lvl6pPr marL="2286000" algn="l" defTabSz="914400" rtl="0" eaLnBrk="1" latinLnBrk="0" hangingPunct="1">
+      <a:defRPr sz="1200" kern="1200">
+        <a:solidFill>
+          <a:schemeClr val="tx1"/>
+        </a:solidFill>
+        <a:latin typeface="+mn-lt"/>
+        <a:ea typeface="+mn-ea"/>
+        <a:cs typeface="+mn-cs"/>
+      </a:defRPr>
+    </a:lvl6pPr>
+    <a:lvl7pPr marL="2743200" algn="l" defTabSz="914400" rtl="0" eaLnBrk="1" latinLnBrk="0" hangingPunct="1">
+      <a:defRPr sz="1200" kern="1200">
+        <a:solidFill>
+          <a:schemeClr val="tx1"/>
+        </a:solidFill>
+        <a:latin typeface="+mn-lt"/>
+        <a:ea typeface="+mn-ea"/>
+        <a:cs typeface="+mn-cs"/>
+      </a:defRPr>
+    </a:lvl7pPr>
+    <a:lvl8pPr marL="3200400" algn="l" defTabSz="914400" rtl="0" eaLnBrk="1" latinLnBrk="0" hangingPunct="1">
+      <a:defRPr sz="1200" kern="1200">
+        <a:solidFill>
+          <a:schemeClr val="tx1"/>
+        </a:solidFill>
+        <a:latin typeface="+mn-lt"/>
+        <a:ea typeface="+mn-ea"/>
+        <a:cs typeface="+mn-cs"/>
+      </a:defRPr>
+    </a:lvl8pPr>
+    <a:lvl9pPr marL="3657600" algn="l" defTabSz="914400" rtl="0" eaLnBrk="1" latinLnBrk="0" hangingPunct="1">
+      <a:defRPr sz="1200" kern="1200">
+        <a:solidFill>
+          <a:schemeClr val="tx1"/>
+        </a:solidFill>
+        <a:latin typeface="+mn-lt"/>
+        <a:ea typeface="+mn-ea"/>
+        <a:cs typeface="+mn-cs"/>
+      </a:defRPr>
+    </a:lvl9pPr>
+  </p:notesStyle>
+</p:notesMaster>
+</file>
+
+<file path=ppt/notesSlides/notesSlide1.xml><?xml version="1.0" encoding="utf-8"?>
+<p:notes xmlns:a="http://schemas.openxmlformats.org/drawingml/2006/main" xmlns:r="http://schemas.openxmlformats.org/officeDocument/2006/relationships" xmlns:p="http://schemas.openxmlformats.org/presentationml/2006/main">
+  <p:cSld>
+    <p:spTree>
+      <p:nvGrpSpPr>
+        <p:cNvPr id="1" name=""/>
+        <p:cNvGrpSpPr/>
+        <p:nvPr/>
+      </p:nvGrpSpPr>
+      <p:grpSpPr>
+        <a:xfrm>
+          <a:off x="0" y="0"/>
+          <a:ext cx="0" cy="0"/>
+          <a:chOff x="0" y="0"/>
+          <a:chExt cx="0" cy="0"/>
+        </a:xfrm>
+      </p:grpSpPr>
+      <p:sp>
+        <p:nvSpPr>
+          <p:cNvPr id="2" name="Slide Image Placeholder 1"/>
+          <p:cNvSpPr>
+            <a:spLocks noGrp="1" noRot="1" noChangeAspect="1"/>
+          </p:cNvSpPr>
+          <p:nvPr>
+            <p:ph type="sldImg"/>
+          </p:nvPr>
+        </p:nvSpPr>
+        <p:spPr/>
+      </p:sp>
+      <p:sp>
+        <p:nvSpPr>
+          <p:cNvPr id="3" name="Notes Placeholder 2"/>
+          <p:cNvSpPr>
+            <a:spLocks noGrp="1"/>
+          </p:cNvSpPr>
+          <p:nvPr>
+            <p:ph type="body" idx="1"/>
+          </p:nvPr>
+        </p:nvSpPr>
+        <p:spPr/>
+        <p:txBody>
+          <a:bodyPr/>
+          <a:lstStyle/>
+          <a:p>
+            <a:r>
+              <a:rPr lang="en-US" dirty="0"/>
+              <a:t>Launch Python from Anaconda batch</a:t>
+            </a:r>
+          </a:p>
+          <a:p>
+            <a:r>
+              <a:rPr lang="en-US" dirty="0"/>
+              <a:t>Show Anaconda navigator</a:t>
+            </a:r>
+          </a:p>
+        </p:txBody>
+      </p:sp>
+      <p:sp>
+        <p:nvSpPr>
+          <p:cNvPr id="4" name="Slide Number Placeholder 3"/>
+          <p:cNvSpPr>
+            <a:spLocks noGrp="1"/>
+          </p:cNvSpPr>
+          <p:nvPr>
+            <p:ph type="sldNum" sz="quarter" idx="5"/>
+          </p:nvPr>
+        </p:nvSpPr>
+        <p:spPr/>
+        <p:txBody>
+          <a:bodyPr/>
+          <a:lstStyle/>
+          <a:p>
+            <a:fld id="{7677C2CC-2023-45DB-8917-C16B4F38B900}" type="slidenum">
+              <a:rPr lang="en-US" smtClean="0"/>
+              <a:t>4</a:t>
+            </a:fld>
+            <a:endParaRPr lang="en-US"/>
+          </a:p>
+        </p:txBody>
+      </p:sp>
+    </p:spTree>
+    <p:extLst>
+      <p:ext uri="{BB962C8B-B14F-4D97-AF65-F5344CB8AC3E}">
+        <p14:creationId xmlns:p14="http://schemas.microsoft.com/office/powerpoint/2010/main" val="2635057926"/>
+      </p:ext>
+    </p:extLst>
+  </p:cSld>
+  <p:clrMapOvr>
+    <a:masterClrMapping/>
+  </p:clrMapOvr>
+</p:notes>
+</file>
+
+<file path=ppt/notesSlides/notesSlide2.xml><?xml version="1.0" encoding="utf-8"?>
+<p:notes xmlns:a="http://schemas.openxmlformats.org/drawingml/2006/main" xmlns:r="http://schemas.openxmlformats.org/officeDocument/2006/relationships" xmlns:p="http://schemas.openxmlformats.org/presentationml/2006/main">
+  <p:cSld>
+    <p:spTree>
+      <p:nvGrpSpPr>
+        <p:cNvPr id="1" name=""/>
+        <p:cNvGrpSpPr/>
+        <p:nvPr/>
+      </p:nvGrpSpPr>
+      <p:grpSpPr>
+        <a:xfrm>
+          <a:off x="0" y="0"/>
+          <a:ext cx="0" cy="0"/>
+          <a:chOff x="0" y="0"/>
+          <a:chExt cx="0" cy="0"/>
+        </a:xfrm>
+      </p:grpSpPr>
+      <p:sp>
+        <p:nvSpPr>
+          <p:cNvPr id="2" name="Slide Image Placeholder 1"/>
+          <p:cNvSpPr>
+            <a:spLocks noGrp="1" noRot="1" noChangeAspect="1"/>
+          </p:cNvSpPr>
+          <p:nvPr>
+            <p:ph type="sldImg"/>
+          </p:nvPr>
+        </p:nvSpPr>
+        <p:spPr/>
+      </p:sp>
+      <p:sp>
+        <p:nvSpPr>
+          <p:cNvPr id="3" name="Notes Placeholder 2"/>
+          <p:cNvSpPr>
+            <a:spLocks noGrp="1"/>
+          </p:cNvSpPr>
+          <p:nvPr>
+            <p:ph type="body" idx="1"/>
+          </p:nvPr>
+        </p:nvSpPr>
+        <p:spPr/>
+        <p:txBody>
+          <a:bodyPr/>
+          <a:lstStyle/>
+          <a:p>
+            <a:r>
+              <a:rPr lang="en-US" dirty="0"/>
+              <a:t>Launch Python from Anaconda (black screen version)</a:t>
+            </a:r>
+          </a:p>
+          <a:p>
+            <a:r>
+              <a:rPr lang="en-US" dirty="0"/>
+              <a:t>Show Anaconda navigator</a:t>
+            </a:r>
+          </a:p>
+        </p:txBody>
+      </p:sp>
+      <p:sp>
+        <p:nvSpPr>
+          <p:cNvPr id="4" name="Slide Number Placeholder 3"/>
+          <p:cNvSpPr>
+            <a:spLocks noGrp="1"/>
+          </p:cNvSpPr>
+          <p:nvPr>
+            <p:ph type="sldNum" sz="quarter" idx="5"/>
+          </p:nvPr>
+        </p:nvSpPr>
+        <p:spPr/>
+        <p:txBody>
+          <a:bodyPr/>
+          <a:lstStyle/>
+          <a:p>
+            <a:fld id="{7677C2CC-2023-45DB-8917-C16B4F38B900}" type="slidenum">
+              <a:rPr lang="en-US" smtClean="0"/>
+              <a:t>5</a:t>
+            </a:fld>
+            <a:endParaRPr lang="en-US"/>
+          </a:p>
+        </p:txBody>
+      </p:sp>
+    </p:spTree>
+    <p:extLst>
+      <p:ext uri="{BB962C8B-B14F-4D97-AF65-F5344CB8AC3E}">
+        <p14:creationId xmlns:p14="http://schemas.microsoft.com/office/powerpoint/2010/main" val="763567189"/>
+      </p:ext>
+    </p:extLst>
+  </p:cSld>
+  <p:clrMapOvr>
+    <a:masterClrMapping/>
+  </p:clrMapOvr>
+</p:notes>
+</file>
+
+<file path=ppt/notesSlides/notesSlide3.xml><?xml version="1.0" encoding="utf-8"?>
+<p:notes xmlns:a="http://schemas.openxmlformats.org/drawingml/2006/main" xmlns:r="http://schemas.openxmlformats.org/officeDocument/2006/relationships" xmlns:p="http://schemas.openxmlformats.org/presentationml/2006/main">
+  <p:cSld>
+    <p:spTree>
+      <p:nvGrpSpPr>
+        <p:cNvPr id="1" name=""/>
+        <p:cNvGrpSpPr/>
+        <p:nvPr/>
+      </p:nvGrpSpPr>
+      <p:grpSpPr>
+        <a:xfrm>
+          <a:off x="0" y="0"/>
+          <a:ext cx="0" cy="0"/>
+          <a:chOff x="0" y="0"/>
+          <a:chExt cx="0" cy="0"/>
+        </a:xfrm>
+      </p:grpSpPr>
+      <p:sp>
+        <p:nvSpPr>
+          <p:cNvPr id="2" name="Slide Image Placeholder 1"/>
+          <p:cNvSpPr>
+            <a:spLocks noGrp="1" noRot="1" noChangeAspect="1"/>
+          </p:cNvSpPr>
+          <p:nvPr>
+            <p:ph type="sldImg"/>
+          </p:nvPr>
+        </p:nvSpPr>
+        <p:spPr/>
+      </p:sp>
+      <p:sp>
+        <p:nvSpPr>
+          <p:cNvPr id="3" name="Notes Placeholder 2"/>
+          <p:cNvSpPr>
+            <a:spLocks noGrp="1"/>
+          </p:cNvSpPr>
+          <p:nvPr>
+            <p:ph type="body" idx="1"/>
+          </p:nvPr>
+        </p:nvSpPr>
+        <p:spPr/>
+        <p:txBody>
+          <a:bodyPr/>
+          <a:lstStyle/>
+          <a:p>
+            <a:r>
+              <a:rPr lang="en-US" dirty="0"/>
+              <a:t>Show this code in plain python, </a:t>
+            </a:r>
+            <a:r>
+              <a:rPr lang="en-US" dirty="0" err="1"/>
+              <a:t>i</a:t>
+            </a:r>
+            <a:r>
+              <a:rPr lang="en-US" dirty="0"/>
+              <a:t>. e., no IDE, </a:t>
+            </a:r>
+            <a:r>
+              <a:rPr lang="en-US" dirty="0" err="1"/>
+              <a:t>VSCode</a:t>
+            </a:r>
+            <a:r>
+              <a:rPr lang="en-US" dirty="0"/>
+              <a:t>, </a:t>
+            </a:r>
+            <a:r>
+              <a:rPr lang="en-US" dirty="0" err="1"/>
+              <a:t>Jupyter</a:t>
+            </a:r>
+            <a:r>
+              <a:rPr lang="en-US" dirty="0"/>
+              <a:t>,…</a:t>
+            </a:r>
+          </a:p>
+        </p:txBody>
+      </p:sp>
+      <p:sp>
+        <p:nvSpPr>
+          <p:cNvPr id="4" name="Slide Number Placeholder 3"/>
+          <p:cNvSpPr>
+            <a:spLocks noGrp="1"/>
+          </p:cNvSpPr>
+          <p:nvPr>
+            <p:ph type="sldNum" sz="quarter" idx="5"/>
+          </p:nvPr>
+        </p:nvSpPr>
+        <p:spPr/>
+        <p:txBody>
+          <a:bodyPr/>
+          <a:lstStyle/>
+          <a:p>
+            <a:fld id="{7677C2CC-2023-45DB-8917-C16B4F38B900}" type="slidenum">
+              <a:rPr lang="en-US" smtClean="0"/>
+              <a:t>8</a:t>
+            </a:fld>
+            <a:endParaRPr lang="en-US"/>
+          </a:p>
+        </p:txBody>
+      </p:sp>
+    </p:spTree>
+    <p:extLst>
+      <p:ext uri="{BB962C8B-B14F-4D97-AF65-F5344CB8AC3E}">
+        <p14:creationId xmlns:p14="http://schemas.microsoft.com/office/powerpoint/2010/main" val="3276455971"/>
+      </p:ext>
+    </p:extLst>
+  </p:cSld>
+  <p:clrMapOvr>
+    <a:masterClrMapping/>
+  </p:clrMapOvr>
+</p:notes>
+</file>
+
+<file path=ppt/notesSlides/notesSlide4.xml><?xml version="1.0" encoding="utf-8"?>
+<p:notes xmlns:a="http://schemas.openxmlformats.org/drawingml/2006/main" xmlns:r="http://schemas.openxmlformats.org/officeDocument/2006/relationships" xmlns:p="http://schemas.openxmlformats.org/presentationml/2006/main">
+  <p:cSld>
+    <p:spTree>
+      <p:nvGrpSpPr>
+        <p:cNvPr id="1" name=""/>
+        <p:cNvGrpSpPr/>
+        <p:nvPr/>
+      </p:nvGrpSpPr>
+      <p:grpSpPr>
+        <a:xfrm>
+          <a:off x="0" y="0"/>
+          <a:ext cx="0" cy="0"/>
+          <a:chOff x="0" y="0"/>
+          <a:chExt cx="0" cy="0"/>
+        </a:xfrm>
+      </p:grpSpPr>
+      <p:sp>
+        <p:nvSpPr>
+          <p:cNvPr id="2" name="Slide Image Placeholder 1"/>
+          <p:cNvSpPr>
+            <a:spLocks noGrp="1" noRot="1" noChangeAspect="1"/>
+          </p:cNvSpPr>
+          <p:nvPr>
+            <p:ph type="sldImg"/>
+          </p:nvPr>
+        </p:nvSpPr>
+        <p:spPr/>
+      </p:sp>
+      <p:sp>
+        <p:nvSpPr>
+          <p:cNvPr id="3" name="Notes Placeholder 2"/>
+          <p:cNvSpPr>
+            <a:spLocks noGrp="1"/>
+          </p:cNvSpPr>
+          <p:nvPr>
+            <p:ph type="body" idx="1"/>
+          </p:nvPr>
+        </p:nvSpPr>
+        <p:spPr/>
+        <p:txBody>
+          <a:bodyPr/>
+          <a:lstStyle/>
+          <a:p>
+            <a:r>
+              <a:rPr lang="en-US" dirty="0"/>
+              <a:t>Print(type()) # for each</a:t>
+            </a:r>
+          </a:p>
+        </p:txBody>
+      </p:sp>
+      <p:sp>
+        <p:nvSpPr>
+          <p:cNvPr id="4" name="Slide Number Placeholder 3"/>
+          <p:cNvSpPr>
+            <a:spLocks noGrp="1"/>
+          </p:cNvSpPr>
+          <p:nvPr>
+            <p:ph type="sldNum" sz="quarter" idx="5"/>
+          </p:nvPr>
+        </p:nvSpPr>
+        <p:spPr/>
+        <p:txBody>
+          <a:bodyPr/>
+          <a:lstStyle/>
+          <a:p>
+            <a:fld id="{7677C2CC-2023-45DB-8917-C16B4F38B900}" type="slidenum">
+              <a:rPr lang="en-US" smtClean="0"/>
+              <a:t>10</a:t>
+            </a:fld>
+            <a:endParaRPr lang="en-US"/>
+          </a:p>
+        </p:txBody>
+      </p:sp>
+    </p:spTree>
+    <p:extLst>
+      <p:ext uri="{BB962C8B-B14F-4D97-AF65-F5344CB8AC3E}">
+        <p14:creationId xmlns:p14="http://schemas.microsoft.com/office/powerpoint/2010/main" val="2914520624"/>
+      </p:ext>
+    </p:extLst>
+  </p:cSld>
+  <p:clrMapOvr>
+    <a:masterClrMapping/>
+  </p:clrMapOvr>
+</p:notes>
+</file>
+
+<file path=ppt/notesSlides/notesSlide5.xml><?xml version="1.0" encoding="utf-8"?>
+<p:notes xmlns:a="http://schemas.openxmlformats.org/drawingml/2006/main" xmlns:r="http://schemas.openxmlformats.org/officeDocument/2006/relationships" xmlns:p="http://schemas.openxmlformats.org/presentationml/2006/main">
+  <p:cSld>
+    <p:spTree>
+      <p:nvGrpSpPr>
+        <p:cNvPr id="1" name=""/>
+        <p:cNvGrpSpPr/>
+        <p:nvPr/>
+      </p:nvGrpSpPr>
+      <p:grpSpPr>
+        <a:xfrm>
+          <a:off x="0" y="0"/>
+          <a:ext cx="0" cy="0"/>
+          <a:chOff x="0" y="0"/>
+          <a:chExt cx="0" cy="0"/>
+        </a:xfrm>
+      </p:grpSpPr>
+      <p:sp>
+        <p:nvSpPr>
+          <p:cNvPr id="2" name="Slide Image Placeholder 1"/>
+          <p:cNvSpPr>
+            <a:spLocks noGrp="1" noRot="1" noChangeAspect="1"/>
+          </p:cNvSpPr>
+          <p:nvPr>
+            <p:ph type="sldImg"/>
+          </p:nvPr>
+        </p:nvSpPr>
+        <p:spPr/>
+      </p:sp>
+      <p:sp>
+        <p:nvSpPr>
+          <p:cNvPr id="3" name="Notes Placeholder 2"/>
+          <p:cNvSpPr>
+            <a:spLocks noGrp="1"/>
+          </p:cNvSpPr>
+          <p:nvPr>
+            <p:ph type="body" idx="1"/>
+          </p:nvPr>
+        </p:nvSpPr>
+        <p:spPr/>
+        <p:txBody>
+          <a:bodyPr/>
+          <a:lstStyle/>
+          <a:p>
+            <a:r>
+              <a:rPr lang="en-US" dirty="0"/>
+              <a:t>Show cells (</a:t>
+            </a:r>
+            <a:r>
+              <a:rPr lang="en-US" dirty="0" err="1"/>
+              <a:t>MarkDown</a:t>
+            </a:r>
+            <a:r>
+              <a:rPr lang="en-US" dirty="0"/>
+              <a:t> with equations and titles, Python Code and matplotlib plots)</a:t>
+            </a:r>
+          </a:p>
+        </p:txBody>
+      </p:sp>
+      <p:sp>
+        <p:nvSpPr>
+          <p:cNvPr id="4" name="Slide Number Placeholder 3"/>
+          <p:cNvSpPr>
+            <a:spLocks noGrp="1"/>
+          </p:cNvSpPr>
+          <p:nvPr>
+            <p:ph type="sldNum" sz="quarter" idx="5"/>
+          </p:nvPr>
+        </p:nvSpPr>
+        <p:spPr/>
+        <p:txBody>
+          <a:bodyPr/>
+          <a:lstStyle/>
+          <a:p>
+            <a:fld id="{7677C2CC-2023-45DB-8917-C16B4F38B900}" type="slidenum">
+              <a:rPr lang="en-US" smtClean="0"/>
+              <a:t>13</a:t>
+            </a:fld>
+            <a:endParaRPr lang="en-US"/>
+          </a:p>
+        </p:txBody>
+      </p:sp>
+    </p:spTree>
+    <p:extLst>
+      <p:ext uri="{BB962C8B-B14F-4D97-AF65-F5344CB8AC3E}">
+        <p14:creationId xmlns:p14="http://schemas.microsoft.com/office/powerpoint/2010/main" val="2404942269"/>
+      </p:ext>
+    </p:extLst>
+  </p:cSld>
+  <p:clrMapOvr>
+    <a:masterClrMapping/>
+  </p:clrMapOvr>
+</p:notes>
+</file>
+
+<file path=ppt/notesSlides/notesSlide6.xml><?xml version="1.0" encoding="utf-8"?>
+<p:notes xmlns:a="http://schemas.openxmlformats.org/drawingml/2006/main" xmlns:r="http://schemas.openxmlformats.org/officeDocument/2006/relationships" xmlns:p="http://schemas.openxmlformats.org/presentationml/2006/main">
+  <p:cSld>
+    <p:spTree>
+      <p:nvGrpSpPr>
+        <p:cNvPr id="1" name=""/>
+        <p:cNvGrpSpPr/>
+        <p:nvPr/>
+      </p:nvGrpSpPr>
+      <p:grpSpPr>
+        <a:xfrm>
+          <a:off x="0" y="0"/>
+          <a:ext cx="0" cy="0"/>
+          <a:chOff x="0" y="0"/>
+          <a:chExt cx="0" cy="0"/>
+        </a:xfrm>
+      </p:grpSpPr>
+      <p:sp>
+        <p:nvSpPr>
+          <p:cNvPr id="2" name="Slide Image Placeholder 1"/>
+          <p:cNvSpPr>
+            <a:spLocks noGrp="1" noRot="1" noChangeAspect="1"/>
+          </p:cNvSpPr>
+          <p:nvPr>
+            <p:ph type="sldImg"/>
+          </p:nvPr>
+        </p:nvSpPr>
+        <p:spPr/>
+      </p:sp>
+      <p:sp>
+        <p:nvSpPr>
+          <p:cNvPr id="3" name="Notes Placeholder 2"/>
+          <p:cNvSpPr>
+            <a:spLocks noGrp="1"/>
+          </p:cNvSpPr>
+          <p:nvPr>
+            <p:ph type="body" idx="1"/>
+          </p:nvPr>
+        </p:nvSpPr>
+        <p:spPr/>
+        <p:txBody>
+          <a:bodyPr/>
+          <a:lstStyle/>
+          <a:p>
+            <a:r>
+              <a:rPr lang="en-US" dirty="0"/>
+              <a:t>Show snippets</a:t>
+            </a:r>
+          </a:p>
+          <a:p>
+            <a:r>
+              <a:rPr lang="en-US" dirty="0"/>
+              <a:t>Show how to access Zeal documentation for help</a:t>
+            </a:r>
+          </a:p>
+        </p:txBody>
+      </p:sp>
+      <p:sp>
+        <p:nvSpPr>
+          <p:cNvPr id="4" name="Slide Number Placeholder 3"/>
+          <p:cNvSpPr>
+            <a:spLocks noGrp="1"/>
+          </p:cNvSpPr>
+          <p:nvPr>
+            <p:ph type="sldNum" sz="quarter" idx="5"/>
+          </p:nvPr>
+        </p:nvSpPr>
+        <p:spPr/>
+        <p:txBody>
+          <a:bodyPr/>
+          <a:lstStyle/>
+          <a:p>
+            <a:fld id="{7677C2CC-2023-45DB-8917-C16B4F38B900}" type="slidenum">
+              <a:rPr lang="en-US" smtClean="0"/>
+              <a:t>14</a:t>
+            </a:fld>
+            <a:endParaRPr lang="en-US"/>
+          </a:p>
+        </p:txBody>
+      </p:sp>
+    </p:spTree>
+    <p:extLst>
+      <p:ext uri="{BB962C8B-B14F-4D97-AF65-F5344CB8AC3E}">
+        <p14:creationId xmlns:p14="http://schemas.microsoft.com/office/powerpoint/2010/main" val="2068651003"/>
+      </p:ext>
+    </p:extLst>
+  </p:cSld>
+  <p:clrMapOvr>
+    <a:masterClrMapping/>
+  </p:clrMapOvr>
+</p:notes>
+</file>
+
 <file path=ppt/slideLayouts/slideLayout1.xml><?xml version="1.0" encoding="utf-8"?>
 <p:sldLayout xmlns:a="http://schemas.openxmlformats.org/drawingml/2006/main" xmlns:r="http://schemas.openxmlformats.org/officeDocument/2006/relationships" xmlns:p="http://schemas.openxmlformats.org/presentationml/2006/main" type="title" preserve="1">
   <p:cSld name="Title Slide">
@@ -265,7 +1196,7 @@
           <a:p>
             <a:fld id="{8FB8B4F4-5254-4862-9C13-0C9DD93BE148}" type="datetimeFigureOut">
               <a:rPr lang="en-US" smtClean="0"/>
-              <a:t>2/6/2020</a:t>
+              <a:t>3/12/2020</a:t>
             </a:fld>
             <a:endParaRPr lang="en-US"/>
           </a:p>
@@ -463,7 +1394,7 @@
           <a:p>
             <a:fld id="{8FB8B4F4-5254-4862-9C13-0C9DD93BE148}" type="datetimeFigureOut">
               <a:rPr lang="en-US" smtClean="0"/>
-              <a:t>2/6/2020</a:t>
+              <a:t>3/12/2020</a:t>
             </a:fld>
             <a:endParaRPr lang="en-US"/>
           </a:p>
@@ -671,7 +1602,7 @@
           <a:p>
             <a:fld id="{8FB8B4F4-5254-4862-9C13-0C9DD93BE148}" type="datetimeFigureOut">
               <a:rPr lang="en-US" smtClean="0"/>
-              <a:t>2/6/2020</a:t>
+              <a:t>3/12/2020</a:t>
             </a:fld>
             <a:endParaRPr lang="en-US"/>
           </a:p>
@@ -869,7 +1800,7 @@
           <a:p>
             <a:fld id="{8FB8B4F4-5254-4862-9C13-0C9DD93BE148}" type="datetimeFigureOut">
               <a:rPr lang="en-US" smtClean="0"/>
-              <a:t>2/6/2020</a:t>
+              <a:t>3/12/2020</a:t>
             </a:fld>
             <a:endParaRPr lang="en-US"/>
           </a:p>
@@ -1144,7 +2075,7 @@
           <a:p>
             <a:fld id="{8FB8B4F4-5254-4862-9C13-0C9DD93BE148}" type="datetimeFigureOut">
               <a:rPr lang="en-US" smtClean="0"/>
-              <a:t>2/6/2020</a:t>
+              <a:t>3/12/2020</a:t>
             </a:fld>
             <a:endParaRPr lang="en-US"/>
           </a:p>
@@ -1409,7 +2340,7 @@
           <a:p>
             <a:fld id="{8FB8B4F4-5254-4862-9C13-0C9DD93BE148}" type="datetimeFigureOut">
               <a:rPr lang="en-US" smtClean="0"/>
-              <a:t>2/6/2020</a:t>
+              <a:t>3/12/2020</a:t>
             </a:fld>
             <a:endParaRPr lang="en-US"/>
           </a:p>
@@ -1821,7 +2752,7 @@
           <a:p>
             <a:fld id="{8FB8B4F4-5254-4862-9C13-0C9DD93BE148}" type="datetimeFigureOut">
               <a:rPr lang="en-US" smtClean="0"/>
-              <a:t>2/6/2020</a:t>
+              <a:t>3/12/2020</a:t>
             </a:fld>
             <a:endParaRPr lang="en-US"/>
           </a:p>
@@ -1962,7 +2893,7 @@
           <a:p>
             <a:fld id="{8FB8B4F4-5254-4862-9C13-0C9DD93BE148}" type="datetimeFigureOut">
               <a:rPr lang="en-US" smtClean="0"/>
-              <a:t>2/6/2020</a:t>
+              <a:t>3/12/2020</a:t>
             </a:fld>
             <a:endParaRPr lang="en-US"/>
           </a:p>
@@ -2075,7 +3006,7 @@
           <a:p>
             <a:fld id="{8FB8B4F4-5254-4862-9C13-0C9DD93BE148}" type="datetimeFigureOut">
               <a:rPr lang="en-US" smtClean="0"/>
-              <a:t>2/6/2020</a:t>
+              <a:t>3/12/2020</a:t>
             </a:fld>
             <a:endParaRPr lang="en-US"/>
           </a:p>
@@ -2386,7 +3317,7 @@
           <a:p>
             <a:fld id="{8FB8B4F4-5254-4862-9C13-0C9DD93BE148}" type="datetimeFigureOut">
               <a:rPr lang="en-US" smtClean="0"/>
-              <a:t>2/6/2020</a:t>
+              <a:t>3/12/2020</a:t>
             </a:fld>
             <a:endParaRPr lang="en-US"/>
           </a:p>
@@ -2674,7 +3605,7 @@
           <a:p>
             <a:fld id="{8FB8B4F4-5254-4862-9C13-0C9DD93BE148}" type="datetimeFigureOut">
               <a:rPr lang="en-US" smtClean="0"/>
-              <a:t>2/6/2020</a:t>
+              <a:t>3/12/2020</a:t>
             </a:fld>
             <a:endParaRPr lang="en-US"/>
           </a:p>
@@ -2915,7 +3846,7 @@
           <a:p>
             <a:fld id="{8FB8B4F4-5254-4862-9C13-0C9DD93BE148}" type="datetimeFigureOut">
               <a:rPr lang="en-US" smtClean="0"/>
-              <a:t>2/6/2020</a:t>
+              <a:t>3/12/2020</a:t>
             </a:fld>
             <a:endParaRPr lang="en-US"/>
           </a:p>
@@ -3398,6 +4329,1546 @@
 </p:sld>
 </file>
 
+<file path=ppt/slides/slide10.xml><?xml version="1.0" encoding="utf-8"?>
+<p:sld xmlns:a="http://schemas.openxmlformats.org/drawingml/2006/main" xmlns:r="http://schemas.openxmlformats.org/officeDocument/2006/relationships" xmlns:p="http://schemas.openxmlformats.org/presentationml/2006/main">
+  <p:cSld>
+    <p:spTree>
+      <p:nvGrpSpPr>
+        <p:cNvPr id="1" name=""/>
+        <p:cNvGrpSpPr/>
+        <p:nvPr/>
+      </p:nvGrpSpPr>
+      <p:grpSpPr>
+        <a:xfrm>
+          <a:off x="0" y="0"/>
+          <a:ext cx="0" cy="0"/>
+          <a:chOff x="0" y="0"/>
+          <a:chExt cx="0" cy="0"/>
+        </a:xfrm>
+      </p:grpSpPr>
+      <p:sp>
+        <p:nvSpPr>
+          <p:cNvPr id="2" name="Title 1">
+            <a:extLst>
+              <a:ext uri="{FF2B5EF4-FFF2-40B4-BE49-F238E27FC236}">
+                <a16:creationId xmlns:a16="http://schemas.microsoft.com/office/drawing/2014/main" id="{C95F8EB1-BC70-4BFB-90BC-0887F07DA008}"/>
+              </a:ext>
+            </a:extLst>
+          </p:cNvPr>
+          <p:cNvSpPr>
+            <a:spLocks noGrp="1"/>
+          </p:cNvSpPr>
+          <p:nvPr>
+            <p:ph type="title"/>
+          </p:nvPr>
+        </p:nvSpPr>
+        <p:spPr/>
+        <p:txBody>
+          <a:bodyPr/>
+          <a:lstStyle/>
+          <a:p>
+            <a:r>
+              <a:rPr lang="en-US" dirty="0"/>
+              <a:t>Python (Data Types/Structures)</a:t>
+            </a:r>
+          </a:p>
+        </p:txBody>
+      </p:sp>
+      <p:pic>
+        <p:nvPicPr>
+          <p:cNvPr id="4" name="Picture 2">
+            <a:extLst>
+              <a:ext uri="{FF2B5EF4-FFF2-40B4-BE49-F238E27FC236}">
+                <a16:creationId xmlns:a16="http://schemas.microsoft.com/office/drawing/2014/main" id="{1CAF1D65-EBAE-4F5A-9A48-0B2C8F7A2415}"/>
+              </a:ext>
+            </a:extLst>
+          </p:cNvPr>
+          <p:cNvPicPr>
+            <a:picLocks noChangeAspect="1" noChangeArrowheads="1"/>
+          </p:cNvPicPr>
+          <p:nvPr/>
+        </p:nvPicPr>
+        <p:blipFill rotWithShape="1">
+          <a:blip r:embed="rId3">
+            <a:extLst>
+              <a:ext uri="{28A0092B-C50C-407E-A947-70E740481C1C}">
+                <a14:useLocalDpi xmlns:a14="http://schemas.microsoft.com/office/drawing/2010/main" val="0"/>
+              </a:ext>
+            </a:extLst>
+          </a:blip>
+          <a:srcRect l="25570" r="27311"/>
+          <a:stretch/>
+        </p:blipFill>
+        <p:spPr bwMode="auto">
+          <a:xfrm>
+            <a:off x="10706408" y="161482"/>
+            <a:ext cx="1294784" cy="1297627"/>
+          </a:xfrm>
+          <a:prstGeom prst="rect">
+            <a:avLst/>
+          </a:prstGeom>
+          <a:noFill/>
+          <a:extLst>
+            <a:ext uri="{909E8E84-426E-40DD-AFC4-6F175D3DCCD1}">
+              <a14:hiddenFill xmlns:a14="http://schemas.microsoft.com/office/drawing/2010/main">
+                <a:solidFill>
+                  <a:srgbClr val="FFFFFF"/>
+                </a:solidFill>
+              </a14:hiddenFill>
+            </a:ext>
+          </a:extLst>
+        </p:spPr>
+      </p:pic>
+      <p:sp>
+        <p:nvSpPr>
+          <p:cNvPr id="5" name="Rectangle 4">
+            <a:extLst>
+              <a:ext uri="{FF2B5EF4-FFF2-40B4-BE49-F238E27FC236}">
+                <a16:creationId xmlns:a16="http://schemas.microsoft.com/office/drawing/2014/main" id="{73E4B20A-3153-42E2-BF14-BE63B7C1685F}"/>
+              </a:ext>
+            </a:extLst>
+          </p:cNvPr>
+          <p:cNvSpPr/>
+          <p:nvPr/>
+        </p:nvSpPr>
+        <p:spPr>
+          <a:xfrm>
+            <a:off x="1171905" y="2614839"/>
+            <a:ext cx="6096000" cy="1938992"/>
+          </a:xfrm>
+          <a:prstGeom prst="rect">
+            <a:avLst/>
+          </a:prstGeom>
+          <a:solidFill>
+            <a:srgbClr val="1E1E1E"/>
+          </a:solidFill>
+        </p:spPr>
+        <p:txBody>
+          <a:bodyPr>
+            <a:spAutoFit/>
+          </a:bodyPr>
+          <a:lstStyle/>
+          <a:p>
+            <a:r>
+              <a:rPr lang="en-US" sz="2400" dirty="0">
+                <a:solidFill>
+                  <a:srgbClr val="D4D4D4"/>
+                </a:solidFill>
+                <a:latin typeface="Consolas" panose="020B0609020204030204" pitchFamily="49" charset="0"/>
+              </a:rPr>
+              <a:t>(</a:t>
+            </a:r>
+            <a:r>
+              <a:rPr lang="en-US" sz="2400" dirty="0">
+                <a:solidFill>
+                  <a:srgbClr val="CE9178"/>
+                </a:solidFill>
+                <a:latin typeface="Consolas" panose="020B0609020204030204" pitchFamily="49" charset="0"/>
+              </a:rPr>
+              <a:t>'a'</a:t>
+            </a:r>
+            <a:r>
+              <a:rPr lang="en-US" sz="2400" dirty="0">
+                <a:solidFill>
+                  <a:srgbClr val="D4D4D4"/>
+                </a:solidFill>
+                <a:latin typeface="Consolas" panose="020B0609020204030204" pitchFamily="49" charset="0"/>
+              </a:rPr>
+              <a:t>, </a:t>
+            </a:r>
+            <a:r>
+              <a:rPr lang="en-US" sz="2400" dirty="0">
+                <a:solidFill>
+                  <a:srgbClr val="B5CEA8"/>
+                </a:solidFill>
+                <a:latin typeface="Consolas" panose="020B0609020204030204" pitchFamily="49" charset="0"/>
+              </a:rPr>
+              <a:t>5</a:t>
+            </a:r>
+            <a:r>
+              <a:rPr lang="en-US" sz="2400" dirty="0">
+                <a:solidFill>
+                  <a:srgbClr val="D4D4D4"/>
+                </a:solidFill>
+                <a:latin typeface="Consolas" panose="020B0609020204030204" pitchFamily="49" charset="0"/>
+              </a:rPr>
+              <a:t>) </a:t>
+            </a:r>
+            <a:r>
+              <a:rPr lang="en-US" sz="2400" dirty="0">
+                <a:solidFill>
+                  <a:srgbClr val="6A9955"/>
+                </a:solidFill>
+                <a:latin typeface="Consolas" panose="020B0609020204030204" pitchFamily="49" charset="0"/>
+              </a:rPr>
+              <a:t># tuple</a:t>
+            </a:r>
+            <a:endParaRPr lang="en-US" sz="2400" dirty="0">
+              <a:solidFill>
+                <a:srgbClr val="D4D4D4"/>
+              </a:solidFill>
+              <a:latin typeface="Consolas" panose="020B0609020204030204" pitchFamily="49" charset="0"/>
+            </a:endParaRPr>
+          </a:p>
+          <a:p>
+            <a:r>
+              <a:rPr lang="en-US" sz="2400" dirty="0">
+                <a:solidFill>
+                  <a:srgbClr val="D4D4D4"/>
+                </a:solidFill>
+                <a:latin typeface="Consolas" panose="020B0609020204030204" pitchFamily="49" charset="0"/>
+              </a:rPr>
+              <a:t>[</a:t>
+            </a:r>
+            <a:r>
+              <a:rPr lang="en-US" sz="2400" dirty="0">
+                <a:solidFill>
+                  <a:srgbClr val="CE9178"/>
+                </a:solidFill>
+                <a:latin typeface="Consolas" panose="020B0609020204030204" pitchFamily="49" charset="0"/>
+              </a:rPr>
+              <a:t>'a'</a:t>
+            </a:r>
+            <a:r>
+              <a:rPr lang="en-US" sz="2400" dirty="0">
+                <a:solidFill>
+                  <a:srgbClr val="D4D4D4"/>
+                </a:solidFill>
+                <a:latin typeface="Consolas" panose="020B0609020204030204" pitchFamily="49" charset="0"/>
+              </a:rPr>
+              <a:t>, </a:t>
+            </a:r>
+            <a:r>
+              <a:rPr lang="en-US" sz="2400" dirty="0">
+                <a:solidFill>
+                  <a:srgbClr val="B5CEA8"/>
+                </a:solidFill>
+                <a:latin typeface="Consolas" panose="020B0609020204030204" pitchFamily="49" charset="0"/>
+              </a:rPr>
+              <a:t>5</a:t>
+            </a:r>
+            <a:r>
+              <a:rPr lang="en-US" sz="2400" dirty="0">
+                <a:solidFill>
+                  <a:srgbClr val="D4D4D4"/>
+                </a:solidFill>
+                <a:latin typeface="Consolas" panose="020B0609020204030204" pitchFamily="49" charset="0"/>
+              </a:rPr>
+              <a:t>, </a:t>
+            </a:r>
+            <a:r>
+              <a:rPr lang="en-US" sz="2400" dirty="0">
+                <a:solidFill>
+                  <a:srgbClr val="569CD6"/>
+                </a:solidFill>
+                <a:latin typeface="Consolas" panose="020B0609020204030204" pitchFamily="49" charset="0"/>
+              </a:rPr>
+              <a:t>True</a:t>
+            </a:r>
+            <a:r>
+              <a:rPr lang="en-US" sz="2400" dirty="0">
+                <a:solidFill>
+                  <a:srgbClr val="D4D4D4"/>
+                </a:solidFill>
+                <a:latin typeface="Consolas" panose="020B0609020204030204" pitchFamily="49" charset="0"/>
+              </a:rPr>
+              <a:t>] </a:t>
+            </a:r>
+            <a:r>
+              <a:rPr lang="en-US" sz="2400" dirty="0">
+                <a:solidFill>
+                  <a:srgbClr val="6A9955"/>
+                </a:solidFill>
+                <a:latin typeface="Consolas" panose="020B0609020204030204" pitchFamily="49" charset="0"/>
+              </a:rPr>
+              <a:t># list</a:t>
+            </a:r>
+            <a:endParaRPr lang="en-US" sz="2400" dirty="0">
+              <a:solidFill>
+                <a:srgbClr val="D4D4D4"/>
+              </a:solidFill>
+              <a:latin typeface="Consolas" panose="020B0609020204030204" pitchFamily="49" charset="0"/>
+            </a:endParaRPr>
+          </a:p>
+          <a:p>
+            <a:r>
+              <a:rPr lang="en-US" sz="2400" dirty="0">
+                <a:solidFill>
+                  <a:srgbClr val="D4D4D4"/>
+                </a:solidFill>
+                <a:latin typeface="Consolas" panose="020B0609020204030204" pitchFamily="49" charset="0"/>
+              </a:rPr>
+              <a:t>{</a:t>
+            </a:r>
+            <a:r>
+              <a:rPr lang="en-US" sz="2400" dirty="0">
+                <a:solidFill>
+                  <a:srgbClr val="B5CEA8"/>
+                </a:solidFill>
+                <a:latin typeface="Consolas" panose="020B0609020204030204" pitchFamily="49" charset="0"/>
+              </a:rPr>
+              <a:t>2</a:t>
+            </a:r>
+            <a:r>
+              <a:rPr lang="en-US" sz="2400" dirty="0">
+                <a:solidFill>
+                  <a:srgbClr val="D4D4D4"/>
+                </a:solidFill>
+                <a:latin typeface="Consolas" panose="020B0609020204030204" pitchFamily="49" charset="0"/>
+              </a:rPr>
+              <a:t>, </a:t>
+            </a:r>
+            <a:r>
+              <a:rPr lang="en-US" sz="2400" dirty="0">
+                <a:solidFill>
+                  <a:srgbClr val="CE9178"/>
+                </a:solidFill>
+                <a:latin typeface="Consolas" panose="020B0609020204030204" pitchFamily="49" charset="0"/>
+              </a:rPr>
+              <a:t>'a'</a:t>
+            </a:r>
+            <a:r>
+              <a:rPr lang="en-US" sz="2400" dirty="0">
+                <a:solidFill>
+                  <a:srgbClr val="D4D4D4"/>
+                </a:solidFill>
+                <a:latin typeface="Consolas" panose="020B0609020204030204" pitchFamily="49" charset="0"/>
+              </a:rPr>
+              <a:t>} </a:t>
+            </a:r>
+            <a:r>
+              <a:rPr lang="en-US" sz="2400" dirty="0">
+                <a:solidFill>
+                  <a:srgbClr val="6A9955"/>
+                </a:solidFill>
+                <a:latin typeface="Consolas" panose="020B0609020204030204" pitchFamily="49" charset="0"/>
+              </a:rPr>
+              <a:t># set</a:t>
+            </a:r>
+            <a:endParaRPr lang="en-US" sz="2400" dirty="0">
+              <a:solidFill>
+                <a:srgbClr val="D4D4D4"/>
+              </a:solidFill>
+              <a:latin typeface="Consolas" panose="020B0609020204030204" pitchFamily="49" charset="0"/>
+            </a:endParaRPr>
+          </a:p>
+          <a:p>
+            <a:r>
+              <a:rPr lang="en-US" sz="2400" dirty="0">
+                <a:solidFill>
+                  <a:srgbClr val="D4D4D4"/>
+                </a:solidFill>
+                <a:latin typeface="Consolas" panose="020B0609020204030204" pitchFamily="49" charset="0"/>
+              </a:rPr>
+              <a:t>{</a:t>
+            </a:r>
+            <a:r>
+              <a:rPr lang="en-US" sz="2400" dirty="0">
+                <a:solidFill>
+                  <a:srgbClr val="CE9178"/>
+                </a:solidFill>
+                <a:latin typeface="Consolas" panose="020B0609020204030204" pitchFamily="49" charset="0"/>
+              </a:rPr>
+              <a:t>'a'</a:t>
+            </a:r>
+            <a:r>
+              <a:rPr lang="en-US" sz="2400" dirty="0">
+                <a:solidFill>
+                  <a:srgbClr val="D4D4D4"/>
+                </a:solidFill>
+                <a:latin typeface="Consolas" panose="020B0609020204030204" pitchFamily="49" charset="0"/>
+              </a:rPr>
+              <a:t>:[</a:t>
+            </a:r>
+            <a:r>
+              <a:rPr lang="en-US" sz="2400" dirty="0">
+                <a:solidFill>
+                  <a:srgbClr val="CE9178"/>
+                </a:solidFill>
+                <a:latin typeface="Consolas" panose="020B0609020204030204" pitchFamily="49" charset="0"/>
+              </a:rPr>
+              <a:t>'Professor'</a:t>
+            </a:r>
+            <a:r>
+              <a:rPr lang="en-US" sz="2400" dirty="0">
+                <a:solidFill>
+                  <a:srgbClr val="D4D4D4"/>
+                </a:solidFill>
+                <a:latin typeface="Consolas" panose="020B0609020204030204" pitchFamily="49" charset="0"/>
+              </a:rPr>
+              <a:t>, </a:t>
+            </a:r>
+            <a:r>
+              <a:rPr lang="en-US" sz="2400" dirty="0">
+                <a:solidFill>
+                  <a:srgbClr val="CE9178"/>
+                </a:solidFill>
+                <a:latin typeface="Consolas" panose="020B0609020204030204" pitchFamily="49" charset="0"/>
+              </a:rPr>
+              <a:t>'Students'</a:t>
+            </a:r>
+            <a:r>
+              <a:rPr lang="en-US" sz="2400" dirty="0">
+                <a:solidFill>
+                  <a:srgbClr val="D4D4D4"/>
+                </a:solidFill>
+                <a:latin typeface="Consolas" panose="020B0609020204030204" pitchFamily="49" charset="0"/>
+              </a:rPr>
+              <a:t>], </a:t>
+            </a:r>
+            <a:r>
+              <a:rPr lang="en-US" sz="2400" dirty="0">
+                <a:solidFill>
+                  <a:srgbClr val="CE9178"/>
+                </a:solidFill>
+                <a:latin typeface="Consolas" panose="020B0609020204030204" pitchFamily="49" charset="0"/>
+              </a:rPr>
+              <a:t>'x'</a:t>
+            </a:r>
+            <a:r>
+              <a:rPr lang="en-US" sz="2400" dirty="0">
+                <a:solidFill>
+                  <a:srgbClr val="D4D4D4"/>
+                </a:solidFill>
+                <a:latin typeface="Consolas" panose="020B0609020204030204" pitchFamily="49" charset="0"/>
+              </a:rPr>
+              <a:t>:[</a:t>
+            </a:r>
+            <a:r>
+              <a:rPr lang="en-US" sz="2400" dirty="0">
+                <a:solidFill>
+                  <a:srgbClr val="B5CEA8"/>
+                </a:solidFill>
+                <a:latin typeface="Consolas" panose="020B0609020204030204" pitchFamily="49" charset="0"/>
+              </a:rPr>
+              <a:t>111</a:t>
+            </a:r>
+            <a:r>
+              <a:rPr lang="en-US" sz="2400" dirty="0">
+                <a:solidFill>
+                  <a:srgbClr val="D4D4D4"/>
+                </a:solidFill>
+                <a:latin typeface="Consolas" panose="020B0609020204030204" pitchFamily="49" charset="0"/>
+              </a:rPr>
+              <a:t>, </a:t>
+            </a:r>
+            <a:r>
+              <a:rPr lang="en-US" sz="2400" dirty="0">
+                <a:solidFill>
+                  <a:srgbClr val="B5CEA8"/>
+                </a:solidFill>
+                <a:latin typeface="Consolas" panose="020B0609020204030204" pitchFamily="49" charset="0"/>
+              </a:rPr>
+              <a:t>555</a:t>
+            </a:r>
+            <a:r>
+              <a:rPr lang="en-US" sz="2400" dirty="0">
+                <a:solidFill>
+                  <a:srgbClr val="D4D4D4"/>
+                </a:solidFill>
+                <a:latin typeface="Consolas" panose="020B0609020204030204" pitchFamily="49" charset="0"/>
+              </a:rPr>
+              <a:t>]} </a:t>
+            </a:r>
+            <a:r>
+              <a:rPr lang="en-US" sz="2400" dirty="0">
+                <a:solidFill>
+                  <a:srgbClr val="6A9955"/>
+                </a:solidFill>
+                <a:latin typeface="Consolas" panose="020B0609020204030204" pitchFamily="49" charset="0"/>
+              </a:rPr>
+              <a:t># Dictionary</a:t>
+            </a:r>
+            <a:endParaRPr lang="en-US" sz="2400" b="0" dirty="0">
+              <a:solidFill>
+                <a:srgbClr val="D4D4D4"/>
+              </a:solidFill>
+              <a:effectLst/>
+              <a:latin typeface="Consolas" panose="020B0609020204030204" pitchFamily="49" charset="0"/>
+            </a:endParaRPr>
+          </a:p>
+        </p:txBody>
+      </p:sp>
+    </p:spTree>
+    <p:extLst>
+      <p:ext uri="{BB962C8B-B14F-4D97-AF65-F5344CB8AC3E}">
+        <p14:creationId xmlns:p14="http://schemas.microsoft.com/office/powerpoint/2010/main" val="2623039935"/>
+      </p:ext>
+    </p:extLst>
+  </p:cSld>
+  <p:clrMapOvr>
+    <a:masterClrMapping/>
+  </p:clrMapOvr>
+</p:sld>
+</file>
+
+<file path=ppt/slides/slide11.xml><?xml version="1.0" encoding="utf-8"?>
+<p:sld xmlns:a="http://schemas.openxmlformats.org/drawingml/2006/main" xmlns:r="http://schemas.openxmlformats.org/officeDocument/2006/relationships" xmlns:p="http://schemas.openxmlformats.org/presentationml/2006/main">
+  <p:cSld>
+    <p:spTree>
+      <p:nvGrpSpPr>
+        <p:cNvPr id="1" name=""/>
+        <p:cNvGrpSpPr/>
+        <p:nvPr/>
+      </p:nvGrpSpPr>
+      <p:grpSpPr>
+        <a:xfrm>
+          <a:off x="0" y="0"/>
+          <a:ext cx="0" cy="0"/>
+          <a:chOff x="0" y="0"/>
+          <a:chExt cx="0" cy="0"/>
+        </a:xfrm>
+      </p:grpSpPr>
+      <p:sp>
+        <p:nvSpPr>
+          <p:cNvPr id="2" name="Title 1">
+            <a:extLst>
+              <a:ext uri="{FF2B5EF4-FFF2-40B4-BE49-F238E27FC236}">
+                <a16:creationId xmlns:a16="http://schemas.microsoft.com/office/drawing/2014/main" id="{C95F8EB1-BC70-4BFB-90BC-0887F07DA008}"/>
+              </a:ext>
+            </a:extLst>
+          </p:cNvPr>
+          <p:cNvSpPr>
+            <a:spLocks noGrp="1"/>
+          </p:cNvSpPr>
+          <p:nvPr>
+            <p:ph type="title"/>
+          </p:nvPr>
+        </p:nvSpPr>
+        <p:spPr/>
+        <p:txBody>
+          <a:bodyPr/>
+          <a:lstStyle/>
+          <a:p>
+            <a:r>
+              <a:rPr lang="en-US" dirty="0"/>
+              <a:t>Python (Pandas)</a:t>
+            </a:r>
+          </a:p>
+        </p:txBody>
+      </p:sp>
+      <p:pic>
+        <p:nvPicPr>
+          <p:cNvPr id="4" name="Picture 2">
+            <a:extLst>
+              <a:ext uri="{FF2B5EF4-FFF2-40B4-BE49-F238E27FC236}">
+                <a16:creationId xmlns:a16="http://schemas.microsoft.com/office/drawing/2014/main" id="{1CAF1D65-EBAE-4F5A-9A48-0B2C8F7A2415}"/>
+              </a:ext>
+            </a:extLst>
+          </p:cNvPr>
+          <p:cNvPicPr>
+            <a:picLocks noChangeAspect="1" noChangeArrowheads="1"/>
+          </p:cNvPicPr>
+          <p:nvPr/>
+        </p:nvPicPr>
+        <p:blipFill rotWithShape="1">
+          <a:blip r:embed="rId2">
+            <a:extLst>
+              <a:ext uri="{28A0092B-C50C-407E-A947-70E740481C1C}">
+                <a14:useLocalDpi xmlns:a14="http://schemas.microsoft.com/office/drawing/2010/main" val="0"/>
+              </a:ext>
+            </a:extLst>
+          </a:blip>
+          <a:srcRect l="25570" r="27311"/>
+          <a:stretch/>
+        </p:blipFill>
+        <p:spPr bwMode="auto">
+          <a:xfrm>
+            <a:off x="7230793" y="681038"/>
+            <a:ext cx="1569962" cy="1573409"/>
+          </a:xfrm>
+          <a:prstGeom prst="rect">
+            <a:avLst/>
+          </a:prstGeom>
+          <a:noFill/>
+          <a:extLst>
+            <a:ext uri="{909E8E84-426E-40DD-AFC4-6F175D3DCCD1}">
+              <a14:hiddenFill xmlns:a14="http://schemas.microsoft.com/office/drawing/2010/main">
+                <a:solidFill>
+                  <a:srgbClr val="FFFFFF"/>
+                </a:solidFill>
+              </a14:hiddenFill>
+            </a:ext>
+          </a:extLst>
+        </p:spPr>
+      </p:pic>
+      <p:pic>
+        <p:nvPicPr>
+          <p:cNvPr id="5" name="Picture 20">
+            <a:extLst>
+              <a:ext uri="{FF2B5EF4-FFF2-40B4-BE49-F238E27FC236}">
+                <a16:creationId xmlns:a16="http://schemas.microsoft.com/office/drawing/2014/main" id="{90BCB2DD-A9E9-4EEB-B8AE-6795C6B7FAB3}"/>
+              </a:ext>
+            </a:extLst>
+          </p:cNvPr>
+          <p:cNvPicPr>
+            <a:picLocks noChangeAspect="1" noChangeArrowheads="1"/>
+          </p:cNvPicPr>
+          <p:nvPr/>
+        </p:nvPicPr>
+        <p:blipFill rotWithShape="1">
+          <a:blip r:embed="rId3">
+            <a:extLst>
+              <a:ext uri="{28A0092B-C50C-407E-A947-70E740481C1C}">
+                <a14:useLocalDpi xmlns:a14="http://schemas.microsoft.com/office/drawing/2010/main" val="0"/>
+              </a:ext>
+            </a:extLst>
+          </a:blip>
+          <a:srcRect l="4562" t="16008" b="19477"/>
+          <a:stretch/>
+        </p:blipFill>
+        <p:spPr bwMode="auto">
+          <a:xfrm>
+            <a:off x="9577742" y="681038"/>
+            <a:ext cx="2276634" cy="1538952"/>
+          </a:xfrm>
+          <a:prstGeom prst="rect">
+            <a:avLst/>
+          </a:prstGeom>
+          <a:noFill/>
+          <a:extLst>
+            <a:ext uri="{909E8E84-426E-40DD-AFC4-6F175D3DCCD1}">
+              <a14:hiddenFill xmlns:a14="http://schemas.microsoft.com/office/drawing/2010/main">
+                <a:solidFill>
+                  <a:srgbClr val="FFFFFF"/>
+                </a:solidFill>
+              </a14:hiddenFill>
+            </a:ext>
+          </a:extLst>
+        </p:spPr>
+      </p:pic>
+      <p:pic>
+        <p:nvPicPr>
+          <p:cNvPr id="4098" name="Picture 2" descr="Image result for pandas data structures">
+            <a:extLst>
+              <a:ext uri="{FF2B5EF4-FFF2-40B4-BE49-F238E27FC236}">
+                <a16:creationId xmlns:a16="http://schemas.microsoft.com/office/drawing/2014/main" id="{5CDCCCC1-A13B-4A07-826F-963948D4E108}"/>
+              </a:ext>
+            </a:extLst>
+          </p:cNvPr>
+          <p:cNvPicPr>
+            <a:picLocks noGrp="1" noChangeAspect="1" noChangeArrowheads="1"/>
+          </p:cNvPicPr>
+          <p:nvPr>
+            <p:ph idx="1"/>
+          </p:nvPr>
+        </p:nvPicPr>
+        <p:blipFill>
+          <a:blip r:embed="rId4">
+            <a:extLst>
+              <a:ext uri="{28A0092B-C50C-407E-A947-70E740481C1C}">
+                <a14:useLocalDpi xmlns:a14="http://schemas.microsoft.com/office/drawing/2010/main" val="0"/>
+              </a:ext>
+            </a:extLst>
+          </a:blip>
+          <a:srcRect/>
+          <a:stretch>
+            <a:fillRect/>
+          </a:stretch>
+        </p:blipFill>
+        <p:spPr bwMode="auto">
+          <a:xfrm>
+            <a:off x="15089" y="1467742"/>
+            <a:ext cx="4998345" cy="5078533"/>
+          </a:xfrm>
+          <a:prstGeom prst="rect">
+            <a:avLst/>
+          </a:prstGeom>
+          <a:noFill/>
+          <a:extLst>
+            <a:ext uri="{909E8E84-426E-40DD-AFC4-6F175D3DCCD1}">
+              <a14:hiddenFill xmlns:a14="http://schemas.microsoft.com/office/drawing/2010/main">
+                <a:solidFill>
+                  <a:srgbClr val="FFFFFF"/>
+                </a:solidFill>
+              </a14:hiddenFill>
+            </a:ext>
+          </a:extLst>
+        </p:spPr>
+      </p:pic>
+      <p:sp>
+        <p:nvSpPr>
+          <p:cNvPr id="7" name="Rectangle 6">
+            <a:extLst>
+              <a:ext uri="{FF2B5EF4-FFF2-40B4-BE49-F238E27FC236}">
+                <a16:creationId xmlns:a16="http://schemas.microsoft.com/office/drawing/2014/main" id="{AC1A195A-036B-46A8-8B28-83D6FA713B7B}"/>
+              </a:ext>
+            </a:extLst>
+          </p:cNvPr>
+          <p:cNvSpPr/>
+          <p:nvPr/>
+        </p:nvSpPr>
+        <p:spPr>
+          <a:xfrm>
+            <a:off x="5171089" y="2254447"/>
+            <a:ext cx="6840942" cy="4524315"/>
+          </a:xfrm>
+          <a:prstGeom prst="rect">
+            <a:avLst/>
+          </a:prstGeom>
+          <a:solidFill>
+            <a:srgbClr val="1E1E1E"/>
+          </a:solidFill>
+        </p:spPr>
+        <p:txBody>
+          <a:bodyPr wrap="square">
+            <a:spAutoFit/>
+          </a:bodyPr>
+          <a:lstStyle/>
+          <a:p>
+            <a:r>
+              <a:rPr lang="en-US" sz="2400" dirty="0">
+                <a:solidFill>
+                  <a:srgbClr val="569CD6"/>
+                </a:solidFill>
+                <a:latin typeface="Consolas" panose="020B0609020204030204" pitchFamily="49" charset="0"/>
+              </a:rPr>
+              <a:t>import</a:t>
+            </a:r>
+            <a:r>
+              <a:rPr lang="en-US" sz="2400" dirty="0">
+                <a:solidFill>
+                  <a:srgbClr val="D4D4D4"/>
+                </a:solidFill>
+                <a:latin typeface="Consolas" panose="020B0609020204030204" pitchFamily="49" charset="0"/>
+              </a:rPr>
+              <a:t> pandas </a:t>
+            </a:r>
+            <a:r>
+              <a:rPr lang="en-US" sz="2400" dirty="0">
+                <a:solidFill>
+                  <a:srgbClr val="569CD6"/>
+                </a:solidFill>
+                <a:latin typeface="Consolas" panose="020B0609020204030204" pitchFamily="49" charset="0"/>
+              </a:rPr>
+              <a:t>as</a:t>
+            </a:r>
+            <a:r>
+              <a:rPr lang="en-US" sz="2400" dirty="0">
+                <a:solidFill>
+                  <a:srgbClr val="D4D4D4"/>
+                </a:solidFill>
+                <a:latin typeface="Consolas" panose="020B0609020204030204" pitchFamily="49" charset="0"/>
+              </a:rPr>
+              <a:t> pd</a:t>
+            </a:r>
+          </a:p>
+          <a:p>
+            <a:r>
+              <a:rPr lang="en-US" sz="2400" dirty="0">
+                <a:solidFill>
+                  <a:srgbClr val="D4D4D4"/>
+                </a:solidFill>
+                <a:latin typeface="Consolas" panose="020B0609020204030204" pitchFamily="49" charset="0"/>
+              </a:rPr>
+              <a:t>x = </a:t>
+            </a:r>
+            <a:r>
+              <a:rPr lang="en-US" sz="2400" dirty="0" err="1">
+                <a:solidFill>
+                  <a:srgbClr val="D4D4D4"/>
+                </a:solidFill>
+                <a:latin typeface="Consolas" panose="020B0609020204030204" pitchFamily="49" charset="0"/>
+              </a:rPr>
+              <a:t>pd.DataFrame</a:t>
+            </a:r>
+            <a:r>
+              <a:rPr lang="en-US" sz="2400" dirty="0">
+                <a:solidFill>
+                  <a:srgbClr val="D4D4D4"/>
+                </a:solidFill>
+                <a:latin typeface="Consolas" panose="020B0609020204030204" pitchFamily="49" charset="0"/>
+              </a:rPr>
+              <a:t>({</a:t>
+            </a:r>
+            <a:r>
+              <a:rPr lang="en-US" sz="2400" dirty="0">
+                <a:solidFill>
+                  <a:srgbClr val="CE9178"/>
+                </a:solidFill>
+                <a:latin typeface="Consolas" panose="020B0609020204030204" pitchFamily="49" charset="0"/>
+              </a:rPr>
+              <a:t>'a'</a:t>
+            </a:r>
+            <a:r>
+              <a:rPr lang="en-US" sz="2400" dirty="0">
+                <a:solidFill>
+                  <a:srgbClr val="D4D4D4"/>
+                </a:solidFill>
+                <a:latin typeface="Consolas" panose="020B0609020204030204" pitchFamily="49" charset="0"/>
+              </a:rPr>
+              <a:t>:[</a:t>
+            </a:r>
+            <a:r>
+              <a:rPr lang="en-US" sz="2400" dirty="0">
+                <a:solidFill>
+                  <a:srgbClr val="CE9178"/>
+                </a:solidFill>
+                <a:latin typeface="Consolas" panose="020B0609020204030204" pitchFamily="49" charset="0"/>
+              </a:rPr>
+              <a:t>'Professor'</a:t>
+            </a:r>
+            <a:r>
+              <a:rPr lang="en-US" sz="2400" dirty="0">
+                <a:solidFill>
+                  <a:srgbClr val="D4D4D4"/>
+                </a:solidFill>
+                <a:latin typeface="Consolas" panose="020B0609020204030204" pitchFamily="49" charset="0"/>
+              </a:rPr>
+              <a:t>, </a:t>
+            </a:r>
+            <a:r>
+              <a:rPr lang="en-US" sz="2400" dirty="0">
+                <a:solidFill>
+                  <a:srgbClr val="CE9178"/>
+                </a:solidFill>
+                <a:latin typeface="Consolas" panose="020B0609020204030204" pitchFamily="49" charset="0"/>
+              </a:rPr>
+              <a:t>'Students'</a:t>
+            </a:r>
+            <a:r>
+              <a:rPr lang="en-US" sz="2400" dirty="0">
+                <a:solidFill>
+                  <a:srgbClr val="D4D4D4"/>
+                </a:solidFill>
+                <a:latin typeface="Consolas" panose="020B0609020204030204" pitchFamily="49" charset="0"/>
+              </a:rPr>
+              <a:t>], </a:t>
+            </a:r>
+            <a:r>
+              <a:rPr lang="en-US" sz="2400" dirty="0">
+                <a:solidFill>
+                  <a:srgbClr val="CE9178"/>
+                </a:solidFill>
+                <a:latin typeface="Consolas" panose="020B0609020204030204" pitchFamily="49" charset="0"/>
+              </a:rPr>
+              <a:t>'y'</a:t>
+            </a:r>
+            <a:r>
+              <a:rPr lang="en-US" sz="2400" dirty="0">
+                <a:solidFill>
+                  <a:srgbClr val="D4D4D4"/>
+                </a:solidFill>
+                <a:latin typeface="Consolas" panose="020B0609020204030204" pitchFamily="49" charset="0"/>
+              </a:rPr>
+              <a:t>:[</a:t>
+            </a:r>
+            <a:r>
+              <a:rPr lang="en-US" sz="2400" dirty="0">
+                <a:solidFill>
+                  <a:srgbClr val="B5CEA8"/>
+                </a:solidFill>
+                <a:latin typeface="Consolas" panose="020B0609020204030204" pitchFamily="49" charset="0"/>
+              </a:rPr>
+              <a:t>111</a:t>
+            </a:r>
+            <a:r>
+              <a:rPr lang="en-US" sz="2400" dirty="0">
+                <a:solidFill>
+                  <a:srgbClr val="D4D4D4"/>
+                </a:solidFill>
+                <a:latin typeface="Consolas" panose="020B0609020204030204" pitchFamily="49" charset="0"/>
+              </a:rPr>
+              <a:t>, </a:t>
+            </a:r>
+            <a:r>
+              <a:rPr lang="en-US" sz="2400" dirty="0">
+                <a:solidFill>
+                  <a:srgbClr val="B5CEA8"/>
+                </a:solidFill>
+                <a:latin typeface="Consolas" panose="020B0609020204030204" pitchFamily="49" charset="0"/>
+              </a:rPr>
+              <a:t>555</a:t>
+            </a:r>
+            <a:r>
+              <a:rPr lang="en-US" sz="2400" dirty="0">
+                <a:solidFill>
+                  <a:srgbClr val="D4D4D4"/>
+                </a:solidFill>
+                <a:latin typeface="Consolas" panose="020B0609020204030204" pitchFamily="49" charset="0"/>
+              </a:rPr>
+              <a:t>]}, index = [</a:t>
+            </a:r>
+            <a:r>
+              <a:rPr lang="en-US" sz="2400" dirty="0">
+                <a:solidFill>
+                  <a:srgbClr val="B5CEA8"/>
+                </a:solidFill>
+                <a:latin typeface="Consolas" panose="020B0609020204030204" pitchFamily="49" charset="0"/>
+              </a:rPr>
+              <a:t>2</a:t>
+            </a:r>
+            <a:r>
+              <a:rPr lang="en-US" sz="2400" dirty="0">
+                <a:solidFill>
+                  <a:srgbClr val="D4D4D4"/>
+                </a:solidFill>
+                <a:latin typeface="Consolas" panose="020B0609020204030204" pitchFamily="49" charset="0"/>
+              </a:rPr>
+              <a:t>, </a:t>
+            </a:r>
+            <a:r>
+              <a:rPr lang="en-US" sz="2400" dirty="0">
+                <a:solidFill>
+                  <a:srgbClr val="B5CEA8"/>
+                </a:solidFill>
+                <a:latin typeface="Consolas" panose="020B0609020204030204" pitchFamily="49" charset="0"/>
+              </a:rPr>
+              <a:t>8</a:t>
+            </a:r>
+            <a:r>
+              <a:rPr lang="en-US" sz="2400" dirty="0">
+                <a:solidFill>
+                  <a:srgbClr val="D4D4D4"/>
+                </a:solidFill>
+                <a:latin typeface="Consolas" panose="020B0609020204030204" pitchFamily="49" charset="0"/>
+              </a:rPr>
+              <a:t>])</a:t>
+            </a:r>
+          </a:p>
+          <a:p>
+            <a:r>
+              <a:rPr lang="en-US" sz="2400" dirty="0">
+                <a:solidFill>
+                  <a:srgbClr val="D4D4D4"/>
+                </a:solidFill>
+                <a:latin typeface="Consolas" panose="020B0609020204030204" pitchFamily="49" charset="0"/>
+              </a:rPr>
+              <a:t>print(x)</a:t>
+            </a:r>
+          </a:p>
+          <a:p>
+            <a:r>
+              <a:rPr lang="en-US" sz="2400" dirty="0">
+                <a:solidFill>
+                  <a:srgbClr val="D4D4D4"/>
+                </a:solidFill>
+                <a:latin typeface="Consolas" panose="020B0609020204030204" pitchFamily="49" charset="0"/>
+              </a:rPr>
+              <a:t>print(type(x))</a:t>
+            </a:r>
+          </a:p>
+          <a:p>
+            <a:r>
+              <a:rPr lang="en-US" sz="2400" dirty="0">
+                <a:solidFill>
+                  <a:srgbClr val="6A9955"/>
+                </a:solidFill>
+                <a:latin typeface="Consolas" panose="020B0609020204030204" pitchFamily="49" charset="0"/>
+              </a:rPr>
+              <a:t># Slicing</a:t>
+            </a:r>
+            <a:endParaRPr lang="en-US" sz="2400" dirty="0">
+              <a:solidFill>
+                <a:srgbClr val="D4D4D4"/>
+              </a:solidFill>
+              <a:latin typeface="Consolas" panose="020B0609020204030204" pitchFamily="49" charset="0"/>
+            </a:endParaRPr>
+          </a:p>
+          <a:p>
+            <a:r>
+              <a:rPr lang="en-US" sz="2400" dirty="0" err="1">
+                <a:solidFill>
+                  <a:srgbClr val="D4D4D4"/>
+                </a:solidFill>
+                <a:latin typeface="Consolas" panose="020B0609020204030204" pitchFamily="49" charset="0"/>
+              </a:rPr>
+              <a:t>x.iloc</a:t>
+            </a:r>
+            <a:r>
+              <a:rPr lang="en-US" sz="2400" dirty="0">
+                <a:solidFill>
+                  <a:srgbClr val="D4D4D4"/>
+                </a:solidFill>
+                <a:latin typeface="Consolas" panose="020B0609020204030204" pitchFamily="49" charset="0"/>
+              </a:rPr>
+              <a:t>[</a:t>
+            </a:r>
+            <a:r>
+              <a:rPr lang="en-US" sz="2400" dirty="0">
+                <a:solidFill>
+                  <a:srgbClr val="B5CEA8"/>
+                </a:solidFill>
+                <a:latin typeface="Consolas" panose="020B0609020204030204" pitchFamily="49" charset="0"/>
+              </a:rPr>
+              <a:t>1</a:t>
+            </a:r>
+            <a:r>
+              <a:rPr lang="en-US" sz="2400" dirty="0">
+                <a:solidFill>
+                  <a:srgbClr val="D4D4D4"/>
+                </a:solidFill>
+                <a:latin typeface="Consolas" panose="020B0609020204030204" pitchFamily="49" charset="0"/>
+              </a:rPr>
+              <a:t>,]</a:t>
+            </a:r>
+          </a:p>
+          <a:p>
+            <a:r>
+              <a:rPr lang="en-US" sz="2400" dirty="0" err="1">
+                <a:solidFill>
+                  <a:srgbClr val="D4D4D4"/>
+                </a:solidFill>
+                <a:latin typeface="Consolas" panose="020B0609020204030204" pitchFamily="49" charset="0"/>
+              </a:rPr>
+              <a:t>x.loc</a:t>
+            </a:r>
+            <a:r>
+              <a:rPr lang="en-US" sz="2400" dirty="0">
+                <a:solidFill>
+                  <a:srgbClr val="D4D4D4"/>
+                </a:solidFill>
+                <a:latin typeface="Consolas" panose="020B0609020204030204" pitchFamily="49" charset="0"/>
+              </a:rPr>
+              <a:t>[</a:t>
+            </a:r>
+            <a:r>
+              <a:rPr lang="en-US" sz="2400" dirty="0">
+                <a:solidFill>
+                  <a:srgbClr val="B5CEA8"/>
+                </a:solidFill>
+                <a:latin typeface="Consolas" panose="020B0609020204030204" pitchFamily="49" charset="0"/>
+              </a:rPr>
+              <a:t>1</a:t>
+            </a:r>
+            <a:r>
+              <a:rPr lang="en-US" sz="2400" dirty="0">
+                <a:solidFill>
+                  <a:srgbClr val="D4D4D4"/>
+                </a:solidFill>
+                <a:latin typeface="Consolas" panose="020B0609020204030204" pitchFamily="49" charset="0"/>
+              </a:rPr>
+              <a:t>,] </a:t>
+            </a:r>
+            <a:r>
+              <a:rPr lang="en-US" sz="2400" dirty="0">
+                <a:solidFill>
+                  <a:srgbClr val="6A9955"/>
+                </a:solidFill>
+                <a:latin typeface="Consolas" panose="020B0609020204030204" pitchFamily="49" charset="0"/>
+              </a:rPr>
+              <a:t># index-based</a:t>
+            </a:r>
+            <a:endParaRPr lang="en-US" sz="2400" dirty="0">
+              <a:solidFill>
+                <a:srgbClr val="D4D4D4"/>
+              </a:solidFill>
+              <a:latin typeface="Consolas" panose="020B0609020204030204" pitchFamily="49" charset="0"/>
+            </a:endParaRPr>
+          </a:p>
+          <a:p>
+            <a:r>
+              <a:rPr lang="en-US" sz="2400" dirty="0" err="1">
+                <a:solidFill>
+                  <a:srgbClr val="D4D4D4"/>
+                </a:solidFill>
+                <a:latin typeface="Consolas" panose="020B0609020204030204" pitchFamily="49" charset="0"/>
+              </a:rPr>
+              <a:t>x.y</a:t>
+            </a:r>
+            <a:endParaRPr lang="en-US" sz="2400" dirty="0">
+              <a:solidFill>
+                <a:srgbClr val="D4D4D4"/>
+              </a:solidFill>
+              <a:latin typeface="Consolas" panose="020B0609020204030204" pitchFamily="49" charset="0"/>
+            </a:endParaRPr>
+          </a:p>
+          <a:p>
+            <a:r>
+              <a:rPr lang="en-US" sz="2400" dirty="0">
+                <a:solidFill>
+                  <a:srgbClr val="D4D4D4"/>
+                </a:solidFill>
+                <a:latin typeface="Consolas" panose="020B0609020204030204" pitchFamily="49" charset="0"/>
+              </a:rPr>
+              <a:t>x[</a:t>
+            </a:r>
+            <a:r>
+              <a:rPr lang="en-US" sz="2400" dirty="0">
+                <a:solidFill>
+                  <a:srgbClr val="CE9178"/>
+                </a:solidFill>
+                <a:latin typeface="Consolas" panose="020B0609020204030204" pitchFamily="49" charset="0"/>
+              </a:rPr>
+              <a:t>'y'</a:t>
+            </a:r>
+            <a:r>
+              <a:rPr lang="en-US" sz="2400" dirty="0">
+                <a:solidFill>
+                  <a:srgbClr val="D4D4D4"/>
+                </a:solidFill>
+                <a:latin typeface="Consolas" panose="020B0609020204030204" pitchFamily="49" charset="0"/>
+              </a:rPr>
+              <a:t>]</a:t>
+            </a:r>
+          </a:p>
+          <a:p>
+            <a:r>
+              <a:rPr lang="en-US" sz="2400" dirty="0">
+                <a:solidFill>
+                  <a:srgbClr val="D4D4D4"/>
+                </a:solidFill>
+                <a:latin typeface="Consolas" panose="020B0609020204030204" pitchFamily="49" charset="0"/>
+              </a:rPr>
+              <a:t>x[[</a:t>
+            </a:r>
+            <a:r>
+              <a:rPr lang="en-US" sz="2400" dirty="0">
+                <a:solidFill>
+                  <a:srgbClr val="CE9178"/>
+                </a:solidFill>
+                <a:latin typeface="Consolas" panose="020B0609020204030204" pitchFamily="49" charset="0"/>
+              </a:rPr>
+              <a:t>'y'</a:t>
+            </a:r>
+            <a:r>
+              <a:rPr lang="en-US" sz="2400" dirty="0">
+                <a:solidFill>
+                  <a:srgbClr val="D4D4D4"/>
+                </a:solidFill>
+                <a:latin typeface="Consolas" panose="020B0609020204030204" pitchFamily="49" charset="0"/>
+              </a:rPr>
+              <a:t>]]</a:t>
+            </a:r>
+            <a:endParaRPr lang="en-US" sz="2400" b="0" dirty="0">
+              <a:solidFill>
+                <a:srgbClr val="D4D4D4"/>
+              </a:solidFill>
+              <a:effectLst/>
+              <a:latin typeface="Consolas" panose="020B0609020204030204" pitchFamily="49" charset="0"/>
+            </a:endParaRPr>
+          </a:p>
+        </p:txBody>
+      </p:sp>
+    </p:spTree>
+    <p:extLst>
+      <p:ext uri="{BB962C8B-B14F-4D97-AF65-F5344CB8AC3E}">
+        <p14:creationId xmlns:p14="http://schemas.microsoft.com/office/powerpoint/2010/main" val="662363595"/>
+      </p:ext>
+    </p:extLst>
+  </p:cSld>
+  <p:clrMapOvr>
+    <a:masterClrMapping/>
+  </p:clrMapOvr>
+</p:sld>
+</file>
+
+<file path=ppt/slides/slide12.xml><?xml version="1.0" encoding="utf-8"?>
+<p:sld xmlns:a="http://schemas.openxmlformats.org/drawingml/2006/main" xmlns:r="http://schemas.openxmlformats.org/officeDocument/2006/relationships" xmlns:p="http://schemas.openxmlformats.org/presentationml/2006/main">
+  <p:cSld>
+    <p:spTree>
+      <p:nvGrpSpPr>
+        <p:cNvPr id="1" name=""/>
+        <p:cNvGrpSpPr/>
+        <p:nvPr/>
+      </p:nvGrpSpPr>
+      <p:grpSpPr>
+        <a:xfrm>
+          <a:off x="0" y="0"/>
+          <a:ext cx="0" cy="0"/>
+          <a:chOff x="0" y="0"/>
+          <a:chExt cx="0" cy="0"/>
+        </a:xfrm>
+      </p:grpSpPr>
+      <p:pic>
+        <p:nvPicPr>
+          <p:cNvPr id="4" name="Picture 2">
+            <a:extLst>
+              <a:ext uri="{FF2B5EF4-FFF2-40B4-BE49-F238E27FC236}">
+                <a16:creationId xmlns:a16="http://schemas.microsoft.com/office/drawing/2014/main" id="{1CAF1D65-EBAE-4F5A-9A48-0B2C8F7A2415}"/>
+              </a:ext>
+            </a:extLst>
+          </p:cNvPr>
+          <p:cNvPicPr>
+            <a:picLocks noChangeAspect="1" noChangeArrowheads="1"/>
+          </p:cNvPicPr>
+          <p:nvPr/>
+        </p:nvPicPr>
+        <p:blipFill rotWithShape="1">
+          <a:blip r:embed="rId2">
+            <a:extLst>
+              <a:ext uri="{28A0092B-C50C-407E-A947-70E740481C1C}">
+                <a14:useLocalDpi xmlns:a14="http://schemas.microsoft.com/office/drawing/2010/main" val="0"/>
+              </a:ext>
+            </a:extLst>
+          </a:blip>
+          <a:srcRect l="25570" r="27311"/>
+          <a:stretch/>
+        </p:blipFill>
+        <p:spPr bwMode="auto">
+          <a:xfrm>
+            <a:off x="9513516" y="57419"/>
+            <a:ext cx="1078126" cy="1080493"/>
+          </a:xfrm>
+          <a:prstGeom prst="rect">
+            <a:avLst/>
+          </a:prstGeom>
+          <a:noFill/>
+          <a:extLst>
+            <a:ext uri="{909E8E84-426E-40DD-AFC4-6F175D3DCCD1}">
+              <a14:hiddenFill xmlns:a14="http://schemas.microsoft.com/office/drawing/2010/main">
+                <a:solidFill>
+                  <a:srgbClr val="FFFFFF"/>
+                </a:solidFill>
+              </a14:hiddenFill>
+            </a:ext>
+          </a:extLst>
+        </p:spPr>
+      </p:pic>
+      <p:pic>
+        <p:nvPicPr>
+          <p:cNvPr id="5" name="Picture 20">
+            <a:extLst>
+              <a:ext uri="{FF2B5EF4-FFF2-40B4-BE49-F238E27FC236}">
+                <a16:creationId xmlns:a16="http://schemas.microsoft.com/office/drawing/2014/main" id="{90BCB2DD-A9E9-4EEB-B8AE-6795C6B7FAB3}"/>
+              </a:ext>
+            </a:extLst>
+          </p:cNvPr>
+          <p:cNvPicPr>
+            <a:picLocks noChangeAspect="1" noChangeArrowheads="1"/>
+          </p:cNvPicPr>
+          <p:nvPr/>
+        </p:nvPicPr>
+        <p:blipFill rotWithShape="1">
+          <a:blip r:embed="rId3">
+            <a:extLst>
+              <a:ext uri="{28A0092B-C50C-407E-A947-70E740481C1C}">
+                <a14:useLocalDpi xmlns:a14="http://schemas.microsoft.com/office/drawing/2010/main" val="0"/>
+              </a:ext>
+            </a:extLst>
+          </a:blip>
+          <a:srcRect l="4562" t="16008" b="19477"/>
+          <a:stretch/>
+        </p:blipFill>
+        <p:spPr bwMode="auto">
+          <a:xfrm>
+            <a:off x="10591642" y="57419"/>
+            <a:ext cx="1524315" cy="1030402"/>
+          </a:xfrm>
+          <a:prstGeom prst="rect">
+            <a:avLst/>
+          </a:prstGeom>
+          <a:noFill/>
+          <a:extLst>
+            <a:ext uri="{909E8E84-426E-40DD-AFC4-6F175D3DCCD1}">
+              <a14:hiddenFill xmlns:a14="http://schemas.microsoft.com/office/drawing/2010/main">
+                <a:solidFill>
+                  <a:srgbClr val="FFFFFF"/>
+                </a:solidFill>
+              </a14:hiddenFill>
+            </a:ext>
+          </a:extLst>
+        </p:spPr>
+      </p:pic>
+      <p:sp>
+        <p:nvSpPr>
+          <p:cNvPr id="3" name="Content Placeholder 2">
+            <a:extLst>
+              <a:ext uri="{FF2B5EF4-FFF2-40B4-BE49-F238E27FC236}">
+                <a16:creationId xmlns:a16="http://schemas.microsoft.com/office/drawing/2014/main" id="{0AC0782C-4D03-4935-9933-D969720CC0CD}"/>
+              </a:ext>
+            </a:extLst>
+          </p:cNvPr>
+          <p:cNvSpPr>
+            <a:spLocks noGrp="1"/>
+          </p:cNvSpPr>
+          <p:nvPr>
+            <p:ph idx="1"/>
+          </p:nvPr>
+        </p:nvSpPr>
+        <p:spPr/>
+        <p:txBody>
+          <a:bodyPr/>
+          <a:lstStyle/>
+          <a:p>
+            <a:endParaRPr lang="en-US" dirty="0"/>
+          </a:p>
+        </p:txBody>
+      </p:sp>
+      <p:pic>
+        <p:nvPicPr>
+          <p:cNvPr id="6" name="Picture 5">
+            <a:extLst>
+              <a:ext uri="{FF2B5EF4-FFF2-40B4-BE49-F238E27FC236}">
+                <a16:creationId xmlns:a16="http://schemas.microsoft.com/office/drawing/2014/main" id="{4B2B3B8C-3147-4ED4-BBEC-03B23D383FA6}"/>
+              </a:ext>
+            </a:extLst>
+          </p:cNvPr>
+          <p:cNvPicPr>
+            <a:picLocks noChangeAspect="1"/>
+          </p:cNvPicPr>
+          <p:nvPr/>
+        </p:nvPicPr>
+        <p:blipFill rotWithShape="1">
+          <a:blip r:embed="rId4"/>
+          <a:srcRect l="6875" t="5671" r="8707" b="9912"/>
+          <a:stretch/>
+        </p:blipFill>
+        <p:spPr>
+          <a:xfrm>
+            <a:off x="712076" y="1087821"/>
+            <a:ext cx="10292255" cy="5786601"/>
+          </a:xfrm>
+          <a:prstGeom prst="rect">
+            <a:avLst/>
+          </a:prstGeom>
+        </p:spPr>
+      </p:pic>
+    </p:spTree>
+    <p:extLst>
+      <p:ext uri="{BB962C8B-B14F-4D97-AF65-F5344CB8AC3E}">
+        <p14:creationId xmlns:p14="http://schemas.microsoft.com/office/powerpoint/2010/main" val="3230198539"/>
+      </p:ext>
+    </p:extLst>
+  </p:cSld>
+  <p:clrMapOvr>
+    <a:masterClrMapping/>
+  </p:clrMapOvr>
+</p:sld>
+</file>
+
+<file path=ppt/slides/slide13.xml><?xml version="1.0" encoding="utf-8"?>
+<p:sld xmlns:a="http://schemas.openxmlformats.org/drawingml/2006/main" xmlns:r="http://schemas.openxmlformats.org/officeDocument/2006/relationships" xmlns:p="http://schemas.openxmlformats.org/presentationml/2006/main">
+  <p:cSld>
+    <p:spTree>
+      <p:nvGrpSpPr>
+        <p:cNvPr id="1" name=""/>
+        <p:cNvGrpSpPr/>
+        <p:nvPr/>
+      </p:nvGrpSpPr>
+      <p:grpSpPr>
+        <a:xfrm>
+          <a:off x="0" y="0"/>
+          <a:ext cx="0" cy="0"/>
+          <a:chOff x="0" y="0"/>
+          <a:chExt cx="0" cy="0"/>
+        </a:xfrm>
+      </p:grpSpPr>
+      <p:sp>
+        <p:nvSpPr>
+          <p:cNvPr id="2" name="Title 1">
+            <a:extLst>
+              <a:ext uri="{FF2B5EF4-FFF2-40B4-BE49-F238E27FC236}">
+                <a16:creationId xmlns:a16="http://schemas.microsoft.com/office/drawing/2014/main" id="{81145683-86A2-4057-97CA-662DCFF3D0D4}"/>
+              </a:ext>
+            </a:extLst>
+          </p:cNvPr>
+          <p:cNvSpPr>
+            <a:spLocks noGrp="1"/>
+          </p:cNvSpPr>
+          <p:nvPr>
+            <p:ph type="title"/>
+          </p:nvPr>
+        </p:nvSpPr>
+        <p:spPr/>
+        <p:txBody>
+          <a:bodyPr/>
+          <a:lstStyle/>
+          <a:p>
+            <a:r>
+              <a:rPr lang="en-US" dirty="0" err="1"/>
+              <a:t>Jupyter</a:t>
+            </a:r>
+            <a:r>
+              <a:rPr lang="en-US" dirty="0"/>
+              <a:t> Lab Notebooks</a:t>
+            </a:r>
+          </a:p>
+        </p:txBody>
+      </p:sp>
+      <p:sp>
+        <p:nvSpPr>
+          <p:cNvPr id="3" name="Content Placeholder 2">
+            <a:extLst>
+              <a:ext uri="{FF2B5EF4-FFF2-40B4-BE49-F238E27FC236}">
+                <a16:creationId xmlns:a16="http://schemas.microsoft.com/office/drawing/2014/main" id="{6E4A6129-95B7-4057-B324-A55DEF7B98D2}"/>
+              </a:ext>
+            </a:extLst>
+          </p:cNvPr>
+          <p:cNvSpPr>
+            <a:spLocks noGrp="1"/>
+          </p:cNvSpPr>
+          <p:nvPr>
+            <p:ph idx="1"/>
+          </p:nvPr>
+        </p:nvSpPr>
+        <p:spPr/>
+        <p:txBody>
+          <a:bodyPr/>
+          <a:lstStyle/>
+          <a:p>
+            <a:endParaRPr lang="en-US" dirty="0"/>
+          </a:p>
+        </p:txBody>
+      </p:sp>
+      <p:pic>
+        <p:nvPicPr>
+          <p:cNvPr id="4" name="Picture 12" descr="Image result for jupyter logo">
+            <a:extLst>
+              <a:ext uri="{FF2B5EF4-FFF2-40B4-BE49-F238E27FC236}">
+                <a16:creationId xmlns:a16="http://schemas.microsoft.com/office/drawing/2014/main" id="{A977E875-EFD4-4585-A189-017A32B5F6DB}"/>
+              </a:ext>
+            </a:extLst>
+          </p:cNvPr>
+          <p:cNvPicPr>
+            <a:picLocks noChangeAspect="1" noChangeArrowheads="1"/>
+          </p:cNvPicPr>
+          <p:nvPr/>
+        </p:nvPicPr>
+        <p:blipFill rotWithShape="1">
+          <a:blip r:embed="rId3">
+            <a:extLst>
+              <a:ext uri="{28A0092B-C50C-407E-A947-70E740481C1C}">
+                <a14:useLocalDpi xmlns:a14="http://schemas.microsoft.com/office/drawing/2010/main" val="0"/>
+              </a:ext>
+            </a:extLst>
+          </a:blip>
+          <a:srcRect l="12774" t="7408" r="57807" b="7936"/>
+          <a:stretch/>
+        </p:blipFill>
+        <p:spPr bwMode="auto">
+          <a:xfrm>
+            <a:off x="7195798" y="-30156"/>
+            <a:ext cx="1961020" cy="2116124"/>
+          </a:xfrm>
+          <a:prstGeom prst="rect">
+            <a:avLst/>
+          </a:prstGeom>
+          <a:noFill/>
+          <a:extLst>
+            <a:ext uri="{909E8E84-426E-40DD-AFC4-6F175D3DCCD1}">
+              <a14:hiddenFill xmlns:a14="http://schemas.microsoft.com/office/drawing/2010/main">
+                <a:solidFill>
+                  <a:srgbClr val="FFFFFF"/>
+                </a:solidFill>
+              </a14:hiddenFill>
+            </a:ext>
+          </a:extLst>
+        </p:spPr>
+      </p:pic>
+    </p:spTree>
+    <p:extLst>
+      <p:ext uri="{BB962C8B-B14F-4D97-AF65-F5344CB8AC3E}">
+        <p14:creationId xmlns:p14="http://schemas.microsoft.com/office/powerpoint/2010/main" val="3054027760"/>
+      </p:ext>
+    </p:extLst>
+  </p:cSld>
+  <p:clrMapOvr>
+    <a:masterClrMapping/>
+  </p:clrMapOvr>
+</p:sld>
+</file>
+
+<file path=ppt/slides/slide14.xml><?xml version="1.0" encoding="utf-8"?>
+<p:sld xmlns:a="http://schemas.openxmlformats.org/drawingml/2006/main" xmlns:r="http://schemas.openxmlformats.org/officeDocument/2006/relationships" xmlns:p="http://schemas.openxmlformats.org/presentationml/2006/main">
+  <p:cSld>
+    <p:spTree>
+      <p:nvGrpSpPr>
+        <p:cNvPr id="1" name=""/>
+        <p:cNvGrpSpPr/>
+        <p:nvPr/>
+      </p:nvGrpSpPr>
+      <p:grpSpPr>
+        <a:xfrm>
+          <a:off x="0" y="0"/>
+          <a:ext cx="0" cy="0"/>
+          <a:chOff x="0" y="0"/>
+          <a:chExt cx="0" cy="0"/>
+        </a:xfrm>
+      </p:grpSpPr>
+      <p:sp>
+        <p:nvSpPr>
+          <p:cNvPr id="2" name="Title 1">
+            <a:extLst>
+              <a:ext uri="{FF2B5EF4-FFF2-40B4-BE49-F238E27FC236}">
+                <a16:creationId xmlns:a16="http://schemas.microsoft.com/office/drawing/2014/main" id="{0EE90088-FAE6-421E-BDE5-BE146818F1C2}"/>
+              </a:ext>
+            </a:extLst>
+          </p:cNvPr>
+          <p:cNvSpPr>
+            <a:spLocks noGrp="1"/>
+          </p:cNvSpPr>
+          <p:nvPr>
+            <p:ph type="title"/>
+          </p:nvPr>
+        </p:nvSpPr>
+        <p:spPr/>
+        <p:txBody>
+          <a:bodyPr/>
+          <a:lstStyle/>
+          <a:p>
+            <a:r>
+              <a:rPr lang="en-US" dirty="0" err="1"/>
+              <a:t>VSCode</a:t>
+            </a:r>
+            <a:r>
+              <a:rPr lang="en-US" dirty="0"/>
+              <a:t> Extensions</a:t>
+            </a:r>
+          </a:p>
+        </p:txBody>
+      </p:sp>
+      <p:sp>
+        <p:nvSpPr>
+          <p:cNvPr id="3" name="Content Placeholder 2">
+            <a:extLst>
+              <a:ext uri="{FF2B5EF4-FFF2-40B4-BE49-F238E27FC236}">
+                <a16:creationId xmlns:a16="http://schemas.microsoft.com/office/drawing/2014/main" id="{1FC5D1E4-C07B-4CA5-AC3A-A666FE8B04BE}"/>
+              </a:ext>
+            </a:extLst>
+          </p:cNvPr>
+          <p:cNvSpPr>
+            <a:spLocks noGrp="1"/>
+          </p:cNvSpPr>
+          <p:nvPr>
+            <p:ph idx="1"/>
+          </p:nvPr>
+        </p:nvSpPr>
+        <p:spPr/>
+        <p:txBody>
+          <a:bodyPr/>
+          <a:lstStyle/>
+          <a:p>
+            <a:r>
+              <a:rPr lang="en-US" dirty="0"/>
+              <a:t>Markdown</a:t>
+            </a:r>
+          </a:p>
+          <a:p>
+            <a:r>
+              <a:rPr lang="en-US" dirty="0"/>
+              <a:t>Python</a:t>
+            </a:r>
+          </a:p>
+          <a:p>
+            <a:r>
+              <a:rPr lang="en-US" dirty="0"/>
+              <a:t>Dash/Zeal</a:t>
+            </a:r>
+          </a:p>
+          <a:p>
+            <a:pPr lvl="1"/>
+            <a:r>
+              <a:rPr lang="en-US" dirty="0" err="1"/>
+              <a:t>Ctrl+H</a:t>
+            </a:r>
+            <a:endParaRPr lang="en-US" dirty="0"/>
+          </a:p>
+        </p:txBody>
+      </p:sp>
+    </p:spTree>
+    <p:extLst>
+      <p:ext uri="{BB962C8B-B14F-4D97-AF65-F5344CB8AC3E}">
+        <p14:creationId xmlns:p14="http://schemas.microsoft.com/office/powerpoint/2010/main" val="2401509441"/>
+      </p:ext>
+    </p:extLst>
+  </p:cSld>
+  <p:clrMapOvr>
+    <a:masterClrMapping/>
+  </p:clrMapOvr>
+</p:sld>
+</file>
+
 <file path=ppt/slides/slide2.xml><?xml version="1.0" encoding="utf-8"?>
 <p:sld xmlns:a="http://schemas.openxmlformats.org/drawingml/2006/main" xmlns:r="http://schemas.openxmlformats.org/officeDocument/2006/relationships" xmlns:p="http://schemas.openxmlformats.org/presentationml/2006/main">
   <p:cSld>
@@ -3807,54 +6278,6 @@
       </p:grpSpPr>
       <p:sp>
         <p:nvSpPr>
-          <p:cNvPr id="2" name="Title 1">
-            <a:extLst>
-              <a:ext uri="{FF2B5EF4-FFF2-40B4-BE49-F238E27FC236}">
-                <a16:creationId xmlns:a16="http://schemas.microsoft.com/office/drawing/2014/main" id="{5D59AD90-DEBD-49E3-99F0-A1F0A1B33EA5}"/>
-              </a:ext>
-            </a:extLst>
-          </p:cNvPr>
-          <p:cNvSpPr>
-            <a:spLocks noGrp="1"/>
-          </p:cNvSpPr>
-          <p:nvPr>
-            <p:ph type="title"/>
-          </p:nvPr>
-        </p:nvSpPr>
-        <p:spPr/>
-        <p:txBody>
-          <a:bodyPr/>
-          <a:lstStyle/>
-          <a:p>
-            <a:r>
-              <a:rPr lang="en-US" dirty="0" err="1"/>
-              <a:t>VSCode</a:t>
-            </a:r>
-            <a:r>
-              <a:rPr lang="en-US" dirty="0"/>
-              <a:t> (</a:t>
-            </a:r>
-            <a:r>
-              <a:rPr lang="en-US" dirty="0" err="1"/>
-              <a:t>Conda</a:t>
-            </a:r>
-            <a:r>
-              <a:rPr lang="en-US" dirty="0"/>
-              <a:t> Python </a:t>
-            </a:r>
-            <a:r>
-              <a:rPr lang="en-US" dirty="0" err="1"/>
-              <a:t>Envs</a:t>
-            </a:r>
-            <a:r>
-              <a:rPr lang="en-US" dirty="0"/>
-              <a:t>)</a:t>
-            </a:r>
-          </a:p>
-        </p:txBody>
-      </p:sp>
-      <p:sp>
-        <p:nvSpPr>
           <p:cNvPr id="3" name="Content Placeholder 2">
             <a:extLst>
               <a:ext uri="{FF2B5EF4-FFF2-40B4-BE49-F238E27FC236}">
@@ -3893,7 +6316,7 @@
           <p:nvPr/>
         </p:nvPicPr>
         <p:blipFill>
-          <a:blip r:embed="rId2">
+          <a:blip r:embed="rId3">
             <a:clrChange>
               <a:clrFrom>
                 <a:srgbClr val="FFFFFF"/>
@@ -3917,7 +6340,7 @@
         </p:blipFill>
         <p:spPr bwMode="auto">
           <a:xfrm>
-            <a:off x="1454970" y="1690688"/>
+            <a:off x="6689122" y="2665042"/>
             <a:ext cx="3718199" cy="1249008"/>
           </a:xfrm>
           <a:prstGeom prst="rect">
@@ -3935,6 +6358,79 @@
           </a:extLst>
         </p:spPr>
       </p:pic>
+      <p:pic>
+        <p:nvPicPr>
+          <p:cNvPr id="5122" name="Picture 2">
+            <a:extLst>
+              <a:ext uri="{FF2B5EF4-FFF2-40B4-BE49-F238E27FC236}">
+                <a16:creationId xmlns:a16="http://schemas.microsoft.com/office/drawing/2014/main" id="{CA2FC770-6123-4877-8AC0-32AC33368473}"/>
+              </a:ext>
+            </a:extLst>
+          </p:cNvPr>
+          <p:cNvPicPr>
+            <a:picLocks noChangeAspect="1" noChangeArrowheads="1"/>
+          </p:cNvPicPr>
+          <p:nvPr/>
+        </p:nvPicPr>
+        <p:blipFill rotWithShape="1">
+          <a:blip r:embed="rId4">
+            <a:extLst>
+              <a:ext uri="{28A0092B-C50C-407E-A947-70E740481C1C}">
+                <a14:useLocalDpi xmlns:a14="http://schemas.microsoft.com/office/drawing/2010/main" val="0"/>
+              </a:ext>
+            </a:extLst>
+          </a:blip>
+          <a:srcRect b="25636"/>
+          <a:stretch/>
+        </p:blipFill>
+        <p:spPr bwMode="auto">
+          <a:xfrm>
+            <a:off x="641405" y="1066268"/>
+            <a:ext cx="10909190" cy="5791732"/>
+          </a:xfrm>
+          <a:prstGeom prst="rect">
+            <a:avLst/>
+          </a:prstGeom>
+          <a:noFill/>
+          <a:extLst>
+            <a:ext uri="{909E8E84-426E-40DD-AFC4-6F175D3DCCD1}">
+              <a14:hiddenFill xmlns:a14="http://schemas.microsoft.com/office/drawing/2010/main">
+                <a:solidFill>
+                  <a:srgbClr val="FFFFFF"/>
+                </a:solidFill>
+              </a14:hiddenFill>
+            </a:ext>
+          </a:extLst>
+        </p:spPr>
+      </p:pic>
+      <p:sp>
+        <p:nvSpPr>
+          <p:cNvPr id="2" name="Title 1">
+            <a:extLst>
+              <a:ext uri="{FF2B5EF4-FFF2-40B4-BE49-F238E27FC236}">
+                <a16:creationId xmlns:a16="http://schemas.microsoft.com/office/drawing/2014/main" id="{5D59AD90-DEBD-49E3-99F0-A1F0A1B33EA5}"/>
+              </a:ext>
+            </a:extLst>
+          </p:cNvPr>
+          <p:cNvSpPr>
+            <a:spLocks noGrp="1"/>
+          </p:cNvSpPr>
+          <p:nvPr>
+            <p:ph type="title"/>
+          </p:nvPr>
+        </p:nvSpPr>
+        <p:spPr/>
+        <p:txBody>
+          <a:bodyPr/>
+          <a:lstStyle/>
+          <a:p>
+            <a:r>
+              <a:rPr lang="en-US" dirty="0"/>
+              <a:t>Anaconda Python Environments</a:t>
+            </a:r>
+          </a:p>
+        </p:txBody>
+      </p:sp>
     </p:spTree>
     <p:extLst>
       <p:ext uri="{BB962C8B-B14F-4D97-AF65-F5344CB8AC3E}">
@@ -3967,10 +6463,35 @@
       </p:grpSpPr>
       <p:sp>
         <p:nvSpPr>
+          <p:cNvPr id="3" name="Content Placeholder 2">
+            <a:extLst>
+              <a:ext uri="{FF2B5EF4-FFF2-40B4-BE49-F238E27FC236}">
+                <a16:creationId xmlns:a16="http://schemas.microsoft.com/office/drawing/2014/main" id="{300B12FF-9010-42AD-B48B-56FBBF25FFE8}"/>
+              </a:ext>
+            </a:extLst>
+          </p:cNvPr>
+          <p:cNvSpPr>
+            <a:spLocks noGrp="1"/>
+          </p:cNvSpPr>
+          <p:nvPr>
+            <p:ph idx="1"/>
+          </p:nvPr>
+        </p:nvSpPr>
+        <p:spPr/>
+        <p:txBody>
+          <a:bodyPr/>
+          <a:lstStyle/>
+          <a:p>
+            <a:endParaRPr lang="en-US" dirty="0"/>
+          </a:p>
+        </p:txBody>
+      </p:sp>
+      <p:sp>
+        <p:nvSpPr>
           <p:cNvPr id="2" name="Title 1">
             <a:extLst>
               <a:ext uri="{FF2B5EF4-FFF2-40B4-BE49-F238E27FC236}">
-                <a16:creationId xmlns:a16="http://schemas.microsoft.com/office/drawing/2014/main" id="{C95F8EB1-BC70-4BFB-90BC-0887F07DA008}"/>
+                <a16:creationId xmlns:a16="http://schemas.microsoft.com/office/drawing/2014/main" id="{5D59AD90-DEBD-49E3-99F0-A1F0A1B33EA5}"/>
               </a:ext>
             </a:extLst>
           </p:cNvPr>
@@ -3987,43 +6508,19 @@
           <a:lstStyle/>
           <a:p>
             <a:r>
-              <a:rPr lang="en-US" dirty="0"/>
-              <a:t>Python</a:t>
-            </a:r>
-          </a:p>
-        </p:txBody>
-      </p:sp>
-      <p:sp>
-        <p:nvSpPr>
-          <p:cNvPr id="3" name="Content Placeholder 2">
-            <a:extLst>
-              <a:ext uri="{FF2B5EF4-FFF2-40B4-BE49-F238E27FC236}">
-                <a16:creationId xmlns:a16="http://schemas.microsoft.com/office/drawing/2014/main" id="{5C96ACE8-8E3C-4D72-A23D-54AAB734B7B5}"/>
-              </a:ext>
-            </a:extLst>
-          </p:cNvPr>
-          <p:cNvSpPr>
-            <a:spLocks noGrp="1"/>
-          </p:cNvSpPr>
-          <p:nvPr>
-            <p:ph idx="1"/>
-          </p:nvPr>
-        </p:nvSpPr>
-        <p:spPr/>
-        <p:txBody>
-          <a:bodyPr/>
-          <a:lstStyle/>
-          <a:p>
-            <a:endParaRPr lang="en-US"/>
+              <a:rPr lang="en-US"/>
+              <a:t>Anaconda Python Environments</a:t>
+            </a:r>
+            <a:endParaRPr lang="en-US" dirty="0"/>
           </a:p>
         </p:txBody>
       </p:sp>
       <p:pic>
         <p:nvPicPr>
-          <p:cNvPr id="4" name="Picture 2">
-            <a:extLst>
-              <a:ext uri="{FF2B5EF4-FFF2-40B4-BE49-F238E27FC236}">
-                <a16:creationId xmlns:a16="http://schemas.microsoft.com/office/drawing/2014/main" id="{1CAF1D65-EBAE-4F5A-9A48-0B2C8F7A2415}"/>
+          <p:cNvPr id="8196" name="Picture 4">
+            <a:extLst>
+              <a:ext uri="{FF2B5EF4-FFF2-40B4-BE49-F238E27FC236}">
+                <a16:creationId xmlns:a16="http://schemas.microsoft.com/office/drawing/2014/main" id="{46D8E02D-F076-4372-A8FE-3042EE160D49}"/>
               </a:ext>
             </a:extLst>
           </p:cNvPr>
@@ -4032,21 +6529,23 @@
           </p:cNvPicPr>
           <p:nvPr/>
         </p:nvPicPr>
-        <p:blipFill rotWithShape="1">
-          <a:blip r:embed="rId2">
+        <p:blipFill>
+          <a:blip r:embed="rId3">
             <a:extLst>
               <a:ext uri="{28A0092B-C50C-407E-A947-70E740481C1C}">
                 <a14:useLocalDpi xmlns:a14="http://schemas.microsoft.com/office/drawing/2010/main" val="0"/>
               </a:ext>
             </a:extLst>
           </a:blip>
-          <a:srcRect l="25570" r="27311"/>
-          <a:stretch/>
+          <a:srcRect/>
+          <a:stretch>
+            <a:fillRect/>
+          </a:stretch>
         </p:blipFill>
         <p:spPr bwMode="auto">
           <a:xfrm>
-            <a:off x="8755715" y="142128"/>
-            <a:ext cx="2276634" cy="2281632"/>
+            <a:off x="849313" y="0"/>
+            <a:ext cx="10493375" cy="6858000"/>
           </a:xfrm>
           <a:prstGeom prst="rect">
             <a:avLst/>
@@ -4066,7 +6565,7 @@
     </p:spTree>
     <p:extLst>
       <p:ext uri="{BB962C8B-B14F-4D97-AF65-F5344CB8AC3E}">
-        <p14:creationId xmlns:p14="http://schemas.microsoft.com/office/powerpoint/2010/main" val="4133883052"/>
+        <p14:creationId xmlns:p14="http://schemas.microsoft.com/office/powerpoint/2010/main" val="3181686775"/>
       </p:ext>
     </p:extLst>
   </p:cSld>
@@ -4098,7 +6597,7 @@
           <p:cNvPr id="2" name="Title 1">
             <a:extLst>
               <a:ext uri="{FF2B5EF4-FFF2-40B4-BE49-F238E27FC236}">
-                <a16:creationId xmlns:a16="http://schemas.microsoft.com/office/drawing/2014/main" id="{81145683-86A2-4057-97CA-662DCFF3D0D4}"/>
+                <a16:creationId xmlns:a16="http://schemas.microsoft.com/office/drawing/2014/main" id="{C95F8EB1-BC70-4BFB-90BC-0887F07DA008}"/>
               </a:ext>
             </a:extLst>
           </p:cNvPr>
@@ -4115,12 +6614,8 @@
           <a:lstStyle/>
           <a:p>
             <a:r>
-              <a:rPr lang="en-US" dirty="0" err="1"/>
-              <a:t>Jupyter</a:t>
-            </a:r>
-            <a:r>
               <a:rPr lang="en-US" dirty="0"/>
-              <a:t> Lab Notebooks</a:t>
+              <a:t>Python</a:t>
             </a:r>
           </a:p>
         </p:txBody>
@@ -4130,7 +6625,7 @@
           <p:cNvPr id="3" name="Content Placeholder 2">
             <a:extLst>
               <a:ext uri="{FF2B5EF4-FFF2-40B4-BE49-F238E27FC236}">
-                <a16:creationId xmlns:a16="http://schemas.microsoft.com/office/drawing/2014/main" id="{6E4A6129-95B7-4057-B324-A55DEF7B98D2}"/>
+                <a16:creationId xmlns:a16="http://schemas.microsoft.com/office/drawing/2014/main" id="{5C96ACE8-8E3C-4D72-A23D-54AAB734B7B5}"/>
               </a:ext>
             </a:extLst>
           </p:cNvPr>
@@ -4152,10 +6647,10 @@
       </p:sp>
       <p:pic>
         <p:nvPicPr>
-          <p:cNvPr id="4" name="Picture 12" descr="Image result for jupyter logo">
-            <a:extLst>
-              <a:ext uri="{FF2B5EF4-FFF2-40B4-BE49-F238E27FC236}">
-                <a16:creationId xmlns:a16="http://schemas.microsoft.com/office/drawing/2014/main" id="{A977E875-EFD4-4585-A189-017A32B5F6DB}"/>
+          <p:cNvPr id="4" name="Picture 2">
+            <a:extLst>
+              <a:ext uri="{FF2B5EF4-FFF2-40B4-BE49-F238E27FC236}">
+                <a16:creationId xmlns:a16="http://schemas.microsoft.com/office/drawing/2014/main" id="{1CAF1D65-EBAE-4F5A-9A48-0B2C8F7A2415}"/>
               </a:ext>
             </a:extLst>
           </p:cNvPr>
@@ -4172,13 +6667,13 @@
               </a:ext>
             </a:extLst>
           </a:blip>
-          <a:srcRect l="12774" t="7408" r="57807" b="7936"/>
+          <a:srcRect l="25570" r="27311"/>
           <a:stretch/>
         </p:blipFill>
         <p:spPr bwMode="auto">
           <a:xfrm>
-            <a:off x="7195798" y="-30156"/>
-            <a:ext cx="1961020" cy="2116124"/>
+            <a:off x="8755715" y="142128"/>
+            <a:ext cx="2276634" cy="2281632"/>
           </a:xfrm>
           <a:prstGeom prst="rect">
             <a:avLst/>
@@ -4198,7 +6693,7 @@
     </p:spTree>
     <p:extLst>
       <p:ext uri="{BB962C8B-B14F-4D97-AF65-F5344CB8AC3E}">
-        <p14:creationId xmlns:p14="http://schemas.microsoft.com/office/powerpoint/2010/main" val="3054027760"/>
+        <p14:creationId xmlns:p14="http://schemas.microsoft.com/office/powerpoint/2010/main" val="4133883052"/>
       </p:ext>
     </p:extLst>
   </p:cSld>
@@ -4230,7 +6725,7 @@
           <p:cNvPr id="2" name="Title 1">
             <a:extLst>
               <a:ext uri="{FF2B5EF4-FFF2-40B4-BE49-F238E27FC236}">
-                <a16:creationId xmlns:a16="http://schemas.microsoft.com/office/drawing/2014/main" id="{0EE90088-FAE6-421E-BDE5-BE146818F1C2}"/>
+                <a16:creationId xmlns:a16="http://schemas.microsoft.com/office/drawing/2014/main" id="{C95F8EB1-BC70-4BFB-90BC-0887F07DA008}"/>
               </a:ext>
             </a:extLst>
           </p:cNvPr>
@@ -4245,61 +6740,162 @@
         <p:txBody>
           <a:bodyPr/>
           <a:lstStyle/>
-          <a:p>
-            <a:r>
-              <a:rPr lang="en-US" dirty="0" err="1"/>
-              <a:t>VSCode</a:t>
-            </a:r>
-            <a:r>
-              <a:rPr lang="en-US" dirty="0"/>
-              <a:t> Extensions</a:t>
-            </a:r>
-          </a:p>
-        </p:txBody>
-      </p:sp>
-      <p:sp>
-        <p:nvSpPr>
-          <p:cNvPr id="3" name="Content Placeholder 2">
-            <a:extLst>
-              <a:ext uri="{FF2B5EF4-FFF2-40B4-BE49-F238E27FC236}">
-                <a16:creationId xmlns:a16="http://schemas.microsoft.com/office/drawing/2014/main" id="{1FC5D1E4-C07B-4CA5-AC3A-A666FE8B04BE}"/>
-              </a:ext>
-            </a:extLst>
-          </p:cNvPr>
-          <p:cNvSpPr>
-            <a:spLocks noGrp="1"/>
-          </p:cNvSpPr>
-          <p:nvPr>
-            <p:ph idx="1"/>
-          </p:nvPr>
-        </p:nvSpPr>
-        <p:spPr/>
-        <p:txBody>
-          <a:bodyPr/>
-          <a:lstStyle/>
-          <a:p>
-            <a:r>
-              <a:rPr lang="en-US" dirty="0"/>
-              <a:t>Markdown</a:t>
-            </a:r>
-          </a:p>
           <a:p>
             <a:r>
               <a:rPr lang="en-US" dirty="0"/>
               <a:t>Python</a:t>
             </a:r>
           </a:p>
-          <a:p>
-            <a:r>
-              <a:rPr lang="en-US" dirty="0"/>
-              <a:t>Dash/Zeal</a:t>
-            </a:r>
-          </a:p>
-          <a:p>
-            <a:pPr lvl="1"/>
-            <a:r>
-              <a:rPr lang="en-US" dirty="0" err="1"/>
-              <a:t>Ctrl+H</a:t>
+        </p:txBody>
+      </p:sp>
+      <p:sp>
+        <p:nvSpPr>
+          <p:cNvPr id="3" name="Content Placeholder 2">
+            <a:extLst>
+              <a:ext uri="{FF2B5EF4-FFF2-40B4-BE49-F238E27FC236}">
+                <a16:creationId xmlns:a16="http://schemas.microsoft.com/office/drawing/2014/main" id="{5C96ACE8-8E3C-4D72-A23D-54AAB734B7B5}"/>
+              </a:ext>
+            </a:extLst>
+          </p:cNvPr>
+          <p:cNvSpPr>
+            <a:spLocks noGrp="1"/>
+          </p:cNvSpPr>
+          <p:nvPr>
+            <p:ph idx="1"/>
+          </p:nvPr>
+        </p:nvSpPr>
+        <p:spPr/>
+        <p:txBody>
+          <a:bodyPr/>
+          <a:lstStyle/>
+          <a:p>
+            <a:endParaRPr lang="en-US" dirty="0"/>
+          </a:p>
+        </p:txBody>
+      </p:sp>
+      <p:pic>
+        <p:nvPicPr>
+          <p:cNvPr id="4" name="Picture 2">
+            <a:extLst>
+              <a:ext uri="{FF2B5EF4-FFF2-40B4-BE49-F238E27FC236}">
+                <a16:creationId xmlns:a16="http://schemas.microsoft.com/office/drawing/2014/main" id="{1CAF1D65-EBAE-4F5A-9A48-0B2C8F7A2415}"/>
+              </a:ext>
+            </a:extLst>
+          </p:cNvPr>
+          <p:cNvPicPr>
+            <a:picLocks noChangeAspect="1" noChangeArrowheads="1"/>
+          </p:cNvPicPr>
+          <p:nvPr/>
+        </p:nvPicPr>
+        <p:blipFill rotWithShape="1">
+          <a:blip r:embed="rId2">
+            <a:extLst>
+              <a:ext uri="{28A0092B-C50C-407E-A947-70E740481C1C}">
+                <a14:useLocalDpi xmlns:a14="http://schemas.microsoft.com/office/drawing/2010/main" val="0"/>
+              </a:ext>
+            </a:extLst>
+          </a:blip>
+          <a:srcRect l="25570" r="27311"/>
+          <a:stretch/>
+        </p:blipFill>
+        <p:spPr bwMode="auto">
+          <a:xfrm>
+            <a:off x="8755715" y="142128"/>
+            <a:ext cx="2276634" cy="2281632"/>
+          </a:xfrm>
+          <a:prstGeom prst="rect">
+            <a:avLst/>
+          </a:prstGeom>
+          <a:noFill/>
+          <a:extLst>
+            <a:ext uri="{909E8E84-426E-40DD-AFC4-6F175D3DCCD1}">
+              <a14:hiddenFill xmlns:a14="http://schemas.microsoft.com/office/drawing/2010/main">
+                <a:solidFill>
+                  <a:srgbClr val="FFFFFF"/>
+                </a:solidFill>
+              </a14:hiddenFill>
+            </a:ext>
+          </a:extLst>
+        </p:spPr>
+      </p:pic>
+      <p:pic>
+        <p:nvPicPr>
+          <p:cNvPr id="3074" name="Picture 2" descr="Image result for python data structures">
+            <a:hlinkClick r:id="rId3"/>
+            <a:extLst>
+              <a:ext uri="{FF2B5EF4-FFF2-40B4-BE49-F238E27FC236}">
+                <a16:creationId xmlns:a16="http://schemas.microsoft.com/office/drawing/2014/main" id="{75159091-BB0B-4E08-A515-5C2890BFA719}"/>
+              </a:ext>
+            </a:extLst>
+          </p:cNvPr>
+          <p:cNvPicPr>
+            <a:picLocks noChangeAspect="1" noChangeArrowheads="1"/>
+          </p:cNvPicPr>
+          <p:nvPr/>
+        </p:nvPicPr>
+        <p:blipFill rotWithShape="1">
+          <a:blip r:embed="rId4">
+            <a:extLst>
+              <a:ext uri="{28A0092B-C50C-407E-A947-70E740481C1C}">
+                <a14:useLocalDpi xmlns:a14="http://schemas.microsoft.com/office/drawing/2010/main" val="0"/>
+              </a:ext>
+            </a:extLst>
+          </a:blip>
+          <a:srcRect l="2686" t="15240" r="2626" b="13778"/>
+          <a:stretch/>
+        </p:blipFill>
+        <p:spPr bwMode="auto">
+          <a:xfrm>
+            <a:off x="1878868" y="2153571"/>
+            <a:ext cx="8434264" cy="3884359"/>
+          </a:xfrm>
+          <a:prstGeom prst="rect">
+            <a:avLst/>
+          </a:prstGeom>
+          <a:noFill/>
+          <a:extLst>
+            <a:ext uri="{909E8E84-426E-40DD-AFC4-6F175D3DCCD1}">
+              <a14:hiddenFill xmlns:a14="http://schemas.microsoft.com/office/drawing/2010/main">
+                <a:solidFill>
+                  <a:srgbClr val="FFFFFF"/>
+                </a:solidFill>
+              </a14:hiddenFill>
+            </a:ext>
+          </a:extLst>
+        </p:spPr>
+      </p:pic>
+      <p:sp>
+        <p:nvSpPr>
+          <p:cNvPr id="5" name="Rectangle 4">
+            <a:extLst>
+              <a:ext uri="{FF2B5EF4-FFF2-40B4-BE49-F238E27FC236}">
+                <a16:creationId xmlns:a16="http://schemas.microsoft.com/office/drawing/2014/main" id="{1292A5E4-346B-41EF-89E3-F987AC99E20F}"/>
+              </a:ext>
+            </a:extLst>
+          </p:cNvPr>
+          <p:cNvSpPr/>
+          <p:nvPr/>
+        </p:nvSpPr>
+        <p:spPr>
+          <a:xfrm>
+            <a:off x="190760" y="6500813"/>
+            <a:ext cx="5057988" cy="369332"/>
+          </a:xfrm>
+          <a:prstGeom prst="rect">
+            <a:avLst/>
+          </a:prstGeom>
+        </p:spPr>
+        <p:txBody>
+          <a:bodyPr wrap="none">
+            <a:spAutoFit/>
+          </a:bodyPr>
+          <a:lstStyle/>
+          <a:p>
+            <a:r>
+              <a:rPr lang="en-US" dirty="0">
+                <a:hlinkClick r:id="rId3"/>
+              </a:rPr>
+              <a:t>https://www.geeksforgeeks.org/python-data-types/</a:t>
             </a:r>
             <a:endParaRPr lang="en-US" dirty="0"/>
           </a:p>
@@ -4308,7 +6904,1428 @@
     </p:spTree>
     <p:extLst>
       <p:ext uri="{BB962C8B-B14F-4D97-AF65-F5344CB8AC3E}">
-        <p14:creationId xmlns:p14="http://schemas.microsoft.com/office/powerpoint/2010/main" val="2401509441"/>
+        <p14:creationId xmlns:p14="http://schemas.microsoft.com/office/powerpoint/2010/main" val="869654965"/>
+      </p:ext>
+    </p:extLst>
+  </p:cSld>
+  <p:clrMapOvr>
+    <a:masterClrMapping/>
+  </p:clrMapOvr>
+</p:sld>
+</file>
+
+<file path=ppt/slides/slide8.xml><?xml version="1.0" encoding="utf-8"?>
+<p:sld xmlns:a="http://schemas.openxmlformats.org/drawingml/2006/main" xmlns:r="http://schemas.openxmlformats.org/officeDocument/2006/relationships" xmlns:p="http://schemas.openxmlformats.org/presentationml/2006/main">
+  <p:cSld>
+    <p:spTree>
+      <p:nvGrpSpPr>
+        <p:cNvPr id="1" name=""/>
+        <p:cNvGrpSpPr/>
+        <p:nvPr/>
+      </p:nvGrpSpPr>
+      <p:grpSpPr>
+        <a:xfrm>
+          <a:off x="0" y="0"/>
+          <a:ext cx="0" cy="0"/>
+          <a:chOff x="0" y="0"/>
+          <a:chExt cx="0" cy="0"/>
+        </a:xfrm>
+      </p:grpSpPr>
+      <p:sp>
+        <p:nvSpPr>
+          <p:cNvPr id="2" name="Title 1">
+            <a:extLst>
+              <a:ext uri="{FF2B5EF4-FFF2-40B4-BE49-F238E27FC236}">
+                <a16:creationId xmlns:a16="http://schemas.microsoft.com/office/drawing/2014/main" id="{C95F8EB1-BC70-4BFB-90BC-0887F07DA008}"/>
+              </a:ext>
+            </a:extLst>
+          </p:cNvPr>
+          <p:cNvSpPr>
+            <a:spLocks noGrp="1"/>
+          </p:cNvSpPr>
+          <p:nvPr>
+            <p:ph type="title"/>
+          </p:nvPr>
+        </p:nvSpPr>
+        <p:spPr/>
+        <p:txBody>
+          <a:bodyPr/>
+          <a:lstStyle/>
+          <a:p>
+            <a:r>
+              <a:rPr lang="en-US" dirty="0"/>
+              <a:t>Python (Data Types/Structures)</a:t>
+            </a:r>
+          </a:p>
+        </p:txBody>
+      </p:sp>
+      <p:pic>
+        <p:nvPicPr>
+          <p:cNvPr id="4" name="Picture 2">
+            <a:extLst>
+              <a:ext uri="{FF2B5EF4-FFF2-40B4-BE49-F238E27FC236}">
+                <a16:creationId xmlns:a16="http://schemas.microsoft.com/office/drawing/2014/main" id="{1CAF1D65-EBAE-4F5A-9A48-0B2C8F7A2415}"/>
+              </a:ext>
+            </a:extLst>
+          </p:cNvPr>
+          <p:cNvPicPr>
+            <a:picLocks noChangeAspect="1" noChangeArrowheads="1"/>
+          </p:cNvPicPr>
+          <p:nvPr/>
+        </p:nvPicPr>
+        <p:blipFill rotWithShape="1">
+          <a:blip r:embed="rId3">
+            <a:extLst>
+              <a:ext uri="{28A0092B-C50C-407E-A947-70E740481C1C}">
+                <a14:useLocalDpi xmlns:a14="http://schemas.microsoft.com/office/drawing/2010/main" val="0"/>
+              </a:ext>
+            </a:extLst>
+          </a:blip>
+          <a:srcRect l="25570" r="27311"/>
+          <a:stretch/>
+        </p:blipFill>
+        <p:spPr bwMode="auto">
+          <a:xfrm>
+            <a:off x="10706408" y="161482"/>
+            <a:ext cx="1294784" cy="1297627"/>
+          </a:xfrm>
+          <a:prstGeom prst="rect">
+            <a:avLst/>
+          </a:prstGeom>
+          <a:noFill/>
+          <a:extLst>
+            <a:ext uri="{909E8E84-426E-40DD-AFC4-6F175D3DCCD1}">
+              <a14:hiddenFill xmlns:a14="http://schemas.microsoft.com/office/drawing/2010/main">
+                <a:solidFill>
+                  <a:srgbClr val="FFFFFF"/>
+                </a:solidFill>
+              </a14:hiddenFill>
+            </a:ext>
+          </a:extLst>
+        </p:spPr>
+      </p:pic>
+      <p:sp>
+        <p:nvSpPr>
+          <p:cNvPr id="6" name="Rectangle 5">
+            <a:extLst>
+              <a:ext uri="{FF2B5EF4-FFF2-40B4-BE49-F238E27FC236}">
+                <a16:creationId xmlns:a16="http://schemas.microsoft.com/office/drawing/2014/main" id="{70565436-20E9-4957-B4A0-B06DC46069D9}"/>
+              </a:ext>
+            </a:extLst>
+          </p:cNvPr>
+          <p:cNvSpPr/>
+          <p:nvPr/>
+        </p:nvSpPr>
+        <p:spPr>
+          <a:xfrm>
+            <a:off x="8745485" y="2316004"/>
+            <a:ext cx="1960923" cy="613117"/>
+          </a:xfrm>
+          <a:prstGeom prst="rect">
+            <a:avLst/>
+          </a:prstGeom>
+          <a:solidFill>
+            <a:schemeClr val="tx1">
+              <a:lumMod val="75000"/>
+              <a:lumOff val="25000"/>
+            </a:schemeClr>
+          </a:solidFill>
+          <a:ln>
+            <a:noFill/>
+          </a:ln>
+        </p:spPr>
+        <p:style>
+          <a:lnRef idx="2">
+            <a:schemeClr val="accent1">
+              <a:shade val="50000"/>
+            </a:schemeClr>
+          </a:lnRef>
+          <a:fillRef idx="1">
+            <a:schemeClr val="accent1"/>
+          </a:fillRef>
+          <a:effectRef idx="0">
+            <a:schemeClr val="accent1"/>
+          </a:effectRef>
+          <a:fontRef idx="minor">
+            <a:schemeClr val="lt1"/>
+          </a:fontRef>
+        </p:style>
+        <p:txBody>
+          <a:bodyPr rtlCol="0" anchor="ctr"/>
+          <a:lstStyle/>
+          <a:p>
+            <a:pPr algn="ctr"/>
+            <a:r>
+              <a:rPr lang="en-US" sz="2400" b="1" dirty="0"/>
+              <a:t>&gt;_</a:t>
+            </a:r>
+            <a:r>
+              <a:rPr lang="en-US" sz="2400" dirty="0"/>
+              <a:t> Code</a:t>
+            </a:r>
+          </a:p>
+        </p:txBody>
+      </p:sp>
+      <p:sp>
+        <p:nvSpPr>
+          <p:cNvPr id="7" name="Rectangle 6">
+            <a:extLst>
+              <a:ext uri="{FF2B5EF4-FFF2-40B4-BE49-F238E27FC236}">
+                <a16:creationId xmlns:a16="http://schemas.microsoft.com/office/drawing/2014/main" id="{67405B65-412B-4F9B-88B5-9A54480FB3F3}"/>
+              </a:ext>
+            </a:extLst>
+          </p:cNvPr>
+          <p:cNvSpPr/>
+          <p:nvPr/>
+        </p:nvSpPr>
+        <p:spPr>
+          <a:xfrm>
+            <a:off x="190808" y="1459109"/>
+            <a:ext cx="6096000" cy="3046988"/>
+          </a:xfrm>
+          <a:prstGeom prst="rect">
+            <a:avLst/>
+          </a:prstGeom>
+          <a:solidFill>
+            <a:srgbClr val="1E1E1E"/>
+          </a:solidFill>
+        </p:spPr>
+        <p:txBody>
+          <a:bodyPr>
+            <a:spAutoFit/>
+          </a:bodyPr>
+          <a:lstStyle/>
+          <a:p>
+            <a:r>
+              <a:rPr lang="en-US" sz="2400" dirty="0">
+                <a:solidFill>
+                  <a:srgbClr val="6A9955"/>
+                </a:solidFill>
+                <a:latin typeface="Consolas" panose="020B0609020204030204" pitchFamily="49" charset="0"/>
+              </a:rPr>
+              <a:t># THIS IS A COMMENT</a:t>
+            </a:r>
+            <a:endParaRPr lang="en-US" sz="2400" dirty="0">
+              <a:solidFill>
+                <a:srgbClr val="D4D4D4"/>
+              </a:solidFill>
+              <a:latin typeface="Consolas" panose="020B0609020204030204" pitchFamily="49" charset="0"/>
+            </a:endParaRPr>
+          </a:p>
+          <a:p>
+            <a:br>
+              <a:rPr lang="en-US" sz="2400" dirty="0">
+                <a:solidFill>
+                  <a:srgbClr val="D4D4D4"/>
+                </a:solidFill>
+                <a:latin typeface="Consolas" panose="020B0609020204030204" pitchFamily="49" charset="0"/>
+              </a:rPr>
+            </a:br>
+            <a:r>
+              <a:rPr lang="en-US" sz="2400" dirty="0">
+                <a:solidFill>
+                  <a:srgbClr val="6A9955"/>
+                </a:solidFill>
+                <a:latin typeface="Consolas" panose="020B0609020204030204" pitchFamily="49" charset="0"/>
+              </a:rPr>
+              <a:t># NUMBERS</a:t>
+            </a:r>
+            <a:endParaRPr lang="en-US" sz="2400" dirty="0">
+              <a:solidFill>
+                <a:srgbClr val="D4D4D4"/>
+              </a:solidFill>
+              <a:latin typeface="Consolas" panose="020B0609020204030204" pitchFamily="49" charset="0"/>
+            </a:endParaRPr>
+          </a:p>
+          <a:p>
+            <a:r>
+              <a:rPr lang="en-US" sz="2400" dirty="0">
+                <a:solidFill>
+                  <a:srgbClr val="D4D4D4"/>
+                </a:solidFill>
+                <a:latin typeface="Consolas" panose="020B0609020204030204" pitchFamily="49" charset="0"/>
+              </a:rPr>
+              <a:t>a = </a:t>
+            </a:r>
+            <a:r>
+              <a:rPr lang="en-US" sz="2400" dirty="0">
+                <a:solidFill>
+                  <a:srgbClr val="B5CEA8"/>
+                </a:solidFill>
+                <a:latin typeface="Consolas" panose="020B0609020204030204" pitchFamily="49" charset="0"/>
+              </a:rPr>
+              <a:t>5</a:t>
+            </a:r>
+            <a:r>
+              <a:rPr lang="en-US" sz="2400" dirty="0">
+                <a:solidFill>
+                  <a:srgbClr val="D4D4D4"/>
+                </a:solidFill>
+                <a:latin typeface="Consolas" panose="020B0609020204030204" pitchFamily="49" charset="0"/>
+              </a:rPr>
+              <a:t> </a:t>
+            </a:r>
+            <a:r>
+              <a:rPr lang="en-US" sz="2400" dirty="0">
+                <a:solidFill>
+                  <a:srgbClr val="6A9955"/>
+                </a:solidFill>
+                <a:latin typeface="Consolas" panose="020B0609020204030204" pitchFamily="49" charset="0"/>
+              </a:rPr>
+              <a:t># Integers</a:t>
+            </a:r>
+            <a:endParaRPr lang="en-US" sz="2400" dirty="0">
+              <a:solidFill>
+                <a:srgbClr val="D4D4D4"/>
+              </a:solidFill>
+              <a:latin typeface="Consolas" panose="020B0609020204030204" pitchFamily="49" charset="0"/>
+            </a:endParaRPr>
+          </a:p>
+          <a:p>
+            <a:r>
+              <a:rPr lang="en-US" sz="2400" dirty="0">
+                <a:solidFill>
+                  <a:srgbClr val="D4D4D4"/>
+                </a:solidFill>
+                <a:latin typeface="Consolas" panose="020B0609020204030204" pitchFamily="49" charset="0"/>
+              </a:rPr>
+              <a:t>print(</a:t>
+            </a:r>
+            <a:r>
+              <a:rPr lang="en-US" sz="2400" dirty="0">
+                <a:solidFill>
+                  <a:srgbClr val="CE9178"/>
+                </a:solidFill>
+                <a:latin typeface="Consolas" panose="020B0609020204030204" pitchFamily="49" charset="0"/>
+              </a:rPr>
+              <a:t>"Type of a: "</a:t>
+            </a:r>
+            <a:r>
+              <a:rPr lang="en-US" sz="2400" dirty="0">
+                <a:solidFill>
+                  <a:srgbClr val="D4D4D4"/>
+                </a:solidFill>
+                <a:latin typeface="Consolas" panose="020B0609020204030204" pitchFamily="49" charset="0"/>
+              </a:rPr>
+              <a:t>, type(a)) </a:t>
+            </a:r>
+          </a:p>
+          <a:p>
+            <a:r>
+              <a:rPr lang="en-US" sz="2400" dirty="0">
+                <a:solidFill>
+                  <a:srgbClr val="D4D4D4"/>
+                </a:solidFill>
+                <a:latin typeface="Consolas" panose="020B0609020204030204" pitchFamily="49" charset="0"/>
+              </a:rPr>
+              <a:t>b = </a:t>
+            </a:r>
+            <a:r>
+              <a:rPr lang="en-US" sz="2400" dirty="0">
+                <a:solidFill>
+                  <a:srgbClr val="B5CEA8"/>
+                </a:solidFill>
+                <a:latin typeface="Consolas" panose="020B0609020204030204" pitchFamily="49" charset="0"/>
+              </a:rPr>
+              <a:t>5.0</a:t>
+            </a:r>
+            <a:r>
+              <a:rPr lang="en-US" sz="2400" dirty="0">
+                <a:solidFill>
+                  <a:srgbClr val="D4D4D4"/>
+                </a:solidFill>
+                <a:latin typeface="Consolas" panose="020B0609020204030204" pitchFamily="49" charset="0"/>
+              </a:rPr>
+              <a:t> </a:t>
+            </a:r>
+            <a:r>
+              <a:rPr lang="en-US" sz="2400" dirty="0">
+                <a:solidFill>
+                  <a:srgbClr val="6A9955"/>
+                </a:solidFill>
+                <a:latin typeface="Consolas" panose="020B0609020204030204" pitchFamily="49" charset="0"/>
+              </a:rPr>
+              <a:t># Numbers on the real line (float)</a:t>
+            </a:r>
+            <a:endParaRPr lang="en-US" sz="2400" dirty="0">
+              <a:solidFill>
+                <a:srgbClr val="D4D4D4"/>
+              </a:solidFill>
+              <a:latin typeface="Consolas" panose="020B0609020204030204" pitchFamily="49" charset="0"/>
+            </a:endParaRPr>
+          </a:p>
+          <a:p>
+            <a:r>
+              <a:rPr lang="en-US" sz="2400" dirty="0">
+                <a:solidFill>
+                  <a:srgbClr val="D4D4D4"/>
+                </a:solidFill>
+                <a:latin typeface="Consolas" panose="020B0609020204030204" pitchFamily="49" charset="0"/>
+              </a:rPr>
+              <a:t>print(</a:t>
+            </a:r>
+            <a:r>
+              <a:rPr lang="en-US" sz="2400" dirty="0">
+                <a:solidFill>
+                  <a:srgbClr val="CE9178"/>
+                </a:solidFill>
+                <a:latin typeface="Consolas" panose="020B0609020204030204" pitchFamily="49" charset="0"/>
+              </a:rPr>
+              <a:t>"\</a:t>
+            </a:r>
+            <a:r>
+              <a:rPr lang="en-US" sz="2400" dirty="0" err="1">
+                <a:solidFill>
+                  <a:srgbClr val="CE9178"/>
+                </a:solidFill>
+                <a:latin typeface="Consolas" panose="020B0609020204030204" pitchFamily="49" charset="0"/>
+              </a:rPr>
+              <a:t>nType</a:t>
+            </a:r>
+            <a:r>
+              <a:rPr lang="en-US" sz="2400" dirty="0">
+                <a:solidFill>
+                  <a:srgbClr val="CE9178"/>
+                </a:solidFill>
+                <a:latin typeface="Consolas" panose="020B0609020204030204" pitchFamily="49" charset="0"/>
+              </a:rPr>
+              <a:t> of b: "</a:t>
+            </a:r>
+            <a:r>
+              <a:rPr lang="en-US" sz="2400" dirty="0">
+                <a:solidFill>
+                  <a:srgbClr val="D4D4D4"/>
+                </a:solidFill>
+                <a:latin typeface="Consolas" panose="020B0609020204030204" pitchFamily="49" charset="0"/>
+              </a:rPr>
+              <a:t>, type(b))</a:t>
+            </a:r>
+            <a:endParaRPr lang="en-US" sz="2400" b="0" dirty="0">
+              <a:solidFill>
+                <a:srgbClr val="D4D4D4"/>
+              </a:solidFill>
+              <a:effectLst/>
+              <a:latin typeface="Consolas" panose="020B0609020204030204" pitchFamily="49" charset="0"/>
+            </a:endParaRPr>
+          </a:p>
+        </p:txBody>
+      </p:sp>
+    </p:spTree>
+    <p:extLst>
+      <p:ext uri="{BB962C8B-B14F-4D97-AF65-F5344CB8AC3E}">
+        <p14:creationId xmlns:p14="http://schemas.microsoft.com/office/powerpoint/2010/main" val="605286163"/>
+      </p:ext>
+    </p:extLst>
+  </p:cSld>
+  <p:clrMapOvr>
+    <a:masterClrMapping/>
+  </p:clrMapOvr>
+</p:sld>
+</file>
+
+<file path=ppt/slides/slide9.xml><?xml version="1.0" encoding="utf-8"?>
+<p:sld xmlns:a="http://schemas.openxmlformats.org/drawingml/2006/main" xmlns:r="http://schemas.openxmlformats.org/officeDocument/2006/relationships" xmlns:p="http://schemas.openxmlformats.org/presentationml/2006/main">
+  <p:cSld>
+    <p:spTree>
+      <p:nvGrpSpPr>
+        <p:cNvPr id="1" name=""/>
+        <p:cNvGrpSpPr/>
+        <p:nvPr/>
+      </p:nvGrpSpPr>
+      <p:grpSpPr>
+        <a:xfrm>
+          <a:off x="0" y="0"/>
+          <a:ext cx="0" cy="0"/>
+          <a:chOff x="0" y="0"/>
+          <a:chExt cx="0" cy="0"/>
+        </a:xfrm>
+      </p:grpSpPr>
+      <p:sp>
+        <p:nvSpPr>
+          <p:cNvPr id="2" name="Title 1">
+            <a:extLst>
+              <a:ext uri="{FF2B5EF4-FFF2-40B4-BE49-F238E27FC236}">
+                <a16:creationId xmlns:a16="http://schemas.microsoft.com/office/drawing/2014/main" id="{FBE75760-A578-46EF-97E0-DF476354E88C}"/>
+              </a:ext>
+            </a:extLst>
+          </p:cNvPr>
+          <p:cNvSpPr>
+            <a:spLocks noGrp="1"/>
+          </p:cNvSpPr>
+          <p:nvPr>
+            <p:ph type="title"/>
+          </p:nvPr>
+        </p:nvSpPr>
+        <p:spPr/>
+        <p:txBody>
+          <a:bodyPr/>
+          <a:lstStyle/>
+          <a:p>
+            <a:r>
+              <a:rPr lang="en-US" dirty="0"/>
+              <a:t>Python (Data Types/Structures)</a:t>
+            </a:r>
+          </a:p>
+        </p:txBody>
+      </p:sp>
+      <p:sp>
+        <p:nvSpPr>
+          <p:cNvPr id="3" name="Content Placeholder 2">
+            <a:extLst>
+              <a:ext uri="{FF2B5EF4-FFF2-40B4-BE49-F238E27FC236}">
+                <a16:creationId xmlns:a16="http://schemas.microsoft.com/office/drawing/2014/main" id="{3D3A3F2E-1455-41B5-8671-64FB0011BF5A}"/>
+              </a:ext>
+            </a:extLst>
+          </p:cNvPr>
+          <p:cNvSpPr>
+            <a:spLocks noGrp="1"/>
+          </p:cNvSpPr>
+          <p:nvPr>
+            <p:ph idx="1"/>
+          </p:nvPr>
+        </p:nvSpPr>
+        <p:spPr/>
+        <p:txBody>
+          <a:bodyPr/>
+          <a:lstStyle/>
+          <a:p>
+            <a:endParaRPr lang="en-US" dirty="0"/>
+          </a:p>
+        </p:txBody>
+      </p:sp>
+      <p:sp>
+        <p:nvSpPr>
+          <p:cNvPr id="4" name="Rectangle 3">
+            <a:extLst>
+              <a:ext uri="{FF2B5EF4-FFF2-40B4-BE49-F238E27FC236}">
+                <a16:creationId xmlns:a16="http://schemas.microsoft.com/office/drawing/2014/main" id="{A9FE76D2-1DCF-4025-B300-84C9ACD9BDEB}"/>
+              </a:ext>
+            </a:extLst>
+          </p:cNvPr>
+          <p:cNvSpPr/>
+          <p:nvPr/>
+        </p:nvSpPr>
+        <p:spPr>
+          <a:xfrm>
+            <a:off x="2222598" y="2369357"/>
+            <a:ext cx="6096000" cy="2677656"/>
+          </a:xfrm>
+          <a:prstGeom prst="rect">
+            <a:avLst/>
+          </a:prstGeom>
+          <a:solidFill>
+            <a:srgbClr val="1E1E1E"/>
+          </a:solidFill>
+        </p:spPr>
+        <p:txBody>
+          <a:bodyPr>
+            <a:spAutoFit/>
+          </a:bodyPr>
+          <a:lstStyle/>
+          <a:p>
+            <a:r>
+              <a:rPr lang="en-US" sz="2400" dirty="0">
+                <a:solidFill>
+                  <a:srgbClr val="6A9955"/>
+                </a:solidFill>
+                <a:latin typeface="Consolas" panose="020B0609020204030204" pitchFamily="49" charset="0"/>
+              </a:rPr>
+              <a:t># TEXT</a:t>
+            </a:r>
+            <a:endParaRPr lang="en-US" sz="2400" dirty="0">
+              <a:solidFill>
+                <a:srgbClr val="D4D4D4"/>
+              </a:solidFill>
+              <a:latin typeface="Consolas" panose="020B0609020204030204" pitchFamily="49" charset="0"/>
+            </a:endParaRPr>
+          </a:p>
+          <a:p>
+            <a:r>
+              <a:rPr lang="en-US" sz="2400" dirty="0" err="1">
+                <a:solidFill>
+                  <a:srgbClr val="D4D4D4"/>
+                </a:solidFill>
+                <a:latin typeface="Consolas" panose="020B0609020204030204" pitchFamily="49" charset="0"/>
+              </a:rPr>
+              <a:t>my_string</a:t>
+            </a:r>
+            <a:r>
+              <a:rPr lang="en-US" sz="2400" dirty="0">
+                <a:solidFill>
+                  <a:srgbClr val="D4D4D4"/>
+                </a:solidFill>
+                <a:latin typeface="Consolas" panose="020B0609020204030204" pitchFamily="49" charset="0"/>
+              </a:rPr>
+              <a:t> = </a:t>
+            </a:r>
+            <a:r>
+              <a:rPr lang="en-US" sz="2400" dirty="0">
+                <a:solidFill>
+                  <a:srgbClr val="CE9178"/>
+                </a:solidFill>
+                <a:latin typeface="Consolas" panose="020B0609020204030204" pitchFamily="49" charset="0"/>
+              </a:rPr>
+              <a:t>"My 1st string"</a:t>
+            </a:r>
+            <a:endParaRPr lang="en-US" sz="2400" dirty="0">
+              <a:solidFill>
+                <a:srgbClr val="D4D4D4"/>
+              </a:solidFill>
+              <a:latin typeface="Consolas" panose="020B0609020204030204" pitchFamily="49" charset="0"/>
+            </a:endParaRPr>
+          </a:p>
+          <a:p>
+            <a:r>
+              <a:rPr lang="en-US" sz="2400" dirty="0">
+                <a:solidFill>
+                  <a:srgbClr val="D4D4D4"/>
+                </a:solidFill>
+                <a:latin typeface="Consolas" panose="020B0609020204030204" pitchFamily="49" charset="0"/>
+              </a:rPr>
+              <a:t>print(</a:t>
+            </a:r>
+            <a:r>
+              <a:rPr lang="en-US" sz="2400" dirty="0" err="1">
+                <a:solidFill>
+                  <a:srgbClr val="D4D4D4"/>
+                </a:solidFill>
+                <a:latin typeface="Consolas" panose="020B0609020204030204" pitchFamily="49" charset="0"/>
+              </a:rPr>
+              <a:t>my_string</a:t>
+            </a:r>
+            <a:r>
+              <a:rPr lang="en-US" sz="2400" dirty="0">
+                <a:solidFill>
+                  <a:srgbClr val="D4D4D4"/>
+                </a:solidFill>
+                <a:latin typeface="Consolas" panose="020B0609020204030204" pitchFamily="49" charset="0"/>
+              </a:rPr>
+              <a:t>)</a:t>
+            </a:r>
+          </a:p>
+          <a:p>
+            <a:r>
+              <a:rPr lang="en-US" sz="2400" dirty="0" err="1">
+                <a:solidFill>
+                  <a:srgbClr val="D4D4D4"/>
+                </a:solidFill>
+                <a:latin typeface="Consolas" panose="020B0609020204030204" pitchFamily="49" charset="0"/>
+              </a:rPr>
+              <a:t>my_string</a:t>
+            </a:r>
+            <a:r>
+              <a:rPr lang="en-US" sz="2400" dirty="0">
+                <a:solidFill>
+                  <a:srgbClr val="D4D4D4"/>
+                </a:solidFill>
+                <a:latin typeface="Consolas" panose="020B0609020204030204" pitchFamily="49" charset="0"/>
+              </a:rPr>
+              <a:t> = </a:t>
+            </a:r>
+            <a:r>
+              <a:rPr lang="en-US" sz="2400" dirty="0">
+                <a:solidFill>
+                  <a:srgbClr val="CE9178"/>
+                </a:solidFill>
+                <a:latin typeface="Consolas" panose="020B0609020204030204" pitchFamily="49" charset="0"/>
+              </a:rPr>
+              <a:t>'My 2nd string'</a:t>
+            </a:r>
+            <a:endParaRPr lang="en-US" sz="2400" dirty="0">
+              <a:solidFill>
+                <a:srgbClr val="D4D4D4"/>
+              </a:solidFill>
+              <a:latin typeface="Consolas" panose="020B0609020204030204" pitchFamily="49" charset="0"/>
+            </a:endParaRPr>
+          </a:p>
+          <a:p>
+            <a:r>
+              <a:rPr lang="en-US" sz="2400" dirty="0">
+                <a:solidFill>
+                  <a:srgbClr val="D4D4D4"/>
+                </a:solidFill>
+                <a:latin typeface="Consolas" panose="020B0609020204030204" pitchFamily="49" charset="0"/>
+              </a:rPr>
+              <a:t>print(</a:t>
+            </a:r>
+            <a:r>
+              <a:rPr lang="en-US" sz="2400" dirty="0" err="1">
+                <a:solidFill>
+                  <a:srgbClr val="D4D4D4"/>
+                </a:solidFill>
+                <a:latin typeface="Consolas" panose="020B0609020204030204" pitchFamily="49" charset="0"/>
+              </a:rPr>
+              <a:t>my_string</a:t>
+            </a:r>
+            <a:r>
+              <a:rPr lang="en-US" sz="2400" dirty="0">
+                <a:solidFill>
+                  <a:srgbClr val="D4D4D4"/>
+                </a:solidFill>
+                <a:latin typeface="Consolas" panose="020B0609020204030204" pitchFamily="49" charset="0"/>
+              </a:rPr>
+              <a:t>)</a:t>
+            </a:r>
+          </a:p>
+          <a:p>
+            <a:r>
+              <a:rPr lang="en-US" sz="2400" dirty="0" err="1">
+                <a:solidFill>
+                  <a:srgbClr val="D4D4D4"/>
+                </a:solidFill>
+                <a:latin typeface="Consolas" panose="020B0609020204030204" pitchFamily="49" charset="0"/>
+              </a:rPr>
+              <a:t>my_string</a:t>
+            </a:r>
+            <a:r>
+              <a:rPr lang="en-US" sz="2400" dirty="0">
+                <a:solidFill>
+                  <a:srgbClr val="D4D4D4"/>
+                </a:solidFill>
+                <a:latin typeface="Consolas" panose="020B0609020204030204" pitchFamily="49" charset="0"/>
+              </a:rPr>
+              <a:t>[</a:t>
+            </a:r>
+            <a:r>
+              <a:rPr lang="en-US" sz="2400" dirty="0">
+                <a:solidFill>
+                  <a:srgbClr val="B5CEA8"/>
+                </a:solidFill>
+                <a:latin typeface="Consolas" panose="020B0609020204030204" pitchFamily="49" charset="0"/>
+              </a:rPr>
+              <a:t>0</a:t>
+            </a:r>
+            <a:r>
+              <a:rPr lang="en-US" sz="2400" dirty="0">
+                <a:solidFill>
+                  <a:srgbClr val="D4D4D4"/>
+                </a:solidFill>
+                <a:latin typeface="Consolas" panose="020B0609020204030204" pitchFamily="49" charset="0"/>
+              </a:rPr>
+              <a:t>]</a:t>
+            </a:r>
+          </a:p>
+          <a:p>
+            <a:r>
+              <a:rPr lang="en-US" sz="2400" dirty="0" err="1">
+                <a:solidFill>
+                  <a:srgbClr val="D4D4D4"/>
+                </a:solidFill>
+                <a:latin typeface="Consolas" panose="020B0609020204030204" pitchFamily="49" charset="0"/>
+              </a:rPr>
+              <a:t>my_string</a:t>
+            </a:r>
+            <a:r>
+              <a:rPr lang="en-US" sz="2400" dirty="0">
+                <a:solidFill>
+                  <a:srgbClr val="D4D4D4"/>
+                </a:solidFill>
+                <a:latin typeface="Consolas" panose="020B0609020204030204" pitchFamily="49" charset="0"/>
+              </a:rPr>
+              <a:t>[-3]</a:t>
+            </a:r>
+          </a:p>
+        </p:txBody>
+      </p:sp>
+      <p:graphicFrame>
+        <p:nvGraphicFramePr>
+          <p:cNvPr id="5" name="Table 10">
+            <a:extLst>
+              <a:ext uri="{FF2B5EF4-FFF2-40B4-BE49-F238E27FC236}">
+                <a16:creationId xmlns:a16="http://schemas.microsoft.com/office/drawing/2014/main" id="{1FC5CFDA-DA3E-4770-8DF3-E76203B3787C}"/>
+              </a:ext>
+            </a:extLst>
+          </p:cNvPr>
+          <p:cNvGraphicFramePr>
+            <a:graphicFrameLocks noGrp="1"/>
+          </p:cNvGraphicFramePr>
+          <p:nvPr>
+            <p:extLst>
+              <p:ext uri="{D42A27DB-BD31-4B8C-83A1-F6EECF244321}">
+                <p14:modId xmlns:p14="http://schemas.microsoft.com/office/powerpoint/2010/main" val="2193312484"/>
+              </p:ext>
+            </p:extLst>
+          </p:nvPr>
+        </p:nvGraphicFramePr>
+        <p:xfrm>
+          <a:off x="2222598" y="5590744"/>
+          <a:ext cx="7746804" cy="1371600"/>
+        </p:xfrm>
+        <a:graphic>
+          <a:graphicData uri="http://schemas.openxmlformats.org/drawingml/2006/table">
+            <a:tbl>
+              <a:tblPr firstRow="1" bandRow="1">
+                <a:tableStyleId>{5C22544A-7EE6-4342-B048-85BDC9FD1C3A}</a:tableStyleId>
+              </a:tblPr>
+              <a:tblGrid>
+                <a:gridCol w="595908">
+                  <a:extLst>
+                    <a:ext uri="{9D8B030D-6E8A-4147-A177-3AD203B41FA5}">
+                      <a16:colId xmlns:a16="http://schemas.microsoft.com/office/drawing/2014/main" val="2381000005"/>
+                    </a:ext>
+                  </a:extLst>
+                </a:gridCol>
+                <a:gridCol w="595908">
+                  <a:extLst>
+                    <a:ext uri="{9D8B030D-6E8A-4147-A177-3AD203B41FA5}">
+                      <a16:colId xmlns:a16="http://schemas.microsoft.com/office/drawing/2014/main" val="1891304698"/>
+                    </a:ext>
+                  </a:extLst>
+                </a:gridCol>
+                <a:gridCol w="595908">
+                  <a:extLst>
+                    <a:ext uri="{9D8B030D-6E8A-4147-A177-3AD203B41FA5}">
+                      <a16:colId xmlns:a16="http://schemas.microsoft.com/office/drawing/2014/main" val="912840568"/>
+                    </a:ext>
+                  </a:extLst>
+                </a:gridCol>
+                <a:gridCol w="595908">
+                  <a:extLst>
+                    <a:ext uri="{9D8B030D-6E8A-4147-A177-3AD203B41FA5}">
+                      <a16:colId xmlns:a16="http://schemas.microsoft.com/office/drawing/2014/main" val="1353054814"/>
+                    </a:ext>
+                  </a:extLst>
+                </a:gridCol>
+                <a:gridCol w="595908">
+                  <a:extLst>
+                    <a:ext uri="{9D8B030D-6E8A-4147-A177-3AD203B41FA5}">
+                      <a16:colId xmlns:a16="http://schemas.microsoft.com/office/drawing/2014/main" val="4093805980"/>
+                    </a:ext>
+                  </a:extLst>
+                </a:gridCol>
+                <a:gridCol w="595908">
+                  <a:extLst>
+                    <a:ext uri="{9D8B030D-6E8A-4147-A177-3AD203B41FA5}">
+                      <a16:colId xmlns:a16="http://schemas.microsoft.com/office/drawing/2014/main" val="3368313158"/>
+                    </a:ext>
+                  </a:extLst>
+                </a:gridCol>
+                <a:gridCol w="595908">
+                  <a:extLst>
+                    <a:ext uri="{9D8B030D-6E8A-4147-A177-3AD203B41FA5}">
+                      <a16:colId xmlns:a16="http://schemas.microsoft.com/office/drawing/2014/main" val="2385609287"/>
+                    </a:ext>
+                  </a:extLst>
+                </a:gridCol>
+                <a:gridCol w="595908">
+                  <a:extLst>
+                    <a:ext uri="{9D8B030D-6E8A-4147-A177-3AD203B41FA5}">
+                      <a16:colId xmlns:a16="http://schemas.microsoft.com/office/drawing/2014/main" val="1694465517"/>
+                    </a:ext>
+                  </a:extLst>
+                </a:gridCol>
+                <a:gridCol w="595908">
+                  <a:extLst>
+                    <a:ext uri="{9D8B030D-6E8A-4147-A177-3AD203B41FA5}">
+                      <a16:colId xmlns:a16="http://schemas.microsoft.com/office/drawing/2014/main" val="2841449658"/>
+                    </a:ext>
+                  </a:extLst>
+                </a:gridCol>
+                <a:gridCol w="595908">
+                  <a:extLst>
+                    <a:ext uri="{9D8B030D-6E8A-4147-A177-3AD203B41FA5}">
+                      <a16:colId xmlns:a16="http://schemas.microsoft.com/office/drawing/2014/main" val="2324861721"/>
+                    </a:ext>
+                  </a:extLst>
+                </a:gridCol>
+                <a:gridCol w="595908">
+                  <a:extLst>
+                    <a:ext uri="{9D8B030D-6E8A-4147-A177-3AD203B41FA5}">
+                      <a16:colId xmlns:a16="http://schemas.microsoft.com/office/drawing/2014/main" val="3468046320"/>
+                    </a:ext>
+                  </a:extLst>
+                </a:gridCol>
+                <a:gridCol w="595908">
+                  <a:extLst>
+                    <a:ext uri="{9D8B030D-6E8A-4147-A177-3AD203B41FA5}">
+                      <a16:colId xmlns:a16="http://schemas.microsoft.com/office/drawing/2014/main" val="2394271524"/>
+                    </a:ext>
+                  </a:extLst>
+                </a:gridCol>
+                <a:gridCol w="595908">
+                  <a:extLst>
+                    <a:ext uri="{9D8B030D-6E8A-4147-A177-3AD203B41FA5}">
+                      <a16:colId xmlns:a16="http://schemas.microsoft.com/office/drawing/2014/main" val="1874909130"/>
+                    </a:ext>
+                  </a:extLst>
+                </a:gridCol>
+              </a:tblGrid>
+              <a:tr h="370840">
+                <a:tc>
+                  <a:txBody>
+                    <a:bodyPr/>
+                    <a:lstStyle/>
+                    <a:p>
+                      <a:r>
+                        <a:rPr lang="en-US" sz="2400" dirty="0"/>
+                        <a:t>M</a:t>
+                      </a:r>
+                    </a:p>
+                  </a:txBody>
+                  <a:tcPr/>
+                </a:tc>
+                <a:tc>
+                  <a:txBody>
+                    <a:bodyPr/>
+                    <a:lstStyle/>
+                    <a:p>
+                      <a:r>
+                        <a:rPr lang="en-US" sz="2400" dirty="0"/>
+                        <a:t>y</a:t>
+                      </a:r>
+                    </a:p>
+                  </a:txBody>
+                  <a:tcPr/>
+                </a:tc>
+                <a:tc>
+                  <a:txBody>
+                    <a:bodyPr/>
+                    <a:lstStyle/>
+                    <a:p>
+                      <a:endParaRPr lang="en-US" sz="2400" dirty="0"/>
+                    </a:p>
+                  </a:txBody>
+                  <a:tcPr/>
+                </a:tc>
+                <a:tc>
+                  <a:txBody>
+                    <a:bodyPr/>
+                    <a:lstStyle/>
+                    <a:p>
+                      <a:r>
+                        <a:rPr lang="en-US" sz="2400" dirty="0"/>
+                        <a:t>2</a:t>
+                      </a:r>
+                    </a:p>
+                  </a:txBody>
+                  <a:tcPr/>
+                </a:tc>
+                <a:tc>
+                  <a:txBody>
+                    <a:bodyPr/>
+                    <a:lstStyle/>
+                    <a:p>
+                      <a:r>
+                        <a:rPr lang="en-US" sz="2400" dirty="0"/>
+                        <a:t>n</a:t>
+                      </a:r>
+                    </a:p>
+                  </a:txBody>
+                  <a:tcPr/>
+                </a:tc>
+                <a:tc>
+                  <a:txBody>
+                    <a:bodyPr/>
+                    <a:lstStyle/>
+                    <a:p>
+                      <a:r>
+                        <a:rPr lang="en-US" sz="2400" dirty="0"/>
+                        <a:t>d</a:t>
+                      </a:r>
+                    </a:p>
+                  </a:txBody>
+                  <a:tcPr/>
+                </a:tc>
+                <a:tc>
+                  <a:txBody>
+                    <a:bodyPr/>
+                    <a:lstStyle/>
+                    <a:p>
+                      <a:endParaRPr lang="en-US" sz="2400" dirty="0"/>
+                    </a:p>
+                  </a:txBody>
+                  <a:tcPr/>
+                </a:tc>
+                <a:tc>
+                  <a:txBody>
+                    <a:bodyPr/>
+                    <a:lstStyle/>
+                    <a:p>
+                      <a:r>
+                        <a:rPr lang="en-US" sz="2400" dirty="0"/>
+                        <a:t>s</a:t>
+                      </a:r>
+                    </a:p>
+                  </a:txBody>
+                  <a:tcPr/>
+                </a:tc>
+                <a:tc>
+                  <a:txBody>
+                    <a:bodyPr/>
+                    <a:lstStyle/>
+                    <a:p>
+                      <a:r>
+                        <a:rPr lang="en-US" sz="2400" dirty="0"/>
+                        <a:t>t</a:t>
+                      </a:r>
+                    </a:p>
+                  </a:txBody>
+                  <a:tcPr/>
+                </a:tc>
+                <a:tc>
+                  <a:txBody>
+                    <a:bodyPr/>
+                    <a:lstStyle/>
+                    <a:p>
+                      <a:r>
+                        <a:rPr lang="en-US" sz="2400" dirty="0"/>
+                        <a:t>r</a:t>
+                      </a:r>
+                    </a:p>
+                  </a:txBody>
+                  <a:tcPr/>
+                </a:tc>
+                <a:tc>
+                  <a:txBody>
+                    <a:bodyPr/>
+                    <a:lstStyle/>
+                    <a:p>
+                      <a:r>
+                        <a:rPr lang="en-US" sz="2400" dirty="0" err="1"/>
+                        <a:t>i</a:t>
+                      </a:r>
+                      <a:endParaRPr lang="en-US" sz="2400" dirty="0"/>
+                    </a:p>
+                  </a:txBody>
+                  <a:tcPr/>
+                </a:tc>
+                <a:tc>
+                  <a:txBody>
+                    <a:bodyPr/>
+                    <a:lstStyle/>
+                    <a:p>
+                      <a:r>
+                        <a:rPr lang="en-US" sz="2400" dirty="0"/>
+                        <a:t>n</a:t>
+                      </a:r>
+                    </a:p>
+                  </a:txBody>
+                  <a:tcPr/>
+                </a:tc>
+                <a:tc>
+                  <a:txBody>
+                    <a:bodyPr/>
+                    <a:lstStyle/>
+                    <a:p>
+                      <a:r>
+                        <a:rPr lang="en-US" sz="2400" dirty="0"/>
+                        <a:t>g</a:t>
+                      </a:r>
+                    </a:p>
+                  </a:txBody>
+                  <a:tcPr/>
+                </a:tc>
+                <a:extLst>
+                  <a:ext uri="{0D108BD9-81ED-4DB2-BD59-A6C34878D82A}">
+                    <a16:rowId xmlns:a16="http://schemas.microsoft.com/office/drawing/2014/main" val="3700119398"/>
+                  </a:ext>
+                </a:extLst>
+              </a:tr>
+              <a:tr h="370840">
+                <a:tc>
+                  <a:txBody>
+                    <a:bodyPr/>
+                    <a:lstStyle/>
+                    <a:p>
+                      <a:r>
+                        <a:rPr lang="en-US" sz="2400" dirty="0"/>
+                        <a:t>0</a:t>
+                      </a:r>
+                    </a:p>
+                  </a:txBody>
+                  <a:tcPr/>
+                </a:tc>
+                <a:tc>
+                  <a:txBody>
+                    <a:bodyPr/>
+                    <a:lstStyle/>
+                    <a:p>
+                      <a:r>
+                        <a:rPr lang="en-US" sz="2400" dirty="0"/>
+                        <a:t>1</a:t>
+                      </a:r>
+                    </a:p>
+                  </a:txBody>
+                  <a:tcPr/>
+                </a:tc>
+                <a:tc>
+                  <a:txBody>
+                    <a:bodyPr/>
+                    <a:lstStyle/>
+                    <a:p>
+                      <a:r>
+                        <a:rPr lang="en-US" sz="2400" dirty="0"/>
+                        <a:t>2</a:t>
+                      </a:r>
+                    </a:p>
+                  </a:txBody>
+                  <a:tcPr/>
+                </a:tc>
+                <a:tc>
+                  <a:txBody>
+                    <a:bodyPr/>
+                    <a:lstStyle/>
+                    <a:p>
+                      <a:r>
+                        <a:rPr lang="en-US" sz="2400" dirty="0"/>
+                        <a:t>3</a:t>
+                      </a:r>
+                    </a:p>
+                  </a:txBody>
+                  <a:tcPr/>
+                </a:tc>
+                <a:tc>
+                  <a:txBody>
+                    <a:bodyPr/>
+                    <a:lstStyle/>
+                    <a:p>
+                      <a:r>
+                        <a:rPr lang="en-US" sz="2400" dirty="0"/>
+                        <a:t>4</a:t>
+                      </a:r>
+                    </a:p>
+                  </a:txBody>
+                  <a:tcPr/>
+                </a:tc>
+                <a:tc>
+                  <a:txBody>
+                    <a:bodyPr/>
+                    <a:lstStyle/>
+                    <a:p>
+                      <a:r>
+                        <a:rPr lang="en-US" sz="2400" dirty="0"/>
+                        <a:t>5</a:t>
+                      </a:r>
+                    </a:p>
+                  </a:txBody>
+                  <a:tcPr/>
+                </a:tc>
+                <a:tc>
+                  <a:txBody>
+                    <a:bodyPr/>
+                    <a:lstStyle/>
+                    <a:p>
+                      <a:r>
+                        <a:rPr lang="en-US" sz="2400" dirty="0"/>
+                        <a:t>6</a:t>
+                      </a:r>
+                    </a:p>
+                  </a:txBody>
+                  <a:tcPr/>
+                </a:tc>
+                <a:tc>
+                  <a:txBody>
+                    <a:bodyPr/>
+                    <a:lstStyle/>
+                    <a:p>
+                      <a:r>
+                        <a:rPr lang="en-US" sz="2400" dirty="0"/>
+                        <a:t>7</a:t>
+                      </a:r>
+                    </a:p>
+                  </a:txBody>
+                  <a:tcPr/>
+                </a:tc>
+                <a:tc>
+                  <a:txBody>
+                    <a:bodyPr/>
+                    <a:lstStyle/>
+                    <a:p>
+                      <a:r>
+                        <a:rPr lang="en-US" sz="2400" dirty="0"/>
+                        <a:t>8</a:t>
+                      </a:r>
+                    </a:p>
+                  </a:txBody>
+                  <a:tcPr/>
+                </a:tc>
+                <a:tc>
+                  <a:txBody>
+                    <a:bodyPr/>
+                    <a:lstStyle/>
+                    <a:p>
+                      <a:r>
+                        <a:rPr lang="en-US" sz="2400" dirty="0"/>
+                        <a:t>9</a:t>
+                      </a:r>
+                    </a:p>
+                  </a:txBody>
+                  <a:tcPr/>
+                </a:tc>
+                <a:tc>
+                  <a:txBody>
+                    <a:bodyPr/>
+                    <a:lstStyle/>
+                    <a:p>
+                      <a:r>
+                        <a:rPr lang="en-US" sz="2400" dirty="0"/>
+                        <a:t>10</a:t>
+                      </a:r>
+                    </a:p>
+                  </a:txBody>
+                  <a:tcPr/>
+                </a:tc>
+                <a:tc>
+                  <a:txBody>
+                    <a:bodyPr/>
+                    <a:lstStyle/>
+                    <a:p>
+                      <a:r>
+                        <a:rPr lang="en-US" sz="2400" dirty="0"/>
+                        <a:t>11</a:t>
+                      </a:r>
+                    </a:p>
+                  </a:txBody>
+                  <a:tcPr/>
+                </a:tc>
+                <a:tc>
+                  <a:txBody>
+                    <a:bodyPr/>
+                    <a:lstStyle/>
+                    <a:p>
+                      <a:r>
+                        <a:rPr lang="en-US" sz="2400" dirty="0"/>
+                        <a:t>12</a:t>
+                      </a:r>
+                    </a:p>
+                  </a:txBody>
+                  <a:tcPr/>
+                </a:tc>
+                <a:extLst>
+                  <a:ext uri="{0D108BD9-81ED-4DB2-BD59-A6C34878D82A}">
+                    <a16:rowId xmlns:a16="http://schemas.microsoft.com/office/drawing/2014/main" val="2998084041"/>
+                  </a:ext>
+                </a:extLst>
+              </a:tr>
+              <a:tr h="370840">
+                <a:tc>
+                  <a:txBody>
+                    <a:bodyPr/>
+                    <a:lstStyle/>
+                    <a:p>
+                      <a:r>
+                        <a:rPr lang="en-US" sz="2400" dirty="0"/>
+                        <a:t>-13</a:t>
+                      </a:r>
+                    </a:p>
+                  </a:txBody>
+                  <a:tcPr/>
+                </a:tc>
+                <a:tc>
+                  <a:txBody>
+                    <a:bodyPr/>
+                    <a:lstStyle/>
+                    <a:p>
+                      <a:r>
+                        <a:rPr lang="en-US" sz="2400" dirty="0"/>
+                        <a:t>-12</a:t>
+                      </a:r>
+                    </a:p>
+                  </a:txBody>
+                  <a:tcPr/>
+                </a:tc>
+                <a:tc>
+                  <a:txBody>
+                    <a:bodyPr/>
+                    <a:lstStyle/>
+                    <a:p>
+                      <a:r>
+                        <a:rPr lang="en-US" sz="2400" dirty="0"/>
+                        <a:t>-11</a:t>
+                      </a:r>
+                    </a:p>
+                  </a:txBody>
+                  <a:tcPr/>
+                </a:tc>
+                <a:tc>
+                  <a:txBody>
+                    <a:bodyPr/>
+                    <a:lstStyle/>
+                    <a:p>
+                      <a:r>
+                        <a:rPr lang="en-US" sz="2400" dirty="0"/>
+                        <a:t>-10</a:t>
+                      </a:r>
+                    </a:p>
+                  </a:txBody>
+                  <a:tcPr/>
+                </a:tc>
+                <a:tc>
+                  <a:txBody>
+                    <a:bodyPr/>
+                    <a:lstStyle/>
+                    <a:p>
+                      <a:r>
+                        <a:rPr lang="en-US" sz="2400" dirty="0"/>
+                        <a:t>-9</a:t>
+                      </a:r>
+                    </a:p>
+                  </a:txBody>
+                  <a:tcPr/>
+                </a:tc>
+                <a:tc>
+                  <a:txBody>
+                    <a:bodyPr/>
+                    <a:lstStyle/>
+                    <a:p>
+                      <a:r>
+                        <a:rPr lang="en-US" sz="2400" dirty="0"/>
+                        <a:t>-8</a:t>
+                      </a:r>
+                    </a:p>
+                  </a:txBody>
+                  <a:tcPr/>
+                </a:tc>
+                <a:tc>
+                  <a:txBody>
+                    <a:bodyPr/>
+                    <a:lstStyle/>
+                    <a:p>
+                      <a:r>
+                        <a:rPr lang="en-US" sz="2400" dirty="0"/>
+                        <a:t>-7</a:t>
+                      </a:r>
+                    </a:p>
+                  </a:txBody>
+                  <a:tcPr/>
+                </a:tc>
+                <a:tc>
+                  <a:txBody>
+                    <a:bodyPr/>
+                    <a:lstStyle/>
+                    <a:p>
+                      <a:r>
+                        <a:rPr lang="en-US" sz="2400" dirty="0"/>
+                        <a:t>-6</a:t>
+                      </a:r>
+                    </a:p>
+                  </a:txBody>
+                  <a:tcPr/>
+                </a:tc>
+                <a:tc>
+                  <a:txBody>
+                    <a:bodyPr/>
+                    <a:lstStyle/>
+                    <a:p>
+                      <a:r>
+                        <a:rPr lang="en-US" sz="2400" dirty="0"/>
+                        <a:t>-5</a:t>
+                      </a:r>
+                    </a:p>
+                  </a:txBody>
+                  <a:tcPr/>
+                </a:tc>
+                <a:tc>
+                  <a:txBody>
+                    <a:bodyPr/>
+                    <a:lstStyle/>
+                    <a:p>
+                      <a:r>
+                        <a:rPr lang="en-US" sz="2400" dirty="0"/>
+                        <a:t>-4</a:t>
+                      </a:r>
+                    </a:p>
+                  </a:txBody>
+                  <a:tcPr/>
+                </a:tc>
+                <a:tc>
+                  <a:txBody>
+                    <a:bodyPr/>
+                    <a:lstStyle/>
+                    <a:p>
+                      <a:r>
+                        <a:rPr lang="en-US" sz="2400" dirty="0"/>
+                        <a:t>-3</a:t>
+                      </a:r>
+                    </a:p>
+                  </a:txBody>
+                  <a:tcPr/>
+                </a:tc>
+                <a:tc>
+                  <a:txBody>
+                    <a:bodyPr/>
+                    <a:lstStyle/>
+                    <a:p>
+                      <a:r>
+                        <a:rPr lang="en-US" sz="2400" dirty="0"/>
+                        <a:t>-2</a:t>
+                      </a:r>
+                    </a:p>
+                  </a:txBody>
+                  <a:tcPr/>
+                </a:tc>
+                <a:tc>
+                  <a:txBody>
+                    <a:bodyPr/>
+                    <a:lstStyle/>
+                    <a:p>
+                      <a:r>
+                        <a:rPr lang="en-US" sz="2400" dirty="0"/>
+                        <a:t>-1</a:t>
+                      </a:r>
+                    </a:p>
+                  </a:txBody>
+                  <a:tcPr/>
+                </a:tc>
+                <a:extLst>
+                  <a:ext uri="{0D108BD9-81ED-4DB2-BD59-A6C34878D82A}">
+                    <a16:rowId xmlns:a16="http://schemas.microsoft.com/office/drawing/2014/main" val="220042833"/>
+                  </a:ext>
+                </a:extLst>
+              </a:tr>
+            </a:tbl>
+          </a:graphicData>
+        </a:graphic>
+      </p:graphicFrame>
+      <p:pic>
+        <p:nvPicPr>
+          <p:cNvPr id="6" name="Picture 2">
+            <a:extLst>
+              <a:ext uri="{FF2B5EF4-FFF2-40B4-BE49-F238E27FC236}">
+                <a16:creationId xmlns:a16="http://schemas.microsoft.com/office/drawing/2014/main" id="{D96724F2-2E15-48C3-9000-E370F3907F4F}"/>
+              </a:ext>
+            </a:extLst>
+          </p:cNvPr>
+          <p:cNvPicPr>
+            <a:picLocks noChangeAspect="1" noChangeArrowheads="1"/>
+          </p:cNvPicPr>
+          <p:nvPr/>
+        </p:nvPicPr>
+        <p:blipFill rotWithShape="1">
+          <a:blip r:embed="rId2">
+            <a:extLst>
+              <a:ext uri="{28A0092B-C50C-407E-A947-70E740481C1C}">
+                <a14:useLocalDpi xmlns:a14="http://schemas.microsoft.com/office/drawing/2010/main" val="0"/>
+              </a:ext>
+            </a:extLst>
+          </a:blip>
+          <a:srcRect l="25570" r="27311"/>
+          <a:stretch/>
+        </p:blipFill>
+        <p:spPr bwMode="auto">
+          <a:xfrm>
+            <a:off x="10706408" y="161482"/>
+            <a:ext cx="1294784" cy="1297627"/>
+          </a:xfrm>
+          <a:prstGeom prst="rect">
+            <a:avLst/>
+          </a:prstGeom>
+          <a:noFill/>
+          <a:extLst>
+            <a:ext uri="{909E8E84-426E-40DD-AFC4-6F175D3DCCD1}">
+              <a14:hiddenFill xmlns:a14="http://schemas.microsoft.com/office/drawing/2010/main">
+                <a:solidFill>
+                  <a:srgbClr val="FFFFFF"/>
+                </a:solidFill>
+              </a14:hiddenFill>
+            </a:ext>
+          </a:extLst>
+        </p:spPr>
+      </p:pic>
+    </p:spTree>
+    <p:extLst>
+      <p:ext uri="{BB962C8B-B14F-4D97-AF65-F5344CB8AC3E}">
+        <p14:creationId xmlns:p14="http://schemas.microsoft.com/office/powerpoint/2010/main" val="3033318008"/>
       </p:ext>
     </p:extLst>
   </p:cSld>
@@ -4611,4 +8628,299 @@
     </a:ext>
   </a:extLst>
 </a:theme>
+</file>
+
+<file path=ppt/theme/theme2.xml><?xml version="1.0" encoding="utf-8"?>
+<a:theme xmlns:a="http://schemas.openxmlformats.org/drawingml/2006/main" name="Office Theme">
+  <a:themeElements>
+    <a:clrScheme name="Office">
+      <a:dk1>
+        <a:sysClr val="windowText" lastClr="000000"/>
+      </a:dk1>
+      <a:lt1>
+        <a:sysClr val="window" lastClr="FFFFFF"/>
+      </a:lt1>
+      <a:dk2>
+        <a:srgbClr val="44546A"/>
+      </a:dk2>
+      <a:lt2>
+        <a:srgbClr val="E7E6E6"/>
+      </a:lt2>
+      <a:accent1>
+        <a:srgbClr val="4472C4"/>
+      </a:accent1>
+      <a:accent2>
+        <a:srgbClr val="ED7D31"/>
+      </a:accent2>
+      <a:accent3>
+        <a:srgbClr val="A5A5A5"/>
+      </a:accent3>
+      <a:accent4>
+        <a:srgbClr val="FFC000"/>
+      </a:accent4>
+      <a:accent5>
+        <a:srgbClr val="5B9BD5"/>
+      </a:accent5>
+      <a:accent6>
+        <a:srgbClr val="70AD47"/>
+      </a:accent6>
+      <a:hlink>
+        <a:srgbClr val="0563C1"/>
+      </a:hlink>
+      <a:folHlink>
+        <a:srgbClr val="954F72"/>
+      </a:folHlink>
+    </a:clrScheme>
+    <a:fontScheme name="Office">
+      <a:majorFont>
+        <a:latin typeface="Calibri Light" panose="020F0302020204030204"/>
+        <a:ea typeface=""/>
+        <a:cs typeface=""/>
+        <a:font script="Jpan" typeface="游ゴシック Light"/>
+        <a:font script="Hang" typeface="맑은 고딕"/>
+        <a:font script="Hans" typeface="等线 Light"/>
+        <a:font script="Hant" typeface="新細明體"/>
+        <a:font script="Arab" typeface="Times New Roman"/>
+        <a:font script="Hebr" typeface="Times New Roman"/>
+        <a:font script="Thai" typeface="Angsana New"/>
+        <a:font script="Ethi" typeface="Nyala"/>
+        <a:font script="Beng" typeface="Vrinda"/>
+        <a:font script="Gujr" typeface="Shruti"/>
+        <a:font script="Khmr" typeface="MoolBoran"/>
+        <a:font script="Knda" typeface="Tunga"/>
+        <a:font script="Guru" typeface="Raavi"/>
+        <a:font script="Cans" typeface="Euphemia"/>
+        <a:font script="Cher" typeface="Plantagenet Cherokee"/>
+        <a:font script="Yiii" typeface="Microsoft Yi Baiti"/>
+        <a:font script="Tibt" typeface="Microsoft Himalaya"/>
+        <a:font script="Thaa" typeface="MV Boli"/>
+        <a:font script="Deva" typeface="Mangal"/>
+        <a:font script="Telu" typeface="Gautami"/>
+        <a:font script="Taml" typeface="Latha"/>
+        <a:font script="Syrc" typeface="Estrangelo Edessa"/>
+        <a:font script="Orya" typeface="Kalinga"/>
+        <a:font script="Mlym" typeface="Kartika"/>
+        <a:font script="Laoo" typeface="DokChampa"/>
+        <a:font script="Sinh" typeface="Iskoola Pota"/>
+        <a:font script="Mong" typeface="Mongolian Baiti"/>
+        <a:font script="Viet" typeface="Times New Roman"/>
+        <a:font script="Uigh" typeface="Microsoft Uighur"/>
+        <a:font script="Geor" typeface="Sylfaen"/>
+        <a:font script="Armn" typeface="Arial"/>
+        <a:font script="Bugi" typeface="Leelawadee UI"/>
+        <a:font script="Bopo" typeface="Microsoft JhengHei"/>
+        <a:font script="Java" typeface="Javanese Text"/>
+        <a:font script="Lisu" typeface="Segoe UI"/>
+        <a:font script="Mymr" typeface="Myanmar Text"/>
+        <a:font script="Nkoo" typeface="Ebrima"/>
+        <a:font script="Olck" typeface="Nirmala UI"/>
+        <a:font script="Osma" typeface="Ebrima"/>
+        <a:font script="Phag" typeface="Phagspa"/>
+        <a:font script="Syrn" typeface="Estrangelo Edessa"/>
+        <a:font script="Syrj" typeface="Estrangelo Edessa"/>
+        <a:font script="Syre" typeface="Estrangelo Edessa"/>
+        <a:font script="Sora" typeface="Nirmala UI"/>
+        <a:font script="Tale" typeface="Microsoft Tai Le"/>
+        <a:font script="Talu" typeface="Microsoft New Tai Lue"/>
+        <a:font script="Tfng" typeface="Ebrima"/>
+      </a:majorFont>
+      <a:minorFont>
+        <a:latin typeface="Calibri" panose="020F0502020204030204"/>
+        <a:ea typeface=""/>
+        <a:cs typeface=""/>
+        <a:font script="Jpan" typeface="游ゴシック"/>
+        <a:font script="Hang" typeface="맑은 고딕"/>
+        <a:font script="Hans" typeface="等线"/>
+        <a:font script="Hant" typeface="新細明體"/>
+        <a:font script="Arab" typeface="Arial"/>
+        <a:font script="Hebr" typeface="Arial"/>
+        <a:font script="Thai" typeface="Cordia New"/>
+        <a:font script="Ethi" typeface="Nyala"/>
+        <a:font script="Beng" typeface="Vrinda"/>
+        <a:font script="Gujr" typeface="Shruti"/>
+        <a:font script="Khmr" typeface="DaunPenh"/>
+        <a:font script="Knda" typeface="Tunga"/>
+        <a:font script="Guru" typeface="Raavi"/>
+        <a:font script="Cans" typeface="Euphemia"/>
+        <a:font script="Cher" typeface="Plantagenet Cherokee"/>
+        <a:font script="Yiii" typeface="Microsoft Yi Baiti"/>
+        <a:font script="Tibt" typeface="Microsoft Himalaya"/>
+        <a:font script="Thaa" typeface="MV Boli"/>
+        <a:font script="Deva" typeface="Mangal"/>
+        <a:font script="Telu" typeface="Gautami"/>
+        <a:font script="Taml" typeface="Latha"/>
+        <a:font script="Syrc" typeface="Estrangelo Edessa"/>
+        <a:font script="Orya" typeface="Kalinga"/>
+        <a:font script="Mlym" typeface="Kartika"/>
+        <a:font script="Laoo" typeface="DokChampa"/>
+        <a:font script="Sinh" typeface="Iskoola Pota"/>
+        <a:font script="Mong" typeface="Mongolian Baiti"/>
+        <a:font script="Viet" typeface="Arial"/>
+        <a:font script="Uigh" typeface="Microsoft Uighur"/>
+        <a:font script="Geor" typeface="Sylfaen"/>
+        <a:font script="Armn" typeface="Arial"/>
+        <a:font script="Bugi" typeface="Leelawadee UI"/>
+        <a:font script="Bopo" typeface="Microsoft JhengHei"/>
+        <a:font script="Java" typeface="Javanese Text"/>
+        <a:font script="Lisu" typeface="Segoe UI"/>
+        <a:font script="Mymr" typeface="Myanmar Text"/>
+        <a:font script="Nkoo" typeface="Ebrima"/>
+        <a:font script="Olck" typeface="Nirmala UI"/>
+        <a:font script="Osma" typeface="Ebrima"/>
+        <a:font script="Phag" typeface="Phagspa"/>
+        <a:font script="Syrn" typeface="Estrangelo Edessa"/>
+        <a:font script="Syrj" typeface="Estrangelo Edessa"/>
+        <a:font script="Syre" typeface="Estrangelo Edessa"/>
+        <a:font script="Sora" typeface="Nirmala UI"/>
+        <a:font script="Tale" typeface="Microsoft Tai Le"/>
+        <a:font script="Talu" typeface="Microsoft New Tai Lue"/>
+        <a:font script="Tfng" typeface="Ebrima"/>
+      </a:minorFont>
+    </a:fontScheme>
+    <a:fmtScheme name="Office">
+      <a:fillStyleLst>
+        <a:solidFill>
+          <a:schemeClr val="phClr"/>
+        </a:solidFill>
+        <a:gradFill rotWithShape="1">
+          <a:gsLst>
+            <a:gs pos="0">
+              <a:schemeClr val="phClr">
+                <a:lumMod val="110000"/>
+                <a:satMod val="105000"/>
+                <a:tint val="67000"/>
+              </a:schemeClr>
+            </a:gs>
+            <a:gs pos="50000">
+              <a:schemeClr val="phClr">
+                <a:lumMod val="105000"/>
+                <a:satMod val="103000"/>
+                <a:tint val="73000"/>
+              </a:schemeClr>
+            </a:gs>
+            <a:gs pos="100000">
+              <a:schemeClr val="phClr">
+                <a:lumMod val="105000"/>
+                <a:satMod val="109000"/>
+                <a:tint val="81000"/>
+              </a:schemeClr>
+            </a:gs>
+          </a:gsLst>
+          <a:lin ang="5400000" scaled="0"/>
+        </a:gradFill>
+        <a:gradFill rotWithShape="1">
+          <a:gsLst>
+            <a:gs pos="0">
+              <a:schemeClr val="phClr">
+                <a:satMod val="103000"/>
+                <a:lumMod val="102000"/>
+                <a:tint val="94000"/>
+              </a:schemeClr>
+            </a:gs>
+            <a:gs pos="50000">
+              <a:schemeClr val="phClr">
+                <a:satMod val="110000"/>
+                <a:lumMod val="100000"/>
+                <a:shade val="100000"/>
+              </a:schemeClr>
+            </a:gs>
+            <a:gs pos="100000">
+              <a:schemeClr val="phClr">
+                <a:lumMod val="99000"/>
+                <a:satMod val="120000"/>
+                <a:shade val="78000"/>
+              </a:schemeClr>
+            </a:gs>
+          </a:gsLst>
+          <a:lin ang="5400000" scaled="0"/>
+        </a:gradFill>
+      </a:fillStyleLst>
+      <a:lnStyleLst>
+        <a:ln w="6350" cap="flat" cmpd="sng" algn="ctr">
+          <a:solidFill>
+            <a:schemeClr val="phClr"/>
+          </a:solidFill>
+          <a:prstDash val="solid"/>
+          <a:miter lim="800000"/>
+        </a:ln>
+        <a:ln w="12700" cap="flat" cmpd="sng" algn="ctr">
+          <a:solidFill>
+            <a:schemeClr val="phClr"/>
+          </a:solidFill>
+          <a:prstDash val="solid"/>
+          <a:miter lim="800000"/>
+        </a:ln>
+        <a:ln w="19050" cap="flat" cmpd="sng" algn="ctr">
+          <a:solidFill>
+            <a:schemeClr val="phClr"/>
+          </a:solidFill>
+          <a:prstDash val="solid"/>
+          <a:miter lim="800000"/>
+        </a:ln>
+      </a:lnStyleLst>
+      <a:effectStyleLst>
+        <a:effectStyle>
+          <a:effectLst/>
+        </a:effectStyle>
+        <a:effectStyle>
+          <a:effectLst/>
+        </a:effectStyle>
+        <a:effectStyle>
+          <a:effectLst>
+            <a:outerShdw blurRad="57150" dist="19050" dir="5400000" algn="ctr" rotWithShape="0">
+              <a:srgbClr val="000000">
+                <a:alpha val="63000"/>
+              </a:srgbClr>
+            </a:outerShdw>
+          </a:effectLst>
+        </a:effectStyle>
+      </a:effectStyleLst>
+      <a:bgFillStyleLst>
+        <a:solidFill>
+          <a:schemeClr val="phClr"/>
+        </a:solidFill>
+        <a:solidFill>
+          <a:schemeClr val="phClr">
+            <a:tint val="95000"/>
+            <a:satMod val="170000"/>
+          </a:schemeClr>
+        </a:solidFill>
+        <a:gradFill rotWithShape="1">
+          <a:gsLst>
+            <a:gs pos="0">
+              <a:schemeClr val="phClr">
+                <a:tint val="93000"/>
+                <a:satMod val="150000"/>
+                <a:shade val="98000"/>
+                <a:lumMod val="102000"/>
+              </a:schemeClr>
+            </a:gs>
+            <a:gs pos="50000">
+              <a:schemeClr val="phClr">
+                <a:tint val="98000"/>
+                <a:satMod val="130000"/>
+                <a:shade val="90000"/>
+                <a:lumMod val="103000"/>
+              </a:schemeClr>
+            </a:gs>
+            <a:gs pos="100000">
+              <a:schemeClr val="phClr">
+                <a:shade val="63000"/>
+                <a:satMod val="120000"/>
+              </a:schemeClr>
+            </a:gs>
+          </a:gsLst>
+          <a:lin ang="5400000" scaled="0"/>
+        </a:gradFill>
+      </a:bgFillStyleLst>
+    </a:fmtScheme>
+  </a:themeElements>
+  <a:objectDefaults/>
+  <a:extraClrSchemeLst/>
+  <a:extLst>
+    <a:ext uri="{05A4C25C-085E-4340-85A3-A5531E510DB2}">
+      <thm15:themeFamily xmlns:thm15="http://schemas.microsoft.com/office/thememl/2012/main" name="Office Theme" id="{62F939B6-93AF-4DB8-9C6B-D6C7DFDC589F}" vid="{4A3C46E8-61CC-4603-A589-7422A47A8E4A}"/>
+    </a:ext>
+  </a:extLst>
+</a:theme>
 </file>
--- a/slides/01_softwareTutorial.pptx
+++ b/slides/01_softwareTutorial.pptx
@@ -7407,8 +7407,8 @@
         </p:nvSpPr>
         <p:spPr>
           <a:xfrm>
-            <a:off x="2222598" y="2369357"/>
-            <a:ext cx="6096000" cy="2677656"/>
+            <a:off x="3584027" y="2442967"/>
+            <a:ext cx="5023945" cy="2677656"/>
           </a:xfrm>
           <a:prstGeom prst="rect">
             <a:avLst/>
@@ -7418,7 +7418,7 @@
           </a:solidFill>
         </p:spPr>
         <p:txBody>
-          <a:bodyPr>
+          <a:bodyPr wrap="square">
             <a:spAutoFit/>
           </a:bodyPr>
           <a:lstStyle/>
@@ -7642,13 +7642,13 @@
           <p:nvPr>
             <p:extLst>
               <p:ext uri="{D42A27DB-BD31-4B8C-83A1-F6EECF244321}">
-                <p14:modId xmlns:p14="http://schemas.microsoft.com/office/powerpoint/2010/main" val="2193312484"/>
+                <p14:modId xmlns:p14="http://schemas.microsoft.com/office/powerpoint/2010/main" val="2676401566"/>
               </p:ext>
             </p:extLst>
           </p:nvPr>
         </p:nvGraphicFramePr>
         <p:xfrm>
-          <a:off x="2222598" y="5590744"/>
+          <a:off x="2222598" y="5370338"/>
           <a:ext cx="7746804" cy="1371600"/>
         </p:xfrm>
         <a:graphic>
@@ -7756,9 +7756,302 @@
                     <a:bodyPr/>
                     <a:lstStyle/>
                     <a:p>
+                      <a:pPr algn="ctr"/>
+                      <a:r>
+                        <a:rPr lang="en-US" sz="2400" dirty="0">
+                          <a:solidFill>
+                            <a:srgbClr val="CE9178"/>
+                          </a:solidFill>
+                        </a:rPr>
+                        <a:t>M</a:t>
+                      </a:r>
+                    </a:p>
+                  </a:txBody>
+                  <a:tcPr>
+                    <a:solidFill>
+                      <a:srgbClr val="1E1E1E"/>
+                    </a:solidFill>
+                  </a:tcPr>
+                </a:tc>
+                <a:tc>
+                  <a:txBody>
+                    <a:bodyPr/>
+                    <a:lstStyle/>
+                    <a:p>
+                      <a:pPr algn="ctr"/>
+                      <a:r>
+                        <a:rPr lang="en-US" sz="2400" dirty="0">
+                          <a:solidFill>
+                            <a:srgbClr val="CE9178"/>
+                          </a:solidFill>
+                        </a:rPr>
+                        <a:t>y</a:t>
+                      </a:r>
+                    </a:p>
+                  </a:txBody>
+                  <a:tcPr>
+                    <a:solidFill>
+                      <a:srgbClr val="1E1E1E"/>
+                    </a:solidFill>
+                  </a:tcPr>
+                </a:tc>
+                <a:tc>
+                  <a:txBody>
+                    <a:bodyPr/>
+                    <a:lstStyle/>
+                    <a:p>
+                      <a:pPr algn="ctr"/>
+                      <a:endParaRPr lang="en-US" sz="2400" dirty="0">
+                        <a:solidFill>
+                          <a:srgbClr val="CE9178"/>
+                        </a:solidFill>
+                      </a:endParaRPr>
+                    </a:p>
+                  </a:txBody>
+                  <a:tcPr>
+                    <a:solidFill>
+                      <a:srgbClr val="1E1E1E"/>
+                    </a:solidFill>
+                  </a:tcPr>
+                </a:tc>
+                <a:tc>
+                  <a:txBody>
+                    <a:bodyPr/>
+                    <a:lstStyle/>
+                    <a:p>
+                      <a:pPr algn="ctr"/>
+                      <a:r>
+                        <a:rPr lang="en-US" sz="2400" dirty="0">
+                          <a:solidFill>
+                            <a:srgbClr val="CE9178"/>
+                          </a:solidFill>
+                        </a:rPr>
+                        <a:t>2</a:t>
+                      </a:r>
+                    </a:p>
+                  </a:txBody>
+                  <a:tcPr>
+                    <a:solidFill>
+                      <a:srgbClr val="1E1E1E"/>
+                    </a:solidFill>
+                  </a:tcPr>
+                </a:tc>
+                <a:tc>
+                  <a:txBody>
+                    <a:bodyPr/>
+                    <a:lstStyle/>
+                    <a:p>
+                      <a:pPr algn="ctr"/>
+                      <a:r>
+                        <a:rPr lang="en-US" sz="2400" dirty="0">
+                          <a:solidFill>
+                            <a:srgbClr val="CE9178"/>
+                          </a:solidFill>
+                        </a:rPr>
+                        <a:t>n</a:t>
+                      </a:r>
+                    </a:p>
+                  </a:txBody>
+                  <a:tcPr>
+                    <a:solidFill>
+                      <a:srgbClr val="1E1E1E"/>
+                    </a:solidFill>
+                  </a:tcPr>
+                </a:tc>
+                <a:tc>
+                  <a:txBody>
+                    <a:bodyPr/>
+                    <a:lstStyle/>
+                    <a:p>
+                      <a:pPr algn="ctr"/>
+                      <a:r>
+                        <a:rPr lang="en-US" sz="2400" dirty="0">
+                          <a:solidFill>
+                            <a:srgbClr val="CE9178"/>
+                          </a:solidFill>
+                        </a:rPr>
+                        <a:t>d</a:t>
+                      </a:r>
+                    </a:p>
+                  </a:txBody>
+                  <a:tcPr>
+                    <a:solidFill>
+                      <a:srgbClr val="1E1E1E"/>
+                    </a:solidFill>
+                  </a:tcPr>
+                </a:tc>
+                <a:tc>
+                  <a:txBody>
+                    <a:bodyPr/>
+                    <a:lstStyle/>
+                    <a:p>
+                      <a:pPr algn="ctr"/>
+                      <a:endParaRPr lang="en-US" sz="2400" dirty="0">
+                        <a:solidFill>
+                          <a:srgbClr val="CE9178"/>
+                        </a:solidFill>
+                      </a:endParaRPr>
+                    </a:p>
+                  </a:txBody>
+                  <a:tcPr>
+                    <a:solidFill>
+                      <a:srgbClr val="1E1E1E"/>
+                    </a:solidFill>
+                  </a:tcPr>
+                </a:tc>
+                <a:tc>
+                  <a:txBody>
+                    <a:bodyPr/>
+                    <a:lstStyle/>
+                    <a:p>
+                      <a:pPr algn="ctr"/>
+                      <a:r>
+                        <a:rPr lang="en-US" sz="2400" dirty="0">
+                          <a:solidFill>
+                            <a:srgbClr val="CE9178"/>
+                          </a:solidFill>
+                        </a:rPr>
+                        <a:t>s</a:t>
+                      </a:r>
+                    </a:p>
+                  </a:txBody>
+                  <a:tcPr>
+                    <a:solidFill>
+                      <a:srgbClr val="1E1E1E"/>
+                    </a:solidFill>
+                  </a:tcPr>
+                </a:tc>
+                <a:tc>
+                  <a:txBody>
+                    <a:bodyPr/>
+                    <a:lstStyle/>
+                    <a:p>
+                      <a:pPr algn="ctr"/>
+                      <a:r>
+                        <a:rPr lang="en-US" sz="2400" dirty="0">
+                          <a:solidFill>
+                            <a:srgbClr val="CE9178"/>
+                          </a:solidFill>
+                        </a:rPr>
+                        <a:t>t</a:t>
+                      </a:r>
+                    </a:p>
+                  </a:txBody>
+                  <a:tcPr>
+                    <a:solidFill>
+                      <a:srgbClr val="1E1E1E"/>
+                    </a:solidFill>
+                  </a:tcPr>
+                </a:tc>
+                <a:tc>
+                  <a:txBody>
+                    <a:bodyPr/>
+                    <a:lstStyle/>
+                    <a:p>
+                      <a:pPr algn="ctr"/>
+                      <a:r>
+                        <a:rPr lang="en-US" sz="2400" dirty="0">
+                          <a:solidFill>
+                            <a:srgbClr val="CE9178"/>
+                          </a:solidFill>
+                        </a:rPr>
+                        <a:t>r</a:t>
+                      </a:r>
+                    </a:p>
+                  </a:txBody>
+                  <a:tcPr>
+                    <a:solidFill>
+                      <a:srgbClr val="1E1E1E"/>
+                    </a:solidFill>
+                  </a:tcPr>
+                </a:tc>
+                <a:tc>
+                  <a:txBody>
+                    <a:bodyPr/>
+                    <a:lstStyle/>
+                    <a:p>
+                      <a:pPr algn="ctr"/>
+                      <a:r>
+                        <a:rPr lang="en-US" sz="2400" dirty="0" err="1">
+                          <a:solidFill>
+                            <a:srgbClr val="CE9178"/>
+                          </a:solidFill>
+                        </a:rPr>
+                        <a:t>i</a:t>
+                      </a:r>
+                      <a:endParaRPr lang="en-US" sz="2400" dirty="0">
+                        <a:solidFill>
+                          <a:srgbClr val="CE9178"/>
+                        </a:solidFill>
+                      </a:endParaRPr>
+                    </a:p>
+                  </a:txBody>
+                  <a:tcPr>
+                    <a:solidFill>
+                      <a:srgbClr val="1E1E1E"/>
+                    </a:solidFill>
+                  </a:tcPr>
+                </a:tc>
+                <a:tc>
+                  <a:txBody>
+                    <a:bodyPr/>
+                    <a:lstStyle/>
+                    <a:p>
+                      <a:pPr algn="ctr"/>
+                      <a:r>
+                        <a:rPr lang="en-US" sz="2400" dirty="0">
+                          <a:solidFill>
+                            <a:srgbClr val="CE9178"/>
+                          </a:solidFill>
+                        </a:rPr>
+                        <a:t>n</a:t>
+                      </a:r>
+                    </a:p>
+                  </a:txBody>
+                  <a:tcPr>
+                    <a:solidFill>
+                      <a:srgbClr val="1E1E1E"/>
+                    </a:solidFill>
+                  </a:tcPr>
+                </a:tc>
+                <a:tc>
+                  <a:txBody>
+                    <a:bodyPr/>
+                    <a:lstStyle/>
+                    <a:p>
+                      <a:pPr algn="ctr"/>
+                      <a:r>
+                        <a:rPr lang="en-US" sz="2400" dirty="0">
+                          <a:solidFill>
+                            <a:srgbClr val="CE9178"/>
+                          </a:solidFill>
+                        </a:rPr>
+                        <a:t>g</a:t>
+                      </a:r>
+                    </a:p>
+                  </a:txBody>
+                  <a:tcPr>
+                    <a:solidFill>
+                      <a:srgbClr val="1E1E1E"/>
+                    </a:solidFill>
+                  </a:tcPr>
+                </a:tc>
+                <a:extLst>
+                  <a:ext uri="{0D108BD9-81ED-4DB2-BD59-A6C34878D82A}">
+                    <a16:rowId xmlns:a16="http://schemas.microsoft.com/office/drawing/2014/main" val="3700119398"/>
+                  </a:ext>
+                </a:extLst>
+              </a:tr>
+              <a:tr h="370840">
+                <a:tc>
+                  <a:txBody>
+                    <a:bodyPr/>
+                    <a:lstStyle/>
+                    <a:p>
+                      <a:pPr algn="ctr"/>
                       <a:r>
                         <a:rPr lang="en-US" sz="2400" dirty="0"/>
-                        <a:t>M</a:t>
+                        <a:t>0</a:t>
                       </a:r>
                     </a:p>
                   </a:txBody>
@@ -7769,9 +8062,10 @@
                     <a:bodyPr/>
                     <a:lstStyle/>
                     <a:p>
+                      <a:pPr algn="ctr"/>
                       <a:r>
                         <a:rPr lang="en-US" sz="2400" dirty="0"/>
-                        <a:t>y</a:t>
+                        <a:t>1</a:t>
                       </a:r>
                     </a:p>
                   </a:txBody>
@@ -7782,16 +8076,7 @@
                     <a:bodyPr/>
                     <a:lstStyle/>
                     <a:p>
-                      <a:endParaRPr lang="en-US" sz="2400" dirty="0"/>
-                    </a:p>
-                  </a:txBody>
-                  <a:tcPr/>
-                </a:tc>
-                <a:tc>
-                  <a:txBody>
-                    <a:bodyPr/>
-                    <a:lstStyle/>
-                    <a:p>
+                      <a:pPr algn="ctr"/>
                       <a:r>
                         <a:rPr lang="en-US" sz="2400" dirty="0"/>
                         <a:t>2</a:t>
@@ -7805,167 +8090,7 @@
                     <a:bodyPr/>
                     <a:lstStyle/>
                     <a:p>
-                      <a:r>
-                        <a:rPr lang="en-US" sz="2400" dirty="0"/>
-                        <a:t>n</a:t>
-                      </a:r>
-                    </a:p>
-                  </a:txBody>
-                  <a:tcPr/>
-                </a:tc>
-                <a:tc>
-                  <a:txBody>
-                    <a:bodyPr/>
-                    <a:lstStyle/>
-                    <a:p>
-                      <a:r>
-                        <a:rPr lang="en-US" sz="2400" dirty="0"/>
-                        <a:t>d</a:t>
-                      </a:r>
-                    </a:p>
-                  </a:txBody>
-                  <a:tcPr/>
-                </a:tc>
-                <a:tc>
-                  <a:txBody>
-                    <a:bodyPr/>
-                    <a:lstStyle/>
-                    <a:p>
-                      <a:endParaRPr lang="en-US" sz="2400" dirty="0"/>
-                    </a:p>
-                  </a:txBody>
-                  <a:tcPr/>
-                </a:tc>
-                <a:tc>
-                  <a:txBody>
-                    <a:bodyPr/>
-                    <a:lstStyle/>
-                    <a:p>
-                      <a:r>
-                        <a:rPr lang="en-US" sz="2400" dirty="0"/>
-                        <a:t>s</a:t>
-                      </a:r>
-                    </a:p>
-                  </a:txBody>
-                  <a:tcPr/>
-                </a:tc>
-                <a:tc>
-                  <a:txBody>
-                    <a:bodyPr/>
-                    <a:lstStyle/>
-                    <a:p>
-                      <a:r>
-                        <a:rPr lang="en-US" sz="2400" dirty="0"/>
-                        <a:t>t</a:t>
-                      </a:r>
-                    </a:p>
-                  </a:txBody>
-                  <a:tcPr/>
-                </a:tc>
-                <a:tc>
-                  <a:txBody>
-                    <a:bodyPr/>
-                    <a:lstStyle/>
-                    <a:p>
-                      <a:r>
-                        <a:rPr lang="en-US" sz="2400" dirty="0"/>
-                        <a:t>r</a:t>
-                      </a:r>
-                    </a:p>
-                  </a:txBody>
-                  <a:tcPr/>
-                </a:tc>
-                <a:tc>
-                  <a:txBody>
-                    <a:bodyPr/>
-                    <a:lstStyle/>
-                    <a:p>
-                      <a:r>
-                        <a:rPr lang="en-US" sz="2400" dirty="0" err="1"/>
-                        <a:t>i</a:t>
-                      </a:r>
-                      <a:endParaRPr lang="en-US" sz="2400" dirty="0"/>
-                    </a:p>
-                  </a:txBody>
-                  <a:tcPr/>
-                </a:tc>
-                <a:tc>
-                  <a:txBody>
-                    <a:bodyPr/>
-                    <a:lstStyle/>
-                    <a:p>
-                      <a:r>
-                        <a:rPr lang="en-US" sz="2400" dirty="0"/>
-                        <a:t>n</a:t>
-                      </a:r>
-                    </a:p>
-                  </a:txBody>
-                  <a:tcPr/>
-                </a:tc>
-                <a:tc>
-                  <a:txBody>
-                    <a:bodyPr/>
-                    <a:lstStyle/>
-                    <a:p>
-                      <a:r>
-                        <a:rPr lang="en-US" sz="2400" dirty="0"/>
-                        <a:t>g</a:t>
-                      </a:r>
-                    </a:p>
-                  </a:txBody>
-                  <a:tcPr/>
-                </a:tc>
-                <a:extLst>
-                  <a:ext uri="{0D108BD9-81ED-4DB2-BD59-A6C34878D82A}">
-                    <a16:rowId xmlns:a16="http://schemas.microsoft.com/office/drawing/2014/main" val="3700119398"/>
-                  </a:ext>
-                </a:extLst>
-              </a:tr>
-              <a:tr h="370840">
-                <a:tc>
-                  <a:txBody>
-                    <a:bodyPr/>
-                    <a:lstStyle/>
-                    <a:p>
-                      <a:r>
-                        <a:rPr lang="en-US" sz="2400" dirty="0"/>
-                        <a:t>0</a:t>
-                      </a:r>
-                    </a:p>
-                  </a:txBody>
-                  <a:tcPr/>
-                </a:tc>
-                <a:tc>
-                  <a:txBody>
-                    <a:bodyPr/>
-                    <a:lstStyle/>
-                    <a:p>
-                      <a:r>
-                        <a:rPr lang="en-US" sz="2400" dirty="0"/>
-                        <a:t>1</a:t>
-                      </a:r>
-                    </a:p>
-                  </a:txBody>
-                  <a:tcPr/>
-                </a:tc>
-                <a:tc>
-                  <a:txBody>
-                    <a:bodyPr/>
-                    <a:lstStyle/>
-                    <a:p>
-                      <a:r>
-                        <a:rPr lang="en-US" sz="2400" dirty="0"/>
-                        <a:t>2</a:t>
-                      </a:r>
-                    </a:p>
-                  </a:txBody>
-                  <a:tcPr/>
-                </a:tc>
-                <a:tc>
-                  <a:txBody>
-                    <a:bodyPr/>
-                    <a:lstStyle/>
-                    <a:p>
+                      <a:pPr algn="ctr"/>
                       <a:r>
                         <a:rPr lang="en-US" sz="2400" dirty="0"/>
                         <a:t>3</a:t>
@@ -7979,6 +8104,7 @@
                     <a:bodyPr/>
                     <a:lstStyle/>
                     <a:p>
+                      <a:pPr algn="ctr"/>
                       <a:r>
                         <a:rPr lang="en-US" sz="2400" dirty="0"/>
                         <a:t>4</a:t>
@@ -7992,6 +8118,7 @@
                     <a:bodyPr/>
                     <a:lstStyle/>
                     <a:p>
+                      <a:pPr algn="ctr"/>
                       <a:r>
                         <a:rPr lang="en-US" sz="2400" dirty="0"/>
                         <a:t>5</a:t>
@@ -8005,6 +8132,7 @@
                     <a:bodyPr/>
                     <a:lstStyle/>
                     <a:p>
+                      <a:pPr algn="ctr"/>
                       <a:r>
                         <a:rPr lang="en-US" sz="2400" dirty="0"/>
                         <a:t>6</a:t>
@@ -8018,6 +8146,7 @@
                     <a:bodyPr/>
                     <a:lstStyle/>
                     <a:p>
+                      <a:pPr algn="ctr"/>
                       <a:r>
                         <a:rPr lang="en-US" sz="2400" dirty="0"/>
                         <a:t>7</a:t>
@@ -8031,6 +8160,7 @@
                     <a:bodyPr/>
                     <a:lstStyle/>
                     <a:p>
+                      <a:pPr algn="ctr"/>
                       <a:r>
                         <a:rPr lang="en-US" sz="2400" dirty="0"/>
                         <a:t>8</a:t>
@@ -8044,6 +8174,7 @@
                     <a:bodyPr/>
                     <a:lstStyle/>
                     <a:p>
+                      <a:pPr algn="ctr"/>
                       <a:r>
                         <a:rPr lang="en-US" sz="2400" dirty="0"/>
                         <a:t>9</a:t>
@@ -8057,6 +8188,7 @@
                     <a:bodyPr/>
                     <a:lstStyle/>
                     <a:p>
+                      <a:pPr algn="ctr"/>
                       <a:r>
                         <a:rPr lang="en-US" sz="2400" dirty="0"/>
                         <a:t>10</a:t>
@@ -8070,6 +8202,7 @@
                     <a:bodyPr/>
                     <a:lstStyle/>
                     <a:p>
+                      <a:pPr algn="ctr"/>
                       <a:r>
                         <a:rPr lang="en-US" sz="2400" dirty="0"/>
                         <a:t>11</a:t>
@@ -8083,6 +8216,7 @@
                     <a:bodyPr/>
                     <a:lstStyle/>
                     <a:p>
+                      <a:pPr algn="ctr"/>
                       <a:r>
                         <a:rPr lang="en-US" sz="2400" dirty="0"/>
                         <a:t>12</a:t>
@@ -8103,6 +8237,7 @@
                     <a:bodyPr/>
                     <a:lstStyle/>
                     <a:p>
+                      <a:pPr algn="ctr"/>
                       <a:r>
                         <a:rPr lang="en-US" sz="2400" dirty="0"/>
                         <a:t>-13</a:t>
@@ -8116,6 +8251,7 @@
                     <a:bodyPr/>
                     <a:lstStyle/>
                     <a:p>
+                      <a:pPr algn="ctr"/>
                       <a:r>
                         <a:rPr lang="en-US" sz="2400" dirty="0"/>
                         <a:t>-12</a:t>
@@ -8129,6 +8265,7 @@
                     <a:bodyPr/>
                     <a:lstStyle/>
                     <a:p>
+                      <a:pPr algn="ctr"/>
                       <a:r>
                         <a:rPr lang="en-US" sz="2400" dirty="0"/>
                         <a:t>-11</a:t>
@@ -8142,6 +8279,7 @@
                     <a:bodyPr/>
                     <a:lstStyle/>
                     <a:p>
+                      <a:pPr algn="ctr"/>
                       <a:r>
                         <a:rPr lang="en-US" sz="2400" dirty="0"/>
                         <a:t>-10</a:t>
@@ -8155,6 +8293,7 @@
                     <a:bodyPr/>
                     <a:lstStyle/>
                     <a:p>
+                      <a:pPr algn="ctr"/>
                       <a:r>
                         <a:rPr lang="en-US" sz="2400" dirty="0"/>
                         <a:t>-9</a:t>
@@ -8168,6 +8307,7 @@
                     <a:bodyPr/>
                     <a:lstStyle/>
                     <a:p>
+                      <a:pPr algn="ctr"/>
                       <a:r>
                         <a:rPr lang="en-US" sz="2400" dirty="0"/>
                         <a:t>-8</a:t>
@@ -8181,6 +8321,7 @@
                     <a:bodyPr/>
                     <a:lstStyle/>
                     <a:p>
+                      <a:pPr algn="ctr"/>
                       <a:r>
                         <a:rPr lang="en-US" sz="2400" dirty="0"/>
                         <a:t>-7</a:t>
@@ -8194,6 +8335,7 @@
                     <a:bodyPr/>
                     <a:lstStyle/>
                     <a:p>
+                      <a:pPr algn="ctr"/>
                       <a:r>
                         <a:rPr lang="en-US" sz="2400" dirty="0"/>
                         <a:t>-6</a:t>
@@ -8207,6 +8349,7 @@
                     <a:bodyPr/>
                     <a:lstStyle/>
                     <a:p>
+                      <a:pPr algn="ctr"/>
                       <a:r>
                         <a:rPr lang="en-US" sz="2400" dirty="0"/>
                         <a:t>-5</a:t>
@@ -8220,6 +8363,7 @@
                     <a:bodyPr/>
                     <a:lstStyle/>
                     <a:p>
+                      <a:pPr algn="ctr"/>
                       <a:r>
                         <a:rPr lang="en-US" sz="2400" dirty="0"/>
                         <a:t>-4</a:t>
@@ -8233,6 +8377,7 @@
                     <a:bodyPr/>
                     <a:lstStyle/>
                     <a:p>
+                      <a:pPr algn="ctr"/>
                       <a:r>
                         <a:rPr lang="en-US" sz="2400" dirty="0"/>
                         <a:t>-3</a:t>
@@ -8246,6 +8391,7 @@
                     <a:bodyPr/>
                     <a:lstStyle/>
                     <a:p>
+                      <a:pPr algn="ctr"/>
                       <a:r>
                         <a:rPr lang="en-US" sz="2400" dirty="0"/>
                         <a:t>-2</a:t>
@@ -8259,6 +8405,7 @@
                     <a:bodyPr/>
                     <a:lstStyle/>
                     <a:p>
+                      <a:pPr algn="ctr"/>
                       <a:r>
                         <a:rPr lang="en-US" sz="2400" dirty="0"/>
                         <a:t>-1</a:t>

--- a/slides/01_softwareTutorial.pptx
+++ b/slides/01_softwareTutorial.pptx
@@ -5,7 +5,7 @@
     <p:sldMasterId id="2147483648" r:id="rId1"/>
   </p:sldMasterIdLst>
   <p:notesMasterIdLst>
-    <p:notesMasterId r:id="rId16"/>
+    <p:notesMasterId r:id="rId18"/>
   </p:notesMasterIdLst>
   <p:sldIdLst>
     <p:sldId id="256" r:id="rId2"/>
@@ -18,10 +18,12 @@
     <p:sldId id="265" r:id="rId9"/>
     <p:sldId id="269" r:id="rId10"/>
     <p:sldId id="266" r:id="rId11"/>
-    <p:sldId id="264" r:id="rId12"/>
-    <p:sldId id="268" r:id="rId13"/>
-    <p:sldId id="261" r:id="rId14"/>
-    <p:sldId id="262" r:id="rId15"/>
+    <p:sldId id="270" r:id="rId12"/>
+    <p:sldId id="264" r:id="rId13"/>
+    <p:sldId id="268" r:id="rId14"/>
+    <p:sldId id="261" r:id="rId15"/>
+    <p:sldId id="262" r:id="rId16"/>
+    <p:sldId id="271" r:id="rId17"/>
   </p:sldIdLst>
   <p:sldSz cx="12192000" cy="6858000"/>
   <p:notesSz cx="6858000" cy="9144000"/>
@@ -210,7 +212,7 @@
           <a:p>
             <a:fld id="{CA6E81E7-F4C5-4048-8654-5723B2F7EB41}" type="datetimeFigureOut">
               <a:rPr lang="en-US" smtClean="0"/>
-              <a:t>3/12/2020</a:t>
+              <a:t>3/19/2020</a:t>
             </a:fld>
             <a:endParaRPr lang="en-US"/>
           </a:p>
@@ -570,6 +572,186 @@
 </p:notes>
 </file>
 
+<file path=ppt/notesSlides/notesSlide10.xml><?xml version="1.0" encoding="utf-8"?>
+<p:notes xmlns:a="http://schemas.openxmlformats.org/drawingml/2006/main" xmlns:r="http://schemas.openxmlformats.org/officeDocument/2006/relationships" xmlns:p="http://schemas.openxmlformats.org/presentationml/2006/main">
+  <p:cSld>
+    <p:spTree>
+      <p:nvGrpSpPr>
+        <p:cNvPr id="1" name=""/>
+        <p:cNvGrpSpPr/>
+        <p:nvPr/>
+      </p:nvGrpSpPr>
+      <p:grpSpPr>
+        <a:xfrm>
+          <a:off x="0" y="0"/>
+          <a:ext cx="0" cy="0"/>
+          <a:chOff x="0" y="0"/>
+          <a:chExt cx="0" cy="0"/>
+        </a:xfrm>
+      </p:grpSpPr>
+      <p:sp>
+        <p:nvSpPr>
+          <p:cNvPr id="2" name="Slide Image Placeholder 1"/>
+          <p:cNvSpPr>
+            <a:spLocks noGrp="1" noRot="1" noChangeAspect="1"/>
+          </p:cNvSpPr>
+          <p:nvPr>
+            <p:ph type="sldImg"/>
+          </p:nvPr>
+        </p:nvSpPr>
+        <p:spPr/>
+      </p:sp>
+      <p:sp>
+        <p:nvSpPr>
+          <p:cNvPr id="3" name="Notes Placeholder 2"/>
+          <p:cNvSpPr>
+            <a:spLocks noGrp="1"/>
+          </p:cNvSpPr>
+          <p:nvPr>
+            <p:ph type="body" idx="1"/>
+          </p:nvPr>
+        </p:nvSpPr>
+        <p:spPr/>
+        <p:txBody>
+          <a:bodyPr/>
+          <a:lstStyle/>
+          <a:p>
+            <a:r>
+              <a:rPr lang="en-US" dirty="0"/>
+              <a:t>Show snippets</a:t>
+            </a:r>
+          </a:p>
+          <a:p>
+            <a:r>
+              <a:rPr lang="en-US" dirty="0"/>
+              <a:t>Show how to access Zeal documentation for help</a:t>
+            </a:r>
+          </a:p>
+        </p:txBody>
+      </p:sp>
+      <p:sp>
+        <p:nvSpPr>
+          <p:cNvPr id="4" name="Slide Number Placeholder 3"/>
+          <p:cNvSpPr>
+            <a:spLocks noGrp="1"/>
+          </p:cNvSpPr>
+          <p:nvPr>
+            <p:ph type="sldNum" sz="quarter" idx="5"/>
+          </p:nvPr>
+        </p:nvSpPr>
+        <p:spPr/>
+        <p:txBody>
+          <a:bodyPr/>
+          <a:lstStyle/>
+          <a:p>
+            <a:fld id="{7677C2CC-2023-45DB-8917-C16B4F38B900}" type="slidenum">
+              <a:rPr lang="en-US" smtClean="0"/>
+              <a:t>15</a:t>
+            </a:fld>
+            <a:endParaRPr lang="en-US"/>
+          </a:p>
+        </p:txBody>
+      </p:sp>
+    </p:spTree>
+    <p:extLst>
+      <p:ext uri="{BB962C8B-B14F-4D97-AF65-F5344CB8AC3E}">
+        <p14:creationId xmlns:p14="http://schemas.microsoft.com/office/powerpoint/2010/main" val="2068651003"/>
+      </p:ext>
+    </p:extLst>
+  </p:cSld>
+  <p:clrMapOvr>
+    <a:masterClrMapping/>
+  </p:clrMapOvr>
+</p:notes>
+</file>
+
+<file path=ppt/notesSlides/notesSlide11.xml><?xml version="1.0" encoding="utf-8"?>
+<p:notes xmlns:a="http://schemas.openxmlformats.org/drawingml/2006/main" xmlns:r="http://schemas.openxmlformats.org/officeDocument/2006/relationships" xmlns:p="http://schemas.openxmlformats.org/presentationml/2006/main">
+  <p:cSld>
+    <p:spTree>
+      <p:nvGrpSpPr>
+        <p:cNvPr id="1" name=""/>
+        <p:cNvGrpSpPr/>
+        <p:nvPr/>
+      </p:nvGrpSpPr>
+      <p:grpSpPr>
+        <a:xfrm>
+          <a:off x="0" y="0"/>
+          <a:ext cx="0" cy="0"/>
+          <a:chOff x="0" y="0"/>
+          <a:chExt cx="0" cy="0"/>
+        </a:xfrm>
+      </p:grpSpPr>
+      <p:sp>
+        <p:nvSpPr>
+          <p:cNvPr id="2" name="Slide Image Placeholder 1"/>
+          <p:cNvSpPr>
+            <a:spLocks noGrp="1" noRot="1" noChangeAspect="1"/>
+          </p:cNvSpPr>
+          <p:nvPr>
+            <p:ph type="sldImg"/>
+          </p:nvPr>
+        </p:nvSpPr>
+        <p:spPr/>
+      </p:sp>
+      <p:sp>
+        <p:nvSpPr>
+          <p:cNvPr id="3" name="Notes Placeholder 2"/>
+          <p:cNvSpPr>
+            <a:spLocks noGrp="1"/>
+          </p:cNvSpPr>
+          <p:nvPr>
+            <p:ph type="body" idx="1"/>
+          </p:nvPr>
+        </p:nvSpPr>
+        <p:spPr/>
+        <p:txBody>
+          <a:bodyPr/>
+          <a:lstStyle/>
+          <a:p>
+            <a:r>
+              <a:rPr lang="en-US" dirty="0"/>
+              <a:t>Due date = 2 classes forward</a:t>
+            </a:r>
+          </a:p>
+        </p:txBody>
+      </p:sp>
+      <p:sp>
+        <p:nvSpPr>
+          <p:cNvPr id="4" name="Slide Number Placeholder 3"/>
+          <p:cNvSpPr>
+            <a:spLocks noGrp="1"/>
+          </p:cNvSpPr>
+          <p:nvPr>
+            <p:ph type="sldNum" sz="quarter" idx="5"/>
+          </p:nvPr>
+        </p:nvSpPr>
+        <p:spPr/>
+        <p:txBody>
+          <a:bodyPr/>
+          <a:lstStyle/>
+          <a:p>
+            <a:fld id="{7677C2CC-2023-45DB-8917-C16B4F38B900}" type="slidenum">
+              <a:rPr lang="en-US" smtClean="0"/>
+              <a:t>16</a:t>
+            </a:fld>
+            <a:endParaRPr lang="en-US"/>
+          </a:p>
+        </p:txBody>
+      </p:sp>
+    </p:spTree>
+    <p:extLst>
+      <p:ext uri="{BB962C8B-B14F-4D97-AF65-F5344CB8AC3E}">
+        <p14:creationId xmlns:p14="http://schemas.microsoft.com/office/powerpoint/2010/main" val="2694795102"/>
+      </p:ext>
+    </p:extLst>
+  </p:cSld>
+  <p:clrMapOvr>
+    <a:masterClrMapping/>
+  </p:clrMapOvr>
+</p:notes>
+</file>
+
 <file path=ppt/notesSlides/notesSlide2.xml><?xml version="1.0" encoding="utf-8"?>
 <p:notes xmlns:a="http://schemas.openxmlformats.org/drawingml/2006/main" xmlns:r="http://schemas.openxmlformats.org/officeDocument/2006/relationships" xmlns:p="http://schemas.openxmlformats.org/presentationml/2006/main">
   <p:cSld>
@@ -818,10 +1000,44 @@
           <a:bodyPr/>
           <a:lstStyle/>
           <a:p>
-            <a:r>
-              <a:rPr lang="en-US" dirty="0"/>
-              <a:t>Print(type()) # for each</a:t>
-            </a:r>
+            <a:pPr marL="0" marR="0" lvl="0" indent="0" algn="l" defTabSz="914400" rtl="0" eaLnBrk="1" fontAlgn="auto" latinLnBrk="0" hangingPunct="1">
+              <a:lnSpc>
+                <a:spcPct val="100000"/>
+              </a:lnSpc>
+              <a:spcBef>
+                <a:spcPts val="0"/>
+              </a:spcBef>
+              <a:spcAft>
+                <a:spcPts val="0"/>
+              </a:spcAft>
+              <a:buClrTx/>
+              <a:buSzTx/>
+              <a:buFontTx/>
+              <a:buNone/>
+              <a:tabLst/>
+              <a:defRPr/>
+            </a:pPr>
+            <a:r>
+              <a:rPr lang="en-US" sz="1200" dirty="0" err="1">
+                <a:solidFill>
+                  <a:srgbClr val="D4D4D4"/>
+                </a:solidFill>
+                <a:latin typeface="Consolas" panose="020B0609020204030204" pitchFamily="49" charset="0"/>
+              </a:rPr>
+              <a:t>my_string</a:t>
+            </a:r>
+            <a:r>
+              <a:rPr lang="en-US" sz="1200" dirty="0">
+                <a:solidFill>
+                  <a:srgbClr val="D4D4D4"/>
+                </a:solidFill>
+                <a:latin typeface="Consolas" panose="020B0609020204030204" pitchFamily="49" charset="0"/>
+              </a:rPr>
+              <a:t>[4:9]</a:t>
+            </a:r>
+          </a:p>
+          <a:p>
+            <a:endParaRPr lang="en-US" dirty="0"/>
           </a:p>
         </p:txBody>
       </p:sp>
@@ -842,7 +1058,7 @@
           <a:p>
             <a:fld id="{7677C2CC-2023-45DB-8917-C16B4F38B900}" type="slidenum">
               <a:rPr lang="en-US" smtClean="0"/>
-              <a:t>10</a:t>
+              <a:t>9</a:t>
             </a:fld>
             <a:endParaRPr lang="en-US"/>
           </a:p>
@@ -851,7 +1067,7 @@
     </p:spTree>
     <p:extLst>
       <p:ext uri="{BB962C8B-B14F-4D97-AF65-F5344CB8AC3E}">
-        <p14:creationId xmlns:p14="http://schemas.microsoft.com/office/powerpoint/2010/main" val="2914520624"/>
+        <p14:creationId xmlns:p14="http://schemas.microsoft.com/office/powerpoint/2010/main" val="1370214252"/>
       </p:ext>
     </p:extLst>
   </p:cSld>
@@ -907,16 +1123,68 @@
           <a:p>
             <a:r>
               <a:rPr lang="en-US" dirty="0"/>
-              <a:t>Show cells (</a:t>
-            </a:r>
-            <a:r>
-              <a:rPr lang="en-US" dirty="0" err="1"/>
-              <a:t>MarkDown</a:t>
-            </a:r>
+              <a:t>Print(type()) # for each</a:t>
+            </a:r>
+          </a:p>
+          <a:p>
             <a:r>
               <a:rPr lang="en-US" dirty="0"/>
-              <a:t> with equations and titles, Python Code and matplotlib plots)</a:t>
-            </a:r>
+              <a:t>The difference between sets and dictionary is that each dictionary entry has a key-value pair, we can access it by name in contrast to sets</a:t>
+            </a:r>
+          </a:p>
+          <a:p>
+            <a:endParaRPr lang="en-US" dirty="0"/>
+          </a:p>
+          <a:p>
+            <a:r>
+              <a:rPr lang="en-US" dirty="0"/>
+              <a:t>Do some slicing of a list of the alphabet:</a:t>
+            </a:r>
+          </a:p>
+          <a:p>
+            <a:r>
+              <a:rPr lang="en-US" sz="1200" kern="1200" dirty="0">
+                <a:solidFill>
+                  <a:schemeClr val="tx1"/>
+                </a:solidFill>
+                <a:effectLst/>
+                <a:latin typeface="+mn-lt"/>
+                <a:ea typeface="+mn-ea"/>
+                <a:cs typeface="+mn-cs"/>
+              </a:rPr>
+              <a:t>import string</a:t>
+            </a:r>
+          </a:p>
+          <a:p>
+            <a:r>
+              <a:rPr lang="en-US" dirty="0"/>
+              <a:t>x=list(</a:t>
+            </a:r>
+            <a:r>
+              <a:rPr lang="en-US" sz="1200" kern="1200" dirty="0" err="1">
+                <a:solidFill>
+                  <a:schemeClr val="tx1"/>
+                </a:solidFill>
+                <a:effectLst/>
+                <a:latin typeface="+mn-lt"/>
+                <a:ea typeface="+mn-ea"/>
+                <a:cs typeface="+mn-cs"/>
+              </a:rPr>
+              <a:t>string.ascii_lowercase</a:t>
+            </a:r>
+            <a:r>
+              <a:rPr lang="en-US" dirty="0"/>
+              <a:t>)</a:t>
+            </a:r>
+          </a:p>
+          <a:p>
+            <a:r>
+              <a:rPr lang="en-US" dirty="0"/>
+              <a:t>x[3:7]</a:t>
+            </a:r>
+          </a:p>
+          <a:p>
+            <a:endParaRPr lang="en-US" dirty="0"/>
           </a:p>
         </p:txBody>
       </p:sp>
@@ -937,7 +1205,7 @@
           <a:p>
             <a:fld id="{7677C2CC-2023-45DB-8917-C16B4F38B900}" type="slidenum">
               <a:rPr lang="en-US" smtClean="0"/>
-              <a:t>13</a:t>
+              <a:t>10</a:t>
             </a:fld>
             <a:endParaRPr lang="en-US"/>
           </a:p>
@@ -946,7 +1214,7 @@
     </p:spTree>
     <p:extLst>
       <p:ext uri="{BB962C8B-B14F-4D97-AF65-F5344CB8AC3E}">
-        <p14:creationId xmlns:p14="http://schemas.microsoft.com/office/powerpoint/2010/main" val="2404942269"/>
+        <p14:creationId xmlns:p14="http://schemas.microsoft.com/office/powerpoint/2010/main" val="2914520624"/>
       </p:ext>
     </p:extLst>
   </p:cSld>
@@ -1001,14 +1269,404 @@
           <a:lstStyle/>
           <a:p>
             <a:r>
+              <a:rPr lang="en-US" dirty="0">
+                <a:hlinkClick r:id="rId3"/>
+              </a:rPr>
+              <a:t>https://pbpython.com/pandas_dtypes.html</a:t>
+            </a:r>
+            <a:endParaRPr lang="en-US" dirty="0"/>
+          </a:p>
+        </p:txBody>
+      </p:sp>
+      <p:sp>
+        <p:nvSpPr>
+          <p:cNvPr id="4" name="Slide Number Placeholder 3"/>
+          <p:cNvSpPr>
+            <a:spLocks noGrp="1"/>
+          </p:cNvSpPr>
+          <p:nvPr>
+            <p:ph type="sldNum" sz="quarter" idx="5"/>
+          </p:nvPr>
+        </p:nvSpPr>
+        <p:spPr/>
+        <p:txBody>
+          <a:bodyPr/>
+          <a:lstStyle/>
+          <a:p>
+            <a:fld id="{7677C2CC-2023-45DB-8917-C16B4F38B900}" type="slidenum">
+              <a:rPr lang="en-US" smtClean="0"/>
+              <a:t>11</a:t>
+            </a:fld>
+            <a:endParaRPr lang="en-US"/>
+          </a:p>
+        </p:txBody>
+      </p:sp>
+    </p:spTree>
+    <p:extLst>
+      <p:ext uri="{BB962C8B-B14F-4D97-AF65-F5344CB8AC3E}">
+        <p14:creationId xmlns:p14="http://schemas.microsoft.com/office/powerpoint/2010/main" val="2316474949"/>
+      </p:ext>
+    </p:extLst>
+  </p:cSld>
+  <p:clrMapOvr>
+    <a:masterClrMapping/>
+  </p:clrMapOvr>
+</p:notes>
+</file>
+
+<file path=ppt/notesSlides/notesSlide7.xml><?xml version="1.0" encoding="utf-8"?>
+<p:notes xmlns:a="http://schemas.openxmlformats.org/drawingml/2006/main" xmlns:r="http://schemas.openxmlformats.org/officeDocument/2006/relationships" xmlns:p="http://schemas.openxmlformats.org/presentationml/2006/main">
+  <p:cSld>
+    <p:spTree>
+      <p:nvGrpSpPr>
+        <p:cNvPr id="1" name=""/>
+        <p:cNvGrpSpPr/>
+        <p:nvPr/>
+      </p:nvGrpSpPr>
+      <p:grpSpPr>
+        <a:xfrm>
+          <a:off x="0" y="0"/>
+          <a:ext cx="0" cy="0"/>
+          <a:chOff x="0" y="0"/>
+          <a:chExt cx="0" cy="0"/>
+        </a:xfrm>
+      </p:grpSpPr>
+      <p:sp>
+        <p:nvSpPr>
+          <p:cNvPr id="2" name="Slide Image Placeholder 1"/>
+          <p:cNvSpPr>
+            <a:spLocks noGrp="1" noRot="1" noChangeAspect="1"/>
+          </p:cNvSpPr>
+          <p:nvPr>
+            <p:ph type="sldImg"/>
+          </p:nvPr>
+        </p:nvSpPr>
+        <p:spPr/>
+      </p:sp>
+      <p:sp>
+        <p:nvSpPr>
+          <p:cNvPr id="3" name="Notes Placeholder 2"/>
+          <p:cNvSpPr>
+            <a:spLocks noGrp="1"/>
+          </p:cNvSpPr>
+          <p:nvPr>
+            <p:ph type="body" idx="1"/>
+          </p:nvPr>
+        </p:nvSpPr>
+        <p:spPr/>
+        <p:txBody>
+          <a:bodyPr/>
+          <a:lstStyle/>
+          <a:p>
+            <a:pPr marL="0" marR="0" lvl="0" indent="0" algn="l" defTabSz="914400" rtl="0" eaLnBrk="1" fontAlgn="auto" latinLnBrk="0" hangingPunct="1">
+              <a:lnSpc>
+                <a:spcPct val="100000"/>
+              </a:lnSpc>
+              <a:spcBef>
+                <a:spcPts val="0"/>
+              </a:spcBef>
+              <a:spcAft>
+                <a:spcPts val="0"/>
+              </a:spcAft>
+              <a:buClrTx/>
+              <a:buSzTx/>
+              <a:buFontTx/>
+              <a:buNone/>
+              <a:tabLst/>
+              <a:defRPr/>
+            </a:pPr>
+            <a:r>
+              <a:rPr lang="en-US" sz="1200" dirty="0" err="1">
+                <a:solidFill>
+                  <a:srgbClr val="D4D4D4"/>
+                </a:solidFill>
+                <a:latin typeface="Consolas" panose="020B0609020204030204" pitchFamily="49" charset="0"/>
+              </a:rPr>
+              <a:t>x.loc</a:t>
+            </a:r>
+            <a:r>
+              <a:rPr lang="en-US" sz="1200" dirty="0">
+                <a:solidFill>
+                  <a:srgbClr val="D4D4D4"/>
+                </a:solidFill>
+                <a:latin typeface="Consolas" panose="020B0609020204030204" pitchFamily="49" charset="0"/>
+              </a:rPr>
+              <a:t>[</a:t>
+            </a:r>
+            <a:r>
+              <a:rPr lang="en-US" sz="1200" dirty="0">
+                <a:solidFill>
+                  <a:srgbClr val="B5CEA8"/>
+                </a:solidFill>
+                <a:latin typeface="Consolas" panose="020B0609020204030204" pitchFamily="49" charset="0"/>
+              </a:rPr>
+              <a:t>1</a:t>
+            </a:r>
+            <a:r>
+              <a:rPr lang="en-US" sz="1200" dirty="0">
+                <a:solidFill>
+                  <a:srgbClr val="D4D4D4"/>
+                </a:solidFill>
+                <a:latin typeface="Consolas" panose="020B0609020204030204" pitchFamily="49" charset="0"/>
+              </a:rPr>
+              <a:t>,] should be an error since 1 is not an element in the </a:t>
+            </a:r>
+            <a:r>
+              <a:rPr lang="en-US" sz="1200" dirty="0" err="1">
+                <a:solidFill>
+                  <a:srgbClr val="D4D4D4"/>
+                </a:solidFill>
+                <a:latin typeface="Consolas" panose="020B0609020204030204" pitchFamily="49" charset="0"/>
+              </a:rPr>
+              <a:t>DataFrame</a:t>
+            </a:r>
+            <a:r>
+              <a:rPr lang="en-US" sz="1200" dirty="0">
+                <a:solidFill>
+                  <a:srgbClr val="D4D4D4"/>
+                </a:solidFill>
+                <a:latin typeface="Consolas" panose="020B0609020204030204" pitchFamily="49" charset="0"/>
+              </a:rPr>
+              <a:t> index</a:t>
+            </a:r>
+          </a:p>
+        </p:txBody>
+      </p:sp>
+      <p:sp>
+        <p:nvSpPr>
+          <p:cNvPr id="4" name="Slide Number Placeholder 3"/>
+          <p:cNvSpPr>
+            <a:spLocks noGrp="1"/>
+          </p:cNvSpPr>
+          <p:nvPr>
+            <p:ph type="sldNum" sz="quarter" idx="5"/>
+          </p:nvPr>
+        </p:nvSpPr>
+        <p:spPr/>
+        <p:txBody>
+          <a:bodyPr/>
+          <a:lstStyle/>
+          <a:p>
+            <a:fld id="{7677C2CC-2023-45DB-8917-C16B4F38B900}" type="slidenum">
+              <a:rPr lang="en-US" smtClean="0"/>
+              <a:t>12</a:t>
+            </a:fld>
+            <a:endParaRPr lang="en-US"/>
+          </a:p>
+        </p:txBody>
+      </p:sp>
+    </p:spTree>
+    <p:extLst>
+      <p:ext uri="{BB962C8B-B14F-4D97-AF65-F5344CB8AC3E}">
+        <p14:creationId xmlns:p14="http://schemas.microsoft.com/office/powerpoint/2010/main" val="1252550539"/>
+      </p:ext>
+    </p:extLst>
+  </p:cSld>
+  <p:clrMapOvr>
+    <a:masterClrMapping/>
+  </p:clrMapOvr>
+</p:notes>
+</file>
+
+<file path=ppt/notesSlides/notesSlide8.xml><?xml version="1.0" encoding="utf-8"?>
+<p:notes xmlns:a="http://schemas.openxmlformats.org/drawingml/2006/main" xmlns:r="http://schemas.openxmlformats.org/officeDocument/2006/relationships" xmlns:p="http://schemas.openxmlformats.org/presentationml/2006/main">
+  <p:cSld>
+    <p:spTree>
+      <p:nvGrpSpPr>
+        <p:cNvPr id="1" name=""/>
+        <p:cNvGrpSpPr/>
+        <p:nvPr/>
+      </p:nvGrpSpPr>
+      <p:grpSpPr>
+        <a:xfrm>
+          <a:off x="0" y="0"/>
+          <a:ext cx="0" cy="0"/>
+          <a:chOff x="0" y="0"/>
+          <a:chExt cx="0" cy="0"/>
+        </a:xfrm>
+      </p:grpSpPr>
+      <p:sp>
+        <p:nvSpPr>
+          <p:cNvPr id="2" name="Slide Image Placeholder 1"/>
+          <p:cNvSpPr>
+            <a:spLocks noGrp="1" noRot="1" noChangeAspect="1"/>
+          </p:cNvSpPr>
+          <p:nvPr>
+            <p:ph type="sldImg"/>
+          </p:nvPr>
+        </p:nvSpPr>
+        <p:spPr/>
+      </p:sp>
+      <p:sp>
+        <p:nvSpPr>
+          <p:cNvPr id="3" name="Notes Placeholder 2"/>
+          <p:cNvSpPr>
+            <a:spLocks noGrp="1"/>
+          </p:cNvSpPr>
+          <p:nvPr>
+            <p:ph type="body" idx="1"/>
+          </p:nvPr>
+        </p:nvSpPr>
+        <p:spPr/>
+        <p:txBody>
+          <a:bodyPr/>
+          <a:lstStyle/>
+          <a:p>
+            <a:r>
+              <a:rPr lang="en-US" dirty="0">
+                <a:hlinkClick r:id="rId3"/>
+              </a:rPr>
+              <a:t>https://pandas.pydata.org/Pandas_Cheat_Sheet.pdf</a:t>
+            </a:r>
+            <a:endParaRPr lang="en-US" dirty="0"/>
+          </a:p>
+          <a:p>
+            <a:endParaRPr lang="en-US" b="1" dirty="0"/>
+          </a:p>
+          <a:p>
+            <a:r>
+              <a:rPr lang="en-US" b="1" dirty="0"/>
+              <a:t>Method chaining:</a:t>
+            </a:r>
+          </a:p>
+          <a:p>
+            <a:r>
+              <a:rPr lang="en-US" b="1" dirty="0" err="1"/>
+              <a:t>Pd.melt</a:t>
+            </a:r>
+            <a:r>
+              <a:rPr lang="en-US" b="1" dirty="0"/>
+              <a:t>(df).rename().</a:t>
+            </a:r>
+            <a:r>
+              <a:rPr lang="en-US" b="1" dirty="0" err="1"/>
+              <a:t>astype</a:t>
+            </a:r>
+            <a:r>
+              <a:rPr lang="en-US" b="1" dirty="0"/>
+              <a:t>()</a:t>
+            </a:r>
+          </a:p>
+          <a:p>
+            <a:endParaRPr lang="en-US" b="1" dirty="0"/>
+          </a:p>
+          <a:p>
+            <a:r>
+              <a:rPr lang="en-US" b="1" dirty="0"/>
+              <a:t>Show how to see the full documentation using Zeal </a:t>
+            </a:r>
+            <a:r>
+              <a:rPr lang="en-US" b="1" dirty="0" err="1"/>
+              <a:t>VSCode</a:t>
+            </a:r>
+            <a:r>
+              <a:rPr lang="en-US" b="1" dirty="0"/>
+              <a:t> extension, for instance</a:t>
+            </a:r>
+          </a:p>
+          <a:p>
+            <a:r>
+              <a:rPr lang="en-US" b="1" dirty="0" err="1"/>
+              <a:t>pd.melt</a:t>
+            </a:r>
+            <a:r>
+              <a:rPr lang="en-US" b="1" dirty="0"/>
+              <a:t>()</a:t>
+            </a:r>
+          </a:p>
+        </p:txBody>
+      </p:sp>
+      <p:sp>
+        <p:nvSpPr>
+          <p:cNvPr id="4" name="Slide Number Placeholder 3"/>
+          <p:cNvSpPr>
+            <a:spLocks noGrp="1"/>
+          </p:cNvSpPr>
+          <p:nvPr>
+            <p:ph type="sldNum" sz="quarter" idx="5"/>
+          </p:nvPr>
+        </p:nvSpPr>
+        <p:spPr/>
+        <p:txBody>
+          <a:bodyPr/>
+          <a:lstStyle/>
+          <a:p>
+            <a:fld id="{7677C2CC-2023-45DB-8917-C16B4F38B900}" type="slidenum">
+              <a:rPr lang="en-US" smtClean="0"/>
+              <a:t>13</a:t>
+            </a:fld>
+            <a:endParaRPr lang="en-US"/>
+          </a:p>
+        </p:txBody>
+      </p:sp>
+    </p:spTree>
+    <p:extLst>
+      <p:ext uri="{BB962C8B-B14F-4D97-AF65-F5344CB8AC3E}">
+        <p14:creationId xmlns:p14="http://schemas.microsoft.com/office/powerpoint/2010/main" val="2064722079"/>
+      </p:ext>
+    </p:extLst>
+  </p:cSld>
+  <p:clrMapOvr>
+    <a:masterClrMapping/>
+  </p:clrMapOvr>
+</p:notes>
+</file>
+
+<file path=ppt/notesSlides/notesSlide9.xml><?xml version="1.0" encoding="utf-8"?>
+<p:notes xmlns:a="http://schemas.openxmlformats.org/drawingml/2006/main" xmlns:r="http://schemas.openxmlformats.org/officeDocument/2006/relationships" xmlns:p="http://schemas.openxmlformats.org/presentationml/2006/main">
+  <p:cSld>
+    <p:spTree>
+      <p:nvGrpSpPr>
+        <p:cNvPr id="1" name=""/>
+        <p:cNvGrpSpPr/>
+        <p:nvPr/>
+      </p:nvGrpSpPr>
+      <p:grpSpPr>
+        <a:xfrm>
+          <a:off x="0" y="0"/>
+          <a:ext cx="0" cy="0"/>
+          <a:chOff x="0" y="0"/>
+          <a:chExt cx="0" cy="0"/>
+        </a:xfrm>
+      </p:grpSpPr>
+      <p:sp>
+        <p:nvSpPr>
+          <p:cNvPr id="2" name="Slide Image Placeholder 1"/>
+          <p:cNvSpPr>
+            <a:spLocks noGrp="1" noRot="1" noChangeAspect="1"/>
+          </p:cNvSpPr>
+          <p:nvPr>
+            <p:ph type="sldImg"/>
+          </p:nvPr>
+        </p:nvSpPr>
+        <p:spPr/>
+      </p:sp>
+      <p:sp>
+        <p:nvSpPr>
+          <p:cNvPr id="3" name="Notes Placeholder 2"/>
+          <p:cNvSpPr>
+            <a:spLocks noGrp="1"/>
+          </p:cNvSpPr>
+          <p:nvPr>
+            <p:ph type="body" idx="1"/>
+          </p:nvPr>
+        </p:nvSpPr>
+        <p:spPr/>
+        <p:txBody>
+          <a:bodyPr/>
+          <a:lstStyle/>
+          <a:p>
+            <a:r>
               <a:rPr lang="en-US" dirty="0"/>
-              <a:t>Show snippets</a:t>
-            </a:r>
-          </a:p>
-          <a:p>
+              <a:t>Show cells (</a:t>
+            </a:r>
+            <a:r>
+              <a:rPr lang="en-US" dirty="0" err="1"/>
+              <a:t>MarkDown</a:t>
+            </a:r>
             <a:r>
               <a:rPr lang="en-US" dirty="0"/>
-              <a:t>Show how to access Zeal documentation for help</a:t>
+              <a:t> with equations and titles, Python Code and matplotlib plots)</a:t>
             </a:r>
           </a:p>
         </p:txBody>
@@ -1039,7 +1697,7 @@
     </p:spTree>
     <p:extLst>
       <p:ext uri="{BB962C8B-B14F-4D97-AF65-F5344CB8AC3E}">
-        <p14:creationId xmlns:p14="http://schemas.microsoft.com/office/powerpoint/2010/main" val="2068651003"/>
+        <p14:creationId xmlns:p14="http://schemas.microsoft.com/office/powerpoint/2010/main" val="2404942269"/>
       </p:ext>
     </p:extLst>
   </p:cSld>
@@ -1196,7 +1854,7 @@
           <a:p>
             <a:fld id="{8FB8B4F4-5254-4862-9C13-0C9DD93BE148}" type="datetimeFigureOut">
               <a:rPr lang="en-US" smtClean="0"/>
-              <a:t>3/12/2020</a:t>
+              <a:t>3/19/2020</a:t>
             </a:fld>
             <a:endParaRPr lang="en-US"/>
           </a:p>
@@ -1394,7 +2052,7 @@
           <a:p>
             <a:fld id="{8FB8B4F4-5254-4862-9C13-0C9DD93BE148}" type="datetimeFigureOut">
               <a:rPr lang="en-US" smtClean="0"/>
-              <a:t>3/12/2020</a:t>
+              <a:t>3/19/2020</a:t>
             </a:fld>
             <a:endParaRPr lang="en-US"/>
           </a:p>
@@ -1602,7 +2260,7 @@
           <a:p>
             <a:fld id="{8FB8B4F4-5254-4862-9C13-0C9DD93BE148}" type="datetimeFigureOut">
               <a:rPr lang="en-US" smtClean="0"/>
-              <a:t>3/12/2020</a:t>
+              <a:t>3/19/2020</a:t>
             </a:fld>
             <a:endParaRPr lang="en-US"/>
           </a:p>
@@ -1800,7 +2458,7 @@
           <a:p>
             <a:fld id="{8FB8B4F4-5254-4862-9C13-0C9DD93BE148}" type="datetimeFigureOut">
               <a:rPr lang="en-US" smtClean="0"/>
-              <a:t>3/12/2020</a:t>
+              <a:t>3/19/2020</a:t>
             </a:fld>
             <a:endParaRPr lang="en-US"/>
           </a:p>
@@ -2075,7 +2733,7 @@
           <a:p>
             <a:fld id="{8FB8B4F4-5254-4862-9C13-0C9DD93BE148}" type="datetimeFigureOut">
               <a:rPr lang="en-US" smtClean="0"/>
-              <a:t>3/12/2020</a:t>
+              <a:t>3/19/2020</a:t>
             </a:fld>
             <a:endParaRPr lang="en-US"/>
           </a:p>
@@ -2340,7 +2998,7 @@
           <a:p>
             <a:fld id="{8FB8B4F4-5254-4862-9C13-0C9DD93BE148}" type="datetimeFigureOut">
               <a:rPr lang="en-US" smtClean="0"/>
-              <a:t>3/12/2020</a:t>
+              <a:t>3/19/2020</a:t>
             </a:fld>
             <a:endParaRPr lang="en-US"/>
           </a:p>
@@ -2752,7 +3410,7 @@
           <a:p>
             <a:fld id="{8FB8B4F4-5254-4862-9C13-0C9DD93BE148}" type="datetimeFigureOut">
               <a:rPr lang="en-US" smtClean="0"/>
-              <a:t>3/12/2020</a:t>
+              <a:t>3/19/2020</a:t>
             </a:fld>
             <a:endParaRPr lang="en-US"/>
           </a:p>
@@ -2893,7 +3551,7 @@
           <a:p>
             <a:fld id="{8FB8B4F4-5254-4862-9C13-0C9DD93BE148}" type="datetimeFigureOut">
               <a:rPr lang="en-US" smtClean="0"/>
-              <a:t>3/12/2020</a:t>
+              <a:t>3/19/2020</a:t>
             </a:fld>
             <a:endParaRPr lang="en-US"/>
           </a:p>
@@ -3006,7 +3664,7 @@
           <a:p>
             <a:fld id="{8FB8B4F4-5254-4862-9C13-0C9DD93BE148}" type="datetimeFigureOut">
               <a:rPr lang="en-US" smtClean="0"/>
-              <a:t>3/12/2020</a:t>
+              <a:t>3/19/2020</a:t>
             </a:fld>
             <a:endParaRPr lang="en-US"/>
           </a:p>
@@ -3317,7 +3975,7 @@
           <a:p>
             <a:fld id="{8FB8B4F4-5254-4862-9C13-0C9DD93BE148}" type="datetimeFigureOut">
               <a:rPr lang="en-US" smtClean="0"/>
-              <a:t>3/12/2020</a:t>
+              <a:t>3/19/2020</a:t>
             </a:fld>
             <a:endParaRPr lang="en-US"/>
           </a:p>
@@ -3605,7 +4263,7 @@
           <a:p>
             <a:fld id="{8FB8B4F4-5254-4862-9C13-0C9DD93BE148}" type="datetimeFigureOut">
               <a:rPr lang="en-US" smtClean="0"/>
-              <a:t>3/12/2020</a:t>
+              <a:t>3/19/2020</a:t>
             </a:fld>
             <a:endParaRPr lang="en-US"/>
           </a:p>
@@ -3846,7 +4504,7 @@
           <a:p>
             <a:fld id="{8FB8B4F4-5254-4862-9C13-0C9DD93BE148}" type="datetimeFigureOut">
               <a:rPr lang="en-US" smtClean="0"/>
-              <a:t>3/12/2020</a:t>
+              <a:t>3/19/2020</a:t>
             </a:fld>
             <a:endParaRPr lang="en-US"/>
           </a:p>
@@ -4433,8 +5091,8 @@
         </p:nvSpPr>
         <p:spPr>
           <a:xfrm>
-            <a:off x="1171905" y="2614839"/>
-            <a:ext cx="6096000" cy="1938992"/>
+            <a:off x="768333" y="2959613"/>
+            <a:ext cx="10655334" cy="1569660"/>
           </a:xfrm>
           <a:prstGeom prst="rect">
             <a:avLst/>
@@ -4444,7 +5102,7 @@
           </a:solidFill>
         </p:spPr>
         <p:txBody>
-          <a:bodyPr>
+          <a:bodyPr wrap="square">
             <a:spAutoFit/>
           </a:bodyPr>
           <a:lstStyle/>
@@ -4803,7 +5461,7 @@
 </file>
 
 <file path=ppt/slides/slide11.xml><?xml version="1.0" encoding="utf-8"?>
-<p:sld xmlns:a="http://schemas.openxmlformats.org/drawingml/2006/main" xmlns:r="http://schemas.openxmlformats.org/officeDocument/2006/relationships" xmlns:p="http://schemas.openxmlformats.org/presentationml/2006/main">
+<p:sld xmlns:a="http://schemas.openxmlformats.org/drawingml/2006/main" xmlns:r="http://schemas.openxmlformats.org/officeDocument/2006/relationships" xmlns:p="http://schemas.openxmlformats.org/presentationml/2006/main" show="0">
   <p:cSld>
     <p:spTree>
       <p:nvGrpSpPr>
@@ -4824,7 +5482,7 @@
           <p:cNvPr id="2" name="Title 1">
             <a:extLst>
               <a:ext uri="{FF2B5EF4-FFF2-40B4-BE49-F238E27FC236}">
-                <a16:creationId xmlns:a16="http://schemas.microsoft.com/office/drawing/2014/main" id="{C95F8EB1-BC70-4BFB-90BC-0887F07DA008}"/>
+                <a16:creationId xmlns:a16="http://schemas.microsoft.com/office/drawing/2014/main" id="{DED03D64-6247-4466-9B7E-B269169FAA19}"/>
               </a:ext>
             </a:extLst>
           </p:cNvPr>
@@ -4840,19 +5498,42 @@
           <a:bodyPr/>
           <a:lstStyle/>
           <a:p>
-            <a:r>
-              <a:rPr lang="en-US" dirty="0"/>
-              <a:t>Python (Pandas)</a:t>
-            </a:r>
+            <a:endParaRPr lang="en-US"/>
+          </a:p>
+        </p:txBody>
+      </p:sp>
+      <p:sp>
+        <p:nvSpPr>
+          <p:cNvPr id="3" name="Content Placeholder 2">
+            <a:extLst>
+              <a:ext uri="{FF2B5EF4-FFF2-40B4-BE49-F238E27FC236}">
+                <a16:creationId xmlns:a16="http://schemas.microsoft.com/office/drawing/2014/main" id="{92C988B1-5332-4D48-9CB0-FD2852765949}"/>
+              </a:ext>
+            </a:extLst>
+          </p:cNvPr>
+          <p:cNvSpPr>
+            <a:spLocks noGrp="1"/>
+          </p:cNvSpPr>
+          <p:nvPr>
+            <p:ph idx="1"/>
+          </p:nvPr>
+        </p:nvSpPr>
+        <p:spPr/>
+        <p:txBody>
+          <a:bodyPr/>
+          <a:lstStyle/>
+          <a:p>
+            <a:endParaRPr lang="en-US"/>
           </a:p>
         </p:txBody>
       </p:sp>
       <p:pic>
         <p:nvPicPr>
-          <p:cNvPr id="4" name="Picture 2">
-            <a:extLst>
-              <a:ext uri="{FF2B5EF4-FFF2-40B4-BE49-F238E27FC236}">
-                <a16:creationId xmlns:a16="http://schemas.microsoft.com/office/drawing/2014/main" id="{1CAF1D65-EBAE-4F5A-9A48-0B2C8F7A2415}"/>
+          <p:cNvPr id="1026" name="Picture 2" descr="article header image">
+            <a:hlinkClick r:id="rId3"/>
+            <a:extLst>
+              <a:ext uri="{FF2B5EF4-FFF2-40B4-BE49-F238E27FC236}">
+                <a16:creationId xmlns:a16="http://schemas.microsoft.com/office/drawing/2014/main" id="{7F956F18-5A0D-4A4A-A140-A529A843D048}"/>
               </a:ext>
             </a:extLst>
           </p:cNvPr>
@@ -4861,21 +5542,23 @@
           </p:cNvPicPr>
           <p:nvPr/>
         </p:nvPicPr>
-        <p:blipFill rotWithShape="1">
-          <a:blip r:embed="rId2">
+        <p:blipFill>
+          <a:blip r:embed="rId4">
             <a:extLst>
               <a:ext uri="{28A0092B-C50C-407E-A947-70E740481C1C}">
                 <a14:useLocalDpi xmlns:a14="http://schemas.microsoft.com/office/drawing/2010/main" val="0"/>
               </a:ext>
             </a:extLst>
           </a:blip>
-          <a:srcRect l="25570" r="27311"/>
-          <a:stretch/>
+          <a:srcRect/>
+          <a:stretch>
+            <a:fillRect/>
+          </a:stretch>
         </p:blipFill>
         <p:spPr bwMode="auto">
           <a:xfrm>
-            <a:off x="7230793" y="681038"/>
-            <a:ext cx="1569962" cy="1573409"/>
+            <a:off x="1261241" y="16554"/>
+            <a:ext cx="9222827" cy="6824892"/>
           </a:xfrm>
           <a:prstGeom prst="rect">
             <a:avLst/>
@@ -4892,558 +5575,10 @@
           </a:extLst>
         </p:spPr>
       </p:pic>
-      <p:pic>
-        <p:nvPicPr>
-          <p:cNvPr id="5" name="Picture 20">
-            <a:extLst>
-              <a:ext uri="{FF2B5EF4-FFF2-40B4-BE49-F238E27FC236}">
-                <a16:creationId xmlns:a16="http://schemas.microsoft.com/office/drawing/2014/main" id="{90BCB2DD-A9E9-4EEB-B8AE-6795C6B7FAB3}"/>
-              </a:ext>
-            </a:extLst>
-          </p:cNvPr>
-          <p:cNvPicPr>
-            <a:picLocks noChangeAspect="1" noChangeArrowheads="1"/>
-          </p:cNvPicPr>
-          <p:nvPr/>
-        </p:nvPicPr>
-        <p:blipFill rotWithShape="1">
-          <a:blip r:embed="rId3">
-            <a:extLst>
-              <a:ext uri="{28A0092B-C50C-407E-A947-70E740481C1C}">
-                <a14:useLocalDpi xmlns:a14="http://schemas.microsoft.com/office/drawing/2010/main" val="0"/>
-              </a:ext>
-            </a:extLst>
-          </a:blip>
-          <a:srcRect l="4562" t="16008" b="19477"/>
-          <a:stretch/>
-        </p:blipFill>
-        <p:spPr bwMode="auto">
-          <a:xfrm>
-            <a:off x="9577742" y="681038"/>
-            <a:ext cx="2276634" cy="1538952"/>
-          </a:xfrm>
-          <a:prstGeom prst="rect">
-            <a:avLst/>
-          </a:prstGeom>
-          <a:noFill/>
-          <a:extLst>
-            <a:ext uri="{909E8E84-426E-40DD-AFC4-6F175D3DCCD1}">
-              <a14:hiddenFill xmlns:a14="http://schemas.microsoft.com/office/drawing/2010/main">
-                <a:solidFill>
-                  <a:srgbClr val="FFFFFF"/>
-                </a:solidFill>
-              </a14:hiddenFill>
-            </a:ext>
-          </a:extLst>
-        </p:spPr>
-      </p:pic>
-      <p:pic>
-        <p:nvPicPr>
-          <p:cNvPr id="4098" name="Picture 2" descr="Image result for pandas data structures">
-            <a:extLst>
-              <a:ext uri="{FF2B5EF4-FFF2-40B4-BE49-F238E27FC236}">
-                <a16:creationId xmlns:a16="http://schemas.microsoft.com/office/drawing/2014/main" id="{5CDCCCC1-A13B-4A07-826F-963948D4E108}"/>
-              </a:ext>
-            </a:extLst>
-          </p:cNvPr>
-          <p:cNvPicPr>
-            <a:picLocks noGrp="1" noChangeAspect="1" noChangeArrowheads="1"/>
-          </p:cNvPicPr>
-          <p:nvPr>
-            <p:ph idx="1"/>
-          </p:nvPr>
-        </p:nvPicPr>
-        <p:blipFill>
-          <a:blip r:embed="rId4">
-            <a:extLst>
-              <a:ext uri="{28A0092B-C50C-407E-A947-70E740481C1C}">
-                <a14:useLocalDpi xmlns:a14="http://schemas.microsoft.com/office/drawing/2010/main" val="0"/>
-              </a:ext>
-            </a:extLst>
-          </a:blip>
-          <a:srcRect/>
-          <a:stretch>
-            <a:fillRect/>
-          </a:stretch>
-        </p:blipFill>
-        <p:spPr bwMode="auto">
-          <a:xfrm>
-            <a:off x="15089" y="1467742"/>
-            <a:ext cx="4998345" cy="5078533"/>
-          </a:xfrm>
-          <a:prstGeom prst="rect">
-            <a:avLst/>
-          </a:prstGeom>
-          <a:noFill/>
-          <a:extLst>
-            <a:ext uri="{909E8E84-426E-40DD-AFC4-6F175D3DCCD1}">
-              <a14:hiddenFill xmlns:a14="http://schemas.microsoft.com/office/drawing/2010/main">
-                <a:solidFill>
-                  <a:srgbClr val="FFFFFF"/>
-                </a:solidFill>
-              </a14:hiddenFill>
-            </a:ext>
-          </a:extLst>
-        </p:spPr>
-      </p:pic>
-      <p:sp>
-        <p:nvSpPr>
-          <p:cNvPr id="7" name="Rectangle 6">
-            <a:extLst>
-              <a:ext uri="{FF2B5EF4-FFF2-40B4-BE49-F238E27FC236}">
-                <a16:creationId xmlns:a16="http://schemas.microsoft.com/office/drawing/2014/main" id="{AC1A195A-036B-46A8-8B28-83D6FA713B7B}"/>
-              </a:ext>
-            </a:extLst>
-          </p:cNvPr>
-          <p:cNvSpPr/>
-          <p:nvPr/>
-        </p:nvSpPr>
-        <p:spPr>
-          <a:xfrm>
-            <a:off x="5171089" y="2254447"/>
-            <a:ext cx="6840942" cy="4524315"/>
-          </a:xfrm>
-          <a:prstGeom prst="rect">
-            <a:avLst/>
-          </a:prstGeom>
-          <a:solidFill>
-            <a:srgbClr val="1E1E1E"/>
-          </a:solidFill>
-        </p:spPr>
-        <p:txBody>
-          <a:bodyPr wrap="square">
-            <a:spAutoFit/>
-          </a:bodyPr>
-          <a:lstStyle/>
-          <a:p>
-            <a:r>
-              <a:rPr lang="en-US" sz="2400" dirty="0">
-                <a:solidFill>
-                  <a:srgbClr val="569CD6"/>
-                </a:solidFill>
-                <a:latin typeface="Consolas" panose="020B0609020204030204" pitchFamily="49" charset="0"/>
-              </a:rPr>
-              <a:t>import</a:t>
-            </a:r>
-            <a:r>
-              <a:rPr lang="en-US" sz="2400" dirty="0">
-                <a:solidFill>
-                  <a:srgbClr val="D4D4D4"/>
-                </a:solidFill>
-                <a:latin typeface="Consolas" panose="020B0609020204030204" pitchFamily="49" charset="0"/>
-              </a:rPr>
-              <a:t> pandas </a:t>
-            </a:r>
-            <a:r>
-              <a:rPr lang="en-US" sz="2400" dirty="0">
-                <a:solidFill>
-                  <a:srgbClr val="569CD6"/>
-                </a:solidFill>
-                <a:latin typeface="Consolas" panose="020B0609020204030204" pitchFamily="49" charset="0"/>
-              </a:rPr>
-              <a:t>as</a:t>
-            </a:r>
-            <a:r>
-              <a:rPr lang="en-US" sz="2400" dirty="0">
-                <a:solidFill>
-                  <a:srgbClr val="D4D4D4"/>
-                </a:solidFill>
-                <a:latin typeface="Consolas" panose="020B0609020204030204" pitchFamily="49" charset="0"/>
-              </a:rPr>
-              <a:t> pd</a:t>
-            </a:r>
-          </a:p>
-          <a:p>
-            <a:r>
-              <a:rPr lang="en-US" sz="2400" dirty="0">
-                <a:solidFill>
-                  <a:srgbClr val="D4D4D4"/>
-                </a:solidFill>
-                <a:latin typeface="Consolas" panose="020B0609020204030204" pitchFamily="49" charset="0"/>
-              </a:rPr>
-              <a:t>x = </a:t>
-            </a:r>
-            <a:r>
-              <a:rPr lang="en-US" sz="2400" dirty="0" err="1">
-                <a:solidFill>
-                  <a:srgbClr val="D4D4D4"/>
-                </a:solidFill>
-                <a:latin typeface="Consolas" panose="020B0609020204030204" pitchFamily="49" charset="0"/>
-              </a:rPr>
-              <a:t>pd.DataFrame</a:t>
-            </a:r>
-            <a:r>
-              <a:rPr lang="en-US" sz="2400" dirty="0">
-                <a:solidFill>
-                  <a:srgbClr val="D4D4D4"/>
-                </a:solidFill>
-                <a:latin typeface="Consolas" panose="020B0609020204030204" pitchFamily="49" charset="0"/>
-              </a:rPr>
-              <a:t>({</a:t>
-            </a:r>
-            <a:r>
-              <a:rPr lang="en-US" sz="2400" dirty="0">
-                <a:solidFill>
-                  <a:srgbClr val="CE9178"/>
-                </a:solidFill>
-                <a:latin typeface="Consolas" panose="020B0609020204030204" pitchFamily="49" charset="0"/>
-              </a:rPr>
-              <a:t>'a'</a:t>
-            </a:r>
-            <a:r>
-              <a:rPr lang="en-US" sz="2400" dirty="0">
-                <a:solidFill>
-                  <a:srgbClr val="D4D4D4"/>
-                </a:solidFill>
-                <a:latin typeface="Consolas" panose="020B0609020204030204" pitchFamily="49" charset="0"/>
-              </a:rPr>
-              <a:t>:[</a:t>
-            </a:r>
-            <a:r>
-              <a:rPr lang="en-US" sz="2400" dirty="0">
-                <a:solidFill>
-                  <a:srgbClr val="CE9178"/>
-                </a:solidFill>
-                <a:latin typeface="Consolas" panose="020B0609020204030204" pitchFamily="49" charset="0"/>
-              </a:rPr>
-              <a:t>'Professor'</a:t>
-            </a:r>
-            <a:r>
-              <a:rPr lang="en-US" sz="2400" dirty="0">
-                <a:solidFill>
-                  <a:srgbClr val="D4D4D4"/>
-                </a:solidFill>
-                <a:latin typeface="Consolas" panose="020B0609020204030204" pitchFamily="49" charset="0"/>
-              </a:rPr>
-              <a:t>, </a:t>
-            </a:r>
-            <a:r>
-              <a:rPr lang="en-US" sz="2400" dirty="0">
-                <a:solidFill>
-                  <a:srgbClr val="CE9178"/>
-                </a:solidFill>
-                <a:latin typeface="Consolas" panose="020B0609020204030204" pitchFamily="49" charset="0"/>
-              </a:rPr>
-              <a:t>'Students'</a:t>
-            </a:r>
-            <a:r>
-              <a:rPr lang="en-US" sz="2400" dirty="0">
-                <a:solidFill>
-                  <a:srgbClr val="D4D4D4"/>
-                </a:solidFill>
-                <a:latin typeface="Consolas" panose="020B0609020204030204" pitchFamily="49" charset="0"/>
-              </a:rPr>
-              <a:t>], </a:t>
-            </a:r>
-            <a:r>
-              <a:rPr lang="en-US" sz="2400" dirty="0">
-                <a:solidFill>
-                  <a:srgbClr val="CE9178"/>
-                </a:solidFill>
-                <a:latin typeface="Consolas" panose="020B0609020204030204" pitchFamily="49" charset="0"/>
-              </a:rPr>
-              <a:t>'y'</a:t>
-            </a:r>
-            <a:r>
-              <a:rPr lang="en-US" sz="2400" dirty="0">
-                <a:solidFill>
-                  <a:srgbClr val="D4D4D4"/>
-                </a:solidFill>
-                <a:latin typeface="Consolas" panose="020B0609020204030204" pitchFamily="49" charset="0"/>
-              </a:rPr>
-              <a:t>:[</a:t>
-            </a:r>
-            <a:r>
-              <a:rPr lang="en-US" sz="2400" dirty="0">
-                <a:solidFill>
-                  <a:srgbClr val="B5CEA8"/>
-                </a:solidFill>
-                <a:latin typeface="Consolas" panose="020B0609020204030204" pitchFamily="49" charset="0"/>
-              </a:rPr>
-              <a:t>111</a:t>
-            </a:r>
-            <a:r>
-              <a:rPr lang="en-US" sz="2400" dirty="0">
-                <a:solidFill>
-                  <a:srgbClr val="D4D4D4"/>
-                </a:solidFill>
-                <a:latin typeface="Consolas" panose="020B0609020204030204" pitchFamily="49" charset="0"/>
-              </a:rPr>
-              <a:t>, </a:t>
-            </a:r>
-            <a:r>
-              <a:rPr lang="en-US" sz="2400" dirty="0">
-                <a:solidFill>
-                  <a:srgbClr val="B5CEA8"/>
-                </a:solidFill>
-                <a:latin typeface="Consolas" panose="020B0609020204030204" pitchFamily="49" charset="0"/>
-              </a:rPr>
-              <a:t>555</a:t>
-            </a:r>
-            <a:r>
-              <a:rPr lang="en-US" sz="2400" dirty="0">
-                <a:solidFill>
-                  <a:srgbClr val="D4D4D4"/>
-                </a:solidFill>
-                <a:latin typeface="Consolas" panose="020B0609020204030204" pitchFamily="49" charset="0"/>
-              </a:rPr>
-              <a:t>]}, index = [</a:t>
-            </a:r>
-            <a:r>
-              <a:rPr lang="en-US" sz="2400" dirty="0">
-                <a:solidFill>
-                  <a:srgbClr val="B5CEA8"/>
-                </a:solidFill>
-                <a:latin typeface="Consolas" panose="020B0609020204030204" pitchFamily="49" charset="0"/>
-              </a:rPr>
-              <a:t>2</a:t>
-            </a:r>
-            <a:r>
-              <a:rPr lang="en-US" sz="2400" dirty="0">
-                <a:solidFill>
-                  <a:srgbClr val="D4D4D4"/>
-                </a:solidFill>
-                <a:latin typeface="Consolas" panose="020B0609020204030204" pitchFamily="49" charset="0"/>
-              </a:rPr>
-              <a:t>, </a:t>
-            </a:r>
-            <a:r>
-              <a:rPr lang="en-US" sz="2400" dirty="0">
-                <a:solidFill>
-                  <a:srgbClr val="B5CEA8"/>
-                </a:solidFill>
-                <a:latin typeface="Consolas" panose="020B0609020204030204" pitchFamily="49" charset="0"/>
-              </a:rPr>
-              <a:t>8</a:t>
-            </a:r>
-            <a:r>
-              <a:rPr lang="en-US" sz="2400" dirty="0">
-                <a:solidFill>
-                  <a:srgbClr val="D4D4D4"/>
-                </a:solidFill>
-                <a:latin typeface="Consolas" panose="020B0609020204030204" pitchFamily="49" charset="0"/>
-              </a:rPr>
-              <a:t>])</a:t>
-            </a:r>
-          </a:p>
-          <a:p>
-            <a:r>
-              <a:rPr lang="en-US" sz="2400" dirty="0">
-                <a:solidFill>
-                  <a:srgbClr val="D4D4D4"/>
-                </a:solidFill>
-                <a:latin typeface="Consolas" panose="020B0609020204030204" pitchFamily="49" charset="0"/>
-              </a:rPr>
-              <a:t>print(x)</a:t>
-            </a:r>
-          </a:p>
-          <a:p>
-            <a:r>
-              <a:rPr lang="en-US" sz="2400" dirty="0">
-                <a:solidFill>
-                  <a:srgbClr val="D4D4D4"/>
-                </a:solidFill>
-                <a:latin typeface="Consolas" panose="020B0609020204030204" pitchFamily="49" charset="0"/>
-              </a:rPr>
-              <a:t>print(type(x))</a:t>
-            </a:r>
-          </a:p>
-          <a:p>
-            <a:r>
-              <a:rPr lang="en-US" sz="2400" dirty="0">
-                <a:solidFill>
-                  <a:srgbClr val="6A9955"/>
-                </a:solidFill>
-                <a:latin typeface="Consolas" panose="020B0609020204030204" pitchFamily="49" charset="0"/>
-              </a:rPr>
-              <a:t># Slicing</a:t>
-            </a:r>
-            <a:endParaRPr lang="en-US" sz="2400" dirty="0">
-              <a:solidFill>
-                <a:srgbClr val="D4D4D4"/>
-              </a:solidFill>
-              <a:latin typeface="Consolas" panose="020B0609020204030204" pitchFamily="49" charset="0"/>
-            </a:endParaRPr>
-          </a:p>
-          <a:p>
-            <a:r>
-              <a:rPr lang="en-US" sz="2400" dirty="0" err="1">
-                <a:solidFill>
-                  <a:srgbClr val="D4D4D4"/>
-                </a:solidFill>
-                <a:latin typeface="Consolas" panose="020B0609020204030204" pitchFamily="49" charset="0"/>
-              </a:rPr>
-              <a:t>x.iloc</a:t>
-            </a:r>
-            <a:r>
-              <a:rPr lang="en-US" sz="2400" dirty="0">
-                <a:solidFill>
-                  <a:srgbClr val="D4D4D4"/>
-                </a:solidFill>
-                <a:latin typeface="Consolas" panose="020B0609020204030204" pitchFamily="49" charset="0"/>
-              </a:rPr>
-              <a:t>[</a:t>
-            </a:r>
-            <a:r>
-              <a:rPr lang="en-US" sz="2400" dirty="0">
-                <a:solidFill>
-                  <a:srgbClr val="B5CEA8"/>
-                </a:solidFill>
-                <a:latin typeface="Consolas" panose="020B0609020204030204" pitchFamily="49" charset="0"/>
-              </a:rPr>
-              <a:t>1</a:t>
-            </a:r>
-            <a:r>
-              <a:rPr lang="en-US" sz="2400" dirty="0">
-                <a:solidFill>
-                  <a:srgbClr val="D4D4D4"/>
-                </a:solidFill>
-                <a:latin typeface="Consolas" panose="020B0609020204030204" pitchFamily="49" charset="0"/>
-              </a:rPr>
-              <a:t>,]</a:t>
-            </a:r>
-          </a:p>
-          <a:p>
-            <a:r>
-              <a:rPr lang="en-US" sz="2400" dirty="0" err="1">
-                <a:solidFill>
-                  <a:srgbClr val="D4D4D4"/>
-                </a:solidFill>
-                <a:latin typeface="Consolas" panose="020B0609020204030204" pitchFamily="49" charset="0"/>
-              </a:rPr>
-              <a:t>x.loc</a:t>
-            </a:r>
-            <a:r>
-              <a:rPr lang="en-US" sz="2400" dirty="0">
-                <a:solidFill>
-                  <a:srgbClr val="D4D4D4"/>
-                </a:solidFill>
-                <a:latin typeface="Consolas" panose="020B0609020204030204" pitchFamily="49" charset="0"/>
-              </a:rPr>
-              <a:t>[</a:t>
-            </a:r>
-            <a:r>
-              <a:rPr lang="en-US" sz="2400" dirty="0">
-                <a:solidFill>
-                  <a:srgbClr val="B5CEA8"/>
-                </a:solidFill>
-                <a:latin typeface="Consolas" panose="020B0609020204030204" pitchFamily="49" charset="0"/>
-              </a:rPr>
-              <a:t>1</a:t>
-            </a:r>
-            <a:r>
-              <a:rPr lang="en-US" sz="2400" dirty="0">
-                <a:solidFill>
-                  <a:srgbClr val="D4D4D4"/>
-                </a:solidFill>
-                <a:latin typeface="Consolas" panose="020B0609020204030204" pitchFamily="49" charset="0"/>
-              </a:rPr>
-              <a:t>,] </a:t>
-            </a:r>
-            <a:r>
-              <a:rPr lang="en-US" sz="2400" dirty="0">
-                <a:solidFill>
-                  <a:srgbClr val="6A9955"/>
-                </a:solidFill>
-                <a:latin typeface="Consolas" panose="020B0609020204030204" pitchFamily="49" charset="0"/>
-              </a:rPr>
-              <a:t># index-based</a:t>
-            </a:r>
-            <a:endParaRPr lang="en-US" sz="2400" dirty="0">
-              <a:solidFill>
-                <a:srgbClr val="D4D4D4"/>
-              </a:solidFill>
-              <a:latin typeface="Consolas" panose="020B0609020204030204" pitchFamily="49" charset="0"/>
-            </a:endParaRPr>
-          </a:p>
-          <a:p>
-            <a:r>
-              <a:rPr lang="en-US" sz="2400" dirty="0" err="1">
-                <a:solidFill>
-                  <a:srgbClr val="D4D4D4"/>
-                </a:solidFill>
-                <a:latin typeface="Consolas" panose="020B0609020204030204" pitchFamily="49" charset="0"/>
-              </a:rPr>
-              <a:t>x.y</a:t>
-            </a:r>
-            <a:endParaRPr lang="en-US" sz="2400" dirty="0">
-              <a:solidFill>
-                <a:srgbClr val="D4D4D4"/>
-              </a:solidFill>
-              <a:latin typeface="Consolas" panose="020B0609020204030204" pitchFamily="49" charset="0"/>
-            </a:endParaRPr>
-          </a:p>
-          <a:p>
-            <a:r>
-              <a:rPr lang="en-US" sz="2400" dirty="0">
-                <a:solidFill>
-                  <a:srgbClr val="D4D4D4"/>
-                </a:solidFill>
-                <a:latin typeface="Consolas" panose="020B0609020204030204" pitchFamily="49" charset="0"/>
-              </a:rPr>
-              <a:t>x[</a:t>
-            </a:r>
-            <a:r>
-              <a:rPr lang="en-US" sz="2400" dirty="0">
-                <a:solidFill>
-                  <a:srgbClr val="CE9178"/>
-                </a:solidFill>
-                <a:latin typeface="Consolas" panose="020B0609020204030204" pitchFamily="49" charset="0"/>
-              </a:rPr>
-              <a:t>'y'</a:t>
-            </a:r>
-            <a:r>
-              <a:rPr lang="en-US" sz="2400" dirty="0">
-                <a:solidFill>
-                  <a:srgbClr val="D4D4D4"/>
-                </a:solidFill>
-                <a:latin typeface="Consolas" panose="020B0609020204030204" pitchFamily="49" charset="0"/>
-              </a:rPr>
-              <a:t>]</a:t>
-            </a:r>
-          </a:p>
-          <a:p>
-            <a:r>
-              <a:rPr lang="en-US" sz="2400" dirty="0">
-                <a:solidFill>
-                  <a:srgbClr val="D4D4D4"/>
-                </a:solidFill>
-                <a:latin typeface="Consolas" panose="020B0609020204030204" pitchFamily="49" charset="0"/>
-              </a:rPr>
-              <a:t>x[[</a:t>
-            </a:r>
-            <a:r>
-              <a:rPr lang="en-US" sz="2400" dirty="0">
-                <a:solidFill>
-                  <a:srgbClr val="CE9178"/>
-                </a:solidFill>
-                <a:latin typeface="Consolas" panose="020B0609020204030204" pitchFamily="49" charset="0"/>
-              </a:rPr>
-              <a:t>'y'</a:t>
-            </a:r>
-            <a:r>
-              <a:rPr lang="en-US" sz="2400" dirty="0">
-                <a:solidFill>
-                  <a:srgbClr val="D4D4D4"/>
-                </a:solidFill>
-                <a:latin typeface="Consolas" panose="020B0609020204030204" pitchFamily="49" charset="0"/>
-              </a:rPr>
-              <a:t>]]</a:t>
-            </a:r>
-            <a:endParaRPr lang="en-US" sz="2400" b="0" dirty="0">
-              <a:solidFill>
-                <a:srgbClr val="D4D4D4"/>
-              </a:solidFill>
-              <a:effectLst/>
-              <a:latin typeface="Consolas" panose="020B0609020204030204" pitchFamily="49" charset="0"/>
-            </a:endParaRPr>
-          </a:p>
-        </p:txBody>
-      </p:sp>
     </p:spTree>
     <p:extLst>
       <p:ext uri="{BB962C8B-B14F-4D97-AF65-F5344CB8AC3E}">
-        <p14:creationId xmlns:p14="http://schemas.microsoft.com/office/powerpoint/2010/main" val="662363595"/>
+        <p14:creationId xmlns:p14="http://schemas.microsoft.com/office/powerpoint/2010/main" val="3843071050"/>
       </p:ext>
     </p:extLst>
   </p:cSld>
@@ -5470,6 +5605,34 @@
           <a:chExt cx="0" cy="0"/>
         </a:xfrm>
       </p:grpSpPr>
+      <p:sp>
+        <p:nvSpPr>
+          <p:cNvPr id="2" name="Title 1">
+            <a:extLst>
+              <a:ext uri="{FF2B5EF4-FFF2-40B4-BE49-F238E27FC236}">
+                <a16:creationId xmlns:a16="http://schemas.microsoft.com/office/drawing/2014/main" id="{C95F8EB1-BC70-4BFB-90BC-0887F07DA008}"/>
+              </a:ext>
+            </a:extLst>
+          </p:cNvPr>
+          <p:cNvSpPr>
+            <a:spLocks noGrp="1"/>
+          </p:cNvSpPr>
+          <p:nvPr>
+            <p:ph type="title"/>
+          </p:nvPr>
+        </p:nvSpPr>
+        <p:spPr/>
+        <p:txBody>
+          <a:bodyPr/>
+          <a:lstStyle/>
+          <a:p>
+            <a:r>
+              <a:rPr lang="en-US" dirty="0"/>
+              <a:t>Python (Pandas)</a:t>
+            </a:r>
+          </a:p>
+        </p:txBody>
+      </p:sp>
       <p:pic>
         <p:nvPicPr>
           <p:cNvPr id="4" name="Picture 2">
@@ -5485,7 +5648,7 @@
           <p:nvPr/>
         </p:nvPicPr>
         <p:blipFill rotWithShape="1">
-          <a:blip r:embed="rId2">
+          <a:blip r:embed="rId3">
             <a:extLst>
               <a:ext uri="{28A0092B-C50C-407E-A947-70E740481C1C}">
                 <a14:useLocalDpi xmlns:a14="http://schemas.microsoft.com/office/drawing/2010/main" val="0"/>
@@ -5497,8 +5660,8 @@
         </p:blipFill>
         <p:spPr bwMode="auto">
           <a:xfrm>
-            <a:off x="9513516" y="57419"/>
-            <a:ext cx="1078126" cy="1080493"/>
+            <a:off x="7230793" y="681038"/>
+            <a:ext cx="1569962" cy="1573409"/>
           </a:xfrm>
           <a:prstGeom prst="rect">
             <a:avLst/>
@@ -5530,7 +5693,7 @@
           <p:nvPr/>
         </p:nvPicPr>
         <p:blipFill rotWithShape="1">
-          <a:blip r:embed="rId3">
+          <a:blip r:embed="rId4">
             <a:extLst>
               <a:ext uri="{28A0092B-C50C-407E-A947-70E740481C1C}">
                 <a14:useLocalDpi xmlns:a14="http://schemas.microsoft.com/office/drawing/2010/main" val="0"/>
@@ -5542,8 +5705,8 @@
         </p:blipFill>
         <p:spPr bwMode="auto">
           <a:xfrm>
-            <a:off x="10591642" y="57419"/>
-            <a:ext cx="1524315" cy="1030402"/>
+            <a:off x="9577742" y="681038"/>
+            <a:ext cx="2276634" cy="1538952"/>
           </a:xfrm>
           <a:prstGeom prst="rect">
             <a:avLst/>
@@ -5560,64 +5723,513 @@
           </a:extLst>
         </p:spPr>
       </p:pic>
-      <p:sp>
-        <p:nvSpPr>
-          <p:cNvPr id="3" name="Content Placeholder 2">
-            <a:extLst>
-              <a:ext uri="{FF2B5EF4-FFF2-40B4-BE49-F238E27FC236}">
-                <a16:creationId xmlns:a16="http://schemas.microsoft.com/office/drawing/2014/main" id="{0AC0782C-4D03-4935-9933-D969720CC0CD}"/>
-              </a:ext>
-            </a:extLst>
-          </p:cNvPr>
-          <p:cNvSpPr>
-            <a:spLocks noGrp="1"/>
-          </p:cNvSpPr>
-          <p:nvPr>
-            <p:ph idx="1"/>
-          </p:nvPr>
-        </p:nvSpPr>
-        <p:spPr/>
-        <p:txBody>
-          <a:bodyPr/>
-          <a:lstStyle/>
-          <a:p>
-            <a:endParaRPr lang="en-US" dirty="0"/>
-          </a:p>
-        </p:txBody>
-      </p:sp>
       <p:pic>
         <p:nvPicPr>
-          <p:cNvPr id="6" name="Picture 5">
-            <a:extLst>
-              <a:ext uri="{FF2B5EF4-FFF2-40B4-BE49-F238E27FC236}">
-                <a16:creationId xmlns:a16="http://schemas.microsoft.com/office/drawing/2014/main" id="{4B2B3B8C-3147-4ED4-BBEC-03B23D383FA6}"/>
+          <p:cNvPr id="4098" name="Picture 2" descr="Image result for pandas data structures">
+            <a:extLst>
+              <a:ext uri="{FF2B5EF4-FFF2-40B4-BE49-F238E27FC236}">
+                <a16:creationId xmlns:a16="http://schemas.microsoft.com/office/drawing/2014/main" id="{5CDCCCC1-A13B-4A07-826F-963948D4E108}"/>
               </a:ext>
             </a:extLst>
           </p:cNvPr>
           <p:cNvPicPr>
-            <a:picLocks noChangeAspect="1"/>
+            <a:picLocks noGrp="1" noChangeAspect="1" noChangeArrowheads="1"/>
           </p:cNvPicPr>
-          <p:nvPr/>
+          <p:nvPr>
+            <p:ph idx="1"/>
+          </p:nvPr>
         </p:nvPicPr>
-        <p:blipFill rotWithShape="1">
-          <a:blip r:embed="rId4"/>
-          <a:srcRect l="6875" t="5671" r="8707" b="9912"/>
-          <a:stretch/>
+        <p:blipFill>
+          <a:blip r:embed="rId5">
+            <a:extLst>
+              <a:ext uri="{28A0092B-C50C-407E-A947-70E740481C1C}">
+                <a14:useLocalDpi xmlns:a14="http://schemas.microsoft.com/office/drawing/2010/main" val="0"/>
+              </a:ext>
+            </a:extLst>
+          </a:blip>
+          <a:srcRect/>
+          <a:stretch>
+            <a:fillRect/>
+          </a:stretch>
         </p:blipFill>
-        <p:spPr>
+        <p:spPr bwMode="auto">
           <a:xfrm>
-            <a:off x="712076" y="1087821"/>
-            <a:ext cx="10292255" cy="5786601"/>
+            <a:off x="15089" y="1467742"/>
+            <a:ext cx="4998345" cy="5078533"/>
           </a:xfrm>
           <a:prstGeom prst="rect">
             <a:avLst/>
           </a:prstGeom>
+          <a:noFill/>
+          <a:extLst>
+            <a:ext uri="{909E8E84-426E-40DD-AFC4-6F175D3DCCD1}">
+              <a14:hiddenFill xmlns:a14="http://schemas.microsoft.com/office/drawing/2010/main">
+                <a:solidFill>
+                  <a:srgbClr val="FFFFFF"/>
+                </a:solidFill>
+              </a14:hiddenFill>
+            </a:ext>
+          </a:extLst>
         </p:spPr>
       </p:pic>
+      <p:sp>
+        <p:nvSpPr>
+          <p:cNvPr id="7" name="Rectangle 6">
+            <a:extLst>
+              <a:ext uri="{FF2B5EF4-FFF2-40B4-BE49-F238E27FC236}">
+                <a16:creationId xmlns:a16="http://schemas.microsoft.com/office/drawing/2014/main" id="{AC1A195A-036B-46A8-8B28-83D6FA713B7B}"/>
+              </a:ext>
+            </a:extLst>
+          </p:cNvPr>
+          <p:cNvSpPr/>
+          <p:nvPr/>
+        </p:nvSpPr>
+        <p:spPr>
+          <a:xfrm>
+            <a:off x="5171089" y="2254447"/>
+            <a:ext cx="6840942" cy="4524315"/>
+          </a:xfrm>
+          <a:prstGeom prst="rect">
+            <a:avLst/>
+          </a:prstGeom>
+          <a:solidFill>
+            <a:srgbClr val="1E1E1E"/>
+          </a:solidFill>
+        </p:spPr>
+        <p:txBody>
+          <a:bodyPr wrap="square">
+            <a:spAutoFit/>
+          </a:bodyPr>
+          <a:lstStyle/>
+          <a:p>
+            <a:r>
+              <a:rPr lang="en-US" sz="2400" dirty="0">
+                <a:solidFill>
+                  <a:srgbClr val="569CD6"/>
+                </a:solidFill>
+                <a:latin typeface="Consolas" panose="020B0609020204030204" pitchFamily="49" charset="0"/>
+              </a:rPr>
+              <a:t>import</a:t>
+            </a:r>
+            <a:r>
+              <a:rPr lang="en-US" sz="2400" dirty="0">
+                <a:solidFill>
+                  <a:srgbClr val="D4D4D4"/>
+                </a:solidFill>
+                <a:latin typeface="Consolas" panose="020B0609020204030204" pitchFamily="49" charset="0"/>
+              </a:rPr>
+              <a:t> pandas </a:t>
+            </a:r>
+            <a:r>
+              <a:rPr lang="en-US" sz="2400" dirty="0">
+                <a:solidFill>
+                  <a:srgbClr val="569CD6"/>
+                </a:solidFill>
+                <a:latin typeface="Consolas" panose="020B0609020204030204" pitchFamily="49" charset="0"/>
+              </a:rPr>
+              <a:t>as</a:t>
+            </a:r>
+            <a:r>
+              <a:rPr lang="en-US" sz="2400" dirty="0">
+                <a:solidFill>
+                  <a:srgbClr val="D4D4D4"/>
+                </a:solidFill>
+                <a:latin typeface="Consolas" panose="020B0609020204030204" pitchFamily="49" charset="0"/>
+              </a:rPr>
+              <a:t> pd</a:t>
+            </a:r>
+          </a:p>
+          <a:p>
+            <a:r>
+              <a:rPr lang="en-US" sz="2400" dirty="0">
+                <a:solidFill>
+                  <a:srgbClr val="D4D4D4"/>
+                </a:solidFill>
+                <a:latin typeface="Consolas" panose="020B0609020204030204" pitchFamily="49" charset="0"/>
+              </a:rPr>
+              <a:t>x = </a:t>
+            </a:r>
+            <a:r>
+              <a:rPr lang="en-US" sz="2400" dirty="0" err="1">
+                <a:solidFill>
+                  <a:srgbClr val="D4D4D4"/>
+                </a:solidFill>
+                <a:latin typeface="Consolas" panose="020B0609020204030204" pitchFamily="49" charset="0"/>
+              </a:rPr>
+              <a:t>pd.DataFrame</a:t>
+            </a:r>
+            <a:r>
+              <a:rPr lang="en-US" sz="2400" dirty="0">
+                <a:solidFill>
+                  <a:srgbClr val="D4D4D4"/>
+                </a:solidFill>
+                <a:latin typeface="Consolas" panose="020B0609020204030204" pitchFamily="49" charset="0"/>
+              </a:rPr>
+              <a:t>({</a:t>
+            </a:r>
+            <a:r>
+              <a:rPr lang="en-US" sz="2400" dirty="0">
+                <a:solidFill>
+                  <a:srgbClr val="CE9178"/>
+                </a:solidFill>
+                <a:latin typeface="Consolas" panose="020B0609020204030204" pitchFamily="49" charset="0"/>
+              </a:rPr>
+              <a:t>'a'</a:t>
+            </a:r>
+            <a:r>
+              <a:rPr lang="en-US" sz="2400" dirty="0">
+                <a:solidFill>
+                  <a:srgbClr val="D4D4D4"/>
+                </a:solidFill>
+                <a:latin typeface="Consolas" panose="020B0609020204030204" pitchFamily="49" charset="0"/>
+              </a:rPr>
+              <a:t>:[</a:t>
+            </a:r>
+            <a:r>
+              <a:rPr lang="en-US" sz="2400" dirty="0">
+                <a:solidFill>
+                  <a:srgbClr val="CE9178"/>
+                </a:solidFill>
+                <a:latin typeface="Consolas" panose="020B0609020204030204" pitchFamily="49" charset="0"/>
+              </a:rPr>
+              <a:t>'Professor'</a:t>
+            </a:r>
+            <a:r>
+              <a:rPr lang="en-US" sz="2400" dirty="0">
+                <a:solidFill>
+                  <a:srgbClr val="D4D4D4"/>
+                </a:solidFill>
+                <a:latin typeface="Consolas" panose="020B0609020204030204" pitchFamily="49" charset="0"/>
+              </a:rPr>
+              <a:t>, </a:t>
+            </a:r>
+            <a:r>
+              <a:rPr lang="en-US" sz="2400" dirty="0">
+                <a:solidFill>
+                  <a:srgbClr val="CE9178"/>
+                </a:solidFill>
+                <a:latin typeface="Consolas" panose="020B0609020204030204" pitchFamily="49" charset="0"/>
+              </a:rPr>
+              <a:t>'Students'</a:t>
+            </a:r>
+            <a:r>
+              <a:rPr lang="en-US" sz="2400" dirty="0">
+                <a:solidFill>
+                  <a:srgbClr val="D4D4D4"/>
+                </a:solidFill>
+                <a:latin typeface="Consolas" panose="020B0609020204030204" pitchFamily="49" charset="0"/>
+              </a:rPr>
+              <a:t>], </a:t>
+            </a:r>
+            <a:r>
+              <a:rPr lang="en-US" sz="2400" dirty="0">
+                <a:solidFill>
+                  <a:srgbClr val="CE9178"/>
+                </a:solidFill>
+                <a:latin typeface="Consolas" panose="020B0609020204030204" pitchFamily="49" charset="0"/>
+              </a:rPr>
+              <a:t>'y'</a:t>
+            </a:r>
+            <a:r>
+              <a:rPr lang="en-US" sz="2400" dirty="0">
+                <a:solidFill>
+                  <a:srgbClr val="D4D4D4"/>
+                </a:solidFill>
+                <a:latin typeface="Consolas" panose="020B0609020204030204" pitchFamily="49" charset="0"/>
+              </a:rPr>
+              <a:t>:[</a:t>
+            </a:r>
+            <a:r>
+              <a:rPr lang="en-US" sz="2400" dirty="0">
+                <a:solidFill>
+                  <a:srgbClr val="B5CEA8"/>
+                </a:solidFill>
+                <a:latin typeface="Consolas" panose="020B0609020204030204" pitchFamily="49" charset="0"/>
+              </a:rPr>
+              <a:t>111</a:t>
+            </a:r>
+            <a:r>
+              <a:rPr lang="en-US" sz="2400" dirty="0">
+                <a:solidFill>
+                  <a:srgbClr val="D4D4D4"/>
+                </a:solidFill>
+                <a:latin typeface="Consolas" panose="020B0609020204030204" pitchFamily="49" charset="0"/>
+              </a:rPr>
+              <a:t>, </a:t>
+            </a:r>
+            <a:r>
+              <a:rPr lang="en-US" sz="2400" dirty="0">
+                <a:solidFill>
+                  <a:srgbClr val="B5CEA8"/>
+                </a:solidFill>
+                <a:latin typeface="Consolas" panose="020B0609020204030204" pitchFamily="49" charset="0"/>
+              </a:rPr>
+              <a:t>555</a:t>
+            </a:r>
+            <a:r>
+              <a:rPr lang="en-US" sz="2400" dirty="0">
+                <a:solidFill>
+                  <a:srgbClr val="D4D4D4"/>
+                </a:solidFill>
+                <a:latin typeface="Consolas" panose="020B0609020204030204" pitchFamily="49" charset="0"/>
+              </a:rPr>
+              <a:t>]}, index = [</a:t>
+            </a:r>
+            <a:r>
+              <a:rPr lang="en-US" sz="2400" dirty="0">
+                <a:solidFill>
+                  <a:srgbClr val="B5CEA8"/>
+                </a:solidFill>
+                <a:latin typeface="Consolas" panose="020B0609020204030204" pitchFamily="49" charset="0"/>
+              </a:rPr>
+              <a:t>2</a:t>
+            </a:r>
+            <a:r>
+              <a:rPr lang="en-US" sz="2400" dirty="0">
+                <a:solidFill>
+                  <a:srgbClr val="D4D4D4"/>
+                </a:solidFill>
+                <a:latin typeface="Consolas" panose="020B0609020204030204" pitchFamily="49" charset="0"/>
+              </a:rPr>
+              <a:t>, </a:t>
+            </a:r>
+            <a:r>
+              <a:rPr lang="en-US" sz="2400" dirty="0">
+                <a:solidFill>
+                  <a:srgbClr val="B5CEA8"/>
+                </a:solidFill>
+                <a:latin typeface="Consolas" panose="020B0609020204030204" pitchFamily="49" charset="0"/>
+              </a:rPr>
+              <a:t>8</a:t>
+            </a:r>
+            <a:r>
+              <a:rPr lang="en-US" sz="2400" dirty="0">
+                <a:solidFill>
+                  <a:srgbClr val="D4D4D4"/>
+                </a:solidFill>
+                <a:latin typeface="Consolas" panose="020B0609020204030204" pitchFamily="49" charset="0"/>
+              </a:rPr>
+              <a:t>])</a:t>
+            </a:r>
+          </a:p>
+          <a:p>
+            <a:r>
+              <a:rPr lang="en-US" sz="2400" dirty="0">
+                <a:solidFill>
+                  <a:srgbClr val="D4D4D4"/>
+                </a:solidFill>
+                <a:latin typeface="Consolas" panose="020B0609020204030204" pitchFamily="49" charset="0"/>
+              </a:rPr>
+              <a:t>print(x)</a:t>
+            </a:r>
+          </a:p>
+          <a:p>
+            <a:r>
+              <a:rPr lang="en-US" sz="2400" dirty="0">
+                <a:solidFill>
+                  <a:srgbClr val="D4D4D4"/>
+                </a:solidFill>
+                <a:latin typeface="Consolas" panose="020B0609020204030204" pitchFamily="49" charset="0"/>
+              </a:rPr>
+              <a:t>print(type(x))</a:t>
+            </a:r>
+          </a:p>
+          <a:p>
+            <a:r>
+              <a:rPr lang="en-US" sz="2400" dirty="0">
+                <a:solidFill>
+                  <a:srgbClr val="6A9955"/>
+                </a:solidFill>
+                <a:latin typeface="Consolas" panose="020B0609020204030204" pitchFamily="49" charset="0"/>
+              </a:rPr>
+              <a:t># Slicing</a:t>
+            </a:r>
+            <a:endParaRPr lang="en-US" sz="2400" dirty="0">
+              <a:solidFill>
+                <a:srgbClr val="D4D4D4"/>
+              </a:solidFill>
+              <a:latin typeface="Consolas" panose="020B0609020204030204" pitchFamily="49" charset="0"/>
+            </a:endParaRPr>
+          </a:p>
+          <a:p>
+            <a:r>
+              <a:rPr lang="en-US" sz="2400" dirty="0" err="1">
+                <a:solidFill>
+                  <a:srgbClr val="D4D4D4"/>
+                </a:solidFill>
+                <a:latin typeface="Consolas" panose="020B0609020204030204" pitchFamily="49" charset="0"/>
+              </a:rPr>
+              <a:t>x.iloc</a:t>
+            </a:r>
+            <a:r>
+              <a:rPr lang="en-US" sz="2400" dirty="0">
+                <a:solidFill>
+                  <a:srgbClr val="D4D4D4"/>
+                </a:solidFill>
+                <a:latin typeface="Consolas" panose="020B0609020204030204" pitchFamily="49" charset="0"/>
+              </a:rPr>
+              <a:t>[</a:t>
+            </a:r>
+            <a:r>
+              <a:rPr lang="en-US" sz="2400" dirty="0">
+                <a:solidFill>
+                  <a:srgbClr val="B5CEA8"/>
+                </a:solidFill>
+                <a:latin typeface="Consolas" panose="020B0609020204030204" pitchFamily="49" charset="0"/>
+              </a:rPr>
+              <a:t>1</a:t>
+            </a:r>
+            <a:r>
+              <a:rPr lang="en-US" sz="2400" dirty="0">
+                <a:solidFill>
+                  <a:srgbClr val="D4D4D4"/>
+                </a:solidFill>
+                <a:latin typeface="Consolas" panose="020B0609020204030204" pitchFamily="49" charset="0"/>
+              </a:rPr>
+              <a:t>,]</a:t>
+            </a:r>
+          </a:p>
+          <a:p>
+            <a:r>
+              <a:rPr lang="en-US" sz="2400" dirty="0" err="1">
+                <a:solidFill>
+                  <a:srgbClr val="D4D4D4"/>
+                </a:solidFill>
+                <a:latin typeface="Consolas" panose="020B0609020204030204" pitchFamily="49" charset="0"/>
+              </a:rPr>
+              <a:t>x.loc</a:t>
+            </a:r>
+            <a:r>
+              <a:rPr lang="en-US" sz="2400" dirty="0">
+                <a:solidFill>
+                  <a:srgbClr val="D4D4D4"/>
+                </a:solidFill>
+                <a:latin typeface="Consolas" panose="020B0609020204030204" pitchFamily="49" charset="0"/>
+              </a:rPr>
+              <a:t>[</a:t>
+            </a:r>
+            <a:r>
+              <a:rPr lang="en-US" sz="2400" dirty="0">
+                <a:solidFill>
+                  <a:srgbClr val="B5CEA8"/>
+                </a:solidFill>
+                <a:latin typeface="Consolas" panose="020B0609020204030204" pitchFamily="49" charset="0"/>
+              </a:rPr>
+              <a:t>1</a:t>
+            </a:r>
+            <a:r>
+              <a:rPr lang="en-US" sz="2400" dirty="0">
+                <a:solidFill>
+                  <a:srgbClr val="D4D4D4"/>
+                </a:solidFill>
+                <a:latin typeface="Consolas" panose="020B0609020204030204" pitchFamily="49" charset="0"/>
+              </a:rPr>
+              <a:t>,] </a:t>
+            </a:r>
+            <a:r>
+              <a:rPr lang="en-US" sz="2400" dirty="0">
+                <a:solidFill>
+                  <a:srgbClr val="6A9955"/>
+                </a:solidFill>
+                <a:latin typeface="Consolas" panose="020B0609020204030204" pitchFamily="49" charset="0"/>
+              </a:rPr>
+              <a:t># index-based</a:t>
+            </a:r>
+            <a:endParaRPr lang="en-US" sz="2400" dirty="0">
+              <a:solidFill>
+                <a:srgbClr val="D4D4D4"/>
+              </a:solidFill>
+              <a:latin typeface="Consolas" panose="020B0609020204030204" pitchFamily="49" charset="0"/>
+            </a:endParaRPr>
+          </a:p>
+          <a:p>
+            <a:r>
+              <a:rPr lang="en-US" sz="2400" dirty="0" err="1">
+                <a:solidFill>
+                  <a:srgbClr val="D4D4D4"/>
+                </a:solidFill>
+                <a:latin typeface="Consolas" panose="020B0609020204030204" pitchFamily="49" charset="0"/>
+              </a:rPr>
+              <a:t>x.y</a:t>
+            </a:r>
+            <a:endParaRPr lang="en-US" sz="2400" dirty="0">
+              <a:solidFill>
+                <a:srgbClr val="D4D4D4"/>
+              </a:solidFill>
+              <a:latin typeface="Consolas" panose="020B0609020204030204" pitchFamily="49" charset="0"/>
+            </a:endParaRPr>
+          </a:p>
+          <a:p>
+            <a:r>
+              <a:rPr lang="en-US" sz="2400" dirty="0">
+                <a:solidFill>
+                  <a:srgbClr val="D4D4D4"/>
+                </a:solidFill>
+                <a:latin typeface="Consolas" panose="020B0609020204030204" pitchFamily="49" charset="0"/>
+              </a:rPr>
+              <a:t>x[</a:t>
+            </a:r>
+            <a:r>
+              <a:rPr lang="en-US" sz="2400" dirty="0">
+                <a:solidFill>
+                  <a:srgbClr val="CE9178"/>
+                </a:solidFill>
+                <a:latin typeface="Consolas" panose="020B0609020204030204" pitchFamily="49" charset="0"/>
+              </a:rPr>
+              <a:t>'y'</a:t>
+            </a:r>
+            <a:r>
+              <a:rPr lang="en-US" sz="2400" dirty="0">
+                <a:solidFill>
+                  <a:srgbClr val="D4D4D4"/>
+                </a:solidFill>
+                <a:latin typeface="Consolas" panose="020B0609020204030204" pitchFamily="49" charset="0"/>
+              </a:rPr>
+              <a:t>]</a:t>
+            </a:r>
+          </a:p>
+          <a:p>
+            <a:r>
+              <a:rPr lang="en-US" sz="2400" dirty="0">
+                <a:solidFill>
+                  <a:srgbClr val="D4D4D4"/>
+                </a:solidFill>
+                <a:latin typeface="Consolas" panose="020B0609020204030204" pitchFamily="49" charset="0"/>
+              </a:rPr>
+              <a:t>x[[</a:t>
+            </a:r>
+            <a:r>
+              <a:rPr lang="en-US" sz="2400" dirty="0">
+                <a:solidFill>
+                  <a:srgbClr val="CE9178"/>
+                </a:solidFill>
+                <a:latin typeface="Consolas" panose="020B0609020204030204" pitchFamily="49" charset="0"/>
+              </a:rPr>
+              <a:t>'y'</a:t>
+            </a:r>
+            <a:r>
+              <a:rPr lang="en-US" sz="2400" dirty="0">
+                <a:solidFill>
+                  <a:srgbClr val="D4D4D4"/>
+                </a:solidFill>
+                <a:latin typeface="Consolas" panose="020B0609020204030204" pitchFamily="49" charset="0"/>
+              </a:rPr>
+              <a:t>]]</a:t>
+            </a:r>
+            <a:endParaRPr lang="en-US" sz="2400" b="0" dirty="0">
+              <a:solidFill>
+                <a:srgbClr val="D4D4D4"/>
+              </a:solidFill>
+              <a:effectLst/>
+              <a:latin typeface="Consolas" panose="020B0609020204030204" pitchFamily="49" charset="0"/>
+            </a:endParaRPr>
+          </a:p>
+        </p:txBody>
+      </p:sp>
     </p:spTree>
     <p:extLst>
       <p:ext uri="{BB962C8B-B14F-4D97-AF65-F5344CB8AC3E}">
-        <p14:creationId xmlns:p14="http://schemas.microsoft.com/office/powerpoint/2010/main" val="3230198539"/>
+        <p14:creationId xmlns:p14="http://schemas.microsoft.com/office/powerpoint/2010/main" val="662363595"/>
       </p:ext>
     </p:extLst>
   </p:cSld>
@@ -5644,69 +6256,12 @@
           <a:chExt cx="0" cy="0"/>
         </a:xfrm>
       </p:grpSpPr>
-      <p:sp>
-        <p:nvSpPr>
-          <p:cNvPr id="2" name="Title 1">
-            <a:extLst>
-              <a:ext uri="{FF2B5EF4-FFF2-40B4-BE49-F238E27FC236}">
-                <a16:creationId xmlns:a16="http://schemas.microsoft.com/office/drawing/2014/main" id="{81145683-86A2-4057-97CA-662DCFF3D0D4}"/>
-              </a:ext>
-            </a:extLst>
-          </p:cNvPr>
-          <p:cNvSpPr>
-            <a:spLocks noGrp="1"/>
-          </p:cNvSpPr>
-          <p:nvPr>
-            <p:ph type="title"/>
-          </p:nvPr>
-        </p:nvSpPr>
-        <p:spPr/>
-        <p:txBody>
-          <a:bodyPr/>
-          <a:lstStyle/>
-          <a:p>
-            <a:r>
-              <a:rPr lang="en-US" dirty="0" err="1"/>
-              <a:t>Jupyter</a:t>
-            </a:r>
-            <a:r>
-              <a:rPr lang="en-US" dirty="0"/>
-              <a:t> Lab Notebooks</a:t>
-            </a:r>
-          </a:p>
-        </p:txBody>
-      </p:sp>
-      <p:sp>
-        <p:nvSpPr>
-          <p:cNvPr id="3" name="Content Placeholder 2">
-            <a:extLst>
-              <a:ext uri="{FF2B5EF4-FFF2-40B4-BE49-F238E27FC236}">
-                <a16:creationId xmlns:a16="http://schemas.microsoft.com/office/drawing/2014/main" id="{6E4A6129-95B7-4057-B324-A55DEF7B98D2}"/>
-              </a:ext>
-            </a:extLst>
-          </p:cNvPr>
-          <p:cNvSpPr>
-            <a:spLocks noGrp="1"/>
-          </p:cNvSpPr>
-          <p:nvPr>
-            <p:ph idx="1"/>
-          </p:nvPr>
-        </p:nvSpPr>
-        <p:spPr/>
-        <p:txBody>
-          <a:bodyPr/>
-          <a:lstStyle/>
-          <a:p>
-            <a:endParaRPr lang="en-US" dirty="0"/>
-          </a:p>
-        </p:txBody>
-      </p:sp>
       <p:pic>
         <p:nvPicPr>
-          <p:cNvPr id="4" name="Picture 12" descr="Image result for jupyter logo">
-            <a:extLst>
-              <a:ext uri="{FF2B5EF4-FFF2-40B4-BE49-F238E27FC236}">
-                <a16:creationId xmlns:a16="http://schemas.microsoft.com/office/drawing/2014/main" id="{A977E875-EFD4-4585-A189-017A32B5F6DB}"/>
+          <p:cNvPr id="4" name="Picture 2">
+            <a:extLst>
+              <a:ext uri="{FF2B5EF4-FFF2-40B4-BE49-F238E27FC236}">
+                <a16:creationId xmlns:a16="http://schemas.microsoft.com/office/drawing/2014/main" id="{1CAF1D65-EBAE-4F5A-9A48-0B2C8F7A2415}"/>
               </a:ext>
             </a:extLst>
           </p:cNvPr>
@@ -5723,13 +6278,13 @@
               </a:ext>
             </a:extLst>
           </a:blip>
-          <a:srcRect l="12774" t="7408" r="57807" b="7936"/>
+          <a:srcRect l="25570" r="27311"/>
           <a:stretch/>
         </p:blipFill>
         <p:spPr bwMode="auto">
           <a:xfrm>
-            <a:off x="7195798" y="-30156"/>
-            <a:ext cx="1961020" cy="2116124"/>
+            <a:off x="9513516" y="57419"/>
+            <a:ext cx="1078126" cy="1080493"/>
           </a:xfrm>
           <a:prstGeom prst="rect">
             <a:avLst/>
@@ -5746,10 +6301,110 @@
           </a:extLst>
         </p:spPr>
       </p:pic>
+      <p:pic>
+        <p:nvPicPr>
+          <p:cNvPr id="5" name="Picture 20">
+            <a:extLst>
+              <a:ext uri="{FF2B5EF4-FFF2-40B4-BE49-F238E27FC236}">
+                <a16:creationId xmlns:a16="http://schemas.microsoft.com/office/drawing/2014/main" id="{90BCB2DD-A9E9-4EEB-B8AE-6795C6B7FAB3}"/>
+              </a:ext>
+            </a:extLst>
+          </p:cNvPr>
+          <p:cNvPicPr>
+            <a:picLocks noChangeAspect="1" noChangeArrowheads="1"/>
+          </p:cNvPicPr>
+          <p:nvPr/>
+        </p:nvPicPr>
+        <p:blipFill rotWithShape="1">
+          <a:blip r:embed="rId4">
+            <a:extLst>
+              <a:ext uri="{28A0092B-C50C-407E-A947-70E740481C1C}">
+                <a14:useLocalDpi xmlns:a14="http://schemas.microsoft.com/office/drawing/2010/main" val="0"/>
+              </a:ext>
+            </a:extLst>
+          </a:blip>
+          <a:srcRect l="4562" t="16008" b="19477"/>
+          <a:stretch/>
+        </p:blipFill>
+        <p:spPr bwMode="auto">
+          <a:xfrm>
+            <a:off x="10591642" y="57419"/>
+            <a:ext cx="1524315" cy="1030402"/>
+          </a:xfrm>
+          <a:prstGeom prst="rect">
+            <a:avLst/>
+          </a:prstGeom>
+          <a:noFill/>
+          <a:extLst>
+            <a:ext uri="{909E8E84-426E-40DD-AFC4-6F175D3DCCD1}">
+              <a14:hiddenFill xmlns:a14="http://schemas.microsoft.com/office/drawing/2010/main">
+                <a:solidFill>
+                  <a:srgbClr val="FFFFFF"/>
+                </a:solidFill>
+              </a14:hiddenFill>
+            </a:ext>
+          </a:extLst>
+        </p:spPr>
+      </p:pic>
+      <p:sp>
+        <p:nvSpPr>
+          <p:cNvPr id="3" name="Content Placeholder 2">
+            <a:extLst>
+              <a:ext uri="{FF2B5EF4-FFF2-40B4-BE49-F238E27FC236}">
+                <a16:creationId xmlns:a16="http://schemas.microsoft.com/office/drawing/2014/main" id="{0AC0782C-4D03-4935-9933-D969720CC0CD}"/>
+              </a:ext>
+            </a:extLst>
+          </p:cNvPr>
+          <p:cNvSpPr>
+            <a:spLocks noGrp="1"/>
+          </p:cNvSpPr>
+          <p:nvPr>
+            <p:ph idx="1"/>
+          </p:nvPr>
+        </p:nvSpPr>
+        <p:spPr/>
+        <p:txBody>
+          <a:bodyPr/>
+          <a:lstStyle/>
+          <a:p>
+            <a:endParaRPr lang="en-US" dirty="0"/>
+          </a:p>
+        </p:txBody>
+      </p:sp>
+      <p:pic>
+        <p:nvPicPr>
+          <p:cNvPr id="6" name="Picture 5">
+            <a:hlinkClick r:id="rId5"/>
+            <a:extLst>
+              <a:ext uri="{FF2B5EF4-FFF2-40B4-BE49-F238E27FC236}">
+                <a16:creationId xmlns:a16="http://schemas.microsoft.com/office/drawing/2014/main" id="{4B2B3B8C-3147-4ED4-BBEC-03B23D383FA6}"/>
+              </a:ext>
+            </a:extLst>
+          </p:cNvPr>
+          <p:cNvPicPr>
+            <a:picLocks noChangeAspect="1"/>
+          </p:cNvPicPr>
+          <p:nvPr/>
+        </p:nvPicPr>
+        <p:blipFill rotWithShape="1">
+          <a:blip r:embed="rId6"/>
+          <a:srcRect l="6875" t="5671" r="8707" b="9912"/>
+          <a:stretch/>
+        </p:blipFill>
+        <p:spPr>
+          <a:xfrm>
+            <a:off x="712076" y="1132791"/>
+            <a:ext cx="10292255" cy="5786601"/>
+          </a:xfrm>
+          <a:prstGeom prst="rect">
+            <a:avLst/>
+          </a:prstGeom>
+        </p:spPr>
+      </p:pic>
     </p:spTree>
     <p:extLst>
       <p:ext uri="{BB962C8B-B14F-4D97-AF65-F5344CB8AC3E}">
-        <p14:creationId xmlns:p14="http://schemas.microsoft.com/office/powerpoint/2010/main" val="3054027760"/>
+        <p14:creationId xmlns:p14="http://schemas.microsoft.com/office/powerpoint/2010/main" val="3230198539"/>
       </p:ext>
     </p:extLst>
   </p:cSld>
@@ -5781,6 +6436,138 @@
           <p:cNvPr id="2" name="Title 1">
             <a:extLst>
               <a:ext uri="{FF2B5EF4-FFF2-40B4-BE49-F238E27FC236}">
+                <a16:creationId xmlns:a16="http://schemas.microsoft.com/office/drawing/2014/main" id="{81145683-86A2-4057-97CA-662DCFF3D0D4}"/>
+              </a:ext>
+            </a:extLst>
+          </p:cNvPr>
+          <p:cNvSpPr>
+            <a:spLocks noGrp="1"/>
+          </p:cNvSpPr>
+          <p:nvPr>
+            <p:ph type="title"/>
+          </p:nvPr>
+        </p:nvSpPr>
+        <p:spPr/>
+        <p:txBody>
+          <a:bodyPr/>
+          <a:lstStyle/>
+          <a:p>
+            <a:r>
+              <a:rPr lang="en-US" dirty="0" err="1"/>
+              <a:t>Jupyter</a:t>
+            </a:r>
+            <a:r>
+              <a:rPr lang="en-US" dirty="0"/>
+              <a:t> Lab Notebooks</a:t>
+            </a:r>
+          </a:p>
+        </p:txBody>
+      </p:sp>
+      <p:sp>
+        <p:nvSpPr>
+          <p:cNvPr id="3" name="Content Placeholder 2">
+            <a:extLst>
+              <a:ext uri="{FF2B5EF4-FFF2-40B4-BE49-F238E27FC236}">
+                <a16:creationId xmlns:a16="http://schemas.microsoft.com/office/drawing/2014/main" id="{6E4A6129-95B7-4057-B324-A55DEF7B98D2}"/>
+              </a:ext>
+            </a:extLst>
+          </p:cNvPr>
+          <p:cNvSpPr>
+            <a:spLocks noGrp="1"/>
+          </p:cNvSpPr>
+          <p:nvPr>
+            <p:ph idx="1"/>
+          </p:nvPr>
+        </p:nvSpPr>
+        <p:spPr/>
+        <p:txBody>
+          <a:bodyPr/>
+          <a:lstStyle/>
+          <a:p>
+            <a:endParaRPr lang="en-US" dirty="0"/>
+          </a:p>
+        </p:txBody>
+      </p:sp>
+      <p:pic>
+        <p:nvPicPr>
+          <p:cNvPr id="4" name="Picture 12" descr="Image result for jupyter logo">
+            <a:extLst>
+              <a:ext uri="{FF2B5EF4-FFF2-40B4-BE49-F238E27FC236}">
+                <a16:creationId xmlns:a16="http://schemas.microsoft.com/office/drawing/2014/main" id="{A977E875-EFD4-4585-A189-017A32B5F6DB}"/>
+              </a:ext>
+            </a:extLst>
+          </p:cNvPr>
+          <p:cNvPicPr>
+            <a:picLocks noChangeAspect="1" noChangeArrowheads="1"/>
+          </p:cNvPicPr>
+          <p:nvPr/>
+        </p:nvPicPr>
+        <p:blipFill rotWithShape="1">
+          <a:blip r:embed="rId3">
+            <a:extLst>
+              <a:ext uri="{28A0092B-C50C-407E-A947-70E740481C1C}">
+                <a14:useLocalDpi xmlns:a14="http://schemas.microsoft.com/office/drawing/2010/main" val="0"/>
+              </a:ext>
+            </a:extLst>
+          </a:blip>
+          <a:srcRect l="12774" t="7408" r="57807" b="7936"/>
+          <a:stretch/>
+        </p:blipFill>
+        <p:spPr bwMode="auto">
+          <a:xfrm>
+            <a:off x="7195798" y="-30156"/>
+            <a:ext cx="1961020" cy="2116124"/>
+          </a:xfrm>
+          <a:prstGeom prst="rect">
+            <a:avLst/>
+          </a:prstGeom>
+          <a:noFill/>
+          <a:extLst>
+            <a:ext uri="{909E8E84-426E-40DD-AFC4-6F175D3DCCD1}">
+              <a14:hiddenFill xmlns:a14="http://schemas.microsoft.com/office/drawing/2010/main">
+                <a:solidFill>
+                  <a:srgbClr val="FFFFFF"/>
+                </a:solidFill>
+              </a14:hiddenFill>
+            </a:ext>
+          </a:extLst>
+        </p:spPr>
+      </p:pic>
+    </p:spTree>
+    <p:extLst>
+      <p:ext uri="{BB962C8B-B14F-4D97-AF65-F5344CB8AC3E}">
+        <p14:creationId xmlns:p14="http://schemas.microsoft.com/office/powerpoint/2010/main" val="3054027760"/>
+      </p:ext>
+    </p:extLst>
+  </p:cSld>
+  <p:clrMapOvr>
+    <a:masterClrMapping/>
+  </p:clrMapOvr>
+</p:sld>
+</file>
+
+<file path=ppt/slides/slide15.xml><?xml version="1.0" encoding="utf-8"?>
+<p:sld xmlns:a="http://schemas.openxmlformats.org/drawingml/2006/main" xmlns:r="http://schemas.openxmlformats.org/officeDocument/2006/relationships" xmlns:p="http://schemas.openxmlformats.org/presentationml/2006/main">
+  <p:cSld>
+    <p:spTree>
+      <p:nvGrpSpPr>
+        <p:cNvPr id="1" name=""/>
+        <p:cNvGrpSpPr/>
+        <p:nvPr/>
+      </p:nvGrpSpPr>
+      <p:grpSpPr>
+        <a:xfrm>
+          <a:off x="0" y="0"/>
+          <a:ext cx="0" cy="0"/>
+          <a:chOff x="0" y="0"/>
+          <a:chExt cx="0" cy="0"/>
+        </a:xfrm>
+      </p:grpSpPr>
+      <p:sp>
+        <p:nvSpPr>
+          <p:cNvPr id="2" name="Title 1">
+            <a:extLst>
+              <a:ext uri="{FF2B5EF4-FFF2-40B4-BE49-F238E27FC236}">
                 <a16:creationId xmlns:a16="http://schemas.microsoft.com/office/drawing/2014/main" id="{0EE90088-FAE6-421E-BDE5-BE146818F1C2}"/>
               </a:ext>
             </a:extLst>
@@ -5860,6 +6647,89 @@
     <p:extLst>
       <p:ext uri="{BB962C8B-B14F-4D97-AF65-F5344CB8AC3E}">
         <p14:creationId xmlns:p14="http://schemas.microsoft.com/office/powerpoint/2010/main" val="2401509441"/>
+      </p:ext>
+    </p:extLst>
+  </p:cSld>
+  <p:clrMapOvr>
+    <a:masterClrMapping/>
+  </p:clrMapOvr>
+</p:sld>
+</file>
+
+<file path=ppt/slides/slide16.xml><?xml version="1.0" encoding="utf-8"?>
+<p:sld xmlns:a="http://schemas.openxmlformats.org/drawingml/2006/main" xmlns:r="http://schemas.openxmlformats.org/officeDocument/2006/relationships" xmlns:p="http://schemas.openxmlformats.org/presentationml/2006/main">
+  <p:cSld>
+    <p:spTree>
+      <p:nvGrpSpPr>
+        <p:cNvPr id="1" name=""/>
+        <p:cNvGrpSpPr/>
+        <p:nvPr/>
+      </p:nvGrpSpPr>
+      <p:grpSpPr>
+        <a:xfrm>
+          <a:off x="0" y="0"/>
+          <a:ext cx="0" cy="0"/>
+          <a:chOff x="0" y="0"/>
+          <a:chExt cx="0" cy="0"/>
+        </a:xfrm>
+      </p:grpSpPr>
+      <p:sp>
+        <p:nvSpPr>
+          <p:cNvPr id="2" name="Title 1">
+            <a:extLst>
+              <a:ext uri="{FF2B5EF4-FFF2-40B4-BE49-F238E27FC236}">
+                <a16:creationId xmlns:a16="http://schemas.microsoft.com/office/drawing/2014/main" id="{CD8B68C5-1ADB-413E-B044-5644BCE1B828}"/>
+              </a:ext>
+            </a:extLst>
+          </p:cNvPr>
+          <p:cNvSpPr>
+            <a:spLocks noGrp="1"/>
+          </p:cNvSpPr>
+          <p:nvPr>
+            <p:ph type="title"/>
+          </p:nvPr>
+        </p:nvSpPr>
+        <p:spPr/>
+        <p:txBody>
+          <a:bodyPr/>
+          <a:lstStyle/>
+          <a:p>
+            <a:r>
+              <a:rPr lang="en-US" dirty="0"/>
+              <a:t>Homework assignment 01</a:t>
+            </a:r>
+          </a:p>
+        </p:txBody>
+      </p:sp>
+      <p:sp>
+        <p:nvSpPr>
+          <p:cNvPr id="5" name="Content Placeholder 4">
+            <a:extLst>
+              <a:ext uri="{FF2B5EF4-FFF2-40B4-BE49-F238E27FC236}">
+                <a16:creationId xmlns:a16="http://schemas.microsoft.com/office/drawing/2014/main" id="{AD00FB4C-CB12-46B4-81C9-67A6A100972B}"/>
+              </a:ext>
+            </a:extLst>
+          </p:cNvPr>
+          <p:cNvSpPr>
+            <a:spLocks noGrp="1"/>
+          </p:cNvSpPr>
+          <p:nvPr>
+            <p:ph idx="1"/>
+          </p:nvPr>
+        </p:nvSpPr>
+        <p:spPr/>
+        <p:txBody>
+          <a:bodyPr/>
+          <a:lstStyle/>
+          <a:p>
+            <a:endParaRPr lang="en-US"/>
+          </a:p>
+        </p:txBody>
+      </p:sp>
+    </p:spTree>
+    <p:extLst>
+      <p:ext uri="{BB962C8B-B14F-4D97-AF65-F5344CB8AC3E}">
+        <p14:creationId xmlns:p14="http://schemas.microsoft.com/office/powerpoint/2010/main" val="2727492319"/>
       </p:ext>
     </p:extLst>
   </p:cSld>
@@ -7407,8 +8277,8 @@
         </p:nvSpPr>
         <p:spPr>
           <a:xfrm>
-            <a:off x="3584027" y="2442967"/>
-            <a:ext cx="5023945" cy="2677656"/>
+            <a:off x="3793889" y="1223929"/>
+            <a:ext cx="5023945" cy="4154984"/>
           </a:xfrm>
           <a:prstGeom prst="rect">
             <a:avLst/>
@@ -7625,6 +8495,86 @@
               <a:t>[-3]</a:t>
             </a:r>
           </a:p>
+          <a:p>
+            <a:r>
+              <a:rPr lang="en-US" sz="2400" dirty="0" err="1">
+                <a:solidFill>
+                  <a:srgbClr val="D4D4D4"/>
+                </a:solidFill>
+                <a:latin typeface="Consolas" panose="020B0609020204030204" pitchFamily="49" charset="0"/>
+              </a:rPr>
+              <a:t>my_string</a:t>
+            </a:r>
+            <a:r>
+              <a:rPr lang="en-US" sz="2400" dirty="0">
+                <a:solidFill>
+                  <a:srgbClr val="D4D4D4"/>
+                </a:solidFill>
+                <a:latin typeface="Consolas" panose="020B0609020204030204" pitchFamily="49" charset="0"/>
+              </a:rPr>
+              <a:t>[4:]</a:t>
+            </a:r>
+          </a:p>
+          <a:p>
+            <a:r>
+              <a:rPr lang="en-US" sz="2400" dirty="0" err="1">
+                <a:solidFill>
+                  <a:srgbClr val="D4D4D4"/>
+                </a:solidFill>
+                <a:latin typeface="Consolas" panose="020B0609020204030204" pitchFamily="49" charset="0"/>
+              </a:rPr>
+              <a:t>my_string</a:t>
+            </a:r>
+            <a:r>
+              <a:rPr lang="en-US" sz="2400" dirty="0">
+                <a:solidFill>
+                  <a:srgbClr val="D4D4D4"/>
+                </a:solidFill>
+                <a:latin typeface="Consolas" panose="020B0609020204030204" pitchFamily="49" charset="0"/>
+              </a:rPr>
+              <a:t>[:4]</a:t>
+            </a:r>
+          </a:p>
+          <a:p>
+            <a:r>
+              <a:rPr lang="en-US" sz="2400" dirty="0" err="1">
+                <a:solidFill>
+                  <a:srgbClr val="D4D4D4"/>
+                </a:solidFill>
+                <a:latin typeface="Consolas" panose="020B0609020204030204" pitchFamily="49" charset="0"/>
+              </a:rPr>
+              <a:t>my_string</a:t>
+            </a:r>
+            <a:r>
+              <a:rPr lang="en-US" sz="2400" dirty="0">
+                <a:solidFill>
+                  <a:srgbClr val="D4D4D4"/>
+                </a:solidFill>
+                <a:latin typeface="Consolas" panose="020B0609020204030204" pitchFamily="49" charset="0"/>
+              </a:rPr>
+              <a:t>[-3:]</a:t>
+            </a:r>
+          </a:p>
+          <a:p>
+            <a:r>
+              <a:rPr lang="en-US" sz="2400" dirty="0" err="1">
+                <a:solidFill>
+                  <a:srgbClr val="D4D4D4"/>
+                </a:solidFill>
+                <a:latin typeface="Consolas" panose="020B0609020204030204" pitchFamily="49" charset="0"/>
+              </a:rPr>
+              <a:t>my_string</a:t>
+            </a:r>
+            <a:r>
+              <a:rPr lang="en-US" sz="2400" dirty="0">
+                <a:solidFill>
+                  <a:srgbClr val="D4D4D4"/>
+                </a:solidFill>
+                <a:latin typeface="Consolas" panose="020B0609020204030204" pitchFamily="49" charset="0"/>
+              </a:rPr>
+              <a:t>[:-3]</a:t>
+            </a:r>
+          </a:p>
         </p:txBody>
       </p:sp>
       <p:graphicFrame>
@@ -7642,13 +8592,13 @@
           <p:nvPr>
             <p:extLst>
               <p:ext uri="{D42A27DB-BD31-4B8C-83A1-F6EECF244321}">
-                <p14:modId xmlns:p14="http://schemas.microsoft.com/office/powerpoint/2010/main" val="2676401566"/>
+                <p14:modId xmlns:p14="http://schemas.microsoft.com/office/powerpoint/2010/main" val="1446986845"/>
               </p:ext>
             </p:extLst>
           </p:nvPr>
         </p:nvGraphicFramePr>
         <p:xfrm>
-          <a:off x="2222598" y="5370338"/>
+          <a:off x="2222598" y="5486400"/>
           <a:ext cx="7746804" cy="1371600"/>
         </p:xfrm>
         <a:graphic>
@@ -8439,7 +9389,7 @@
           <p:nvPr/>
         </p:nvPicPr>
         <p:blipFill rotWithShape="1">
-          <a:blip r:embed="rId2">
+          <a:blip r:embed="rId3">
             <a:extLst>
               <a:ext uri="{28A0092B-C50C-407E-A947-70E740481C1C}">
                 <a14:useLocalDpi xmlns:a14="http://schemas.microsoft.com/office/drawing/2010/main" val="0"/>

--- a/slides/01_softwareTutorial.pptx
+++ b/slides/01_softwareTutorial.pptx
@@ -212,7 +212,7 @@
           <a:p>
             <a:fld id="{CA6E81E7-F4C5-4048-8654-5723B2F7EB41}" type="datetimeFigureOut">
               <a:rPr lang="en-US" smtClean="0"/>
-              <a:t>3/19/2020</a:t>
+              <a:t>3/27/2020</a:t>
             </a:fld>
             <a:endParaRPr lang="en-US"/>
           </a:p>
@@ -1430,6 +1430,147 @@
               <a:t> index</a:t>
             </a:r>
           </a:p>
+          <a:p>
+            <a:pPr marL="0" marR="0" lvl="0" indent="0" algn="l" defTabSz="914400" rtl="0" eaLnBrk="1" fontAlgn="auto" latinLnBrk="0" hangingPunct="1">
+              <a:lnSpc>
+                <a:spcPct val="100000"/>
+              </a:lnSpc>
+              <a:spcBef>
+                <a:spcPts val="0"/>
+              </a:spcBef>
+              <a:spcAft>
+                <a:spcPts val="0"/>
+              </a:spcAft>
+              <a:buClrTx/>
+              <a:buSzTx/>
+              <a:buFontTx/>
+              <a:buNone/>
+              <a:tabLst/>
+              <a:defRPr/>
+            </a:pPr>
+            <a:r>
+              <a:rPr lang="en-US" sz="1200" dirty="0" err="1">
+                <a:solidFill>
+                  <a:srgbClr val="D4D4D4"/>
+                </a:solidFill>
+                <a:latin typeface="Consolas" panose="020B0609020204030204" pitchFamily="49" charset="0"/>
+              </a:rPr>
+              <a:t>x.iloc</a:t>
+            </a:r>
+            <a:r>
+              <a:rPr lang="en-US" sz="1200" dirty="0">
+                <a:solidFill>
+                  <a:srgbClr val="D4D4D4"/>
+                </a:solidFill>
+                <a:latin typeface="Consolas" panose="020B0609020204030204" pitchFamily="49" charset="0"/>
+              </a:rPr>
+              <a:t>[-1,:]</a:t>
+            </a:r>
+          </a:p>
+          <a:p>
+            <a:pPr marL="0" marR="0" lvl="0" indent="0" algn="l" defTabSz="914400" rtl="0" eaLnBrk="1" fontAlgn="auto" latinLnBrk="0" hangingPunct="1">
+              <a:lnSpc>
+                <a:spcPct val="100000"/>
+              </a:lnSpc>
+              <a:spcBef>
+                <a:spcPts val="0"/>
+              </a:spcBef>
+              <a:spcAft>
+                <a:spcPts val="0"/>
+              </a:spcAft>
+              <a:buClrTx/>
+              <a:buSzTx/>
+              <a:buFontTx/>
+              <a:buNone/>
+              <a:tabLst/>
+              <a:defRPr/>
+            </a:pPr>
+            <a:endParaRPr lang="en-US" sz="1200" dirty="0">
+              <a:solidFill>
+                <a:srgbClr val="D4D4D4"/>
+              </a:solidFill>
+              <a:latin typeface="Consolas" panose="020B0609020204030204" pitchFamily="49" charset="0"/>
+            </a:endParaRPr>
+          </a:p>
+          <a:p>
+            <a:pPr marL="0" marR="0" lvl="0" indent="0" algn="l" defTabSz="914400" rtl="0" eaLnBrk="1" fontAlgn="auto" latinLnBrk="0" hangingPunct="1">
+              <a:lnSpc>
+                <a:spcPct val="100000"/>
+              </a:lnSpc>
+              <a:spcBef>
+                <a:spcPts val="0"/>
+              </a:spcBef>
+              <a:spcAft>
+                <a:spcPts val="0"/>
+              </a:spcAft>
+              <a:buClrTx/>
+              <a:buSzTx/>
+              <a:buFontTx/>
+              <a:buNone/>
+              <a:tabLst/>
+              <a:defRPr/>
+            </a:pPr>
+            <a:r>
+              <a:rPr lang="en-US" sz="1200" dirty="0">
+                <a:solidFill>
+                  <a:srgbClr val="D4D4D4"/>
+                </a:solidFill>
+                <a:latin typeface="Consolas" panose="020B0609020204030204" pitchFamily="49" charset="0"/>
+              </a:rPr>
+              <a:t>Activity: Create a </a:t>
+            </a:r>
+            <a:r>
+              <a:rPr lang="en-US" sz="1200" dirty="0" err="1">
+                <a:solidFill>
+                  <a:srgbClr val="D4D4D4"/>
+                </a:solidFill>
+                <a:latin typeface="Consolas" panose="020B0609020204030204" pitchFamily="49" charset="0"/>
+              </a:rPr>
+              <a:t>pd.DataFrame</a:t>
+            </a:r>
+            <a:r>
+              <a:rPr lang="en-US" sz="1200" dirty="0">
+                <a:solidFill>
+                  <a:srgbClr val="D4D4D4"/>
+                </a:solidFill>
+                <a:latin typeface="Consolas" panose="020B0609020204030204" pitchFamily="49" charset="0"/>
+              </a:rPr>
+              <a:t> and slice using the approach </a:t>
+            </a:r>
+            <a:r>
+              <a:rPr lang="en-US" sz="1200" dirty="0" err="1">
+                <a:solidFill>
+                  <a:srgbClr val="D4D4D4"/>
+                </a:solidFill>
+                <a:latin typeface="Consolas" panose="020B0609020204030204" pitchFamily="49" charset="0"/>
+              </a:rPr>
+              <a:t>whe</a:t>
+            </a:r>
+            <a:r>
+              <a:rPr lang="en-US" sz="1200" dirty="0">
+                <a:solidFill>
+                  <a:srgbClr val="D4D4D4"/>
+                </a:solidFill>
+                <a:latin typeface="Consolas" panose="020B0609020204030204" pitchFamily="49" charset="0"/>
+              </a:rPr>
+              <a:t> </a:t>
+            </a:r>
+            <a:r>
+              <a:rPr lang="en-US" sz="1200">
+                <a:solidFill>
+                  <a:srgbClr val="D4D4D4"/>
+                </a:solidFill>
+                <a:latin typeface="Consolas" panose="020B0609020204030204" pitchFamily="49" charset="0"/>
+              </a:rPr>
+              <a:t>slicing text strings</a:t>
+            </a:r>
+            <a:endParaRPr lang="en-US" sz="1200" dirty="0">
+              <a:solidFill>
+                <a:srgbClr val="D4D4D4"/>
+              </a:solidFill>
+              <a:latin typeface="Consolas" panose="020B0609020204030204" pitchFamily="49" charset="0"/>
+            </a:endParaRPr>
+          </a:p>
         </p:txBody>
       </p:sp>
       <p:sp>
@@ -1854,7 +1995,7 @@
           <a:p>
             <a:fld id="{8FB8B4F4-5254-4862-9C13-0C9DD93BE148}" type="datetimeFigureOut">
               <a:rPr lang="en-US" smtClean="0"/>
-              <a:t>3/19/2020</a:t>
+              <a:t>3/27/2020</a:t>
             </a:fld>
             <a:endParaRPr lang="en-US"/>
           </a:p>
@@ -2052,7 +2193,7 @@
           <a:p>
             <a:fld id="{8FB8B4F4-5254-4862-9C13-0C9DD93BE148}" type="datetimeFigureOut">
               <a:rPr lang="en-US" smtClean="0"/>
-              <a:t>3/19/2020</a:t>
+              <a:t>3/27/2020</a:t>
             </a:fld>
             <a:endParaRPr lang="en-US"/>
           </a:p>
@@ -2260,7 +2401,7 @@
           <a:p>
             <a:fld id="{8FB8B4F4-5254-4862-9C13-0C9DD93BE148}" type="datetimeFigureOut">
               <a:rPr lang="en-US" smtClean="0"/>
-              <a:t>3/19/2020</a:t>
+              <a:t>3/27/2020</a:t>
             </a:fld>
             <a:endParaRPr lang="en-US"/>
           </a:p>
@@ -2458,7 +2599,7 @@
           <a:p>
             <a:fld id="{8FB8B4F4-5254-4862-9C13-0C9DD93BE148}" type="datetimeFigureOut">
               <a:rPr lang="en-US" smtClean="0"/>
-              <a:t>3/19/2020</a:t>
+              <a:t>3/27/2020</a:t>
             </a:fld>
             <a:endParaRPr lang="en-US"/>
           </a:p>
@@ -2733,7 +2874,7 @@
           <a:p>
             <a:fld id="{8FB8B4F4-5254-4862-9C13-0C9DD93BE148}" type="datetimeFigureOut">
               <a:rPr lang="en-US" smtClean="0"/>
-              <a:t>3/19/2020</a:t>
+              <a:t>3/27/2020</a:t>
             </a:fld>
             <a:endParaRPr lang="en-US"/>
           </a:p>
@@ -2998,7 +3139,7 @@
           <a:p>
             <a:fld id="{8FB8B4F4-5254-4862-9C13-0C9DD93BE148}" type="datetimeFigureOut">
               <a:rPr lang="en-US" smtClean="0"/>
-              <a:t>3/19/2020</a:t>
+              <a:t>3/27/2020</a:t>
             </a:fld>
             <a:endParaRPr lang="en-US"/>
           </a:p>
@@ -3410,7 +3551,7 @@
           <a:p>
             <a:fld id="{8FB8B4F4-5254-4862-9C13-0C9DD93BE148}" type="datetimeFigureOut">
               <a:rPr lang="en-US" smtClean="0"/>
-              <a:t>3/19/2020</a:t>
+              <a:t>3/27/2020</a:t>
             </a:fld>
             <a:endParaRPr lang="en-US"/>
           </a:p>
@@ -3551,7 +3692,7 @@
           <a:p>
             <a:fld id="{8FB8B4F4-5254-4862-9C13-0C9DD93BE148}" type="datetimeFigureOut">
               <a:rPr lang="en-US" smtClean="0"/>
-              <a:t>3/19/2020</a:t>
+              <a:t>3/27/2020</a:t>
             </a:fld>
             <a:endParaRPr lang="en-US"/>
           </a:p>
@@ -3664,7 +3805,7 @@
           <a:p>
             <a:fld id="{8FB8B4F4-5254-4862-9C13-0C9DD93BE148}" type="datetimeFigureOut">
               <a:rPr lang="en-US" smtClean="0"/>
-              <a:t>3/19/2020</a:t>
+              <a:t>3/27/2020</a:t>
             </a:fld>
             <a:endParaRPr lang="en-US"/>
           </a:p>
@@ -3975,7 +4116,7 @@
           <a:p>
             <a:fld id="{8FB8B4F4-5254-4862-9C13-0C9DD93BE148}" type="datetimeFigureOut">
               <a:rPr lang="en-US" smtClean="0"/>
-              <a:t>3/19/2020</a:t>
+              <a:t>3/27/2020</a:t>
             </a:fld>
             <a:endParaRPr lang="en-US"/>
           </a:p>
@@ -4263,7 +4404,7 @@
           <a:p>
             <a:fld id="{8FB8B4F4-5254-4862-9C13-0C9DD93BE148}" type="datetimeFigureOut">
               <a:rPr lang="en-US" smtClean="0"/>
-              <a:t>3/19/2020</a:t>
+              <a:t>3/27/2020</a:t>
             </a:fld>
             <a:endParaRPr lang="en-US"/>
           </a:p>
@@ -4504,7 +4645,7 @@
           <a:p>
             <a:fld id="{8FB8B4F4-5254-4862-9C13-0C9DD93BE148}" type="datetimeFigureOut">
               <a:rPr lang="en-US" smtClean="0"/>
-              <a:t>3/19/2020</a:t>
+              <a:t>3/27/2020</a:t>
             </a:fld>
             <a:endParaRPr lang="en-US"/>
           </a:p>
@@ -5928,7 +6069,7 @@
                 </a:solidFill>
                 <a:latin typeface="Consolas" panose="020B0609020204030204" pitchFamily="49" charset="0"/>
               </a:rPr>
-              <a:t>'y'</a:t>
+              <a:t>’b'</a:t>
             </a:r>
             <a:r>
               <a:rPr lang="en-US" sz="2400" dirty="0">

--- a/slides/01_softwareTutorial.pptx
+++ b/slides/01_softwareTutorial.pptx
@@ -5,7 +5,7 @@
     <p:sldMasterId id="2147483648" r:id="rId1"/>
   </p:sldMasterIdLst>
   <p:notesMasterIdLst>
-    <p:notesMasterId r:id="rId18"/>
+    <p:notesMasterId r:id="rId20"/>
   </p:notesMasterIdLst>
   <p:sldIdLst>
     <p:sldId id="256" r:id="rId2"/>
@@ -18,12 +18,14 @@
     <p:sldId id="265" r:id="rId9"/>
     <p:sldId id="269" r:id="rId10"/>
     <p:sldId id="266" r:id="rId11"/>
-    <p:sldId id="270" r:id="rId12"/>
-    <p:sldId id="264" r:id="rId13"/>
-    <p:sldId id="268" r:id="rId14"/>
-    <p:sldId id="261" r:id="rId15"/>
-    <p:sldId id="262" r:id="rId16"/>
-    <p:sldId id="271" r:id="rId17"/>
+    <p:sldId id="272" r:id="rId12"/>
+    <p:sldId id="273" r:id="rId13"/>
+    <p:sldId id="264" r:id="rId14"/>
+    <p:sldId id="268" r:id="rId15"/>
+    <p:sldId id="270" r:id="rId16"/>
+    <p:sldId id="261" r:id="rId17"/>
+    <p:sldId id="262" r:id="rId18"/>
+    <p:sldId id="271" r:id="rId19"/>
   </p:sldIdLst>
   <p:sldSz cx="12192000" cy="6858000"/>
   <p:notesSz cx="6858000" cy="9144000"/>
@@ -212,7 +214,7 @@
           <a:p>
             <a:fld id="{CA6E81E7-F4C5-4048-8654-5723B2F7EB41}" type="datetimeFigureOut">
               <a:rPr lang="en-US" smtClean="0"/>
-              <a:t>3/27/2020</a:t>
+              <a:t>4/21/2020</a:t>
             </a:fld>
             <a:endParaRPr lang="en-US"/>
           </a:p>
@@ -617,15 +619,12 @@
           <a:lstStyle/>
           <a:p>
             <a:r>
-              <a:rPr lang="en-US" dirty="0"/>
-              <a:t>Show snippets</a:t>
-            </a:r>
-          </a:p>
-          <a:p>
-            <a:r>
-              <a:rPr lang="en-US" dirty="0"/>
-              <a:t>Show how to access Zeal documentation for help</a:t>
-            </a:r>
+              <a:rPr lang="en-US" dirty="0">
+                <a:hlinkClick r:id="rId3"/>
+              </a:rPr>
+              <a:t>https://pbpython.com/pandas_dtypes.html</a:t>
+            </a:r>
+            <a:endParaRPr lang="en-US" dirty="0"/>
           </a:p>
         </p:txBody>
       </p:sp>
@@ -655,7 +654,7 @@
     </p:spTree>
     <p:extLst>
       <p:ext uri="{BB962C8B-B14F-4D97-AF65-F5344CB8AC3E}">
-        <p14:creationId xmlns:p14="http://schemas.microsoft.com/office/powerpoint/2010/main" val="2068651003"/>
+        <p14:creationId xmlns:p14="http://schemas.microsoft.com/office/powerpoint/2010/main" val="2316474949"/>
       </p:ext>
     </p:extLst>
   </p:cSld>
@@ -711,7 +710,15 @@
           <a:p>
             <a:r>
               <a:rPr lang="en-US" dirty="0"/>
-              <a:t>Due date = 2 classes forward</a:t>
+              <a:t>Show cells (</a:t>
+            </a:r>
+            <a:r>
+              <a:rPr lang="en-US" dirty="0" err="1"/>
+              <a:t>MarkDown</a:t>
+            </a:r>
+            <a:r>
+              <a:rPr lang="en-US" dirty="0"/>
+              <a:t> with equations and titles, Python Code and matplotlib plots)</a:t>
             </a:r>
           </a:p>
         </p:txBody>
@@ -734,6 +741,186 @@
             <a:fld id="{7677C2CC-2023-45DB-8917-C16B4F38B900}" type="slidenum">
               <a:rPr lang="en-US" smtClean="0"/>
               <a:t>16</a:t>
+            </a:fld>
+            <a:endParaRPr lang="en-US"/>
+          </a:p>
+        </p:txBody>
+      </p:sp>
+    </p:spTree>
+    <p:extLst>
+      <p:ext uri="{BB962C8B-B14F-4D97-AF65-F5344CB8AC3E}">
+        <p14:creationId xmlns:p14="http://schemas.microsoft.com/office/powerpoint/2010/main" val="2404942269"/>
+      </p:ext>
+    </p:extLst>
+  </p:cSld>
+  <p:clrMapOvr>
+    <a:masterClrMapping/>
+  </p:clrMapOvr>
+</p:notes>
+</file>
+
+<file path=ppt/notesSlides/notesSlide12.xml><?xml version="1.0" encoding="utf-8"?>
+<p:notes xmlns:a="http://schemas.openxmlformats.org/drawingml/2006/main" xmlns:r="http://schemas.openxmlformats.org/officeDocument/2006/relationships" xmlns:p="http://schemas.openxmlformats.org/presentationml/2006/main">
+  <p:cSld>
+    <p:spTree>
+      <p:nvGrpSpPr>
+        <p:cNvPr id="1" name=""/>
+        <p:cNvGrpSpPr/>
+        <p:nvPr/>
+      </p:nvGrpSpPr>
+      <p:grpSpPr>
+        <a:xfrm>
+          <a:off x="0" y="0"/>
+          <a:ext cx="0" cy="0"/>
+          <a:chOff x="0" y="0"/>
+          <a:chExt cx="0" cy="0"/>
+        </a:xfrm>
+      </p:grpSpPr>
+      <p:sp>
+        <p:nvSpPr>
+          <p:cNvPr id="2" name="Slide Image Placeholder 1"/>
+          <p:cNvSpPr>
+            <a:spLocks noGrp="1" noRot="1" noChangeAspect="1"/>
+          </p:cNvSpPr>
+          <p:nvPr>
+            <p:ph type="sldImg"/>
+          </p:nvPr>
+        </p:nvSpPr>
+        <p:spPr/>
+      </p:sp>
+      <p:sp>
+        <p:nvSpPr>
+          <p:cNvPr id="3" name="Notes Placeholder 2"/>
+          <p:cNvSpPr>
+            <a:spLocks noGrp="1"/>
+          </p:cNvSpPr>
+          <p:nvPr>
+            <p:ph type="body" idx="1"/>
+          </p:nvPr>
+        </p:nvSpPr>
+        <p:spPr/>
+        <p:txBody>
+          <a:bodyPr/>
+          <a:lstStyle/>
+          <a:p>
+            <a:r>
+              <a:rPr lang="en-US" dirty="0"/>
+              <a:t>Show snippets</a:t>
+            </a:r>
+          </a:p>
+          <a:p>
+            <a:r>
+              <a:rPr lang="en-US" dirty="0"/>
+              <a:t>Show how to access Zeal documentation for help</a:t>
+            </a:r>
+          </a:p>
+        </p:txBody>
+      </p:sp>
+      <p:sp>
+        <p:nvSpPr>
+          <p:cNvPr id="4" name="Slide Number Placeholder 3"/>
+          <p:cNvSpPr>
+            <a:spLocks noGrp="1"/>
+          </p:cNvSpPr>
+          <p:nvPr>
+            <p:ph type="sldNum" sz="quarter" idx="5"/>
+          </p:nvPr>
+        </p:nvSpPr>
+        <p:spPr/>
+        <p:txBody>
+          <a:bodyPr/>
+          <a:lstStyle/>
+          <a:p>
+            <a:fld id="{7677C2CC-2023-45DB-8917-C16B4F38B900}" type="slidenum">
+              <a:rPr lang="en-US" smtClean="0"/>
+              <a:t>17</a:t>
+            </a:fld>
+            <a:endParaRPr lang="en-US"/>
+          </a:p>
+        </p:txBody>
+      </p:sp>
+    </p:spTree>
+    <p:extLst>
+      <p:ext uri="{BB962C8B-B14F-4D97-AF65-F5344CB8AC3E}">
+        <p14:creationId xmlns:p14="http://schemas.microsoft.com/office/powerpoint/2010/main" val="2068651003"/>
+      </p:ext>
+    </p:extLst>
+  </p:cSld>
+  <p:clrMapOvr>
+    <a:masterClrMapping/>
+  </p:clrMapOvr>
+</p:notes>
+</file>
+
+<file path=ppt/notesSlides/notesSlide13.xml><?xml version="1.0" encoding="utf-8"?>
+<p:notes xmlns:a="http://schemas.openxmlformats.org/drawingml/2006/main" xmlns:r="http://schemas.openxmlformats.org/officeDocument/2006/relationships" xmlns:p="http://schemas.openxmlformats.org/presentationml/2006/main">
+  <p:cSld>
+    <p:spTree>
+      <p:nvGrpSpPr>
+        <p:cNvPr id="1" name=""/>
+        <p:cNvGrpSpPr/>
+        <p:nvPr/>
+      </p:nvGrpSpPr>
+      <p:grpSpPr>
+        <a:xfrm>
+          <a:off x="0" y="0"/>
+          <a:ext cx="0" cy="0"/>
+          <a:chOff x="0" y="0"/>
+          <a:chExt cx="0" cy="0"/>
+        </a:xfrm>
+      </p:grpSpPr>
+      <p:sp>
+        <p:nvSpPr>
+          <p:cNvPr id="2" name="Slide Image Placeholder 1"/>
+          <p:cNvSpPr>
+            <a:spLocks noGrp="1" noRot="1" noChangeAspect="1"/>
+          </p:cNvSpPr>
+          <p:nvPr>
+            <p:ph type="sldImg"/>
+          </p:nvPr>
+        </p:nvSpPr>
+        <p:spPr/>
+      </p:sp>
+      <p:sp>
+        <p:nvSpPr>
+          <p:cNvPr id="3" name="Notes Placeholder 2"/>
+          <p:cNvSpPr>
+            <a:spLocks noGrp="1"/>
+          </p:cNvSpPr>
+          <p:nvPr>
+            <p:ph type="body" idx="1"/>
+          </p:nvPr>
+        </p:nvSpPr>
+        <p:spPr/>
+        <p:txBody>
+          <a:bodyPr/>
+          <a:lstStyle/>
+          <a:p>
+            <a:r>
+              <a:rPr lang="en-US" dirty="0"/>
+              <a:t>Due date = 2 classes forward</a:t>
+            </a:r>
+          </a:p>
+        </p:txBody>
+      </p:sp>
+      <p:sp>
+        <p:nvSpPr>
+          <p:cNvPr id="4" name="Slide Number Placeholder 3"/>
+          <p:cNvSpPr>
+            <a:spLocks noGrp="1"/>
+          </p:cNvSpPr>
+          <p:nvPr>
+            <p:ph type="sldNum" sz="quarter" idx="5"/>
+          </p:nvPr>
+        </p:nvSpPr>
+        <p:spPr/>
+        <p:txBody>
+          <a:bodyPr/>
+          <a:lstStyle/>
+          <a:p>
+            <a:fld id="{7677C2CC-2023-45DB-8917-C16B4F38B900}" type="slidenum">
+              <a:rPr lang="en-US" smtClean="0"/>
+              <a:t>18</a:t>
             </a:fld>
             <a:endParaRPr lang="en-US"/>
           </a:p>
@@ -1269,12 +1456,9 @@
           <a:lstStyle/>
           <a:p>
             <a:r>
-              <a:rPr lang="en-US" dirty="0">
-                <a:hlinkClick r:id="rId3"/>
-              </a:rPr>
-              <a:t>https://pbpython.com/pandas_dtypes.html</a:t>
-            </a:r>
-            <a:endParaRPr lang="en-US" dirty="0"/>
+              <a:rPr lang="en-US" dirty="0"/>
+              <a:t>3D arrays examples: RGB images</a:t>
+            </a:r>
           </a:p>
         </p:txBody>
       </p:sp>
@@ -1304,7 +1488,7 @@
     </p:spTree>
     <p:extLst>
       <p:ext uri="{BB962C8B-B14F-4D97-AF65-F5344CB8AC3E}">
-        <p14:creationId xmlns:p14="http://schemas.microsoft.com/office/powerpoint/2010/main" val="2316474949"/>
+        <p14:creationId xmlns:p14="http://schemas.microsoft.com/office/powerpoint/2010/main" val="1688557030"/>
       </p:ext>
     </p:extLst>
   </p:cSld>
@@ -1376,58 +1560,8 @@
               <a:defRPr/>
             </a:pPr>
             <a:r>
-              <a:rPr lang="en-US" sz="1200" dirty="0" err="1">
-                <a:solidFill>
-                  <a:srgbClr val="D4D4D4"/>
-                </a:solidFill>
-                <a:latin typeface="Consolas" panose="020B0609020204030204" pitchFamily="49" charset="0"/>
-              </a:rPr>
-              <a:t>x.loc</a:t>
-            </a:r>
-            <a:r>
-              <a:rPr lang="en-US" sz="1200" dirty="0">
-                <a:solidFill>
-                  <a:srgbClr val="D4D4D4"/>
-                </a:solidFill>
-                <a:latin typeface="Consolas" panose="020B0609020204030204" pitchFamily="49" charset="0"/>
-              </a:rPr>
-              <a:t>[</a:t>
-            </a:r>
-            <a:r>
-              <a:rPr lang="en-US" sz="1200" dirty="0">
-                <a:solidFill>
-                  <a:srgbClr val="B5CEA8"/>
-                </a:solidFill>
-                <a:latin typeface="Consolas" panose="020B0609020204030204" pitchFamily="49" charset="0"/>
-              </a:rPr>
-              <a:t>1</a:t>
-            </a:r>
-            <a:r>
-              <a:rPr lang="en-US" sz="1200" dirty="0">
-                <a:solidFill>
-                  <a:srgbClr val="D4D4D4"/>
-                </a:solidFill>
-                <a:latin typeface="Consolas" panose="020B0609020204030204" pitchFamily="49" charset="0"/>
-              </a:rPr>
-              <a:t>,] should be an error since 1 is not an element in the </a:t>
-            </a:r>
-            <a:r>
-              <a:rPr lang="en-US" sz="1200" dirty="0" err="1">
-                <a:solidFill>
-                  <a:srgbClr val="D4D4D4"/>
-                </a:solidFill>
-                <a:latin typeface="Consolas" panose="020B0609020204030204" pitchFamily="49" charset="0"/>
-              </a:rPr>
-              <a:t>DataFrame</a:t>
-            </a:r>
-            <a:r>
-              <a:rPr lang="en-US" sz="1200" dirty="0">
-                <a:solidFill>
-                  <a:srgbClr val="D4D4D4"/>
-                </a:solidFill>
-                <a:latin typeface="Consolas" panose="020B0609020204030204" pitchFamily="49" charset="0"/>
-              </a:rPr>
-              <a:t> index</a:t>
+              <a:rPr lang="en-US" dirty="0"/>
+              <a:t>Practice</a:t>
             </a:r>
           </a:p>
           <a:p>
@@ -1449,23 +1583,90 @@
               <a:defRPr/>
             </a:pPr>
             <a:r>
-              <a:rPr lang="en-US" sz="1200" dirty="0" err="1">
-                <a:solidFill>
-                  <a:srgbClr val="D4D4D4"/>
-                </a:solidFill>
-                <a:latin typeface="Consolas" panose="020B0609020204030204" pitchFamily="49" charset="0"/>
-              </a:rPr>
-              <a:t>x.iloc</a:t>
-            </a:r>
-            <a:r>
-              <a:rPr lang="en-US" sz="1200" dirty="0">
-                <a:solidFill>
-                  <a:srgbClr val="D4D4D4"/>
-                </a:solidFill>
-                <a:latin typeface="Consolas" panose="020B0609020204030204" pitchFamily="49" charset="0"/>
-              </a:rPr>
-              <a:t>[-1,:]</a:t>
-            </a:r>
+              <a:rPr lang="en-US" sz="1200" b="0" kern="1200" dirty="0">
+                <a:solidFill>
+                  <a:schemeClr val="tx1"/>
+                </a:solidFill>
+                <a:effectLst/>
+                <a:latin typeface="+mn-lt"/>
+                <a:ea typeface="+mn-ea"/>
+                <a:cs typeface="+mn-cs"/>
+              </a:rPr>
+              <a:t>     from </a:t>
+            </a:r>
+            <a:r>
+              <a:rPr lang="en-US" sz="1200" b="0" kern="1200" dirty="0" err="1">
+                <a:solidFill>
+                  <a:schemeClr val="tx1"/>
+                </a:solidFill>
+                <a:effectLst/>
+                <a:latin typeface="+mn-lt"/>
+                <a:ea typeface="+mn-ea"/>
+                <a:cs typeface="+mn-cs"/>
+              </a:rPr>
+              <a:t>matplotlib.image</a:t>
+            </a:r>
+            <a:r>
+              <a:rPr lang="en-US" sz="1200" b="0" kern="1200" dirty="0">
+                <a:solidFill>
+                  <a:schemeClr val="tx1"/>
+                </a:solidFill>
+                <a:effectLst/>
+                <a:latin typeface="+mn-lt"/>
+                <a:ea typeface="+mn-ea"/>
+                <a:cs typeface="+mn-cs"/>
+              </a:rPr>
+              <a:t> import </a:t>
+            </a:r>
+            <a:r>
+              <a:rPr lang="en-US" sz="1200" b="0" kern="1200" dirty="0" err="1">
+                <a:solidFill>
+                  <a:schemeClr val="tx1"/>
+                </a:solidFill>
+                <a:effectLst/>
+                <a:latin typeface="+mn-lt"/>
+                <a:ea typeface="+mn-ea"/>
+                <a:cs typeface="+mn-cs"/>
+              </a:rPr>
+              <a:t>imread</a:t>
+            </a:r>
+            <a:r>
+              <a:rPr lang="en-US" sz="1200" b="0" kern="1200" dirty="0">
+                <a:solidFill>
+                  <a:schemeClr val="tx1"/>
+                </a:solidFill>
+                <a:effectLst/>
+                <a:latin typeface="+mn-lt"/>
+                <a:ea typeface="+mn-ea"/>
+                <a:cs typeface="+mn-cs"/>
+              </a:rPr>
+              <a:t> # you could also use `</a:t>
+            </a:r>
+            <a:r>
+              <a:rPr lang="en-US" sz="1200" b="0" kern="1200" dirty="0" err="1">
+                <a:solidFill>
+                  <a:schemeClr val="tx1"/>
+                </a:solidFill>
+                <a:effectLst/>
+                <a:latin typeface="+mn-lt"/>
+                <a:ea typeface="+mn-ea"/>
+                <a:cs typeface="+mn-cs"/>
+              </a:rPr>
+              <a:t>imageio.imread</a:t>
+            </a:r>
+            <a:r>
+              <a:rPr lang="en-US" sz="1200" b="0" kern="1200" dirty="0">
+                <a:solidFill>
+                  <a:schemeClr val="tx1"/>
+                </a:solidFill>
+                <a:effectLst/>
+                <a:latin typeface="+mn-lt"/>
+                <a:ea typeface="+mn-ea"/>
+                <a:cs typeface="+mn-cs"/>
+              </a:rPr>
+              <a:t>()`</a:t>
+            </a:r>
+            <a:endParaRPr lang="en-US" dirty="0"/>
           </a:p>
           <a:p>
             <a:pPr marL="0" marR="0" lvl="0" indent="0" algn="l" defTabSz="914400" rtl="0" eaLnBrk="1" fontAlgn="auto" latinLnBrk="0" hangingPunct="1">
@@ -1485,91 +1686,38 @@
               <a:tabLst/>
               <a:defRPr/>
             </a:pPr>
-            <a:endParaRPr lang="en-US" sz="1200" dirty="0">
-              <a:solidFill>
-                <a:srgbClr val="D4D4D4"/>
-              </a:solidFill>
-              <a:latin typeface="Consolas" panose="020B0609020204030204" pitchFamily="49" charset="0"/>
-            </a:endParaRPr>
-          </a:p>
-          <a:p>
-            <a:pPr marL="0" marR="0" lvl="0" indent="0" algn="l" defTabSz="914400" rtl="0" eaLnBrk="1" fontAlgn="auto" latinLnBrk="0" hangingPunct="1">
-              <a:lnSpc>
-                <a:spcPct val="100000"/>
-              </a:lnSpc>
-              <a:spcBef>
-                <a:spcPts val="0"/>
-              </a:spcBef>
-              <a:spcAft>
-                <a:spcPts val="0"/>
-              </a:spcAft>
-              <a:buClrTx/>
-              <a:buSzTx/>
-              <a:buFontTx/>
-              <a:buNone/>
-              <a:tabLst/>
-              <a:defRPr/>
-            </a:pPr>
-            <a:r>
-              <a:rPr lang="en-US" sz="1200" dirty="0">
-                <a:solidFill>
-                  <a:srgbClr val="D4D4D4"/>
-                </a:solidFill>
-                <a:latin typeface="Consolas" panose="020B0609020204030204" pitchFamily="49" charset="0"/>
-              </a:rPr>
-              <a:t>Activity: Create a </a:t>
-            </a:r>
-            <a:r>
-              <a:rPr lang="en-US" sz="1200" dirty="0" err="1">
-                <a:solidFill>
-                  <a:srgbClr val="D4D4D4"/>
-                </a:solidFill>
-                <a:latin typeface="Consolas" panose="020B0609020204030204" pitchFamily="49" charset="0"/>
-              </a:rPr>
-              <a:t>pd.DataFrame</a:t>
-            </a:r>
-            <a:r>
-              <a:rPr lang="en-US" sz="1200" dirty="0">
-                <a:solidFill>
-                  <a:srgbClr val="D4D4D4"/>
-                </a:solidFill>
-                <a:latin typeface="Consolas" panose="020B0609020204030204" pitchFamily="49" charset="0"/>
-              </a:rPr>
-              <a:t> and slice using the approach </a:t>
-            </a:r>
-            <a:r>
-              <a:rPr lang="en-US" sz="1200" dirty="0" err="1">
-                <a:solidFill>
-                  <a:srgbClr val="D4D4D4"/>
-                </a:solidFill>
-                <a:latin typeface="Consolas" panose="020B0609020204030204" pitchFamily="49" charset="0"/>
-              </a:rPr>
-              <a:t>whe</a:t>
-            </a:r>
-            <a:r>
-              <a:rPr lang="en-US" sz="1200" dirty="0">
-                <a:solidFill>
-                  <a:srgbClr val="D4D4D4"/>
-                </a:solidFill>
-                <a:latin typeface="Consolas" panose="020B0609020204030204" pitchFamily="49" charset="0"/>
-              </a:rPr>
-              <a:t> </a:t>
-            </a:r>
-            <a:r>
-              <a:rPr lang="en-US" sz="1200">
-                <a:solidFill>
-                  <a:srgbClr val="D4D4D4"/>
-                </a:solidFill>
-                <a:latin typeface="Consolas" panose="020B0609020204030204" pitchFamily="49" charset="0"/>
-              </a:rPr>
-              <a:t>slicing text strings</a:t>
-            </a:r>
-            <a:endParaRPr lang="en-US" sz="1200" dirty="0">
-              <a:solidFill>
-                <a:srgbClr val="D4D4D4"/>
-              </a:solidFill>
-              <a:latin typeface="Consolas" panose="020B0609020204030204" pitchFamily="49" charset="0"/>
-            </a:endParaRPr>
+            <a:r>
+              <a:rPr lang="en-US" dirty="0"/>
+              <a:t>     Draw Mario in this picture in </a:t>
+            </a:r>
+            <a:r>
+              <a:rPr lang="en-US" dirty="0" err="1"/>
+              <a:t>matplotlib.pyplot.</a:t>
+            </a:r>
+            <a:r>
+              <a:rPr lang="en-US" sz="1200" b="0" kern="1200" dirty="0" err="1">
+                <a:solidFill>
+                  <a:schemeClr val="tx1"/>
+                </a:solidFill>
+                <a:effectLst/>
+                <a:latin typeface="+mn-lt"/>
+                <a:ea typeface="+mn-ea"/>
+                <a:cs typeface="+mn-cs"/>
+              </a:rPr>
+              <a:t>imshow</a:t>
+            </a:r>
+            <a:r>
+              <a:rPr lang="en-US" sz="1200" b="0" kern="1200" dirty="0">
+                <a:solidFill>
+                  <a:schemeClr val="tx1"/>
+                </a:solidFill>
+                <a:effectLst/>
+                <a:latin typeface="+mn-lt"/>
+                <a:ea typeface="+mn-ea"/>
+                <a:cs typeface="+mn-cs"/>
+              </a:rPr>
+              <a:t>()</a:t>
+            </a:r>
           </a:p>
         </p:txBody>
       </p:sp>
@@ -1599,7 +1747,7 @@
     </p:spTree>
     <p:extLst>
       <p:ext uri="{BB962C8B-B14F-4D97-AF65-F5344CB8AC3E}">
-        <p14:creationId xmlns:p14="http://schemas.microsoft.com/office/powerpoint/2010/main" val="1252550539"/>
+        <p14:creationId xmlns:p14="http://schemas.microsoft.com/office/powerpoint/2010/main" val="411609990"/>
       </p:ext>
     </p:extLst>
   </p:cSld>
@@ -1653,67 +1801,218 @@
           <a:bodyPr/>
           <a:lstStyle/>
           <a:p>
-            <a:r>
-              <a:rPr lang="en-US" dirty="0">
-                <a:hlinkClick r:id="rId3"/>
-              </a:rPr>
-              <a:t>https://pandas.pydata.org/Pandas_Cheat_Sheet.pdf</a:t>
-            </a:r>
-            <a:endParaRPr lang="en-US" dirty="0"/>
-          </a:p>
-          <a:p>
-            <a:endParaRPr lang="en-US" b="1" dirty="0"/>
-          </a:p>
-          <a:p>
-            <a:r>
-              <a:rPr lang="en-US" b="1" dirty="0"/>
-              <a:t>Method chaining:</a:t>
-            </a:r>
-          </a:p>
-          <a:p>
-            <a:r>
-              <a:rPr lang="en-US" b="1" dirty="0" err="1"/>
-              <a:t>Pd.melt</a:t>
-            </a:r>
-            <a:r>
-              <a:rPr lang="en-US" b="1" dirty="0"/>
-              <a:t>(df).rename().</a:t>
-            </a:r>
-            <a:r>
-              <a:rPr lang="en-US" b="1" dirty="0" err="1"/>
-              <a:t>astype</a:t>
-            </a:r>
-            <a:r>
-              <a:rPr lang="en-US" b="1" dirty="0"/>
-              <a:t>()</a:t>
-            </a:r>
-          </a:p>
-          <a:p>
-            <a:endParaRPr lang="en-US" b="1" dirty="0"/>
-          </a:p>
-          <a:p>
-            <a:r>
-              <a:rPr lang="en-US" b="1" dirty="0"/>
-              <a:t>Show how to see the full documentation using Zeal </a:t>
-            </a:r>
-            <a:r>
-              <a:rPr lang="en-US" b="1" dirty="0" err="1"/>
-              <a:t>VSCode</a:t>
-            </a:r>
-            <a:r>
-              <a:rPr lang="en-US" b="1" dirty="0"/>
-              <a:t> extension, for instance</a:t>
-            </a:r>
-          </a:p>
-          <a:p>
-            <a:r>
-              <a:rPr lang="en-US" b="1" dirty="0" err="1"/>
-              <a:t>pd.melt</a:t>
-            </a:r>
-            <a:r>
-              <a:rPr lang="en-US" b="1" dirty="0"/>
-              <a:t>()</a:t>
-            </a:r>
+            <a:pPr marL="0" marR="0" lvl="0" indent="0" algn="l" defTabSz="914400" rtl="0" eaLnBrk="1" fontAlgn="auto" latinLnBrk="0" hangingPunct="1">
+              <a:lnSpc>
+                <a:spcPct val="100000"/>
+              </a:lnSpc>
+              <a:spcBef>
+                <a:spcPts val="0"/>
+              </a:spcBef>
+              <a:spcAft>
+                <a:spcPts val="0"/>
+              </a:spcAft>
+              <a:buClrTx/>
+              <a:buSzTx/>
+              <a:buFontTx/>
+              <a:buNone/>
+              <a:tabLst/>
+              <a:defRPr/>
+            </a:pPr>
+            <a:r>
+              <a:rPr lang="en-US" sz="1200" dirty="0" err="1">
+                <a:solidFill>
+                  <a:srgbClr val="D4D4D4"/>
+                </a:solidFill>
+                <a:latin typeface="Consolas" panose="020B0609020204030204" pitchFamily="49" charset="0"/>
+              </a:rPr>
+              <a:t>x.loc</a:t>
+            </a:r>
+            <a:r>
+              <a:rPr lang="en-US" sz="1200" dirty="0">
+                <a:solidFill>
+                  <a:srgbClr val="D4D4D4"/>
+                </a:solidFill>
+                <a:latin typeface="Consolas" panose="020B0609020204030204" pitchFamily="49" charset="0"/>
+              </a:rPr>
+              <a:t>[</a:t>
+            </a:r>
+            <a:r>
+              <a:rPr lang="en-US" sz="1200" dirty="0">
+                <a:solidFill>
+                  <a:srgbClr val="B5CEA8"/>
+                </a:solidFill>
+                <a:latin typeface="Consolas" panose="020B0609020204030204" pitchFamily="49" charset="0"/>
+              </a:rPr>
+              <a:t>1</a:t>
+            </a:r>
+            <a:r>
+              <a:rPr lang="en-US" sz="1200" dirty="0">
+                <a:solidFill>
+                  <a:srgbClr val="D4D4D4"/>
+                </a:solidFill>
+                <a:latin typeface="Consolas" panose="020B0609020204030204" pitchFamily="49" charset="0"/>
+              </a:rPr>
+              <a:t>,] should be an error since 1 is not an element in the </a:t>
+            </a:r>
+            <a:r>
+              <a:rPr lang="en-US" sz="1200" dirty="0" err="1">
+                <a:solidFill>
+                  <a:srgbClr val="D4D4D4"/>
+                </a:solidFill>
+                <a:latin typeface="Consolas" panose="020B0609020204030204" pitchFamily="49" charset="0"/>
+              </a:rPr>
+              <a:t>DataFrame</a:t>
+            </a:r>
+            <a:r>
+              <a:rPr lang="en-US" sz="1200" dirty="0">
+                <a:solidFill>
+                  <a:srgbClr val="D4D4D4"/>
+                </a:solidFill>
+                <a:latin typeface="Consolas" panose="020B0609020204030204" pitchFamily="49" charset="0"/>
+              </a:rPr>
+              <a:t> index</a:t>
+            </a:r>
+          </a:p>
+          <a:p>
+            <a:pPr marL="0" marR="0" lvl="0" indent="0" algn="l" defTabSz="914400" rtl="0" eaLnBrk="1" fontAlgn="auto" latinLnBrk="0" hangingPunct="1">
+              <a:lnSpc>
+                <a:spcPct val="100000"/>
+              </a:lnSpc>
+              <a:spcBef>
+                <a:spcPts val="0"/>
+              </a:spcBef>
+              <a:spcAft>
+                <a:spcPts val="0"/>
+              </a:spcAft>
+              <a:buClrTx/>
+              <a:buSzTx/>
+              <a:buFontTx/>
+              <a:buNone/>
+              <a:tabLst/>
+              <a:defRPr/>
+            </a:pPr>
+            <a:r>
+              <a:rPr lang="en-US" sz="1200" dirty="0" err="1">
+                <a:solidFill>
+                  <a:srgbClr val="D4D4D4"/>
+                </a:solidFill>
+                <a:latin typeface="Consolas" panose="020B0609020204030204" pitchFamily="49" charset="0"/>
+              </a:rPr>
+              <a:t>x.iloc</a:t>
+            </a:r>
+            <a:r>
+              <a:rPr lang="en-US" sz="1200" dirty="0">
+                <a:solidFill>
+                  <a:srgbClr val="D4D4D4"/>
+                </a:solidFill>
+                <a:latin typeface="Consolas" panose="020B0609020204030204" pitchFamily="49" charset="0"/>
+              </a:rPr>
+              <a:t>[-1,:]</a:t>
+            </a:r>
+          </a:p>
+          <a:p>
+            <a:pPr marL="0" marR="0" lvl="0" indent="0" algn="l" defTabSz="914400" rtl="0" eaLnBrk="1" fontAlgn="auto" latinLnBrk="0" hangingPunct="1">
+              <a:lnSpc>
+                <a:spcPct val="100000"/>
+              </a:lnSpc>
+              <a:spcBef>
+                <a:spcPts val="0"/>
+              </a:spcBef>
+              <a:spcAft>
+                <a:spcPts val="0"/>
+              </a:spcAft>
+              <a:buClrTx/>
+              <a:buSzTx/>
+              <a:buFontTx/>
+              <a:buNone/>
+              <a:tabLst/>
+              <a:defRPr/>
+            </a:pPr>
+            <a:endParaRPr lang="en-US" sz="1200" dirty="0">
+              <a:solidFill>
+                <a:srgbClr val="D4D4D4"/>
+              </a:solidFill>
+              <a:latin typeface="Consolas" panose="020B0609020204030204" pitchFamily="49" charset="0"/>
+            </a:endParaRPr>
+          </a:p>
+          <a:p>
+            <a:pPr marL="0" marR="0" lvl="0" indent="0" algn="l" defTabSz="914400" rtl="0" eaLnBrk="1" fontAlgn="auto" latinLnBrk="0" hangingPunct="1">
+              <a:lnSpc>
+                <a:spcPct val="100000"/>
+              </a:lnSpc>
+              <a:spcBef>
+                <a:spcPts val="0"/>
+              </a:spcBef>
+              <a:spcAft>
+                <a:spcPts val="0"/>
+              </a:spcAft>
+              <a:buClrTx/>
+              <a:buSzTx/>
+              <a:buFontTx/>
+              <a:buNone/>
+              <a:tabLst/>
+              <a:defRPr/>
+            </a:pPr>
+            <a:r>
+              <a:rPr lang="en-US" sz="1200" dirty="0">
+                <a:solidFill>
+                  <a:srgbClr val="D4D4D4"/>
+                </a:solidFill>
+                <a:latin typeface="Consolas" panose="020B0609020204030204" pitchFamily="49" charset="0"/>
+              </a:rPr>
+              <a:t>Activity: Create a </a:t>
+            </a:r>
+            <a:r>
+              <a:rPr lang="en-US" sz="1200" dirty="0" err="1">
+                <a:solidFill>
+                  <a:srgbClr val="D4D4D4"/>
+                </a:solidFill>
+                <a:latin typeface="Consolas" panose="020B0609020204030204" pitchFamily="49" charset="0"/>
+              </a:rPr>
+              <a:t>pd.DataFrame</a:t>
+            </a:r>
+            <a:r>
+              <a:rPr lang="en-US" sz="1200" dirty="0">
+                <a:solidFill>
+                  <a:srgbClr val="D4D4D4"/>
+                </a:solidFill>
+                <a:latin typeface="Consolas" panose="020B0609020204030204" pitchFamily="49" charset="0"/>
+              </a:rPr>
+              <a:t> and slice using the approach </a:t>
+            </a:r>
+            <a:r>
+              <a:rPr lang="en-US" sz="1200" dirty="0" err="1">
+                <a:solidFill>
+                  <a:srgbClr val="D4D4D4"/>
+                </a:solidFill>
+                <a:latin typeface="Consolas" panose="020B0609020204030204" pitchFamily="49" charset="0"/>
+              </a:rPr>
+              <a:t>whe</a:t>
+            </a:r>
+            <a:r>
+              <a:rPr lang="en-US" sz="1200" dirty="0">
+                <a:solidFill>
+                  <a:srgbClr val="D4D4D4"/>
+                </a:solidFill>
+                <a:latin typeface="Consolas" panose="020B0609020204030204" pitchFamily="49" charset="0"/>
+              </a:rPr>
+              <a:t> </a:t>
+            </a:r>
+            <a:r>
+              <a:rPr lang="en-US" sz="1200">
+                <a:solidFill>
+                  <a:srgbClr val="D4D4D4"/>
+                </a:solidFill>
+                <a:latin typeface="Consolas" panose="020B0609020204030204" pitchFamily="49" charset="0"/>
+              </a:rPr>
+              <a:t>slicing text strings</a:t>
+            </a:r>
+            <a:endParaRPr lang="en-US" sz="1200" dirty="0">
+              <a:solidFill>
+                <a:srgbClr val="D4D4D4"/>
+              </a:solidFill>
+              <a:latin typeface="Consolas" panose="020B0609020204030204" pitchFamily="49" charset="0"/>
+            </a:endParaRPr>
           </a:p>
         </p:txBody>
       </p:sp>
@@ -1743,7 +2042,7 @@
     </p:spTree>
     <p:extLst>
       <p:ext uri="{BB962C8B-B14F-4D97-AF65-F5344CB8AC3E}">
-        <p14:creationId xmlns:p14="http://schemas.microsoft.com/office/powerpoint/2010/main" val="2064722079"/>
+        <p14:creationId xmlns:p14="http://schemas.microsoft.com/office/powerpoint/2010/main" val="1252550539"/>
       </p:ext>
     </p:extLst>
   </p:cSld>
@@ -1798,16 +2097,65 @@
           <a:lstStyle/>
           <a:p>
             <a:r>
-              <a:rPr lang="en-US" dirty="0"/>
-              <a:t>Show cells (</a:t>
-            </a:r>
-            <a:r>
-              <a:rPr lang="en-US" dirty="0" err="1"/>
-              <a:t>MarkDown</a:t>
-            </a:r>
-            <a:r>
-              <a:rPr lang="en-US" dirty="0"/>
-              <a:t> with equations and titles, Python Code and matplotlib plots)</a:t>
+              <a:rPr lang="en-US" dirty="0">
+                <a:hlinkClick r:id="rId3"/>
+              </a:rPr>
+              <a:t>https://pandas.pydata.org/Pandas_Cheat_Sheet.pdf</a:t>
+            </a:r>
+            <a:endParaRPr lang="en-US" dirty="0"/>
+          </a:p>
+          <a:p>
+            <a:endParaRPr lang="en-US" b="1" dirty="0"/>
+          </a:p>
+          <a:p>
+            <a:r>
+              <a:rPr lang="en-US" b="1" dirty="0"/>
+              <a:t>Method chaining:</a:t>
+            </a:r>
+          </a:p>
+          <a:p>
+            <a:r>
+              <a:rPr lang="en-US" b="1" dirty="0" err="1"/>
+              <a:t>Pd.melt</a:t>
+            </a:r>
+            <a:r>
+              <a:rPr lang="en-US" b="1" dirty="0"/>
+              <a:t>(df).rename().</a:t>
+            </a:r>
+            <a:r>
+              <a:rPr lang="en-US" b="1" dirty="0" err="1"/>
+              <a:t>astype</a:t>
+            </a:r>
+            <a:r>
+              <a:rPr lang="en-US" b="1" dirty="0"/>
+              <a:t>()</a:t>
+            </a:r>
+          </a:p>
+          <a:p>
+            <a:endParaRPr lang="en-US" b="1" dirty="0"/>
+          </a:p>
+          <a:p>
+            <a:r>
+              <a:rPr lang="en-US" b="1" dirty="0"/>
+              <a:t>Show how to see the full documentation using Zeal </a:t>
+            </a:r>
+            <a:r>
+              <a:rPr lang="en-US" b="1" dirty="0" err="1"/>
+              <a:t>VSCode</a:t>
+            </a:r>
+            <a:r>
+              <a:rPr lang="en-US" b="1" dirty="0"/>
+              <a:t> extension, for instance</a:t>
+            </a:r>
+          </a:p>
+          <a:p>
+            <a:r>
+              <a:rPr lang="en-US" b="1" dirty="0" err="1"/>
+              <a:t>pd.melt</a:t>
+            </a:r>
+            <a:r>
+              <a:rPr lang="en-US" b="1" dirty="0"/>
+              <a:t>()</a:t>
             </a:r>
           </a:p>
         </p:txBody>
@@ -1838,7 +2186,7 @@
     </p:spTree>
     <p:extLst>
       <p:ext uri="{BB962C8B-B14F-4D97-AF65-F5344CB8AC3E}">
-        <p14:creationId xmlns:p14="http://schemas.microsoft.com/office/powerpoint/2010/main" val="2404942269"/>
+        <p14:creationId xmlns:p14="http://schemas.microsoft.com/office/powerpoint/2010/main" val="2064722079"/>
       </p:ext>
     </p:extLst>
   </p:cSld>
@@ -1995,7 +2343,7 @@
           <a:p>
             <a:fld id="{8FB8B4F4-5254-4862-9C13-0C9DD93BE148}" type="datetimeFigureOut">
               <a:rPr lang="en-US" smtClean="0"/>
-              <a:t>3/27/2020</a:t>
+              <a:t>4/21/2020</a:t>
             </a:fld>
             <a:endParaRPr lang="en-US"/>
           </a:p>
@@ -2193,7 +2541,7 @@
           <a:p>
             <a:fld id="{8FB8B4F4-5254-4862-9C13-0C9DD93BE148}" type="datetimeFigureOut">
               <a:rPr lang="en-US" smtClean="0"/>
-              <a:t>3/27/2020</a:t>
+              <a:t>4/21/2020</a:t>
             </a:fld>
             <a:endParaRPr lang="en-US"/>
           </a:p>
@@ -2401,7 +2749,7 @@
           <a:p>
             <a:fld id="{8FB8B4F4-5254-4862-9C13-0C9DD93BE148}" type="datetimeFigureOut">
               <a:rPr lang="en-US" smtClean="0"/>
-              <a:t>3/27/2020</a:t>
+              <a:t>4/21/2020</a:t>
             </a:fld>
             <a:endParaRPr lang="en-US"/>
           </a:p>
@@ -2599,7 +2947,7 @@
           <a:p>
             <a:fld id="{8FB8B4F4-5254-4862-9C13-0C9DD93BE148}" type="datetimeFigureOut">
               <a:rPr lang="en-US" smtClean="0"/>
-              <a:t>3/27/2020</a:t>
+              <a:t>4/21/2020</a:t>
             </a:fld>
             <a:endParaRPr lang="en-US"/>
           </a:p>
@@ -2874,7 +3222,7 @@
           <a:p>
             <a:fld id="{8FB8B4F4-5254-4862-9C13-0C9DD93BE148}" type="datetimeFigureOut">
               <a:rPr lang="en-US" smtClean="0"/>
-              <a:t>3/27/2020</a:t>
+              <a:t>4/21/2020</a:t>
             </a:fld>
             <a:endParaRPr lang="en-US"/>
           </a:p>
@@ -3139,7 +3487,7 @@
           <a:p>
             <a:fld id="{8FB8B4F4-5254-4862-9C13-0C9DD93BE148}" type="datetimeFigureOut">
               <a:rPr lang="en-US" smtClean="0"/>
-              <a:t>3/27/2020</a:t>
+              <a:t>4/21/2020</a:t>
             </a:fld>
             <a:endParaRPr lang="en-US"/>
           </a:p>
@@ -3551,7 +3899,7 @@
           <a:p>
             <a:fld id="{8FB8B4F4-5254-4862-9C13-0C9DD93BE148}" type="datetimeFigureOut">
               <a:rPr lang="en-US" smtClean="0"/>
-              <a:t>3/27/2020</a:t>
+              <a:t>4/21/2020</a:t>
             </a:fld>
             <a:endParaRPr lang="en-US"/>
           </a:p>
@@ -3692,7 +4040,7 @@
           <a:p>
             <a:fld id="{8FB8B4F4-5254-4862-9C13-0C9DD93BE148}" type="datetimeFigureOut">
               <a:rPr lang="en-US" smtClean="0"/>
-              <a:t>3/27/2020</a:t>
+              <a:t>4/21/2020</a:t>
             </a:fld>
             <a:endParaRPr lang="en-US"/>
           </a:p>
@@ -3805,7 +4153,7 @@
           <a:p>
             <a:fld id="{8FB8B4F4-5254-4862-9C13-0C9DD93BE148}" type="datetimeFigureOut">
               <a:rPr lang="en-US" smtClean="0"/>
-              <a:t>3/27/2020</a:t>
+              <a:t>4/21/2020</a:t>
             </a:fld>
             <a:endParaRPr lang="en-US"/>
           </a:p>
@@ -4116,7 +4464,7 @@
           <a:p>
             <a:fld id="{8FB8B4F4-5254-4862-9C13-0C9DD93BE148}" type="datetimeFigureOut">
               <a:rPr lang="en-US" smtClean="0"/>
-              <a:t>3/27/2020</a:t>
+              <a:t>4/21/2020</a:t>
             </a:fld>
             <a:endParaRPr lang="en-US"/>
           </a:p>
@@ -4404,7 +4752,7 @@
           <a:p>
             <a:fld id="{8FB8B4F4-5254-4862-9C13-0C9DD93BE148}" type="datetimeFigureOut">
               <a:rPr lang="en-US" smtClean="0"/>
-              <a:t>3/27/2020</a:t>
+              <a:t>4/21/2020</a:t>
             </a:fld>
             <a:endParaRPr lang="en-US"/>
           </a:p>
@@ -4645,7 +4993,7 @@
           <a:p>
             <a:fld id="{8FB8B4F4-5254-4862-9C13-0C9DD93BE148}" type="datetimeFigureOut">
               <a:rPr lang="en-US" smtClean="0"/>
-              <a:t>3/27/2020</a:t>
+              <a:t>4/21/2020</a:t>
             </a:fld>
             <a:endParaRPr lang="en-US"/>
           </a:p>
@@ -5233,7 +5581,7 @@
         <p:spPr>
           <a:xfrm>
             <a:off x="768333" y="2959613"/>
-            <a:ext cx="10655334" cy="1569660"/>
+            <a:ext cx="10655334" cy="2308324"/>
           </a:xfrm>
           <a:prstGeom prst="rect">
             <a:avLst/>
@@ -5453,13 +5801,22 @@
           </a:p>
           <a:p>
             <a:r>
-              <a:rPr lang="en-US" sz="2400" dirty="0">
+              <a:rPr lang="en-US" sz="2400" dirty="0" err="1">
                 <a:solidFill>
                   <a:srgbClr val="D4D4D4"/>
                 </a:solidFill>
                 <a:latin typeface="Consolas" panose="020B0609020204030204" pitchFamily="49" charset="0"/>
               </a:rPr>
-              <a:t>{</a:t>
+              <a:t>mydict</a:t>
+            </a:r>
+            <a:r>
+              <a:rPr lang="en-US" sz="2400" dirty="0">
+                <a:solidFill>
+                  <a:srgbClr val="D4D4D4"/>
+                </a:solidFill>
+                <a:latin typeface="Consolas" panose="020B0609020204030204" pitchFamily="49" charset="0"/>
+              </a:rPr>
+              <a:t> = {</a:t>
             </a:r>
             <a:r>
               <a:rPr lang="en-US" sz="2400" dirty="0">
@@ -5486,25 +5843,97 @@
                 </a:solidFill>
                 <a:latin typeface="Consolas" panose="020B0609020204030204" pitchFamily="49" charset="0"/>
               </a:rPr>
-              <a:t>'Professor'</a:t>
-            </a:r>
-            <a:r>
-              <a:rPr lang="en-US" sz="2400" dirty="0">
+              <a:t>'</a:t>
+            </a:r>
+            <a:r>
+              <a:rPr lang="en-US" sz="2400" dirty="0" err="1">
+                <a:solidFill>
+                  <a:srgbClr val="CE9178"/>
+                </a:solidFill>
+                <a:latin typeface="Consolas" panose="020B0609020204030204" pitchFamily="49" charset="0"/>
+              </a:rPr>
+              <a:t>Professor'</a:t>
+            </a:r>
+            <a:r>
+              <a:rPr lang="en-US" sz="2400" dirty="0" err="1">
                 <a:solidFill>
                   <a:srgbClr val="D4D4D4"/>
                 </a:solidFill>
                 <a:latin typeface="Consolas" panose="020B0609020204030204" pitchFamily="49" charset="0"/>
               </a:rPr>
+              <a:t>,</a:t>
+            </a:r>
+            <a:r>
+              <a:rPr lang="en-US" sz="2400" dirty="0" err="1">
+                <a:solidFill>
+                  <a:srgbClr val="CE9178"/>
+                </a:solidFill>
+                <a:latin typeface="Consolas" panose="020B0609020204030204" pitchFamily="49" charset="0"/>
+              </a:rPr>
+              <a:t>'Students</a:t>
+            </a:r>
+            <a:r>
+              <a:rPr lang="en-US" sz="2400" dirty="0">
+                <a:solidFill>
+                  <a:srgbClr val="CE9178"/>
+                </a:solidFill>
+                <a:latin typeface="Consolas" panose="020B0609020204030204" pitchFamily="49" charset="0"/>
+              </a:rPr>
+              <a:t>'</a:t>
+            </a:r>
+            <a:r>
+              <a:rPr lang="en-US" sz="2400" dirty="0">
+                <a:solidFill>
+                  <a:srgbClr val="D4D4D4"/>
+                </a:solidFill>
+                <a:latin typeface="Consolas" panose="020B0609020204030204" pitchFamily="49" charset="0"/>
+              </a:rPr>
+              <a:t>],</a:t>
+            </a:r>
+            <a:r>
+              <a:rPr lang="en-US" sz="2400" dirty="0">
+                <a:solidFill>
+                  <a:srgbClr val="CE9178"/>
+                </a:solidFill>
+                <a:latin typeface="Consolas" panose="020B0609020204030204" pitchFamily="49" charset="0"/>
+              </a:rPr>
+              <a:t>'x'</a:t>
+            </a:r>
+            <a:r>
+              <a:rPr lang="en-US" sz="2400" dirty="0">
+                <a:solidFill>
+                  <a:srgbClr val="D4D4D4"/>
+                </a:solidFill>
+                <a:latin typeface="Consolas" panose="020B0609020204030204" pitchFamily="49" charset="0"/>
+              </a:rPr>
+              <a:t>:[</a:t>
+            </a:r>
+            <a:r>
+              <a:rPr lang="en-US" sz="2400" dirty="0">
+                <a:solidFill>
+                  <a:srgbClr val="B5CEA8"/>
+                </a:solidFill>
+                <a:latin typeface="Consolas" panose="020B0609020204030204" pitchFamily="49" charset="0"/>
+              </a:rPr>
+              <a:t>111</a:t>
+            </a:r>
+            <a:r>
+              <a:rPr lang="en-US" sz="2400" dirty="0">
+                <a:solidFill>
+                  <a:srgbClr val="D4D4D4"/>
+                </a:solidFill>
+                <a:latin typeface="Consolas" panose="020B0609020204030204" pitchFamily="49" charset="0"/>
+              </a:rPr>
               <a:t>, </a:t>
             </a:r>
             <a:r>
               <a:rPr lang="en-US" sz="2400" dirty="0">
                 <a:solidFill>
-                  <a:srgbClr val="CE9178"/>
-                </a:solidFill>
-                <a:latin typeface="Consolas" panose="020B0609020204030204" pitchFamily="49" charset="0"/>
-              </a:rPr>
-              <a:t>'Students'</a:t>
+                  <a:srgbClr val="B5CEA8"/>
+                </a:solidFill>
+                <a:latin typeface="Consolas" panose="020B0609020204030204" pitchFamily="49" charset="0"/>
+              </a:rPr>
+              <a:t>555</a:t>
             </a:r>
             <a:r>
               <a:rPr lang="en-US" sz="2400" dirty="0">
@@ -5513,34 +5942,33 @@
                 </a:solidFill>
                 <a:latin typeface="Consolas" panose="020B0609020204030204" pitchFamily="49" charset="0"/>
               </a:rPr>
-              <a:t>], </a:t>
-            </a:r>
-            <a:r>
-              <a:rPr lang="en-US" sz="2400" dirty="0">
-                <a:solidFill>
-                  <a:srgbClr val="CE9178"/>
-                </a:solidFill>
-                <a:latin typeface="Consolas" panose="020B0609020204030204" pitchFamily="49" charset="0"/>
-              </a:rPr>
-              <a:t>'x'</a:t>
-            </a:r>
-            <a:r>
-              <a:rPr lang="en-US" sz="2400" dirty="0">
+              <a:t>]}</a:t>
+            </a:r>
+            <a:r>
+              <a:rPr lang="en-US" sz="2400" dirty="0">
+                <a:solidFill>
+                  <a:srgbClr val="6A9955"/>
+                </a:solidFill>
+                <a:latin typeface="Consolas" panose="020B0609020204030204" pitchFamily="49" charset="0"/>
+              </a:rPr>
+              <a:t># Dictionary</a:t>
+            </a:r>
+            <a:endParaRPr lang="en-US" sz="2400" dirty="0">
+              <a:solidFill>
+                <a:srgbClr val="D4D4D4"/>
+              </a:solidFill>
+              <a:latin typeface="Consolas" panose="020B0609020204030204" pitchFamily="49" charset="0"/>
+            </a:endParaRPr>
+          </a:p>
+          <a:p>
+            <a:r>
+              <a:rPr lang="en-US" sz="2400" dirty="0" err="1">
                 <a:solidFill>
                   <a:srgbClr val="D4D4D4"/>
                 </a:solidFill>
                 <a:latin typeface="Consolas" panose="020B0609020204030204" pitchFamily="49" charset="0"/>
               </a:rPr>
-              <a:t>:[</a:t>
-            </a:r>
-            <a:r>
-              <a:rPr lang="en-US" sz="2400" dirty="0">
-                <a:solidFill>
-                  <a:srgbClr val="B5CEA8"/>
-                </a:solidFill>
-                <a:latin typeface="Consolas" panose="020B0609020204030204" pitchFamily="49" charset="0"/>
-              </a:rPr>
-              <a:t>111</a:t>
+              <a:t>mydict.keys</a:t>
             </a:r>
             <a:r>
               <a:rPr lang="en-US" sz="2400" dirty="0">
@@ -5549,34 +5977,7 @@
                 </a:solidFill>
                 <a:latin typeface="Consolas" panose="020B0609020204030204" pitchFamily="49" charset="0"/>
               </a:rPr>
-              <a:t>, </a:t>
-            </a:r>
-            <a:r>
-              <a:rPr lang="en-US" sz="2400" dirty="0">
-                <a:solidFill>
-                  <a:srgbClr val="B5CEA8"/>
-                </a:solidFill>
-                <a:latin typeface="Consolas" panose="020B0609020204030204" pitchFamily="49" charset="0"/>
-              </a:rPr>
-              <a:t>555</a:t>
-            </a:r>
-            <a:r>
-              <a:rPr lang="en-US" sz="2400" dirty="0">
-                <a:solidFill>
-                  <a:srgbClr val="D4D4D4"/>
-                </a:solidFill>
-                <a:latin typeface="Consolas" panose="020B0609020204030204" pitchFamily="49" charset="0"/>
-              </a:rPr>
-              <a:t>]} </a:t>
-            </a:r>
-            <a:r>
-              <a:rPr lang="en-US" sz="2400" dirty="0">
-                <a:solidFill>
-                  <a:srgbClr val="6A9955"/>
-                </a:solidFill>
-                <a:latin typeface="Consolas" panose="020B0609020204030204" pitchFamily="49" charset="0"/>
-              </a:rPr>
-              <a:t># Dictionary</a:t>
+              <a:t>()</a:t>
             </a:r>
             <a:endParaRPr lang="en-US" sz="2400" b="0" dirty="0">
               <a:solidFill>
@@ -5602,7 +6003,7 @@
 </file>
 
 <file path=ppt/slides/slide11.xml><?xml version="1.0" encoding="utf-8"?>
-<p:sld xmlns:a="http://schemas.openxmlformats.org/drawingml/2006/main" xmlns:r="http://schemas.openxmlformats.org/officeDocument/2006/relationships" xmlns:p="http://schemas.openxmlformats.org/presentationml/2006/main" show="0">
+<p:sld xmlns:a="http://schemas.openxmlformats.org/drawingml/2006/main" xmlns:r="http://schemas.openxmlformats.org/officeDocument/2006/relationships" xmlns:p="http://schemas.openxmlformats.org/presentationml/2006/main">
   <p:cSld>
     <p:spTree>
       <p:nvGrpSpPr>
@@ -5620,18 +6021,18 @@
       </p:grpSpPr>
       <p:sp>
         <p:nvSpPr>
-          <p:cNvPr id="2" name="Title 1">
-            <a:extLst>
-              <a:ext uri="{FF2B5EF4-FFF2-40B4-BE49-F238E27FC236}">
-                <a16:creationId xmlns:a16="http://schemas.microsoft.com/office/drawing/2014/main" id="{DED03D64-6247-4466-9B7E-B269169FAA19}"/>
-              </a:ext>
-            </a:extLst>
-          </p:cNvPr>
-          <p:cNvSpPr>
-            <a:spLocks noGrp="1"/>
-          </p:cNvSpPr>
-          <p:nvPr>
-            <p:ph type="title"/>
+          <p:cNvPr id="3" name="Content Placeholder 2">
+            <a:extLst>
+              <a:ext uri="{FF2B5EF4-FFF2-40B4-BE49-F238E27FC236}">
+                <a16:creationId xmlns:a16="http://schemas.microsoft.com/office/drawing/2014/main" id="{F56CDAA9-14CB-4EC4-9ADB-F03C10ED770E}"/>
+              </a:ext>
+            </a:extLst>
+          </p:cNvPr>
+          <p:cNvSpPr>
+            <a:spLocks noGrp="1"/>
+          </p:cNvSpPr>
+          <p:nvPr>
+            <p:ph idx="1"/>
           </p:nvPr>
         </p:nvSpPr>
         <p:spPr/>
@@ -5639,42 +6040,287 @@
           <a:bodyPr/>
           <a:lstStyle/>
           <a:p>
-            <a:endParaRPr lang="en-US"/>
-          </a:p>
-        </p:txBody>
-      </p:sp>
-      <p:sp>
-        <p:nvSpPr>
-          <p:cNvPr id="3" name="Content Placeholder 2">
-            <a:extLst>
-              <a:ext uri="{FF2B5EF4-FFF2-40B4-BE49-F238E27FC236}">
-                <a16:creationId xmlns:a16="http://schemas.microsoft.com/office/drawing/2014/main" id="{92C988B1-5332-4D48-9CB0-FD2852765949}"/>
-              </a:ext>
-            </a:extLst>
-          </p:cNvPr>
-          <p:cNvSpPr>
-            <a:spLocks noGrp="1"/>
-          </p:cNvSpPr>
-          <p:nvPr>
-            <p:ph idx="1"/>
-          </p:nvPr>
-        </p:nvSpPr>
-        <p:spPr/>
-        <p:txBody>
-          <a:bodyPr/>
-          <a:lstStyle/>
-          <a:p>
-            <a:endParaRPr lang="en-US"/>
+            <a:endParaRPr lang="en-US" dirty="0"/>
           </a:p>
         </p:txBody>
       </p:sp>
       <p:pic>
         <p:nvPicPr>
-          <p:cNvPr id="1026" name="Picture 2" descr="article header image">
-            <a:hlinkClick r:id="rId3"/>
-            <a:extLst>
-              <a:ext uri="{FF2B5EF4-FFF2-40B4-BE49-F238E27FC236}">
-                <a16:creationId xmlns:a16="http://schemas.microsoft.com/office/drawing/2014/main" id="{7F956F18-5A0D-4A4A-A140-A529A843D048}"/>
+          <p:cNvPr id="4" name="Graphic 3">
+            <a:extLst>
+              <a:ext uri="{FF2B5EF4-FFF2-40B4-BE49-F238E27FC236}">
+                <a16:creationId xmlns:a16="http://schemas.microsoft.com/office/drawing/2014/main" id="{1BAE536C-81E7-4289-A745-FD777A734DE6}"/>
+              </a:ext>
+            </a:extLst>
+          </p:cNvPr>
+          <p:cNvPicPr>
+            <a:picLocks noChangeAspect="1"/>
+          </p:cNvPicPr>
+          <p:nvPr/>
+        </p:nvPicPr>
+        <p:blipFill rotWithShape="1">
+          <a:blip r:embed="rId3">
+            <a:extLst>
+              <a:ext uri="{28A0092B-C50C-407E-A947-70E740481C1C}">
+                <a14:useLocalDpi xmlns:a14="http://schemas.microsoft.com/office/drawing/2010/main" val="0"/>
+              </a:ext>
+              <a:ext uri="{96DAC541-7B7A-43D3-8B79-37D633B846F1}">
+                <asvg:svgBlip xmlns:asvg="http://schemas.microsoft.com/office/drawing/2016/SVG/main" r:embed="rId4"/>
+              </a:ext>
+            </a:extLst>
+          </a:blip>
+          <a:srcRect r="60877"/>
+          <a:stretch/>
+        </p:blipFill>
+        <p:spPr>
+          <a:xfrm>
+            <a:off x="375745" y="151958"/>
+            <a:ext cx="1327549" cy="1344170"/>
+          </a:xfrm>
+          <a:prstGeom prst="rect">
+            <a:avLst/>
+          </a:prstGeom>
+        </p:spPr>
+      </p:pic>
+      <p:sp>
+        <p:nvSpPr>
+          <p:cNvPr id="6" name="Title 5">
+            <a:extLst>
+              <a:ext uri="{FF2B5EF4-FFF2-40B4-BE49-F238E27FC236}">
+                <a16:creationId xmlns:a16="http://schemas.microsoft.com/office/drawing/2014/main" id="{DEA728C1-C0D4-4047-9BFC-A7801B8E9C98}"/>
+              </a:ext>
+            </a:extLst>
+          </p:cNvPr>
+          <p:cNvSpPr>
+            <a:spLocks noGrp="1"/>
+          </p:cNvSpPr>
+          <p:nvPr>
+            <p:ph type="title"/>
+          </p:nvPr>
+        </p:nvSpPr>
+        <p:spPr/>
+        <p:txBody>
+          <a:bodyPr/>
+          <a:lstStyle/>
+          <a:p>
+            <a:r>
+              <a:rPr lang="en-US" dirty="0"/>
+              <a:t>      </a:t>
+            </a:r>
+            <a:r>
+              <a:rPr lang="en-US" dirty="0">
+                <a:solidFill>
+                  <a:srgbClr val="0721A0"/>
+                </a:solidFill>
+                <a:latin typeface="Palatino Linotype" panose="02040502050505030304" pitchFamily="18" charset="0"/>
+              </a:rPr>
+              <a:t>NumPy Arrays</a:t>
+            </a:r>
+          </a:p>
+        </p:txBody>
+      </p:sp>
+      <p:sp>
+        <p:nvSpPr>
+          <p:cNvPr id="7" name="Rectangle 6">
+            <a:extLst>
+              <a:ext uri="{FF2B5EF4-FFF2-40B4-BE49-F238E27FC236}">
+                <a16:creationId xmlns:a16="http://schemas.microsoft.com/office/drawing/2014/main" id="{64AD189D-03AD-4D9F-B984-C1E37ADA4362}"/>
+              </a:ext>
+            </a:extLst>
+          </p:cNvPr>
+          <p:cNvSpPr/>
+          <p:nvPr/>
+        </p:nvSpPr>
+        <p:spPr>
+          <a:xfrm>
+            <a:off x="6856454" y="166072"/>
+            <a:ext cx="5156251" cy="2677656"/>
+          </a:xfrm>
+          <a:prstGeom prst="rect">
+            <a:avLst/>
+          </a:prstGeom>
+          <a:solidFill>
+            <a:srgbClr val="1E1E1E"/>
+          </a:solidFill>
+        </p:spPr>
+        <p:txBody>
+          <a:bodyPr wrap="square">
+            <a:spAutoFit/>
+          </a:bodyPr>
+          <a:lstStyle/>
+          <a:p>
+            <a:r>
+              <a:rPr lang="en-US" sz="2400" dirty="0">
+                <a:solidFill>
+                  <a:srgbClr val="569CD6"/>
+                </a:solidFill>
+                <a:latin typeface="Consolas" panose="020B0609020204030204" pitchFamily="49" charset="0"/>
+              </a:rPr>
+              <a:t>import</a:t>
+            </a:r>
+            <a:r>
+              <a:rPr lang="en-US" sz="2400" dirty="0">
+                <a:solidFill>
+                  <a:srgbClr val="D4D4D4"/>
+                </a:solidFill>
+                <a:latin typeface="Consolas" panose="020B0609020204030204" pitchFamily="49" charset="0"/>
+              </a:rPr>
+              <a:t> numpy </a:t>
+            </a:r>
+            <a:r>
+              <a:rPr lang="en-US" sz="2400" dirty="0">
+                <a:solidFill>
+                  <a:srgbClr val="569CD6"/>
+                </a:solidFill>
+                <a:latin typeface="Consolas" panose="020B0609020204030204" pitchFamily="49" charset="0"/>
+              </a:rPr>
+              <a:t>as</a:t>
+            </a:r>
+            <a:r>
+              <a:rPr lang="en-US" sz="2400" dirty="0">
+                <a:solidFill>
+                  <a:srgbClr val="D4D4D4"/>
+                </a:solidFill>
+                <a:latin typeface="Consolas" panose="020B0609020204030204" pitchFamily="49" charset="0"/>
+              </a:rPr>
+              <a:t> np</a:t>
+            </a:r>
+          </a:p>
+          <a:p>
+            <a:r>
+              <a:rPr lang="en-US" sz="2400" dirty="0">
+                <a:solidFill>
+                  <a:srgbClr val="D4D4D4"/>
+                </a:solidFill>
+                <a:latin typeface="Consolas" panose="020B0609020204030204" pitchFamily="49" charset="0"/>
+              </a:rPr>
+              <a:t>a=</a:t>
+            </a:r>
+            <a:r>
+              <a:rPr lang="en-US" sz="2400" dirty="0" err="1">
+                <a:solidFill>
+                  <a:srgbClr val="D4D4D4"/>
+                </a:solidFill>
+                <a:latin typeface="Consolas" panose="020B0609020204030204" pitchFamily="49" charset="0"/>
+              </a:rPr>
+              <a:t>np.array</a:t>
+            </a:r>
+            <a:r>
+              <a:rPr lang="en-US" sz="2400" dirty="0">
+                <a:solidFill>
+                  <a:srgbClr val="D4D4D4"/>
+                </a:solidFill>
+                <a:latin typeface="Consolas" panose="020B0609020204030204" pitchFamily="49" charset="0"/>
+              </a:rPr>
+              <a:t>([7.,2.,9.,10.])</a:t>
+            </a:r>
+          </a:p>
+          <a:p>
+            <a:r>
+              <a:rPr lang="en-US" sz="2400" dirty="0">
+                <a:solidFill>
+                  <a:srgbClr val="D4D4D4"/>
+                </a:solidFill>
+                <a:latin typeface="Consolas" panose="020B0609020204030204" pitchFamily="49" charset="0"/>
+              </a:rPr>
+              <a:t>x=</a:t>
+            </a:r>
+            <a:r>
+              <a:rPr lang="en-US" sz="2400" dirty="0" err="1">
+                <a:solidFill>
+                  <a:srgbClr val="D4D4D4"/>
+                </a:solidFill>
+                <a:latin typeface="Consolas" panose="020B0609020204030204" pitchFamily="49" charset="0"/>
+              </a:rPr>
+              <a:t>np.array</a:t>
+            </a:r>
+            <a:r>
+              <a:rPr lang="en-US" sz="2400" dirty="0">
+                <a:solidFill>
+                  <a:srgbClr val="D4D4D4"/>
+                </a:solidFill>
+                <a:latin typeface="Consolas" panose="020B0609020204030204" pitchFamily="49" charset="0"/>
+              </a:rPr>
+              <a:t>([[2,3,4],[5,6,7]])</a:t>
+            </a:r>
+          </a:p>
+          <a:p>
+            <a:r>
+              <a:rPr lang="en-US" sz="2400" dirty="0" err="1">
+                <a:solidFill>
+                  <a:srgbClr val="D4D4D4"/>
+                </a:solidFill>
+                <a:latin typeface="Consolas" panose="020B0609020204030204" pitchFamily="49" charset="0"/>
+              </a:rPr>
+              <a:t>x.shape</a:t>
+            </a:r>
+            <a:endParaRPr lang="en-US" sz="2400" dirty="0">
+              <a:solidFill>
+                <a:srgbClr val="D4D4D4"/>
+              </a:solidFill>
+              <a:latin typeface="Consolas" panose="020B0609020204030204" pitchFamily="49" charset="0"/>
+            </a:endParaRPr>
+          </a:p>
+          <a:p>
+            <a:r>
+              <a:rPr lang="en-US" sz="2400" dirty="0">
+                <a:solidFill>
+                  <a:srgbClr val="D4D4D4"/>
+                </a:solidFill>
+                <a:latin typeface="Consolas" panose="020B0609020204030204" pitchFamily="49" charset="0"/>
+              </a:rPr>
+              <a:t>X[,-1:]</a:t>
+            </a:r>
+          </a:p>
+          <a:p>
+            <a:r>
+              <a:rPr lang="en-US" sz="2400" dirty="0" err="1">
+                <a:solidFill>
+                  <a:srgbClr val="D4D4D4"/>
+                </a:solidFill>
+                <a:latin typeface="Consolas" panose="020B0609020204030204" pitchFamily="49" charset="0"/>
+              </a:rPr>
+              <a:t>x.reshape</a:t>
+            </a:r>
+            <a:r>
+              <a:rPr lang="en-US" sz="2400" dirty="0">
+                <a:solidFill>
+                  <a:srgbClr val="D4D4D4"/>
+                </a:solidFill>
+                <a:latin typeface="Consolas" panose="020B0609020204030204" pitchFamily="49" charset="0"/>
+              </a:rPr>
+              <a:t>(3,2)</a:t>
+            </a:r>
+          </a:p>
+          <a:p>
+            <a:r>
+              <a:rPr lang="en-US" sz="2400" dirty="0" err="1">
+                <a:solidFill>
+                  <a:srgbClr val="D4D4D4"/>
+                </a:solidFill>
+                <a:latin typeface="Consolas" panose="020B0609020204030204" pitchFamily="49" charset="0"/>
+              </a:rPr>
+              <a:t>x.reshape</a:t>
+            </a:r>
+            <a:r>
+              <a:rPr lang="en-US" sz="2400" dirty="0">
+                <a:solidFill>
+                  <a:srgbClr val="D4D4D4"/>
+                </a:solidFill>
+                <a:latin typeface="Consolas" panose="020B0609020204030204" pitchFamily="49" charset="0"/>
+              </a:rPr>
+              <a:t>(3,-1)</a:t>
+            </a:r>
+          </a:p>
+        </p:txBody>
+      </p:sp>
+      <p:pic>
+        <p:nvPicPr>
+          <p:cNvPr id="1026" name="Picture 2" descr="NumPy manipulation: reshape() function">
+            <a:hlinkClick r:id="rId5"/>
+            <a:extLst>
+              <a:ext uri="{FF2B5EF4-FFF2-40B4-BE49-F238E27FC236}">
+                <a16:creationId xmlns:a16="http://schemas.microsoft.com/office/drawing/2014/main" id="{82BAB25F-D8EB-4C36-8E88-D7BB6C17DC61}"/>
               </a:ext>
             </a:extLst>
           </p:cNvPr>
@@ -5684,7 +6330,7 @@
           <p:nvPr/>
         </p:nvPicPr>
         <p:blipFill>
-          <a:blip r:embed="rId4">
+          <a:blip r:embed="rId6">
             <a:extLst>
               <a:ext uri="{28A0092B-C50C-407E-A947-70E740481C1C}">
                 <a14:useLocalDpi xmlns:a14="http://schemas.microsoft.com/office/drawing/2010/main" val="0"/>
@@ -5698,8 +6344,8 @@
         </p:blipFill>
         <p:spPr bwMode="auto">
           <a:xfrm>
-            <a:off x="1261241" y="16554"/>
-            <a:ext cx="9222827" cy="6824892"/>
+            <a:off x="601579" y="1903855"/>
+            <a:ext cx="2403065" cy="4954145"/>
           </a:xfrm>
           <a:prstGeom prst="rect">
             <a:avLst/>
@@ -5716,10 +6362,58 @@
           </a:extLst>
         </p:spPr>
       </p:pic>
+      <p:pic>
+        <p:nvPicPr>
+          <p:cNvPr id="2" name="Picture 2" descr="Numpy/SciPy — Python Tutorial documentation">
+            <a:hlinkClick r:id="rId7"/>
+            <a:extLst>
+              <a:ext uri="{FF2B5EF4-FFF2-40B4-BE49-F238E27FC236}">
+                <a16:creationId xmlns:a16="http://schemas.microsoft.com/office/drawing/2014/main" id="{A50913F9-F48D-44A3-891A-F3E9B850E0B8}"/>
+              </a:ext>
+            </a:extLst>
+          </p:cNvPr>
+          <p:cNvPicPr>
+            <a:picLocks noChangeAspect="1" noChangeArrowheads="1"/>
+          </p:cNvPicPr>
+          <p:nvPr/>
+        </p:nvPicPr>
+        <p:blipFill>
+          <a:blip r:embed="rId8">
+            <a:extLst>
+              <a:ext uri="{28A0092B-C50C-407E-A947-70E740481C1C}">
+                <a14:useLocalDpi xmlns:a14="http://schemas.microsoft.com/office/drawing/2010/main" val="0"/>
+              </a:ext>
+            </a:extLst>
+          </a:blip>
+          <a:srcRect/>
+          <a:stretch>
+            <a:fillRect/>
+          </a:stretch>
+        </p:blipFill>
+        <p:spPr bwMode="auto">
+          <a:xfrm>
+            <a:off x="5171089" y="2933421"/>
+            <a:ext cx="7020911" cy="3924579"/>
+          </a:xfrm>
+          <a:prstGeom prst="rect">
+            <a:avLst/>
+          </a:prstGeom>
+          <a:noFill/>
+          <a:extLst>
+            <a:ext uri="{909E8E84-426E-40DD-AFC4-6F175D3DCCD1}">
+              <a14:hiddenFill xmlns:a14="http://schemas.microsoft.com/office/drawing/2010/main">
+                <a:solidFill>
+                  <a:srgbClr val="FFFFFF"/>
+                </a:solidFill>
+              </a14:hiddenFill>
+            </a:ext>
+          </a:extLst>
+        </p:spPr>
+      </p:pic>
     </p:spTree>
     <p:extLst>
       <p:ext uri="{BB962C8B-B14F-4D97-AF65-F5344CB8AC3E}">
-        <p14:creationId xmlns:p14="http://schemas.microsoft.com/office/powerpoint/2010/main" val="3843071050"/>
+        <p14:creationId xmlns:p14="http://schemas.microsoft.com/office/powerpoint/2010/main" val="2108038921"/>
       </p:ext>
     </p:extLst>
   </p:cSld>
@@ -5751,6 +6445,734 @@
           <p:cNvPr id="2" name="Title 1">
             <a:extLst>
               <a:ext uri="{FF2B5EF4-FFF2-40B4-BE49-F238E27FC236}">
+                <a16:creationId xmlns:a16="http://schemas.microsoft.com/office/drawing/2014/main" id="{E1245E9C-057B-401E-9FAB-56112BACCDE3}"/>
+              </a:ext>
+            </a:extLst>
+          </p:cNvPr>
+          <p:cNvSpPr>
+            <a:spLocks noGrp="1"/>
+          </p:cNvSpPr>
+          <p:nvPr>
+            <p:ph type="title"/>
+          </p:nvPr>
+        </p:nvSpPr>
+        <p:spPr/>
+        <p:txBody>
+          <a:bodyPr/>
+          <a:lstStyle/>
+          <a:p>
+            <a:r>
+              <a:rPr lang="en-US" b="1" dirty="0">
+                <a:solidFill>
+                  <a:srgbClr val="FF0000"/>
+                </a:solidFill>
+              </a:rPr>
+              <a:t>R</a:t>
+            </a:r>
+            <a:r>
+              <a:rPr lang="en-US" b="1" dirty="0">
+                <a:solidFill>
+                  <a:srgbClr val="00B050"/>
+                </a:solidFill>
+              </a:rPr>
+              <a:t>G</a:t>
+            </a:r>
+            <a:r>
+              <a:rPr lang="en-US" b="1" dirty="0">
+                <a:solidFill>
+                  <a:srgbClr val="0070C0"/>
+                </a:solidFill>
+              </a:rPr>
+              <a:t>B</a:t>
+            </a:r>
+            <a:r>
+              <a:rPr lang="en-US" dirty="0"/>
+              <a:t> colors</a:t>
+            </a:r>
+          </a:p>
+        </p:txBody>
+      </p:sp>
+      <p:sp>
+        <p:nvSpPr>
+          <p:cNvPr id="3" name="Content Placeholder 2">
+            <a:extLst>
+              <a:ext uri="{FF2B5EF4-FFF2-40B4-BE49-F238E27FC236}">
+                <a16:creationId xmlns:a16="http://schemas.microsoft.com/office/drawing/2014/main" id="{CE0A0D3A-3873-4200-A4EF-82B4776E4584}"/>
+              </a:ext>
+            </a:extLst>
+          </p:cNvPr>
+          <p:cNvSpPr>
+            <a:spLocks noGrp="1"/>
+          </p:cNvSpPr>
+          <p:nvPr>
+            <p:ph idx="1"/>
+          </p:nvPr>
+        </p:nvSpPr>
+        <p:spPr/>
+        <p:txBody>
+          <a:bodyPr/>
+          <a:lstStyle/>
+          <a:p>
+            <a:r>
+              <a:rPr lang="en-US" dirty="0">
+                <a:solidFill>
+                  <a:srgbClr val="FF0000"/>
+                </a:solidFill>
+              </a:rPr>
+              <a:t>Red</a:t>
+            </a:r>
+            <a:r>
+              <a:rPr lang="en-US" dirty="0"/>
+              <a:t>, </a:t>
+            </a:r>
+            <a:r>
+              <a:rPr lang="en-US" dirty="0">
+                <a:solidFill>
+                  <a:srgbClr val="00B050"/>
+                </a:solidFill>
+              </a:rPr>
+              <a:t>Green</a:t>
+            </a:r>
+            <a:r>
+              <a:rPr lang="en-US" dirty="0"/>
+              <a:t>, </a:t>
+            </a:r>
+            <a:r>
+              <a:rPr lang="en-US" dirty="0">
+                <a:solidFill>
+                  <a:srgbClr val="0070C0"/>
+                </a:solidFill>
+              </a:rPr>
+              <a:t>Blue</a:t>
+            </a:r>
+          </a:p>
+        </p:txBody>
+      </p:sp>
+      <p:pic>
+        <p:nvPicPr>
+          <p:cNvPr id="1026" name="Picture 2" descr="Mario Minecraft Pixel Art Template | Dibujos en cuadricula, Arte ...">
+            <a:extLst>
+              <a:ext uri="{FF2B5EF4-FFF2-40B4-BE49-F238E27FC236}">
+                <a16:creationId xmlns:a16="http://schemas.microsoft.com/office/drawing/2014/main" id="{92E3783E-97FB-40CD-A84C-5A9A93BFCD6A}"/>
+              </a:ext>
+            </a:extLst>
+          </p:cNvPr>
+          <p:cNvPicPr>
+            <a:picLocks noChangeAspect="1" noChangeArrowheads="1"/>
+          </p:cNvPicPr>
+          <p:nvPr/>
+        </p:nvPicPr>
+        <p:blipFill rotWithShape="1">
+          <a:blip r:embed="rId3">
+            <a:extLst>
+              <a:ext uri="{28A0092B-C50C-407E-A947-70E740481C1C}">
+                <a14:useLocalDpi xmlns:a14="http://schemas.microsoft.com/office/drawing/2010/main" val="0"/>
+              </a:ext>
+            </a:extLst>
+          </a:blip>
+          <a:srcRect t="3745" b="5412"/>
+          <a:stretch/>
+        </p:blipFill>
+        <p:spPr bwMode="auto">
+          <a:xfrm>
+            <a:off x="3469344" y="365124"/>
+            <a:ext cx="5103438" cy="6127751"/>
+          </a:xfrm>
+          <a:prstGeom prst="rect">
+            <a:avLst/>
+          </a:prstGeom>
+          <a:noFill/>
+          <a:extLst>
+            <a:ext uri="{909E8E84-426E-40DD-AFC4-6F175D3DCCD1}">
+              <a14:hiddenFill xmlns:a14="http://schemas.microsoft.com/office/drawing/2010/main">
+                <a:solidFill>
+                  <a:srgbClr val="FFFFFF"/>
+                </a:solidFill>
+              </a14:hiddenFill>
+            </a:ext>
+          </a:extLst>
+        </p:spPr>
+      </p:pic>
+      <p:sp>
+        <p:nvSpPr>
+          <p:cNvPr id="4" name="Rectangle 3">
+            <a:extLst>
+              <a:ext uri="{FF2B5EF4-FFF2-40B4-BE49-F238E27FC236}">
+                <a16:creationId xmlns:a16="http://schemas.microsoft.com/office/drawing/2014/main" id="{DB85C0E4-7B21-4046-BDFE-546C491310DB}"/>
+              </a:ext>
+            </a:extLst>
+          </p:cNvPr>
+          <p:cNvSpPr/>
+          <p:nvPr/>
+        </p:nvSpPr>
+        <p:spPr>
+          <a:xfrm>
+            <a:off x="13450" y="2919786"/>
+            <a:ext cx="1277471" cy="1277471"/>
+          </a:xfrm>
+          <a:prstGeom prst="rect">
+            <a:avLst/>
+          </a:prstGeom>
+          <a:solidFill>
+            <a:srgbClr val="FF0000"/>
+          </a:solidFill>
+        </p:spPr>
+        <p:style>
+          <a:lnRef idx="2">
+            <a:schemeClr val="accent1">
+              <a:shade val="50000"/>
+            </a:schemeClr>
+          </a:lnRef>
+          <a:fillRef idx="1">
+            <a:schemeClr val="accent1"/>
+          </a:fillRef>
+          <a:effectRef idx="0">
+            <a:schemeClr val="accent1"/>
+          </a:effectRef>
+          <a:fontRef idx="minor">
+            <a:schemeClr val="lt1"/>
+          </a:fontRef>
+        </p:style>
+        <p:txBody>
+          <a:bodyPr rtlCol="0" anchor="ctr"/>
+          <a:lstStyle/>
+          <a:p>
+            <a:r>
+              <a:rPr lang="en-US" sz="2400" dirty="0"/>
+              <a:t>R = 255</a:t>
+            </a:r>
+          </a:p>
+          <a:p>
+            <a:r>
+              <a:rPr lang="en-US" sz="2400" dirty="0"/>
+              <a:t>G = 0</a:t>
+            </a:r>
+          </a:p>
+          <a:p>
+            <a:r>
+              <a:rPr lang="en-US" sz="2400" dirty="0"/>
+              <a:t>B = 0</a:t>
+            </a:r>
+          </a:p>
+        </p:txBody>
+      </p:sp>
+      <p:sp>
+        <p:nvSpPr>
+          <p:cNvPr id="6" name="Rectangle 5">
+            <a:extLst>
+              <a:ext uri="{FF2B5EF4-FFF2-40B4-BE49-F238E27FC236}">
+                <a16:creationId xmlns:a16="http://schemas.microsoft.com/office/drawing/2014/main" id="{09E5DB7D-DE7F-4203-9BF9-9DC899A9FC16}"/>
+              </a:ext>
+            </a:extLst>
+          </p:cNvPr>
+          <p:cNvSpPr/>
+          <p:nvPr/>
+        </p:nvSpPr>
+        <p:spPr>
+          <a:xfrm>
+            <a:off x="1290920" y="4197257"/>
+            <a:ext cx="1277471" cy="1277471"/>
+          </a:xfrm>
+          <a:prstGeom prst="rect">
+            <a:avLst/>
+          </a:prstGeom>
+          <a:solidFill>
+            <a:srgbClr val="FFFF00"/>
+          </a:solidFill>
+        </p:spPr>
+        <p:style>
+          <a:lnRef idx="2">
+            <a:schemeClr val="accent1">
+              <a:shade val="50000"/>
+            </a:schemeClr>
+          </a:lnRef>
+          <a:fillRef idx="1">
+            <a:schemeClr val="accent1"/>
+          </a:fillRef>
+          <a:effectRef idx="0">
+            <a:schemeClr val="accent1"/>
+          </a:effectRef>
+          <a:fontRef idx="minor">
+            <a:schemeClr val="lt1"/>
+          </a:fontRef>
+        </p:style>
+        <p:txBody>
+          <a:bodyPr rtlCol="0" anchor="ctr"/>
+          <a:lstStyle/>
+          <a:p>
+            <a:r>
+              <a:rPr lang="en-US" sz="2400" dirty="0">
+                <a:solidFill>
+                  <a:schemeClr val="tx1"/>
+                </a:solidFill>
+              </a:rPr>
+              <a:t>R = 255</a:t>
+            </a:r>
+          </a:p>
+          <a:p>
+            <a:r>
+              <a:rPr lang="en-US" sz="2400" dirty="0">
+                <a:solidFill>
+                  <a:schemeClr val="tx1"/>
+                </a:solidFill>
+              </a:rPr>
+              <a:t>G = 255</a:t>
+            </a:r>
+          </a:p>
+          <a:p>
+            <a:r>
+              <a:rPr lang="en-US" sz="2400" dirty="0">
+                <a:solidFill>
+                  <a:schemeClr val="tx1"/>
+                </a:solidFill>
+              </a:rPr>
+              <a:t>B = 0</a:t>
+            </a:r>
+          </a:p>
+        </p:txBody>
+      </p:sp>
+      <p:sp>
+        <p:nvSpPr>
+          <p:cNvPr id="7" name="Rectangle 6">
+            <a:extLst>
+              <a:ext uri="{FF2B5EF4-FFF2-40B4-BE49-F238E27FC236}">
+                <a16:creationId xmlns:a16="http://schemas.microsoft.com/office/drawing/2014/main" id="{BAB0FB01-B8E6-478B-B8B0-1B9566124786}"/>
+              </a:ext>
+            </a:extLst>
+          </p:cNvPr>
+          <p:cNvSpPr/>
+          <p:nvPr/>
+        </p:nvSpPr>
+        <p:spPr>
+          <a:xfrm>
+            <a:off x="1290921" y="2919786"/>
+            <a:ext cx="1277471" cy="1277471"/>
+          </a:xfrm>
+          <a:prstGeom prst="rect">
+            <a:avLst/>
+          </a:prstGeom>
+          <a:solidFill>
+            <a:srgbClr val="0070C0"/>
+          </a:solidFill>
+        </p:spPr>
+        <p:style>
+          <a:lnRef idx="2">
+            <a:schemeClr val="accent1">
+              <a:shade val="50000"/>
+            </a:schemeClr>
+          </a:lnRef>
+          <a:fillRef idx="1">
+            <a:schemeClr val="accent1"/>
+          </a:fillRef>
+          <a:effectRef idx="0">
+            <a:schemeClr val="accent1"/>
+          </a:effectRef>
+          <a:fontRef idx="minor">
+            <a:schemeClr val="lt1"/>
+          </a:fontRef>
+        </p:style>
+        <p:txBody>
+          <a:bodyPr rtlCol="0" anchor="ctr"/>
+          <a:lstStyle/>
+          <a:p>
+            <a:r>
+              <a:rPr lang="en-US" sz="2400" dirty="0"/>
+              <a:t>R = 0</a:t>
+            </a:r>
+          </a:p>
+          <a:p>
+            <a:r>
+              <a:rPr lang="en-US" sz="2400" dirty="0"/>
+              <a:t>G = 112</a:t>
+            </a:r>
+          </a:p>
+          <a:p>
+            <a:r>
+              <a:rPr lang="en-US" sz="2400" dirty="0"/>
+              <a:t>B = 192</a:t>
+            </a:r>
+          </a:p>
+        </p:txBody>
+      </p:sp>
+      <p:sp>
+        <p:nvSpPr>
+          <p:cNvPr id="8" name="Rectangle 7">
+            <a:extLst>
+              <a:ext uri="{FF2B5EF4-FFF2-40B4-BE49-F238E27FC236}">
+                <a16:creationId xmlns:a16="http://schemas.microsoft.com/office/drawing/2014/main" id="{18FA575C-2D65-42CA-8F74-7D380626096F}"/>
+              </a:ext>
+            </a:extLst>
+          </p:cNvPr>
+          <p:cNvSpPr/>
+          <p:nvPr/>
+        </p:nvSpPr>
+        <p:spPr>
+          <a:xfrm>
+            <a:off x="13449" y="4197257"/>
+            <a:ext cx="1277471" cy="1277471"/>
+          </a:xfrm>
+          <a:prstGeom prst="rect">
+            <a:avLst/>
+          </a:prstGeom>
+          <a:solidFill>
+            <a:srgbClr val="0070C0"/>
+          </a:solidFill>
+        </p:spPr>
+        <p:style>
+          <a:lnRef idx="2">
+            <a:schemeClr val="accent1">
+              <a:shade val="50000"/>
+            </a:schemeClr>
+          </a:lnRef>
+          <a:fillRef idx="1">
+            <a:schemeClr val="accent1"/>
+          </a:fillRef>
+          <a:effectRef idx="0">
+            <a:schemeClr val="accent1"/>
+          </a:effectRef>
+          <a:fontRef idx="minor">
+            <a:schemeClr val="lt1"/>
+          </a:fontRef>
+        </p:style>
+        <p:txBody>
+          <a:bodyPr rtlCol="0" anchor="ctr"/>
+          <a:lstStyle/>
+          <a:p>
+            <a:r>
+              <a:rPr lang="en-US" sz="2400"/>
+              <a:t>R = 0</a:t>
+            </a:r>
+          </a:p>
+          <a:p>
+            <a:r>
+              <a:rPr lang="en-US" sz="2400"/>
+              <a:t>G = 112</a:t>
+            </a:r>
+          </a:p>
+          <a:p>
+            <a:r>
+              <a:rPr lang="en-US" sz="2400"/>
+              <a:t>B = 192</a:t>
+            </a:r>
+            <a:endParaRPr lang="en-US" sz="2400" dirty="0"/>
+          </a:p>
+        </p:txBody>
+      </p:sp>
+      <p:cxnSp>
+        <p:nvCxnSpPr>
+          <p:cNvPr id="9" name="Straight Connector 8">
+            <a:extLst>
+              <a:ext uri="{FF2B5EF4-FFF2-40B4-BE49-F238E27FC236}">
+                <a16:creationId xmlns:a16="http://schemas.microsoft.com/office/drawing/2014/main" id="{FD7AC10D-A97D-4825-9730-C5BB892F8323}"/>
+              </a:ext>
+            </a:extLst>
+          </p:cNvPr>
+          <p:cNvCxnSpPr>
+            <a:cxnSpLocks/>
+          </p:cNvCxnSpPr>
+          <p:nvPr/>
+        </p:nvCxnSpPr>
+        <p:spPr>
+          <a:xfrm>
+            <a:off x="2568391" y="2919786"/>
+            <a:ext cx="2971800" cy="786465"/>
+          </a:xfrm>
+          <a:prstGeom prst="line">
+            <a:avLst/>
+          </a:prstGeom>
+          <a:ln w="76200">
+            <a:solidFill>
+              <a:schemeClr val="tx1"/>
+            </a:solidFill>
+          </a:ln>
+        </p:spPr>
+        <p:style>
+          <a:lnRef idx="1">
+            <a:schemeClr val="accent1"/>
+          </a:lnRef>
+          <a:fillRef idx="0">
+            <a:schemeClr val="accent1"/>
+          </a:fillRef>
+          <a:effectRef idx="0">
+            <a:schemeClr val="accent1"/>
+          </a:effectRef>
+          <a:fontRef idx="minor">
+            <a:schemeClr val="tx1"/>
+          </a:fontRef>
+        </p:style>
+      </p:cxnSp>
+      <p:sp>
+        <p:nvSpPr>
+          <p:cNvPr id="10" name="Rectangle 9">
+            <a:extLst>
+              <a:ext uri="{FF2B5EF4-FFF2-40B4-BE49-F238E27FC236}">
+                <a16:creationId xmlns:a16="http://schemas.microsoft.com/office/drawing/2014/main" id="{3E6838A6-19B3-4EEA-BCE7-C8A6192125DE}"/>
+              </a:ext>
+            </a:extLst>
+          </p:cNvPr>
+          <p:cNvSpPr/>
+          <p:nvPr/>
+        </p:nvSpPr>
+        <p:spPr>
+          <a:xfrm>
+            <a:off x="4694801" y="3706251"/>
+            <a:ext cx="845390" cy="845390"/>
+          </a:xfrm>
+          <a:prstGeom prst="rect">
+            <a:avLst/>
+          </a:prstGeom>
+          <a:noFill/>
+          <a:ln w="76200">
+            <a:solidFill>
+              <a:schemeClr val="tx1"/>
+            </a:solidFill>
+          </a:ln>
+        </p:spPr>
+        <p:style>
+          <a:lnRef idx="2">
+            <a:schemeClr val="accent1">
+              <a:shade val="50000"/>
+            </a:schemeClr>
+          </a:lnRef>
+          <a:fillRef idx="1">
+            <a:schemeClr val="accent1"/>
+          </a:fillRef>
+          <a:effectRef idx="0">
+            <a:schemeClr val="accent1"/>
+          </a:effectRef>
+          <a:fontRef idx="minor">
+            <a:schemeClr val="lt1"/>
+          </a:fontRef>
+        </p:style>
+        <p:txBody>
+          <a:bodyPr rtlCol="0" anchor="ctr"/>
+          <a:lstStyle/>
+          <a:p>
+            <a:pPr algn="ctr"/>
+            <a:endParaRPr lang="en-US"/>
+          </a:p>
+        </p:txBody>
+      </p:sp>
+      <p:cxnSp>
+        <p:nvCxnSpPr>
+          <p:cNvPr id="13" name="Straight Connector 12">
+            <a:extLst>
+              <a:ext uri="{FF2B5EF4-FFF2-40B4-BE49-F238E27FC236}">
+                <a16:creationId xmlns:a16="http://schemas.microsoft.com/office/drawing/2014/main" id="{FAEB22D9-090C-45A5-8C18-269209B5DA91}"/>
+              </a:ext>
+            </a:extLst>
+          </p:cNvPr>
+          <p:cNvCxnSpPr/>
+          <p:nvPr/>
+        </p:nvCxnSpPr>
+        <p:spPr>
+          <a:xfrm flipV="1">
+            <a:off x="2568391" y="4551641"/>
+            <a:ext cx="2971800" cy="923087"/>
+          </a:xfrm>
+          <a:prstGeom prst="line">
+            <a:avLst/>
+          </a:prstGeom>
+          <a:ln w="76200">
+            <a:solidFill>
+              <a:schemeClr val="tx1"/>
+            </a:solidFill>
+          </a:ln>
+        </p:spPr>
+        <p:style>
+          <a:lnRef idx="1">
+            <a:schemeClr val="accent1"/>
+          </a:lnRef>
+          <a:fillRef idx="0">
+            <a:schemeClr val="accent1"/>
+          </a:fillRef>
+          <a:effectRef idx="0">
+            <a:schemeClr val="accent1"/>
+          </a:effectRef>
+          <a:fontRef idx="minor">
+            <a:schemeClr val="tx1"/>
+          </a:fontRef>
+        </p:style>
+      </p:cxnSp>
+      <p:pic>
+        <p:nvPicPr>
+          <p:cNvPr id="1028" name="Picture 4" descr="How to Convert an RGB Image to Grayscale">
+            <a:extLst>
+              <a:ext uri="{FF2B5EF4-FFF2-40B4-BE49-F238E27FC236}">
+                <a16:creationId xmlns:a16="http://schemas.microsoft.com/office/drawing/2014/main" id="{2AFDD5AF-9B82-40B9-A27F-146F70BCB074}"/>
+              </a:ext>
+            </a:extLst>
+          </p:cNvPr>
+          <p:cNvPicPr>
+            <a:picLocks noChangeAspect="1" noChangeArrowheads="1"/>
+          </p:cNvPicPr>
+          <p:nvPr/>
+        </p:nvPicPr>
+        <p:blipFill>
+          <a:blip r:embed="rId4">
+            <a:extLst>
+              <a:ext uri="{28A0092B-C50C-407E-A947-70E740481C1C}">
+                <a14:useLocalDpi xmlns:a14="http://schemas.microsoft.com/office/drawing/2010/main" val="0"/>
+              </a:ext>
+            </a:extLst>
+          </a:blip>
+          <a:srcRect/>
+          <a:stretch>
+            <a:fillRect/>
+          </a:stretch>
+        </p:blipFill>
+        <p:spPr bwMode="auto">
+          <a:xfrm>
+            <a:off x="8605087" y="2747963"/>
+            <a:ext cx="3573463" cy="3429000"/>
+          </a:xfrm>
+          <a:prstGeom prst="rect">
+            <a:avLst/>
+          </a:prstGeom>
+          <a:noFill/>
+          <a:extLst>
+            <a:ext uri="{909E8E84-426E-40DD-AFC4-6F175D3DCCD1}">
+              <a14:hiddenFill xmlns:a14="http://schemas.microsoft.com/office/drawing/2010/main">
+                <a:solidFill>
+                  <a:srgbClr val="FFFFFF"/>
+                </a:solidFill>
+              </a14:hiddenFill>
+            </a:ext>
+          </a:extLst>
+        </p:spPr>
+      </p:pic>
+      <p:sp>
+        <p:nvSpPr>
+          <p:cNvPr id="14" name="TextBox 13">
+            <a:extLst>
+              <a:ext uri="{FF2B5EF4-FFF2-40B4-BE49-F238E27FC236}">
+                <a16:creationId xmlns:a16="http://schemas.microsoft.com/office/drawing/2014/main" id="{25912E52-0413-41C4-9309-20DA47DE4D24}"/>
+              </a:ext>
+            </a:extLst>
+          </p:cNvPr>
+          <p:cNvSpPr txBox="1"/>
+          <p:nvPr/>
+        </p:nvSpPr>
+        <p:spPr>
+          <a:xfrm>
+            <a:off x="9202270" y="2009185"/>
+            <a:ext cx="2151530" cy="461665"/>
+          </a:xfrm>
+          <a:prstGeom prst="rect">
+            <a:avLst/>
+          </a:prstGeom>
+          <a:noFill/>
+        </p:spPr>
+        <p:txBody>
+          <a:bodyPr wrap="square" rtlCol="0">
+            <a:spAutoFit/>
+          </a:bodyPr>
+          <a:lstStyle/>
+          <a:p>
+            <a:r>
+              <a:rPr lang="en-US" sz="2400" dirty="0"/>
+              <a:t>Numpy Array:</a:t>
+            </a:r>
+          </a:p>
+        </p:txBody>
+      </p:sp>
+      <p:sp>
+        <p:nvSpPr>
+          <p:cNvPr id="17" name="Rectangle 16">
+            <a:extLst>
+              <a:ext uri="{FF2B5EF4-FFF2-40B4-BE49-F238E27FC236}">
+                <a16:creationId xmlns:a16="http://schemas.microsoft.com/office/drawing/2014/main" id="{FB5422CC-CE30-4AC2-B796-5F8CAAC0CF9C}"/>
+              </a:ext>
+            </a:extLst>
+          </p:cNvPr>
+          <p:cNvSpPr/>
+          <p:nvPr/>
+        </p:nvSpPr>
+        <p:spPr>
+          <a:xfrm>
+            <a:off x="9267937" y="1417640"/>
+            <a:ext cx="1960923" cy="613117"/>
+          </a:xfrm>
+          <a:prstGeom prst="rect">
+            <a:avLst/>
+          </a:prstGeom>
+          <a:solidFill>
+            <a:schemeClr val="tx1">
+              <a:lumMod val="75000"/>
+              <a:lumOff val="25000"/>
+            </a:schemeClr>
+          </a:solidFill>
+          <a:ln>
+            <a:noFill/>
+          </a:ln>
+        </p:spPr>
+        <p:style>
+          <a:lnRef idx="2">
+            <a:schemeClr val="accent1">
+              <a:shade val="50000"/>
+            </a:schemeClr>
+          </a:lnRef>
+          <a:fillRef idx="1">
+            <a:schemeClr val="accent1"/>
+          </a:fillRef>
+          <a:effectRef idx="0">
+            <a:schemeClr val="accent1"/>
+          </a:effectRef>
+          <a:fontRef idx="minor">
+            <a:schemeClr val="lt1"/>
+          </a:fontRef>
+        </p:style>
+        <p:txBody>
+          <a:bodyPr rtlCol="0" anchor="ctr"/>
+          <a:lstStyle/>
+          <a:p>
+            <a:pPr algn="ctr"/>
+            <a:r>
+              <a:rPr lang="en-US" sz="2400" b="1" dirty="0"/>
+              <a:t>&gt;_</a:t>
+            </a:r>
+            <a:r>
+              <a:rPr lang="en-US" sz="2400" dirty="0"/>
+              <a:t> Code</a:t>
+            </a:r>
+          </a:p>
+        </p:txBody>
+      </p:sp>
+    </p:spTree>
+    <p:extLst>
+      <p:ext uri="{BB962C8B-B14F-4D97-AF65-F5344CB8AC3E}">
+        <p14:creationId xmlns:p14="http://schemas.microsoft.com/office/powerpoint/2010/main" val="632824908"/>
+      </p:ext>
+    </p:extLst>
+  </p:cSld>
+  <p:clrMapOvr>
+    <a:masterClrMapping/>
+  </p:clrMapOvr>
+</p:sld>
+</file>
+
+<file path=ppt/slides/slide13.xml><?xml version="1.0" encoding="utf-8"?>
+<p:sld xmlns:a="http://schemas.openxmlformats.org/drawingml/2006/main" xmlns:r="http://schemas.openxmlformats.org/officeDocument/2006/relationships" xmlns:p="http://schemas.openxmlformats.org/presentationml/2006/main">
+  <p:cSld>
+    <p:spTree>
+      <p:nvGrpSpPr>
+        <p:cNvPr id="1" name=""/>
+        <p:cNvGrpSpPr/>
+        <p:nvPr/>
+      </p:nvGrpSpPr>
+      <p:grpSpPr>
+        <a:xfrm>
+          <a:off x="0" y="0"/>
+          <a:ext cx="0" cy="0"/>
+          <a:chOff x="0" y="0"/>
+          <a:chExt cx="0" cy="0"/>
+        </a:xfrm>
+      </p:grpSpPr>
+      <p:sp>
+        <p:nvSpPr>
+          <p:cNvPr id="2" name="Title 1">
+            <a:extLst>
+              <a:ext uri="{FF2B5EF4-FFF2-40B4-BE49-F238E27FC236}">
                 <a16:creationId xmlns:a16="http://schemas.microsoft.com/office/drawing/2014/main" id="{C95F8EB1-BC70-4BFB-90BC-0887F07DA008}"/>
               </a:ext>
             </a:extLst>
@@ -6380,7 +7802,7 @@
 </p:sld>
 </file>
 
-<file path=ppt/slides/slide13.xml><?xml version="1.0" encoding="utf-8"?>
+<file path=ppt/slides/slide14.xml><?xml version="1.0" encoding="utf-8"?>
 <p:sld xmlns:a="http://schemas.openxmlformats.org/drawingml/2006/main" xmlns:r="http://schemas.openxmlformats.org/officeDocument/2006/relationships" xmlns:p="http://schemas.openxmlformats.org/presentationml/2006/main">
   <p:cSld>
     <p:spTree>
@@ -6555,7 +7977,135 @@
 </p:sld>
 </file>
 
-<file path=ppt/slides/slide14.xml><?xml version="1.0" encoding="utf-8"?>
+<file path=ppt/slides/slide15.xml><?xml version="1.0" encoding="utf-8"?>
+<p:sld xmlns:a="http://schemas.openxmlformats.org/drawingml/2006/main" xmlns:r="http://schemas.openxmlformats.org/officeDocument/2006/relationships" xmlns:p="http://schemas.openxmlformats.org/presentationml/2006/main" show="0">
+  <p:cSld>
+    <p:spTree>
+      <p:nvGrpSpPr>
+        <p:cNvPr id="1" name=""/>
+        <p:cNvGrpSpPr/>
+        <p:nvPr/>
+      </p:nvGrpSpPr>
+      <p:grpSpPr>
+        <a:xfrm>
+          <a:off x="0" y="0"/>
+          <a:ext cx="0" cy="0"/>
+          <a:chOff x="0" y="0"/>
+          <a:chExt cx="0" cy="0"/>
+        </a:xfrm>
+      </p:grpSpPr>
+      <p:sp>
+        <p:nvSpPr>
+          <p:cNvPr id="2" name="Title 1">
+            <a:extLst>
+              <a:ext uri="{FF2B5EF4-FFF2-40B4-BE49-F238E27FC236}">
+                <a16:creationId xmlns:a16="http://schemas.microsoft.com/office/drawing/2014/main" id="{DED03D64-6247-4466-9B7E-B269169FAA19}"/>
+              </a:ext>
+            </a:extLst>
+          </p:cNvPr>
+          <p:cNvSpPr>
+            <a:spLocks noGrp="1"/>
+          </p:cNvSpPr>
+          <p:nvPr>
+            <p:ph type="title"/>
+          </p:nvPr>
+        </p:nvSpPr>
+        <p:spPr/>
+        <p:txBody>
+          <a:bodyPr/>
+          <a:lstStyle/>
+          <a:p>
+            <a:endParaRPr lang="en-US"/>
+          </a:p>
+        </p:txBody>
+      </p:sp>
+      <p:sp>
+        <p:nvSpPr>
+          <p:cNvPr id="3" name="Content Placeholder 2">
+            <a:extLst>
+              <a:ext uri="{FF2B5EF4-FFF2-40B4-BE49-F238E27FC236}">
+                <a16:creationId xmlns:a16="http://schemas.microsoft.com/office/drawing/2014/main" id="{92C988B1-5332-4D48-9CB0-FD2852765949}"/>
+              </a:ext>
+            </a:extLst>
+          </p:cNvPr>
+          <p:cNvSpPr>
+            <a:spLocks noGrp="1"/>
+          </p:cNvSpPr>
+          <p:nvPr>
+            <p:ph idx="1"/>
+          </p:nvPr>
+        </p:nvSpPr>
+        <p:spPr/>
+        <p:txBody>
+          <a:bodyPr/>
+          <a:lstStyle/>
+          <a:p>
+            <a:endParaRPr lang="en-US"/>
+          </a:p>
+        </p:txBody>
+      </p:sp>
+      <p:pic>
+        <p:nvPicPr>
+          <p:cNvPr id="1026" name="Picture 2" descr="article header image">
+            <a:hlinkClick r:id="rId3"/>
+            <a:extLst>
+              <a:ext uri="{FF2B5EF4-FFF2-40B4-BE49-F238E27FC236}">
+                <a16:creationId xmlns:a16="http://schemas.microsoft.com/office/drawing/2014/main" id="{7F956F18-5A0D-4A4A-A140-A529A843D048}"/>
+              </a:ext>
+            </a:extLst>
+          </p:cNvPr>
+          <p:cNvPicPr>
+            <a:picLocks noChangeAspect="1" noChangeArrowheads="1"/>
+          </p:cNvPicPr>
+          <p:nvPr/>
+        </p:nvPicPr>
+        <p:blipFill>
+          <a:blip r:embed="rId4">
+            <a:extLst>
+              <a:ext uri="{28A0092B-C50C-407E-A947-70E740481C1C}">
+                <a14:useLocalDpi xmlns:a14="http://schemas.microsoft.com/office/drawing/2010/main" val="0"/>
+              </a:ext>
+            </a:extLst>
+          </a:blip>
+          <a:srcRect/>
+          <a:stretch>
+            <a:fillRect/>
+          </a:stretch>
+        </p:blipFill>
+        <p:spPr bwMode="auto">
+          <a:xfrm>
+            <a:off x="1261241" y="16554"/>
+            <a:ext cx="9222827" cy="6824892"/>
+          </a:xfrm>
+          <a:prstGeom prst="rect">
+            <a:avLst/>
+          </a:prstGeom>
+          <a:noFill/>
+          <a:extLst>
+            <a:ext uri="{909E8E84-426E-40DD-AFC4-6F175D3DCCD1}">
+              <a14:hiddenFill xmlns:a14="http://schemas.microsoft.com/office/drawing/2010/main">
+                <a:solidFill>
+                  <a:srgbClr val="FFFFFF"/>
+                </a:solidFill>
+              </a14:hiddenFill>
+            </a:ext>
+          </a:extLst>
+        </p:spPr>
+      </p:pic>
+    </p:spTree>
+    <p:extLst>
+      <p:ext uri="{BB962C8B-B14F-4D97-AF65-F5344CB8AC3E}">
+        <p14:creationId xmlns:p14="http://schemas.microsoft.com/office/powerpoint/2010/main" val="3843071050"/>
+      </p:ext>
+    </p:extLst>
+  </p:cSld>
+  <p:clrMapOvr>
+    <a:masterClrMapping/>
+  </p:clrMapOvr>
+</p:sld>
+</file>
+
+<file path=ppt/slides/slide16.xml><?xml version="1.0" encoding="utf-8"?>
 <p:sld xmlns:a="http://schemas.openxmlformats.org/drawingml/2006/main" xmlns:r="http://schemas.openxmlformats.org/officeDocument/2006/relationships" xmlns:p="http://schemas.openxmlformats.org/presentationml/2006/main">
   <p:cSld>
     <p:spTree>
@@ -6687,7 +8237,7 @@
 </p:sld>
 </file>
 
-<file path=ppt/slides/slide15.xml><?xml version="1.0" encoding="utf-8"?>
+<file path=ppt/slides/slide17.xml><?xml version="1.0" encoding="utf-8"?>
 <p:sld xmlns:a="http://schemas.openxmlformats.org/drawingml/2006/main" xmlns:r="http://schemas.openxmlformats.org/officeDocument/2006/relationships" xmlns:p="http://schemas.openxmlformats.org/presentationml/2006/main">
   <p:cSld>
     <p:spTree>
@@ -6797,7 +8347,7 @@
 </p:sld>
 </file>
 
-<file path=ppt/slides/slide16.xml><?xml version="1.0" encoding="utf-8"?>
+<file path=ppt/slides/slide18.xml><?xml version="1.0" encoding="utf-8"?>
 <p:sld xmlns:a="http://schemas.openxmlformats.org/drawingml/2006/main" xmlns:r="http://schemas.openxmlformats.org/officeDocument/2006/relationships" xmlns:p="http://schemas.openxmlformats.org/presentationml/2006/main">
   <p:cSld>
     <p:spTree>

--- a/slides/01_softwareTutorial.pptx
+++ b/slides/01_softwareTutorial.pptx
@@ -5,7 +5,7 @@
     <p:sldMasterId id="2147483648" r:id="rId1"/>
   </p:sldMasterIdLst>
   <p:notesMasterIdLst>
-    <p:notesMasterId r:id="rId20"/>
+    <p:notesMasterId r:id="rId21"/>
   </p:notesMasterIdLst>
   <p:sldIdLst>
     <p:sldId id="256" r:id="rId2"/>
@@ -23,9 +23,10 @@
     <p:sldId id="264" r:id="rId14"/>
     <p:sldId id="268" r:id="rId15"/>
     <p:sldId id="270" r:id="rId16"/>
-    <p:sldId id="261" r:id="rId17"/>
-    <p:sldId id="262" r:id="rId18"/>
-    <p:sldId id="271" r:id="rId19"/>
+    <p:sldId id="274" r:id="rId17"/>
+    <p:sldId id="261" r:id="rId18"/>
+    <p:sldId id="262" r:id="rId19"/>
+    <p:sldId id="271" r:id="rId20"/>
   </p:sldIdLst>
   <p:sldSz cx="12192000" cy="6858000"/>
   <p:notesSz cx="6858000" cy="9144000"/>
@@ -214,7 +215,7 @@
           <a:p>
             <a:fld id="{CA6E81E7-F4C5-4048-8654-5723B2F7EB41}" type="datetimeFigureOut">
               <a:rPr lang="en-US" smtClean="0"/>
-              <a:t>4/21/2020</a:t>
+              <a:t>4/28/2020</a:t>
             </a:fld>
             <a:endParaRPr lang="en-US"/>
           </a:p>
@@ -740,7 +741,7 @@
           <a:p>
             <a:fld id="{7677C2CC-2023-45DB-8917-C16B4F38B900}" type="slidenum">
               <a:rPr lang="en-US" smtClean="0"/>
-              <a:t>16</a:t>
+              <a:t>17</a:t>
             </a:fld>
             <a:endParaRPr lang="en-US"/>
           </a:p>
@@ -833,7 +834,7 @@
           <a:p>
             <a:fld id="{7677C2CC-2023-45DB-8917-C16B4F38B900}" type="slidenum">
               <a:rPr lang="en-US" smtClean="0"/>
-              <a:t>17</a:t>
+              <a:t>18</a:t>
             </a:fld>
             <a:endParaRPr lang="en-US"/>
           </a:p>
@@ -920,7 +921,7 @@
           <a:p>
             <a:fld id="{7677C2CC-2023-45DB-8917-C16B4F38B900}" type="slidenum">
               <a:rPr lang="en-US" smtClean="0"/>
-              <a:t>18</a:t>
+              <a:t>19</a:t>
             </a:fld>
             <a:endParaRPr lang="en-US"/>
           </a:p>
@@ -1459,6 +1460,145 @@
               <a:rPr lang="en-US" dirty="0"/>
               <a:t>3D arrays examples: RGB images</a:t>
             </a:r>
+          </a:p>
+          <a:p>
+            <a:endParaRPr lang="en-US" dirty="0"/>
+          </a:p>
+          <a:p>
+            <a:r>
+              <a:rPr lang="en-US" sz="1200" b="0" kern="1200" dirty="0">
+                <a:solidFill>
+                  <a:schemeClr val="tx1"/>
+                </a:solidFill>
+                <a:effectLst/>
+                <a:latin typeface="+mn-lt"/>
+                <a:ea typeface="+mn-ea"/>
+                <a:cs typeface="+mn-cs"/>
+              </a:rPr>
+              <a:t>a2D=</a:t>
+            </a:r>
+            <a:r>
+              <a:rPr lang="en-US" sz="1200" b="0" kern="1200" dirty="0" err="1">
+                <a:solidFill>
+                  <a:schemeClr val="tx1"/>
+                </a:solidFill>
+                <a:effectLst/>
+                <a:latin typeface="+mn-lt"/>
+                <a:ea typeface="+mn-ea"/>
+                <a:cs typeface="+mn-cs"/>
+              </a:rPr>
+              <a:t>np.array</a:t>
+            </a:r>
+            <a:r>
+              <a:rPr lang="en-US" sz="1200" b="0" kern="1200" dirty="0">
+                <a:solidFill>
+                  <a:schemeClr val="tx1"/>
+                </a:solidFill>
+                <a:effectLst/>
+                <a:latin typeface="+mn-lt"/>
+                <a:ea typeface="+mn-ea"/>
+                <a:cs typeface="+mn-cs"/>
+              </a:rPr>
+              <a:t>([[1,2,3,4], [4,5,6,7],range(8,12)]);a2D.shape;a2D</a:t>
+            </a:r>
+          </a:p>
+          <a:p>
+            <a:r>
+              <a:rPr lang="en-US" sz="1200" b="0" kern="1200" dirty="0">
+                <a:solidFill>
+                  <a:schemeClr val="tx1"/>
+                </a:solidFill>
+                <a:effectLst/>
+                <a:latin typeface="+mn-lt"/>
+                <a:ea typeface="+mn-ea"/>
+                <a:cs typeface="+mn-cs"/>
+              </a:rPr>
+              <a:t>x=</a:t>
+            </a:r>
+            <a:r>
+              <a:rPr lang="en-US" sz="1200" b="0" kern="1200" dirty="0" err="1">
+                <a:solidFill>
+                  <a:schemeClr val="tx1"/>
+                </a:solidFill>
+                <a:effectLst/>
+                <a:latin typeface="+mn-lt"/>
+                <a:ea typeface="+mn-ea"/>
+                <a:cs typeface="+mn-cs"/>
+              </a:rPr>
+              <a:t>np.array</a:t>
+            </a:r>
+            <a:r>
+              <a:rPr lang="en-US" sz="1200" b="0" kern="1200" dirty="0">
+                <a:solidFill>
+                  <a:schemeClr val="tx1"/>
+                </a:solidFill>
+                <a:effectLst/>
+                <a:latin typeface="+mn-lt"/>
+                <a:ea typeface="+mn-ea"/>
+                <a:cs typeface="+mn-cs"/>
+              </a:rPr>
+              <a:t>([a2D, 100*a2D]);</a:t>
+            </a:r>
+            <a:r>
+              <a:rPr lang="en-US" sz="1200" b="0" kern="1200" dirty="0" err="1">
+                <a:solidFill>
+                  <a:schemeClr val="tx1"/>
+                </a:solidFill>
+                <a:effectLst/>
+                <a:latin typeface="+mn-lt"/>
+                <a:ea typeface="+mn-ea"/>
+                <a:cs typeface="+mn-cs"/>
+              </a:rPr>
+              <a:t>x.shape</a:t>
+            </a:r>
+            <a:endParaRPr lang="en-US" sz="1200" b="0" kern="1200" dirty="0">
+              <a:solidFill>
+                <a:schemeClr val="tx1"/>
+              </a:solidFill>
+              <a:effectLst/>
+              <a:latin typeface="+mn-lt"/>
+              <a:ea typeface="+mn-ea"/>
+              <a:cs typeface="+mn-cs"/>
+            </a:endParaRPr>
+          </a:p>
+          <a:p>
+            <a:r>
+              <a:rPr lang="en-US" sz="1200" b="0" kern="1200" dirty="0">
+                <a:solidFill>
+                  <a:schemeClr val="tx1"/>
+                </a:solidFill>
+                <a:effectLst/>
+                <a:latin typeface="+mn-lt"/>
+                <a:ea typeface="+mn-ea"/>
+                <a:cs typeface="+mn-cs"/>
+              </a:rPr>
+              <a:t>x[1,2,3]</a:t>
+            </a:r>
+          </a:p>
+          <a:p>
+            <a:br>
+              <a:rPr lang="en-US" sz="1200" b="0" kern="1200" dirty="0">
+                <a:solidFill>
+                  <a:schemeClr val="tx1"/>
+                </a:solidFill>
+                <a:effectLst/>
+                <a:latin typeface="+mn-lt"/>
+                <a:ea typeface="+mn-ea"/>
+                <a:cs typeface="+mn-cs"/>
+              </a:rPr>
+            </a:br>
+            <a:endParaRPr lang="en-US" sz="1200" b="0" kern="1200" dirty="0">
+              <a:solidFill>
+                <a:schemeClr val="tx1"/>
+              </a:solidFill>
+              <a:effectLst/>
+              <a:latin typeface="+mn-lt"/>
+              <a:ea typeface="+mn-ea"/>
+              <a:cs typeface="+mn-cs"/>
+            </a:endParaRPr>
+          </a:p>
+          <a:p>
+            <a:endParaRPr lang="en-US" dirty="0"/>
           </a:p>
         </p:txBody>
       </p:sp>
@@ -2343,7 +2483,7 @@
           <a:p>
             <a:fld id="{8FB8B4F4-5254-4862-9C13-0C9DD93BE148}" type="datetimeFigureOut">
               <a:rPr lang="en-US" smtClean="0"/>
-              <a:t>4/21/2020</a:t>
+              <a:t>4/28/2020</a:t>
             </a:fld>
             <a:endParaRPr lang="en-US"/>
           </a:p>
@@ -2541,7 +2681,7 @@
           <a:p>
             <a:fld id="{8FB8B4F4-5254-4862-9C13-0C9DD93BE148}" type="datetimeFigureOut">
               <a:rPr lang="en-US" smtClean="0"/>
-              <a:t>4/21/2020</a:t>
+              <a:t>4/28/2020</a:t>
             </a:fld>
             <a:endParaRPr lang="en-US"/>
           </a:p>
@@ -2749,7 +2889,7 @@
           <a:p>
             <a:fld id="{8FB8B4F4-5254-4862-9C13-0C9DD93BE148}" type="datetimeFigureOut">
               <a:rPr lang="en-US" smtClean="0"/>
-              <a:t>4/21/2020</a:t>
+              <a:t>4/28/2020</a:t>
             </a:fld>
             <a:endParaRPr lang="en-US"/>
           </a:p>
@@ -2947,7 +3087,7 @@
           <a:p>
             <a:fld id="{8FB8B4F4-5254-4862-9C13-0C9DD93BE148}" type="datetimeFigureOut">
               <a:rPr lang="en-US" smtClean="0"/>
-              <a:t>4/21/2020</a:t>
+              <a:t>4/28/2020</a:t>
             </a:fld>
             <a:endParaRPr lang="en-US"/>
           </a:p>
@@ -3222,7 +3362,7 @@
           <a:p>
             <a:fld id="{8FB8B4F4-5254-4862-9C13-0C9DD93BE148}" type="datetimeFigureOut">
               <a:rPr lang="en-US" smtClean="0"/>
-              <a:t>4/21/2020</a:t>
+              <a:t>4/28/2020</a:t>
             </a:fld>
             <a:endParaRPr lang="en-US"/>
           </a:p>
@@ -3487,7 +3627,7 @@
           <a:p>
             <a:fld id="{8FB8B4F4-5254-4862-9C13-0C9DD93BE148}" type="datetimeFigureOut">
               <a:rPr lang="en-US" smtClean="0"/>
-              <a:t>4/21/2020</a:t>
+              <a:t>4/28/2020</a:t>
             </a:fld>
             <a:endParaRPr lang="en-US"/>
           </a:p>
@@ -3899,7 +4039,7 @@
           <a:p>
             <a:fld id="{8FB8B4F4-5254-4862-9C13-0C9DD93BE148}" type="datetimeFigureOut">
               <a:rPr lang="en-US" smtClean="0"/>
-              <a:t>4/21/2020</a:t>
+              <a:t>4/28/2020</a:t>
             </a:fld>
             <a:endParaRPr lang="en-US"/>
           </a:p>
@@ -4040,7 +4180,7 @@
           <a:p>
             <a:fld id="{8FB8B4F4-5254-4862-9C13-0C9DD93BE148}" type="datetimeFigureOut">
               <a:rPr lang="en-US" smtClean="0"/>
-              <a:t>4/21/2020</a:t>
+              <a:t>4/28/2020</a:t>
             </a:fld>
             <a:endParaRPr lang="en-US"/>
           </a:p>
@@ -4153,7 +4293,7 @@
           <a:p>
             <a:fld id="{8FB8B4F4-5254-4862-9C13-0C9DD93BE148}" type="datetimeFigureOut">
               <a:rPr lang="en-US" smtClean="0"/>
-              <a:t>4/21/2020</a:t>
+              <a:t>4/28/2020</a:t>
             </a:fld>
             <a:endParaRPr lang="en-US"/>
           </a:p>
@@ -4464,7 +4604,7 @@
           <a:p>
             <a:fld id="{8FB8B4F4-5254-4862-9C13-0C9DD93BE148}" type="datetimeFigureOut">
               <a:rPr lang="en-US" smtClean="0"/>
-              <a:t>4/21/2020</a:t>
+              <a:t>4/28/2020</a:t>
             </a:fld>
             <a:endParaRPr lang="en-US"/>
           </a:p>
@@ -4752,7 +4892,7 @@
           <a:p>
             <a:fld id="{8FB8B4F4-5254-4862-9C13-0C9DD93BE148}" type="datetimeFigureOut">
               <a:rPr lang="en-US" smtClean="0"/>
-              <a:t>4/21/2020</a:t>
+              <a:t>4/28/2020</a:t>
             </a:fld>
             <a:endParaRPr lang="en-US"/>
           </a:p>
@@ -4993,7 +5133,7 @@
           <a:p>
             <a:fld id="{8FB8B4F4-5254-4862-9C13-0C9DD93BE148}" type="datetimeFigureOut">
               <a:rPr lang="en-US" smtClean="0"/>
-              <a:t>4/21/2020</a:t>
+              <a:t>4/28/2020</a:t>
             </a:fld>
             <a:endParaRPr lang="en-US"/>
           </a:p>
@@ -8122,112 +8262,522 @@
           <a:chExt cx="0" cy="0"/>
         </a:xfrm>
       </p:grpSpPr>
-      <p:sp>
-        <p:nvSpPr>
-          <p:cNvPr id="2" name="Title 1">
-            <a:extLst>
-              <a:ext uri="{FF2B5EF4-FFF2-40B4-BE49-F238E27FC236}">
-                <a16:creationId xmlns:a16="http://schemas.microsoft.com/office/drawing/2014/main" id="{81145683-86A2-4057-97CA-662DCFF3D0D4}"/>
-              </a:ext>
-            </a:extLst>
-          </p:cNvPr>
-          <p:cNvSpPr>
-            <a:spLocks noGrp="1"/>
-          </p:cNvSpPr>
-          <p:nvPr>
-            <p:ph type="title"/>
-          </p:nvPr>
-        </p:nvSpPr>
-        <p:spPr/>
-        <p:txBody>
-          <a:bodyPr/>
-          <a:lstStyle/>
-          <a:p>
-            <a:r>
-              <a:rPr lang="en-US" dirty="0" err="1"/>
-              <a:t>Jupyter</a:t>
-            </a:r>
-            <a:r>
-              <a:rPr lang="en-US" dirty="0"/>
-              <a:t> Lab Notebooks</a:t>
-            </a:r>
-          </a:p>
-        </p:txBody>
-      </p:sp>
-      <p:sp>
-        <p:nvSpPr>
-          <p:cNvPr id="3" name="Content Placeholder 2">
-            <a:extLst>
-              <a:ext uri="{FF2B5EF4-FFF2-40B4-BE49-F238E27FC236}">
-                <a16:creationId xmlns:a16="http://schemas.microsoft.com/office/drawing/2014/main" id="{6E4A6129-95B7-4057-B324-A55DEF7B98D2}"/>
-              </a:ext>
-            </a:extLst>
-          </p:cNvPr>
-          <p:cNvSpPr>
-            <a:spLocks noGrp="1"/>
-          </p:cNvSpPr>
-          <p:nvPr>
-            <p:ph idx="1"/>
-          </p:nvPr>
-        </p:nvSpPr>
-        <p:spPr/>
-        <p:txBody>
-          <a:bodyPr/>
-          <a:lstStyle/>
-          <a:p>
-            <a:endParaRPr lang="en-US" dirty="0"/>
-          </a:p>
-        </p:txBody>
-      </p:sp>
       <p:pic>
         <p:nvPicPr>
-          <p:cNvPr id="4" name="Picture 12" descr="Image result for jupyter logo">
-            <a:extLst>
-              <a:ext uri="{FF2B5EF4-FFF2-40B4-BE49-F238E27FC236}">
-                <a16:creationId xmlns:a16="http://schemas.microsoft.com/office/drawing/2014/main" id="{A977E875-EFD4-4585-A189-017A32B5F6DB}"/>
+          <p:cNvPr id="5" name="Graphic 4">
+            <a:extLst>
+              <a:ext uri="{FF2B5EF4-FFF2-40B4-BE49-F238E27FC236}">
+                <a16:creationId xmlns:a16="http://schemas.microsoft.com/office/drawing/2014/main" id="{F5EAC213-EDA1-48AD-9466-B446045D3572}"/>
               </a:ext>
             </a:extLst>
           </p:cNvPr>
           <p:cNvPicPr>
-            <a:picLocks noChangeAspect="1" noChangeArrowheads="1"/>
+            <a:picLocks noChangeAspect="1"/>
           </p:cNvPicPr>
           <p:nvPr/>
         </p:nvPicPr>
-        <p:blipFill rotWithShape="1">
-          <a:blip r:embed="rId3">
+        <p:blipFill>
+          <a:blip r:embed="rId2">
             <a:extLst>
               <a:ext uri="{28A0092B-C50C-407E-A947-70E740481C1C}">
                 <a14:useLocalDpi xmlns:a14="http://schemas.microsoft.com/office/drawing/2010/main" val="0"/>
               </a:ext>
+              <a:ext uri="{96DAC541-7B7A-43D3-8B79-37D633B846F1}">
+                <asvg:svgBlip xmlns:asvg="http://schemas.microsoft.com/office/drawing/2016/SVG/main" r:embed="rId3"/>
+              </a:ext>
             </a:extLst>
           </a:blip>
-          <a:srcRect l="12774" t="7408" r="57807" b="7936"/>
-          <a:stretch/>
+          <a:stretch>
+            <a:fillRect/>
+          </a:stretch>
         </p:blipFill>
-        <p:spPr bwMode="auto">
+        <p:spPr>
           <a:xfrm>
-            <a:off x="7195798" y="-30156"/>
-            <a:ext cx="1961020" cy="2116124"/>
+            <a:off x="623047" y="555203"/>
+            <a:ext cx="3939190" cy="945405"/>
           </a:xfrm>
           <a:prstGeom prst="rect">
             <a:avLst/>
           </a:prstGeom>
-          <a:noFill/>
-          <a:extLst>
-            <a:ext uri="{909E8E84-426E-40DD-AFC4-6F175D3DCCD1}">
-              <a14:hiddenFill xmlns:a14="http://schemas.microsoft.com/office/drawing/2010/main">
-                <a:solidFill>
-                  <a:srgbClr val="FFFFFF"/>
-                </a:solidFill>
-              </a14:hiddenFill>
-            </a:ext>
-          </a:extLst>
         </p:spPr>
       </p:pic>
+      <p:sp>
+        <p:nvSpPr>
+          <p:cNvPr id="6" name="Rectangle 5">
+            <a:extLst>
+              <a:ext uri="{FF2B5EF4-FFF2-40B4-BE49-F238E27FC236}">
+                <a16:creationId xmlns:a16="http://schemas.microsoft.com/office/drawing/2014/main" id="{4FDBDA8D-FDA1-446F-8241-90F73B671FB0}"/>
+              </a:ext>
+            </a:extLst>
+          </p:cNvPr>
+          <p:cNvSpPr/>
+          <p:nvPr/>
+        </p:nvSpPr>
+        <p:spPr>
+          <a:xfrm>
+            <a:off x="5396753" y="1500608"/>
+            <a:ext cx="6172200" cy="4524315"/>
+          </a:xfrm>
+          <a:prstGeom prst="rect">
+            <a:avLst/>
+          </a:prstGeom>
+          <a:solidFill>
+            <a:srgbClr val="1E1E1E"/>
+          </a:solidFill>
+        </p:spPr>
+        <p:txBody>
+          <a:bodyPr wrap="square">
+            <a:spAutoFit/>
+          </a:bodyPr>
+          <a:lstStyle/>
+          <a:p>
+            <a:r>
+              <a:rPr lang="en-US" sz="2400" dirty="0">
+                <a:solidFill>
+                  <a:srgbClr val="569CD6"/>
+                </a:solidFill>
+                <a:latin typeface="Consolas" panose="020B0609020204030204" pitchFamily="49" charset="0"/>
+              </a:rPr>
+              <a:t>import</a:t>
+            </a:r>
+            <a:r>
+              <a:rPr lang="en-US" sz="2400" dirty="0">
+                <a:solidFill>
+                  <a:srgbClr val="D4D4D4"/>
+                </a:solidFill>
+                <a:latin typeface="Consolas" panose="020B0609020204030204" pitchFamily="49" charset="0"/>
+              </a:rPr>
+              <a:t> numpy </a:t>
+            </a:r>
+            <a:r>
+              <a:rPr lang="en-US" sz="2400" dirty="0">
+                <a:solidFill>
+                  <a:srgbClr val="569CD6"/>
+                </a:solidFill>
+                <a:latin typeface="Consolas" panose="020B0609020204030204" pitchFamily="49" charset="0"/>
+              </a:rPr>
+              <a:t>as</a:t>
+            </a:r>
+            <a:r>
+              <a:rPr lang="en-US" sz="2400" dirty="0">
+                <a:solidFill>
+                  <a:srgbClr val="D4D4D4"/>
+                </a:solidFill>
+                <a:latin typeface="Consolas" panose="020B0609020204030204" pitchFamily="49" charset="0"/>
+              </a:rPr>
+              <a:t> np</a:t>
+            </a:r>
+          </a:p>
+          <a:p>
+            <a:r>
+              <a:rPr lang="en-US" sz="2400" dirty="0">
+                <a:solidFill>
+                  <a:srgbClr val="569CD6"/>
+                </a:solidFill>
+                <a:latin typeface="Consolas" panose="020B0609020204030204" pitchFamily="49" charset="0"/>
+              </a:rPr>
+              <a:t>import</a:t>
+            </a:r>
+            <a:r>
+              <a:rPr lang="en-US" sz="2400" dirty="0">
+                <a:solidFill>
+                  <a:srgbClr val="D4D4D4"/>
+                </a:solidFill>
+                <a:latin typeface="Consolas" panose="020B0609020204030204" pitchFamily="49" charset="0"/>
+              </a:rPr>
+              <a:t> matplotlib.pyplot </a:t>
+            </a:r>
+            <a:r>
+              <a:rPr lang="en-US" sz="2400" dirty="0">
+                <a:solidFill>
+                  <a:srgbClr val="569CD6"/>
+                </a:solidFill>
+                <a:latin typeface="Consolas" panose="020B0609020204030204" pitchFamily="49" charset="0"/>
+              </a:rPr>
+              <a:t>as</a:t>
+            </a:r>
+            <a:r>
+              <a:rPr lang="en-US" sz="2400" dirty="0">
+                <a:solidFill>
+                  <a:srgbClr val="D4D4D4"/>
+                </a:solidFill>
+                <a:latin typeface="Consolas" panose="020B0609020204030204" pitchFamily="49" charset="0"/>
+              </a:rPr>
+              <a:t> plt</a:t>
+            </a:r>
+          </a:p>
+          <a:p>
+            <a:r>
+              <a:rPr lang="en-US" sz="2400" dirty="0">
+                <a:solidFill>
+                  <a:srgbClr val="D4D4D4"/>
+                </a:solidFill>
+                <a:latin typeface="Consolas" panose="020B0609020204030204" pitchFamily="49" charset="0"/>
+              </a:rPr>
+              <a:t>x=</a:t>
+            </a:r>
+            <a:r>
+              <a:rPr lang="en-US" sz="2400" dirty="0" err="1">
+                <a:solidFill>
+                  <a:srgbClr val="D4D4D4"/>
+                </a:solidFill>
+                <a:latin typeface="Consolas" panose="020B0609020204030204" pitchFamily="49" charset="0"/>
+              </a:rPr>
+              <a:t>np.random.rand</a:t>
+            </a:r>
+            <a:r>
+              <a:rPr lang="en-US" sz="2400" dirty="0">
+                <a:solidFill>
+                  <a:srgbClr val="D4D4D4"/>
+                </a:solidFill>
+                <a:latin typeface="Consolas" panose="020B0609020204030204" pitchFamily="49" charset="0"/>
+              </a:rPr>
+              <a:t>(</a:t>
+            </a:r>
+            <a:r>
+              <a:rPr lang="en-US" sz="2400" dirty="0">
+                <a:solidFill>
+                  <a:srgbClr val="B5CEA8"/>
+                </a:solidFill>
+                <a:latin typeface="Consolas" panose="020B0609020204030204" pitchFamily="49" charset="0"/>
+              </a:rPr>
+              <a:t>100</a:t>
+            </a:r>
+            <a:r>
+              <a:rPr lang="en-US" sz="2400" dirty="0">
+                <a:solidFill>
+                  <a:srgbClr val="D4D4D4"/>
+                </a:solidFill>
+                <a:latin typeface="Consolas" panose="020B0609020204030204" pitchFamily="49" charset="0"/>
+              </a:rPr>
+              <a:t>)</a:t>
+            </a:r>
+          </a:p>
+          <a:p>
+            <a:r>
+              <a:rPr lang="en-US" sz="2400" dirty="0">
+                <a:solidFill>
+                  <a:srgbClr val="D4D4D4"/>
+                </a:solidFill>
+                <a:latin typeface="Consolas" panose="020B0609020204030204" pitchFamily="49" charset="0"/>
+              </a:rPr>
+              <a:t>y=</a:t>
+            </a:r>
+            <a:r>
+              <a:rPr lang="en-US" sz="2400" dirty="0" err="1">
+                <a:solidFill>
+                  <a:srgbClr val="D4D4D4"/>
+                </a:solidFill>
+                <a:latin typeface="Consolas" panose="020B0609020204030204" pitchFamily="49" charset="0"/>
+              </a:rPr>
+              <a:t>np.random.normal</a:t>
+            </a:r>
+            <a:r>
+              <a:rPr lang="en-US" sz="2400" dirty="0">
+                <a:solidFill>
+                  <a:srgbClr val="D4D4D4"/>
+                </a:solidFill>
+                <a:latin typeface="Consolas" panose="020B0609020204030204" pitchFamily="49" charset="0"/>
+              </a:rPr>
+              <a:t>(</a:t>
+            </a:r>
+            <a:r>
+              <a:rPr lang="en-US" sz="2400" dirty="0">
+                <a:solidFill>
+                  <a:srgbClr val="B5CEA8"/>
+                </a:solidFill>
+                <a:latin typeface="Consolas" panose="020B0609020204030204" pitchFamily="49" charset="0"/>
+              </a:rPr>
+              <a:t>0</a:t>
+            </a:r>
+            <a:r>
+              <a:rPr lang="en-US" sz="2400" dirty="0">
+                <a:solidFill>
+                  <a:srgbClr val="D4D4D4"/>
+                </a:solidFill>
+                <a:latin typeface="Consolas" panose="020B0609020204030204" pitchFamily="49" charset="0"/>
+              </a:rPr>
+              <a:t>,</a:t>
+            </a:r>
+            <a:r>
+              <a:rPr lang="en-US" sz="2400" dirty="0">
+                <a:solidFill>
+                  <a:srgbClr val="B5CEA8"/>
+                </a:solidFill>
+                <a:latin typeface="Consolas" panose="020B0609020204030204" pitchFamily="49" charset="0"/>
+              </a:rPr>
+              <a:t>2</a:t>
+            </a:r>
+            <a:r>
+              <a:rPr lang="en-US" sz="2400" dirty="0">
+                <a:solidFill>
+                  <a:srgbClr val="D4D4D4"/>
+                </a:solidFill>
+                <a:latin typeface="Consolas" panose="020B0609020204030204" pitchFamily="49" charset="0"/>
+              </a:rPr>
+              <a:t>, (</a:t>
+            </a:r>
+            <a:r>
+              <a:rPr lang="en-US" sz="2400" dirty="0">
+                <a:solidFill>
+                  <a:srgbClr val="B5CEA8"/>
+                </a:solidFill>
+                <a:latin typeface="Consolas" panose="020B0609020204030204" pitchFamily="49" charset="0"/>
+              </a:rPr>
+              <a:t>100</a:t>
+            </a:r>
+            <a:r>
+              <a:rPr lang="en-US" sz="2400" dirty="0">
+                <a:solidFill>
+                  <a:srgbClr val="D4D4D4"/>
+                </a:solidFill>
+                <a:latin typeface="Consolas" panose="020B0609020204030204" pitchFamily="49" charset="0"/>
+              </a:rPr>
+              <a:t>,</a:t>
+            </a:r>
+            <a:r>
+              <a:rPr lang="en-US" sz="2400" dirty="0">
+                <a:solidFill>
+                  <a:srgbClr val="B5CEA8"/>
+                </a:solidFill>
+                <a:latin typeface="Consolas" panose="020B0609020204030204" pitchFamily="49" charset="0"/>
+              </a:rPr>
+              <a:t>1</a:t>
+            </a:r>
+            <a:r>
+              <a:rPr lang="en-US" sz="2400" dirty="0">
+                <a:solidFill>
+                  <a:srgbClr val="D4D4D4"/>
+                </a:solidFill>
+                <a:latin typeface="Consolas" panose="020B0609020204030204" pitchFamily="49" charset="0"/>
+              </a:rPr>
+              <a:t>))</a:t>
+            </a:r>
+          </a:p>
+          <a:p>
+            <a:r>
+              <a:rPr lang="en-US" sz="2400" dirty="0">
+                <a:solidFill>
+                  <a:srgbClr val="D4D4D4"/>
+                </a:solidFill>
+                <a:latin typeface="Consolas" panose="020B0609020204030204" pitchFamily="49" charset="0"/>
+              </a:rPr>
+              <a:t>graph = </a:t>
+            </a:r>
+            <a:r>
+              <a:rPr lang="en-US" sz="2400" dirty="0" err="1">
+                <a:solidFill>
+                  <a:srgbClr val="D4D4D4"/>
+                </a:solidFill>
+                <a:latin typeface="Consolas" panose="020B0609020204030204" pitchFamily="49" charset="0"/>
+              </a:rPr>
+              <a:t>plt.plot</a:t>
+            </a:r>
+            <a:r>
+              <a:rPr lang="en-US" sz="2400" dirty="0">
+                <a:solidFill>
+                  <a:srgbClr val="D4D4D4"/>
+                </a:solidFill>
+                <a:latin typeface="Consolas" panose="020B0609020204030204" pitchFamily="49" charset="0"/>
+              </a:rPr>
+              <a:t>(x, y, </a:t>
+            </a:r>
+            <a:r>
+              <a:rPr lang="en-US" sz="2400" dirty="0">
+                <a:solidFill>
+                  <a:srgbClr val="CE9178"/>
+                </a:solidFill>
+                <a:latin typeface="Consolas" panose="020B0609020204030204" pitchFamily="49" charset="0"/>
+              </a:rPr>
+              <a:t>'b.'</a:t>
+            </a:r>
+            <a:r>
+              <a:rPr lang="en-US" sz="2400" dirty="0">
+                <a:solidFill>
+                  <a:srgbClr val="D4D4D4"/>
+                </a:solidFill>
+                <a:latin typeface="Consolas" panose="020B0609020204030204" pitchFamily="49" charset="0"/>
+              </a:rPr>
+              <a:t>)</a:t>
+            </a:r>
+          </a:p>
+          <a:p>
+            <a:r>
+              <a:rPr lang="en-US" sz="2400" dirty="0" err="1">
+                <a:solidFill>
+                  <a:srgbClr val="D4D4D4"/>
+                </a:solidFill>
+                <a:latin typeface="Consolas" panose="020B0609020204030204" pitchFamily="49" charset="0"/>
+              </a:rPr>
+              <a:t>plt.axhline</a:t>
+            </a:r>
+            <a:r>
+              <a:rPr lang="en-US" sz="2400" dirty="0">
+                <a:solidFill>
+                  <a:srgbClr val="D4D4D4"/>
+                </a:solidFill>
+                <a:latin typeface="Consolas" panose="020B0609020204030204" pitchFamily="49" charset="0"/>
+              </a:rPr>
+              <a:t>(</a:t>
+            </a:r>
+            <a:r>
+              <a:rPr lang="en-US" sz="2400" dirty="0">
+                <a:solidFill>
+                  <a:srgbClr val="B5CEA8"/>
+                </a:solidFill>
+                <a:latin typeface="Consolas" panose="020B0609020204030204" pitchFamily="49" charset="0"/>
+              </a:rPr>
+              <a:t>0.5</a:t>
+            </a:r>
+            <a:r>
+              <a:rPr lang="en-US" sz="2400" dirty="0">
+                <a:solidFill>
+                  <a:srgbClr val="D4D4D4"/>
+                </a:solidFill>
+                <a:latin typeface="Consolas" panose="020B0609020204030204" pitchFamily="49" charset="0"/>
+              </a:rPr>
+              <a:t>)</a:t>
+            </a:r>
+          </a:p>
+          <a:p>
+            <a:r>
+              <a:rPr lang="en-US" sz="2400" dirty="0" err="1">
+                <a:solidFill>
+                  <a:srgbClr val="D4D4D4"/>
+                </a:solidFill>
+                <a:latin typeface="Consolas" panose="020B0609020204030204" pitchFamily="49" charset="0"/>
+              </a:rPr>
+              <a:t>plt.axvline</a:t>
+            </a:r>
+            <a:r>
+              <a:rPr lang="en-US" sz="2400" dirty="0">
+                <a:solidFill>
+                  <a:srgbClr val="D4D4D4"/>
+                </a:solidFill>
+                <a:latin typeface="Consolas" panose="020B0609020204030204" pitchFamily="49" charset="0"/>
+              </a:rPr>
+              <a:t>(0.5,c='r')</a:t>
+            </a:r>
+          </a:p>
+          <a:p>
+            <a:r>
+              <a:rPr lang="en-US" sz="2400" dirty="0" err="1">
+                <a:solidFill>
+                  <a:srgbClr val="D4D4D4"/>
+                </a:solidFill>
+                <a:latin typeface="Consolas" panose="020B0609020204030204" pitchFamily="49" charset="0"/>
+              </a:rPr>
+              <a:t>plt.axis</a:t>
+            </a:r>
+            <a:r>
+              <a:rPr lang="en-US" sz="2400" dirty="0">
+                <a:solidFill>
+                  <a:srgbClr val="D4D4D4"/>
+                </a:solidFill>
+                <a:latin typeface="Consolas" panose="020B0609020204030204" pitchFamily="49" charset="0"/>
+              </a:rPr>
+              <a:t>('equal')</a:t>
+            </a:r>
+          </a:p>
+          <a:p>
+            <a:r>
+              <a:rPr lang="en-US" sz="2400" dirty="0" err="1">
+                <a:solidFill>
+                  <a:srgbClr val="D4D4D4"/>
+                </a:solidFill>
+                <a:latin typeface="Consolas" panose="020B0609020204030204" pitchFamily="49" charset="0"/>
+              </a:rPr>
+              <a:t>plt.show</a:t>
+            </a:r>
+            <a:r>
+              <a:rPr lang="en-US" sz="2400" dirty="0">
+                <a:solidFill>
+                  <a:srgbClr val="D4D4D4"/>
+                </a:solidFill>
+                <a:latin typeface="Consolas" panose="020B0609020204030204" pitchFamily="49" charset="0"/>
+              </a:rPr>
+              <a:t>()</a:t>
+            </a:r>
+          </a:p>
+          <a:p>
+            <a:br>
+              <a:rPr lang="en-US" sz="2400" dirty="0">
+                <a:solidFill>
+                  <a:srgbClr val="D4D4D4"/>
+                </a:solidFill>
+                <a:latin typeface="Consolas" panose="020B0609020204030204" pitchFamily="49" charset="0"/>
+              </a:rPr>
+            </a:br>
+            <a:r>
+              <a:rPr lang="en-US" sz="2400" dirty="0" err="1">
+                <a:solidFill>
+                  <a:srgbClr val="D4D4D4"/>
+                </a:solidFill>
+                <a:latin typeface="Consolas" panose="020B0609020204030204" pitchFamily="49" charset="0"/>
+              </a:rPr>
+              <a:t>plt.scatter</a:t>
+            </a:r>
+            <a:r>
+              <a:rPr lang="en-US" sz="2400" dirty="0">
+                <a:solidFill>
+                  <a:srgbClr val="D4D4D4"/>
+                </a:solidFill>
+                <a:latin typeface="Consolas" panose="020B0609020204030204" pitchFamily="49" charset="0"/>
+              </a:rPr>
+              <a:t>(x=x, y=y, c=</a:t>
+            </a:r>
+            <a:r>
+              <a:rPr lang="en-US" sz="2400" dirty="0">
+                <a:solidFill>
+                  <a:srgbClr val="CE9178"/>
+                </a:solidFill>
+                <a:latin typeface="Consolas" panose="020B0609020204030204" pitchFamily="49" charset="0"/>
+              </a:rPr>
+              <a:t>'g'</a:t>
+            </a:r>
+            <a:r>
+              <a:rPr lang="en-US" sz="2400" dirty="0">
+                <a:solidFill>
+                  <a:srgbClr val="D4D4D4"/>
+                </a:solidFill>
+                <a:latin typeface="Consolas" panose="020B0609020204030204" pitchFamily="49" charset="0"/>
+              </a:rPr>
+              <a:t>)</a:t>
+            </a:r>
+          </a:p>
+          <a:p>
+            <a:r>
+              <a:rPr lang="en-US" sz="2400" dirty="0" err="1">
+                <a:solidFill>
+                  <a:srgbClr val="D4D4D4"/>
+                </a:solidFill>
+                <a:latin typeface="Consolas" panose="020B0609020204030204" pitchFamily="49" charset="0"/>
+              </a:rPr>
+              <a:t>plt.show</a:t>
+            </a:r>
+            <a:r>
+              <a:rPr lang="en-US" sz="2400" dirty="0">
+                <a:solidFill>
+                  <a:srgbClr val="D4D4D4"/>
+                </a:solidFill>
+                <a:latin typeface="Consolas" panose="020B0609020204030204" pitchFamily="49" charset="0"/>
+              </a:rPr>
+              <a:t>()</a:t>
+            </a:r>
+            <a:endParaRPr lang="en-US" sz="2400" b="0" dirty="0">
+              <a:solidFill>
+                <a:srgbClr val="D4D4D4"/>
+              </a:solidFill>
+              <a:effectLst/>
+              <a:latin typeface="Consolas" panose="020B0609020204030204" pitchFamily="49" charset="0"/>
+            </a:endParaRPr>
+          </a:p>
+        </p:txBody>
+      </p:sp>
     </p:spTree>
     <p:extLst>
       <p:ext uri="{BB962C8B-B14F-4D97-AF65-F5344CB8AC3E}">
-        <p14:creationId xmlns:p14="http://schemas.microsoft.com/office/powerpoint/2010/main" val="3054027760"/>
+        <p14:creationId xmlns:p14="http://schemas.microsoft.com/office/powerpoint/2010/main" val="3799932153"/>
       </p:ext>
     </p:extLst>
   </p:cSld>
@@ -8259,6 +8809,138 @@
           <p:cNvPr id="2" name="Title 1">
             <a:extLst>
               <a:ext uri="{FF2B5EF4-FFF2-40B4-BE49-F238E27FC236}">
+                <a16:creationId xmlns:a16="http://schemas.microsoft.com/office/drawing/2014/main" id="{81145683-86A2-4057-97CA-662DCFF3D0D4}"/>
+              </a:ext>
+            </a:extLst>
+          </p:cNvPr>
+          <p:cNvSpPr>
+            <a:spLocks noGrp="1"/>
+          </p:cNvSpPr>
+          <p:nvPr>
+            <p:ph type="title"/>
+          </p:nvPr>
+        </p:nvSpPr>
+        <p:spPr/>
+        <p:txBody>
+          <a:bodyPr/>
+          <a:lstStyle/>
+          <a:p>
+            <a:r>
+              <a:rPr lang="en-US" dirty="0" err="1"/>
+              <a:t>Jupyter</a:t>
+            </a:r>
+            <a:r>
+              <a:rPr lang="en-US" dirty="0"/>
+              <a:t> Lab Notebooks</a:t>
+            </a:r>
+          </a:p>
+        </p:txBody>
+      </p:sp>
+      <p:sp>
+        <p:nvSpPr>
+          <p:cNvPr id="3" name="Content Placeholder 2">
+            <a:extLst>
+              <a:ext uri="{FF2B5EF4-FFF2-40B4-BE49-F238E27FC236}">
+                <a16:creationId xmlns:a16="http://schemas.microsoft.com/office/drawing/2014/main" id="{6E4A6129-95B7-4057-B324-A55DEF7B98D2}"/>
+              </a:ext>
+            </a:extLst>
+          </p:cNvPr>
+          <p:cNvSpPr>
+            <a:spLocks noGrp="1"/>
+          </p:cNvSpPr>
+          <p:nvPr>
+            <p:ph idx="1"/>
+          </p:nvPr>
+        </p:nvSpPr>
+        <p:spPr/>
+        <p:txBody>
+          <a:bodyPr/>
+          <a:lstStyle/>
+          <a:p>
+            <a:endParaRPr lang="en-US" dirty="0"/>
+          </a:p>
+        </p:txBody>
+      </p:sp>
+      <p:pic>
+        <p:nvPicPr>
+          <p:cNvPr id="4" name="Picture 12" descr="Image result for jupyter logo">
+            <a:extLst>
+              <a:ext uri="{FF2B5EF4-FFF2-40B4-BE49-F238E27FC236}">
+                <a16:creationId xmlns:a16="http://schemas.microsoft.com/office/drawing/2014/main" id="{A977E875-EFD4-4585-A189-017A32B5F6DB}"/>
+              </a:ext>
+            </a:extLst>
+          </p:cNvPr>
+          <p:cNvPicPr>
+            <a:picLocks noChangeAspect="1" noChangeArrowheads="1"/>
+          </p:cNvPicPr>
+          <p:nvPr/>
+        </p:nvPicPr>
+        <p:blipFill rotWithShape="1">
+          <a:blip r:embed="rId3">
+            <a:extLst>
+              <a:ext uri="{28A0092B-C50C-407E-A947-70E740481C1C}">
+                <a14:useLocalDpi xmlns:a14="http://schemas.microsoft.com/office/drawing/2010/main" val="0"/>
+              </a:ext>
+            </a:extLst>
+          </a:blip>
+          <a:srcRect l="12774" t="7408" r="57807" b="7936"/>
+          <a:stretch/>
+        </p:blipFill>
+        <p:spPr bwMode="auto">
+          <a:xfrm>
+            <a:off x="7195798" y="-30156"/>
+            <a:ext cx="1961020" cy="2116124"/>
+          </a:xfrm>
+          <a:prstGeom prst="rect">
+            <a:avLst/>
+          </a:prstGeom>
+          <a:noFill/>
+          <a:extLst>
+            <a:ext uri="{909E8E84-426E-40DD-AFC4-6F175D3DCCD1}">
+              <a14:hiddenFill xmlns:a14="http://schemas.microsoft.com/office/drawing/2010/main">
+                <a:solidFill>
+                  <a:srgbClr val="FFFFFF"/>
+                </a:solidFill>
+              </a14:hiddenFill>
+            </a:ext>
+          </a:extLst>
+        </p:spPr>
+      </p:pic>
+    </p:spTree>
+    <p:extLst>
+      <p:ext uri="{BB962C8B-B14F-4D97-AF65-F5344CB8AC3E}">
+        <p14:creationId xmlns:p14="http://schemas.microsoft.com/office/powerpoint/2010/main" val="3054027760"/>
+      </p:ext>
+    </p:extLst>
+  </p:cSld>
+  <p:clrMapOvr>
+    <a:masterClrMapping/>
+  </p:clrMapOvr>
+</p:sld>
+</file>
+
+<file path=ppt/slides/slide18.xml><?xml version="1.0" encoding="utf-8"?>
+<p:sld xmlns:a="http://schemas.openxmlformats.org/drawingml/2006/main" xmlns:r="http://schemas.openxmlformats.org/officeDocument/2006/relationships" xmlns:p="http://schemas.openxmlformats.org/presentationml/2006/main">
+  <p:cSld>
+    <p:spTree>
+      <p:nvGrpSpPr>
+        <p:cNvPr id="1" name=""/>
+        <p:cNvGrpSpPr/>
+        <p:nvPr/>
+      </p:nvGrpSpPr>
+      <p:grpSpPr>
+        <a:xfrm>
+          <a:off x="0" y="0"/>
+          <a:ext cx="0" cy="0"/>
+          <a:chOff x="0" y="0"/>
+          <a:chExt cx="0" cy="0"/>
+        </a:xfrm>
+      </p:grpSpPr>
+      <p:sp>
+        <p:nvSpPr>
+          <p:cNvPr id="2" name="Title 1">
+            <a:extLst>
+              <a:ext uri="{FF2B5EF4-FFF2-40B4-BE49-F238E27FC236}">
                 <a16:creationId xmlns:a16="http://schemas.microsoft.com/office/drawing/2014/main" id="{0EE90088-FAE6-421E-BDE5-BE146818F1C2}"/>
               </a:ext>
             </a:extLst>
@@ -8347,7 +9029,7 @@
 </p:sld>
 </file>
 
-<file path=ppt/slides/slide18.xml><?xml version="1.0" encoding="utf-8"?>
+<file path=ppt/slides/slide19.xml><?xml version="1.0" encoding="utf-8"?>
 <p:sld xmlns:a="http://schemas.openxmlformats.org/drawingml/2006/main" xmlns:r="http://schemas.openxmlformats.org/officeDocument/2006/relationships" xmlns:p="http://schemas.openxmlformats.org/presentationml/2006/main">
   <p:cSld>
     <p:spTree>

--- a/slides/01_softwareTutorial.pptx
+++ b/slides/01_softwareTutorial.pptx
@@ -215,7 +215,7 @@
           <a:p>
             <a:fld id="{CA6E81E7-F4C5-4048-8654-5723B2F7EB41}" type="datetimeFigureOut">
               <a:rPr lang="en-US" smtClean="0"/>
-              <a:t>4/28/2020</a:t>
+              <a:t>5/14/2020</a:t>
             </a:fld>
             <a:endParaRPr lang="en-US"/>
           </a:p>
@@ -2483,7 +2483,7 @@
           <a:p>
             <a:fld id="{8FB8B4F4-5254-4862-9C13-0C9DD93BE148}" type="datetimeFigureOut">
               <a:rPr lang="en-US" smtClean="0"/>
-              <a:t>4/28/2020</a:t>
+              <a:t>5/14/2020</a:t>
             </a:fld>
             <a:endParaRPr lang="en-US"/>
           </a:p>
@@ -2681,7 +2681,7 @@
           <a:p>
             <a:fld id="{8FB8B4F4-5254-4862-9C13-0C9DD93BE148}" type="datetimeFigureOut">
               <a:rPr lang="en-US" smtClean="0"/>
-              <a:t>4/28/2020</a:t>
+              <a:t>5/14/2020</a:t>
             </a:fld>
             <a:endParaRPr lang="en-US"/>
           </a:p>
@@ -2889,7 +2889,7 @@
           <a:p>
             <a:fld id="{8FB8B4F4-5254-4862-9C13-0C9DD93BE148}" type="datetimeFigureOut">
               <a:rPr lang="en-US" smtClean="0"/>
-              <a:t>4/28/2020</a:t>
+              <a:t>5/14/2020</a:t>
             </a:fld>
             <a:endParaRPr lang="en-US"/>
           </a:p>
@@ -3087,7 +3087,7 @@
           <a:p>
             <a:fld id="{8FB8B4F4-5254-4862-9C13-0C9DD93BE148}" type="datetimeFigureOut">
               <a:rPr lang="en-US" smtClean="0"/>
-              <a:t>4/28/2020</a:t>
+              <a:t>5/14/2020</a:t>
             </a:fld>
             <a:endParaRPr lang="en-US"/>
           </a:p>
@@ -3362,7 +3362,7 @@
           <a:p>
             <a:fld id="{8FB8B4F4-5254-4862-9C13-0C9DD93BE148}" type="datetimeFigureOut">
               <a:rPr lang="en-US" smtClean="0"/>
-              <a:t>4/28/2020</a:t>
+              <a:t>5/14/2020</a:t>
             </a:fld>
             <a:endParaRPr lang="en-US"/>
           </a:p>
@@ -3627,7 +3627,7 @@
           <a:p>
             <a:fld id="{8FB8B4F4-5254-4862-9C13-0C9DD93BE148}" type="datetimeFigureOut">
               <a:rPr lang="en-US" smtClean="0"/>
-              <a:t>4/28/2020</a:t>
+              <a:t>5/14/2020</a:t>
             </a:fld>
             <a:endParaRPr lang="en-US"/>
           </a:p>
@@ -4039,7 +4039,7 @@
           <a:p>
             <a:fld id="{8FB8B4F4-5254-4862-9C13-0C9DD93BE148}" type="datetimeFigureOut">
               <a:rPr lang="en-US" smtClean="0"/>
-              <a:t>4/28/2020</a:t>
+              <a:t>5/14/2020</a:t>
             </a:fld>
             <a:endParaRPr lang="en-US"/>
           </a:p>
@@ -4180,7 +4180,7 @@
           <a:p>
             <a:fld id="{8FB8B4F4-5254-4862-9C13-0C9DD93BE148}" type="datetimeFigureOut">
               <a:rPr lang="en-US" smtClean="0"/>
-              <a:t>4/28/2020</a:t>
+              <a:t>5/14/2020</a:t>
             </a:fld>
             <a:endParaRPr lang="en-US"/>
           </a:p>
@@ -4293,7 +4293,7 @@
           <a:p>
             <a:fld id="{8FB8B4F4-5254-4862-9C13-0C9DD93BE148}" type="datetimeFigureOut">
               <a:rPr lang="en-US" smtClean="0"/>
-              <a:t>4/28/2020</a:t>
+              <a:t>5/14/2020</a:t>
             </a:fld>
             <a:endParaRPr lang="en-US"/>
           </a:p>
@@ -4604,7 +4604,7 @@
           <a:p>
             <a:fld id="{8FB8B4F4-5254-4862-9C13-0C9DD93BE148}" type="datetimeFigureOut">
               <a:rPr lang="en-US" smtClean="0"/>
-              <a:t>4/28/2020</a:t>
+              <a:t>5/14/2020</a:t>
             </a:fld>
             <a:endParaRPr lang="en-US"/>
           </a:p>
@@ -4892,7 +4892,7 @@
           <a:p>
             <a:fld id="{8FB8B4F4-5254-4862-9C13-0C9DD93BE148}" type="datetimeFigureOut">
               <a:rPr lang="en-US" smtClean="0"/>
-              <a:t>4/28/2020</a:t>
+              <a:t>5/14/2020</a:t>
             </a:fld>
             <a:endParaRPr lang="en-US"/>
           </a:p>
@@ -5133,7 +5133,7 @@
           <a:p>
             <a:fld id="{8FB8B4F4-5254-4862-9C13-0C9DD93BE148}" type="datetimeFigureOut">
               <a:rPr lang="en-US" smtClean="0"/>
-              <a:t>4/28/2020</a:t>
+              <a:t>5/14/2020</a:t>
             </a:fld>
             <a:endParaRPr lang="en-US"/>
           </a:p>
@@ -7490,7 +7490,7 @@
         <p:spPr>
           <a:xfrm>
             <a:off x="5171089" y="2254447"/>
-            <a:ext cx="6840942" cy="4524315"/>
+            <a:ext cx="6840942" cy="4154984"/>
           </a:xfrm>
           <a:prstGeom prst="rect">
             <a:avLst/>
@@ -7550,7 +7550,7 @@
                 </a:solidFill>
                 <a:latin typeface="Consolas" panose="020B0609020204030204" pitchFamily="49" charset="0"/>
               </a:rPr>
-              <a:t>x = </a:t>
+              <a:t>x=</a:t>
             </a:r>
             <a:r>
               <a:rPr lang="en-US" sz="2400" dirty="0" err="1">
@@ -7595,43 +7595,61 @@
                 </a:solidFill>
                 <a:latin typeface="Consolas" panose="020B0609020204030204" pitchFamily="49" charset="0"/>
               </a:rPr>
-              <a:t>'Professor'</a:t>
-            </a:r>
-            <a:r>
-              <a:rPr lang="en-US" sz="2400" dirty="0">
-                <a:solidFill>
-                  <a:srgbClr val="D4D4D4"/>
-                </a:solidFill>
-                <a:latin typeface="Consolas" panose="020B0609020204030204" pitchFamily="49" charset="0"/>
-              </a:rPr>
-              <a:t>, </a:t>
-            </a:r>
-            <a:r>
-              <a:rPr lang="en-US" sz="2400" dirty="0">
+              <a:t>'</a:t>
+            </a:r>
+            <a:r>
+              <a:rPr lang="en-US" sz="2400" dirty="0" err="1">
                 <a:solidFill>
                   <a:srgbClr val="CE9178"/>
                 </a:solidFill>
                 <a:latin typeface="Consolas" panose="020B0609020204030204" pitchFamily="49" charset="0"/>
               </a:rPr>
-              <a:t>'Students'</a:t>
-            </a:r>
-            <a:r>
-              <a:rPr lang="en-US" sz="2400" dirty="0">
-                <a:solidFill>
-                  <a:srgbClr val="D4D4D4"/>
-                </a:solidFill>
-                <a:latin typeface="Consolas" panose="020B0609020204030204" pitchFamily="49" charset="0"/>
-              </a:rPr>
-              <a:t>], </a:t>
-            </a:r>
-            <a:r>
-              <a:rPr lang="en-US" sz="2400" dirty="0">
+              <a:t>Professor'</a:t>
+            </a:r>
+            <a:r>
+              <a:rPr lang="en-US" sz="2400" dirty="0" err="1">
+                <a:solidFill>
+                  <a:srgbClr val="D4D4D4"/>
+                </a:solidFill>
+                <a:latin typeface="Consolas" panose="020B0609020204030204" pitchFamily="49" charset="0"/>
+              </a:rPr>
+              <a:t>,</a:t>
+            </a:r>
+            <a:r>
+              <a:rPr lang="en-US" sz="2400" dirty="0" err="1">
                 <a:solidFill>
                   <a:srgbClr val="CE9178"/>
                 </a:solidFill>
                 <a:latin typeface="Consolas" panose="020B0609020204030204" pitchFamily="49" charset="0"/>
               </a:rPr>
-              <a:t>’b'</a:t>
+              <a:t>'Students</a:t>
+            </a:r>
+            <a:r>
+              <a:rPr lang="en-US" sz="2400" dirty="0">
+                <a:solidFill>
+                  <a:srgbClr val="CE9178"/>
+                </a:solidFill>
+                <a:latin typeface="Consolas" panose="020B0609020204030204" pitchFamily="49" charset="0"/>
+              </a:rPr>
+              <a:t>'</a:t>
+            </a:r>
+            <a:r>
+              <a:rPr lang="en-US" sz="2400" dirty="0">
+                <a:solidFill>
+                  <a:srgbClr val="D4D4D4"/>
+                </a:solidFill>
+                <a:latin typeface="Consolas" panose="020B0609020204030204" pitchFamily="49" charset="0"/>
+              </a:rPr>
+              <a:t>],</a:t>
+            </a:r>
+            <a:r>
+              <a:rPr lang="en-US" sz="2400" dirty="0">
+                <a:solidFill>
+                  <a:srgbClr val="CE9178"/>
+                </a:solidFill>
+                <a:latin typeface="Consolas" panose="020B0609020204030204" pitchFamily="49" charset="0"/>
+              </a:rPr>
+              <a:t>'b'</a:t>
             </a:r>
             <a:r>
               <a:rPr lang="en-US" sz="2400" dirty="0">
@@ -7658,7 +7676,7 @@
                 </a:solidFill>
                 <a:latin typeface="Consolas" panose="020B0609020204030204" pitchFamily="49" charset="0"/>
               </a:rPr>
-              <a:t>, </a:t>
+              <a:t>,</a:t>
             </a:r>
             <a:r>
               <a:rPr lang="en-US" sz="2400" dirty="0">
@@ -7676,7 +7694,7 @@
                 </a:solidFill>
                 <a:latin typeface="Consolas" panose="020B0609020204030204" pitchFamily="49" charset="0"/>
               </a:rPr>
-              <a:t>]}, index = [</a:t>
+              <a:t>]},index=[</a:t>
             </a:r>
             <a:r>
               <a:rPr lang="en-US" sz="2400" dirty="0">
@@ -7694,7 +7712,7 @@
                 </a:solidFill>
                 <a:latin typeface="Consolas" panose="020B0609020204030204" pitchFamily="49" charset="0"/>
               </a:rPr>
-              <a:t>, </a:t>
+              <a:t>,</a:t>
             </a:r>
             <a:r>
               <a:rPr lang="en-US" sz="2400" dirty="0">
@@ -7703,7 +7721,7 @@
                 </a:solidFill>
                 <a:latin typeface="Consolas" panose="020B0609020204030204" pitchFamily="49" charset="0"/>
               </a:rPr>
-              <a:t>8</a:t>
+              <a:t>15</a:t>
             </a:r>
             <a:r>
               <a:rPr lang="en-US" sz="2400" dirty="0">
@@ -7745,7 +7763,7 @@
                 </a:solidFill>
                 <a:latin typeface="Consolas" panose="020B0609020204030204" pitchFamily="49" charset="0"/>
               </a:rPr>
-              <a:t># Slicing</a:t>
+              <a:t>#Slicing</a:t>
             </a:r>
             <a:endParaRPr lang="en-US" sz="2400" dirty="0">
               <a:solidFill>
@@ -7780,7 +7798,7 @@
                 </a:solidFill>
                 <a:latin typeface="Consolas" panose="020B0609020204030204" pitchFamily="49" charset="0"/>
               </a:rPr>
-              <a:t>1</a:t>
+              <a:t>15</a:t>
             </a:r>
             <a:r>
               <a:rPr lang="en-US" sz="2400" dirty="0">
@@ -7818,16 +7836,16 @@
                 </a:solidFill>
                 <a:latin typeface="Consolas" panose="020B0609020204030204" pitchFamily="49" charset="0"/>
               </a:rPr>
-              <a:t>1</a:t>
-            </a:r>
-            <a:r>
-              <a:rPr lang="en-US" sz="2400" dirty="0">
-                <a:solidFill>
-                  <a:srgbClr val="D4D4D4"/>
-                </a:solidFill>
-                <a:latin typeface="Consolas" panose="020B0609020204030204" pitchFamily="49" charset="0"/>
-              </a:rPr>
-              <a:t>,] </a:t>
+              <a:t>15</a:t>
+            </a:r>
+            <a:r>
+              <a:rPr lang="en-US" sz="2400" dirty="0">
+                <a:solidFill>
+                  <a:srgbClr val="D4D4D4"/>
+                </a:solidFill>
+                <a:latin typeface="Consolas" panose="020B0609020204030204" pitchFamily="49" charset="0"/>
+              </a:rPr>
+              <a:t>,]</a:t>
             </a:r>
             <a:r>
               <a:rPr lang="en-US" sz="2400" dirty="0">
@@ -7836,7 +7854,7 @@
                 </a:solidFill>
                 <a:latin typeface="Consolas" panose="020B0609020204030204" pitchFamily="49" charset="0"/>
               </a:rPr>
-              <a:t># index-based</a:t>
+              <a:t>#index-based</a:t>
             </a:r>
             <a:endParaRPr lang="en-US" sz="2400" dirty="0">
               <a:solidFill>

--- a/slides/01_softwareTutorial.pptx
+++ b/slides/01_softwareTutorial.pptx
@@ -5,7 +5,7 @@
     <p:sldMasterId id="2147483648" r:id="rId1"/>
   </p:sldMasterIdLst>
   <p:notesMasterIdLst>
-    <p:notesMasterId r:id="rId21"/>
+    <p:notesMasterId r:id="rId25"/>
   </p:notesMasterIdLst>
   <p:sldIdLst>
     <p:sldId id="256" r:id="rId2"/>
@@ -18,15 +18,19 @@
     <p:sldId id="265" r:id="rId9"/>
     <p:sldId id="269" r:id="rId10"/>
     <p:sldId id="266" r:id="rId11"/>
-    <p:sldId id="272" r:id="rId12"/>
-    <p:sldId id="273" r:id="rId13"/>
-    <p:sldId id="264" r:id="rId14"/>
-    <p:sldId id="268" r:id="rId15"/>
-    <p:sldId id="270" r:id="rId16"/>
+    <p:sldId id="275" r:id="rId12"/>
+    <p:sldId id="277" r:id="rId13"/>
+    <p:sldId id="278" r:id="rId14"/>
+    <p:sldId id="276" r:id="rId15"/>
+    <p:sldId id="272" r:id="rId16"/>
     <p:sldId id="274" r:id="rId17"/>
-    <p:sldId id="261" r:id="rId18"/>
-    <p:sldId id="262" r:id="rId19"/>
-    <p:sldId id="271" r:id="rId20"/>
+    <p:sldId id="273" r:id="rId18"/>
+    <p:sldId id="264" r:id="rId19"/>
+    <p:sldId id="268" r:id="rId20"/>
+    <p:sldId id="270" r:id="rId21"/>
+    <p:sldId id="261" r:id="rId22"/>
+    <p:sldId id="262" r:id="rId23"/>
+    <p:sldId id="271" r:id="rId24"/>
   </p:sldIdLst>
   <p:sldSz cx="12192000" cy="6858000"/>
   <p:notesSz cx="6858000" cy="9144000"/>
@@ -215,7 +219,7 @@
           <a:p>
             <a:fld id="{CA6E81E7-F4C5-4048-8654-5723B2F7EB41}" type="datetimeFigureOut">
               <a:rPr lang="en-US" smtClean="0"/>
-              <a:t>5/14/2020</a:t>
+              <a:t>6/4/2020</a:t>
             </a:fld>
             <a:endParaRPr lang="en-US"/>
           </a:p>
@@ -619,13 +623,182 @@
           <a:bodyPr/>
           <a:lstStyle/>
           <a:p>
-            <a:r>
-              <a:rPr lang="en-US" dirty="0">
-                <a:hlinkClick r:id="rId3"/>
-              </a:rPr>
-              <a:t>https://pbpython.com/pandas_dtypes.html</a:t>
+            <a:pPr marL="0" marR="0" lvl="0" indent="0" algn="l" defTabSz="914400" rtl="0" eaLnBrk="1" fontAlgn="auto" latinLnBrk="0" hangingPunct="1">
+              <a:lnSpc>
+                <a:spcPct val="100000"/>
+              </a:lnSpc>
+              <a:spcBef>
+                <a:spcPts val="0"/>
+              </a:spcBef>
+              <a:spcAft>
+                <a:spcPts val="0"/>
+              </a:spcAft>
+              <a:buClrTx/>
+              <a:buSzTx/>
+              <a:buFontTx/>
+              <a:buNone/>
+              <a:tabLst/>
+              <a:defRPr/>
+            </a:pPr>
+            <a:r>
+              <a:rPr lang="en-US" dirty="0"/>
+              <a:t>Practice</a:t>
+            </a:r>
+          </a:p>
+          <a:p>
+            <a:pPr marL="0" marR="0" lvl="0" indent="0" algn="l" defTabSz="914400" rtl="0" eaLnBrk="1" fontAlgn="auto" latinLnBrk="0" hangingPunct="1">
+              <a:lnSpc>
+                <a:spcPct val="100000"/>
+              </a:lnSpc>
+              <a:spcBef>
+                <a:spcPts val="0"/>
+              </a:spcBef>
+              <a:spcAft>
+                <a:spcPts val="0"/>
+              </a:spcAft>
+              <a:buClrTx/>
+              <a:buSzTx/>
+              <a:buFontTx/>
+              <a:buNone/>
+              <a:tabLst/>
+              <a:defRPr/>
+            </a:pPr>
+            <a:r>
+              <a:rPr lang="en-US" sz="1200" b="0" kern="1200" dirty="0">
+                <a:solidFill>
+                  <a:schemeClr val="tx1"/>
+                </a:solidFill>
+                <a:effectLst/>
+                <a:latin typeface="+mn-lt"/>
+                <a:ea typeface="+mn-ea"/>
+                <a:cs typeface="+mn-cs"/>
+              </a:rPr>
+              <a:t>     from </a:t>
+            </a:r>
+            <a:r>
+              <a:rPr lang="en-US" sz="1200" b="0" kern="1200" dirty="0" err="1">
+                <a:solidFill>
+                  <a:schemeClr val="tx1"/>
+                </a:solidFill>
+                <a:effectLst/>
+                <a:latin typeface="+mn-lt"/>
+                <a:ea typeface="+mn-ea"/>
+                <a:cs typeface="+mn-cs"/>
+              </a:rPr>
+              <a:t>matplotlib.image</a:t>
+            </a:r>
+            <a:r>
+              <a:rPr lang="en-US" sz="1200" b="0" kern="1200" dirty="0">
+                <a:solidFill>
+                  <a:schemeClr val="tx1"/>
+                </a:solidFill>
+                <a:effectLst/>
+                <a:latin typeface="+mn-lt"/>
+                <a:ea typeface="+mn-ea"/>
+                <a:cs typeface="+mn-cs"/>
+              </a:rPr>
+              <a:t> import </a:t>
+            </a:r>
+            <a:r>
+              <a:rPr lang="en-US" sz="1200" b="0" kern="1200" dirty="0" err="1">
+                <a:solidFill>
+                  <a:schemeClr val="tx1"/>
+                </a:solidFill>
+                <a:effectLst/>
+                <a:latin typeface="+mn-lt"/>
+                <a:ea typeface="+mn-ea"/>
+                <a:cs typeface="+mn-cs"/>
+              </a:rPr>
+              <a:t>imread</a:t>
+            </a:r>
+            <a:r>
+              <a:rPr lang="en-US" sz="1200" b="0" kern="1200" dirty="0">
+                <a:solidFill>
+                  <a:schemeClr val="tx1"/>
+                </a:solidFill>
+                <a:effectLst/>
+                <a:latin typeface="+mn-lt"/>
+                <a:ea typeface="+mn-ea"/>
+                <a:cs typeface="+mn-cs"/>
+              </a:rPr>
+              <a:t> # you could also use `</a:t>
+            </a:r>
+            <a:r>
+              <a:rPr lang="en-US" sz="1200" b="0" kern="1200" dirty="0" err="1">
+                <a:solidFill>
+                  <a:schemeClr val="tx1"/>
+                </a:solidFill>
+                <a:effectLst/>
+                <a:latin typeface="+mn-lt"/>
+                <a:ea typeface="+mn-ea"/>
+                <a:cs typeface="+mn-cs"/>
+              </a:rPr>
+              <a:t>imageio.imread</a:t>
+            </a:r>
+            <a:r>
+              <a:rPr lang="en-US" sz="1200" b="0" kern="1200" dirty="0">
+                <a:solidFill>
+                  <a:schemeClr val="tx1"/>
+                </a:solidFill>
+                <a:effectLst/>
+                <a:latin typeface="+mn-lt"/>
+                <a:ea typeface="+mn-ea"/>
+                <a:cs typeface="+mn-cs"/>
+              </a:rPr>
+              <a:t>()`</a:t>
             </a:r>
             <a:endParaRPr lang="en-US" dirty="0"/>
+          </a:p>
+          <a:p>
+            <a:pPr marL="0" marR="0" lvl="0" indent="0" algn="l" defTabSz="914400" rtl="0" eaLnBrk="1" fontAlgn="auto" latinLnBrk="0" hangingPunct="1">
+              <a:lnSpc>
+                <a:spcPct val="100000"/>
+              </a:lnSpc>
+              <a:spcBef>
+                <a:spcPts val="0"/>
+              </a:spcBef>
+              <a:spcAft>
+                <a:spcPts val="0"/>
+              </a:spcAft>
+              <a:buClrTx/>
+              <a:buSzTx/>
+              <a:buFontTx/>
+              <a:buNone/>
+              <a:tabLst/>
+              <a:defRPr/>
+            </a:pPr>
+            <a:r>
+              <a:rPr lang="en-US" dirty="0"/>
+              <a:t>     Draw Mario in this picture in </a:t>
+            </a:r>
+            <a:r>
+              <a:rPr lang="en-US" dirty="0" err="1"/>
+              <a:t>matplotlib.pyplot.</a:t>
+            </a:r>
+            <a:r>
+              <a:rPr lang="en-US" sz="1200" b="0" kern="1200" dirty="0" err="1">
+                <a:solidFill>
+                  <a:schemeClr val="tx1"/>
+                </a:solidFill>
+                <a:effectLst/>
+                <a:latin typeface="+mn-lt"/>
+                <a:ea typeface="+mn-ea"/>
+                <a:cs typeface="+mn-cs"/>
+              </a:rPr>
+              <a:t>imshow</a:t>
+            </a:r>
+            <a:r>
+              <a:rPr lang="en-US" sz="1200" b="0" kern="1200" dirty="0">
+                <a:solidFill>
+                  <a:schemeClr val="tx1"/>
+                </a:solidFill>
+                <a:effectLst/>
+                <a:latin typeface="+mn-lt"/>
+                <a:ea typeface="+mn-ea"/>
+                <a:cs typeface="+mn-cs"/>
+              </a:rPr>
+              <a:t>()</a:t>
+            </a:r>
           </a:p>
         </p:txBody>
       </p:sp>
@@ -646,7 +819,7 @@
           <a:p>
             <a:fld id="{7677C2CC-2023-45DB-8917-C16B4F38B900}" type="slidenum">
               <a:rPr lang="en-US" smtClean="0"/>
-              <a:t>15</a:t>
+              <a:t>17</a:t>
             </a:fld>
             <a:endParaRPr lang="en-US"/>
           </a:p>
@@ -655,7 +828,7 @@
     </p:spTree>
     <p:extLst>
       <p:ext uri="{BB962C8B-B14F-4D97-AF65-F5344CB8AC3E}">
-        <p14:creationId xmlns:p14="http://schemas.microsoft.com/office/powerpoint/2010/main" val="2316474949"/>
+        <p14:creationId xmlns:p14="http://schemas.microsoft.com/office/powerpoint/2010/main" val="411609990"/>
       </p:ext>
     </p:extLst>
   </p:cSld>
@@ -709,18 +882,218 @@
           <a:bodyPr/>
           <a:lstStyle/>
           <a:p>
-            <a:r>
-              <a:rPr lang="en-US" dirty="0"/>
-              <a:t>Show cells (</a:t>
-            </a:r>
-            <a:r>
-              <a:rPr lang="en-US" dirty="0" err="1"/>
-              <a:t>MarkDown</a:t>
-            </a:r>
-            <a:r>
-              <a:rPr lang="en-US" dirty="0"/>
-              <a:t> with equations and titles, Python Code and matplotlib plots)</a:t>
-            </a:r>
+            <a:pPr marL="0" marR="0" lvl="0" indent="0" algn="l" defTabSz="914400" rtl="0" eaLnBrk="1" fontAlgn="auto" latinLnBrk="0" hangingPunct="1">
+              <a:lnSpc>
+                <a:spcPct val="100000"/>
+              </a:lnSpc>
+              <a:spcBef>
+                <a:spcPts val="0"/>
+              </a:spcBef>
+              <a:spcAft>
+                <a:spcPts val="0"/>
+              </a:spcAft>
+              <a:buClrTx/>
+              <a:buSzTx/>
+              <a:buFontTx/>
+              <a:buNone/>
+              <a:tabLst/>
+              <a:defRPr/>
+            </a:pPr>
+            <a:r>
+              <a:rPr lang="en-US" sz="1200" dirty="0" err="1">
+                <a:solidFill>
+                  <a:srgbClr val="D4D4D4"/>
+                </a:solidFill>
+                <a:latin typeface="Consolas" panose="020B0609020204030204" pitchFamily="49" charset="0"/>
+              </a:rPr>
+              <a:t>x.loc</a:t>
+            </a:r>
+            <a:r>
+              <a:rPr lang="en-US" sz="1200" dirty="0">
+                <a:solidFill>
+                  <a:srgbClr val="D4D4D4"/>
+                </a:solidFill>
+                <a:latin typeface="Consolas" panose="020B0609020204030204" pitchFamily="49" charset="0"/>
+              </a:rPr>
+              <a:t>[</a:t>
+            </a:r>
+            <a:r>
+              <a:rPr lang="en-US" sz="1200" dirty="0">
+                <a:solidFill>
+                  <a:srgbClr val="B5CEA8"/>
+                </a:solidFill>
+                <a:latin typeface="Consolas" panose="020B0609020204030204" pitchFamily="49" charset="0"/>
+              </a:rPr>
+              <a:t>1</a:t>
+            </a:r>
+            <a:r>
+              <a:rPr lang="en-US" sz="1200" dirty="0">
+                <a:solidFill>
+                  <a:srgbClr val="D4D4D4"/>
+                </a:solidFill>
+                <a:latin typeface="Consolas" panose="020B0609020204030204" pitchFamily="49" charset="0"/>
+              </a:rPr>
+              <a:t>,] should be an error since 1 is not an element in the </a:t>
+            </a:r>
+            <a:r>
+              <a:rPr lang="en-US" sz="1200" dirty="0" err="1">
+                <a:solidFill>
+                  <a:srgbClr val="D4D4D4"/>
+                </a:solidFill>
+                <a:latin typeface="Consolas" panose="020B0609020204030204" pitchFamily="49" charset="0"/>
+              </a:rPr>
+              <a:t>DataFrame</a:t>
+            </a:r>
+            <a:r>
+              <a:rPr lang="en-US" sz="1200" dirty="0">
+                <a:solidFill>
+                  <a:srgbClr val="D4D4D4"/>
+                </a:solidFill>
+                <a:latin typeface="Consolas" panose="020B0609020204030204" pitchFamily="49" charset="0"/>
+              </a:rPr>
+              <a:t> index</a:t>
+            </a:r>
+          </a:p>
+          <a:p>
+            <a:pPr marL="0" marR="0" lvl="0" indent="0" algn="l" defTabSz="914400" rtl="0" eaLnBrk="1" fontAlgn="auto" latinLnBrk="0" hangingPunct="1">
+              <a:lnSpc>
+                <a:spcPct val="100000"/>
+              </a:lnSpc>
+              <a:spcBef>
+                <a:spcPts val="0"/>
+              </a:spcBef>
+              <a:spcAft>
+                <a:spcPts val="0"/>
+              </a:spcAft>
+              <a:buClrTx/>
+              <a:buSzTx/>
+              <a:buFontTx/>
+              <a:buNone/>
+              <a:tabLst/>
+              <a:defRPr/>
+            </a:pPr>
+            <a:r>
+              <a:rPr lang="en-US" sz="1200" dirty="0" err="1">
+                <a:solidFill>
+                  <a:srgbClr val="D4D4D4"/>
+                </a:solidFill>
+                <a:latin typeface="Consolas" panose="020B0609020204030204" pitchFamily="49" charset="0"/>
+              </a:rPr>
+              <a:t>x.iloc</a:t>
+            </a:r>
+            <a:r>
+              <a:rPr lang="en-US" sz="1200" dirty="0">
+                <a:solidFill>
+                  <a:srgbClr val="D4D4D4"/>
+                </a:solidFill>
+                <a:latin typeface="Consolas" panose="020B0609020204030204" pitchFamily="49" charset="0"/>
+              </a:rPr>
+              <a:t>[-1,:]</a:t>
+            </a:r>
+          </a:p>
+          <a:p>
+            <a:pPr marL="0" marR="0" lvl="0" indent="0" algn="l" defTabSz="914400" rtl="0" eaLnBrk="1" fontAlgn="auto" latinLnBrk="0" hangingPunct="1">
+              <a:lnSpc>
+                <a:spcPct val="100000"/>
+              </a:lnSpc>
+              <a:spcBef>
+                <a:spcPts val="0"/>
+              </a:spcBef>
+              <a:spcAft>
+                <a:spcPts val="0"/>
+              </a:spcAft>
+              <a:buClrTx/>
+              <a:buSzTx/>
+              <a:buFontTx/>
+              <a:buNone/>
+              <a:tabLst/>
+              <a:defRPr/>
+            </a:pPr>
+            <a:endParaRPr lang="en-US" sz="1200" dirty="0">
+              <a:solidFill>
+                <a:srgbClr val="D4D4D4"/>
+              </a:solidFill>
+              <a:latin typeface="Consolas" panose="020B0609020204030204" pitchFamily="49" charset="0"/>
+            </a:endParaRPr>
+          </a:p>
+          <a:p>
+            <a:pPr marL="0" marR="0" lvl="0" indent="0" algn="l" defTabSz="914400" rtl="0" eaLnBrk="1" fontAlgn="auto" latinLnBrk="0" hangingPunct="1">
+              <a:lnSpc>
+                <a:spcPct val="100000"/>
+              </a:lnSpc>
+              <a:spcBef>
+                <a:spcPts val="0"/>
+              </a:spcBef>
+              <a:spcAft>
+                <a:spcPts val="0"/>
+              </a:spcAft>
+              <a:buClrTx/>
+              <a:buSzTx/>
+              <a:buFontTx/>
+              <a:buNone/>
+              <a:tabLst/>
+              <a:defRPr/>
+            </a:pPr>
+            <a:r>
+              <a:rPr lang="en-US" sz="1200" dirty="0">
+                <a:solidFill>
+                  <a:srgbClr val="D4D4D4"/>
+                </a:solidFill>
+                <a:latin typeface="Consolas" panose="020B0609020204030204" pitchFamily="49" charset="0"/>
+              </a:rPr>
+              <a:t>Activity: Create a </a:t>
+            </a:r>
+            <a:r>
+              <a:rPr lang="en-US" sz="1200" dirty="0" err="1">
+                <a:solidFill>
+                  <a:srgbClr val="D4D4D4"/>
+                </a:solidFill>
+                <a:latin typeface="Consolas" panose="020B0609020204030204" pitchFamily="49" charset="0"/>
+              </a:rPr>
+              <a:t>pd.DataFrame</a:t>
+            </a:r>
+            <a:r>
+              <a:rPr lang="en-US" sz="1200" dirty="0">
+                <a:solidFill>
+                  <a:srgbClr val="D4D4D4"/>
+                </a:solidFill>
+                <a:latin typeface="Consolas" panose="020B0609020204030204" pitchFamily="49" charset="0"/>
+              </a:rPr>
+              <a:t> and slice using the approach </a:t>
+            </a:r>
+            <a:r>
+              <a:rPr lang="en-US" sz="1200" dirty="0" err="1">
+                <a:solidFill>
+                  <a:srgbClr val="D4D4D4"/>
+                </a:solidFill>
+                <a:latin typeface="Consolas" panose="020B0609020204030204" pitchFamily="49" charset="0"/>
+              </a:rPr>
+              <a:t>whe</a:t>
+            </a:r>
+            <a:r>
+              <a:rPr lang="en-US" sz="1200" dirty="0">
+                <a:solidFill>
+                  <a:srgbClr val="D4D4D4"/>
+                </a:solidFill>
+                <a:latin typeface="Consolas" panose="020B0609020204030204" pitchFamily="49" charset="0"/>
+              </a:rPr>
+              <a:t> </a:t>
+            </a:r>
+            <a:r>
+              <a:rPr lang="en-US" sz="1200">
+                <a:solidFill>
+                  <a:srgbClr val="D4D4D4"/>
+                </a:solidFill>
+                <a:latin typeface="Consolas" panose="020B0609020204030204" pitchFamily="49" charset="0"/>
+              </a:rPr>
+              <a:t>slicing text strings</a:t>
+            </a:r>
+            <a:endParaRPr lang="en-US" sz="1200" dirty="0">
+              <a:solidFill>
+                <a:srgbClr val="D4D4D4"/>
+              </a:solidFill>
+              <a:latin typeface="Consolas" panose="020B0609020204030204" pitchFamily="49" charset="0"/>
+            </a:endParaRPr>
           </a:p>
         </p:txBody>
       </p:sp>
@@ -741,7 +1114,7 @@
           <a:p>
             <a:fld id="{7677C2CC-2023-45DB-8917-C16B4F38B900}" type="slidenum">
               <a:rPr lang="en-US" smtClean="0"/>
-              <a:t>17</a:t>
+              <a:t>18</a:t>
             </a:fld>
             <a:endParaRPr lang="en-US"/>
           </a:p>
@@ -750,7 +1123,7 @@
     </p:spTree>
     <p:extLst>
       <p:ext uri="{BB962C8B-B14F-4D97-AF65-F5344CB8AC3E}">
-        <p14:creationId xmlns:p14="http://schemas.microsoft.com/office/powerpoint/2010/main" val="2404942269"/>
+        <p14:creationId xmlns:p14="http://schemas.microsoft.com/office/powerpoint/2010/main" val="1252550539"/>
       </p:ext>
     </p:extLst>
   </p:cSld>
@@ -805,14 +1178,65 @@
           <a:lstStyle/>
           <a:p>
             <a:r>
-              <a:rPr lang="en-US" dirty="0"/>
-              <a:t>Show snippets</a:t>
-            </a:r>
-          </a:p>
-          <a:p>
-            <a:r>
-              <a:rPr lang="en-US" dirty="0"/>
-              <a:t>Show how to access Zeal documentation for help</a:t>
+              <a:rPr lang="en-US" dirty="0">
+                <a:hlinkClick r:id="rId3"/>
+              </a:rPr>
+              <a:t>https://pandas.pydata.org/Pandas_Cheat_Sheet.pdf</a:t>
+            </a:r>
+            <a:endParaRPr lang="en-US" dirty="0"/>
+          </a:p>
+          <a:p>
+            <a:endParaRPr lang="en-US" b="1" dirty="0"/>
+          </a:p>
+          <a:p>
+            <a:r>
+              <a:rPr lang="en-US" b="1" dirty="0"/>
+              <a:t>Method chaining:</a:t>
+            </a:r>
+          </a:p>
+          <a:p>
+            <a:r>
+              <a:rPr lang="en-US" b="1" dirty="0" err="1"/>
+              <a:t>Pd.melt</a:t>
+            </a:r>
+            <a:r>
+              <a:rPr lang="en-US" b="1" dirty="0"/>
+              <a:t>(df).rename().</a:t>
+            </a:r>
+            <a:r>
+              <a:rPr lang="en-US" b="1" dirty="0" err="1"/>
+              <a:t>astype</a:t>
+            </a:r>
+            <a:r>
+              <a:rPr lang="en-US" b="1" dirty="0"/>
+              <a:t>()</a:t>
+            </a:r>
+          </a:p>
+          <a:p>
+            <a:endParaRPr lang="en-US" b="1" dirty="0"/>
+          </a:p>
+          <a:p>
+            <a:r>
+              <a:rPr lang="en-US" b="1" dirty="0"/>
+              <a:t>Show how to see the full documentation using Zeal </a:t>
+            </a:r>
+            <a:r>
+              <a:rPr lang="en-US" b="1" dirty="0" err="1"/>
+              <a:t>VSCode</a:t>
+            </a:r>
+            <a:r>
+              <a:rPr lang="en-US" b="1" dirty="0"/>
+              <a:t> extension, for instance</a:t>
+            </a:r>
+          </a:p>
+          <a:p>
+            <a:r>
+              <a:rPr lang="en-US" b="1" dirty="0" err="1"/>
+              <a:t>pd.melt</a:t>
+            </a:r>
+            <a:r>
+              <a:rPr lang="en-US" b="1" dirty="0"/>
+              <a:t>()</a:t>
             </a:r>
           </a:p>
         </p:txBody>
@@ -834,7 +1258,7 @@
           <a:p>
             <a:fld id="{7677C2CC-2023-45DB-8917-C16B4F38B900}" type="slidenum">
               <a:rPr lang="en-US" smtClean="0"/>
-              <a:t>18</a:t>
+              <a:t>19</a:t>
             </a:fld>
             <a:endParaRPr lang="en-US"/>
           </a:p>
@@ -843,7 +1267,7 @@
     </p:spTree>
     <p:extLst>
       <p:ext uri="{BB962C8B-B14F-4D97-AF65-F5344CB8AC3E}">
-        <p14:creationId xmlns:p14="http://schemas.microsoft.com/office/powerpoint/2010/main" val="2068651003"/>
+        <p14:creationId xmlns:p14="http://schemas.microsoft.com/office/powerpoint/2010/main" val="2064722079"/>
       </p:ext>
     </p:extLst>
   </p:cSld>
@@ -898,6 +1322,284 @@
           <a:lstStyle/>
           <a:p>
             <a:r>
+              <a:rPr lang="en-US" dirty="0">
+                <a:hlinkClick r:id="rId3"/>
+              </a:rPr>
+              <a:t>https://pbpython.com/pandas_dtypes.html</a:t>
+            </a:r>
+            <a:endParaRPr lang="en-US" dirty="0"/>
+          </a:p>
+        </p:txBody>
+      </p:sp>
+      <p:sp>
+        <p:nvSpPr>
+          <p:cNvPr id="4" name="Slide Number Placeholder 3"/>
+          <p:cNvSpPr>
+            <a:spLocks noGrp="1"/>
+          </p:cNvSpPr>
+          <p:nvPr>
+            <p:ph type="sldNum" sz="quarter" idx="5"/>
+          </p:nvPr>
+        </p:nvSpPr>
+        <p:spPr/>
+        <p:txBody>
+          <a:bodyPr/>
+          <a:lstStyle/>
+          <a:p>
+            <a:fld id="{7677C2CC-2023-45DB-8917-C16B4F38B900}" type="slidenum">
+              <a:rPr lang="en-US" smtClean="0"/>
+              <a:t>20</a:t>
+            </a:fld>
+            <a:endParaRPr lang="en-US"/>
+          </a:p>
+        </p:txBody>
+      </p:sp>
+    </p:spTree>
+    <p:extLst>
+      <p:ext uri="{BB962C8B-B14F-4D97-AF65-F5344CB8AC3E}">
+        <p14:creationId xmlns:p14="http://schemas.microsoft.com/office/powerpoint/2010/main" val="2316474949"/>
+      </p:ext>
+    </p:extLst>
+  </p:cSld>
+  <p:clrMapOvr>
+    <a:masterClrMapping/>
+  </p:clrMapOvr>
+</p:notes>
+</file>
+
+<file path=ppt/notesSlides/notesSlide14.xml><?xml version="1.0" encoding="utf-8"?>
+<p:notes xmlns:a="http://schemas.openxmlformats.org/drawingml/2006/main" xmlns:r="http://schemas.openxmlformats.org/officeDocument/2006/relationships" xmlns:p="http://schemas.openxmlformats.org/presentationml/2006/main">
+  <p:cSld>
+    <p:spTree>
+      <p:nvGrpSpPr>
+        <p:cNvPr id="1" name=""/>
+        <p:cNvGrpSpPr/>
+        <p:nvPr/>
+      </p:nvGrpSpPr>
+      <p:grpSpPr>
+        <a:xfrm>
+          <a:off x="0" y="0"/>
+          <a:ext cx="0" cy="0"/>
+          <a:chOff x="0" y="0"/>
+          <a:chExt cx="0" cy="0"/>
+        </a:xfrm>
+      </p:grpSpPr>
+      <p:sp>
+        <p:nvSpPr>
+          <p:cNvPr id="2" name="Slide Image Placeholder 1"/>
+          <p:cNvSpPr>
+            <a:spLocks noGrp="1" noRot="1" noChangeAspect="1"/>
+          </p:cNvSpPr>
+          <p:nvPr>
+            <p:ph type="sldImg"/>
+          </p:nvPr>
+        </p:nvSpPr>
+        <p:spPr/>
+      </p:sp>
+      <p:sp>
+        <p:nvSpPr>
+          <p:cNvPr id="3" name="Notes Placeholder 2"/>
+          <p:cNvSpPr>
+            <a:spLocks noGrp="1"/>
+          </p:cNvSpPr>
+          <p:nvPr>
+            <p:ph type="body" idx="1"/>
+          </p:nvPr>
+        </p:nvSpPr>
+        <p:spPr/>
+        <p:txBody>
+          <a:bodyPr/>
+          <a:lstStyle/>
+          <a:p>
+            <a:r>
+              <a:rPr lang="en-US" dirty="0"/>
+              <a:t>Show cells (</a:t>
+            </a:r>
+            <a:r>
+              <a:rPr lang="en-US" dirty="0" err="1"/>
+              <a:t>MarkDown</a:t>
+            </a:r>
+            <a:r>
+              <a:rPr lang="en-US" dirty="0"/>
+              <a:t> with equations and titles, Python Code and matplotlib plots)</a:t>
+            </a:r>
+          </a:p>
+        </p:txBody>
+      </p:sp>
+      <p:sp>
+        <p:nvSpPr>
+          <p:cNvPr id="4" name="Slide Number Placeholder 3"/>
+          <p:cNvSpPr>
+            <a:spLocks noGrp="1"/>
+          </p:cNvSpPr>
+          <p:nvPr>
+            <p:ph type="sldNum" sz="quarter" idx="5"/>
+          </p:nvPr>
+        </p:nvSpPr>
+        <p:spPr/>
+        <p:txBody>
+          <a:bodyPr/>
+          <a:lstStyle/>
+          <a:p>
+            <a:fld id="{7677C2CC-2023-45DB-8917-C16B4F38B900}" type="slidenum">
+              <a:rPr lang="en-US" smtClean="0"/>
+              <a:t>21</a:t>
+            </a:fld>
+            <a:endParaRPr lang="en-US"/>
+          </a:p>
+        </p:txBody>
+      </p:sp>
+    </p:spTree>
+    <p:extLst>
+      <p:ext uri="{BB962C8B-B14F-4D97-AF65-F5344CB8AC3E}">
+        <p14:creationId xmlns:p14="http://schemas.microsoft.com/office/powerpoint/2010/main" val="2404942269"/>
+      </p:ext>
+    </p:extLst>
+  </p:cSld>
+  <p:clrMapOvr>
+    <a:masterClrMapping/>
+  </p:clrMapOvr>
+</p:notes>
+</file>
+
+<file path=ppt/notesSlides/notesSlide15.xml><?xml version="1.0" encoding="utf-8"?>
+<p:notes xmlns:a="http://schemas.openxmlformats.org/drawingml/2006/main" xmlns:r="http://schemas.openxmlformats.org/officeDocument/2006/relationships" xmlns:p="http://schemas.openxmlformats.org/presentationml/2006/main">
+  <p:cSld>
+    <p:spTree>
+      <p:nvGrpSpPr>
+        <p:cNvPr id="1" name=""/>
+        <p:cNvGrpSpPr/>
+        <p:nvPr/>
+      </p:nvGrpSpPr>
+      <p:grpSpPr>
+        <a:xfrm>
+          <a:off x="0" y="0"/>
+          <a:ext cx="0" cy="0"/>
+          <a:chOff x="0" y="0"/>
+          <a:chExt cx="0" cy="0"/>
+        </a:xfrm>
+      </p:grpSpPr>
+      <p:sp>
+        <p:nvSpPr>
+          <p:cNvPr id="2" name="Slide Image Placeholder 1"/>
+          <p:cNvSpPr>
+            <a:spLocks noGrp="1" noRot="1" noChangeAspect="1"/>
+          </p:cNvSpPr>
+          <p:nvPr>
+            <p:ph type="sldImg"/>
+          </p:nvPr>
+        </p:nvSpPr>
+        <p:spPr/>
+      </p:sp>
+      <p:sp>
+        <p:nvSpPr>
+          <p:cNvPr id="3" name="Notes Placeholder 2"/>
+          <p:cNvSpPr>
+            <a:spLocks noGrp="1"/>
+          </p:cNvSpPr>
+          <p:nvPr>
+            <p:ph type="body" idx="1"/>
+          </p:nvPr>
+        </p:nvSpPr>
+        <p:spPr/>
+        <p:txBody>
+          <a:bodyPr/>
+          <a:lstStyle/>
+          <a:p>
+            <a:r>
+              <a:rPr lang="en-US" dirty="0"/>
+              <a:t>Show snippets</a:t>
+            </a:r>
+          </a:p>
+          <a:p>
+            <a:r>
+              <a:rPr lang="en-US" dirty="0"/>
+              <a:t>Show how to access Zeal documentation for help</a:t>
+            </a:r>
+          </a:p>
+        </p:txBody>
+      </p:sp>
+      <p:sp>
+        <p:nvSpPr>
+          <p:cNvPr id="4" name="Slide Number Placeholder 3"/>
+          <p:cNvSpPr>
+            <a:spLocks noGrp="1"/>
+          </p:cNvSpPr>
+          <p:nvPr>
+            <p:ph type="sldNum" sz="quarter" idx="5"/>
+          </p:nvPr>
+        </p:nvSpPr>
+        <p:spPr/>
+        <p:txBody>
+          <a:bodyPr/>
+          <a:lstStyle/>
+          <a:p>
+            <a:fld id="{7677C2CC-2023-45DB-8917-C16B4F38B900}" type="slidenum">
+              <a:rPr lang="en-US" smtClean="0"/>
+              <a:t>22</a:t>
+            </a:fld>
+            <a:endParaRPr lang="en-US"/>
+          </a:p>
+        </p:txBody>
+      </p:sp>
+    </p:spTree>
+    <p:extLst>
+      <p:ext uri="{BB962C8B-B14F-4D97-AF65-F5344CB8AC3E}">
+        <p14:creationId xmlns:p14="http://schemas.microsoft.com/office/powerpoint/2010/main" val="2068651003"/>
+      </p:ext>
+    </p:extLst>
+  </p:cSld>
+  <p:clrMapOvr>
+    <a:masterClrMapping/>
+  </p:clrMapOvr>
+</p:notes>
+</file>
+
+<file path=ppt/notesSlides/notesSlide16.xml><?xml version="1.0" encoding="utf-8"?>
+<p:notes xmlns:a="http://schemas.openxmlformats.org/drawingml/2006/main" xmlns:r="http://schemas.openxmlformats.org/officeDocument/2006/relationships" xmlns:p="http://schemas.openxmlformats.org/presentationml/2006/main">
+  <p:cSld>
+    <p:spTree>
+      <p:nvGrpSpPr>
+        <p:cNvPr id="1" name=""/>
+        <p:cNvGrpSpPr/>
+        <p:nvPr/>
+      </p:nvGrpSpPr>
+      <p:grpSpPr>
+        <a:xfrm>
+          <a:off x="0" y="0"/>
+          <a:ext cx="0" cy="0"/>
+          <a:chOff x="0" y="0"/>
+          <a:chExt cx="0" cy="0"/>
+        </a:xfrm>
+      </p:grpSpPr>
+      <p:sp>
+        <p:nvSpPr>
+          <p:cNvPr id="2" name="Slide Image Placeholder 1"/>
+          <p:cNvSpPr>
+            <a:spLocks noGrp="1" noRot="1" noChangeAspect="1"/>
+          </p:cNvSpPr>
+          <p:nvPr>
+            <p:ph type="sldImg"/>
+          </p:nvPr>
+        </p:nvSpPr>
+        <p:spPr/>
+      </p:sp>
+      <p:sp>
+        <p:nvSpPr>
+          <p:cNvPr id="3" name="Notes Placeholder 2"/>
+          <p:cNvSpPr>
+            <a:spLocks noGrp="1"/>
+          </p:cNvSpPr>
+          <p:nvPr>
+            <p:ph type="body" idx="1"/>
+          </p:nvPr>
+        </p:nvSpPr>
+        <p:spPr/>
+        <p:txBody>
+          <a:bodyPr/>
+          <a:lstStyle/>
+          <a:p>
+            <a:r>
               <a:rPr lang="en-US" dirty="0"/>
               <a:t>Due date = 2 classes forward</a:t>
             </a:r>
@@ -921,7 +1623,7 @@
           <a:p>
             <a:fld id="{7677C2CC-2023-45DB-8917-C16B4F38B900}" type="slidenum">
               <a:rPr lang="en-US" smtClean="0"/>
-              <a:t>19</a:t>
+              <a:t>23</a:t>
             </a:fld>
             <a:endParaRPr lang="en-US"/>
           </a:p>
@@ -1458,13 +2160,64 @@
           <a:p>
             <a:r>
               <a:rPr lang="en-US" dirty="0"/>
-              <a:t>3D arrays examples: RGB images</a:t>
-            </a:r>
-          </a:p>
-          <a:p>
-            <a:endParaRPr lang="en-US" dirty="0"/>
-          </a:p>
-          <a:p>
+              <a:t>for </a:t>
+            </a:r>
+            <a:r>
+              <a:rPr lang="en-US" dirty="0" err="1"/>
+              <a:t>i</a:t>
+            </a:r>
+            <a:r>
+              <a:rPr lang="en-US" dirty="0"/>
+              <a:t> in range(3): #iterator</a:t>
+            </a:r>
+          </a:p>
+          <a:p>
+            <a:r>
+              <a:rPr lang="en-US" dirty="0"/>
+              <a:t>for x in ‘ABCD’: # list</a:t>
+            </a:r>
+          </a:p>
+          <a:p>
+            <a:pPr marL="0" marR="0" lvl="0" indent="0" algn="l" defTabSz="914400" rtl="0" eaLnBrk="1" fontAlgn="auto" latinLnBrk="0" hangingPunct="1">
+              <a:lnSpc>
+                <a:spcPct val="100000"/>
+              </a:lnSpc>
+              <a:spcBef>
+                <a:spcPts val="0"/>
+              </a:spcBef>
+              <a:spcAft>
+                <a:spcPts val="0"/>
+              </a:spcAft>
+              <a:buClrTx/>
+              <a:buSzTx/>
+              <a:buFontTx/>
+              <a:buNone/>
+              <a:tabLst/>
+              <a:defRPr/>
+            </a:pPr>
+            <a:r>
+              <a:rPr lang="en-US" dirty="0"/>
+              <a:t>for x in (4, 6, 8): # tuples</a:t>
+            </a:r>
+          </a:p>
+          <a:p>
+            <a:pPr marL="0" marR="0" lvl="0" indent="0" algn="l" defTabSz="914400" rtl="0" eaLnBrk="1" fontAlgn="auto" latinLnBrk="0" hangingPunct="1">
+              <a:lnSpc>
+                <a:spcPct val="100000"/>
+              </a:lnSpc>
+              <a:spcBef>
+                <a:spcPts val="0"/>
+              </a:spcBef>
+              <a:spcAft>
+                <a:spcPts val="0"/>
+              </a:spcAft>
+              <a:buClrTx/>
+              <a:buSzTx/>
+              <a:buFontTx/>
+              <a:buNone/>
+              <a:tabLst/>
+              <a:defRPr/>
+            </a:pPr>
             <a:r>
               <a:rPr lang="en-US" sz="1200" b="0" kern="1200" dirty="0">
                 <a:solidFill>
@@ -1475,7 +2228,7 @@
                 <a:ea typeface="+mn-ea"/>
                 <a:cs typeface="+mn-cs"/>
               </a:rPr>
-              <a:t>a2D=</a:t>
+              <a:t>for </a:t>
             </a:r>
             <a:r>
               <a:rPr lang="en-US" sz="1200" b="0" kern="1200" dirty="0" err="1">
@@ -1487,7 +2240,7 @@
                 <a:ea typeface="+mn-ea"/>
                 <a:cs typeface="+mn-cs"/>
               </a:rPr>
-              <a:t>np.array</a:t>
+              <a:t>i</a:t>
             </a:r>
             <a:r>
               <a:rPr lang="en-US" sz="1200" b="0" kern="1200" dirty="0">
@@ -1499,12 +2252,10 @@
                 <a:ea typeface="+mn-ea"/>
                 <a:cs typeface="+mn-cs"/>
               </a:rPr>
-              <a:t>([[1,2,3,4], [4,5,6,7],range(8,12)]);a2D.shape;a2D</a:t>
-            </a:r>
-          </a:p>
-          <a:p>
-            <a:r>
-              <a:rPr lang="en-US" sz="1200" b="0" kern="1200" dirty="0">
+              <a:t> in {'a':4, 'b':5}: # </a:t>
+            </a:r>
+            <a:r>
+              <a:rPr lang="en-US" sz="1200" b="0" kern="1200" dirty="0" err="1">
                 <a:solidFill>
                   <a:schemeClr val="tx1"/>
                 </a:solidFill>
@@ -1513,89 +2264,9 @@
                 <a:ea typeface="+mn-ea"/>
                 <a:cs typeface="+mn-cs"/>
               </a:rPr>
-              <a:t>x=</a:t>
-            </a:r>
-            <a:r>
-              <a:rPr lang="en-US" sz="1200" b="0" kern="1200" dirty="0" err="1">
-                <a:solidFill>
-                  <a:schemeClr val="tx1"/>
-                </a:solidFill>
-                <a:effectLst/>
-                <a:latin typeface="+mn-lt"/>
-                <a:ea typeface="+mn-ea"/>
-                <a:cs typeface="+mn-cs"/>
-              </a:rPr>
-              <a:t>np.array</a:t>
-            </a:r>
-            <a:r>
-              <a:rPr lang="en-US" sz="1200" b="0" kern="1200" dirty="0">
-                <a:solidFill>
-                  <a:schemeClr val="tx1"/>
-                </a:solidFill>
-                <a:effectLst/>
-                <a:latin typeface="+mn-lt"/>
-                <a:ea typeface="+mn-ea"/>
-                <a:cs typeface="+mn-cs"/>
-              </a:rPr>
-              <a:t>([a2D, 100*a2D]);</a:t>
-            </a:r>
-            <a:r>
-              <a:rPr lang="en-US" sz="1200" b="0" kern="1200" dirty="0" err="1">
-                <a:solidFill>
-                  <a:schemeClr val="tx1"/>
-                </a:solidFill>
-                <a:effectLst/>
-                <a:latin typeface="+mn-lt"/>
-                <a:ea typeface="+mn-ea"/>
-                <a:cs typeface="+mn-cs"/>
-              </a:rPr>
-              <a:t>x.shape</a:t>
-            </a:r>
-            <a:endParaRPr lang="en-US" sz="1200" b="0" kern="1200" dirty="0">
-              <a:solidFill>
-                <a:schemeClr val="tx1"/>
-              </a:solidFill>
-              <a:effectLst/>
-              <a:latin typeface="+mn-lt"/>
-              <a:ea typeface="+mn-ea"/>
-              <a:cs typeface="+mn-cs"/>
-            </a:endParaRPr>
-          </a:p>
-          <a:p>
-            <a:r>
-              <a:rPr lang="en-US" sz="1200" b="0" kern="1200" dirty="0">
-                <a:solidFill>
-                  <a:schemeClr val="tx1"/>
-                </a:solidFill>
-                <a:effectLst/>
-                <a:latin typeface="+mn-lt"/>
-                <a:ea typeface="+mn-ea"/>
-                <a:cs typeface="+mn-cs"/>
-              </a:rPr>
-              <a:t>x[1,2,3]</a:t>
-            </a:r>
-          </a:p>
-          <a:p>
-            <a:br>
-              <a:rPr lang="en-US" sz="1200" b="0" kern="1200" dirty="0">
-                <a:solidFill>
-                  <a:schemeClr val="tx1"/>
-                </a:solidFill>
-                <a:effectLst/>
-                <a:latin typeface="+mn-lt"/>
-                <a:ea typeface="+mn-ea"/>
-                <a:cs typeface="+mn-cs"/>
-              </a:rPr>
-            </a:br>
-            <a:endParaRPr lang="en-US" sz="1200" b="0" kern="1200" dirty="0">
-              <a:solidFill>
-                <a:schemeClr val="tx1"/>
-              </a:solidFill>
-              <a:effectLst/>
-              <a:latin typeface="+mn-lt"/>
-              <a:ea typeface="+mn-ea"/>
-              <a:cs typeface="+mn-cs"/>
-            </a:endParaRPr>
+              <a:t>dict</a:t>
+            </a:r>
+            <a:endParaRPr lang="en-US" dirty="0"/>
           </a:p>
           <a:p>
             <a:endParaRPr lang="en-US" dirty="0"/>
@@ -1628,7 +2299,7 @@
     </p:spTree>
     <p:extLst>
       <p:ext uri="{BB962C8B-B14F-4D97-AF65-F5344CB8AC3E}">
-        <p14:creationId xmlns:p14="http://schemas.microsoft.com/office/powerpoint/2010/main" val="1688557030"/>
+        <p14:creationId xmlns:p14="http://schemas.microsoft.com/office/powerpoint/2010/main" val="2596608458"/>
       </p:ext>
     </p:extLst>
   </p:cSld>
@@ -1682,46 +2353,6 @@
           <a:bodyPr/>
           <a:lstStyle/>
           <a:p>
-            <a:pPr marL="0" marR="0" lvl="0" indent="0" algn="l" defTabSz="914400" rtl="0" eaLnBrk="1" fontAlgn="auto" latinLnBrk="0" hangingPunct="1">
-              <a:lnSpc>
-                <a:spcPct val="100000"/>
-              </a:lnSpc>
-              <a:spcBef>
-                <a:spcPts val="0"/>
-              </a:spcBef>
-              <a:spcAft>
-                <a:spcPts val="0"/>
-              </a:spcAft>
-              <a:buClrTx/>
-              <a:buSzTx/>
-              <a:buFontTx/>
-              <a:buNone/>
-              <a:tabLst/>
-              <a:defRPr/>
-            </a:pPr>
-            <a:r>
-              <a:rPr lang="en-US" dirty="0"/>
-              <a:t>Practice</a:t>
-            </a:r>
-          </a:p>
-          <a:p>
-            <a:pPr marL="0" marR="0" lvl="0" indent="0" algn="l" defTabSz="914400" rtl="0" eaLnBrk="1" fontAlgn="auto" latinLnBrk="0" hangingPunct="1">
-              <a:lnSpc>
-                <a:spcPct val="100000"/>
-              </a:lnSpc>
-              <a:spcBef>
-                <a:spcPts val="0"/>
-              </a:spcBef>
-              <a:spcAft>
-                <a:spcPts val="0"/>
-              </a:spcAft>
-              <a:buClrTx/>
-              <a:buSzTx/>
-              <a:buFontTx/>
-              <a:buNone/>
-              <a:tabLst/>
-              <a:defRPr/>
-            </a:pPr>
             <a:r>
               <a:rPr lang="en-US" sz="1200" b="0" kern="1200" dirty="0">
                 <a:solidFill>
@@ -1732,7 +2363,7 @@
                 <a:ea typeface="+mn-ea"/>
                 <a:cs typeface="+mn-cs"/>
               </a:rPr>
-              <a:t>     from </a:t>
+              <a:t>def </a:t>
             </a:r>
             <a:r>
               <a:rPr lang="en-US" sz="1200" b="0" kern="1200" dirty="0" err="1">
@@ -1744,7 +2375,7 @@
                 <a:ea typeface="+mn-ea"/>
                 <a:cs typeface="+mn-cs"/>
               </a:rPr>
-              <a:t>matplotlib.image</a:t>
+              <a:t>smn</a:t>
             </a:r>
             <a:r>
               <a:rPr lang="en-US" sz="1200" b="0" kern="1200" dirty="0">
@@ -1756,7 +2387,7 @@
                 <a:ea typeface="+mn-ea"/>
                 <a:cs typeface="+mn-cs"/>
               </a:rPr>
-              <a:t> import </a:t>
+              <a:t>(*</a:t>
             </a:r>
             <a:r>
               <a:rPr lang="en-US" sz="1200" b="0" kern="1200" dirty="0" err="1">
@@ -1768,7 +2399,7 @@
                 <a:ea typeface="+mn-ea"/>
                 <a:cs typeface="+mn-cs"/>
               </a:rPr>
-              <a:t>imread</a:t>
+              <a:t>args</a:t>
             </a:r>
             <a:r>
               <a:rPr lang="en-US" sz="1200" b="0" kern="1200" dirty="0">
@@ -1780,10 +2411,12 @@
                 <a:ea typeface="+mn-ea"/>
                 <a:cs typeface="+mn-cs"/>
               </a:rPr>
-              <a:t> # you could also use `</a:t>
-            </a:r>
-            <a:r>
-              <a:rPr lang="en-US" sz="1200" b="0" kern="1200" dirty="0" err="1">
+              <a:t>):</a:t>
+            </a:r>
+          </a:p>
+          <a:p>
+            <a:r>
+              <a:rPr lang="en-US" sz="1200" b="0" kern="1200" dirty="0">
                 <a:solidFill>
                   <a:schemeClr val="tx1"/>
                 </a:solidFill>
@@ -1792,10 +2425,10 @@
                 <a:ea typeface="+mn-ea"/>
                 <a:cs typeface="+mn-cs"/>
               </a:rPr>
-              <a:t>imageio.imread</a:t>
-            </a:r>
-            <a:r>
-              <a:rPr lang="en-US" sz="1200" b="0" kern="1200" dirty="0">
+              <a:t>    print(type(</a:t>
+            </a:r>
+            <a:r>
+              <a:rPr lang="en-US" sz="1200" b="0" kern="1200" dirty="0" err="1">
                 <a:solidFill>
                   <a:schemeClr val="tx1"/>
                 </a:solidFill>
@@ -1804,38 +2437,10 @@
                 <a:ea typeface="+mn-ea"/>
                 <a:cs typeface="+mn-cs"/>
               </a:rPr>
-              <a:t>()`</a:t>
-            </a:r>
-            <a:endParaRPr lang="en-US" dirty="0"/>
-          </a:p>
-          <a:p>
-            <a:pPr marL="0" marR="0" lvl="0" indent="0" algn="l" defTabSz="914400" rtl="0" eaLnBrk="1" fontAlgn="auto" latinLnBrk="0" hangingPunct="1">
-              <a:lnSpc>
-                <a:spcPct val="100000"/>
-              </a:lnSpc>
-              <a:spcBef>
-                <a:spcPts val="0"/>
-              </a:spcBef>
-              <a:spcAft>
-                <a:spcPts val="0"/>
-              </a:spcAft>
-              <a:buClrTx/>
-              <a:buSzTx/>
-              <a:buFontTx/>
-              <a:buNone/>
-              <a:tabLst/>
-              <a:defRPr/>
-            </a:pPr>
-            <a:r>
-              <a:rPr lang="en-US" dirty="0"/>
-              <a:t>     Draw Mario in this picture in </a:t>
-            </a:r>
-            <a:r>
-              <a:rPr lang="en-US" dirty="0" err="1"/>
-              <a:t>matplotlib.pyplot.</a:t>
-            </a:r>
-            <a:r>
-              <a:rPr lang="en-US" sz="1200" b="0" kern="1200" dirty="0" err="1">
+              <a:t>args</a:t>
+            </a:r>
+            <a:r>
+              <a:rPr lang="en-US" sz="1200" b="0" kern="1200" dirty="0">
                 <a:solidFill>
                   <a:schemeClr val="tx1"/>
                 </a:solidFill>
@@ -1844,8 +2449,10 @@
                 <a:ea typeface="+mn-ea"/>
                 <a:cs typeface="+mn-cs"/>
               </a:rPr>
-              <a:t>imshow</a:t>
-            </a:r>
+              <a:t>))# tuple</a:t>
+            </a:r>
+          </a:p>
+          <a:p>
             <a:r>
               <a:rPr lang="en-US" sz="1200" b="0" kern="1200" dirty="0">
                 <a:solidFill>
@@ -1856,8 +2463,33 @@
                 <a:ea typeface="+mn-ea"/>
                 <a:cs typeface="+mn-cs"/>
               </a:rPr>
-              <a:t>()</a:t>
-            </a:r>
+              <a:t>    pass</a:t>
+            </a:r>
+          </a:p>
+          <a:p>
+            <a:br>
+              <a:rPr lang="en-US" sz="1200" b="0" kern="1200" dirty="0">
+                <a:solidFill>
+                  <a:schemeClr val="tx1"/>
+                </a:solidFill>
+                <a:effectLst/>
+                <a:latin typeface="+mn-lt"/>
+                <a:ea typeface="+mn-ea"/>
+                <a:cs typeface="+mn-cs"/>
+              </a:rPr>
+            </a:br>
+            <a:endParaRPr lang="en-US" sz="1200" b="0" kern="1200" dirty="0">
+              <a:solidFill>
+                <a:schemeClr val="tx1"/>
+              </a:solidFill>
+              <a:effectLst/>
+              <a:latin typeface="+mn-lt"/>
+              <a:ea typeface="+mn-ea"/>
+              <a:cs typeface="+mn-cs"/>
+            </a:endParaRPr>
+          </a:p>
+          <a:p>
+            <a:endParaRPr lang="en-US" dirty="0"/>
           </a:p>
         </p:txBody>
       </p:sp>
@@ -1878,7 +2510,7 @@
           <a:p>
             <a:fld id="{7677C2CC-2023-45DB-8917-C16B4F38B900}" type="slidenum">
               <a:rPr lang="en-US" smtClean="0"/>
-              <a:t>12</a:t>
+              <a:t>13</a:t>
             </a:fld>
             <a:endParaRPr lang="en-US"/>
           </a:p>
@@ -1887,7 +2519,7 @@
     </p:spTree>
     <p:extLst>
       <p:ext uri="{BB962C8B-B14F-4D97-AF65-F5344CB8AC3E}">
-        <p14:creationId xmlns:p14="http://schemas.microsoft.com/office/powerpoint/2010/main" val="411609990"/>
+        <p14:creationId xmlns:p14="http://schemas.microsoft.com/office/powerpoint/2010/main" val="2889566232"/>
       </p:ext>
     </p:extLst>
   </p:cSld>
@@ -1941,218 +2573,327 @@
           <a:bodyPr/>
           <a:lstStyle/>
           <a:p>
-            <a:pPr marL="0" marR="0" lvl="0" indent="0" algn="l" defTabSz="914400" rtl="0" eaLnBrk="1" fontAlgn="auto" latinLnBrk="0" hangingPunct="1">
-              <a:lnSpc>
-                <a:spcPct val="100000"/>
-              </a:lnSpc>
-              <a:spcBef>
-                <a:spcPts val="0"/>
-              </a:spcBef>
-              <a:spcAft>
-                <a:spcPts val="0"/>
-              </a:spcAft>
-              <a:buClrTx/>
-              <a:buSzTx/>
-              <a:buFontTx/>
-              <a:buNone/>
-              <a:tabLst/>
-              <a:defRPr/>
-            </a:pPr>
-            <a:r>
-              <a:rPr lang="en-US" sz="1200" dirty="0" err="1">
-                <a:solidFill>
-                  <a:srgbClr val="D4D4D4"/>
-                </a:solidFill>
-                <a:latin typeface="Consolas" panose="020B0609020204030204" pitchFamily="49" charset="0"/>
-              </a:rPr>
-              <a:t>x.loc</a:t>
-            </a:r>
-            <a:r>
-              <a:rPr lang="en-US" sz="1200" dirty="0">
-                <a:solidFill>
-                  <a:srgbClr val="D4D4D4"/>
-                </a:solidFill>
-                <a:latin typeface="Consolas" panose="020B0609020204030204" pitchFamily="49" charset="0"/>
-              </a:rPr>
-              <a:t>[</a:t>
-            </a:r>
-            <a:r>
-              <a:rPr lang="en-US" sz="1200" dirty="0">
-                <a:solidFill>
-                  <a:srgbClr val="B5CEA8"/>
-                </a:solidFill>
-                <a:latin typeface="Consolas" panose="020B0609020204030204" pitchFamily="49" charset="0"/>
+            <a:r>
+              <a:rPr lang="en-US" dirty="0">
+                <a:hlinkClick r:id="rId3"/>
+              </a:rPr>
+              <a:t>http://www.openbookproject.net/books/bpp4awd/exercises/ch04/ch04s01.html#ch04s01</a:t>
+            </a:r>
+            <a:endParaRPr lang="en-US" dirty="0"/>
+          </a:p>
+          <a:p>
+            <a:r>
+              <a:rPr lang="en-US" dirty="0">
+                <a:hlinkClick r:id="rId4"/>
+              </a:rPr>
+              <a:t>http://www.openbookproject.net/books/bpp4awd/exercises/ch04/ch04s02.html#ch04s02</a:t>
+            </a:r>
+            <a:endParaRPr lang="en-US" dirty="0"/>
+          </a:p>
+          <a:p>
+            <a:endParaRPr lang="en-US" dirty="0"/>
+          </a:p>
+          <a:p>
+            <a:endParaRPr lang="en-US" dirty="0"/>
+          </a:p>
+          <a:p>
+            <a:r>
+              <a:rPr lang="pt-BR" sz="1200" kern="1200" dirty="0">
+                <a:solidFill>
+                  <a:schemeClr val="tx1"/>
+                </a:solidFill>
+                <a:effectLst/>
+                <a:latin typeface="+mn-lt"/>
+                <a:ea typeface="+mn-ea"/>
+                <a:cs typeface="+mn-cs"/>
+              </a:rPr>
+              <a:t>def</a:t>
+            </a:r>
+            <a:r>
+              <a:rPr lang="pt-BR" dirty="0">
+                <a:effectLst/>
+              </a:rPr>
+              <a:t> </a:t>
+            </a:r>
+            <a:r>
+              <a:rPr lang="pt-BR" sz="1200" kern="1200" dirty="0">
+                <a:solidFill>
+                  <a:schemeClr val="tx1"/>
+                </a:solidFill>
+                <a:effectLst/>
+                <a:latin typeface="+mn-lt"/>
+                <a:ea typeface="+mn-ea"/>
+                <a:cs typeface="+mn-cs"/>
+              </a:rPr>
+              <a:t>adder</a:t>
+            </a:r>
+            <a:r>
+              <a:rPr lang="pt-BR" dirty="0">
+                <a:effectLst/>
+              </a:rPr>
+              <a:t>(*num):</a:t>
+            </a:r>
+            <a:r>
+              <a:rPr lang="pt-BR" dirty="0"/>
+              <a:t> sum = </a:t>
+            </a:r>
+            <a:r>
+              <a:rPr lang="pt-BR" sz="1200" kern="1200" dirty="0">
+                <a:solidFill>
+                  <a:schemeClr val="tx1"/>
+                </a:solidFill>
+                <a:effectLst/>
+                <a:latin typeface="+mn-lt"/>
+                <a:ea typeface="+mn-ea"/>
+                <a:cs typeface="+mn-cs"/>
+              </a:rPr>
+              <a:t>0</a:t>
+            </a:r>
+            <a:r>
+              <a:rPr lang="pt-BR" dirty="0"/>
+              <a:t> </a:t>
+            </a:r>
+            <a:r>
+              <a:rPr lang="pt-BR" sz="1200" kern="1200" dirty="0">
+                <a:solidFill>
+                  <a:schemeClr val="tx1"/>
+                </a:solidFill>
+                <a:effectLst/>
+                <a:latin typeface="+mn-lt"/>
+                <a:ea typeface="+mn-ea"/>
+                <a:cs typeface="+mn-cs"/>
+              </a:rPr>
+              <a:t>for</a:t>
+            </a:r>
+            <a:r>
+              <a:rPr lang="pt-BR" dirty="0"/>
+              <a:t> n </a:t>
+            </a:r>
+            <a:r>
+              <a:rPr lang="pt-BR" sz="1200" kern="1200" dirty="0">
+                <a:solidFill>
+                  <a:schemeClr val="tx1"/>
+                </a:solidFill>
+                <a:effectLst/>
+                <a:latin typeface="+mn-lt"/>
+                <a:ea typeface="+mn-ea"/>
+                <a:cs typeface="+mn-cs"/>
+              </a:rPr>
+              <a:t>in</a:t>
+            </a:r>
+            <a:r>
+              <a:rPr lang="pt-BR" dirty="0"/>
+              <a:t> num: sum = sum + n </a:t>
+            </a:r>
+            <a:r>
+              <a:rPr lang="pt-BR" sz="1200" kern="1200" dirty="0">
+                <a:solidFill>
+                  <a:schemeClr val="tx1"/>
+                </a:solidFill>
+                <a:effectLst/>
+                <a:latin typeface="+mn-lt"/>
+                <a:ea typeface="+mn-ea"/>
+                <a:cs typeface="+mn-cs"/>
+              </a:rPr>
+              <a:t>print</a:t>
+            </a:r>
+            <a:r>
+              <a:rPr lang="pt-BR" dirty="0"/>
+              <a:t>(</a:t>
+            </a:r>
+            <a:r>
+              <a:rPr lang="pt-BR" sz="1200" kern="1200" dirty="0">
+                <a:solidFill>
+                  <a:schemeClr val="tx1"/>
+                </a:solidFill>
+                <a:effectLst/>
+                <a:latin typeface="+mn-lt"/>
+                <a:ea typeface="+mn-ea"/>
+                <a:cs typeface="+mn-cs"/>
+              </a:rPr>
+              <a:t>"Sum:"</a:t>
+            </a:r>
+            <a:r>
+              <a:rPr lang="pt-BR" dirty="0"/>
+              <a:t>,sum) adder(</a:t>
+            </a:r>
+            <a:r>
+              <a:rPr lang="pt-BR" sz="1200" kern="1200" dirty="0">
+                <a:solidFill>
+                  <a:schemeClr val="tx1"/>
+                </a:solidFill>
+                <a:effectLst/>
+                <a:latin typeface="+mn-lt"/>
+                <a:ea typeface="+mn-ea"/>
+                <a:cs typeface="+mn-cs"/>
+              </a:rPr>
+              <a:t>3</a:t>
+            </a:r>
+            <a:r>
+              <a:rPr lang="pt-BR" dirty="0"/>
+              <a:t>,</a:t>
+            </a:r>
+            <a:r>
+              <a:rPr lang="pt-BR" sz="1200" kern="1200" dirty="0">
+                <a:solidFill>
+                  <a:schemeClr val="tx1"/>
+                </a:solidFill>
+                <a:effectLst/>
+                <a:latin typeface="+mn-lt"/>
+                <a:ea typeface="+mn-ea"/>
+                <a:cs typeface="+mn-cs"/>
+              </a:rPr>
+              <a:t>5</a:t>
+            </a:r>
+            <a:r>
+              <a:rPr lang="pt-BR" dirty="0"/>
+              <a:t>) adder(</a:t>
+            </a:r>
+            <a:r>
+              <a:rPr lang="pt-BR" sz="1200" kern="1200" dirty="0">
+                <a:solidFill>
+                  <a:schemeClr val="tx1"/>
+                </a:solidFill>
+                <a:effectLst/>
+                <a:latin typeface="+mn-lt"/>
+                <a:ea typeface="+mn-ea"/>
+                <a:cs typeface="+mn-cs"/>
+              </a:rPr>
+              <a:t>4</a:t>
+            </a:r>
+            <a:r>
+              <a:rPr lang="pt-BR" dirty="0"/>
+              <a:t>,</a:t>
+            </a:r>
+            <a:r>
+              <a:rPr lang="pt-BR" sz="1200" kern="1200" dirty="0">
+                <a:solidFill>
+                  <a:schemeClr val="tx1"/>
+                </a:solidFill>
+                <a:effectLst/>
+                <a:latin typeface="+mn-lt"/>
+                <a:ea typeface="+mn-ea"/>
+                <a:cs typeface="+mn-cs"/>
+              </a:rPr>
+              <a:t>5</a:t>
+            </a:r>
+            <a:r>
+              <a:rPr lang="pt-BR" dirty="0"/>
+              <a:t>,</a:t>
+            </a:r>
+            <a:r>
+              <a:rPr lang="pt-BR" sz="1200" kern="1200" dirty="0">
+                <a:solidFill>
+                  <a:schemeClr val="tx1"/>
+                </a:solidFill>
+                <a:effectLst/>
+                <a:latin typeface="+mn-lt"/>
+                <a:ea typeface="+mn-ea"/>
+                <a:cs typeface="+mn-cs"/>
+              </a:rPr>
+              <a:t>6</a:t>
+            </a:r>
+            <a:r>
+              <a:rPr lang="pt-BR" dirty="0"/>
+              <a:t>,</a:t>
+            </a:r>
+            <a:r>
+              <a:rPr lang="pt-BR" sz="1200" kern="1200" dirty="0">
+                <a:solidFill>
+                  <a:schemeClr val="tx1"/>
+                </a:solidFill>
+                <a:effectLst/>
+                <a:latin typeface="+mn-lt"/>
+                <a:ea typeface="+mn-ea"/>
+                <a:cs typeface="+mn-cs"/>
+              </a:rPr>
+              <a:t>7</a:t>
+            </a:r>
+            <a:r>
+              <a:rPr lang="pt-BR" dirty="0"/>
+              <a:t>) adder(</a:t>
+            </a:r>
+            <a:r>
+              <a:rPr lang="pt-BR" sz="1200" kern="1200" dirty="0">
+                <a:solidFill>
+                  <a:schemeClr val="tx1"/>
+                </a:solidFill>
+                <a:effectLst/>
+                <a:latin typeface="+mn-lt"/>
+                <a:ea typeface="+mn-ea"/>
+                <a:cs typeface="+mn-cs"/>
               </a:rPr>
               <a:t>1</a:t>
             </a:r>
             <a:r>
-              <a:rPr lang="en-US" sz="1200" dirty="0">
-                <a:solidFill>
-                  <a:srgbClr val="D4D4D4"/>
-                </a:solidFill>
-                <a:latin typeface="Consolas" panose="020B0609020204030204" pitchFamily="49" charset="0"/>
-              </a:rPr>
-              <a:t>,] should be an error since 1 is not an element in the </a:t>
-            </a:r>
-            <a:r>
-              <a:rPr lang="en-US" sz="1200" dirty="0" err="1">
-                <a:solidFill>
-                  <a:srgbClr val="D4D4D4"/>
-                </a:solidFill>
-                <a:latin typeface="Consolas" panose="020B0609020204030204" pitchFamily="49" charset="0"/>
-              </a:rPr>
-              <a:t>DataFrame</a:t>
-            </a:r>
-            <a:r>
-              <a:rPr lang="en-US" sz="1200" dirty="0">
-                <a:solidFill>
-                  <a:srgbClr val="D4D4D4"/>
-                </a:solidFill>
-                <a:latin typeface="Consolas" panose="020B0609020204030204" pitchFamily="49" charset="0"/>
-              </a:rPr>
-              <a:t> index</a:t>
-            </a:r>
-          </a:p>
-          <a:p>
-            <a:pPr marL="0" marR="0" lvl="0" indent="0" algn="l" defTabSz="914400" rtl="0" eaLnBrk="1" fontAlgn="auto" latinLnBrk="0" hangingPunct="1">
-              <a:lnSpc>
-                <a:spcPct val="100000"/>
-              </a:lnSpc>
-              <a:spcBef>
-                <a:spcPts val="0"/>
-              </a:spcBef>
-              <a:spcAft>
-                <a:spcPts val="0"/>
-              </a:spcAft>
-              <a:buClrTx/>
-              <a:buSzTx/>
-              <a:buFontTx/>
-              <a:buNone/>
-              <a:tabLst/>
-              <a:defRPr/>
-            </a:pPr>
-            <a:r>
-              <a:rPr lang="en-US" sz="1200" dirty="0" err="1">
-                <a:solidFill>
-                  <a:srgbClr val="D4D4D4"/>
-                </a:solidFill>
-                <a:latin typeface="Consolas" panose="020B0609020204030204" pitchFamily="49" charset="0"/>
-              </a:rPr>
-              <a:t>x.iloc</a:t>
-            </a:r>
-            <a:r>
-              <a:rPr lang="en-US" sz="1200" dirty="0">
-                <a:solidFill>
-                  <a:srgbClr val="D4D4D4"/>
-                </a:solidFill>
-                <a:latin typeface="Consolas" panose="020B0609020204030204" pitchFamily="49" charset="0"/>
-              </a:rPr>
-              <a:t>[-1,:]</a:t>
-            </a:r>
-          </a:p>
-          <a:p>
-            <a:pPr marL="0" marR="0" lvl="0" indent="0" algn="l" defTabSz="914400" rtl="0" eaLnBrk="1" fontAlgn="auto" latinLnBrk="0" hangingPunct="1">
-              <a:lnSpc>
-                <a:spcPct val="100000"/>
-              </a:lnSpc>
-              <a:spcBef>
-                <a:spcPts val="0"/>
-              </a:spcBef>
-              <a:spcAft>
-                <a:spcPts val="0"/>
-              </a:spcAft>
-              <a:buClrTx/>
-              <a:buSzTx/>
-              <a:buFontTx/>
-              <a:buNone/>
-              <a:tabLst/>
-              <a:defRPr/>
-            </a:pPr>
-            <a:endParaRPr lang="en-US" sz="1200" dirty="0">
-              <a:solidFill>
-                <a:srgbClr val="D4D4D4"/>
-              </a:solidFill>
-              <a:latin typeface="Consolas" panose="020B0609020204030204" pitchFamily="49" charset="0"/>
-            </a:endParaRPr>
-          </a:p>
-          <a:p>
-            <a:pPr marL="0" marR="0" lvl="0" indent="0" algn="l" defTabSz="914400" rtl="0" eaLnBrk="1" fontAlgn="auto" latinLnBrk="0" hangingPunct="1">
-              <a:lnSpc>
-                <a:spcPct val="100000"/>
-              </a:lnSpc>
-              <a:spcBef>
-                <a:spcPts val="0"/>
-              </a:spcBef>
-              <a:spcAft>
-                <a:spcPts val="0"/>
-              </a:spcAft>
-              <a:buClrTx/>
-              <a:buSzTx/>
-              <a:buFontTx/>
-              <a:buNone/>
-              <a:tabLst/>
-              <a:defRPr/>
-            </a:pPr>
-            <a:r>
-              <a:rPr lang="en-US" sz="1200" dirty="0">
-                <a:solidFill>
-                  <a:srgbClr val="D4D4D4"/>
-                </a:solidFill>
-                <a:latin typeface="Consolas" panose="020B0609020204030204" pitchFamily="49" charset="0"/>
-              </a:rPr>
-              <a:t>Activity: Create a </a:t>
-            </a:r>
-            <a:r>
-              <a:rPr lang="en-US" sz="1200" dirty="0" err="1">
-                <a:solidFill>
-                  <a:srgbClr val="D4D4D4"/>
-                </a:solidFill>
-                <a:latin typeface="Consolas" panose="020B0609020204030204" pitchFamily="49" charset="0"/>
-              </a:rPr>
-              <a:t>pd.DataFrame</a:t>
-            </a:r>
-            <a:r>
-              <a:rPr lang="en-US" sz="1200" dirty="0">
-                <a:solidFill>
-                  <a:srgbClr val="D4D4D4"/>
-                </a:solidFill>
-                <a:latin typeface="Consolas" panose="020B0609020204030204" pitchFamily="49" charset="0"/>
-              </a:rPr>
-              <a:t> and slice using the approach </a:t>
-            </a:r>
-            <a:r>
-              <a:rPr lang="en-US" sz="1200" dirty="0" err="1">
-                <a:solidFill>
-                  <a:srgbClr val="D4D4D4"/>
-                </a:solidFill>
-                <a:latin typeface="Consolas" panose="020B0609020204030204" pitchFamily="49" charset="0"/>
-              </a:rPr>
-              <a:t>whe</a:t>
-            </a:r>
-            <a:r>
-              <a:rPr lang="en-US" sz="1200" dirty="0">
-                <a:solidFill>
-                  <a:srgbClr val="D4D4D4"/>
-                </a:solidFill>
-                <a:latin typeface="Consolas" panose="020B0609020204030204" pitchFamily="49" charset="0"/>
-              </a:rPr>
-              <a:t> </a:t>
-            </a:r>
-            <a:r>
-              <a:rPr lang="en-US" sz="1200">
-                <a:solidFill>
-                  <a:srgbClr val="D4D4D4"/>
-                </a:solidFill>
-                <a:latin typeface="Consolas" panose="020B0609020204030204" pitchFamily="49" charset="0"/>
-              </a:rPr>
-              <a:t>slicing text strings</a:t>
-            </a:r>
-            <a:endParaRPr lang="en-US" sz="1200" dirty="0">
-              <a:solidFill>
-                <a:srgbClr val="D4D4D4"/>
-              </a:solidFill>
-              <a:latin typeface="Consolas" panose="020B0609020204030204" pitchFamily="49" charset="0"/>
-            </a:endParaRPr>
+              <a:rPr lang="pt-BR" dirty="0"/>
+              <a:t>,</a:t>
+            </a:r>
+            <a:r>
+              <a:rPr lang="pt-BR" sz="1200" kern="1200" dirty="0">
+                <a:solidFill>
+                  <a:schemeClr val="tx1"/>
+                </a:solidFill>
+                <a:effectLst/>
+                <a:latin typeface="+mn-lt"/>
+                <a:ea typeface="+mn-ea"/>
+                <a:cs typeface="+mn-cs"/>
+              </a:rPr>
+              <a:t>2</a:t>
+            </a:r>
+            <a:r>
+              <a:rPr lang="pt-BR" dirty="0"/>
+              <a:t>,</a:t>
+            </a:r>
+            <a:r>
+              <a:rPr lang="pt-BR" sz="1200" kern="1200" dirty="0">
+                <a:solidFill>
+                  <a:schemeClr val="tx1"/>
+                </a:solidFill>
+                <a:effectLst/>
+                <a:latin typeface="+mn-lt"/>
+                <a:ea typeface="+mn-ea"/>
+                <a:cs typeface="+mn-cs"/>
+              </a:rPr>
+              <a:t>3</a:t>
+            </a:r>
+            <a:r>
+              <a:rPr lang="pt-BR" dirty="0"/>
+              <a:t>,</a:t>
+            </a:r>
+            <a:r>
+              <a:rPr lang="pt-BR" sz="1200" kern="1200" dirty="0">
+                <a:solidFill>
+                  <a:schemeClr val="tx1"/>
+                </a:solidFill>
+                <a:effectLst/>
+                <a:latin typeface="+mn-lt"/>
+                <a:ea typeface="+mn-ea"/>
+                <a:cs typeface="+mn-cs"/>
+              </a:rPr>
+              <a:t>5</a:t>
+            </a:r>
+            <a:r>
+              <a:rPr lang="pt-BR" dirty="0"/>
+              <a:t>,</a:t>
+            </a:r>
+            <a:r>
+              <a:rPr lang="pt-BR" sz="1200" kern="1200" dirty="0">
+                <a:solidFill>
+                  <a:schemeClr val="tx1"/>
+                </a:solidFill>
+                <a:effectLst/>
+                <a:latin typeface="+mn-lt"/>
+                <a:ea typeface="+mn-ea"/>
+                <a:cs typeface="+mn-cs"/>
+              </a:rPr>
+              <a:t>6</a:t>
+            </a:r>
+            <a:r>
+              <a:rPr lang="pt-BR" dirty="0"/>
+              <a:t>)</a:t>
+            </a:r>
+            <a:endParaRPr lang="en-US" dirty="0"/>
           </a:p>
         </p:txBody>
       </p:sp>
@@ -2173,7 +2914,7 @@
           <a:p>
             <a:fld id="{7677C2CC-2023-45DB-8917-C16B4F38B900}" type="slidenum">
               <a:rPr lang="en-US" smtClean="0"/>
-              <a:t>13</a:t>
+              <a:t>14</a:t>
             </a:fld>
             <a:endParaRPr lang="en-US"/>
           </a:p>
@@ -2182,7 +2923,7 @@
     </p:spTree>
     <p:extLst>
       <p:ext uri="{BB962C8B-B14F-4D97-AF65-F5344CB8AC3E}">
-        <p14:creationId xmlns:p14="http://schemas.microsoft.com/office/powerpoint/2010/main" val="1252550539"/>
+        <p14:creationId xmlns:p14="http://schemas.microsoft.com/office/powerpoint/2010/main" val="2688760256"/>
       </p:ext>
     </p:extLst>
   </p:cSld>
@@ -2237,66 +2978,148 @@
           <a:lstStyle/>
           <a:p>
             <a:r>
-              <a:rPr lang="en-US" dirty="0">
-                <a:hlinkClick r:id="rId3"/>
-              </a:rPr>
-              <a:t>https://pandas.pydata.org/Pandas_Cheat_Sheet.pdf</a:t>
-            </a:r>
+              <a:rPr lang="en-US" dirty="0"/>
+              <a:t>3D arrays examples: RGB images</a:t>
+            </a:r>
+          </a:p>
+          <a:p>
             <a:endParaRPr lang="en-US" dirty="0"/>
           </a:p>
           <a:p>
-            <a:endParaRPr lang="en-US" b="1" dirty="0"/>
-          </a:p>
-          <a:p>
-            <a:r>
-              <a:rPr lang="en-US" b="1" dirty="0"/>
-              <a:t>Method chaining:</a:t>
-            </a:r>
-          </a:p>
-          <a:p>
-            <a:r>
-              <a:rPr lang="en-US" b="1" dirty="0" err="1"/>
-              <a:t>Pd.melt</a:t>
-            </a:r>
-            <a:r>
-              <a:rPr lang="en-US" b="1" dirty="0"/>
-              <a:t>(df).rename().</a:t>
-            </a:r>
-            <a:r>
-              <a:rPr lang="en-US" b="1" dirty="0" err="1"/>
-              <a:t>astype</a:t>
-            </a:r>
-            <a:r>
-              <a:rPr lang="en-US" b="1" dirty="0"/>
-              <a:t>()</a:t>
-            </a:r>
-          </a:p>
-          <a:p>
-            <a:endParaRPr lang="en-US" b="1" dirty="0"/>
-          </a:p>
-          <a:p>
-            <a:r>
-              <a:rPr lang="en-US" b="1" dirty="0"/>
-              <a:t>Show how to see the full documentation using Zeal </a:t>
-            </a:r>
-            <a:r>
-              <a:rPr lang="en-US" b="1" dirty="0" err="1"/>
-              <a:t>VSCode</a:t>
-            </a:r>
-            <a:r>
-              <a:rPr lang="en-US" b="1" dirty="0"/>
-              <a:t> extension, for instance</a:t>
-            </a:r>
-          </a:p>
-          <a:p>
-            <a:r>
-              <a:rPr lang="en-US" b="1" dirty="0" err="1"/>
-              <a:t>pd.melt</a:t>
-            </a:r>
-            <a:r>
-              <a:rPr lang="en-US" b="1" dirty="0"/>
-              <a:t>()</a:t>
-            </a:r>
+            <a:r>
+              <a:rPr lang="en-US" sz="1200" b="0" kern="1200" dirty="0">
+                <a:solidFill>
+                  <a:schemeClr val="tx1"/>
+                </a:solidFill>
+                <a:effectLst/>
+                <a:latin typeface="+mn-lt"/>
+                <a:ea typeface="+mn-ea"/>
+                <a:cs typeface="+mn-cs"/>
+              </a:rPr>
+              <a:t>a2D=</a:t>
+            </a:r>
+            <a:r>
+              <a:rPr lang="en-US" sz="1200" b="0" kern="1200" dirty="0" err="1">
+                <a:solidFill>
+                  <a:schemeClr val="tx1"/>
+                </a:solidFill>
+                <a:effectLst/>
+                <a:latin typeface="+mn-lt"/>
+                <a:ea typeface="+mn-ea"/>
+                <a:cs typeface="+mn-cs"/>
+              </a:rPr>
+              <a:t>np.array</a:t>
+            </a:r>
+            <a:r>
+              <a:rPr lang="en-US" sz="1200" b="0" kern="1200" dirty="0">
+                <a:solidFill>
+                  <a:schemeClr val="tx1"/>
+                </a:solidFill>
+                <a:effectLst/>
+                <a:latin typeface="+mn-lt"/>
+                <a:ea typeface="+mn-ea"/>
+                <a:cs typeface="+mn-cs"/>
+              </a:rPr>
+              <a:t>([[1,2,3,4],[4,5,6,7],range(8,12)]);a2D.shape;a2D</a:t>
+            </a:r>
+          </a:p>
+          <a:p>
+            <a:r>
+              <a:rPr lang="en-US" sz="1200" b="0" kern="1200" dirty="0">
+                <a:solidFill>
+                  <a:schemeClr val="tx1"/>
+                </a:solidFill>
+                <a:effectLst/>
+                <a:latin typeface="+mn-lt"/>
+                <a:ea typeface="+mn-ea"/>
+                <a:cs typeface="+mn-cs"/>
+              </a:rPr>
+              <a:t>x=</a:t>
+            </a:r>
+            <a:r>
+              <a:rPr lang="en-US" sz="1200" b="0" kern="1200" dirty="0" err="1">
+                <a:solidFill>
+                  <a:schemeClr val="tx1"/>
+                </a:solidFill>
+                <a:effectLst/>
+                <a:latin typeface="+mn-lt"/>
+                <a:ea typeface="+mn-ea"/>
+                <a:cs typeface="+mn-cs"/>
+              </a:rPr>
+              <a:t>np.array</a:t>
+            </a:r>
+            <a:r>
+              <a:rPr lang="en-US" sz="1200" b="0" kern="1200" dirty="0">
+                <a:solidFill>
+                  <a:schemeClr val="tx1"/>
+                </a:solidFill>
+                <a:effectLst/>
+                <a:latin typeface="+mn-lt"/>
+                <a:ea typeface="+mn-ea"/>
+                <a:cs typeface="+mn-cs"/>
+              </a:rPr>
+              <a:t>([a2D,100*a2D]);</a:t>
+            </a:r>
+            <a:r>
+              <a:rPr lang="en-US" sz="1200" b="0" kern="1200" dirty="0" err="1">
+                <a:solidFill>
+                  <a:schemeClr val="tx1"/>
+                </a:solidFill>
+                <a:effectLst/>
+                <a:latin typeface="+mn-lt"/>
+                <a:ea typeface="+mn-ea"/>
+                <a:cs typeface="+mn-cs"/>
+              </a:rPr>
+              <a:t>x.shape</a:t>
+            </a:r>
+            <a:endParaRPr lang="en-US" sz="1200" b="0" kern="1200" dirty="0">
+              <a:solidFill>
+                <a:schemeClr val="tx1"/>
+              </a:solidFill>
+              <a:effectLst/>
+              <a:latin typeface="+mn-lt"/>
+              <a:ea typeface="+mn-ea"/>
+              <a:cs typeface="+mn-cs"/>
+            </a:endParaRPr>
+          </a:p>
+          <a:p>
+            <a:r>
+              <a:rPr lang="en-US" sz="1200" b="0" kern="1200" dirty="0">
+                <a:solidFill>
+                  <a:schemeClr val="tx1"/>
+                </a:solidFill>
+                <a:effectLst/>
+                <a:latin typeface="+mn-lt"/>
+                <a:ea typeface="+mn-ea"/>
+                <a:cs typeface="+mn-cs"/>
+              </a:rPr>
+              <a:t>x[1,2,3]</a:t>
+            </a:r>
+          </a:p>
+          <a:p>
+            <a:br>
+              <a:rPr lang="en-US" sz="1200" b="0" kern="1200" dirty="0">
+                <a:solidFill>
+                  <a:schemeClr val="tx1"/>
+                </a:solidFill>
+                <a:effectLst/>
+                <a:latin typeface="+mn-lt"/>
+                <a:ea typeface="+mn-ea"/>
+                <a:cs typeface="+mn-cs"/>
+              </a:rPr>
+            </a:br>
+            <a:endParaRPr lang="en-US" sz="1200" b="0" kern="1200" dirty="0">
+              <a:solidFill>
+                <a:schemeClr val="tx1"/>
+              </a:solidFill>
+              <a:effectLst/>
+              <a:latin typeface="+mn-lt"/>
+              <a:ea typeface="+mn-ea"/>
+              <a:cs typeface="+mn-cs"/>
+            </a:endParaRPr>
+          </a:p>
+          <a:p>
+            <a:endParaRPr lang="en-US" dirty="0"/>
           </a:p>
         </p:txBody>
       </p:sp>
@@ -2317,7 +3140,7 @@
           <a:p>
             <a:fld id="{7677C2CC-2023-45DB-8917-C16B4F38B900}" type="slidenum">
               <a:rPr lang="en-US" smtClean="0"/>
-              <a:t>14</a:t>
+              <a:t>15</a:t>
             </a:fld>
             <a:endParaRPr lang="en-US"/>
           </a:p>
@@ -2326,7 +3149,7 @@
     </p:spTree>
     <p:extLst>
       <p:ext uri="{BB962C8B-B14F-4D97-AF65-F5344CB8AC3E}">
-        <p14:creationId xmlns:p14="http://schemas.microsoft.com/office/powerpoint/2010/main" val="2064722079"/>
+        <p14:creationId xmlns:p14="http://schemas.microsoft.com/office/powerpoint/2010/main" val="1688557030"/>
       </p:ext>
     </p:extLst>
   </p:cSld>
@@ -2483,7 +3306,7 @@
           <a:p>
             <a:fld id="{8FB8B4F4-5254-4862-9C13-0C9DD93BE148}" type="datetimeFigureOut">
               <a:rPr lang="en-US" smtClean="0"/>
-              <a:t>5/14/2020</a:t>
+              <a:t>6/4/2020</a:t>
             </a:fld>
             <a:endParaRPr lang="en-US"/>
           </a:p>
@@ -2681,7 +3504,7 @@
           <a:p>
             <a:fld id="{8FB8B4F4-5254-4862-9C13-0C9DD93BE148}" type="datetimeFigureOut">
               <a:rPr lang="en-US" smtClean="0"/>
-              <a:t>5/14/2020</a:t>
+              <a:t>6/4/2020</a:t>
             </a:fld>
             <a:endParaRPr lang="en-US"/>
           </a:p>
@@ -2889,7 +3712,7 @@
           <a:p>
             <a:fld id="{8FB8B4F4-5254-4862-9C13-0C9DD93BE148}" type="datetimeFigureOut">
               <a:rPr lang="en-US" smtClean="0"/>
-              <a:t>5/14/2020</a:t>
+              <a:t>6/4/2020</a:t>
             </a:fld>
             <a:endParaRPr lang="en-US"/>
           </a:p>
@@ -3087,7 +3910,7 @@
           <a:p>
             <a:fld id="{8FB8B4F4-5254-4862-9C13-0C9DD93BE148}" type="datetimeFigureOut">
               <a:rPr lang="en-US" smtClean="0"/>
-              <a:t>5/14/2020</a:t>
+              <a:t>6/4/2020</a:t>
             </a:fld>
             <a:endParaRPr lang="en-US"/>
           </a:p>
@@ -3362,7 +4185,7 @@
           <a:p>
             <a:fld id="{8FB8B4F4-5254-4862-9C13-0C9DD93BE148}" type="datetimeFigureOut">
               <a:rPr lang="en-US" smtClean="0"/>
-              <a:t>5/14/2020</a:t>
+              <a:t>6/4/2020</a:t>
             </a:fld>
             <a:endParaRPr lang="en-US"/>
           </a:p>
@@ -3627,7 +4450,7 @@
           <a:p>
             <a:fld id="{8FB8B4F4-5254-4862-9C13-0C9DD93BE148}" type="datetimeFigureOut">
               <a:rPr lang="en-US" smtClean="0"/>
-              <a:t>5/14/2020</a:t>
+              <a:t>6/4/2020</a:t>
             </a:fld>
             <a:endParaRPr lang="en-US"/>
           </a:p>
@@ -4039,7 +4862,7 @@
           <a:p>
             <a:fld id="{8FB8B4F4-5254-4862-9C13-0C9DD93BE148}" type="datetimeFigureOut">
               <a:rPr lang="en-US" smtClean="0"/>
-              <a:t>5/14/2020</a:t>
+              <a:t>6/4/2020</a:t>
             </a:fld>
             <a:endParaRPr lang="en-US"/>
           </a:p>
@@ -4180,7 +5003,7 @@
           <a:p>
             <a:fld id="{8FB8B4F4-5254-4862-9C13-0C9DD93BE148}" type="datetimeFigureOut">
               <a:rPr lang="en-US" smtClean="0"/>
-              <a:t>5/14/2020</a:t>
+              <a:t>6/4/2020</a:t>
             </a:fld>
             <a:endParaRPr lang="en-US"/>
           </a:p>
@@ -4293,7 +5116,7 @@
           <a:p>
             <a:fld id="{8FB8B4F4-5254-4862-9C13-0C9DD93BE148}" type="datetimeFigureOut">
               <a:rPr lang="en-US" smtClean="0"/>
-              <a:t>5/14/2020</a:t>
+              <a:t>6/4/2020</a:t>
             </a:fld>
             <a:endParaRPr lang="en-US"/>
           </a:p>
@@ -4604,7 +5427,7 @@
           <a:p>
             <a:fld id="{8FB8B4F4-5254-4862-9C13-0C9DD93BE148}" type="datetimeFigureOut">
               <a:rPr lang="en-US" smtClean="0"/>
-              <a:t>5/14/2020</a:t>
+              <a:t>6/4/2020</a:t>
             </a:fld>
             <a:endParaRPr lang="en-US"/>
           </a:p>
@@ -4892,7 +5715,7 @@
           <a:p>
             <a:fld id="{8FB8B4F4-5254-4862-9C13-0C9DD93BE148}" type="datetimeFigureOut">
               <a:rPr lang="en-US" smtClean="0"/>
-              <a:t>5/14/2020</a:t>
+              <a:t>6/4/2020</a:t>
             </a:fld>
             <a:endParaRPr lang="en-US"/>
           </a:p>
@@ -5133,7 +5956,7 @@
           <a:p>
             <a:fld id="{8FB8B4F4-5254-4862-9C13-0C9DD93BE148}" type="datetimeFigureOut">
               <a:rPr lang="en-US" smtClean="0"/>
-              <a:t>5/14/2020</a:t>
+              <a:t>6/4/2020</a:t>
             </a:fld>
             <a:endParaRPr lang="en-US"/>
           </a:p>
@@ -5720,8 +6543,8 @@
         </p:nvSpPr>
         <p:spPr>
           <a:xfrm>
-            <a:off x="768333" y="2959613"/>
-            <a:ext cx="10655334" cy="2308324"/>
+            <a:off x="479570" y="2959613"/>
+            <a:ext cx="11232859" cy="1938992"/>
           </a:xfrm>
           <a:prstGeom prst="rect">
             <a:avLst/>
@@ -5956,7 +6779,7 @@
                 </a:solidFill>
                 <a:latin typeface="Consolas" panose="020B0609020204030204" pitchFamily="49" charset="0"/>
               </a:rPr>
-              <a:t> = {</a:t>
+              <a:t>={</a:t>
             </a:r>
             <a:r>
               <a:rPr lang="en-US" sz="2400" dirty="0">
@@ -6064,7 +6887,7 @@
                 </a:solidFill>
                 <a:latin typeface="Consolas" panose="020B0609020204030204" pitchFamily="49" charset="0"/>
               </a:rPr>
-              <a:t>, </a:t>
+              <a:t>,</a:t>
             </a:r>
             <a:r>
               <a:rPr lang="en-US" sz="2400" dirty="0">
@@ -6161,10 +6984,10 @@
       </p:grpSpPr>
       <p:sp>
         <p:nvSpPr>
-          <p:cNvPr id="3" name="Content Placeholder 2">
-            <a:extLst>
-              <a:ext uri="{FF2B5EF4-FFF2-40B4-BE49-F238E27FC236}">
-                <a16:creationId xmlns:a16="http://schemas.microsoft.com/office/drawing/2014/main" id="{F56CDAA9-14CB-4EC4-9ADB-F03C10ED770E}"/>
+          <p:cNvPr id="2" name="Title 1">
+            <a:extLst>
+              <a:ext uri="{FF2B5EF4-FFF2-40B4-BE49-F238E27FC236}">
+                <a16:creationId xmlns:a16="http://schemas.microsoft.com/office/drawing/2014/main" id="{6AFA867C-B1D1-4592-8D05-8D2991C9E24C}"/>
               </a:ext>
             </a:extLst>
           </p:cNvPr>
@@ -6172,7 +6995,7 @@
             <a:spLocks noGrp="1"/>
           </p:cNvSpPr>
           <p:nvPr>
-            <p:ph idx="1"/>
+            <p:ph type="title"/>
           </p:nvPr>
         </p:nvSpPr>
         <p:spPr/>
@@ -6180,91 +7003,123 @@
           <a:bodyPr/>
           <a:lstStyle/>
           <a:p>
-            <a:endParaRPr lang="en-US" dirty="0"/>
+            <a:r>
+              <a:rPr lang="en-US" dirty="0"/>
+              <a:t>Python (</a:t>
+            </a:r>
+            <a:r>
+              <a:rPr lang="en-US" dirty="0" err="1"/>
+              <a:t>Coonditionals</a:t>
+            </a:r>
+            <a:r>
+              <a:rPr lang="en-US" dirty="0"/>
+              <a:t> and loops)</a:t>
+            </a:r>
           </a:p>
         </p:txBody>
       </p:sp>
       <p:pic>
         <p:nvPicPr>
-          <p:cNvPr id="4" name="Graphic 3">
-            <a:extLst>
-              <a:ext uri="{FF2B5EF4-FFF2-40B4-BE49-F238E27FC236}">
-                <a16:creationId xmlns:a16="http://schemas.microsoft.com/office/drawing/2014/main" id="{1BAE536C-81E7-4289-A745-FD777A734DE6}"/>
+          <p:cNvPr id="1026" name="Picture 2">
+            <a:hlinkClick r:id="rId3"/>
+            <a:extLst>
+              <a:ext uri="{FF2B5EF4-FFF2-40B4-BE49-F238E27FC236}">
+                <a16:creationId xmlns:a16="http://schemas.microsoft.com/office/drawing/2014/main" id="{419FE522-4814-43E4-8367-39EE0D37C7DB}"/>
               </a:ext>
             </a:extLst>
           </p:cNvPr>
           <p:cNvPicPr>
-            <a:picLocks noChangeAspect="1"/>
+            <a:picLocks noChangeAspect="1" noChangeArrowheads="1"/>
           </p:cNvPicPr>
           <p:nvPr/>
         </p:nvPicPr>
-        <p:blipFill rotWithShape="1">
-          <a:blip r:embed="rId3">
+        <p:blipFill>
+          <a:blip r:embed="rId4">
             <a:extLst>
               <a:ext uri="{28A0092B-C50C-407E-A947-70E740481C1C}">
                 <a14:useLocalDpi xmlns:a14="http://schemas.microsoft.com/office/drawing/2010/main" val="0"/>
               </a:ext>
-              <a:ext uri="{96DAC541-7B7A-43D3-8B79-37D633B846F1}">
-                <asvg:svgBlip xmlns:asvg="http://schemas.microsoft.com/office/drawing/2016/SVG/main" r:embed="rId4"/>
-              </a:ext>
             </a:extLst>
           </a:blip>
-          <a:srcRect r="60877"/>
-          <a:stretch/>
+          <a:srcRect/>
+          <a:stretch>
+            <a:fillRect/>
+          </a:stretch>
         </p:blipFill>
-        <p:spPr>
+        <p:spPr bwMode="auto">
           <a:xfrm>
-            <a:off x="375745" y="151958"/>
-            <a:ext cx="1327549" cy="1344170"/>
+            <a:off x="649268" y="1822280"/>
+            <a:ext cx="3229425" cy="4901297"/>
           </a:xfrm>
           <a:prstGeom prst="rect">
             <a:avLst/>
           </a:prstGeom>
+          <a:noFill/>
+          <a:extLst>
+            <a:ext uri="{909E8E84-426E-40DD-AFC4-6F175D3DCCD1}">
+              <a14:hiddenFill xmlns:a14="http://schemas.microsoft.com/office/drawing/2010/main">
+                <a:solidFill>
+                  <a:srgbClr val="FFFFFF"/>
+                </a:solidFill>
+              </a14:hiddenFill>
+            </a:ext>
+          </a:extLst>
         </p:spPr>
       </p:pic>
-      <p:sp>
-        <p:nvSpPr>
-          <p:cNvPr id="6" name="Title 5">
-            <a:extLst>
-              <a:ext uri="{FF2B5EF4-FFF2-40B4-BE49-F238E27FC236}">
-                <a16:creationId xmlns:a16="http://schemas.microsoft.com/office/drawing/2014/main" id="{DEA728C1-C0D4-4047-9BFC-A7801B8E9C98}"/>
-              </a:ext>
-            </a:extLst>
-          </p:cNvPr>
-          <p:cNvSpPr>
-            <a:spLocks noGrp="1"/>
-          </p:cNvSpPr>
-          <p:nvPr>
-            <p:ph type="title"/>
-          </p:nvPr>
-        </p:nvSpPr>
-        <p:spPr/>
-        <p:txBody>
-          <a:bodyPr/>
-          <a:lstStyle/>
-          <a:p>
-            <a:r>
-              <a:rPr lang="en-US" dirty="0"/>
-              <a:t>      </a:t>
-            </a:r>
-            <a:r>
-              <a:rPr lang="en-US" dirty="0">
-                <a:solidFill>
-                  <a:srgbClr val="0721A0"/>
-                </a:solidFill>
-                <a:latin typeface="Palatino Linotype" panose="02040502050505030304" pitchFamily="18" charset="0"/>
-              </a:rPr>
-              <a:t>NumPy Arrays</a:t>
-            </a:r>
-          </a:p>
-        </p:txBody>
-      </p:sp>
-      <p:sp>
-        <p:nvSpPr>
-          <p:cNvPr id="7" name="Rectangle 6">
-            <a:extLst>
-              <a:ext uri="{FF2B5EF4-FFF2-40B4-BE49-F238E27FC236}">
-                <a16:creationId xmlns:a16="http://schemas.microsoft.com/office/drawing/2014/main" id="{64AD189D-03AD-4D9F-B984-C1E37ADA4362}"/>
+      <p:pic>
+        <p:nvPicPr>
+          <p:cNvPr id="1028" name="Picture 4">
+            <a:hlinkClick r:id="rId3"/>
+            <a:extLst>
+              <a:ext uri="{FF2B5EF4-FFF2-40B4-BE49-F238E27FC236}">
+                <a16:creationId xmlns:a16="http://schemas.microsoft.com/office/drawing/2014/main" id="{A58637C0-AF94-41D4-87A3-6A080399E6C4}"/>
+              </a:ext>
+            </a:extLst>
+          </p:cNvPr>
+          <p:cNvPicPr>
+            <a:picLocks noChangeAspect="1" noChangeArrowheads="1"/>
+          </p:cNvPicPr>
+          <p:nvPr/>
+        </p:nvPicPr>
+        <p:blipFill>
+          <a:blip r:embed="rId5">
+            <a:extLst>
+              <a:ext uri="{28A0092B-C50C-407E-A947-70E740481C1C}">
+                <a14:useLocalDpi xmlns:a14="http://schemas.microsoft.com/office/drawing/2010/main" val="0"/>
+              </a:ext>
+            </a:extLst>
+          </a:blip>
+          <a:srcRect/>
+          <a:stretch>
+            <a:fillRect/>
+          </a:stretch>
+        </p:blipFill>
+        <p:spPr bwMode="auto">
+          <a:xfrm>
+            <a:off x="4803568" y="1929451"/>
+            <a:ext cx="4029638" cy="4686954"/>
+          </a:xfrm>
+          <a:prstGeom prst="rect">
+            <a:avLst/>
+          </a:prstGeom>
+          <a:noFill/>
+          <a:extLst>
+            <a:ext uri="{909E8E84-426E-40DD-AFC4-6F175D3DCCD1}">
+              <a14:hiddenFill xmlns:a14="http://schemas.microsoft.com/office/drawing/2010/main">
+                <a:solidFill>
+                  <a:srgbClr val="FFFFFF"/>
+                </a:solidFill>
+              </a14:hiddenFill>
+            </a:ext>
+          </a:extLst>
+        </p:spPr>
+      </p:pic>
+      <p:sp>
+        <p:nvSpPr>
+          <p:cNvPr id="8" name="Rectangle 7">
+            <a:extLst>
+              <a:ext uri="{FF2B5EF4-FFF2-40B4-BE49-F238E27FC236}">
+                <a16:creationId xmlns:a16="http://schemas.microsoft.com/office/drawing/2014/main" id="{87E24BD5-2F95-4EC6-B80D-56CB9D336C7B}"/>
               </a:ext>
             </a:extLst>
           </p:cNvPr>
@@ -6273,8 +7128,8 @@
         </p:nvSpPr>
         <p:spPr>
           <a:xfrm>
-            <a:off x="6856454" y="166072"/>
-            <a:ext cx="5156251" cy="2677656"/>
+            <a:off x="10344121" y="1810068"/>
+            <a:ext cx="1009679" cy="461665"/>
           </a:xfrm>
           <a:prstGeom prst="rect">
             <a:avLst/>
@@ -6292,268 +7147,103 @@
             <a:r>
               <a:rPr lang="en-US" sz="2400" dirty="0">
                 <a:solidFill>
-                  <a:srgbClr val="569CD6"/>
-                </a:solidFill>
-                <a:latin typeface="Consolas" panose="020B0609020204030204" pitchFamily="49" charset="0"/>
-              </a:rPr>
-              <a:t>import</a:t>
-            </a:r>
-            <a:r>
-              <a:rPr lang="en-US" sz="2400" dirty="0">
-                <a:solidFill>
-                  <a:srgbClr val="D4D4D4"/>
-                </a:solidFill>
-                <a:latin typeface="Consolas" panose="020B0609020204030204" pitchFamily="49" charset="0"/>
-              </a:rPr>
-              <a:t> numpy </a:t>
-            </a:r>
-            <a:r>
-              <a:rPr lang="en-US" sz="2400" dirty="0">
-                <a:solidFill>
-                  <a:srgbClr val="569CD6"/>
-                </a:solidFill>
-                <a:latin typeface="Consolas" panose="020B0609020204030204" pitchFamily="49" charset="0"/>
-              </a:rPr>
-              <a:t>as</a:t>
-            </a:r>
-            <a:r>
-              <a:rPr lang="en-US" sz="2400" dirty="0">
-                <a:solidFill>
-                  <a:srgbClr val="D4D4D4"/>
-                </a:solidFill>
-                <a:latin typeface="Consolas" panose="020B0609020204030204" pitchFamily="49" charset="0"/>
-              </a:rPr>
-              <a:t> np</a:t>
-            </a:r>
-          </a:p>
-          <a:p>
-            <a:r>
-              <a:rPr lang="en-US" sz="2400" dirty="0">
-                <a:solidFill>
-                  <a:srgbClr val="D4D4D4"/>
-                </a:solidFill>
-                <a:latin typeface="Consolas" panose="020B0609020204030204" pitchFamily="49" charset="0"/>
-              </a:rPr>
-              <a:t>a=</a:t>
-            </a:r>
-            <a:r>
-              <a:rPr lang="en-US" sz="2400" dirty="0" err="1">
-                <a:solidFill>
-                  <a:srgbClr val="D4D4D4"/>
-                </a:solidFill>
-                <a:latin typeface="Consolas" panose="020B0609020204030204" pitchFamily="49" charset="0"/>
-              </a:rPr>
-              <a:t>np.array</a:t>
-            </a:r>
-            <a:r>
-              <a:rPr lang="en-US" sz="2400" dirty="0">
-                <a:solidFill>
-                  <a:srgbClr val="D4D4D4"/>
-                </a:solidFill>
-                <a:latin typeface="Consolas" panose="020B0609020204030204" pitchFamily="49" charset="0"/>
-              </a:rPr>
-              <a:t>([7.,2.,9.,10.])</a:t>
-            </a:r>
-          </a:p>
-          <a:p>
-            <a:r>
-              <a:rPr lang="en-US" sz="2400" dirty="0">
-                <a:solidFill>
-                  <a:srgbClr val="D4D4D4"/>
-                </a:solidFill>
-                <a:latin typeface="Consolas" panose="020B0609020204030204" pitchFamily="49" charset="0"/>
-              </a:rPr>
-              <a:t>x=</a:t>
-            </a:r>
-            <a:r>
-              <a:rPr lang="en-US" sz="2400" dirty="0" err="1">
-                <a:solidFill>
-                  <a:srgbClr val="D4D4D4"/>
-                </a:solidFill>
-                <a:latin typeface="Consolas" panose="020B0609020204030204" pitchFamily="49" charset="0"/>
-              </a:rPr>
-              <a:t>np.array</a:t>
-            </a:r>
-            <a:r>
-              <a:rPr lang="en-US" sz="2400" dirty="0">
-                <a:solidFill>
-                  <a:srgbClr val="D4D4D4"/>
-                </a:solidFill>
-                <a:latin typeface="Consolas" panose="020B0609020204030204" pitchFamily="49" charset="0"/>
-              </a:rPr>
-              <a:t>([[2,3,4],[5,6,7]])</a:t>
-            </a:r>
-          </a:p>
-          <a:p>
-            <a:r>
-              <a:rPr lang="en-US" sz="2400" dirty="0" err="1">
-                <a:solidFill>
-                  <a:srgbClr val="D4D4D4"/>
-                </a:solidFill>
-                <a:latin typeface="Consolas" panose="020B0609020204030204" pitchFamily="49" charset="0"/>
-              </a:rPr>
-              <a:t>x.shape</a:t>
-            </a:r>
-            <a:endParaRPr lang="en-US" sz="2400" dirty="0">
-              <a:solidFill>
-                <a:srgbClr val="D4D4D4"/>
-              </a:solidFill>
-              <a:latin typeface="Consolas" panose="020B0609020204030204" pitchFamily="49" charset="0"/>
-            </a:endParaRPr>
-          </a:p>
-          <a:p>
-            <a:r>
-              <a:rPr lang="en-US" sz="2400" dirty="0">
-                <a:solidFill>
-                  <a:srgbClr val="D4D4D4"/>
-                </a:solidFill>
-                <a:latin typeface="Consolas" panose="020B0609020204030204" pitchFamily="49" charset="0"/>
-              </a:rPr>
-              <a:t>X[,-1:]</a:t>
-            </a:r>
-          </a:p>
-          <a:p>
-            <a:r>
-              <a:rPr lang="en-US" sz="2400" dirty="0" err="1">
-                <a:solidFill>
-                  <a:srgbClr val="D4D4D4"/>
-                </a:solidFill>
-                <a:latin typeface="Consolas" panose="020B0609020204030204" pitchFamily="49" charset="0"/>
-              </a:rPr>
-              <a:t>x.reshape</a:t>
-            </a:r>
-            <a:r>
-              <a:rPr lang="en-US" sz="2400" dirty="0">
-                <a:solidFill>
-                  <a:srgbClr val="D4D4D4"/>
-                </a:solidFill>
-                <a:latin typeface="Consolas" panose="020B0609020204030204" pitchFamily="49" charset="0"/>
-              </a:rPr>
-              <a:t>(3,2)</a:t>
-            </a:r>
-          </a:p>
-          <a:p>
-            <a:r>
-              <a:rPr lang="en-US" sz="2400" dirty="0" err="1">
-                <a:solidFill>
-                  <a:srgbClr val="D4D4D4"/>
-                </a:solidFill>
-                <a:latin typeface="Consolas" panose="020B0609020204030204" pitchFamily="49" charset="0"/>
-              </a:rPr>
-              <a:t>x.reshape</a:t>
-            </a:r>
-            <a:r>
-              <a:rPr lang="en-US" sz="2400" dirty="0">
-                <a:solidFill>
-                  <a:srgbClr val="D4D4D4"/>
-                </a:solidFill>
-                <a:latin typeface="Consolas" panose="020B0609020204030204" pitchFamily="49" charset="0"/>
-              </a:rPr>
-              <a:t>(3,-1)</a:t>
-            </a:r>
-          </a:p>
-        </p:txBody>
-      </p:sp>
-      <p:pic>
-        <p:nvPicPr>
-          <p:cNvPr id="1026" name="Picture 2" descr="NumPy manipulation: reshape() function">
-            <a:hlinkClick r:id="rId5"/>
-            <a:extLst>
-              <a:ext uri="{FF2B5EF4-FFF2-40B4-BE49-F238E27FC236}">
-                <a16:creationId xmlns:a16="http://schemas.microsoft.com/office/drawing/2014/main" id="{82BAB25F-D8EB-4C36-8E88-D7BB6C17DC61}"/>
-              </a:ext>
-            </a:extLst>
-          </p:cNvPr>
-          <p:cNvPicPr>
-            <a:picLocks noChangeAspect="1" noChangeArrowheads="1"/>
-          </p:cNvPicPr>
+                  <a:srgbClr val="D4D4D4"/>
+                </a:solidFill>
+                <a:latin typeface="Consolas" panose="020B0609020204030204" pitchFamily="49" charset="0"/>
+              </a:rPr>
+              <a:t>for</a:t>
+            </a:r>
+          </a:p>
+        </p:txBody>
+      </p:sp>
+      <p:sp>
+        <p:nvSpPr>
+          <p:cNvPr id="9" name="Rectangle 8">
+            <a:extLst>
+              <a:ext uri="{FF2B5EF4-FFF2-40B4-BE49-F238E27FC236}">
+                <a16:creationId xmlns:a16="http://schemas.microsoft.com/office/drawing/2014/main" id="{BB0B69E0-04E9-4963-86A9-59DF64C90F3C}"/>
+              </a:ext>
+            </a:extLst>
+          </p:cNvPr>
+          <p:cNvSpPr/>
           <p:nvPr/>
-        </p:nvPicPr>
-        <p:blipFill>
-          <a:blip r:embed="rId6">
-            <a:extLst>
-              <a:ext uri="{28A0092B-C50C-407E-A947-70E740481C1C}">
-                <a14:useLocalDpi xmlns:a14="http://schemas.microsoft.com/office/drawing/2010/main" val="0"/>
-              </a:ext>
-            </a:extLst>
-          </a:blip>
-          <a:srcRect/>
-          <a:stretch>
-            <a:fillRect/>
-          </a:stretch>
-        </p:blipFill>
-        <p:spPr bwMode="auto">
+        </p:nvSpPr>
+        <p:spPr>
           <a:xfrm>
-            <a:off x="601579" y="1903855"/>
-            <a:ext cx="2403065" cy="4954145"/>
+            <a:off x="4803568" y="1810069"/>
+            <a:ext cx="1551051" cy="461665"/>
           </a:xfrm>
           <a:prstGeom prst="rect">
             <a:avLst/>
           </a:prstGeom>
-          <a:noFill/>
-          <a:extLst>
-            <a:ext uri="{909E8E84-426E-40DD-AFC4-6F175D3DCCD1}">
-              <a14:hiddenFill xmlns:a14="http://schemas.microsoft.com/office/drawing/2010/main">
-                <a:solidFill>
-                  <a:srgbClr val="FFFFFF"/>
-                </a:solidFill>
-              </a14:hiddenFill>
-            </a:ext>
-          </a:extLst>
+          <a:solidFill>
+            <a:srgbClr val="1E1E1E"/>
+          </a:solidFill>
         </p:spPr>
-      </p:pic>
-      <p:pic>
-        <p:nvPicPr>
-          <p:cNvPr id="2" name="Picture 2" descr="Numpy/SciPy — Python Tutorial documentation">
-            <a:hlinkClick r:id="rId7"/>
-            <a:extLst>
-              <a:ext uri="{FF2B5EF4-FFF2-40B4-BE49-F238E27FC236}">
-                <a16:creationId xmlns:a16="http://schemas.microsoft.com/office/drawing/2014/main" id="{A50913F9-F48D-44A3-891A-F3E9B850E0B8}"/>
-              </a:ext>
-            </a:extLst>
-          </p:cNvPr>
-          <p:cNvPicPr>
-            <a:picLocks noChangeAspect="1" noChangeArrowheads="1"/>
-          </p:cNvPicPr>
+        <p:txBody>
+          <a:bodyPr wrap="square">
+            <a:spAutoFit/>
+          </a:bodyPr>
+          <a:lstStyle/>
+          <a:p>
+            <a:r>
+              <a:rPr lang="en-US" sz="2400" dirty="0">
+                <a:solidFill>
+                  <a:srgbClr val="D4D4D4"/>
+                </a:solidFill>
+                <a:latin typeface="Consolas" panose="020B0609020204030204" pitchFamily="49" charset="0"/>
+              </a:rPr>
+              <a:t>if/else</a:t>
+            </a:r>
+          </a:p>
+        </p:txBody>
+      </p:sp>
+      <p:sp>
+        <p:nvSpPr>
+          <p:cNvPr id="10" name="Rectangle 9">
+            <a:extLst>
+              <a:ext uri="{FF2B5EF4-FFF2-40B4-BE49-F238E27FC236}">
+                <a16:creationId xmlns:a16="http://schemas.microsoft.com/office/drawing/2014/main" id="{9B48162B-7B82-45C6-ADBA-BCD00A6BA74F}"/>
+              </a:ext>
+            </a:extLst>
+          </p:cNvPr>
+          <p:cNvSpPr/>
           <p:nvPr/>
-        </p:nvPicPr>
-        <p:blipFill>
-          <a:blip r:embed="rId8">
-            <a:extLst>
-              <a:ext uri="{28A0092B-C50C-407E-A947-70E740481C1C}">
-                <a14:useLocalDpi xmlns:a14="http://schemas.microsoft.com/office/drawing/2010/main" val="0"/>
-              </a:ext>
-            </a:extLst>
-          </a:blip>
-          <a:srcRect/>
-          <a:stretch>
-            <a:fillRect/>
-          </a:stretch>
-        </p:blipFill>
-        <p:spPr bwMode="auto">
+        </p:nvSpPr>
+        <p:spPr>
           <a:xfrm>
-            <a:off x="5171089" y="2933421"/>
-            <a:ext cx="7020911" cy="3924579"/>
+            <a:off x="144428" y="1810068"/>
+            <a:ext cx="1009679" cy="461665"/>
           </a:xfrm>
           <a:prstGeom prst="rect">
             <a:avLst/>
           </a:prstGeom>
-          <a:noFill/>
-          <a:extLst>
-            <a:ext uri="{909E8E84-426E-40DD-AFC4-6F175D3DCCD1}">
-              <a14:hiddenFill xmlns:a14="http://schemas.microsoft.com/office/drawing/2010/main">
-                <a:solidFill>
-                  <a:srgbClr val="FFFFFF"/>
-                </a:solidFill>
-              </a14:hiddenFill>
-            </a:ext>
-          </a:extLst>
+          <a:solidFill>
+            <a:srgbClr val="1E1E1E"/>
+          </a:solidFill>
         </p:spPr>
-      </p:pic>
+        <p:txBody>
+          <a:bodyPr wrap="square">
+            <a:spAutoFit/>
+          </a:bodyPr>
+          <a:lstStyle/>
+          <a:p>
+            <a:r>
+              <a:rPr lang="en-US" sz="2400" dirty="0">
+                <a:solidFill>
+                  <a:srgbClr val="D4D4D4"/>
+                </a:solidFill>
+                <a:latin typeface="Consolas" panose="020B0609020204030204" pitchFamily="49" charset="0"/>
+              </a:rPr>
+              <a:t>if</a:t>
+            </a:r>
+          </a:p>
+        </p:txBody>
+      </p:sp>
     </p:spTree>
     <p:extLst>
       <p:ext uri="{BB962C8B-B14F-4D97-AF65-F5344CB8AC3E}">
-        <p14:creationId xmlns:p14="http://schemas.microsoft.com/office/powerpoint/2010/main" val="2108038921"/>
+        <p14:creationId xmlns:p14="http://schemas.microsoft.com/office/powerpoint/2010/main" val="2041201335"/>
       </p:ext>
     </p:extLst>
   </p:cSld>
@@ -6585,6 +7275,1741 @@
           <p:cNvPr id="2" name="Title 1">
             <a:extLst>
               <a:ext uri="{FF2B5EF4-FFF2-40B4-BE49-F238E27FC236}">
+                <a16:creationId xmlns:a16="http://schemas.microsoft.com/office/drawing/2014/main" id="{6405D364-3FA2-43C5-AD7A-A778B33A6FCB}"/>
+              </a:ext>
+            </a:extLst>
+          </p:cNvPr>
+          <p:cNvSpPr>
+            <a:spLocks noGrp="1"/>
+          </p:cNvSpPr>
+          <p:nvPr>
+            <p:ph type="title"/>
+          </p:nvPr>
+        </p:nvSpPr>
+        <p:spPr/>
+        <p:txBody>
+          <a:bodyPr/>
+          <a:lstStyle/>
+          <a:p>
+            <a:r>
+              <a:rPr lang="en-US" dirty="0"/>
+              <a:t>Python Exceptions</a:t>
+            </a:r>
+          </a:p>
+        </p:txBody>
+      </p:sp>
+      <p:sp>
+        <p:nvSpPr>
+          <p:cNvPr id="5" name="Rectangle 4">
+            <a:extLst>
+              <a:ext uri="{FF2B5EF4-FFF2-40B4-BE49-F238E27FC236}">
+                <a16:creationId xmlns:a16="http://schemas.microsoft.com/office/drawing/2014/main" id="{D3EA0D8B-EB4D-4104-B816-68703281302C}"/>
+              </a:ext>
+            </a:extLst>
+          </p:cNvPr>
+          <p:cNvSpPr/>
+          <p:nvPr/>
+        </p:nvSpPr>
+        <p:spPr>
+          <a:xfrm>
+            <a:off x="2779059" y="1992904"/>
+            <a:ext cx="6096000" cy="3416320"/>
+          </a:xfrm>
+          <a:prstGeom prst="rect">
+            <a:avLst/>
+          </a:prstGeom>
+          <a:solidFill>
+            <a:srgbClr val="1E1E1E"/>
+          </a:solidFill>
+        </p:spPr>
+        <p:txBody>
+          <a:bodyPr>
+            <a:spAutoFit/>
+          </a:bodyPr>
+          <a:lstStyle/>
+          <a:p>
+            <a:r>
+              <a:rPr lang="en-US" sz="2400" dirty="0">
+                <a:solidFill>
+                  <a:srgbClr val="D4D4D4"/>
+                </a:solidFill>
+                <a:latin typeface="Consolas" panose="020B0609020204030204" pitchFamily="49" charset="0"/>
+              </a:rPr>
+              <a:t>x=6,denominator=</a:t>
+            </a:r>
+            <a:r>
+              <a:rPr lang="en-US" sz="2400" dirty="0">
+                <a:solidFill>
+                  <a:srgbClr val="B5CEA8"/>
+                </a:solidFill>
+                <a:latin typeface="Consolas" panose="020B0609020204030204" pitchFamily="49" charset="0"/>
+              </a:rPr>
+              <a:t>4</a:t>
+            </a:r>
+            <a:endParaRPr lang="en-US" sz="2400" dirty="0">
+              <a:solidFill>
+                <a:srgbClr val="D4D4D4"/>
+              </a:solidFill>
+              <a:latin typeface="Consolas" panose="020B0609020204030204" pitchFamily="49" charset="0"/>
+            </a:endParaRPr>
+          </a:p>
+          <a:p>
+            <a:r>
+              <a:rPr lang="en-US" sz="2400" dirty="0">
+                <a:solidFill>
+                  <a:srgbClr val="569CD6"/>
+                </a:solidFill>
+                <a:latin typeface="Consolas" panose="020B0609020204030204" pitchFamily="49" charset="0"/>
+              </a:rPr>
+              <a:t>try</a:t>
+            </a:r>
+            <a:r>
+              <a:rPr lang="en-US" sz="2400" dirty="0">
+                <a:solidFill>
+                  <a:srgbClr val="D4D4D4"/>
+                </a:solidFill>
+                <a:latin typeface="Consolas" panose="020B0609020204030204" pitchFamily="49" charset="0"/>
+              </a:rPr>
+              <a:t>:</a:t>
+            </a:r>
+          </a:p>
+          <a:p>
+            <a:r>
+              <a:rPr lang="en-US" sz="2400" dirty="0">
+                <a:solidFill>
+                  <a:srgbClr val="D4D4D4"/>
+                </a:solidFill>
+                <a:latin typeface="Consolas" panose="020B0609020204030204" pitchFamily="49" charset="0"/>
+              </a:rPr>
+              <a:t>    y=x/denominator</a:t>
+            </a:r>
+          </a:p>
+          <a:p>
+            <a:r>
+              <a:rPr lang="en-US" sz="2400" dirty="0">
+                <a:solidFill>
+                  <a:srgbClr val="D4D4D4"/>
+                </a:solidFill>
+                <a:latin typeface="Consolas" panose="020B0609020204030204" pitchFamily="49" charset="0"/>
+              </a:rPr>
+              <a:t>    </a:t>
+            </a:r>
+            <a:r>
+              <a:rPr lang="en-US" sz="2400" dirty="0">
+                <a:solidFill>
+                  <a:srgbClr val="6A9955"/>
+                </a:solidFill>
+                <a:latin typeface="Consolas" panose="020B0609020204030204" pitchFamily="49" charset="0"/>
+              </a:rPr>
+              <a:t># print('d2i0 removed')</a:t>
+            </a:r>
+            <a:endParaRPr lang="en-US" sz="2400" dirty="0">
+              <a:solidFill>
+                <a:srgbClr val="D4D4D4"/>
+              </a:solidFill>
+              <a:latin typeface="Consolas" panose="020B0609020204030204" pitchFamily="49" charset="0"/>
+            </a:endParaRPr>
+          </a:p>
+          <a:p>
+            <a:r>
+              <a:rPr lang="en-US" sz="2400" dirty="0">
+                <a:solidFill>
+                  <a:srgbClr val="569CD6"/>
+                </a:solidFill>
+                <a:latin typeface="Consolas" panose="020B0609020204030204" pitchFamily="49" charset="0"/>
+              </a:rPr>
+              <a:t>except</a:t>
+            </a:r>
+            <a:r>
+              <a:rPr lang="en-US" sz="2400" dirty="0">
+                <a:solidFill>
+                  <a:srgbClr val="D4D4D4"/>
+                </a:solidFill>
+                <a:latin typeface="Consolas" panose="020B0609020204030204" pitchFamily="49" charset="0"/>
+              </a:rPr>
+              <a:t> Exception </a:t>
+            </a:r>
+            <a:r>
+              <a:rPr lang="en-US" sz="2400" dirty="0">
+                <a:solidFill>
+                  <a:srgbClr val="569CD6"/>
+                </a:solidFill>
+                <a:latin typeface="Consolas" panose="020B0609020204030204" pitchFamily="49" charset="0"/>
+              </a:rPr>
+              <a:t>as</a:t>
+            </a:r>
+            <a:r>
+              <a:rPr lang="en-US" sz="2400" dirty="0">
+                <a:solidFill>
+                  <a:srgbClr val="D4D4D4"/>
+                </a:solidFill>
+                <a:latin typeface="Consolas" panose="020B0609020204030204" pitchFamily="49" charset="0"/>
+              </a:rPr>
+              <a:t> e:</a:t>
+            </a:r>
+          </a:p>
+          <a:p>
+            <a:r>
+              <a:rPr lang="en-US" sz="2400" dirty="0">
+                <a:solidFill>
+                  <a:srgbClr val="D4D4D4"/>
+                </a:solidFill>
+                <a:latin typeface="Consolas" panose="020B0609020204030204" pitchFamily="49" charset="0"/>
+              </a:rPr>
+              <a:t>    print(</a:t>
+            </a:r>
+            <a:r>
+              <a:rPr lang="en-US" sz="2400" dirty="0">
+                <a:solidFill>
+                  <a:srgbClr val="CE9178"/>
+                </a:solidFill>
+                <a:latin typeface="Consolas" panose="020B0609020204030204" pitchFamily="49" charset="0"/>
+              </a:rPr>
+              <a:t>"Error. Division by 0"</a:t>
+            </a:r>
+            <a:r>
+              <a:rPr lang="en-US" sz="2400" dirty="0">
+                <a:solidFill>
+                  <a:srgbClr val="D4D4D4"/>
+                </a:solidFill>
+                <a:latin typeface="Consolas" panose="020B0609020204030204" pitchFamily="49" charset="0"/>
+              </a:rPr>
+              <a:t>)</a:t>
+            </a:r>
+          </a:p>
+          <a:p>
+            <a:r>
+              <a:rPr lang="en-US" sz="2400" dirty="0">
+                <a:solidFill>
+                  <a:srgbClr val="D4D4D4"/>
+                </a:solidFill>
+                <a:latin typeface="Consolas" panose="020B0609020204030204" pitchFamily="49" charset="0"/>
+              </a:rPr>
+              <a:t>    print(e)</a:t>
+            </a:r>
+          </a:p>
+          <a:p>
+            <a:br>
+              <a:rPr lang="en-US" sz="2400" dirty="0">
+                <a:solidFill>
+                  <a:srgbClr val="D4D4D4"/>
+                </a:solidFill>
+                <a:latin typeface="Consolas" panose="020B0609020204030204" pitchFamily="49" charset="0"/>
+              </a:rPr>
+            </a:br>
+            <a:endParaRPr lang="en-US" sz="2400" b="0" dirty="0">
+              <a:solidFill>
+                <a:srgbClr val="D4D4D4"/>
+              </a:solidFill>
+              <a:effectLst/>
+              <a:latin typeface="Consolas" panose="020B0609020204030204" pitchFamily="49" charset="0"/>
+            </a:endParaRPr>
+          </a:p>
+        </p:txBody>
+      </p:sp>
+    </p:spTree>
+    <p:extLst>
+      <p:ext uri="{BB962C8B-B14F-4D97-AF65-F5344CB8AC3E}">
+        <p14:creationId xmlns:p14="http://schemas.microsoft.com/office/powerpoint/2010/main" val="2997818066"/>
+      </p:ext>
+    </p:extLst>
+  </p:cSld>
+  <p:clrMapOvr>
+    <a:masterClrMapping/>
+  </p:clrMapOvr>
+</p:sld>
+</file>
+
+<file path=ppt/slides/slide13.xml><?xml version="1.0" encoding="utf-8"?>
+<p:sld xmlns:a="http://schemas.openxmlformats.org/drawingml/2006/main" xmlns:r="http://schemas.openxmlformats.org/officeDocument/2006/relationships" xmlns:p="http://schemas.openxmlformats.org/presentationml/2006/main">
+  <p:cSld>
+    <p:spTree>
+      <p:nvGrpSpPr>
+        <p:cNvPr id="1" name=""/>
+        <p:cNvGrpSpPr/>
+        <p:nvPr/>
+      </p:nvGrpSpPr>
+      <p:grpSpPr>
+        <a:xfrm>
+          <a:off x="0" y="0"/>
+          <a:ext cx="0" cy="0"/>
+          <a:chOff x="0" y="0"/>
+          <a:chExt cx="0" cy="0"/>
+        </a:xfrm>
+      </p:grpSpPr>
+      <p:sp>
+        <p:nvSpPr>
+          <p:cNvPr id="2" name="Title 1">
+            <a:extLst>
+              <a:ext uri="{FF2B5EF4-FFF2-40B4-BE49-F238E27FC236}">
+                <a16:creationId xmlns:a16="http://schemas.microsoft.com/office/drawing/2014/main" id="{2AC163EC-950C-422A-A877-418FD37C41E0}"/>
+              </a:ext>
+            </a:extLst>
+          </p:cNvPr>
+          <p:cNvSpPr>
+            <a:spLocks noGrp="1"/>
+          </p:cNvSpPr>
+          <p:nvPr>
+            <p:ph type="title"/>
+          </p:nvPr>
+        </p:nvSpPr>
+        <p:spPr/>
+        <p:txBody>
+          <a:bodyPr/>
+          <a:lstStyle/>
+          <a:p>
+            <a:r>
+              <a:rPr lang="en-US" dirty="0"/>
+              <a:t>Python function </a:t>
+            </a:r>
+            <a:r>
+              <a:rPr lang="en-US" dirty="0">
+                <a:latin typeface="Consolas" panose="020B0609020204030204" pitchFamily="49" charset="0"/>
+              </a:rPr>
+              <a:t>def</a:t>
+            </a:r>
+            <a:r>
+              <a:rPr lang="en-US" dirty="0"/>
+              <a:t>inition</a:t>
+            </a:r>
+          </a:p>
+        </p:txBody>
+      </p:sp>
+      <p:sp>
+        <p:nvSpPr>
+          <p:cNvPr id="4" name="Rectangle 3">
+            <a:extLst>
+              <a:ext uri="{FF2B5EF4-FFF2-40B4-BE49-F238E27FC236}">
+                <a16:creationId xmlns:a16="http://schemas.microsoft.com/office/drawing/2014/main" id="{7239B870-85A2-4D39-A481-08ABA5DFFF6D}"/>
+              </a:ext>
+            </a:extLst>
+          </p:cNvPr>
+          <p:cNvSpPr/>
+          <p:nvPr/>
+        </p:nvSpPr>
+        <p:spPr>
+          <a:xfrm>
+            <a:off x="1380565" y="2853516"/>
+            <a:ext cx="8839200" cy="1938992"/>
+          </a:xfrm>
+          <a:prstGeom prst="rect">
+            <a:avLst/>
+          </a:prstGeom>
+          <a:solidFill>
+            <a:srgbClr val="1E1E1E"/>
+          </a:solidFill>
+        </p:spPr>
+        <p:txBody>
+          <a:bodyPr wrap="square">
+            <a:spAutoFit/>
+          </a:bodyPr>
+          <a:lstStyle/>
+          <a:p>
+            <a:r>
+              <a:rPr lang="en-US" sz="2400" dirty="0">
+                <a:solidFill>
+                  <a:srgbClr val="569CD6"/>
+                </a:solidFill>
+                <a:latin typeface="Consolas" panose="020B0609020204030204" pitchFamily="49" charset="0"/>
+              </a:rPr>
+              <a:t>def</a:t>
+            </a:r>
+            <a:r>
+              <a:rPr lang="en-US" sz="2400" dirty="0">
+                <a:solidFill>
+                  <a:srgbClr val="D4D4D4"/>
+                </a:solidFill>
+                <a:latin typeface="Consolas" panose="020B0609020204030204" pitchFamily="49" charset="0"/>
+              </a:rPr>
+              <a:t> </a:t>
+            </a:r>
+            <a:r>
+              <a:rPr lang="en-US" sz="2400" dirty="0" err="1">
+                <a:solidFill>
+                  <a:srgbClr val="D4D4D4"/>
+                </a:solidFill>
+                <a:latin typeface="Consolas" panose="020B0609020204030204" pitchFamily="49" charset="0"/>
+              </a:rPr>
+              <a:t>hw</a:t>
+            </a:r>
+            <a:r>
+              <a:rPr lang="en-US" sz="2400" dirty="0">
+                <a:solidFill>
+                  <a:srgbClr val="D4D4D4"/>
+                </a:solidFill>
+                <a:latin typeface="Consolas" panose="020B0609020204030204" pitchFamily="49" charset="0"/>
+              </a:rPr>
+              <a:t>(x, a=</a:t>
+            </a:r>
+            <a:r>
+              <a:rPr lang="en-US" sz="2400" dirty="0">
+                <a:solidFill>
+                  <a:srgbClr val="CE9178"/>
+                </a:solidFill>
+                <a:latin typeface="Consolas" panose="020B0609020204030204" pitchFamily="49" charset="0"/>
+              </a:rPr>
+              <a:t>"</a:t>
+            </a:r>
+            <a:r>
+              <a:rPr lang="en-US" sz="2400" dirty="0" err="1">
+                <a:solidFill>
+                  <a:srgbClr val="CE9178"/>
+                </a:solidFill>
+                <a:latin typeface="Consolas" panose="020B0609020204030204" pitchFamily="49" charset="0"/>
+              </a:rPr>
+              <a:t>aaaa</a:t>
+            </a:r>
+            <a:r>
+              <a:rPr lang="en-US" sz="2400" dirty="0">
+                <a:solidFill>
+                  <a:srgbClr val="CE9178"/>
+                </a:solidFill>
+                <a:latin typeface="Consolas" panose="020B0609020204030204" pitchFamily="49" charset="0"/>
+              </a:rPr>
+              <a:t>"</a:t>
+            </a:r>
+            <a:r>
+              <a:rPr lang="en-US" sz="2400" dirty="0">
+                <a:solidFill>
+                  <a:srgbClr val="D4D4D4"/>
+                </a:solidFill>
+                <a:latin typeface="Consolas" panose="020B0609020204030204" pitchFamily="49" charset="0"/>
+              </a:rPr>
+              <a:t>, b=</a:t>
+            </a:r>
+            <a:r>
+              <a:rPr lang="en-US" sz="2400" dirty="0">
+                <a:solidFill>
+                  <a:srgbClr val="B5CEA8"/>
+                </a:solidFill>
+                <a:latin typeface="Consolas" panose="020B0609020204030204" pitchFamily="49" charset="0"/>
+              </a:rPr>
+              <a:t>4</a:t>
+            </a:r>
+            <a:r>
+              <a:rPr lang="en-US" sz="2400" dirty="0">
+                <a:solidFill>
+                  <a:srgbClr val="D4D4D4"/>
+                </a:solidFill>
+                <a:latin typeface="Consolas" panose="020B0609020204030204" pitchFamily="49" charset="0"/>
+              </a:rPr>
+              <a:t>, </a:t>
+            </a:r>
+            <a:r>
+              <a:rPr lang="en-US" sz="2400" dirty="0" err="1">
+                <a:solidFill>
+                  <a:srgbClr val="D4D4D4"/>
+                </a:solidFill>
+                <a:latin typeface="Consolas" panose="020B0609020204030204" pitchFamily="49" charset="0"/>
+              </a:rPr>
+              <a:t>mylist</a:t>
+            </a:r>
+            <a:r>
+              <a:rPr lang="en-US" sz="2400" dirty="0">
+                <a:solidFill>
+                  <a:srgbClr val="D4D4D4"/>
+                </a:solidFill>
+                <a:latin typeface="Consolas" panose="020B0609020204030204" pitchFamily="49" charset="0"/>
+              </a:rPr>
+              <a:t>=[</a:t>
+            </a:r>
+            <a:r>
+              <a:rPr lang="en-US" sz="2400" dirty="0">
+                <a:solidFill>
+                  <a:srgbClr val="B5CEA8"/>
+                </a:solidFill>
+                <a:latin typeface="Consolas" panose="020B0609020204030204" pitchFamily="49" charset="0"/>
+              </a:rPr>
+              <a:t>5</a:t>
+            </a:r>
+            <a:r>
+              <a:rPr lang="en-US" sz="2400" dirty="0">
+                <a:solidFill>
+                  <a:srgbClr val="D4D4D4"/>
+                </a:solidFill>
+                <a:latin typeface="Consolas" panose="020B0609020204030204" pitchFamily="49" charset="0"/>
+              </a:rPr>
+              <a:t>, </a:t>
+            </a:r>
+            <a:r>
+              <a:rPr lang="en-US" sz="2400" dirty="0">
+                <a:solidFill>
+                  <a:srgbClr val="CE9178"/>
+                </a:solidFill>
+                <a:latin typeface="Consolas" panose="020B0609020204030204" pitchFamily="49" charset="0"/>
+              </a:rPr>
+              <a:t>'KKK'</a:t>
+            </a:r>
+            <a:r>
+              <a:rPr lang="en-US" sz="2400" dirty="0">
+                <a:solidFill>
+                  <a:srgbClr val="D4D4D4"/>
+                </a:solidFill>
+                <a:latin typeface="Consolas" panose="020B0609020204030204" pitchFamily="49" charset="0"/>
+              </a:rPr>
+              <a:t>, </a:t>
+            </a:r>
+            <a:r>
+              <a:rPr lang="en-US" sz="2400" dirty="0">
+                <a:solidFill>
+                  <a:srgbClr val="CE9178"/>
+                </a:solidFill>
+                <a:latin typeface="Consolas" panose="020B0609020204030204" pitchFamily="49" charset="0"/>
+              </a:rPr>
+              <a:t>'PPP'</a:t>
+            </a:r>
+            <a:r>
+              <a:rPr lang="en-US" sz="2400" dirty="0">
+                <a:solidFill>
+                  <a:srgbClr val="D4D4D4"/>
+                </a:solidFill>
+                <a:latin typeface="Consolas" panose="020B0609020204030204" pitchFamily="49" charset="0"/>
+              </a:rPr>
+              <a:t>]):</a:t>
+            </a:r>
+          </a:p>
+          <a:p>
+            <a:r>
+              <a:rPr lang="en-US" sz="2400" dirty="0">
+                <a:solidFill>
+                  <a:srgbClr val="D4D4D4"/>
+                </a:solidFill>
+                <a:latin typeface="Consolas" panose="020B0609020204030204" pitchFamily="49" charset="0"/>
+              </a:rPr>
+              <a:t>    y=</a:t>
+            </a:r>
+            <a:r>
+              <a:rPr lang="en-US" sz="2400" dirty="0">
+                <a:solidFill>
+                  <a:srgbClr val="B5CEA8"/>
+                </a:solidFill>
+                <a:latin typeface="Consolas" panose="020B0609020204030204" pitchFamily="49" charset="0"/>
+              </a:rPr>
+              <a:t>5</a:t>
+            </a:r>
+            <a:r>
+              <a:rPr lang="en-US" sz="2400" dirty="0">
+                <a:solidFill>
+                  <a:srgbClr val="D4D4D4"/>
+                </a:solidFill>
+                <a:latin typeface="Consolas" panose="020B0609020204030204" pitchFamily="49" charset="0"/>
+              </a:rPr>
+              <a:t>*b</a:t>
+            </a:r>
+          </a:p>
+          <a:p>
+            <a:r>
+              <a:rPr lang="en-US" sz="2400" dirty="0">
+                <a:solidFill>
+                  <a:srgbClr val="D4D4D4"/>
+                </a:solidFill>
+                <a:latin typeface="Consolas" panose="020B0609020204030204" pitchFamily="49" charset="0"/>
+              </a:rPr>
+              <a:t>    </a:t>
+            </a:r>
+            <a:r>
+              <a:rPr lang="en-US" sz="2400" dirty="0">
+                <a:solidFill>
+                  <a:srgbClr val="569CD6"/>
+                </a:solidFill>
+                <a:latin typeface="Consolas" panose="020B0609020204030204" pitchFamily="49" charset="0"/>
+              </a:rPr>
+              <a:t>return</a:t>
+            </a:r>
+            <a:r>
+              <a:rPr lang="en-US" sz="2400" dirty="0">
+                <a:solidFill>
+                  <a:srgbClr val="D4D4D4"/>
+                </a:solidFill>
+                <a:latin typeface="Consolas" panose="020B0609020204030204" pitchFamily="49" charset="0"/>
+              </a:rPr>
+              <a:t>(a)</a:t>
+            </a:r>
+          </a:p>
+          <a:p>
+            <a:br>
+              <a:rPr lang="en-US" sz="2400" dirty="0">
+                <a:solidFill>
+                  <a:srgbClr val="D4D4D4"/>
+                </a:solidFill>
+                <a:latin typeface="Consolas" panose="020B0609020204030204" pitchFamily="49" charset="0"/>
+              </a:rPr>
+            </a:br>
+            <a:r>
+              <a:rPr lang="en-US" sz="2400" dirty="0" err="1">
+                <a:solidFill>
+                  <a:srgbClr val="D4D4D4"/>
+                </a:solidFill>
+                <a:latin typeface="Consolas" panose="020B0609020204030204" pitchFamily="49" charset="0"/>
+              </a:rPr>
+              <a:t>hw</a:t>
+            </a:r>
+            <a:r>
+              <a:rPr lang="en-US" sz="2400" dirty="0">
+                <a:solidFill>
+                  <a:srgbClr val="D4D4D4"/>
+                </a:solidFill>
+                <a:latin typeface="Consolas" panose="020B0609020204030204" pitchFamily="49" charset="0"/>
+              </a:rPr>
+              <a:t>(x=</a:t>
+            </a:r>
+            <a:r>
+              <a:rPr lang="en-US" sz="2400" dirty="0">
+                <a:solidFill>
+                  <a:srgbClr val="B5CEA8"/>
+                </a:solidFill>
+                <a:latin typeface="Consolas" panose="020B0609020204030204" pitchFamily="49" charset="0"/>
+              </a:rPr>
+              <a:t>3</a:t>
+            </a:r>
+            <a:r>
+              <a:rPr lang="en-US" sz="2400" dirty="0">
+                <a:solidFill>
+                  <a:srgbClr val="D4D4D4"/>
+                </a:solidFill>
+                <a:latin typeface="Consolas" panose="020B0609020204030204" pitchFamily="49" charset="0"/>
+              </a:rPr>
+              <a:t>)</a:t>
+            </a:r>
+          </a:p>
+        </p:txBody>
+      </p:sp>
+    </p:spTree>
+    <p:extLst>
+      <p:ext uri="{BB962C8B-B14F-4D97-AF65-F5344CB8AC3E}">
+        <p14:creationId xmlns:p14="http://schemas.microsoft.com/office/powerpoint/2010/main" val="1853675236"/>
+      </p:ext>
+    </p:extLst>
+  </p:cSld>
+  <p:clrMapOvr>
+    <a:masterClrMapping/>
+  </p:clrMapOvr>
+</p:sld>
+</file>
+
+<file path=ppt/slides/slide14.xml><?xml version="1.0" encoding="utf-8"?>
+<p:sld xmlns:a="http://schemas.openxmlformats.org/drawingml/2006/main" xmlns:r="http://schemas.openxmlformats.org/officeDocument/2006/relationships" xmlns:p="http://schemas.openxmlformats.org/presentationml/2006/main">
+  <p:cSld>
+    <p:spTree>
+      <p:nvGrpSpPr>
+        <p:cNvPr id="1" name=""/>
+        <p:cNvGrpSpPr/>
+        <p:nvPr/>
+      </p:nvGrpSpPr>
+      <p:grpSpPr>
+        <a:xfrm>
+          <a:off x="0" y="0"/>
+          <a:ext cx="0" cy="0"/>
+          <a:chOff x="0" y="0"/>
+          <a:chExt cx="0" cy="0"/>
+        </a:xfrm>
+      </p:grpSpPr>
+      <p:sp>
+        <p:nvSpPr>
+          <p:cNvPr id="2" name="Title 1">
+            <a:extLst>
+              <a:ext uri="{FF2B5EF4-FFF2-40B4-BE49-F238E27FC236}">
+                <a16:creationId xmlns:a16="http://schemas.microsoft.com/office/drawing/2014/main" id="{C7CDB1CF-3E64-43C1-AE87-6CEA578DAAFB}"/>
+              </a:ext>
+            </a:extLst>
+          </p:cNvPr>
+          <p:cNvSpPr>
+            <a:spLocks noGrp="1"/>
+          </p:cNvSpPr>
+          <p:nvPr>
+            <p:ph type="title"/>
+          </p:nvPr>
+        </p:nvSpPr>
+        <p:spPr/>
+        <p:txBody>
+          <a:bodyPr/>
+          <a:lstStyle/>
+          <a:p>
+            <a:r>
+              <a:rPr lang="en-US" dirty="0"/>
+              <a:t>Exercise</a:t>
+            </a:r>
+          </a:p>
+        </p:txBody>
+      </p:sp>
+      <p:sp>
+        <p:nvSpPr>
+          <p:cNvPr id="3" name="Content Placeholder 2">
+            <a:extLst>
+              <a:ext uri="{FF2B5EF4-FFF2-40B4-BE49-F238E27FC236}">
+                <a16:creationId xmlns:a16="http://schemas.microsoft.com/office/drawing/2014/main" id="{55342C6F-A76B-4AE8-9728-0095502D7EC2}"/>
+              </a:ext>
+            </a:extLst>
+          </p:cNvPr>
+          <p:cNvSpPr>
+            <a:spLocks noGrp="1"/>
+          </p:cNvSpPr>
+          <p:nvPr>
+            <p:ph idx="1"/>
+          </p:nvPr>
+        </p:nvSpPr>
+        <p:spPr/>
+        <p:txBody>
+          <a:bodyPr/>
+          <a:lstStyle/>
+          <a:p>
+            <a:r>
+              <a:rPr lang="en-US" dirty="0"/>
+              <a:t>Create a function that return the sum of 3 numbers</a:t>
+            </a:r>
+          </a:p>
+          <a:p>
+            <a:r>
+              <a:rPr lang="en-US" dirty="0"/>
+              <a:t>Create a function </a:t>
+            </a:r>
+            <a:r>
+              <a:rPr lang="en-US" dirty="0" err="1">
+                <a:latin typeface="Consolas" panose="020B0609020204030204" pitchFamily="49" charset="0"/>
+              </a:rPr>
+              <a:t>is_even</a:t>
+            </a:r>
+            <a:r>
+              <a:rPr lang="en-US" dirty="0">
+                <a:latin typeface="Consolas" panose="020B0609020204030204" pitchFamily="49" charset="0"/>
+              </a:rPr>
+              <a:t>()</a:t>
+            </a:r>
+            <a:r>
+              <a:rPr lang="en-US" dirty="0"/>
+              <a:t> that checks if a number is divisible by 2</a:t>
+            </a:r>
+          </a:p>
+          <a:p>
+            <a:r>
+              <a:rPr lang="en-US" dirty="0"/>
+              <a:t>Create a for loop that prints only even numbers (5%2)</a:t>
+            </a:r>
+          </a:p>
+          <a:p>
+            <a:r>
+              <a:rPr lang="en-US" dirty="0"/>
+              <a:t>Create a function that prints only the last 3 characters of a string, one-by-one</a:t>
+            </a:r>
+          </a:p>
+        </p:txBody>
+      </p:sp>
+    </p:spTree>
+    <p:extLst>
+      <p:ext uri="{BB962C8B-B14F-4D97-AF65-F5344CB8AC3E}">
+        <p14:creationId xmlns:p14="http://schemas.microsoft.com/office/powerpoint/2010/main" val="4268065775"/>
+      </p:ext>
+    </p:extLst>
+  </p:cSld>
+  <p:clrMapOvr>
+    <a:masterClrMapping/>
+  </p:clrMapOvr>
+</p:sld>
+</file>
+
+<file path=ppt/slides/slide15.xml><?xml version="1.0" encoding="utf-8"?>
+<p:sld xmlns:a="http://schemas.openxmlformats.org/drawingml/2006/main" xmlns:r="http://schemas.openxmlformats.org/officeDocument/2006/relationships" xmlns:p="http://schemas.openxmlformats.org/presentationml/2006/main">
+  <p:cSld>
+    <p:spTree>
+      <p:nvGrpSpPr>
+        <p:cNvPr id="1" name=""/>
+        <p:cNvGrpSpPr/>
+        <p:nvPr/>
+      </p:nvGrpSpPr>
+      <p:grpSpPr>
+        <a:xfrm>
+          <a:off x="0" y="0"/>
+          <a:ext cx="0" cy="0"/>
+          <a:chOff x="0" y="0"/>
+          <a:chExt cx="0" cy="0"/>
+        </a:xfrm>
+      </p:grpSpPr>
+      <p:sp>
+        <p:nvSpPr>
+          <p:cNvPr id="3" name="Content Placeholder 2">
+            <a:extLst>
+              <a:ext uri="{FF2B5EF4-FFF2-40B4-BE49-F238E27FC236}">
+                <a16:creationId xmlns:a16="http://schemas.microsoft.com/office/drawing/2014/main" id="{F56CDAA9-14CB-4EC4-9ADB-F03C10ED770E}"/>
+              </a:ext>
+            </a:extLst>
+          </p:cNvPr>
+          <p:cNvSpPr>
+            <a:spLocks noGrp="1"/>
+          </p:cNvSpPr>
+          <p:nvPr>
+            <p:ph idx="1"/>
+          </p:nvPr>
+        </p:nvSpPr>
+        <p:spPr/>
+        <p:txBody>
+          <a:bodyPr/>
+          <a:lstStyle/>
+          <a:p>
+            <a:endParaRPr lang="en-US" dirty="0"/>
+          </a:p>
+        </p:txBody>
+      </p:sp>
+      <p:pic>
+        <p:nvPicPr>
+          <p:cNvPr id="4" name="Graphic 3">
+            <a:extLst>
+              <a:ext uri="{FF2B5EF4-FFF2-40B4-BE49-F238E27FC236}">
+                <a16:creationId xmlns:a16="http://schemas.microsoft.com/office/drawing/2014/main" id="{1BAE536C-81E7-4289-A745-FD777A734DE6}"/>
+              </a:ext>
+            </a:extLst>
+          </p:cNvPr>
+          <p:cNvPicPr>
+            <a:picLocks noChangeAspect="1"/>
+          </p:cNvPicPr>
+          <p:nvPr/>
+        </p:nvPicPr>
+        <p:blipFill rotWithShape="1">
+          <a:blip r:embed="rId3">
+            <a:extLst>
+              <a:ext uri="{28A0092B-C50C-407E-A947-70E740481C1C}">
+                <a14:useLocalDpi xmlns:a14="http://schemas.microsoft.com/office/drawing/2010/main" val="0"/>
+              </a:ext>
+              <a:ext uri="{96DAC541-7B7A-43D3-8B79-37D633B846F1}">
+                <asvg:svgBlip xmlns:asvg="http://schemas.microsoft.com/office/drawing/2016/SVG/main" r:embed="rId4"/>
+              </a:ext>
+            </a:extLst>
+          </a:blip>
+          <a:srcRect r="60877"/>
+          <a:stretch/>
+        </p:blipFill>
+        <p:spPr>
+          <a:xfrm>
+            <a:off x="375745" y="151958"/>
+            <a:ext cx="1327549" cy="1344170"/>
+          </a:xfrm>
+          <a:prstGeom prst="rect">
+            <a:avLst/>
+          </a:prstGeom>
+        </p:spPr>
+      </p:pic>
+      <p:sp>
+        <p:nvSpPr>
+          <p:cNvPr id="6" name="Title 5">
+            <a:extLst>
+              <a:ext uri="{FF2B5EF4-FFF2-40B4-BE49-F238E27FC236}">
+                <a16:creationId xmlns:a16="http://schemas.microsoft.com/office/drawing/2014/main" id="{DEA728C1-C0D4-4047-9BFC-A7801B8E9C98}"/>
+              </a:ext>
+            </a:extLst>
+          </p:cNvPr>
+          <p:cNvSpPr>
+            <a:spLocks noGrp="1"/>
+          </p:cNvSpPr>
+          <p:nvPr>
+            <p:ph type="title"/>
+          </p:nvPr>
+        </p:nvSpPr>
+        <p:spPr/>
+        <p:txBody>
+          <a:bodyPr/>
+          <a:lstStyle/>
+          <a:p>
+            <a:r>
+              <a:rPr lang="en-US" dirty="0"/>
+              <a:t>      </a:t>
+            </a:r>
+            <a:r>
+              <a:rPr lang="en-US" dirty="0">
+                <a:solidFill>
+                  <a:srgbClr val="0721A0"/>
+                </a:solidFill>
+                <a:latin typeface="Palatino Linotype" panose="02040502050505030304" pitchFamily="18" charset="0"/>
+              </a:rPr>
+              <a:t>NumPy Arrays</a:t>
+            </a:r>
+          </a:p>
+        </p:txBody>
+      </p:sp>
+      <p:sp>
+        <p:nvSpPr>
+          <p:cNvPr id="7" name="Rectangle 6">
+            <a:extLst>
+              <a:ext uri="{FF2B5EF4-FFF2-40B4-BE49-F238E27FC236}">
+                <a16:creationId xmlns:a16="http://schemas.microsoft.com/office/drawing/2014/main" id="{64AD189D-03AD-4D9F-B984-C1E37ADA4362}"/>
+              </a:ext>
+            </a:extLst>
+          </p:cNvPr>
+          <p:cNvSpPr/>
+          <p:nvPr/>
+        </p:nvSpPr>
+        <p:spPr>
+          <a:xfrm>
+            <a:off x="6856454" y="166072"/>
+            <a:ext cx="5156251" cy="2677656"/>
+          </a:xfrm>
+          <a:prstGeom prst="rect">
+            <a:avLst/>
+          </a:prstGeom>
+          <a:solidFill>
+            <a:srgbClr val="1E1E1E"/>
+          </a:solidFill>
+        </p:spPr>
+        <p:txBody>
+          <a:bodyPr wrap="square">
+            <a:spAutoFit/>
+          </a:bodyPr>
+          <a:lstStyle/>
+          <a:p>
+            <a:r>
+              <a:rPr lang="en-US" sz="2400" dirty="0">
+                <a:solidFill>
+                  <a:srgbClr val="569CD6"/>
+                </a:solidFill>
+                <a:latin typeface="Consolas" panose="020B0609020204030204" pitchFamily="49" charset="0"/>
+              </a:rPr>
+              <a:t>import</a:t>
+            </a:r>
+            <a:r>
+              <a:rPr lang="en-US" sz="2400" dirty="0">
+                <a:solidFill>
+                  <a:srgbClr val="D4D4D4"/>
+                </a:solidFill>
+                <a:latin typeface="Consolas" panose="020B0609020204030204" pitchFamily="49" charset="0"/>
+              </a:rPr>
+              <a:t> numpy </a:t>
+            </a:r>
+            <a:r>
+              <a:rPr lang="en-US" sz="2400" dirty="0">
+                <a:solidFill>
+                  <a:srgbClr val="569CD6"/>
+                </a:solidFill>
+                <a:latin typeface="Consolas" panose="020B0609020204030204" pitchFamily="49" charset="0"/>
+              </a:rPr>
+              <a:t>as</a:t>
+            </a:r>
+            <a:r>
+              <a:rPr lang="en-US" sz="2400" dirty="0">
+                <a:solidFill>
+                  <a:srgbClr val="D4D4D4"/>
+                </a:solidFill>
+                <a:latin typeface="Consolas" panose="020B0609020204030204" pitchFamily="49" charset="0"/>
+              </a:rPr>
+              <a:t> np</a:t>
+            </a:r>
+          </a:p>
+          <a:p>
+            <a:r>
+              <a:rPr lang="en-US" sz="2400" dirty="0">
+                <a:solidFill>
+                  <a:srgbClr val="D4D4D4"/>
+                </a:solidFill>
+                <a:latin typeface="Consolas" panose="020B0609020204030204" pitchFamily="49" charset="0"/>
+              </a:rPr>
+              <a:t>a=</a:t>
+            </a:r>
+            <a:r>
+              <a:rPr lang="en-US" sz="2400" dirty="0" err="1">
+                <a:solidFill>
+                  <a:srgbClr val="D4D4D4"/>
+                </a:solidFill>
+                <a:latin typeface="Consolas" panose="020B0609020204030204" pitchFamily="49" charset="0"/>
+              </a:rPr>
+              <a:t>np.array</a:t>
+            </a:r>
+            <a:r>
+              <a:rPr lang="en-US" sz="2400" dirty="0">
+                <a:solidFill>
+                  <a:srgbClr val="D4D4D4"/>
+                </a:solidFill>
+                <a:latin typeface="Consolas" panose="020B0609020204030204" pitchFamily="49" charset="0"/>
+              </a:rPr>
+              <a:t>([7.,2.,9.,10.])</a:t>
+            </a:r>
+          </a:p>
+          <a:p>
+            <a:r>
+              <a:rPr lang="en-US" sz="2400" dirty="0">
+                <a:solidFill>
+                  <a:srgbClr val="D4D4D4"/>
+                </a:solidFill>
+                <a:latin typeface="Consolas" panose="020B0609020204030204" pitchFamily="49" charset="0"/>
+              </a:rPr>
+              <a:t>x=</a:t>
+            </a:r>
+            <a:r>
+              <a:rPr lang="en-US" sz="2400" dirty="0" err="1">
+                <a:solidFill>
+                  <a:srgbClr val="D4D4D4"/>
+                </a:solidFill>
+                <a:latin typeface="Consolas" panose="020B0609020204030204" pitchFamily="49" charset="0"/>
+              </a:rPr>
+              <a:t>np.array</a:t>
+            </a:r>
+            <a:r>
+              <a:rPr lang="en-US" sz="2400" dirty="0">
+                <a:solidFill>
+                  <a:srgbClr val="D4D4D4"/>
+                </a:solidFill>
+                <a:latin typeface="Consolas" panose="020B0609020204030204" pitchFamily="49" charset="0"/>
+              </a:rPr>
+              <a:t>([[2,3,4],[5,6,7]])</a:t>
+            </a:r>
+          </a:p>
+          <a:p>
+            <a:r>
+              <a:rPr lang="en-US" sz="2400" dirty="0" err="1">
+                <a:solidFill>
+                  <a:srgbClr val="D4D4D4"/>
+                </a:solidFill>
+                <a:latin typeface="Consolas" panose="020B0609020204030204" pitchFamily="49" charset="0"/>
+              </a:rPr>
+              <a:t>x.shape</a:t>
+            </a:r>
+            <a:endParaRPr lang="en-US" sz="2400" dirty="0">
+              <a:solidFill>
+                <a:srgbClr val="D4D4D4"/>
+              </a:solidFill>
+              <a:latin typeface="Consolas" panose="020B0609020204030204" pitchFamily="49" charset="0"/>
+            </a:endParaRPr>
+          </a:p>
+          <a:p>
+            <a:r>
+              <a:rPr lang="en-US" sz="2400" dirty="0">
+                <a:solidFill>
+                  <a:srgbClr val="D4D4D4"/>
+                </a:solidFill>
+                <a:latin typeface="Consolas" panose="020B0609020204030204" pitchFamily="49" charset="0"/>
+              </a:rPr>
+              <a:t>X[,-1];      X[,-1:]</a:t>
+            </a:r>
+          </a:p>
+          <a:p>
+            <a:r>
+              <a:rPr lang="en-US" sz="2400" dirty="0" err="1">
+                <a:solidFill>
+                  <a:srgbClr val="D4D4D4"/>
+                </a:solidFill>
+                <a:latin typeface="Consolas" panose="020B0609020204030204" pitchFamily="49" charset="0"/>
+              </a:rPr>
+              <a:t>x.reshape</a:t>
+            </a:r>
+            <a:r>
+              <a:rPr lang="en-US" sz="2400" dirty="0">
+                <a:solidFill>
+                  <a:srgbClr val="D4D4D4"/>
+                </a:solidFill>
+                <a:latin typeface="Consolas" panose="020B0609020204030204" pitchFamily="49" charset="0"/>
+              </a:rPr>
+              <a:t>(3,2)</a:t>
+            </a:r>
+          </a:p>
+          <a:p>
+            <a:r>
+              <a:rPr lang="en-US" sz="2400" dirty="0" err="1">
+                <a:solidFill>
+                  <a:srgbClr val="D4D4D4"/>
+                </a:solidFill>
+                <a:latin typeface="Consolas" panose="020B0609020204030204" pitchFamily="49" charset="0"/>
+              </a:rPr>
+              <a:t>x.reshape</a:t>
+            </a:r>
+            <a:r>
+              <a:rPr lang="en-US" sz="2400" dirty="0">
+                <a:solidFill>
+                  <a:srgbClr val="D4D4D4"/>
+                </a:solidFill>
+                <a:latin typeface="Consolas" panose="020B0609020204030204" pitchFamily="49" charset="0"/>
+              </a:rPr>
+              <a:t>(3,-1)</a:t>
+            </a:r>
+          </a:p>
+        </p:txBody>
+      </p:sp>
+      <p:pic>
+        <p:nvPicPr>
+          <p:cNvPr id="1026" name="Picture 2" descr="NumPy manipulation: reshape() function">
+            <a:hlinkClick r:id="rId5"/>
+            <a:extLst>
+              <a:ext uri="{FF2B5EF4-FFF2-40B4-BE49-F238E27FC236}">
+                <a16:creationId xmlns:a16="http://schemas.microsoft.com/office/drawing/2014/main" id="{82BAB25F-D8EB-4C36-8E88-D7BB6C17DC61}"/>
+              </a:ext>
+            </a:extLst>
+          </p:cNvPr>
+          <p:cNvPicPr>
+            <a:picLocks noChangeAspect="1" noChangeArrowheads="1"/>
+          </p:cNvPicPr>
+          <p:nvPr/>
+        </p:nvPicPr>
+        <p:blipFill>
+          <a:blip r:embed="rId6">
+            <a:extLst>
+              <a:ext uri="{28A0092B-C50C-407E-A947-70E740481C1C}">
+                <a14:useLocalDpi xmlns:a14="http://schemas.microsoft.com/office/drawing/2010/main" val="0"/>
+              </a:ext>
+            </a:extLst>
+          </a:blip>
+          <a:srcRect/>
+          <a:stretch>
+            <a:fillRect/>
+          </a:stretch>
+        </p:blipFill>
+        <p:spPr bwMode="auto">
+          <a:xfrm>
+            <a:off x="601579" y="1903855"/>
+            <a:ext cx="2403065" cy="4954145"/>
+          </a:xfrm>
+          <a:prstGeom prst="rect">
+            <a:avLst/>
+          </a:prstGeom>
+          <a:noFill/>
+          <a:extLst>
+            <a:ext uri="{909E8E84-426E-40DD-AFC4-6F175D3DCCD1}">
+              <a14:hiddenFill xmlns:a14="http://schemas.microsoft.com/office/drawing/2010/main">
+                <a:solidFill>
+                  <a:srgbClr val="FFFFFF"/>
+                </a:solidFill>
+              </a14:hiddenFill>
+            </a:ext>
+          </a:extLst>
+        </p:spPr>
+      </p:pic>
+      <p:pic>
+        <p:nvPicPr>
+          <p:cNvPr id="2" name="Picture 2" descr="Numpy/SciPy — Python Tutorial documentation">
+            <a:hlinkClick r:id="rId7"/>
+            <a:extLst>
+              <a:ext uri="{FF2B5EF4-FFF2-40B4-BE49-F238E27FC236}">
+                <a16:creationId xmlns:a16="http://schemas.microsoft.com/office/drawing/2014/main" id="{A50913F9-F48D-44A3-891A-F3E9B850E0B8}"/>
+              </a:ext>
+            </a:extLst>
+          </p:cNvPr>
+          <p:cNvPicPr>
+            <a:picLocks noChangeAspect="1" noChangeArrowheads="1"/>
+          </p:cNvPicPr>
+          <p:nvPr/>
+        </p:nvPicPr>
+        <p:blipFill>
+          <a:blip r:embed="rId8">
+            <a:extLst>
+              <a:ext uri="{28A0092B-C50C-407E-A947-70E740481C1C}">
+                <a14:useLocalDpi xmlns:a14="http://schemas.microsoft.com/office/drawing/2010/main" val="0"/>
+              </a:ext>
+            </a:extLst>
+          </a:blip>
+          <a:srcRect/>
+          <a:stretch>
+            <a:fillRect/>
+          </a:stretch>
+        </p:blipFill>
+        <p:spPr bwMode="auto">
+          <a:xfrm>
+            <a:off x="5171089" y="2933421"/>
+            <a:ext cx="7020911" cy="3924579"/>
+          </a:xfrm>
+          <a:prstGeom prst="rect">
+            <a:avLst/>
+          </a:prstGeom>
+          <a:noFill/>
+          <a:extLst>
+            <a:ext uri="{909E8E84-426E-40DD-AFC4-6F175D3DCCD1}">
+              <a14:hiddenFill xmlns:a14="http://schemas.microsoft.com/office/drawing/2010/main">
+                <a:solidFill>
+                  <a:srgbClr val="FFFFFF"/>
+                </a:solidFill>
+              </a14:hiddenFill>
+            </a:ext>
+          </a:extLst>
+        </p:spPr>
+      </p:pic>
+    </p:spTree>
+    <p:extLst>
+      <p:ext uri="{BB962C8B-B14F-4D97-AF65-F5344CB8AC3E}">
+        <p14:creationId xmlns:p14="http://schemas.microsoft.com/office/powerpoint/2010/main" val="2108038921"/>
+      </p:ext>
+    </p:extLst>
+  </p:cSld>
+  <p:clrMapOvr>
+    <a:masterClrMapping/>
+  </p:clrMapOvr>
+</p:sld>
+</file>
+
+<file path=ppt/slides/slide16.xml><?xml version="1.0" encoding="utf-8"?>
+<p:sld xmlns:a="http://schemas.openxmlformats.org/drawingml/2006/main" xmlns:r="http://schemas.openxmlformats.org/officeDocument/2006/relationships" xmlns:p="http://schemas.openxmlformats.org/presentationml/2006/main">
+  <p:cSld>
+    <p:spTree>
+      <p:nvGrpSpPr>
+        <p:cNvPr id="1" name=""/>
+        <p:cNvGrpSpPr/>
+        <p:nvPr/>
+      </p:nvGrpSpPr>
+      <p:grpSpPr>
+        <a:xfrm>
+          <a:off x="0" y="0"/>
+          <a:ext cx="0" cy="0"/>
+          <a:chOff x="0" y="0"/>
+          <a:chExt cx="0" cy="0"/>
+        </a:xfrm>
+      </p:grpSpPr>
+      <p:pic>
+        <p:nvPicPr>
+          <p:cNvPr id="5" name="Graphic 4">
+            <a:extLst>
+              <a:ext uri="{FF2B5EF4-FFF2-40B4-BE49-F238E27FC236}">
+                <a16:creationId xmlns:a16="http://schemas.microsoft.com/office/drawing/2014/main" id="{F5EAC213-EDA1-48AD-9466-B446045D3572}"/>
+              </a:ext>
+            </a:extLst>
+          </p:cNvPr>
+          <p:cNvPicPr>
+            <a:picLocks noChangeAspect="1"/>
+          </p:cNvPicPr>
+          <p:nvPr/>
+        </p:nvPicPr>
+        <p:blipFill>
+          <a:blip r:embed="rId2">
+            <a:extLst>
+              <a:ext uri="{28A0092B-C50C-407E-A947-70E740481C1C}">
+                <a14:useLocalDpi xmlns:a14="http://schemas.microsoft.com/office/drawing/2010/main" val="0"/>
+              </a:ext>
+              <a:ext uri="{96DAC541-7B7A-43D3-8B79-37D633B846F1}">
+                <asvg:svgBlip xmlns:asvg="http://schemas.microsoft.com/office/drawing/2016/SVG/main" r:embed="rId3"/>
+              </a:ext>
+            </a:extLst>
+          </a:blip>
+          <a:stretch>
+            <a:fillRect/>
+          </a:stretch>
+        </p:blipFill>
+        <p:spPr>
+          <a:xfrm>
+            <a:off x="623047" y="555203"/>
+            <a:ext cx="3939190" cy="945405"/>
+          </a:xfrm>
+          <a:prstGeom prst="rect">
+            <a:avLst/>
+          </a:prstGeom>
+        </p:spPr>
+      </p:pic>
+      <p:sp>
+        <p:nvSpPr>
+          <p:cNvPr id="6" name="Rectangle 5">
+            <a:extLst>
+              <a:ext uri="{FF2B5EF4-FFF2-40B4-BE49-F238E27FC236}">
+                <a16:creationId xmlns:a16="http://schemas.microsoft.com/office/drawing/2014/main" id="{4FDBDA8D-FDA1-446F-8241-90F73B671FB0}"/>
+              </a:ext>
+            </a:extLst>
+          </p:cNvPr>
+          <p:cNvSpPr/>
+          <p:nvPr/>
+        </p:nvSpPr>
+        <p:spPr>
+          <a:xfrm>
+            <a:off x="5396753" y="1500608"/>
+            <a:ext cx="6172200" cy="4524315"/>
+          </a:xfrm>
+          <a:prstGeom prst="rect">
+            <a:avLst/>
+          </a:prstGeom>
+          <a:solidFill>
+            <a:srgbClr val="1E1E1E"/>
+          </a:solidFill>
+        </p:spPr>
+        <p:txBody>
+          <a:bodyPr wrap="square">
+            <a:spAutoFit/>
+          </a:bodyPr>
+          <a:lstStyle/>
+          <a:p>
+            <a:r>
+              <a:rPr lang="en-US" sz="2400" dirty="0">
+                <a:solidFill>
+                  <a:srgbClr val="569CD6"/>
+                </a:solidFill>
+                <a:latin typeface="Consolas" panose="020B0609020204030204" pitchFamily="49" charset="0"/>
+              </a:rPr>
+              <a:t>import</a:t>
+            </a:r>
+            <a:r>
+              <a:rPr lang="en-US" sz="2400" dirty="0">
+                <a:solidFill>
+                  <a:srgbClr val="D4D4D4"/>
+                </a:solidFill>
+                <a:latin typeface="Consolas" panose="020B0609020204030204" pitchFamily="49" charset="0"/>
+              </a:rPr>
+              <a:t> numpy </a:t>
+            </a:r>
+            <a:r>
+              <a:rPr lang="en-US" sz="2400" dirty="0">
+                <a:solidFill>
+                  <a:srgbClr val="569CD6"/>
+                </a:solidFill>
+                <a:latin typeface="Consolas" panose="020B0609020204030204" pitchFamily="49" charset="0"/>
+              </a:rPr>
+              <a:t>as</a:t>
+            </a:r>
+            <a:r>
+              <a:rPr lang="en-US" sz="2400" dirty="0">
+                <a:solidFill>
+                  <a:srgbClr val="D4D4D4"/>
+                </a:solidFill>
+                <a:latin typeface="Consolas" panose="020B0609020204030204" pitchFamily="49" charset="0"/>
+              </a:rPr>
+              <a:t> np</a:t>
+            </a:r>
+          </a:p>
+          <a:p>
+            <a:r>
+              <a:rPr lang="en-US" sz="2400" dirty="0">
+                <a:solidFill>
+                  <a:srgbClr val="569CD6"/>
+                </a:solidFill>
+                <a:latin typeface="Consolas" panose="020B0609020204030204" pitchFamily="49" charset="0"/>
+              </a:rPr>
+              <a:t>import</a:t>
+            </a:r>
+            <a:r>
+              <a:rPr lang="en-US" sz="2400" dirty="0">
+                <a:solidFill>
+                  <a:srgbClr val="D4D4D4"/>
+                </a:solidFill>
+                <a:latin typeface="Consolas" panose="020B0609020204030204" pitchFamily="49" charset="0"/>
+              </a:rPr>
+              <a:t> matplotlib.pyplot </a:t>
+            </a:r>
+            <a:r>
+              <a:rPr lang="en-US" sz="2400" dirty="0">
+                <a:solidFill>
+                  <a:srgbClr val="569CD6"/>
+                </a:solidFill>
+                <a:latin typeface="Consolas" panose="020B0609020204030204" pitchFamily="49" charset="0"/>
+              </a:rPr>
+              <a:t>as</a:t>
+            </a:r>
+            <a:r>
+              <a:rPr lang="en-US" sz="2400" dirty="0">
+                <a:solidFill>
+                  <a:srgbClr val="D4D4D4"/>
+                </a:solidFill>
+                <a:latin typeface="Consolas" panose="020B0609020204030204" pitchFamily="49" charset="0"/>
+              </a:rPr>
+              <a:t> plt</a:t>
+            </a:r>
+          </a:p>
+          <a:p>
+            <a:r>
+              <a:rPr lang="en-US" sz="2400" dirty="0">
+                <a:solidFill>
+                  <a:srgbClr val="D4D4D4"/>
+                </a:solidFill>
+                <a:latin typeface="Consolas" panose="020B0609020204030204" pitchFamily="49" charset="0"/>
+              </a:rPr>
+              <a:t>x=</a:t>
+            </a:r>
+            <a:r>
+              <a:rPr lang="en-US" sz="2400" dirty="0" err="1">
+                <a:solidFill>
+                  <a:srgbClr val="D4D4D4"/>
+                </a:solidFill>
+                <a:latin typeface="Consolas" panose="020B0609020204030204" pitchFamily="49" charset="0"/>
+              </a:rPr>
+              <a:t>np.random.rand</a:t>
+            </a:r>
+            <a:r>
+              <a:rPr lang="en-US" sz="2400" dirty="0">
+                <a:solidFill>
+                  <a:srgbClr val="D4D4D4"/>
+                </a:solidFill>
+                <a:latin typeface="Consolas" panose="020B0609020204030204" pitchFamily="49" charset="0"/>
+              </a:rPr>
+              <a:t>(</a:t>
+            </a:r>
+            <a:r>
+              <a:rPr lang="en-US" sz="2400" dirty="0">
+                <a:solidFill>
+                  <a:srgbClr val="B5CEA8"/>
+                </a:solidFill>
+                <a:latin typeface="Consolas" panose="020B0609020204030204" pitchFamily="49" charset="0"/>
+              </a:rPr>
+              <a:t>100</a:t>
+            </a:r>
+            <a:r>
+              <a:rPr lang="en-US" sz="2400" dirty="0">
+                <a:solidFill>
+                  <a:srgbClr val="D4D4D4"/>
+                </a:solidFill>
+                <a:latin typeface="Consolas" panose="020B0609020204030204" pitchFamily="49" charset="0"/>
+              </a:rPr>
+              <a:t>)</a:t>
+            </a:r>
+          </a:p>
+          <a:p>
+            <a:r>
+              <a:rPr lang="en-US" sz="2400" dirty="0">
+                <a:solidFill>
+                  <a:srgbClr val="D4D4D4"/>
+                </a:solidFill>
+                <a:latin typeface="Consolas" panose="020B0609020204030204" pitchFamily="49" charset="0"/>
+              </a:rPr>
+              <a:t>y=</a:t>
+            </a:r>
+            <a:r>
+              <a:rPr lang="en-US" sz="2400" dirty="0" err="1">
+                <a:solidFill>
+                  <a:srgbClr val="D4D4D4"/>
+                </a:solidFill>
+                <a:latin typeface="Consolas" panose="020B0609020204030204" pitchFamily="49" charset="0"/>
+              </a:rPr>
+              <a:t>np.random.normal</a:t>
+            </a:r>
+            <a:r>
+              <a:rPr lang="en-US" sz="2400" dirty="0">
+                <a:solidFill>
+                  <a:srgbClr val="D4D4D4"/>
+                </a:solidFill>
+                <a:latin typeface="Consolas" panose="020B0609020204030204" pitchFamily="49" charset="0"/>
+              </a:rPr>
+              <a:t>(</a:t>
+            </a:r>
+            <a:r>
+              <a:rPr lang="en-US" sz="2400" dirty="0">
+                <a:solidFill>
+                  <a:srgbClr val="B5CEA8"/>
+                </a:solidFill>
+                <a:latin typeface="Consolas" panose="020B0609020204030204" pitchFamily="49" charset="0"/>
+              </a:rPr>
+              <a:t>0</a:t>
+            </a:r>
+            <a:r>
+              <a:rPr lang="en-US" sz="2400" dirty="0">
+                <a:solidFill>
+                  <a:srgbClr val="D4D4D4"/>
+                </a:solidFill>
+                <a:latin typeface="Consolas" panose="020B0609020204030204" pitchFamily="49" charset="0"/>
+              </a:rPr>
+              <a:t>,</a:t>
+            </a:r>
+            <a:r>
+              <a:rPr lang="en-US" sz="2400" dirty="0">
+                <a:solidFill>
+                  <a:srgbClr val="B5CEA8"/>
+                </a:solidFill>
+                <a:latin typeface="Consolas" panose="020B0609020204030204" pitchFamily="49" charset="0"/>
+              </a:rPr>
+              <a:t>2</a:t>
+            </a:r>
+            <a:r>
+              <a:rPr lang="en-US" sz="2400" dirty="0">
+                <a:solidFill>
+                  <a:srgbClr val="D4D4D4"/>
+                </a:solidFill>
+                <a:latin typeface="Consolas" panose="020B0609020204030204" pitchFamily="49" charset="0"/>
+              </a:rPr>
+              <a:t>,(</a:t>
+            </a:r>
+            <a:r>
+              <a:rPr lang="en-US" sz="2400" dirty="0">
+                <a:solidFill>
+                  <a:srgbClr val="B5CEA8"/>
+                </a:solidFill>
+                <a:latin typeface="Consolas" panose="020B0609020204030204" pitchFamily="49" charset="0"/>
+              </a:rPr>
+              <a:t>100</a:t>
+            </a:r>
+            <a:r>
+              <a:rPr lang="en-US" sz="2400" dirty="0">
+                <a:solidFill>
+                  <a:srgbClr val="D4D4D4"/>
+                </a:solidFill>
+                <a:latin typeface="Consolas" panose="020B0609020204030204" pitchFamily="49" charset="0"/>
+              </a:rPr>
+              <a:t>,</a:t>
+            </a:r>
+            <a:r>
+              <a:rPr lang="en-US" sz="2400" dirty="0">
+                <a:solidFill>
+                  <a:srgbClr val="B5CEA8"/>
+                </a:solidFill>
+                <a:latin typeface="Consolas" panose="020B0609020204030204" pitchFamily="49" charset="0"/>
+              </a:rPr>
+              <a:t>1</a:t>
+            </a:r>
+            <a:r>
+              <a:rPr lang="en-US" sz="2400" dirty="0">
+                <a:solidFill>
+                  <a:srgbClr val="D4D4D4"/>
+                </a:solidFill>
+                <a:latin typeface="Consolas" panose="020B0609020204030204" pitchFamily="49" charset="0"/>
+              </a:rPr>
+              <a:t>))</a:t>
+            </a:r>
+          </a:p>
+          <a:p>
+            <a:r>
+              <a:rPr lang="en-US" sz="2400" dirty="0">
+                <a:solidFill>
+                  <a:srgbClr val="D4D4D4"/>
+                </a:solidFill>
+                <a:latin typeface="Consolas" panose="020B0609020204030204" pitchFamily="49" charset="0"/>
+              </a:rPr>
+              <a:t>graph=</a:t>
+            </a:r>
+            <a:r>
+              <a:rPr lang="en-US" sz="2400" dirty="0" err="1">
+                <a:solidFill>
+                  <a:srgbClr val="D4D4D4"/>
+                </a:solidFill>
+                <a:latin typeface="Consolas" panose="020B0609020204030204" pitchFamily="49" charset="0"/>
+              </a:rPr>
+              <a:t>plt.plot</a:t>
+            </a:r>
+            <a:r>
+              <a:rPr lang="en-US" sz="2400" dirty="0">
+                <a:solidFill>
+                  <a:srgbClr val="D4D4D4"/>
+                </a:solidFill>
+                <a:latin typeface="Consolas" panose="020B0609020204030204" pitchFamily="49" charset="0"/>
+              </a:rPr>
+              <a:t>(</a:t>
+            </a:r>
+            <a:r>
+              <a:rPr lang="en-US" sz="2400" dirty="0" err="1">
+                <a:solidFill>
+                  <a:srgbClr val="D4D4D4"/>
+                </a:solidFill>
+                <a:latin typeface="Consolas" panose="020B0609020204030204" pitchFamily="49" charset="0"/>
+              </a:rPr>
+              <a:t>x,y,</a:t>
+            </a:r>
+            <a:r>
+              <a:rPr lang="en-US" sz="2400" dirty="0" err="1">
+                <a:solidFill>
+                  <a:srgbClr val="CE9178"/>
+                </a:solidFill>
+                <a:latin typeface="Consolas" panose="020B0609020204030204" pitchFamily="49" charset="0"/>
+              </a:rPr>
+              <a:t>'b</a:t>
+            </a:r>
+            <a:r>
+              <a:rPr lang="en-US" sz="2400" dirty="0">
+                <a:solidFill>
+                  <a:srgbClr val="CE9178"/>
+                </a:solidFill>
+                <a:latin typeface="Consolas" panose="020B0609020204030204" pitchFamily="49" charset="0"/>
+              </a:rPr>
+              <a:t>.'</a:t>
+            </a:r>
+            <a:r>
+              <a:rPr lang="en-US" sz="2400" dirty="0">
+                <a:solidFill>
+                  <a:srgbClr val="D4D4D4"/>
+                </a:solidFill>
+                <a:latin typeface="Consolas" panose="020B0609020204030204" pitchFamily="49" charset="0"/>
+              </a:rPr>
+              <a:t>)</a:t>
+            </a:r>
+          </a:p>
+          <a:p>
+            <a:r>
+              <a:rPr lang="en-US" sz="2400" dirty="0" err="1">
+                <a:solidFill>
+                  <a:srgbClr val="D4D4D4"/>
+                </a:solidFill>
+                <a:latin typeface="Consolas" panose="020B0609020204030204" pitchFamily="49" charset="0"/>
+              </a:rPr>
+              <a:t>plt.axhline</a:t>
+            </a:r>
+            <a:r>
+              <a:rPr lang="en-US" sz="2400" dirty="0">
+                <a:solidFill>
+                  <a:srgbClr val="D4D4D4"/>
+                </a:solidFill>
+                <a:latin typeface="Consolas" panose="020B0609020204030204" pitchFamily="49" charset="0"/>
+              </a:rPr>
+              <a:t>(</a:t>
+            </a:r>
+            <a:r>
+              <a:rPr lang="en-US" sz="2400" dirty="0">
+                <a:solidFill>
+                  <a:srgbClr val="B5CEA8"/>
+                </a:solidFill>
+                <a:latin typeface="Consolas" panose="020B0609020204030204" pitchFamily="49" charset="0"/>
+              </a:rPr>
+              <a:t>0.5</a:t>
+            </a:r>
+            <a:r>
+              <a:rPr lang="en-US" sz="2400" dirty="0">
+                <a:solidFill>
+                  <a:srgbClr val="D4D4D4"/>
+                </a:solidFill>
+                <a:latin typeface="Consolas" panose="020B0609020204030204" pitchFamily="49" charset="0"/>
+              </a:rPr>
+              <a:t>)</a:t>
+            </a:r>
+          </a:p>
+          <a:p>
+            <a:r>
+              <a:rPr lang="en-US" sz="2400" dirty="0" err="1">
+                <a:solidFill>
+                  <a:srgbClr val="D4D4D4"/>
+                </a:solidFill>
+                <a:latin typeface="Consolas" panose="020B0609020204030204" pitchFamily="49" charset="0"/>
+              </a:rPr>
+              <a:t>plt.axvline</a:t>
+            </a:r>
+            <a:r>
+              <a:rPr lang="en-US" sz="2400" dirty="0">
+                <a:solidFill>
+                  <a:srgbClr val="D4D4D4"/>
+                </a:solidFill>
+                <a:latin typeface="Consolas" panose="020B0609020204030204" pitchFamily="49" charset="0"/>
+              </a:rPr>
+              <a:t>(0.5,c='r')</a:t>
+            </a:r>
+          </a:p>
+          <a:p>
+            <a:r>
+              <a:rPr lang="en-US" sz="2400" dirty="0" err="1">
+                <a:solidFill>
+                  <a:srgbClr val="D4D4D4"/>
+                </a:solidFill>
+                <a:latin typeface="Consolas" panose="020B0609020204030204" pitchFamily="49" charset="0"/>
+              </a:rPr>
+              <a:t>plt.axis</a:t>
+            </a:r>
+            <a:r>
+              <a:rPr lang="en-US" sz="2400" dirty="0">
+                <a:solidFill>
+                  <a:srgbClr val="D4D4D4"/>
+                </a:solidFill>
+                <a:latin typeface="Consolas" panose="020B0609020204030204" pitchFamily="49" charset="0"/>
+              </a:rPr>
+              <a:t>('equal')</a:t>
+            </a:r>
+          </a:p>
+          <a:p>
+            <a:r>
+              <a:rPr lang="en-US" sz="2400" dirty="0" err="1">
+                <a:solidFill>
+                  <a:srgbClr val="D4D4D4"/>
+                </a:solidFill>
+                <a:latin typeface="Consolas" panose="020B0609020204030204" pitchFamily="49" charset="0"/>
+              </a:rPr>
+              <a:t>plt.show</a:t>
+            </a:r>
+            <a:r>
+              <a:rPr lang="en-US" sz="2400" dirty="0">
+                <a:solidFill>
+                  <a:srgbClr val="D4D4D4"/>
+                </a:solidFill>
+                <a:latin typeface="Consolas" panose="020B0609020204030204" pitchFamily="49" charset="0"/>
+              </a:rPr>
+              <a:t>()</a:t>
+            </a:r>
+          </a:p>
+          <a:p>
+            <a:br>
+              <a:rPr lang="en-US" sz="2400" dirty="0">
+                <a:solidFill>
+                  <a:srgbClr val="D4D4D4"/>
+                </a:solidFill>
+                <a:latin typeface="Consolas" panose="020B0609020204030204" pitchFamily="49" charset="0"/>
+              </a:rPr>
+            </a:br>
+            <a:r>
+              <a:rPr lang="en-US" sz="2400" dirty="0" err="1">
+                <a:solidFill>
+                  <a:srgbClr val="D4D4D4"/>
+                </a:solidFill>
+                <a:latin typeface="Consolas" panose="020B0609020204030204" pitchFamily="49" charset="0"/>
+              </a:rPr>
+              <a:t>plt.scatter</a:t>
+            </a:r>
+            <a:r>
+              <a:rPr lang="en-US" sz="2400" dirty="0">
+                <a:solidFill>
+                  <a:srgbClr val="D4D4D4"/>
+                </a:solidFill>
+                <a:latin typeface="Consolas" panose="020B0609020204030204" pitchFamily="49" charset="0"/>
+              </a:rPr>
+              <a:t>(x=x, y=y, c=</a:t>
+            </a:r>
+            <a:r>
+              <a:rPr lang="en-US" sz="2400" dirty="0">
+                <a:solidFill>
+                  <a:srgbClr val="CE9178"/>
+                </a:solidFill>
+                <a:latin typeface="Consolas" panose="020B0609020204030204" pitchFamily="49" charset="0"/>
+              </a:rPr>
+              <a:t>'g'</a:t>
+            </a:r>
+            <a:r>
+              <a:rPr lang="en-US" sz="2400" dirty="0">
+                <a:solidFill>
+                  <a:srgbClr val="D4D4D4"/>
+                </a:solidFill>
+                <a:latin typeface="Consolas" panose="020B0609020204030204" pitchFamily="49" charset="0"/>
+              </a:rPr>
+              <a:t>)</a:t>
+            </a:r>
+          </a:p>
+          <a:p>
+            <a:r>
+              <a:rPr lang="en-US" sz="2400" dirty="0" err="1">
+                <a:solidFill>
+                  <a:srgbClr val="D4D4D4"/>
+                </a:solidFill>
+                <a:latin typeface="Consolas" panose="020B0609020204030204" pitchFamily="49" charset="0"/>
+              </a:rPr>
+              <a:t>plt.show</a:t>
+            </a:r>
+            <a:r>
+              <a:rPr lang="en-US" sz="2400" dirty="0">
+                <a:solidFill>
+                  <a:srgbClr val="D4D4D4"/>
+                </a:solidFill>
+                <a:latin typeface="Consolas" panose="020B0609020204030204" pitchFamily="49" charset="0"/>
+              </a:rPr>
+              <a:t>()</a:t>
+            </a:r>
+            <a:endParaRPr lang="en-US" sz="2400" b="0" dirty="0">
+              <a:solidFill>
+                <a:srgbClr val="D4D4D4"/>
+              </a:solidFill>
+              <a:effectLst/>
+              <a:latin typeface="Consolas" panose="020B0609020204030204" pitchFamily="49" charset="0"/>
+            </a:endParaRPr>
+          </a:p>
+        </p:txBody>
+      </p:sp>
+    </p:spTree>
+    <p:extLst>
+      <p:ext uri="{BB962C8B-B14F-4D97-AF65-F5344CB8AC3E}">
+        <p14:creationId xmlns:p14="http://schemas.microsoft.com/office/powerpoint/2010/main" val="3799932153"/>
+      </p:ext>
+    </p:extLst>
+  </p:cSld>
+  <p:clrMapOvr>
+    <a:masterClrMapping/>
+  </p:clrMapOvr>
+</p:sld>
+</file>
+
+<file path=ppt/slides/slide17.xml><?xml version="1.0" encoding="utf-8"?>
+<p:sld xmlns:a="http://schemas.openxmlformats.org/drawingml/2006/main" xmlns:r="http://schemas.openxmlformats.org/officeDocument/2006/relationships" xmlns:p="http://schemas.openxmlformats.org/presentationml/2006/main">
+  <p:cSld>
+    <p:spTree>
+      <p:nvGrpSpPr>
+        <p:cNvPr id="1" name=""/>
+        <p:cNvGrpSpPr/>
+        <p:nvPr/>
+      </p:nvGrpSpPr>
+      <p:grpSpPr>
+        <a:xfrm>
+          <a:off x="0" y="0"/>
+          <a:ext cx="0" cy="0"/>
+          <a:chOff x="0" y="0"/>
+          <a:chExt cx="0" cy="0"/>
+        </a:xfrm>
+      </p:grpSpPr>
+      <p:sp>
+        <p:nvSpPr>
+          <p:cNvPr id="2" name="Title 1">
+            <a:extLst>
+              <a:ext uri="{FF2B5EF4-FFF2-40B4-BE49-F238E27FC236}">
                 <a16:creationId xmlns:a16="http://schemas.microsoft.com/office/drawing/2014/main" id="{E1245E9C-057B-401E-9FAB-56112BACCDE3}"/>
               </a:ext>
             </a:extLst>
@@ -6733,271 +9158,6 @@
           </a:extLst>
         </p:spPr>
       </p:pic>
-      <p:sp>
-        <p:nvSpPr>
-          <p:cNvPr id="4" name="Rectangle 3">
-            <a:extLst>
-              <a:ext uri="{FF2B5EF4-FFF2-40B4-BE49-F238E27FC236}">
-                <a16:creationId xmlns:a16="http://schemas.microsoft.com/office/drawing/2014/main" id="{DB85C0E4-7B21-4046-BDFE-546C491310DB}"/>
-              </a:ext>
-            </a:extLst>
-          </p:cNvPr>
-          <p:cNvSpPr/>
-          <p:nvPr/>
-        </p:nvSpPr>
-        <p:spPr>
-          <a:xfrm>
-            <a:off x="13450" y="2919786"/>
-            <a:ext cx="1277471" cy="1277471"/>
-          </a:xfrm>
-          <a:prstGeom prst="rect">
-            <a:avLst/>
-          </a:prstGeom>
-          <a:solidFill>
-            <a:srgbClr val="FF0000"/>
-          </a:solidFill>
-        </p:spPr>
-        <p:style>
-          <a:lnRef idx="2">
-            <a:schemeClr val="accent1">
-              <a:shade val="50000"/>
-            </a:schemeClr>
-          </a:lnRef>
-          <a:fillRef idx="1">
-            <a:schemeClr val="accent1"/>
-          </a:fillRef>
-          <a:effectRef idx="0">
-            <a:schemeClr val="accent1"/>
-          </a:effectRef>
-          <a:fontRef idx="minor">
-            <a:schemeClr val="lt1"/>
-          </a:fontRef>
-        </p:style>
-        <p:txBody>
-          <a:bodyPr rtlCol="0" anchor="ctr"/>
-          <a:lstStyle/>
-          <a:p>
-            <a:r>
-              <a:rPr lang="en-US" sz="2400" dirty="0"/>
-              <a:t>R = 255</a:t>
-            </a:r>
-          </a:p>
-          <a:p>
-            <a:r>
-              <a:rPr lang="en-US" sz="2400" dirty="0"/>
-              <a:t>G = 0</a:t>
-            </a:r>
-          </a:p>
-          <a:p>
-            <a:r>
-              <a:rPr lang="en-US" sz="2400" dirty="0"/>
-              <a:t>B = 0</a:t>
-            </a:r>
-          </a:p>
-        </p:txBody>
-      </p:sp>
-      <p:sp>
-        <p:nvSpPr>
-          <p:cNvPr id="6" name="Rectangle 5">
-            <a:extLst>
-              <a:ext uri="{FF2B5EF4-FFF2-40B4-BE49-F238E27FC236}">
-                <a16:creationId xmlns:a16="http://schemas.microsoft.com/office/drawing/2014/main" id="{09E5DB7D-DE7F-4203-9BF9-9DC899A9FC16}"/>
-              </a:ext>
-            </a:extLst>
-          </p:cNvPr>
-          <p:cNvSpPr/>
-          <p:nvPr/>
-        </p:nvSpPr>
-        <p:spPr>
-          <a:xfrm>
-            <a:off x="1290920" y="4197257"/>
-            <a:ext cx="1277471" cy="1277471"/>
-          </a:xfrm>
-          <a:prstGeom prst="rect">
-            <a:avLst/>
-          </a:prstGeom>
-          <a:solidFill>
-            <a:srgbClr val="FFFF00"/>
-          </a:solidFill>
-        </p:spPr>
-        <p:style>
-          <a:lnRef idx="2">
-            <a:schemeClr val="accent1">
-              <a:shade val="50000"/>
-            </a:schemeClr>
-          </a:lnRef>
-          <a:fillRef idx="1">
-            <a:schemeClr val="accent1"/>
-          </a:fillRef>
-          <a:effectRef idx="0">
-            <a:schemeClr val="accent1"/>
-          </a:effectRef>
-          <a:fontRef idx="minor">
-            <a:schemeClr val="lt1"/>
-          </a:fontRef>
-        </p:style>
-        <p:txBody>
-          <a:bodyPr rtlCol="0" anchor="ctr"/>
-          <a:lstStyle/>
-          <a:p>
-            <a:r>
-              <a:rPr lang="en-US" sz="2400" dirty="0">
-                <a:solidFill>
-                  <a:schemeClr val="tx1"/>
-                </a:solidFill>
-              </a:rPr>
-              <a:t>R = 255</a:t>
-            </a:r>
-          </a:p>
-          <a:p>
-            <a:r>
-              <a:rPr lang="en-US" sz="2400" dirty="0">
-                <a:solidFill>
-                  <a:schemeClr val="tx1"/>
-                </a:solidFill>
-              </a:rPr>
-              <a:t>G = 255</a:t>
-            </a:r>
-          </a:p>
-          <a:p>
-            <a:r>
-              <a:rPr lang="en-US" sz="2400" dirty="0">
-                <a:solidFill>
-                  <a:schemeClr val="tx1"/>
-                </a:solidFill>
-              </a:rPr>
-              <a:t>B = 0</a:t>
-            </a:r>
-          </a:p>
-        </p:txBody>
-      </p:sp>
-      <p:sp>
-        <p:nvSpPr>
-          <p:cNvPr id="7" name="Rectangle 6">
-            <a:extLst>
-              <a:ext uri="{FF2B5EF4-FFF2-40B4-BE49-F238E27FC236}">
-                <a16:creationId xmlns:a16="http://schemas.microsoft.com/office/drawing/2014/main" id="{BAB0FB01-B8E6-478B-B8B0-1B9566124786}"/>
-              </a:ext>
-            </a:extLst>
-          </p:cNvPr>
-          <p:cNvSpPr/>
-          <p:nvPr/>
-        </p:nvSpPr>
-        <p:spPr>
-          <a:xfrm>
-            <a:off x="1290921" y="2919786"/>
-            <a:ext cx="1277471" cy="1277471"/>
-          </a:xfrm>
-          <a:prstGeom prst="rect">
-            <a:avLst/>
-          </a:prstGeom>
-          <a:solidFill>
-            <a:srgbClr val="0070C0"/>
-          </a:solidFill>
-        </p:spPr>
-        <p:style>
-          <a:lnRef idx="2">
-            <a:schemeClr val="accent1">
-              <a:shade val="50000"/>
-            </a:schemeClr>
-          </a:lnRef>
-          <a:fillRef idx="1">
-            <a:schemeClr val="accent1"/>
-          </a:fillRef>
-          <a:effectRef idx="0">
-            <a:schemeClr val="accent1"/>
-          </a:effectRef>
-          <a:fontRef idx="minor">
-            <a:schemeClr val="lt1"/>
-          </a:fontRef>
-        </p:style>
-        <p:txBody>
-          <a:bodyPr rtlCol="0" anchor="ctr"/>
-          <a:lstStyle/>
-          <a:p>
-            <a:r>
-              <a:rPr lang="en-US" sz="2400" dirty="0"/>
-              <a:t>R = 0</a:t>
-            </a:r>
-          </a:p>
-          <a:p>
-            <a:r>
-              <a:rPr lang="en-US" sz="2400" dirty="0"/>
-              <a:t>G = 112</a:t>
-            </a:r>
-          </a:p>
-          <a:p>
-            <a:r>
-              <a:rPr lang="en-US" sz="2400" dirty="0"/>
-              <a:t>B = 192</a:t>
-            </a:r>
-          </a:p>
-        </p:txBody>
-      </p:sp>
-      <p:sp>
-        <p:nvSpPr>
-          <p:cNvPr id="8" name="Rectangle 7">
-            <a:extLst>
-              <a:ext uri="{FF2B5EF4-FFF2-40B4-BE49-F238E27FC236}">
-                <a16:creationId xmlns:a16="http://schemas.microsoft.com/office/drawing/2014/main" id="{18FA575C-2D65-42CA-8F74-7D380626096F}"/>
-              </a:ext>
-            </a:extLst>
-          </p:cNvPr>
-          <p:cNvSpPr/>
-          <p:nvPr/>
-        </p:nvSpPr>
-        <p:spPr>
-          <a:xfrm>
-            <a:off x="13449" y="4197257"/>
-            <a:ext cx="1277471" cy="1277471"/>
-          </a:xfrm>
-          <a:prstGeom prst="rect">
-            <a:avLst/>
-          </a:prstGeom>
-          <a:solidFill>
-            <a:srgbClr val="0070C0"/>
-          </a:solidFill>
-        </p:spPr>
-        <p:style>
-          <a:lnRef idx="2">
-            <a:schemeClr val="accent1">
-              <a:shade val="50000"/>
-            </a:schemeClr>
-          </a:lnRef>
-          <a:fillRef idx="1">
-            <a:schemeClr val="accent1"/>
-          </a:fillRef>
-          <a:effectRef idx="0">
-            <a:schemeClr val="accent1"/>
-          </a:effectRef>
-          <a:fontRef idx="minor">
-            <a:schemeClr val="lt1"/>
-          </a:fontRef>
-        </p:style>
-        <p:txBody>
-          <a:bodyPr rtlCol="0" anchor="ctr"/>
-          <a:lstStyle/>
-          <a:p>
-            <a:r>
-              <a:rPr lang="en-US" sz="2400"/>
-              <a:t>R = 0</a:t>
-            </a:r>
-          </a:p>
-          <a:p>
-            <a:r>
-              <a:rPr lang="en-US" sz="2400"/>
-              <a:t>G = 112</a:t>
-            </a:r>
-          </a:p>
-          <a:p>
-            <a:r>
-              <a:rPr lang="en-US" sz="2400"/>
-              <a:t>B = 192</a:t>
-            </a:r>
-            <a:endParaRPr lang="en-US" sz="2400" dirty="0"/>
-          </a:p>
-        </p:txBody>
-      </p:sp>
       <p:cxnSp>
         <p:nvCxnSpPr>
           <p:cNvPr id="9" name="Straight Connector 8">
@@ -7014,8 +9174,8 @@
         </p:nvCxnSpPr>
         <p:spPr>
           <a:xfrm>
-            <a:off x="2568391" y="2919786"/>
-            <a:ext cx="2971800" cy="786465"/>
+            <a:off x="2610082" y="2890321"/>
+            <a:ext cx="2930109" cy="815930"/>
           </a:xfrm>
           <a:prstGeom prst="line">
             <a:avLst/>
@@ -7278,6 +9438,386 @@
           </a:p>
         </p:txBody>
       </p:sp>
+      <p:grpSp>
+        <p:nvGrpSpPr>
+          <p:cNvPr id="11" name="Group 10">
+            <a:extLst>
+              <a:ext uri="{FF2B5EF4-FFF2-40B4-BE49-F238E27FC236}">
+                <a16:creationId xmlns:a16="http://schemas.microsoft.com/office/drawing/2014/main" id="{8F6479DA-2C76-4E35-9C3D-378D05E7EDD6}"/>
+              </a:ext>
+            </a:extLst>
+          </p:cNvPr>
+          <p:cNvGrpSpPr/>
+          <p:nvPr/>
+        </p:nvGrpSpPr>
+        <p:grpSpPr>
+          <a:xfrm>
+            <a:off x="13449" y="2890322"/>
+            <a:ext cx="2587247" cy="2584406"/>
+            <a:chOff x="13449" y="2890322"/>
+            <a:chExt cx="2587247" cy="2584406"/>
+          </a:xfrm>
+          <a:effectLst>
+            <a:outerShdw blurRad="50800" dist="139700" algn="l" rotWithShape="0">
+              <a:prstClr val="black">
+                <a:alpha val="40000"/>
+              </a:prstClr>
+            </a:outerShdw>
+          </a:effectLst>
+        </p:grpSpPr>
+        <p:sp>
+          <p:nvSpPr>
+            <p:cNvPr id="4" name="Rectangle 3">
+              <a:extLst>
+                <a:ext uri="{FF2B5EF4-FFF2-40B4-BE49-F238E27FC236}">
+                  <a16:creationId xmlns:a16="http://schemas.microsoft.com/office/drawing/2014/main" id="{DB85C0E4-7B21-4046-BDFE-546C491310DB}"/>
+                </a:ext>
+              </a:extLst>
+            </p:cNvPr>
+            <p:cNvSpPr/>
+            <p:nvPr/>
+          </p:nvSpPr>
+          <p:spPr>
+            <a:xfrm>
+              <a:off x="13450" y="2919786"/>
+              <a:ext cx="1277471" cy="1277471"/>
+            </a:xfrm>
+            <a:prstGeom prst="rect">
+              <a:avLst/>
+            </a:prstGeom>
+            <a:solidFill>
+              <a:srgbClr val="FF0000"/>
+            </a:solidFill>
+          </p:spPr>
+          <p:style>
+            <a:lnRef idx="2">
+              <a:schemeClr val="accent1">
+                <a:shade val="50000"/>
+              </a:schemeClr>
+            </a:lnRef>
+            <a:fillRef idx="1">
+              <a:schemeClr val="accent1"/>
+            </a:fillRef>
+            <a:effectRef idx="0">
+              <a:schemeClr val="accent1"/>
+            </a:effectRef>
+            <a:fontRef idx="minor">
+              <a:schemeClr val="lt1"/>
+            </a:fontRef>
+          </p:style>
+          <p:txBody>
+            <a:bodyPr rtlCol="0" anchor="ctr"/>
+            <a:lstStyle/>
+            <a:p>
+              <a:r>
+                <a:rPr lang="en-US" sz="2400" dirty="0"/>
+                <a:t>R = 255</a:t>
+              </a:r>
+            </a:p>
+            <a:p>
+              <a:r>
+                <a:rPr lang="en-US" sz="2400" dirty="0"/>
+                <a:t>G = 0</a:t>
+              </a:r>
+            </a:p>
+            <a:p>
+              <a:r>
+                <a:rPr lang="en-US" sz="2400" dirty="0"/>
+                <a:t>B = 0</a:t>
+              </a:r>
+            </a:p>
+          </p:txBody>
+        </p:sp>
+        <p:sp>
+          <p:nvSpPr>
+            <p:cNvPr id="6" name="Rectangle 5">
+              <a:extLst>
+                <a:ext uri="{FF2B5EF4-FFF2-40B4-BE49-F238E27FC236}">
+                  <a16:creationId xmlns:a16="http://schemas.microsoft.com/office/drawing/2014/main" id="{09E5DB7D-DE7F-4203-9BF9-9DC899A9FC16}"/>
+                </a:ext>
+              </a:extLst>
+            </p:cNvPr>
+            <p:cNvSpPr/>
+            <p:nvPr/>
+          </p:nvSpPr>
+          <p:spPr>
+            <a:xfrm>
+              <a:off x="1290920" y="4197257"/>
+              <a:ext cx="1277471" cy="1277471"/>
+            </a:xfrm>
+            <a:prstGeom prst="rect">
+              <a:avLst/>
+            </a:prstGeom>
+            <a:solidFill>
+              <a:srgbClr val="FFFF00"/>
+            </a:solidFill>
+          </p:spPr>
+          <p:style>
+            <a:lnRef idx="2">
+              <a:schemeClr val="accent1">
+                <a:shade val="50000"/>
+              </a:schemeClr>
+            </a:lnRef>
+            <a:fillRef idx="1">
+              <a:schemeClr val="accent1"/>
+            </a:fillRef>
+            <a:effectRef idx="0">
+              <a:schemeClr val="accent1"/>
+            </a:effectRef>
+            <a:fontRef idx="minor">
+              <a:schemeClr val="lt1"/>
+            </a:fontRef>
+          </p:style>
+          <p:txBody>
+            <a:bodyPr rtlCol="0" anchor="ctr"/>
+            <a:lstStyle/>
+            <a:p>
+              <a:r>
+                <a:rPr lang="en-US" sz="2400" dirty="0">
+                  <a:solidFill>
+                    <a:schemeClr val="tx1"/>
+                  </a:solidFill>
+                </a:rPr>
+                <a:t>R = 255</a:t>
+              </a:r>
+            </a:p>
+            <a:p>
+              <a:r>
+                <a:rPr lang="en-US" sz="2400" dirty="0">
+                  <a:solidFill>
+                    <a:schemeClr val="tx1"/>
+                  </a:solidFill>
+                </a:rPr>
+                <a:t>G = 255</a:t>
+              </a:r>
+            </a:p>
+            <a:p>
+              <a:r>
+                <a:rPr lang="en-US" sz="2400" dirty="0">
+                  <a:solidFill>
+                    <a:schemeClr val="tx1"/>
+                  </a:solidFill>
+                </a:rPr>
+                <a:t>B = 0</a:t>
+              </a:r>
+            </a:p>
+          </p:txBody>
+        </p:sp>
+        <p:sp>
+          <p:nvSpPr>
+            <p:cNvPr id="7" name="Rectangle 6">
+              <a:extLst>
+                <a:ext uri="{FF2B5EF4-FFF2-40B4-BE49-F238E27FC236}">
+                  <a16:creationId xmlns:a16="http://schemas.microsoft.com/office/drawing/2014/main" id="{BAB0FB01-B8E6-478B-B8B0-1B9566124786}"/>
+                </a:ext>
+              </a:extLst>
+            </p:cNvPr>
+            <p:cNvSpPr/>
+            <p:nvPr/>
+          </p:nvSpPr>
+          <p:spPr>
+            <a:xfrm>
+              <a:off x="1290921" y="2919786"/>
+              <a:ext cx="1277471" cy="1277471"/>
+            </a:xfrm>
+            <a:prstGeom prst="rect">
+              <a:avLst/>
+            </a:prstGeom>
+            <a:solidFill>
+              <a:srgbClr val="0070C0"/>
+            </a:solidFill>
+          </p:spPr>
+          <p:style>
+            <a:lnRef idx="2">
+              <a:schemeClr val="accent1">
+                <a:shade val="50000"/>
+              </a:schemeClr>
+            </a:lnRef>
+            <a:fillRef idx="1">
+              <a:schemeClr val="accent1"/>
+            </a:fillRef>
+            <a:effectRef idx="0">
+              <a:schemeClr val="accent1"/>
+            </a:effectRef>
+            <a:fontRef idx="minor">
+              <a:schemeClr val="lt1"/>
+            </a:fontRef>
+          </p:style>
+          <p:txBody>
+            <a:bodyPr rtlCol="0" anchor="ctr"/>
+            <a:lstStyle/>
+            <a:p>
+              <a:r>
+                <a:rPr lang="en-US" sz="2400" dirty="0"/>
+                <a:t>R = 0</a:t>
+              </a:r>
+            </a:p>
+            <a:p>
+              <a:r>
+                <a:rPr lang="en-US" sz="2400" dirty="0"/>
+                <a:t>G = 112</a:t>
+              </a:r>
+            </a:p>
+            <a:p>
+              <a:r>
+                <a:rPr lang="en-US" sz="2400" dirty="0"/>
+                <a:t>B = 192</a:t>
+              </a:r>
+            </a:p>
+          </p:txBody>
+        </p:sp>
+        <p:sp>
+          <p:nvSpPr>
+            <p:cNvPr id="8" name="Rectangle 7">
+              <a:extLst>
+                <a:ext uri="{FF2B5EF4-FFF2-40B4-BE49-F238E27FC236}">
+                  <a16:creationId xmlns:a16="http://schemas.microsoft.com/office/drawing/2014/main" id="{18FA575C-2D65-42CA-8F74-7D380626096F}"/>
+                </a:ext>
+              </a:extLst>
+            </p:cNvPr>
+            <p:cNvSpPr/>
+            <p:nvPr/>
+          </p:nvSpPr>
+          <p:spPr>
+            <a:xfrm>
+              <a:off x="13449" y="4197257"/>
+              <a:ext cx="1277471" cy="1277471"/>
+            </a:xfrm>
+            <a:prstGeom prst="rect">
+              <a:avLst/>
+            </a:prstGeom>
+            <a:solidFill>
+              <a:srgbClr val="0070C0"/>
+            </a:solidFill>
+          </p:spPr>
+          <p:style>
+            <a:lnRef idx="2">
+              <a:schemeClr val="accent1">
+                <a:shade val="50000"/>
+              </a:schemeClr>
+            </a:lnRef>
+            <a:fillRef idx="1">
+              <a:schemeClr val="accent1"/>
+            </a:fillRef>
+            <a:effectRef idx="0">
+              <a:schemeClr val="accent1"/>
+            </a:effectRef>
+            <a:fontRef idx="minor">
+              <a:schemeClr val="lt1"/>
+            </a:fontRef>
+          </p:style>
+          <p:txBody>
+            <a:bodyPr rtlCol="0" anchor="ctr"/>
+            <a:lstStyle/>
+            <a:p>
+              <a:r>
+                <a:rPr lang="en-US" sz="2400"/>
+                <a:t>R = 0</a:t>
+              </a:r>
+            </a:p>
+            <a:p>
+              <a:r>
+                <a:rPr lang="en-US" sz="2400"/>
+                <a:t>G = 112</a:t>
+              </a:r>
+            </a:p>
+            <a:p>
+              <a:r>
+                <a:rPr lang="en-US" sz="2400"/>
+                <a:t>B = 192</a:t>
+              </a:r>
+              <a:endParaRPr lang="en-US" sz="2400" dirty="0"/>
+            </a:p>
+          </p:txBody>
+        </p:sp>
+        <p:sp>
+          <p:nvSpPr>
+            <p:cNvPr id="15" name="Rectangle 14">
+              <a:extLst>
+                <a:ext uri="{FF2B5EF4-FFF2-40B4-BE49-F238E27FC236}">
+                  <a16:creationId xmlns:a16="http://schemas.microsoft.com/office/drawing/2014/main" id="{83687C48-E464-440A-BF0F-5195641087E7}"/>
+                </a:ext>
+              </a:extLst>
+            </p:cNvPr>
+            <p:cNvSpPr/>
+            <p:nvPr/>
+          </p:nvSpPr>
+          <p:spPr>
+            <a:xfrm>
+              <a:off x="22836" y="2890322"/>
+              <a:ext cx="2577860" cy="2584405"/>
+            </a:xfrm>
+            <a:prstGeom prst="rect">
+              <a:avLst/>
+            </a:prstGeom>
+            <a:noFill/>
+            <a:ln w="76200">
+              <a:solidFill>
+                <a:schemeClr val="tx1"/>
+              </a:solidFill>
+            </a:ln>
+          </p:spPr>
+          <p:style>
+            <a:lnRef idx="2">
+              <a:schemeClr val="accent1">
+                <a:shade val="50000"/>
+              </a:schemeClr>
+            </a:lnRef>
+            <a:fillRef idx="1">
+              <a:schemeClr val="accent1"/>
+            </a:fillRef>
+            <a:effectRef idx="0">
+              <a:schemeClr val="accent1"/>
+            </a:effectRef>
+            <a:fontRef idx="minor">
+              <a:schemeClr val="lt1"/>
+            </a:fontRef>
+          </p:style>
+          <p:txBody>
+            <a:bodyPr rtlCol="0" anchor="ctr"/>
+            <a:lstStyle/>
+            <a:p>
+              <a:pPr algn="ctr"/>
+              <a:endParaRPr lang="en-US"/>
+            </a:p>
+          </p:txBody>
+        </p:sp>
+      </p:grpSp>
+      <p:sp>
+        <p:nvSpPr>
+          <p:cNvPr id="12" name="TextBox 11">
+            <a:extLst>
+              <a:ext uri="{FF2B5EF4-FFF2-40B4-BE49-F238E27FC236}">
+                <a16:creationId xmlns:a16="http://schemas.microsoft.com/office/drawing/2014/main" id="{99D7F4DD-3B9C-4D74-B61E-689FC0E4A9BB}"/>
+              </a:ext>
+            </a:extLst>
+          </p:cNvPr>
+          <p:cNvSpPr txBox="1"/>
+          <p:nvPr/>
+        </p:nvSpPr>
+        <p:spPr>
+          <a:xfrm>
+            <a:off x="838200" y="230188"/>
+            <a:ext cx="2702859" cy="584775"/>
+          </a:xfrm>
+          <a:prstGeom prst="rect">
+            <a:avLst/>
+          </a:prstGeom>
+          <a:noFill/>
+        </p:spPr>
+        <p:txBody>
+          <a:bodyPr wrap="square" rtlCol="0">
+            <a:spAutoFit/>
+          </a:bodyPr>
+          <a:lstStyle/>
+          <a:p>
+            <a:r>
+              <a:rPr lang="en-US" sz="3200" dirty="0"/>
+              <a:t>3D Array</a:t>
+            </a:r>
+          </a:p>
+        </p:txBody>
+      </p:sp>
     </p:spTree>
     <p:extLst>
       <p:ext uri="{BB962C8B-B14F-4D97-AF65-F5344CB8AC3E}">
@@ -7291,7 +9831,7 @@
 </p:sld>
 </file>
 
-<file path=ppt/slides/slide13.xml><?xml version="1.0" encoding="utf-8"?>
+<file path=ppt/slides/slide18.xml><?xml version="1.0" encoding="utf-8"?>
 <p:sld xmlns:a="http://schemas.openxmlformats.org/drawingml/2006/main" xmlns:r="http://schemas.openxmlformats.org/officeDocument/2006/relationships" xmlns:p="http://schemas.openxmlformats.org/presentationml/2006/main">
   <p:cSld>
     <p:spTree>
@@ -7960,7 +10500,7 @@
 </p:sld>
 </file>
 
-<file path=ppt/slides/slide14.xml><?xml version="1.0" encoding="utf-8"?>
+<file path=ppt/slides/slide19.xml><?xml version="1.0" encoding="utf-8"?>
 <p:sld xmlns:a="http://schemas.openxmlformats.org/drawingml/2006/main" xmlns:r="http://schemas.openxmlformats.org/officeDocument/2006/relationships" xmlns:p="http://schemas.openxmlformats.org/presentationml/2006/main">
   <p:cSld>
     <p:spTree>
@@ -8135,7 +10675,136 @@
 </p:sld>
 </file>
 
-<file path=ppt/slides/slide15.xml><?xml version="1.0" encoding="utf-8"?>
+<file path=ppt/slides/slide2.xml><?xml version="1.0" encoding="utf-8"?>
+<p:sld xmlns:a="http://schemas.openxmlformats.org/drawingml/2006/main" xmlns:r="http://schemas.openxmlformats.org/officeDocument/2006/relationships" xmlns:p="http://schemas.openxmlformats.org/presentationml/2006/main">
+  <p:cSld>
+    <p:spTree>
+      <p:nvGrpSpPr>
+        <p:cNvPr id="1" name=""/>
+        <p:cNvGrpSpPr/>
+        <p:nvPr/>
+      </p:nvGrpSpPr>
+      <p:grpSpPr>
+        <a:xfrm>
+          <a:off x="0" y="0"/>
+          <a:ext cx="0" cy="0"/>
+          <a:chOff x="0" y="0"/>
+          <a:chExt cx="0" cy="0"/>
+        </a:xfrm>
+      </p:grpSpPr>
+      <p:sp>
+        <p:nvSpPr>
+          <p:cNvPr id="2" name="Title 1">
+            <a:extLst>
+              <a:ext uri="{FF2B5EF4-FFF2-40B4-BE49-F238E27FC236}">
+                <a16:creationId xmlns:a16="http://schemas.microsoft.com/office/drawing/2014/main" id="{8F0B6365-C974-4161-ACDF-9B384BFFBD6D}"/>
+              </a:ext>
+            </a:extLst>
+          </p:cNvPr>
+          <p:cNvSpPr>
+            <a:spLocks noGrp="1"/>
+          </p:cNvSpPr>
+          <p:nvPr>
+            <p:ph type="title"/>
+          </p:nvPr>
+        </p:nvSpPr>
+        <p:spPr/>
+        <p:txBody>
+          <a:bodyPr/>
+          <a:lstStyle/>
+          <a:p>
+            <a:r>
+              <a:rPr lang="en-US" dirty="0" err="1"/>
+              <a:t>VSCode</a:t>
+            </a:r>
+            <a:endParaRPr lang="en-US" dirty="0"/>
+          </a:p>
+        </p:txBody>
+      </p:sp>
+      <p:sp>
+        <p:nvSpPr>
+          <p:cNvPr id="3" name="Content Placeholder 2">
+            <a:extLst>
+              <a:ext uri="{FF2B5EF4-FFF2-40B4-BE49-F238E27FC236}">
+                <a16:creationId xmlns:a16="http://schemas.microsoft.com/office/drawing/2014/main" id="{DD5EF0FE-77D8-4C5F-A5F3-B89D1B0739F6}"/>
+              </a:ext>
+            </a:extLst>
+          </p:cNvPr>
+          <p:cNvSpPr>
+            <a:spLocks noGrp="1"/>
+          </p:cNvSpPr>
+          <p:nvPr>
+            <p:ph idx="1"/>
+          </p:nvPr>
+        </p:nvSpPr>
+        <p:spPr/>
+        <p:txBody>
+          <a:bodyPr/>
+          <a:lstStyle/>
+          <a:p>
+            <a:r>
+              <a:rPr lang="en-US" dirty="0"/>
+              <a:t>Install Visual Studio Code</a:t>
+            </a:r>
+          </a:p>
+          <a:p>
+            <a:pPr lvl="1"/>
+            <a:r>
+              <a:rPr lang="en-US" dirty="0"/>
+              <a:t>Explain the GUI of </a:t>
+            </a:r>
+            <a:r>
+              <a:rPr lang="en-US" dirty="0" err="1"/>
+              <a:t>VSCode</a:t>
+            </a:r>
+            <a:endParaRPr lang="en-US" dirty="0"/>
+          </a:p>
+          <a:p>
+            <a:pPr lvl="1"/>
+            <a:r>
+              <a:rPr lang="en-US" dirty="0"/>
+              <a:t>Show example of </a:t>
+            </a:r>
+            <a:r>
+              <a:rPr lang="en-US" dirty="0" err="1"/>
+              <a:t>MarkDown</a:t>
+            </a:r>
+            <a:r>
+              <a:rPr lang="en-US" dirty="0"/>
+              <a:t> visualization</a:t>
+            </a:r>
+          </a:p>
+          <a:p>
+            <a:pPr lvl="1"/>
+            <a:r>
+              <a:rPr lang="en-US" dirty="0"/>
+              <a:t>Show example of installing </a:t>
+            </a:r>
+            <a:r>
+              <a:rPr lang="en-US" dirty="0" err="1"/>
+              <a:t>VSCode</a:t>
+            </a:r>
+            <a:r>
+              <a:rPr lang="en-US" dirty="0"/>
+              <a:t> extensions</a:t>
+            </a:r>
+          </a:p>
+        </p:txBody>
+      </p:sp>
+    </p:spTree>
+    <p:extLst>
+      <p:ext uri="{BB962C8B-B14F-4D97-AF65-F5344CB8AC3E}">
+        <p14:creationId xmlns:p14="http://schemas.microsoft.com/office/powerpoint/2010/main" val="2394856471"/>
+      </p:ext>
+    </p:extLst>
+  </p:cSld>
+  <p:clrMapOvr>
+    <a:masterClrMapping/>
+  </p:clrMapOvr>
+</p:sld>
+</file>
+
+<file path=ppt/slides/slide20.xml><?xml version="1.0" encoding="utf-8"?>
 <p:sld xmlns:a="http://schemas.openxmlformats.org/drawingml/2006/main" xmlns:r="http://schemas.openxmlformats.org/officeDocument/2006/relationships" xmlns:p="http://schemas.openxmlformats.org/presentationml/2006/main" show="0">
   <p:cSld>
     <p:spTree>
@@ -8263,549 +10932,7 @@
 </p:sld>
 </file>
 
-<file path=ppt/slides/slide16.xml><?xml version="1.0" encoding="utf-8"?>
-<p:sld xmlns:a="http://schemas.openxmlformats.org/drawingml/2006/main" xmlns:r="http://schemas.openxmlformats.org/officeDocument/2006/relationships" xmlns:p="http://schemas.openxmlformats.org/presentationml/2006/main">
-  <p:cSld>
-    <p:spTree>
-      <p:nvGrpSpPr>
-        <p:cNvPr id="1" name=""/>
-        <p:cNvGrpSpPr/>
-        <p:nvPr/>
-      </p:nvGrpSpPr>
-      <p:grpSpPr>
-        <a:xfrm>
-          <a:off x="0" y="0"/>
-          <a:ext cx="0" cy="0"/>
-          <a:chOff x="0" y="0"/>
-          <a:chExt cx="0" cy="0"/>
-        </a:xfrm>
-      </p:grpSpPr>
-      <p:pic>
-        <p:nvPicPr>
-          <p:cNvPr id="5" name="Graphic 4">
-            <a:extLst>
-              <a:ext uri="{FF2B5EF4-FFF2-40B4-BE49-F238E27FC236}">
-                <a16:creationId xmlns:a16="http://schemas.microsoft.com/office/drawing/2014/main" id="{F5EAC213-EDA1-48AD-9466-B446045D3572}"/>
-              </a:ext>
-            </a:extLst>
-          </p:cNvPr>
-          <p:cNvPicPr>
-            <a:picLocks noChangeAspect="1"/>
-          </p:cNvPicPr>
-          <p:nvPr/>
-        </p:nvPicPr>
-        <p:blipFill>
-          <a:blip r:embed="rId2">
-            <a:extLst>
-              <a:ext uri="{28A0092B-C50C-407E-A947-70E740481C1C}">
-                <a14:useLocalDpi xmlns:a14="http://schemas.microsoft.com/office/drawing/2010/main" val="0"/>
-              </a:ext>
-              <a:ext uri="{96DAC541-7B7A-43D3-8B79-37D633B846F1}">
-                <asvg:svgBlip xmlns:asvg="http://schemas.microsoft.com/office/drawing/2016/SVG/main" r:embed="rId3"/>
-              </a:ext>
-            </a:extLst>
-          </a:blip>
-          <a:stretch>
-            <a:fillRect/>
-          </a:stretch>
-        </p:blipFill>
-        <p:spPr>
-          <a:xfrm>
-            <a:off x="623047" y="555203"/>
-            <a:ext cx="3939190" cy="945405"/>
-          </a:xfrm>
-          <a:prstGeom prst="rect">
-            <a:avLst/>
-          </a:prstGeom>
-        </p:spPr>
-      </p:pic>
-      <p:sp>
-        <p:nvSpPr>
-          <p:cNvPr id="6" name="Rectangle 5">
-            <a:extLst>
-              <a:ext uri="{FF2B5EF4-FFF2-40B4-BE49-F238E27FC236}">
-                <a16:creationId xmlns:a16="http://schemas.microsoft.com/office/drawing/2014/main" id="{4FDBDA8D-FDA1-446F-8241-90F73B671FB0}"/>
-              </a:ext>
-            </a:extLst>
-          </p:cNvPr>
-          <p:cNvSpPr/>
-          <p:nvPr/>
-        </p:nvSpPr>
-        <p:spPr>
-          <a:xfrm>
-            <a:off x="5396753" y="1500608"/>
-            <a:ext cx="6172200" cy="4524315"/>
-          </a:xfrm>
-          <a:prstGeom prst="rect">
-            <a:avLst/>
-          </a:prstGeom>
-          <a:solidFill>
-            <a:srgbClr val="1E1E1E"/>
-          </a:solidFill>
-        </p:spPr>
-        <p:txBody>
-          <a:bodyPr wrap="square">
-            <a:spAutoFit/>
-          </a:bodyPr>
-          <a:lstStyle/>
-          <a:p>
-            <a:r>
-              <a:rPr lang="en-US" sz="2400" dirty="0">
-                <a:solidFill>
-                  <a:srgbClr val="569CD6"/>
-                </a:solidFill>
-                <a:latin typeface="Consolas" panose="020B0609020204030204" pitchFamily="49" charset="0"/>
-              </a:rPr>
-              <a:t>import</a:t>
-            </a:r>
-            <a:r>
-              <a:rPr lang="en-US" sz="2400" dirty="0">
-                <a:solidFill>
-                  <a:srgbClr val="D4D4D4"/>
-                </a:solidFill>
-                <a:latin typeface="Consolas" panose="020B0609020204030204" pitchFamily="49" charset="0"/>
-              </a:rPr>
-              <a:t> numpy </a:t>
-            </a:r>
-            <a:r>
-              <a:rPr lang="en-US" sz="2400" dirty="0">
-                <a:solidFill>
-                  <a:srgbClr val="569CD6"/>
-                </a:solidFill>
-                <a:latin typeface="Consolas" panose="020B0609020204030204" pitchFamily="49" charset="0"/>
-              </a:rPr>
-              <a:t>as</a:t>
-            </a:r>
-            <a:r>
-              <a:rPr lang="en-US" sz="2400" dirty="0">
-                <a:solidFill>
-                  <a:srgbClr val="D4D4D4"/>
-                </a:solidFill>
-                <a:latin typeface="Consolas" panose="020B0609020204030204" pitchFamily="49" charset="0"/>
-              </a:rPr>
-              <a:t> np</a:t>
-            </a:r>
-          </a:p>
-          <a:p>
-            <a:r>
-              <a:rPr lang="en-US" sz="2400" dirty="0">
-                <a:solidFill>
-                  <a:srgbClr val="569CD6"/>
-                </a:solidFill>
-                <a:latin typeface="Consolas" panose="020B0609020204030204" pitchFamily="49" charset="0"/>
-              </a:rPr>
-              <a:t>import</a:t>
-            </a:r>
-            <a:r>
-              <a:rPr lang="en-US" sz="2400" dirty="0">
-                <a:solidFill>
-                  <a:srgbClr val="D4D4D4"/>
-                </a:solidFill>
-                <a:latin typeface="Consolas" panose="020B0609020204030204" pitchFamily="49" charset="0"/>
-              </a:rPr>
-              <a:t> matplotlib.pyplot </a:t>
-            </a:r>
-            <a:r>
-              <a:rPr lang="en-US" sz="2400" dirty="0">
-                <a:solidFill>
-                  <a:srgbClr val="569CD6"/>
-                </a:solidFill>
-                <a:latin typeface="Consolas" panose="020B0609020204030204" pitchFamily="49" charset="0"/>
-              </a:rPr>
-              <a:t>as</a:t>
-            </a:r>
-            <a:r>
-              <a:rPr lang="en-US" sz="2400" dirty="0">
-                <a:solidFill>
-                  <a:srgbClr val="D4D4D4"/>
-                </a:solidFill>
-                <a:latin typeface="Consolas" panose="020B0609020204030204" pitchFamily="49" charset="0"/>
-              </a:rPr>
-              <a:t> plt</a:t>
-            </a:r>
-          </a:p>
-          <a:p>
-            <a:r>
-              <a:rPr lang="en-US" sz="2400" dirty="0">
-                <a:solidFill>
-                  <a:srgbClr val="D4D4D4"/>
-                </a:solidFill>
-                <a:latin typeface="Consolas" panose="020B0609020204030204" pitchFamily="49" charset="0"/>
-              </a:rPr>
-              <a:t>x=</a:t>
-            </a:r>
-            <a:r>
-              <a:rPr lang="en-US" sz="2400" dirty="0" err="1">
-                <a:solidFill>
-                  <a:srgbClr val="D4D4D4"/>
-                </a:solidFill>
-                <a:latin typeface="Consolas" panose="020B0609020204030204" pitchFamily="49" charset="0"/>
-              </a:rPr>
-              <a:t>np.random.rand</a:t>
-            </a:r>
-            <a:r>
-              <a:rPr lang="en-US" sz="2400" dirty="0">
-                <a:solidFill>
-                  <a:srgbClr val="D4D4D4"/>
-                </a:solidFill>
-                <a:latin typeface="Consolas" panose="020B0609020204030204" pitchFamily="49" charset="0"/>
-              </a:rPr>
-              <a:t>(</a:t>
-            </a:r>
-            <a:r>
-              <a:rPr lang="en-US" sz="2400" dirty="0">
-                <a:solidFill>
-                  <a:srgbClr val="B5CEA8"/>
-                </a:solidFill>
-                <a:latin typeface="Consolas" panose="020B0609020204030204" pitchFamily="49" charset="0"/>
-              </a:rPr>
-              <a:t>100</a:t>
-            </a:r>
-            <a:r>
-              <a:rPr lang="en-US" sz="2400" dirty="0">
-                <a:solidFill>
-                  <a:srgbClr val="D4D4D4"/>
-                </a:solidFill>
-                <a:latin typeface="Consolas" panose="020B0609020204030204" pitchFamily="49" charset="0"/>
-              </a:rPr>
-              <a:t>)</a:t>
-            </a:r>
-          </a:p>
-          <a:p>
-            <a:r>
-              <a:rPr lang="en-US" sz="2400" dirty="0">
-                <a:solidFill>
-                  <a:srgbClr val="D4D4D4"/>
-                </a:solidFill>
-                <a:latin typeface="Consolas" panose="020B0609020204030204" pitchFamily="49" charset="0"/>
-              </a:rPr>
-              <a:t>y=</a:t>
-            </a:r>
-            <a:r>
-              <a:rPr lang="en-US" sz="2400" dirty="0" err="1">
-                <a:solidFill>
-                  <a:srgbClr val="D4D4D4"/>
-                </a:solidFill>
-                <a:latin typeface="Consolas" panose="020B0609020204030204" pitchFamily="49" charset="0"/>
-              </a:rPr>
-              <a:t>np.random.normal</a:t>
-            </a:r>
-            <a:r>
-              <a:rPr lang="en-US" sz="2400" dirty="0">
-                <a:solidFill>
-                  <a:srgbClr val="D4D4D4"/>
-                </a:solidFill>
-                <a:latin typeface="Consolas" panose="020B0609020204030204" pitchFamily="49" charset="0"/>
-              </a:rPr>
-              <a:t>(</a:t>
-            </a:r>
-            <a:r>
-              <a:rPr lang="en-US" sz="2400" dirty="0">
-                <a:solidFill>
-                  <a:srgbClr val="B5CEA8"/>
-                </a:solidFill>
-                <a:latin typeface="Consolas" panose="020B0609020204030204" pitchFamily="49" charset="0"/>
-              </a:rPr>
-              <a:t>0</a:t>
-            </a:r>
-            <a:r>
-              <a:rPr lang="en-US" sz="2400" dirty="0">
-                <a:solidFill>
-                  <a:srgbClr val="D4D4D4"/>
-                </a:solidFill>
-                <a:latin typeface="Consolas" panose="020B0609020204030204" pitchFamily="49" charset="0"/>
-              </a:rPr>
-              <a:t>,</a:t>
-            </a:r>
-            <a:r>
-              <a:rPr lang="en-US" sz="2400" dirty="0">
-                <a:solidFill>
-                  <a:srgbClr val="B5CEA8"/>
-                </a:solidFill>
-                <a:latin typeface="Consolas" panose="020B0609020204030204" pitchFamily="49" charset="0"/>
-              </a:rPr>
-              <a:t>2</a:t>
-            </a:r>
-            <a:r>
-              <a:rPr lang="en-US" sz="2400" dirty="0">
-                <a:solidFill>
-                  <a:srgbClr val="D4D4D4"/>
-                </a:solidFill>
-                <a:latin typeface="Consolas" panose="020B0609020204030204" pitchFamily="49" charset="0"/>
-              </a:rPr>
-              <a:t>, (</a:t>
-            </a:r>
-            <a:r>
-              <a:rPr lang="en-US" sz="2400" dirty="0">
-                <a:solidFill>
-                  <a:srgbClr val="B5CEA8"/>
-                </a:solidFill>
-                <a:latin typeface="Consolas" panose="020B0609020204030204" pitchFamily="49" charset="0"/>
-              </a:rPr>
-              <a:t>100</a:t>
-            </a:r>
-            <a:r>
-              <a:rPr lang="en-US" sz="2400" dirty="0">
-                <a:solidFill>
-                  <a:srgbClr val="D4D4D4"/>
-                </a:solidFill>
-                <a:latin typeface="Consolas" panose="020B0609020204030204" pitchFamily="49" charset="0"/>
-              </a:rPr>
-              <a:t>,</a:t>
-            </a:r>
-            <a:r>
-              <a:rPr lang="en-US" sz="2400" dirty="0">
-                <a:solidFill>
-                  <a:srgbClr val="B5CEA8"/>
-                </a:solidFill>
-                <a:latin typeface="Consolas" panose="020B0609020204030204" pitchFamily="49" charset="0"/>
-              </a:rPr>
-              <a:t>1</a:t>
-            </a:r>
-            <a:r>
-              <a:rPr lang="en-US" sz="2400" dirty="0">
-                <a:solidFill>
-                  <a:srgbClr val="D4D4D4"/>
-                </a:solidFill>
-                <a:latin typeface="Consolas" panose="020B0609020204030204" pitchFamily="49" charset="0"/>
-              </a:rPr>
-              <a:t>))</a:t>
-            </a:r>
-          </a:p>
-          <a:p>
-            <a:r>
-              <a:rPr lang="en-US" sz="2400" dirty="0">
-                <a:solidFill>
-                  <a:srgbClr val="D4D4D4"/>
-                </a:solidFill>
-                <a:latin typeface="Consolas" panose="020B0609020204030204" pitchFamily="49" charset="0"/>
-              </a:rPr>
-              <a:t>graph = </a:t>
-            </a:r>
-            <a:r>
-              <a:rPr lang="en-US" sz="2400" dirty="0" err="1">
-                <a:solidFill>
-                  <a:srgbClr val="D4D4D4"/>
-                </a:solidFill>
-                <a:latin typeface="Consolas" panose="020B0609020204030204" pitchFamily="49" charset="0"/>
-              </a:rPr>
-              <a:t>plt.plot</a:t>
-            </a:r>
-            <a:r>
-              <a:rPr lang="en-US" sz="2400" dirty="0">
-                <a:solidFill>
-                  <a:srgbClr val="D4D4D4"/>
-                </a:solidFill>
-                <a:latin typeface="Consolas" panose="020B0609020204030204" pitchFamily="49" charset="0"/>
-              </a:rPr>
-              <a:t>(x, y, </a:t>
-            </a:r>
-            <a:r>
-              <a:rPr lang="en-US" sz="2400" dirty="0">
-                <a:solidFill>
-                  <a:srgbClr val="CE9178"/>
-                </a:solidFill>
-                <a:latin typeface="Consolas" panose="020B0609020204030204" pitchFamily="49" charset="0"/>
-              </a:rPr>
-              <a:t>'b.'</a:t>
-            </a:r>
-            <a:r>
-              <a:rPr lang="en-US" sz="2400" dirty="0">
-                <a:solidFill>
-                  <a:srgbClr val="D4D4D4"/>
-                </a:solidFill>
-                <a:latin typeface="Consolas" panose="020B0609020204030204" pitchFamily="49" charset="0"/>
-              </a:rPr>
-              <a:t>)</a:t>
-            </a:r>
-          </a:p>
-          <a:p>
-            <a:r>
-              <a:rPr lang="en-US" sz="2400" dirty="0" err="1">
-                <a:solidFill>
-                  <a:srgbClr val="D4D4D4"/>
-                </a:solidFill>
-                <a:latin typeface="Consolas" panose="020B0609020204030204" pitchFamily="49" charset="0"/>
-              </a:rPr>
-              <a:t>plt.axhline</a:t>
-            </a:r>
-            <a:r>
-              <a:rPr lang="en-US" sz="2400" dirty="0">
-                <a:solidFill>
-                  <a:srgbClr val="D4D4D4"/>
-                </a:solidFill>
-                <a:latin typeface="Consolas" panose="020B0609020204030204" pitchFamily="49" charset="0"/>
-              </a:rPr>
-              <a:t>(</a:t>
-            </a:r>
-            <a:r>
-              <a:rPr lang="en-US" sz="2400" dirty="0">
-                <a:solidFill>
-                  <a:srgbClr val="B5CEA8"/>
-                </a:solidFill>
-                <a:latin typeface="Consolas" panose="020B0609020204030204" pitchFamily="49" charset="0"/>
-              </a:rPr>
-              <a:t>0.5</a:t>
-            </a:r>
-            <a:r>
-              <a:rPr lang="en-US" sz="2400" dirty="0">
-                <a:solidFill>
-                  <a:srgbClr val="D4D4D4"/>
-                </a:solidFill>
-                <a:latin typeface="Consolas" panose="020B0609020204030204" pitchFamily="49" charset="0"/>
-              </a:rPr>
-              <a:t>)</a:t>
-            </a:r>
-          </a:p>
-          <a:p>
-            <a:r>
-              <a:rPr lang="en-US" sz="2400" dirty="0" err="1">
-                <a:solidFill>
-                  <a:srgbClr val="D4D4D4"/>
-                </a:solidFill>
-                <a:latin typeface="Consolas" panose="020B0609020204030204" pitchFamily="49" charset="0"/>
-              </a:rPr>
-              <a:t>plt.axvline</a:t>
-            </a:r>
-            <a:r>
-              <a:rPr lang="en-US" sz="2400" dirty="0">
-                <a:solidFill>
-                  <a:srgbClr val="D4D4D4"/>
-                </a:solidFill>
-                <a:latin typeface="Consolas" panose="020B0609020204030204" pitchFamily="49" charset="0"/>
-              </a:rPr>
-              <a:t>(0.5,c='r')</a:t>
-            </a:r>
-          </a:p>
-          <a:p>
-            <a:r>
-              <a:rPr lang="en-US" sz="2400" dirty="0" err="1">
-                <a:solidFill>
-                  <a:srgbClr val="D4D4D4"/>
-                </a:solidFill>
-                <a:latin typeface="Consolas" panose="020B0609020204030204" pitchFamily="49" charset="0"/>
-              </a:rPr>
-              <a:t>plt.axis</a:t>
-            </a:r>
-            <a:r>
-              <a:rPr lang="en-US" sz="2400" dirty="0">
-                <a:solidFill>
-                  <a:srgbClr val="D4D4D4"/>
-                </a:solidFill>
-                <a:latin typeface="Consolas" panose="020B0609020204030204" pitchFamily="49" charset="0"/>
-              </a:rPr>
-              <a:t>('equal')</a:t>
-            </a:r>
-          </a:p>
-          <a:p>
-            <a:r>
-              <a:rPr lang="en-US" sz="2400" dirty="0" err="1">
-                <a:solidFill>
-                  <a:srgbClr val="D4D4D4"/>
-                </a:solidFill>
-                <a:latin typeface="Consolas" panose="020B0609020204030204" pitchFamily="49" charset="0"/>
-              </a:rPr>
-              <a:t>plt.show</a:t>
-            </a:r>
-            <a:r>
-              <a:rPr lang="en-US" sz="2400" dirty="0">
-                <a:solidFill>
-                  <a:srgbClr val="D4D4D4"/>
-                </a:solidFill>
-                <a:latin typeface="Consolas" panose="020B0609020204030204" pitchFamily="49" charset="0"/>
-              </a:rPr>
-              <a:t>()</a:t>
-            </a:r>
-          </a:p>
-          <a:p>
-            <a:br>
-              <a:rPr lang="en-US" sz="2400" dirty="0">
-                <a:solidFill>
-                  <a:srgbClr val="D4D4D4"/>
-                </a:solidFill>
-                <a:latin typeface="Consolas" panose="020B0609020204030204" pitchFamily="49" charset="0"/>
-              </a:rPr>
-            </a:br>
-            <a:r>
-              <a:rPr lang="en-US" sz="2400" dirty="0" err="1">
-                <a:solidFill>
-                  <a:srgbClr val="D4D4D4"/>
-                </a:solidFill>
-                <a:latin typeface="Consolas" panose="020B0609020204030204" pitchFamily="49" charset="0"/>
-              </a:rPr>
-              <a:t>plt.scatter</a:t>
-            </a:r>
-            <a:r>
-              <a:rPr lang="en-US" sz="2400" dirty="0">
-                <a:solidFill>
-                  <a:srgbClr val="D4D4D4"/>
-                </a:solidFill>
-                <a:latin typeface="Consolas" panose="020B0609020204030204" pitchFamily="49" charset="0"/>
-              </a:rPr>
-              <a:t>(x=x, y=y, c=</a:t>
-            </a:r>
-            <a:r>
-              <a:rPr lang="en-US" sz="2400" dirty="0">
-                <a:solidFill>
-                  <a:srgbClr val="CE9178"/>
-                </a:solidFill>
-                <a:latin typeface="Consolas" panose="020B0609020204030204" pitchFamily="49" charset="0"/>
-              </a:rPr>
-              <a:t>'g'</a:t>
-            </a:r>
-            <a:r>
-              <a:rPr lang="en-US" sz="2400" dirty="0">
-                <a:solidFill>
-                  <a:srgbClr val="D4D4D4"/>
-                </a:solidFill>
-                <a:latin typeface="Consolas" panose="020B0609020204030204" pitchFamily="49" charset="0"/>
-              </a:rPr>
-              <a:t>)</a:t>
-            </a:r>
-          </a:p>
-          <a:p>
-            <a:r>
-              <a:rPr lang="en-US" sz="2400" dirty="0" err="1">
-                <a:solidFill>
-                  <a:srgbClr val="D4D4D4"/>
-                </a:solidFill>
-                <a:latin typeface="Consolas" panose="020B0609020204030204" pitchFamily="49" charset="0"/>
-              </a:rPr>
-              <a:t>plt.show</a:t>
-            </a:r>
-            <a:r>
-              <a:rPr lang="en-US" sz="2400" dirty="0">
-                <a:solidFill>
-                  <a:srgbClr val="D4D4D4"/>
-                </a:solidFill>
-                <a:latin typeface="Consolas" panose="020B0609020204030204" pitchFamily="49" charset="0"/>
-              </a:rPr>
-              <a:t>()</a:t>
-            </a:r>
-            <a:endParaRPr lang="en-US" sz="2400" b="0" dirty="0">
-              <a:solidFill>
-                <a:srgbClr val="D4D4D4"/>
-              </a:solidFill>
-              <a:effectLst/>
-              <a:latin typeface="Consolas" panose="020B0609020204030204" pitchFamily="49" charset="0"/>
-            </a:endParaRPr>
-          </a:p>
-        </p:txBody>
-      </p:sp>
-    </p:spTree>
-    <p:extLst>
-      <p:ext uri="{BB962C8B-B14F-4D97-AF65-F5344CB8AC3E}">
-        <p14:creationId xmlns:p14="http://schemas.microsoft.com/office/powerpoint/2010/main" val="3799932153"/>
-      </p:ext>
-    </p:extLst>
-  </p:cSld>
-  <p:clrMapOvr>
-    <a:masterClrMapping/>
-  </p:clrMapOvr>
-</p:sld>
-</file>
-
-<file path=ppt/slides/slide17.xml><?xml version="1.0" encoding="utf-8"?>
+<file path=ppt/slides/slide21.xml><?xml version="1.0" encoding="utf-8"?>
 <p:sld xmlns:a="http://schemas.openxmlformats.org/drawingml/2006/main" xmlns:r="http://schemas.openxmlformats.org/officeDocument/2006/relationships" xmlns:p="http://schemas.openxmlformats.org/presentationml/2006/main">
   <p:cSld>
     <p:spTree>
@@ -8937,7 +11064,7 @@
 </p:sld>
 </file>
 
-<file path=ppt/slides/slide18.xml><?xml version="1.0" encoding="utf-8"?>
+<file path=ppt/slides/slide22.xml><?xml version="1.0" encoding="utf-8"?>
 <p:sld xmlns:a="http://schemas.openxmlformats.org/drawingml/2006/main" xmlns:r="http://schemas.openxmlformats.org/officeDocument/2006/relationships" xmlns:p="http://schemas.openxmlformats.org/presentationml/2006/main">
   <p:cSld>
     <p:spTree>
@@ -9047,7 +11174,7 @@
 </p:sld>
 </file>
 
-<file path=ppt/slides/slide19.xml><?xml version="1.0" encoding="utf-8"?>
+<file path=ppt/slides/slide23.xml><?xml version="1.0" encoding="utf-8"?>
 <p:sld xmlns:a="http://schemas.openxmlformats.org/drawingml/2006/main" xmlns:r="http://schemas.openxmlformats.org/officeDocument/2006/relationships" xmlns:p="http://schemas.openxmlformats.org/presentationml/2006/main">
   <p:cSld>
     <p:spTree>
@@ -9121,135 +11248,6 @@
     <p:extLst>
       <p:ext uri="{BB962C8B-B14F-4D97-AF65-F5344CB8AC3E}">
         <p14:creationId xmlns:p14="http://schemas.microsoft.com/office/powerpoint/2010/main" val="2727492319"/>
-      </p:ext>
-    </p:extLst>
-  </p:cSld>
-  <p:clrMapOvr>
-    <a:masterClrMapping/>
-  </p:clrMapOvr>
-</p:sld>
-</file>
-
-<file path=ppt/slides/slide2.xml><?xml version="1.0" encoding="utf-8"?>
-<p:sld xmlns:a="http://schemas.openxmlformats.org/drawingml/2006/main" xmlns:r="http://schemas.openxmlformats.org/officeDocument/2006/relationships" xmlns:p="http://schemas.openxmlformats.org/presentationml/2006/main">
-  <p:cSld>
-    <p:spTree>
-      <p:nvGrpSpPr>
-        <p:cNvPr id="1" name=""/>
-        <p:cNvGrpSpPr/>
-        <p:nvPr/>
-      </p:nvGrpSpPr>
-      <p:grpSpPr>
-        <a:xfrm>
-          <a:off x="0" y="0"/>
-          <a:ext cx="0" cy="0"/>
-          <a:chOff x="0" y="0"/>
-          <a:chExt cx="0" cy="0"/>
-        </a:xfrm>
-      </p:grpSpPr>
-      <p:sp>
-        <p:nvSpPr>
-          <p:cNvPr id="2" name="Title 1">
-            <a:extLst>
-              <a:ext uri="{FF2B5EF4-FFF2-40B4-BE49-F238E27FC236}">
-                <a16:creationId xmlns:a16="http://schemas.microsoft.com/office/drawing/2014/main" id="{8F0B6365-C974-4161-ACDF-9B384BFFBD6D}"/>
-              </a:ext>
-            </a:extLst>
-          </p:cNvPr>
-          <p:cNvSpPr>
-            <a:spLocks noGrp="1"/>
-          </p:cNvSpPr>
-          <p:nvPr>
-            <p:ph type="title"/>
-          </p:nvPr>
-        </p:nvSpPr>
-        <p:spPr/>
-        <p:txBody>
-          <a:bodyPr/>
-          <a:lstStyle/>
-          <a:p>
-            <a:r>
-              <a:rPr lang="en-US" dirty="0" err="1"/>
-              <a:t>VSCode</a:t>
-            </a:r>
-            <a:endParaRPr lang="en-US" dirty="0"/>
-          </a:p>
-        </p:txBody>
-      </p:sp>
-      <p:sp>
-        <p:nvSpPr>
-          <p:cNvPr id="3" name="Content Placeholder 2">
-            <a:extLst>
-              <a:ext uri="{FF2B5EF4-FFF2-40B4-BE49-F238E27FC236}">
-                <a16:creationId xmlns:a16="http://schemas.microsoft.com/office/drawing/2014/main" id="{DD5EF0FE-77D8-4C5F-A5F3-B89D1B0739F6}"/>
-              </a:ext>
-            </a:extLst>
-          </p:cNvPr>
-          <p:cNvSpPr>
-            <a:spLocks noGrp="1"/>
-          </p:cNvSpPr>
-          <p:nvPr>
-            <p:ph idx="1"/>
-          </p:nvPr>
-        </p:nvSpPr>
-        <p:spPr/>
-        <p:txBody>
-          <a:bodyPr/>
-          <a:lstStyle/>
-          <a:p>
-            <a:r>
-              <a:rPr lang="en-US" dirty="0"/>
-              <a:t>Install Visual Studio Code</a:t>
-            </a:r>
-          </a:p>
-          <a:p>
-            <a:pPr lvl="1"/>
-            <a:r>
-              <a:rPr lang="en-US" dirty="0"/>
-              <a:t>Explain the GUI of </a:t>
-            </a:r>
-            <a:r>
-              <a:rPr lang="en-US" dirty="0" err="1"/>
-              <a:t>VSCode</a:t>
-            </a:r>
-            <a:endParaRPr lang="en-US" dirty="0"/>
-          </a:p>
-          <a:p>
-            <a:pPr lvl="1"/>
-            <a:r>
-              <a:rPr lang="en-US" dirty="0"/>
-              <a:t>Show example of </a:t>
-            </a:r>
-            <a:r>
-              <a:rPr lang="en-US" dirty="0" err="1"/>
-              <a:t>MarkDown</a:t>
-            </a:r>
-            <a:r>
-              <a:rPr lang="en-US" dirty="0"/>
-              <a:t> visualization</a:t>
-            </a:r>
-          </a:p>
-          <a:p>
-            <a:pPr lvl="1"/>
-            <a:r>
-              <a:rPr lang="en-US" dirty="0"/>
-              <a:t>Show example of installing </a:t>
-            </a:r>
-            <a:r>
-              <a:rPr lang="en-US" dirty="0" err="1"/>
-              <a:t>VSCode</a:t>
-            </a:r>
-            <a:r>
-              <a:rPr lang="en-US" dirty="0"/>
-              <a:t> extensions</a:t>
-            </a:r>
-          </a:p>
-        </p:txBody>
-      </p:sp>
-    </p:spTree>
-    <p:extLst>
-      <p:ext uri="{BB962C8B-B14F-4D97-AF65-F5344CB8AC3E}">
-        <p14:creationId xmlns:p14="http://schemas.microsoft.com/office/powerpoint/2010/main" val="2394856471"/>
       </p:ext>
     </p:extLst>
   </p:cSld>

--- a/slides/01_softwareTutorial.pptx
+++ b/slides/01_softwareTutorial.pptx
@@ -5,7 +5,7 @@
     <p:sldMasterId id="2147483648" r:id="rId1"/>
   </p:sldMasterIdLst>
   <p:notesMasterIdLst>
-    <p:notesMasterId r:id="rId25"/>
+    <p:notesMasterId r:id="rId26"/>
   </p:notesMasterIdLst>
   <p:sldIdLst>
     <p:sldId id="256" r:id="rId2"/>
@@ -27,10 +27,11 @@
     <p:sldId id="273" r:id="rId18"/>
     <p:sldId id="264" r:id="rId19"/>
     <p:sldId id="268" r:id="rId20"/>
-    <p:sldId id="270" r:id="rId21"/>
-    <p:sldId id="261" r:id="rId22"/>
-    <p:sldId id="262" r:id="rId23"/>
-    <p:sldId id="271" r:id="rId24"/>
+    <p:sldId id="279" r:id="rId21"/>
+    <p:sldId id="270" r:id="rId22"/>
+    <p:sldId id="261" r:id="rId23"/>
+    <p:sldId id="262" r:id="rId24"/>
+    <p:sldId id="271" r:id="rId25"/>
   </p:sldIdLst>
   <p:sldSz cx="12192000" cy="6858000"/>
   <p:notesSz cx="6858000" cy="9144000"/>
@@ -219,7 +220,7 @@
           <a:p>
             <a:fld id="{CA6E81E7-F4C5-4048-8654-5723B2F7EB41}" type="datetimeFigureOut">
               <a:rPr lang="en-US" smtClean="0"/>
-              <a:t>6/4/2020</a:t>
+              <a:t>6/9/2020</a:t>
             </a:fld>
             <a:endParaRPr lang="en-US"/>
           </a:p>
@@ -623,46 +624,6 @@
           <a:bodyPr/>
           <a:lstStyle/>
           <a:p>
-            <a:pPr marL="0" marR="0" lvl="0" indent="0" algn="l" defTabSz="914400" rtl="0" eaLnBrk="1" fontAlgn="auto" latinLnBrk="0" hangingPunct="1">
-              <a:lnSpc>
-                <a:spcPct val="100000"/>
-              </a:lnSpc>
-              <a:spcBef>
-                <a:spcPts val="0"/>
-              </a:spcBef>
-              <a:spcAft>
-                <a:spcPts val="0"/>
-              </a:spcAft>
-              <a:buClrTx/>
-              <a:buSzTx/>
-              <a:buFontTx/>
-              <a:buNone/>
-              <a:tabLst/>
-              <a:defRPr/>
-            </a:pPr>
-            <a:r>
-              <a:rPr lang="en-US" dirty="0"/>
-              <a:t>Practice</a:t>
-            </a:r>
-          </a:p>
-          <a:p>
-            <a:pPr marL="0" marR="0" lvl="0" indent="0" algn="l" defTabSz="914400" rtl="0" eaLnBrk="1" fontAlgn="auto" latinLnBrk="0" hangingPunct="1">
-              <a:lnSpc>
-                <a:spcPct val="100000"/>
-              </a:lnSpc>
-              <a:spcBef>
-                <a:spcPts val="0"/>
-              </a:spcBef>
-              <a:spcAft>
-                <a:spcPts val="0"/>
-              </a:spcAft>
-              <a:buClrTx/>
-              <a:buSzTx/>
-              <a:buFontTx/>
-              <a:buNone/>
-              <a:tabLst/>
-              <a:defRPr/>
-            </a:pPr>
             <a:r>
               <a:rPr lang="en-US" sz="1200" b="0" kern="1200" dirty="0">
                 <a:solidFill>
@@ -673,10 +634,12 @@
                 <a:ea typeface="+mn-ea"/>
                 <a:cs typeface="+mn-cs"/>
               </a:rPr>
-              <a:t>     from </a:t>
-            </a:r>
-            <a:r>
-              <a:rPr lang="en-US" sz="1200" b="0" kern="1200" dirty="0" err="1">
+              <a:t>import pandas as pd</a:t>
+            </a:r>
+          </a:p>
+          <a:p>
+            <a:r>
+              <a:rPr lang="en-US" sz="1200" b="0" kern="1200" dirty="0">
                 <a:solidFill>
                   <a:schemeClr val="tx1"/>
                 </a:solidFill>
@@ -685,8 +648,10 @@
                 <a:ea typeface="+mn-ea"/>
                 <a:cs typeface="+mn-cs"/>
               </a:rPr>
-              <a:t>matplotlib.image</a:t>
-            </a:r>
+              <a:t>import numpy as np</a:t>
+            </a:r>
+          </a:p>
+          <a:p>
             <a:r>
               <a:rPr lang="en-US" sz="1200" b="0" kern="1200" dirty="0">
                 <a:solidFill>
@@ -697,10 +662,12 @@
                 <a:ea typeface="+mn-ea"/>
                 <a:cs typeface="+mn-cs"/>
               </a:rPr>
-              <a:t> import </a:t>
-            </a:r>
-            <a:r>
-              <a:rPr lang="en-US" sz="1200" b="0" kern="1200" dirty="0" err="1">
+              <a:t>import matplotlib.pyplot as plt</a:t>
+            </a:r>
+          </a:p>
+          <a:p>
+            <a:r>
+              <a:rPr lang="en-US" sz="1200" b="0" kern="1200" dirty="0">
                 <a:solidFill>
                   <a:schemeClr val="tx1"/>
                 </a:solidFill>
@@ -709,10 +676,10 @@
                 <a:ea typeface="+mn-ea"/>
                 <a:cs typeface="+mn-cs"/>
               </a:rPr>
-              <a:t>imread</a:t>
-            </a:r>
-            <a:r>
-              <a:rPr lang="en-US" sz="1200" b="0" kern="1200" dirty="0">
+              <a:t>timestamp=</a:t>
+            </a:r>
+            <a:r>
+              <a:rPr lang="en-US" sz="1200" b="0" kern="1200" dirty="0" err="1">
                 <a:solidFill>
                   <a:schemeClr val="tx1"/>
                 </a:solidFill>
@@ -721,10 +688,10 @@
                 <a:ea typeface="+mn-ea"/>
                 <a:cs typeface="+mn-cs"/>
               </a:rPr>
-              <a:t> # you could also use `</a:t>
-            </a:r>
-            <a:r>
-              <a:rPr lang="en-US" sz="1200" b="0" kern="1200" dirty="0" err="1">
+              <a:t>pd.date_range</a:t>
+            </a:r>
+            <a:r>
+              <a:rPr lang="en-US" sz="1200" b="0" kern="1200" dirty="0">
                 <a:solidFill>
                   <a:schemeClr val="tx1"/>
                 </a:solidFill>
@@ -733,8 +700,10 @@
                 <a:ea typeface="+mn-ea"/>
                 <a:cs typeface="+mn-cs"/>
               </a:rPr>
-              <a:t>imageio.imread</a:t>
-            </a:r>
+              <a:t>("2020-02-01","2020-02-25",freq="d")</a:t>
+            </a:r>
+          </a:p>
+          <a:p>
             <a:r>
               <a:rPr lang="en-US" sz="1200" b="0" kern="1200" dirty="0">
                 <a:solidFill>
@@ -745,35 +714,7 @@
                 <a:ea typeface="+mn-ea"/>
                 <a:cs typeface="+mn-cs"/>
               </a:rPr>
-              <a:t>()`</a:t>
-            </a:r>
-            <a:endParaRPr lang="en-US" dirty="0"/>
-          </a:p>
-          <a:p>
-            <a:pPr marL="0" marR="0" lvl="0" indent="0" algn="l" defTabSz="914400" rtl="0" eaLnBrk="1" fontAlgn="auto" latinLnBrk="0" hangingPunct="1">
-              <a:lnSpc>
-                <a:spcPct val="100000"/>
-              </a:lnSpc>
-              <a:spcBef>
-                <a:spcPts val="0"/>
-              </a:spcBef>
-              <a:spcAft>
-                <a:spcPts val="0"/>
-              </a:spcAft>
-              <a:buClrTx/>
-              <a:buSzTx/>
-              <a:buFontTx/>
-              <a:buNone/>
-              <a:tabLst/>
-              <a:defRPr/>
-            </a:pPr>
-            <a:r>
-              <a:rPr lang="en-US" dirty="0"/>
-              <a:t>     Draw Mario in this picture in </a:t>
-            </a:r>
-            <a:r>
-              <a:rPr lang="en-US" dirty="0" err="1"/>
-              <a:t>matplotlib.pyplot.</a:t>
+              <a:t>n=</a:t>
             </a:r>
             <a:r>
               <a:rPr lang="en-US" sz="1200" b="0" kern="1200" dirty="0" err="1">
@@ -785,7 +726,7 @@
                 <a:ea typeface="+mn-ea"/>
                 <a:cs typeface="+mn-cs"/>
               </a:rPr>
-              <a:t>imshow</a:t>
+              <a:t>len</a:t>
             </a:r>
             <a:r>
               <a:rPr lang="en-US" sz="1200" b="0" kern="1200" dirty="0">
@@ -797,8 +738,375 @@
                 <a:ea typeface="+mn-ea"/>
                 <a:cs typeface="+mn-cs"/>
               </a:rPr>
+              <a:t>(timestamp)</a:t>
+            </a:r>
+          </a:p>
+          <a:p>
+            <a:r>
+              <a:rPr lang="en-US" sz="1200" b="0" kern="1200" dirty="0">
+                <a:solidFill>
+                  <a:schemeClr val="tx1"/>
+                </a:solidFill>
+                <a:effectLst/>
+                <a:latin typeface="+mn-lt"/>
+                <a:ea typeface="+mn-ea"/>
+                <a:cs typeface="+mn-cs"/>
+              </a:rPr>
+              <a:t>x=</a:t>
+            </a:r>
+            <a:r>
+              <a:rPr lang="en-US" sz="1200" b="0" kern="1200" dirty="0" err="1">
+                <a:solidFill>
+                  <a:schemeClr val="tx1"/>
+                </a:solidFill>
+                <a:effectLst/>
+                <a:latin typeface="+mn-lt"/>
+                <a:ea typeface="+mn-ea"/>
+                <a:cs typeface="+mn-cs"/>
+              </a:rPr>
+              <a:t>np.random.randn</a:t>
+            </a:r>
+            <a:r>
+              <a:rPr lang="en-US" sz="1200" b="0" kern="1200" dirty="0">
+                <a:solidFill>
+                  <a:schemeClr val="tx1"/>
+                </a:solidFill>
+                <a:effectLst/>
+                <a:latin typeface="+mn-lt"/>
+                <a:ea typeface="+mn-ea"/>
+                <a:cs typeface="+mn-cs"/>
+              </a:rPr>
+              <a:t>(n)</a:t>
+            </a:r>
+          </a:p>
+          <a:p>
+            <a:r>
+              <a:rPr lang="en-US" sz="1200" b="0" kern="1200" dirty="0">
+                <a:solidFill>
+                  <a:schemeClr val="tx1"/>
+                </a:solidFill>
+                <a:effectLst/>
+                <a:latin typeface="+mn-lt"/>
+                <a:ea typeface="+mn-ea"/>
+                <a:cs typeface="+mn-cs"/>
+              </a:rPr>
+              <a:t>y=</a:t>
+            </a:r>
+            <a:r>
+              <a:rPr lang="en-US" sz="1200" b="0" kern="1200" dirty="0" err="1">
+                <a:solidFill>
+                  <a:schemeClr val="tx1"/>
+                </a:solidFill>
+                <a:effectLst/>
+                <a:latin typeface="+mn-lt"/>
+                <a:ea typeface="+mn-ea"/>
+                <a:cs typeface="+mn-cs"/>
+              </a:rPr>
+              <a:t>np.random.randn</a:t>
+            </a:r>
+            <a:r>
+              <a:rPr lang="en-US" sz="1200" b="0" kern="1200" dirty="0">
+                <a:solidFill>
+                  <a:schemeClr val="tx1"/>
+                </a:solidFill>
+                <a:effectLst/>
+                <a:latin typeface="+mn-lt"/>
+                <a:ea typeface="+mn-ea"/>
+                <a:cs typeface="+mn-cs"/>
+              </a:rPr>
+              <a:t>(n)</a:t>
+            </a:r>
+          </a:p>
+          <a:p>
+            <a:r>
+              <a:rPr lang="en-US" sz="1200" b="0" kern="1200" dirty="0">
+                <a:solidFill>
+                  <a:schemeClr val="tx1"/>
+                </a:solidFill>
+                <a:effectLst/>
+                <a:latin typeface="+mn-lt"/>
+                <a:ea typeface="+mn-ea"/>
+                <a:cs typeface="+mn-cs"/>
+              </a:rPr>
+              <a:t>a = </a:t>
+            </a:r>
+            <a:r>
+              <a:rPr lang="en-US" sz="1200" b="0" kern="1200" dirty="0" err="1">
+                <a:solidFill>
+                  <a:schemeClr val="tx1"/>
+                </a:solidFill>
+                <a:effectLst/>
+                <a:latin typeface="+mn-lt"/>
+                <a:ea typeface="+mn-ea"/>
+                <a:cs typeface="+mn-cs"/>
+              </a:rPr>
+              <a:t>np.random.choice</a:t>
+            </a:r>
+            <a:r>
+              <a:rPr lang="en-US" sz="1200" b="0" kern="1200" dirty="0">
+                <a:solidFill>
+                  <a:schemeClr val="tx1"/>
+                </a:solidFill>
+                <a:effectLst/>
+                <a:latin typeface="+mn-lt"/>
+                <a:ea typeface="+mn-ea"/>
+                <a:cs typeface="+mn-cs"/>
+              </a:rPr>
+              <a:t>(['N', 'Y'],size=n)</a:t>
+            </a:r>
+          </a:p>
+          <a:p>
+            <a:r>
+              <a:rPr lang="en-US" sz="1200" b="0" kern="1200" dirty="0">
+                <a:solidFill>
+                  <a:schemeClr val="tx1"/>
+                </a:solidFill>
+                <a:effectLst/>
+                <a:latin typeface="+mn-lt"/>
+                <a:ea typeface="+mn-ea"/>
+                <a:cs typeface="+mn-cs"/>
+              </a:rPr>
+              <a:t>df=</a:t>
+            </a:r>
+            <a:r>
+              <a:rPr lang="en-US" sz="1200" b="0" kern="1200" dirty="0" err="1">
+                <a:solidFill>
+                  <a:schemeClr val="tx1"/>
+                </a:solidFill>
+                <a:effectLst/>
+                <a:latin typeface="+mn-lt"/>
+                <a:ea typeface="+mn-ea"/>
+                <a:cs typeface="+mn-cs"/>
+              </a:rPr>
+              <a:t>pd.DataFrame</a:t>
+            </a:r>
+            <a:r>
+              <a:rPr lang="en-US" sz="1200" b="0" kern="1200" dirty="0">
+                <a:solidFill>
+                  <a:schemeClr val="tx1"/>
+                </a:solidFill>
+                <a:effectLst/>
+                <a:latin typeface="+mn-lt"/>
+                <a:ea typeface="+mn-ea"/>
+                <a:cs typeface="+mn-cs"/>
+              </a:rPr>
+              <a:t>(data={'</a:t>
+            </a:r>
+            <a:r>
+              <a:rPr lang="en-US" sz="1200" b="0" kern="1200" dirty="0" err="1">
+                <a:solidFill>
+                  <a:schemeClr val="tx1"/>
+                </a:solidFill>
+                <a:effectLst/>
+                <a:latin typeface="+mn-lt"/>
+                <a:ea typeface="+mn-ea"/>
+                <a:cs typeface="+mn-cs"/>
+              </a:rPr>
+              <a:t>x':x,'y':y,'a':a</a:t>
+            </a:r>
+            <a:r>
+              <a:rPr lang="en-US" sz="1200" b="0" kern="1200" dirty="0">
+                <a:solidFill>
+                  <a:schemeClr val="tx1"/>
+                </a:solidFill>
+                <a:effectLst/>
+                <a:latin typeface="+mn-lt"/>
+                <a:ea typeface="+mn-ea"/>
+                <a:cs typeface="+mn-cs"/>
+              </a:rPr>
+              <a:t>},index=timestamp)</a:t>
+            </a:r>
+          </a:p>
+          <a:p>
+            <a:r>
+              <a:rPr lang="en-US" sz="1200" b="0" kern="1200" dirty="0">
+                <a:solidFill>
+                  <a:schemeClr val="tx1"/>
+                </a:solidFill>
+                <a:effectLst/>
+                <a:latin typeface="+mn-lt"/>
+                <a:ea typeface="+mn-ea"/>
+                <a:cs typeface="+mn-cs"/>
+              </a:rPr>
+              <a:t>df['y'].plot(kind='hist')</a:t>
+            </a:r>
+          </a:p>
+          <a:p>
+            <a:r>
+              <a:rPr lang="en-US" sz="1200" b="0" kern="1200" dirty="0" err="1">
+                <a:solidFill>
+                  <a:schemeClr val="tx1"/>
+                </a:solidFill>
+                <a:effectLst/>
+                <a:latin typeface="+mn-lt"/>
+                <a:ea typeface="+mn-ea"/>
+                <a:cs typeface="+mn-cs"/>
+              </a:rPr>
+              <a:t>plt.show</a:t>
+            </a:r>
+            <a:r>
+              <a:rPr lang="en-US" sz="1200" b="0" kern="1200" dirty="0">
+                <a:solidFill>
+                  <a:schemeClr val="tx1"/>
+                </a:solidFill>
+                <a:effectLst/>
+                <a:latin typeface="+mn-lt"/>
+                <a:ea typeface="+mn-ea"/>
+                <a:cs typeface="+mn-cs"/>
+              </a:rPr>
               <a:t>()</a:t>
             </a:r>
+          </a:p>
+          <a:p>
+            <a:r>
+              <a:rPr lang="en-US" sz="1200" b="0" kern="1200" dirty="0">
+                <a:solidFill>
+                  <a:schemeClr val="tx1"/>
+                </a:solidFill>
+                <a:effectLst/>
+                <a:latin typeface="+mn-lt"/>
+                <a:ea typeface="+mn-ea"/>
+                <a:cs typeface="+mn-cs"/>
+              </a:rPr>
+              <a:t>df['y'].plot()</a:t>
+            </a:r>
+          </a:p>
+          <a:p>
+            <a:r>
+              <a:rPr lang="en-US" sz="1200" b="0" kern="1200" dirty="0" err="1">
+                <a:solidFill>
+                  <a:schemeClr val="tx1"/>
+                </a:solidFill>
+                <a:effectLst/>
+                <a:latin typeface="+mn-lt"/>
+                <a:ea typeface="+mn-ea"/>
+                <a:cs typeface="+mn-cs"/>
+              </a:rPr>
+              <a:t>plt.show</a:t>
+            </a:r>
+            <a:r>
+              <a:rPr lang="en-US" sz="1200" b="0" kern="1200" dirty="0">
+                <a:solidFill>
+                  <a:schemeClr val="tx1"/>
+                </a:solidFill>
+                <a:effectLst/>
+                <a:latin typeface="+mn-lt"/>
+                <a:ea typeface="+mn-ea"/>
+                <a:cs typeface="+mn-cs"/>
+              </a:rPr>
+              <a:t>()</a:t>
+            </a:r>
+          </a:p>
+          <a:p>
+            <a:r>
+              <a:rPr lang="en-US" sz="1200" b="0" kern="1200" dirty="0" err="1">
+                <a:solidFill>
+                  <a:schemeClr val="tx1"/>
+                </a:solidFill>
+                <a:effectLst/>
+                <a:latin typeface="+mn-lt"/>
+                <a:ea typeface="+mn-ea"/>
+                <a:cs typeface="+mn-cs"/>
+              </a:rPr>
+              <a:t>df.plot</a:t>
+            </a:r>
+            <a:r>
+              <a:rPr lang="en-US" sz="1200" b="0" kern="1200" dirty="0">
+                <a:solidFill>
+                  <a:schemeClr val="tx1"/>
+                </a:solidFill>
+                <a:effectLst/>
+                <a:latin typeface="+mn-lt"/>
+                <a:ea typeface="+mn-ea"/>
+                <a:cs typeface="+mn-cs"/>
+              </a:rPr>
+              <a:t>(x='</a:t>
+            </a:r>
+            <a:r>
+              <a:rPr lang="en-US" sz="1200" b="0" kern="1200" dirty="0" err="1">
+                <a:solidFill>
+                  <a:schemeClr val="tx1"/>
+                </a:solidFill>
+                <a:effectLst/>
+                <a:latin typeface="+mn-lt"/>
+                <a:ea typeface="+mn-ea"/>
+                <a:cs typeface="+mn-cs"/>
+              </a:rPr>
+              <a:t>x',y</a:t>
+            </a:r>
+            <a:r>
+              <a:rPr lang="en-US" sz="1200" b="0" kern="1200" dirty="0">
+                <a:solidFill>
+                  <a:schemeClr val="tx1"/>
+                </a:solidFill>
+                <a:effectLst/>
+                <a:latin typeface="+mn-lt"/>
+                <a:ea typeface="+mn-ea"/>
+                <a:cs typeface="+mn-cs"/>
+              </a:rPr>
+              <a:t>='</a:t>
+            </a:r>
+            <a:r>
+              <a:rPr lang="en-US" sz="1200" b="0" kern="1200" dirty="0" err="1">
+                <a:solidFill>
+                  <a:schemeClr val="tx1"/>
+                </a:solidFill>
+                <a:effectLst/>
+                <a:latin typeface="+mn-lt"/>
+                <a:ea typeface="+mn-ea"/>
+                <a:cs typeface="+mn-cs"/>
+              </a:rPr>
+              <a:t>y',kind</a:t>
+            </a:r>
+            <a:r>
+              <a:rPr lang="en-US" sz="1200" b="0" kern="1200" dirty="0">
+                <a:solidFill>
+                  <a:schemeClr val="tx1"/>
+                </a:solidFill>
+                <a:effectLst/>
+                <a:latin typeface="+mn-lt"/>
+                <a:ea typeface="+mn-ea"/>
+                <a:cs typeface="+mn-cs"/>
+              </a:rPr>
+              <a:t>='scatter')</a:t>
+            </a:r>
+          </a:p>
+          <a:p>
+            <a:r>
+              <a:rPr lang="en-US" sz="1200" b="0" kern="1200" dirty="0" err="1">
+                <a:solidFill>
+                  <a:schemeClr val="tx1"/>
+                </a:solidFill>
+                <a:effectLst/>
+                <a:latin typeface="+mn-lt"/>
+                <a:ea typeface="+mn-ea"/>
+                <a:cs typeface="+mn-cs"/>
+              </a:rPr>
+              <a:t>plt.show</a:t>
+            </a:r>
+            <a:r>
+              <a:rPr lang="en-US" sz="1200" b="0" kern="1200" dirty="0">
+                <a:solidFill>
+                  <a:schemeClr val="tx1"/>
+                </a:solidFill>
+                <a:effectLst/>
+                <a:latin typeface="+mn-lt"/>
+                <a:ea typeface="+mn-ea"/>
+                <a:cs typeface="+mn-cs"/>
+              </a:rPr>
+              <a:t>()</a:t>
+            </a:r>
+          </a:p>
+          <a:p>
+            <a:endParaRPr lang="en-US" sz="1200" b="0" kern="1200" dirty="0">
+              <a:solidFill>
+                <a:schemeClr val="tx1"/>
+              </a:solidFill>
+              <a:effectLst/>
+              <a:latin typeface="+mn-lt"/>
+              <a:ea typeface="+mn-ea"/>
+              <a:cs typeface="+mn-cs"/>
+            </a:endParaRPr>
           </a:p>
         </p:txBody>
       </p:sp>
@@ -819,7 +1127,7 @@
           <a:p>
             <a:fld id="{7677C2CC-2023-45DB-8917-C16B4F38B900}" type="slidenum">
               <a:rPr lang="en-US" smtClean="0"/>
-              <a:t>17</a:t>
+              <a:t>16</a:t>
             </a:fld>
             <a:endParaRPr lang="en-US"/>
           </a:p>
@@ -828,7 +1136,7 @@
     </p:spTree>
     <p:extLst>
       <p:ext uri="{BB962C8B-B14F-4D97-AF65-F5344CB8AC3E}">
-        <p14:creationId xmlns:p14="http://schemas.microsoft.com/office/powerpoint/2010/main" val="411609990"/>
+        <p14:creationId xmlns:p14="http://schemas.microsoft.com/office/powerpoint/2010/main" val="3683862253"/>
       </p:ext>
     </p:extLst>
   </p:cSld>
@@ -900,58 +1208,8 @@
               <a:defRPr/>
             </a:pPr>
             <a:r>
-              <a:rPr lang="en-US" sz="1200" dirty="0" err="1">
-                <a:solidFill>
-                  <a:srgbClr val="D4D4D4"/>
-                </a:solidFill>
-                <a:latin typeface="Consolas" panose="020B0609020204030204" pitchFamily="49" charset="0"/>
-              </a:rPr>
-              <a:t>x.loc</a:t>
-            </a:r>
-            <a:r>
-              <a:rPr lang="en-US" sz="1200" dirty="0">
-                <a:solidFill>
-                  <a:srgbClr val="D4D4D4"/>
-                </a:solidFill>
-                <a:latin typeface="Consolas" panose="020B0609020204030204" pitchFamily="49" charset="0"/>
-              </a:rPr>
-              <a:t>[</a:t>
-            </a:r>
-            <a:r>
-              <a:rPr lang="en-US" sz="1200" dirty="0">
-                <a:solidFill>
-                  <a:srgbClr val="B5CEA8"/>
-                </a:solidFill>
-                <a:latin typeface="Consolas" panose="020B0609020204030204" pitchFamily="49" charset="0"/>
-              </a:rPr>
-              <a:t>1</a:t>
-            </a:r>
-            <a:r>
-              <a:rPr lang="en-US" sz="1200" dirty="0">
-                <a:solidFill>
-                  <a:srgbClr val="D4D4D4"/>
-                </a:solidFill>
-                <a:latin typeface="Consolas" panose="020B0609020204030204" pitchFamily="49" charset="0"/>
-              </a:rPr>
-              <a:t>,] should be an error since 1 is not an element in the </a:t>
-            </a:r>
-            <a:r>
-              <a:rPr lang="en-US" sz="1200" dirty="0" err="1">
-                <a:solidFill>
-                  <a:srgbClr val="D4D4D4"/>
-                </a:solidFill>
-                <a:latin typeface="Consolas" panose="020B0609020204030204" pitchFamily="49" charset="0"/>
-              </a:rPr>
-              <a:t>DataFrame</a:t>
-            </a:r>
-            <a:r>
-              <a:rPr lang="en-US" sz="1200" dirty="0">
-                <a:solidFill>
-                  <a:srgbClr val="D4D4D4"/>
-                </a:solidFill>
-                <a:latin typeface="Consolas" panose="020B0609020204030204" pitchFamily="49" charset="0"/>
-              </a:rPr>
-              <a:t> index</a:t>
+              <a:rPr lang="en-US" dirty="0"/>
+              <a:t>Practice</a:t>
             </a:r>
           </a:p>
           <a:p>
@@ -973,23 +1231,90 @@
               <a:defRPr/>
             </a:pPr>
             <a:r>
-              <a:rPr lang="en-US" sz="1200" dirty="0" err="1">
-                <a:solidFill>
-                  <a:srgbClr val="D4D4D4"/>
-                </a:solidFill>
-                <a:latin typeface="Consolas" panose="020B0609020204030204" pitchFamily="49" charset="0"/>
-              </a:rPr>
-              <a:t>x.iloc</a:t>
-            </a:r>
-            <a:r>
-              <a:rPr lang="en-US" sz="1200" dirty="0">
-                <a:solidFill>
-                  <a:srgbClr val="D4D4D4"/>
-                </a:solidFill>
-                <a:latin typeface="Consolas" panose="020B0609020204030204" pitchFamily="49" charset="0"/>
-              </a:rPr>
-              <a:t>[-1,:]</a:t>
-            </a:r>
+              <a:rPr lang="en-US" sz="1200" b="0" kern="1200" dirty="0">
+                <a:solidFill>
+                  <a:schemeClr val="tx1"/>
+                </a:solidFill>
+                <a:effectLst/>
+                <a:latin typeface="+mn-lt"/>
+                <a:ea typeface="+mn-ea"/>
+                <a:cs typeface="+mn-cs"/>
+              </a:rPr>
+              <a:t>     from </a:t>
+            </a:r>
+            <a:r>
+              <a:rPr lang="en-US" sz="1200" b="0" kern="1200" dirty="0" err="1">
+                <a:solidFill>
+                  <a:schemeClr val="tx1"/>
+                </a:solidFill>
+                <a:effectLst/>
+                <a:latin typeface="+mn-lt"/>
+                <a:ea typeface="+mn-ea"/>
+                <a:cs typeface="+mn-cs"/>
+              </a:rPr>
+              <a:t>matplotlib.image</a:t>
+            </a:r>
+            <a:r>
+              <a:rPr lang="en-US" sz="1200" b="0" kern="1200" dirty="0">
+                <a:solidFill>
+                  <a:schemeClr val="tx1"/>
+                </a:solidFill>
+                <a:effectLst/>
+                <a:latin typeface="+mn-lt"/>
+                <a:ea typeface="+mn-ea"/>
+                <a:cs typeface="+mn-cs"/>
+              </a:rPr>
+              <a:t> import </a:t>
+            </a:r>
+            <a:r>
+              <a:rPr lang="en-US" sz="1200" b="0" kern="1200" dirty="0" err="1">
+                <a:solidFill>
+                  <a:schemeClr val="tx1"/>
+                </a:solidFill>
+                <a:effectLst/>
+                <a:latin typeface="+mn-lt"/>
+                <a:ea typeface="+mn-ea"/>
+                <a:cs typeface="+mn-cs"/>
+              </a:rPr>
+              <a:t>imread</a:t>
+            </a:r>
+            <a:r>
+              <a:rPr lang="en-US" sz="1200" b="0" kern="1200" dirty="0">
+                <a:solidFill>
+                  <a:schemeClr val="tx1"/>
+                </a:solidFill>
+                <a:effectLst/>
+                <a:latin typeface="+mn-lt"/>
+                <a:ea typeface="+mn-ea"/>
+                <a:cs typeface="+mn-cs"/>
+              </a:rPr>
+              <a:t> # you could also use `</a:t>
+            </a:r>
+            <a:r>
+              <a:rPr lang="en-US" sz="1200" b="0" kern="1200" dirty="0" err="1">
+                <a:solidFill>
+                  <a:schemeClr val="tx1"/>
+                </a:solidFill>
+                <a:effectLst/>
+                <a:latin typeface="+mn-lt"/>
+                <a:ea typeface="+mn-ea"/>
+                <a:cs typeface="+mn-cs"/>
+              </a:rPr>
+              <a:t>imageio.imread</a:t>
+            </a:r>
+            <a:r>
+              <a:rPr lang="en-US" sz="1200" b="0" kern="1200" dirty="0">
+                <a:solidFill>
+                  <a:schemeClr val="tx1"/>
+                </a:solidFill>
+                <a:effectLst/>
+                <a:latin typeface="+mn-lt"/>
+                <a:ea typeface="+mn-ea"/>
+                <a:cs typeface="+mn-cs"/>
+              </a:rPr>
+              <a:t>()`</a:t>
+            </a:r>
+            <a:endParaRPr lang="en-US" dirty="0"/>
           </a:p>
           <a:p>
             <a:pPr marL="0" marR="0" lvl="0" indent="0" algn="l" defTabSz="914400" rtl="0" eaLnBrk="1" fontAlgn="auto" latinLnBrk="0" hangingPunct="1">
@@ -1009,91 +1334,38 @@
               <a:tabLst/>
               <a:defRPr/>
             </a:pPr>
-            <a:endParaRPr lang="en-US" sz="1200" dirty="0">
-              <a:solidFill>
-                <a:srgbClr val="D4D4D4"/>
-              </a:solidFill>
-              <a:latin typeface="Consolas" panose="020B0609020204030204" pitchFamily="49" charset="0"/>
-            </a:endParaRPr>
-          </a:p>
-          <a:p>
-            <a:pPr marL="0" marR="0" lvl="0" indent="0" algn="l" defTabSz="914400" rtl="0" eaLnBrk="1" fontAlgn="auto" latinLnBrk="0" hangingPunct="1">
-              <a:lnSpc>
-                <a:spcPct val="100000"/>
-              </a:lnSpc>
-              <a:spcBef>
-                <a:spcPts val="0"/>
-              </a:spcBef>
-              <a:spcAft>
-                <a:spcPts val="0"/>
-              </a:spcAft>
-              <a:buClrTx/>
-              <a:buSzTx/>
-              <a:buFontTx/>
-              <a:buNone/>
-              <a:tabLst/>
-              <a:defRPr/>
-            </a:pPr>
-            <a:r>
-              <a:rPr lang="en-US" sz="1200" dirty="0">
-                <a:solidFill>
-                  <a:srgbClr val="D4D4D4"/>
-                </a:solidFill>
-                <a:latin typeface="Consolas" panose="020B0609020204030204" pitchFamily="49" charset="0"/>
-              </a:rPr>
-              <a:t>Activity: Create a </a:t>
-            </a:r>
-            <a:r>
-              <a:rPr lang="en-US" sz="1200" dirty="0" err="1">
-                <a:solidFill>
-                  <a:srgbClr val="D4D4D4"/>
-                </a:solidFill>
-                <a:latin typeface="Consolas" panose="020B0609020204030204" pitchFamily="49" charset="0"/>
-              </a:rPr>
-              <a:t>pd.DataFrame</a:t>
-            </a:r>
-            <a:r>
-              <a:rPr lang="en-US" sz="1200" dirty="0">
-                <a:solidFill>
-                  <a:srgbClr val="D4D4D4"/>
-                </a:solidFill>
-                <a:latin typeface="Consolas" panose="020B0609020204030204" pitchFamily="49" charset="0"/>
-              </a:rPr>
-              <a:t> and slice using the approach </a:t>
-            </a:r>
-            <a:r>
-              <a:rPr lang="en-US" sz="1200" dirty="0" err="1">
-                <a:solidFill>
-                  <a:srgbClr val="D4D4D4"/>
-                </a:solidFill>
-                <a:latin typeface="Consolas" panose="020B0609020204030204" pitchFamily="49" charset="0"/>
-              </a:rPr>
-              <a:t>whe</a:t>
-            </a:r>
-            <a:r>
-              <a:rPr lang="en-US" sz="1200" dirty="0">
-                <a:solidFill>
-                  <a:srgbClr val="D4D4D4"/>
-                </a:solidFill>
-                <a:latin typeface="Consolas" panose="020B0609020204030204" pitchFamily="49" charset="0"/>
-              </a:rPr>
-              <a:t> </a:t>
-            </a:r>
-            <a:r>
-              <a:rPr lang="en-US" sz="1200">
-                <a:solidFill>
-                  <a:srgbClr val="D4D4D4"/>
-                </a:solidFill>
-                <a:latin typeface="Consolas" panose="020B0609020204030204" pitchFamily="49" charset="0"/>
-              </a:rPr>
-              <a:t>slicing text strings</a:t>
-            </a:r>
-            <a:endParaRPr lang="en-US" sz="1200" dirty="0">
-              <a:solidFill>
-                <a:srgbClr val="D4D4D4"/>
-              </a:solidFill>
-              <a:latin typeface="Consolas" panose="020B0609020204030204" pitchFamily="49" charset="0"/>
-            </a:endParaRPr>
+            <a:r>
+              <a:rPr lang="en-US" dirty="0"/>
+              <a:t>     Draw Mario in this picture in </a:t>
+            </a:r>
+            <a:r>
+              <a:rPr lang="en-US" dirty="0" err="1"/>
+              <a:t>matplotlib.pyplot.</a:t>
+            </a:r>
+            <a:r>
+              <a:rPr lang="en-US" sz="1200" b="0" kern="1200" dirty="0" err="1">
+                <a:solidFill>
+                  <a:schemeClr val="tx1"/>
+                </a:solidFill>
+                <a:effectLst/>
+                <a:latin typeface="+mn-lt"/>
+                <a:ea typeface="+mn-ea"/>
+                <a:cs typeface="+mn-cs"/>
+              </a:rPr>
+              <a:t>imshow</a:t>
+            </a:r>
+            <a:r>
+              <a:rPr lang="en-US" sz="1200" b="0" kern="1200" dirty="0">
+                <a:solidFill>
+                  <a:schemeClr val="tx1"/>
+                </a:solidFill>
+                <a:effectLst/>
+                <a:latin typeface="+mn-lt"/>
+                <a:ea typeface="+mn-ea"/>
+                <a:cs typeface="+mn-cs"/>
+              </a:rPr>
+              <a:t>()</a:t>
+            </a:r>
           </a:p>
         </p:txBody>
       </p:sp>
@@ -1114,7 +1386,7 @@
           <a:p>
             <a:fld id="{7677C2CC-2023-45DB-8917-C16B4F38B900}" type="slidenum">
               <a:rPr lang="en-US" smtClean="0"/>
-              <a:t>18</a:t>
+              <a:t>17</a:t>
             </a:fld>
             <a:endParaRPr lang="en-US"/>
           </a:p>
@@ -1123,7 +1395,7 @@
     </p:spTree>
     <p:extLst>
       <p:ext uri="{BB962C8B-B14F-4D97-AF65-F5344CB8AC3E}">
-        <p14:creationId xmlns:p14="http://schemas.microsoft.com/office/powerpoint/2010/main" val="1252550539"/>
+        <p14:creationId xmlns:p14="http://schemas.microsoft.com/office/powerpoint/2010/main" val="411609990"/>
       </p:ext>
     </p:extLst>
   </p:cSld>
@@ -1177,67 +1449,218 @@
           <a:bodyPr/>
           <a:lstStyle/>
           <a:p>
-            <a:r>
-              <a:rPr lang="en-US" dirty="0">
-                <a:hlinkClick r:id="rId3"/>
-              </a:rPr>
-              <a:t>https://pandas.pydata.org/Pandas_Cheat_Sheet.pdf</a:t>
-            </a:r>
-            <a:endParaRPr lang="en-US" dirty="0"/>
-          </a:p>
-          <a:p>
-            <a:endParaRPr lang="en-US" b="1" dirty="0"/>
-          </a:p>
-          <a:p>
-            <a:r>
-              <a:rPr lang="en-US" b="1" dirty="0"/>
-              <a:t>Method chaining:</a:t>
-            </a:r>
-          </a:p>
-          <a:p>
-            <a:r>
-              <a:rPr lang="en-US" b="1" dirty="0" err="1"/>
-              <a:t>Pd.melt</a:t>
-            </a:r>
-            <a:r>
-              <a:rPr lang="en-US" b="1" dirty="0"/>
-              <a:t>(df).rename().</a:t>
-            </a:r>
-            <a:r>
-              <a:rPr lang="en-US" b="1" dirty="0" err="1"/>
-              <a:t>astype</a:t>
-            </a:r>
-            <a:r>
-              <a:rPr lang="en-US" b="1" dirty="0"/>
-              <a:t>()</a:t>
-            </a:r>
-          </a:p>
-          <a:p>
-            <a:endParaRPr lang="en-US" b="1" dirty="0"/>
-          </a:p>
-          <a:p>
-            <a:r>
-              <a:rPr lang="en-US" b="1" dirty="0"/>
-              <a:t>Show how to see the full documentation using Zeal </a:t>
-            </a:r>
-            <a:r>
-              <a:rPr lang="en-US" b="1" dirty="0" err="1"/>
-              <a:t>VSCode</a:t>
-            </a:r>
-            <a:r>
-              <a:rPr lang="en-US" b="1" dirty="0"/>
-              <a:t> extension, for instance</a:t>
-            </a:r>
-          </a:p>
-          <a:p>
-            <a:r>
-              <a:rPr lang="en-US" b="1" dirty="0" err="1"/>
-              <a:t>pd.melt</a:t>
-            </a:r>
-            <a:r>
-              <a:rPr lang="en-US" b="1" dirty="0"/>
-              <a:t>()</a:t>
-            </a:r>
+            <a:pPr marL="0" marR="0" lvl="0" indent="0" algn="l" defTabSz="914400" rtl="0" eaLnBrk="1" fontAlgn="auto" latinLnBrk="0" hangingPunct="1">
+              <a:lnSpc>
+                <a:spcPct val="100000"/>
+              </a:lnSpc>
+              <a:spcBef>
+                <a:spcPts val="0"/>
+              </a:spcBef>
+              <a:spcAft>
+                <a:spcPts val="0"/>
+              </a:spcAft>
+              <a:buClrTx/>
+              <a:buSzTx/>
+              <a:buFontTx/>
+              <a:buNone/>
+              <a:tabLst/>
+              <a:defRPr/>
+            </a:pPr>
+            <a:r>
+              <a:rPr lang="en-US" sz="1200" dirty="0" err="1">
+                <a:solidFill>
+                  <a:srgbClr val="D4D4D4"/>
+                </a:solidFill>
+                <a:latin typeface="Consolas" panose="020B0609020204030204" pitchFamily="49" charset="0"/>
+              </a:rPr>
+              <a:t>x.loc</a:t>
+            </a:r>
+            <a:r>
+              <a:rPr lang="en-US" sz="1200" dirty="0">
+                <a:solidFill>
+                  <a:srgbClr val="D4D4D4"/>
+                </a:solidFill>
+                <a:latin typeface="Consolas" panose="020B0609020204030204" pitchFamily="49" charset="0"/>
+              </a:rPr>
+              <a:t>[</a:t>
+            </a:r>
+            <a:r>
+              <a:rPr lang="en-US" sz="1200" dirty="0">
+                <a:solidFill>
+                  <a:srgbClr val="B5CEA8"/>
+                </a:solidFill>
+                <a:latin typeface="Consolas" panose="020B0609020204030204" pitchFamily="49" charset="0"/>
+              </a:rPr>
+              <a:t>1</a:t>
+            </a:r>
+            <a:r>
+              <a:rPr lang="en-US" sz="1200" dirty="0">
+                <a:solidFill>
+                  <a:srgbClr val="D4D4D4"/>
+                </a:solidFill>
+                <a:latin typeface="Consolas" panose="020B0609020204030204" pitchFamily="49" charset="0"/>
+              </a:rPr>
+              <a:t>,] should be an error since 1 is not an element in the </a:t>
+            </a:r>
+            <a:r>
+              <a:rPr lang="en-US" sz="1200" dirty="0" err="1">
+                <a:solidFill>
+                  <a:srgbClr val="D4D4D4"/>
+                </a:solidFill>
+                <a:latin typeface="Consolas" panose="020B0609020204030204" pitchFamily="49" charset="0"/>
+              </a:rPr>
+              <a:t>DataFrame</a:t>
+            </a:r>
+            <a:r>
+              <a:rPr lang="en-US" sz="1200" dirty="0">
+                <a:solidFill>
+                  <a:srgbClr val="D4D4D4"/>
+                </a:solidFill>
+                <a:latin typeface="Consolas" panose="020B0609020204030204" pitchFamily="49" charset="0"/>
+              </a:rPr>
+              <a:t> index</a:t>
+            </a:r>
+          </a:p>
+          <a:p>
+            <a:pPr marL="0" marR="0" lvl="0" indent="0" algn="l" defTabSz="914400" rtl="0" eaLnBrk="1" fontAlgn="auto" latinLnBrk="0" hangingPunct="1">
+              <a:lnSpc>
+                <a:spcPct val="100000"/>
+              </a:lnSpc>
+              <a:spcBef>
+                <a:spcPts val="0"/>
+              </a:spcBef>
+              <a:spcAft>
+                <a:spcPts val="0"/>
+              </a:spcAft>
+              <a:buClrTx/>
+              <a:buSzTx/>
+              <a:buFontTx/>
+              <a:buNone/>
+              <a:tabLst/>
+              <a:defRPr/>
+            </a:pPr>
+            <a:r>
+              <a:rPr lang="en-US" sz="1200" dirty="0" err="1">
+                <a:solidFill>
+                  <a:srgbClr val="D4D4D4"/>
+                </a:solidFill>
+                <a:latin typeface="Consolas" panose="020B0609020204030204" pitchFamily="49" charset="0"/>
+              </a:rPr>
+              <a:t>x.iloc</a:t>
+            </a:r>
+            <a:r>
+              <a:rPr lang="en-US" sz="1200" dirty="0">
+                <a:solidFill>
+                  <a:srgbClr val="D4D4D4"/>
+                </a:solidFill>
+                <a:latin typeface="Consolas" panose="020B0609020204030204" pitchFamily="49" charset="0"/>
+              </a:rPr>
+              <a:t>[-1,:]</a:t>
+            </a:r>
+          </a:p>
+          <a:p>
+            <a:pPr marL="0" marR="0" lvl="0" indent="0" algn="l" defTabSz="914400" rtl="0" eaLnBrk="1" fontAlgn="auto" latinLnBrk="0" hangingPunct="1">
+              <a:lnSpc>
+                <a:spcPct val="100000"/>
+              </a:lnSpc>
+              <a:spcBef>
+                <a:spcPts val="0"/>
+              </a:spcBef>
+              <a:spcAft>
+                <a:spcPts val="0"/>
+              </a:spcAft>
+              <a:buClrTx/>
+              <a:buSzTx/>
+              <a:buFontTx/>
+              <a:buNone/>
+              <a:tabLst/>
+              <a:defRPr/>
+            </a:pPr>
+            <a:endParaRPr lang="en-US" sz="1200" dirty="0">
+              <a:solidFill>
+                <a:srgbClr val="D4D4D4"/>
+              </a:solidFill>
+              <a:latin typeface="Consolas" panose="020B0609020204030204" pitchFamily="49" charset="0"/>
+            </a:endParaRPr>
+          </a:p>
+          <a:p>
+            <a:pPr marL="0" marR="0" lvl="0" indent="0" algn="l" defTabSz="914400" rtl="0" eaLnBrk="1" fontAlgn="auto" latinLnBrk="0" hangingPunct="1">
+              <a:lnSpc>
+                <a:spcPct val="100000"/>
+              </a:lnSpc>
+              <a:spcBef>
+                <a:spcPts val="0"/>
+              </a:spcBef>
+              <a:spcAft>
+                <a:spcPts val="0"/>
+              </a:spcAft>
+              <a:buClrTx/>
+              <a:buSzTx/>
+              <a:buFontTx/>
+              <a:buNone/>
+              <a:tabLst/>
+              <a:defRPr/>
+            </a:pPr>
+            <a:r>
+              <a:rPr lang="en-US" sz="1200" dirty="0">
+                <a:solidFill>
+                  <a:srgbClr val="D4D4D4"/>
+                </a:solidFill>
+                <a:latin typeface="Consolas" panose="020B0609020204030204" pitchFamily="49" charset="0"/>
+              </a:rPr>
+              <a:t>Activity: Create a </a:t>
+            </a:r>
+            <a:r>
+              <a:rPr lang="en-US" sz="1200" dirty="0" err="1">
+                <a:solidFill>
+                  <a:srgbClr val="D4D4D4"/>
+                </a:solidFill>
+                <a:latin typeface="Consolas" panose="020B0609020204030204" pitchFamily="49" charset="0"/>
+              </a:rPr>
+              <a:t>pd.DataFrame</a:t>
+            </a:r>
+            <a:r>
+              <a:rPr lang="en-US" sz="1200" dirty="0">
+                <a:solidFill>
+                  <a:srgbClr val="D4D4D4"/>
+                </a:solidFill>
+                <a:latin typeface="Consolas" panose="020B0609020204030204" pitchFamily="49" charset="0"/>
+              </a:rPr>
+              <a:t> and slice using the approach </a:t>
+            </a:r>
+            <a:r>
+              <a:rPr lang="en-US" sz="1200" dirty="0" err="1">
+                <a:solidFill>
+                  <a:srgbClr val="D4D4D4"/>
+                </a:solidFill>
+                <a:latin typeface="Consolas" panose="020B0609020204030204" pitchFamily="49" charset="0"/>
+              </a:rPr>
+              <a:t>whe</a:t>
+            </a:r>
+            <a:r>
+              <a:rPr lang="en-US" sz="1200" dirty="0">
+                <a:solidFill>
+                  <a:srgbClr val="D4D4D4"/>
+                </a:solidFill>
+                <a:latin typeface="Consolas" panose="020B0609020204030204" pitchFamily="49" charset="0"/>
+              </a:rPr>
+              <a:t> </a:t>
+            </a:r>
+            <a:r>
+              <a:rPr lang="en-US" sz="1200">
+                <a:solidFill>
+                  <a:srgbClr val="D4D4D4"/>
+                </a:solidFill>
+                <a:latin typeface="Consolas" panose="020B0609020204030204" pitchFamily="49" charset="0"/>
+              </a:rPr>
+              <a:t>slicing text strings</a:t>
+            </a:r>
+            <a:endParaRPr lang="en-US" sz="1200" dirty="0">
+              <a:solidFill>
+                <a:srgbClr val="D4D4D4"/>
+              </a:solidFill>
+              <a:latin typeface="Consolas" panose="020B0609020204030204" pitchFamily="49" charset="0"/>
+            </a:endParaRPr>
           </a:p>
         </p:txBody>
       </p:sp>
@@ -1258,7 +1681,7 @@
           <a:p>
             <a:fld id="{7677C2CC-2023-45DB-8917-C16B4F38B900}" type="slidenum">
               <a:rPr lang="en-US" smtClean="0"/>
-              <a:t>19</a:t>
+              <a:t>18</a:t>
             </a:fld>
             <a:endParaRPr lang="en-US"/>
           </a:p>
@@ -1267,7 +1690,7 @@
     </p:spTree>
     <p:extLst>
       <p:ext uri="{BB962C8B-B14F-4D97-AF65-F5344CB8AC3E}">
-        <p14:creationId xmlns:p14="http://schemas.microsoft.com/office/powerpoint/2010/main" val="2064722079"/>
+        <p14:creationId xmlns:p14="http://schemas.microsoft.com/office/powerpoint/2010/main" val="1252550539"/>
       </p:ext>
     </p:extLst>
   </p:cSld>
@@ -1325,9 +1748,63 @@
               <a:rPr lang="en-US" dirty="0">
                 <a:hlinkClick r:id="rId3"/>
               </a:rPr>
-              <a:t>https://pbpython.com/pandas_dtypes.html</a:t>
+              <a:t>https://pandas.pydata.org/Pandas_Cheat_Sheet.pdf</a:t>
             </a:r>
             <a:endParaRPr lang="en-US" dirty="0"/>
+          </a:p>
+          <a:p>
+            <a:endParaRPr lang="en-US" b="1" dirty="0"/>
+          </a:p>
+          <a:p>
+            <a:r>
+              <a:rPr lang="en-US" b="1" dirty="0"/>
+              <a:t>Method chaining:</a:t>
+            </a:r>
+          </a:p>
+          <a:p>
+            <a:r>
+              <a:rPr lang="en-US" b="1" dirty="0" err="1"/>
+              <a:t>Pd.melt</a:t>
+            </a:r>
+            <a:r>
+              <a:rPr lang="en-US" b="1" dirty="0"/>
+              <a:t>(df).rename().</a:t>
+            </a:r>
+            <a:r>
+              <a:rPr lang="en-US" b="1" dirty="0" err="1"/>
+              <a:t>astype</a:t>
+            </a:r>
+            <a:r>
+              <a:rPr lang="en-US" b="1" dirty="0"/>
+              <a:t>()</a:t>
+            </a:r>
+          </a:p>
+          <a:p>
+            <a:endParaRPr lang="en-US" b="1" dirty="0"/>
+          </a:p>
+          <a:p>
+            <a:r>
+              <a:rPr lang="en-US" b="1" dirty="0"/>
+              <a:t>Show how to see the full documentation using Zeal </a:t>
+            </a:r>
+            <a:r>
+              <a:rPr lang="en-US" b="1" dirty="0" err="1"/>
+              <a:t>VSCode</a:t>
+            </a:r>
+            <a:r>
+              <a:rPr lang="en-US" b="1" dirty="0"/>
+              <a:t> extension, for instance</a:t>
+            </a:r>
+          </a:p>
+          <a:p>
+            <a:r>
+              <a:rPr lang="en-US" b="1" dirty="0" err="1"/>
+              <a:t>pd.melt</a:t>
+            </a:r>
+            <a:r>
+              <a:rPr lang="en-US" b="1" dirty="0"/>
+              <a:t>()</a:t>
+            </a:r>
           </a:p>
         </p:txBody>
       </p:sp>
@@ -1348,7 +1825,7 @@
           <a:p>
             <a:fld id="{7677C2CC-2023-45DB-8917-C16B4F38B900}" type="slidenum">
               <a:rPr lang="en-US" smtClean="0"/>
-              <a:t>20</a:t>
+              <a:t>19</a:t>
             </a:fld>
             <a:endParaRPr lang="en-US"/>
           </a:p>
@@ -1357,7 +1834,7 @@
     </p:spTree>
     <p:extLst>
       <p:ext uri="{BB962C8B-B14F-4D97-AF65-F5344CB8AC3E}">
-        <p14:creationId xmlns:p14="http://schemas.microsoft.com/office/powerpoint/2010/main" val="2316474949"/>
+        <p14:creationId xmlns:p14="http://schemas.microsoft.com/office/powerpoint/2010/main" val="2064722079"/>
       </p:ext>
     </p:extLst>
   </p:cSld>
@@ -1411,18 +1888,15 @@
           <a:bodyPr/>
           <a:lstStyle/>
           <a:p>
-            <a:r>
-              <a:rPr lang="en-US" dirty="0"/>
-              <a:t>Show cells (</a:t>
-            </a:r>
-            <a:r>
-              <a:rPr lang="en-US" dirty="0" err="1"/>
-              <a:t>MarkDown</a:t>
-            </a:r>
-            <a:r>
-              <a:rPr lang="en-US" dirty="0"/>
-              <a:t> with equations and titles, Python Code and matplotlib plots)</a:t>
-            </a:r>
+            <a:endParaRPr lang="en-US" sz="1200" b="0" kern="1200" dirty="0">
+              <a:solidFill>
+                <a:schemeClr val="tx1"/>
+              </a:solidFill>
+              <a:effectLst/>
+              <a:latin typeface="+mn-lt"/>
+              <a:ea typeface="+mn-ea"/>
+              <a:cs typeface="+mn-cs"/>
+            </a:endParaRPr>
           </a:p>
         </p:txBody>
       </p:sp>
@@ -1443,7 +1917,7 @@
           <a:p>
             <a:fld id="{7677C2CC-2023-45DB-8917-C16B4F38B900}" type="slidenum">
               <a:rPr lang="en-US" smtClean="0"/>
-              <a:t>21</a:t>
+              <a:t>20</a:t>
             </a:fld>
             <a:endParaRPr lang="en-US"/>
           </a:p>
@@ -1452,7 +1926,7 @@
     </p:spTree>
     <p:extLst>
       <p:ext uri="{BB962C8B-B14F-4D97-AF65-F5344CB8AC3E}">
-        <p14:creationId xmlns:p14="http://schemas.microsoft.com/office/powerpoint/2010/main" val="2404942269"/>
+        <p14:creationId xmlns:p14="http://schemas.microsoft.com/office/powerpoint/2010/main" val="1300028375"/>
       </p:ext>
     </p:extLst>
   </p:cSld>
@@ -1507,15 +1981,12 @@
           <a:lstStyle/>
           <a:p>
             <a:r>
-              <a:rPr lang="en-US" dirty="0"/>
-              <a:t>Show snippets</a:t>
-            </a:r>
-          </a:p>
-          <a:p>
-            <a:r>
-              <a:rPr lang="en-US" dirty="0"/>
-              <a:t>Show how to access Zeal documentation for help</a:t>
-            </a:r>
+              <a:rPr lang="en-US" dirty="0">
+                <a:hlinkClick r:id="rId3"/>
+              </a:rPr>
+              <a:t>https://pbpython.com/pandas_dtypes.html</a:t>
+            </a:r>
+            <a:endParaRPr lang="en-US" dirty="0"/>
           </a:p>
         </p:txBody>
       </p:sp>
@@ -1536,7 +2007,7 @@
           <a:p>
             <a:fld id="{7677C2CC-2023-45DB-8917-C16B4F38B900}" type="slidenum">
               <a:rPr lang="en-US" smtClean="0"/>
-              <a:t>22</a:t>
+              <a:t>21</a:t>
             </a:fld>
             <a:endParaRPr lang="en-US"/>
           </a:p>
@@ -1545,7 +2016,7 @@
     </p:spTree>
     <p:extLst>
       <p:ext uri="{BB962C8B-B14F-4D97-AF65-F5344CB8AC3E}">
-        <p14:creationId xmlns:p14="http://schemas.microsoft.com/office/powerpoint/2010/main" val="2068651003"/>
+        <p14:creationId xmlns:p14="http://schemas.microsoft.com/office/powerpoint/2010/main" val="2316474949"/>
       </p:ext>
     </p:extLst>
   </p:cSld>
@@ -1601,7 +2072,15 @@
           <a:p>
             <a:r>
               <a:rPr lang="en-US" dirty="0"/>
-              <a:t>Due date = 2 classes forward</a:t>
+              <a:t>Show cells (</a:t>
+            </a:r>
+            <a:r>
+              <a:rPr lang="en-US" dirty="0" err="1"/>
+              <a:t>MarkDown</a:t>
+            </a:r>
+            <a:r>
+              <a:rPr lang="en-US" dirty="0"/>
+              <a:t> with equations and titles, Python Code and matplotlib plots)</a:t>
             </a:r>
           </a:p>
         </p:txBody>
@@ -1623,7 +2102,187 @@
           <a:p>
             <a:fld id="{7677C2CC-2023-45DB-8917-C16B4F38B900}" type="slidenum">
               <a:rPr lang="en-US" smtClean="0"/>
+              <a:t>22</a:t>
+            </a:fld>
+            <a:endParaRPr lang="en-US"/>
+          </a:p>
+        </p:txBody>
+      </p:sp>
+    </p:spTree>
+    <p:extLst>
+      <p:ext uri="{BB962C8B-B14F-4D97-AF65-F5344CB8AC3E}">
+        <p14:creationId xmlns:p14="http://schemas.microsoft.com/office/powerpoint/2010/main" val="2404942269"/>
+      </p:ext>
+    </p:extLst>
+  </p:cSld>
+  <p:clrMapOvr>
+    <a:masterClrMapping/>
+  </p:clrMapOvr>
+</p:notes>
+</file>
+
+<file path=ppt/notesSlides/notesSlide17.xml><?xml version="1.0" encoding="utf-8"?>
+<p:notes xmlns:a="http://schemas.openxmlformats.org/drawingml/2006/main" xmlns:r="http://schemas.openxmlformats.org/officeDocument/2006/relationships" xmlns:p="http://schemas.openxmlformats.org/presentationml/2006/main">
+  <p:cSld>
+    <p:spTree>
+      <p:nvGrpSpPr>
+        <p:cNvPr id="1" name=""/>
+        <p:cNvGrpSpPr/>
+        <p:nvPr/>
+      </p:nvGrpSpPr>
+      <p:grpSpPr>
+        <a:xfrm>
+          <a:off x="0" y="0"/>
+          <a:ext cx="0" cy="0"/>
+          <a:chOff x="0" y="0"/>
+          <a:chExt cx="0" cy="0"/>
+        </a:xfrm>
+      </p:grpSpPr>
+      <p:sp>
+        <p:nvSpPr>
+          <p:cNvPr id="2" name="Slide Image Placeholder 1"/>
+          <p:cNvSpPr>
+            <a:spLocks noGrp="1" noRot="1" noChangeAspect="1"/>
+          </p:cNvSpPr>
+          <p:nvPr>
+            <p:ph type="sldImg"/>
+          </p:nvPr>
+        </p:nvSpPr>
+        <p:spPr/>
+      </p:sp>
+      <p:sp>
+        <p:nvSpPr>
+          <p:cNvPr id="3" name="Notes Placeholder 2"/>
+          <p:cNvSpPr>
+            <a:spLocks noGrp="1"/>
+          </p:cNvSpPr>
+          <p:nvPr>
+            <p:ph type="body" idx="1"/>
+          </p:nvPr>
+        </p:nvSpPr>
+        <p:spPr/>
+        <p:txBody>
+          <a:bodyPr/>
+          <a:lstStyle/>
+          <a:p>
+            <a:r>
+              <a:rPr lang="en-US" dirty="0"/>
+              <a:t>Show snippets</a:t>
+            </a:r>
+          </a:p>
+          <a:p>
+            <a:r>
+              <a:rPr lang="en-US" dirty="0"/>
+              <a:t>Show how to access Zeal documentation for help</a:t>
+            </a:r>
+          </a:p>
+        </p:txBody>
+      </p:sp>
+      <p:sp>
+        <p:nvSpPr>
+          <p:cNvPr id="4" name="Slide Number Placeholder 3"/>
+          <p:cNvSpPr>
+            <a:spLocks noGrp="1"/>
+          </p:cNvSpPr>
+          <p:nvPr>
+            <p:ph type="sldNum" sz="quarter" idx="5"/>
+          </p:nvPr>
+        </p:nvSpPr>
+        <p:spPr/>
+        <p:txBody>
+          <a:bodyPr/>
+          <a:lstStyle/>
+          <a:p>
+            <a:fld id="{7677C2CC-2023-45DB-8917-C16B4F38B900}" type="slidenum">
+              <a:rPr lang="en-US" smtClean="0"/>
               <a:t>23</a:t>
+            </a:fld>
+            <a:endParaRPr lang="en-US"/>
+          </a:p>
+        </p:txBody>
+      </p:sp>
+    </p:spTree>
+    <p:extLst>
+      <p:ext uri="{BB962C8B-B14F-4D97-AF65-F5344CB8AC3E}">
+        <p14:creationId xmlns:p14="http://schemas.microsoft.com/office/powerpoint/2010/main" val="2068651003"/>
+      </p:ext>
+    </p:extLst>
+  </p:cSld>
+  <p:clrMapOvr>
+    <a:masterClrMapping/>
+  </p:clrMapOvr>
+</p:notes>
+</file>
+
+<file path=ppt/notesSlides/notesSlide18.xml><?xml version="1.0" encoding="utf-8"?>
+<p:notes xmlns:a="http://schemas.openxmlformats.org/drawingml/2006/main" xmlns:r="http://schemas.openxmlformats.org/officeDocument/2006/relationships" xmlns:p="http://schemas.openxmlformats.org/presentationml/2006/main">
+  <p:cSld>
+    <p:spTree>
+      <p:nvGrpSpPr>
+        <p:cNvPr id="1" name=""/>
+        <p:cNvGrpSpPr/>
+        <p:nvPr/>
+      </p:nvGrpSpPr>
+      <p:grpSpPr>
+        <a:xfrm>
+          <a:off x="0" y="0"/>
+          <a:ext cx="0" cy="0"/>
+          <a:chOff x="0" y="0"/>
+          <a:chExt cx="0" cy="0"/>
+        </a:xfrm>
+      </p:grpSpPr>
+      <p:sp>
+        <p:nvSpPr>
+          <p:cNvPr id="2" name="Slide Image Placeholder 1"/>
+          <p:cNvSpPr>
+            <a:spLocks noGrp="1" noRot="1" noChangeAspect="1"/>
+          </p:cNvSpPr>
+          <p:nvPr>
+            <p:ph type="sldImg"/>
+          </p:nvPr>
+        </p:nvSpPr>
+        <p:spPr/>
+      </p:sp>
+      <p:sp>
+        <p:nvSpPr>
+          <p:cNvPr id="3" name="Notes Placeholder 2"/>
+          <p:cNvSpPr>
+            <a:spLocks noGrp="1"/>
+          </p:cNvSpPr>
+          <p:nvPr>
+            <p:ph type="body" idx="1"/>
+          </p:nvPr>
+        </p:nvSpPr>
+        <p:spPr/>
+        <p:txBody>
+          <a:bodyPr/>
+          <a:lstStyle/>
+          <a:p>
+            <a:r>
+              <a:rPr lang="en-US" dirty="0"/>
+              <a:t>Due date = 2 classes forward</a:t>
+            </a:r>
+          </a:p>
+        </p:txBody>
+      </p:sp>
+      <p:sp>
+        <p:nvSpPr>
+          <p:cNvPr id="4" name="Slide Number Placeholder 3"/>
+          <p:cNvSpPr>
+            <a:spLocks noGrp="1"/>
+          </p:cNvSpPr>
+          <p:nvPr>
+            <p:ph type="sldNum" sz="quarter" idx="5"/>
+          </p:nvPr>
+        </p:nvSpPr>
+        <p:spPr/>
+        <p:txBody>
+          <a:bodyPr/>
+          <a:lstStyle/>
+          <a:p>
+            <a:fld id="{7677C2CC-2023-45DB-8917-C16B4F38B900}" type="slidenum">
+              <a:rPr lang="en-US" smtClean="0"/>
+              <a:t>24</a:t>
             </a:fld>
             <a:endParaRPr lang="en-US"/>
           </a:p>
@@ -3306,7 +3965,7 @@
           <a:p>
             <a:fld id="{8FB8B4F4-5254-4862-9C13-0C9DD93BE148}" type="datetimeFigureOut">
               <a:rPr lang="en-US" smtClean="0"/>
-              <a:t>6/4/2020</a:t>
+              <a:t>6/9/2020</a:t>
             </a:fld>
             <a:endParaRPr lang="en-US"/>
           </a:p>
@@ -3504,7 +4163,7 @@
           <a:p>
             <a:fld id="{8FB8B4F4-5254-4862-9C13-0C9DD93BE148}" type="datetimeFigureOut">
               <a:rPr lang="en-US" smtClean="0"/>
-              <a:t>6/4/2020</a:t>
+              <a:t>6/9/2020</a:t>
             </a:fld>
             <a:endParaRPr lang="en-US"/>
           </a:p>
@@ -3712,7 +4371,7 @@
           <a:p>
             <a:fld id="{8FB8B4F4-5254-4862-9C13-0C9DD93BE148}" type="datetimeFigureOut">
               <a:rPr lang="en-US" smtClean="0"/>
-              <a:t>6/4/2020</a:t>
+              <a:t>6/9/2020</a:t>
             </a:fld>
             <a:endParaRPr lang="en-US"/>
           </a:p>
@@ -3910,7 +4569,7 @@
           <a:p>
             <a:fld id="{8FB8B4F4-5254-4862-9C13-0C9DD93BE148}" type="datetimeFigureOut">
               <a:rPr lang="en-US" smtClean="0"/>
-              <a:t>6/4/2020</a:t>
+              <a:t>6/9/2020</a:t>
             </a:fld>
             <a:endParaRPr lang="en-US"/>
           </a:p>
@@ -4185,7 +4844,7 @@
           <a:p>
             <a:fld id="{8FB8B4F4-5254-4862-9C13-0C9DD93BE148}" type="datetimeFigureOut">
               <a:rPr lang="en-US" smtClean="0"/>
-              <a:t>6/4/2020</a:t>
+              <a:t>6/9/2020</a:t>
             </a:fld>
             <a:endParaRPr lang="en-US"/>
           </a:p>
@@ -4450,7 +5109,7 @@
           <a:p>
             <a:fld id="{8FB8B4F4-5254-4862-9C13-0C9DD93BE148}" type="datetimeFigureOut">
               <a:rPr lang="en-US" smtClean="0"/>
-              <a:t>6/4/2020</a:t>
+              <a:t>6/9/2020</a:t>
             </a:fld>
             <a:endParaRPr lang="en-US"/>
           </a:p>
@@ -4862,7 +5521,7 @@
           <a:p>
             <a:fld id="{8FB8B4F4-5254-4862-9C13-0C9DD93BE148}" type="datetimeFigureOut">
               <a:rPr lang="en-US" smtClean="0"/>
-              <a:t>6/4/2020</a:t>
+              <a:t>6/9/2020</a:t>
             </a:fld>
             <a:endParaRPr lang="en-US"/>
           </a:p>
@@ -5003,7 +5662,7 @@
           <a:p>
             <a:fld id="{8FB8B4F4-5254-4862-9C13-0C9DD93BE148}" type="datetimeFigureOut">
               <a:rPr lang="en-US" smtClean="0"/>
-              <a:t>6/4/2020</a:t>
+              <a:t>6/9/2020</a:t>
             </a:fld>
             <a:endParaRPr lang="en-US"/>
           </a:p>
@@ -5116,7 +5775,7 @@
           <a:p>
             <a:fld id="{8FB8B4F4-5254-4862-9C13-0C9DD93BE148}" type="datetimeFigureOut">
               <a:rPr lang="en-US" smtClean="0"/>
-              <a:t>6/4/2020</a:t>
+              <a:t>6/9/2020</a:t>
             </a:fld>
             <a:endParaRPr lang="en-US"/>
           </a:p>
@@ -5427,7 +6086,7 @@
           <a:p>
             <a:fld id="{8FB8B4F4-5254-4862-9C13-0C9DD93BE148}" type="datetimeFigureOut">
               <a:rPr lang="en-US" smtClean="0"/>
-              <a:t>6/4/2020</a:t>
+              <a:t>6/9/2020</a:t>
             </a:fld>
             <a:endParaRPr lang="en-US"/>
           </a:p>
@@ -5715,7 +6374,7 @@
           <a:p>
             <a:fld id="{8FB8B4F4-5254-4862-9C13-0C9DD93BE148}" type="datetimeFigureOut">
               <a:rPr lang="en-US" smtClean="0"/>
-              <a:t>6/4/2020</a:t>
+              <a:t>6/9/2020</a:t>
             </a:fld>
             <a:endParaRPr lang="en-US"/>
           </a:p>
@@ -5956,7 +6615,7 @@
           <a:p>
             <a:fld id="{8FB8B4F4-5254-4862-9C13-0C9DD93BE148}" type="datetimeFigureOut">
               <a:rPr lang="en-US" smtClean="0"/>
-              <a:t>6/4/2020</a:t>
+              <a:t>6/9/2020</a:t>
             </a:fld>
             <a:endParaRPr lang="en-US"/>
           </a:p>
@@ -8079,7 +8738,7 @@
         </p:blipFill>
         <p:spPr>
           <a:xfrm>
-            <a:off x="375745" y="151958"/>
+            <a:off x="375745" y="86644"/>
             <a:ext cx="1327549" cy="1344170"/>
           </a:xfrm>
           <a:prstGeom prst="rect">
@@ -8460,13 +9119,13 @@
           <p:nvPr/>
         </p:nvPicPr>
         <p:blipFill>
-          <a:blip r:embed="rId2">
+          <a:blip r:embed="rId3">
             <a:extLst>
               <a:ext uri="{28A0092B-C50C-407E-A947-70E740481C1C}">
                 <a14:useLocalDpi xmlns:a14="http://schemas.microsoft.com/office/drawing/2010/main" val="0"/>
               </a:ext>
               <a:ext uri="{96DAC541-7B7A-43D3-8B79-37D633B846F1}">
-                <asvg:svgBlip xmlns:asvg="http://schemas.microsoft.com/office/drawing/2016/SVG/main" r:embed="rId3"/>
+                <asvg:svgBlip xmlns:asvg="http://schemas.microsoft.com/office/drawing/2016/SVG/main" r:embed="rId4"/>
               </a:ext>
             </a:extLst>
           </a:blip>
@@ -9948,7 +10607,7 @@
         </p:blipFill>
         <p:spPr bwMode="auto">
           <a:xfrm>
-            <a:off x="9577742" y="681038"/>
+            <a:off x="9577742" y="589598"/>
             <a:ext cx="2276634" cy="1538952"/>
           </a:xfrm>
           <a:prstGeom prst="rect">
@@ -10805,6 +11464,862 @@
 </file>
 
 <file path=ppt/slides/slide20.xml><?xml version="1.0" encoding="utf-8"?>
+<p:sld xmlns:a="http://schemas.openxmlformats.org/drawingml/2006/main" xmlns:r="http://schemas.openxmlformats.org/officeDocument/2006/relationships" xmlns:p="http://schemas.openxmlformats.org/presentationml/2006/main">
+  <p:cSld>
+    <p:spTree>
+      <p:nvGrpSpPr>
+        <p:cNvPr id="1" name=""/>
+        <p:cNvGrpSpPr/>
+        <p:nvPr/>
+      </p:nvGrpSpPr>
+      <p:grpSpPr>
+        <a:xfrm>
+          <a:off x="0" y="0"/>
+          <a:ext cx="0" cy="0"/>
+          <a:chOff x="0" y="0"/>
+          <a:chExt cx="0" cy="0"/>
+        </a:xfrm>
+      </p:grpSpPr>
+      <p:pic>
+        <p:nvPicPr>
+          <p:cNvPr id="5" name="Graphic 4">
+            <a:extLst>
+              <a:ext uri="{FF2B5EF4-FFF2-40B4-BE49-F238E27FC236}">
+                <a16:creationId xmlns:a16="http://schemas.microsoft.com/office/drawing/2014/main" id="{F5EAC213-EDA1-48AD-9466-B446045D3572}"/>
+              </a:ext>
+            </a:extLst>
+          </p:cNvPr>
+          <p:cNvPicPr>
+            <a:picLocks noChangeAspect="1"/>
+          </p:cNvPicPr>
+          <p:nvPr/>
+        </p:nvPicPr>
+        <p:blipFill>
+          <a:blip r:embed="rId3">
+            <a:extLst>
+              <a:ext uri="{28A0092B-C50C-407E-A947-70E740481C1C}">
+                <a14:useLocalDpi xmlns:a14="http://schemas.microsoft.com/office/drawing/2010/main" val="0"/>
+              </a:ext>
+              <a:ext uri="{96DAC541-7B7A-43D3-8B79-37D633B846F1}">
+                <asvg:svgBlip xmlns:asvg="http://schemas.microsoft.com/office/drawing/2016/SVG/main" r:embed="rId4"/>
+              </a:ext>
+            </a:extLst>
+          </a:blip>
+          <a:stretch>
+            <a:fillRect/>
+          </a:stretch>
+        </p:blipFill>
+        <p:spPr>
+          <a:xfrm>
+            <a:off x="0" y="4351348"/>
+            <a:ext cx="3533887" cy="848132"/>
+          </a:xfrm>
+          <a:prstGeom prst="rect">
+            <a:avLst/>
+          </a:prstGeom>
+        </p:spPr>
+      </p:pic>
+      <p:pic>
+        <p:nvPicPr>
+          <p:cNvPr id="4" name="Picture 20">
+            <a:extLst>
+              <a:ext uri="{FF2B5EF4-FFF2-40B4-BE49-F238E27FC236}">
+                <a16:creationId xmlns:a16="http://schemas.microsoft.com/office/drawing/2014/main" id="{5C39D9D4-C72B-4BFC-A667-2C492C0756DE}"/>
+              </a:ext>
+            </a:extLst>
+          </p:cNvPr>
+          <p:cNvPicPr>
+            <a:picLocks noChangeAspect="1" noChangeArrowheads="1"/>
+          </p:cNvPicPr>
+          <p:nvPr/>
+        </p:nvPicPr>
+        <p:blipFill rotWithShape="1">
+          <a:blip r:embed="rId5">
+            <a:extLst>
+              <a:ext uri="{28A0092B-C50C-407E-A947-70E740481C1C}">
+                <a14:useLocalDpi xmlns:a14="http://schemas.microsoft.com/office/drawing/2010/main" val="0"/>
+              </a:ext>
+            </a:extLst>
+          </a:blip>
+          <a:srcRect l="4562" t="16008" b="19477"/>
+          <a:stretch/>
+        </p:blipFill>
+        <p:spPr bwMode="auto">
+          <a:xfrm>
+            <a:off x="0" y="1223916"/>
+            <a:ext cx="2276634" cy="1538952"/>
+          </a:xfrm>
+          <a:prstGeom prst="rect">
+            <a:avLst/>
+          </a:prstGeom>
+          <a:noFill/>
+          <a:extLst>
+            <a:ext uri="{909E8E84-426E-40DD-AFC4-6F175D3DCCD1}">
+              <a14:hiddenFill xmlns:a14="http://schemas.microsoft.com/office/drawing/2010/main">
+                <a:solidFill>
+                  <a:srgbClr val="FFFFFF"/>
+                </a:solidFill>
+              </a14:hiddenFill>
+            </a:ext>
+          </a:extLst>
+        </p:spPr>
+      </p:pic>
+      <p:sp>
+        <p:nvSpPr>
+          <p:cNvPr id="2" name="Rectangle 1">
+            <a:extLst>
+              <a:ext uri="{FF2B5EF4-FFF2-40B4-BE49-F238E27FC236}">
+                <a16:creationId xmlns:a16="http://schemas.microsoft.com/office/drawing/2014/main" id="{AB4742C8-4FA8-4C9D-8986-78A6179D5C85}"/>
+              </a:ext>
+            </a:extLst>
+          </p:cNvPr>
+          <p:cNvSpPr/>
+          <p:nvPr/>
+        </p:nvSpPr>
+        <p:spPr>
+          <a:xfrm>
+            <a:off x="3533887" y="-1"/>
+            <a:ext cx="8658113" cy="6949440"/>
+          </a:xfrm>
+          <a:prstGeom prst="rect">
+            <a:avLst/>
+          </a:prstGeom>
+          <a:solidFill>
+            <a:srgbClr val="1E1E1E"/>
+          </a:solidFill>
+        </p:spPr>
+        <p:txBody>
+          <a:bodyPr wrap="square">
+            <a:spAutoFit/>
+          </a:bodyPr>
+          <a:lstStyle/>
+          <a:p>
+            <a:r>
+              <a:rPr lang="en-US" sz="2400" dirty="0">
+                <a:solidFill>
+                  <a:srgbClr val="569CD6"/>
+                </a:solidFill>
+                <a:latin typeface="Consolas" panose="020B0609020204030204" pitchFamily="49" charset="0"/>
+              </a:rPr>
+              <a:t>import</a:t>
+            </a:r>
+            <a:r>
+              <a:rPr lang="en-US" sz="2400" dirty="0">
+                <a:solidFill>
+                  <a:srgbClr val="D4D4D4"/>
+                </a:solidFill>
+                <a:latin typeface="Consolas" panose="020B0609020204030204" pitchFamily="49" charset="0"/>
+              </a:rPr>
+              <a:t> pandas </a:t>
+            </a:r>
+            <a:r>
+              <a:rPr lang="en-US" sz="2400" dirty="0">
+                <a:solidFill>
+                  <a:srgbClr val="569CD6"/>
+                </a:solidFill>
+                <a:latin typeface="Consolas" panose="020B0609020204030204" pitchFamily="49" charset="0"/>
+              </a:rPr>
+              <a:t>as</a:t>
+            </a:r>
+            <a:r>
+              <a:rPr lang="en-US" sz="2400" dirty="0">
+                <a:solidFill>
+                  <a:srgbClr val="D4D4D4"/>
+                </a:solidFill>
+                <a:latin typeface="Consolas" panose="020B0609020204030204" pitchFamily="49" charset="0"/>
+              </a:rPr>
+              <a:t> pd</a:t>
+            </a:r>
+          </a:p>
+          <a:p>
+            <a:r>
+              <a:rPr lang="en-US" sz="2400" dirty="0">
+                <a:solidFill>
+                  <a:srgbClr val="569CD6"/>
+                </a:solidFill>
+                <a:latin typeface="Consolas" panose="020B0609020204030204" pitchFamily="49" charset="0"/>
+              </a:rPr>
+              <a:t>import</a:t>
+            </a:r>
+            <a:r>
+              <a:rPr lang="en-US" sz="2400" dirty="0">
+                <a:solidFill>
+                  <a:srgbClr val="D4D4D4"/>
+                </a:solidFill>
+                <a:latin typeface="Consolas" panose="020B0609020204030204" pitchFamily="49" charset="0"/>
+              </a:rPr>
+              <a:t> numpy </a:t>
+            </a:r>
+            <a:r>
+              <a:rPr lang="en-US" sz="2400" dirty="0">
+                <a:solidFill>
+                  <a:srgbClr val="569CD6"/>
+                </a:solidFill>
+                <a:latin typeface="Consolas" panose="020B0609020204030204" pitchFamily="49" charset="0"/>
+              </a:rPr>
+              <a:t>as</a:t>
+            </a:r>
+            <a:r>
+              <a:rPr lang="en-US" sz="2400" dirty="0">
+                <a:solidFill>
+                  <a:srgbClr val="D4D4D4"/>
+                </a:solidFill>
+                <a:latin typeface="Consolas" panose="020B0609020204030204" pitchFamily="49" charset="0"/>
+              </a:rPr>
+              <a:t> np</a:t>
+            </a:r>
+          </a:p>
+          <a:p>
+            <a:r>
+              <a:rPr lang="en-US" sz="2400" dirty="0">
+                <a:solidFill>
+                  <a:srgbClr val="569CD6"/>
+                </a:solidFill>
+                <a:latin typeface="Consolas" panose="020B0609020204030204" pitchFamily="49" charset="0"/>
+              </a:rPr>
+              <a:t>import</a:t>
+            </a:r>
+            <a:r>
+              <a:rPr lang="en-US" sz="2400" dirty="0">
+                <a:solidFill>
+                  <a:srgbClr val="D4D4D4"/>
+                </a:solidFill>
+                <a:latin typeface="Consolas" panose="020B0609020204030204" pitchFamily="49" charset="0"/>
+              </a:rPr>
+              <a:t> matplotlib.pyplot </a:t>
+            </a:r>
+            <a:r>
+              <a:rPr lang="en-US" sz="2400" dirty="0">
+                <a:solidFill>
+                  <a:srgbClr val="569CD6"/>
+                </a:solidFill>
+                <a:latin typeface="Consolas" panose="020B0609020204030204" pitchFamily="49" charset="0"/>
+              </a:rPr>
+              <a:t>as</a:t>
+            </a:r>
+            <a:r>
+              <a:rPr lang="en-US" sz="2400" dirty="0">
+                <a:solidFill>
+                  <a:srgbClr val="D4D4D4"/>
+                </a:solidFill>
+                <a:latin typeface="Consolas" panose="020B0609020204030204" pitchFamily="49" charset="0"/>
+              </a:rPr>
+              <a:t> plt</a:t>
+            </a:r>
+          </a:p>
+          <a:p>
+            <a:r>
+              <a:rPr lang="en-US" sz="2400" dirty="0">
+                <a:solidFill>
+                  <a:srgbClr val="D4D4D4"/>
+                </a:solidFill>
+                <a:latin typeface="Consolas" panose="020B0609020204030204" pitchFamily="49" charset="0"/>
+              </a:rPr>
+              <a:t>timestamp=</a:t>
+            </a:r>
+            <a:r>
+              <a:rPr lang="en-US" sz="2400" dirty="0" err="1">
+                <a:solidFill>
+                  <a:srgbClr val="D4D4D4"/>
+                </a:solidFill>
+                <a:latin typeface="Consolas" panose="020B0609020204030204" pitchFamily="49" charset="0"/>
+              </a:rPr>
+              <a:t>pd.date_range</a:t>
+            </a:r>
+            <a:r>
+              <a:rPr lang="en-US" sz="2400" dirty="0">
+                <a:solidFill>
+                  <a:srgbClr val="D4D4D4"/>
+                </a:solidFill>
+                <a:latin typeface="Consolas" panose="020B0609020204030204" pitchFamily="49" charset="0"/>
+              </a:rPr>
+              <a:t>(</a:t>
+            </a:r>
+            <a:r>
+              <a:rPr lang="en-US" sz="2400" dirty="0">
+                <a:solidFill>
+                  <a:srgbClr val="CE9178"/>
+                </a:solidFill>
+                <a:latin typeface="Consolas" panose="020B0609020204030204" pitchFamily="49" charset="0"/>
+              </a:rPr>
+              <a:t>"2020-02-01"</a:t>
+            </a:r>
+            <a:r>
+              <a:rPr lang="en-US" sz="2400" dirty="0">
+                <a:solidFill>
+                  <a:srgbClr val="D4D4D4"/>
+                </a:solidFill>
+                <a:latin typeface="Consolas" panose="020B0609020204030204" pitchFamily="49" charset="0"/>
+              </a:rPr>
+              <a:t>,</a:t>
+            </a:r>
+            <a:r>
+              <a:rPr lang="en-US" sz="2400" dirty="0">
+                <a:solidFill>
+                  <a:srgbClr val="CE9178"/>
+                </a:solidFill>
+                <a:latin typeface="Consolas" panose="020B0609020204030204" pitchFamily="49" charset="0"/>
+              </a:rPr>
+              <a:t>"2020-02-25"</a:t>
+            </a:r>
+            <a:r>
+              <a:rPr lang="en-US" sz="2400" dirty="0">
+                <a:solidFill>
+                  <a:srgbClr val="D4D4D4"/>
+                </a:solidFill>
+                <a:latin typeface="Consolas" panose="020B0609020204030204" pitchFamily="49" charset="0"/>
+              </a:rPr>
+              <a:t>,freq=</a:t>
+            </a:r>
+            <a:r>
+              <a:rPr lang="en-US" sz="2400" dirty="0">
+                <a:solidFill>
+                  <a:srgbClr val="CE9178"/>
+                </a:solidFill>
+                <a:latin typeface="Consolas" panose="020B0609020204030204" pitchFamily="49" charset="0"/>
+              </a:rPr>
+              <a:t>"d"</a:t>
+            </a:r>
+            <a:r>
+              <a:rPr lang="en-US" sz="2400" dirty="0">
+                <a:solidFill>
+                  <a:srgbClr val="D4D4D4"/>
+                </a:solidFill>
+                <a:latin typeface="Consolas" panose="020B0609020204030204" pitchFamily="49" charset="0"/>
+              </a:rPr>
+              <a:t>)</a:t>
+            </a:r>
+          </a:p>
+          <a:p>
+            <a:r>
+              <a:rPr lang="en-US" sz="2400" dirty="0">
+                <a:solidFill>
+                  <a:srgbClr val="D4D4D4"/>
+                </a:solidFill>
+                <a:latin typeface="Consolas" panose="020B0609020204030204" pitchFamily="49" charset="0"/>
+              </a:rPr>
+              <a:t>n=</a:t>
+            </a:r>
+            <a:r>
+              <a:rPr lang="en-US" sz="2400" dirty="0" err="1">
+                <a:solidFill>
+                  <a:srgbClr val="D4D4D4"/>
+                </a:solidFill>
+                <a:latin typeface="Consolas" panose="020B0609020204030204" pitchFamily="49" charset="0"/>
+              </a:rPr>
+              <a:t>len</a:t>
+            </a:r>
+            <a:r>
+              <a:rPr lang="en-US" sz="2400" dirty="0">
+                <a:solidFill>
+                  <a:srgbClr val="D4D4D4"/>
+                </a:solidFill>
+                <a:latin typeface="Consolas" panose="020B0609020204030204" pitchFamily="49" charset="0"/>
+              </a:rPr>
+              <a:t>(timestamp)</a:t>
+            </a:r>
+          </a:p>
+          <a:p>
+            <a:r>
+              <a:rPr lang="en-US" sz="2400" dirty="0">
+                <a:solidFill>
+                  <a:srgbClr val="D4D4D4"/>
+                </a:solidFill>
+                <a:latin typeface="Consolas" panose="020B0609020204030204" pitchFamily="49" charset="0"/>
+              </a:rPr>
+              <a:t>x=</a:t>
+            </a:r>
+            <a:r>
+              <a:rPr lang="en-US" sz="2400" dirty="0" err="1">
+                <a:solidFill>
+                  <a:srgbClr val="D4D4D4"/>
+                </a:solidFill>
+                <a:latin typeface="Consolas" panose="020B0609020204030204" pitchFamily="49" charset="0"/>
+              </a:rPr>
+              <a:t>np.random.randn</a:t>
+            </a:r>
+            <a:r>
+              <a:rPr lang="en-US" sz="2400" dirty="0">
+                <a:solidFill>
+                  <a:srgbClr val="D4D4D4"/>
+                </a:solidFill>
+                <a:latin typeface="Consolas" panose="020B0609020204030204" pitchFamily="49" charset="0"/>
+              </a:rPr>
+              <a:t>(n)</a:t>
+            </a:r>
+          </a:p>
+          <a:p>
+            <a:r>
+              <a:rPr lang="en-US" sz="2400" dirty="0">
+                <a:solidFill>
+                  <a:srgbClr val="D4D4D4"/>
+                </a:solidFill>
+                <a:latin typeface="Consolas" panose="020B0609020204030204" pitchFamily="49" charset="0"/>
+              </a:rPr>
+              <a:t>y=</a:t>
+            </a:r>
+            <a:r>
+              <a:rPr lang="en-US" sz="2400" dirty="0" err="1">
+                <a:solidFill>
+                  <a:srgbClr val="D4D4D4"/>
+                </a:solidFill>
+                <a:latin typeface="Consolas" panose="020B0609020204030204" pitchFamily="49" charset="0"/>
+              </a:rPr>
+              <a:t>np.random.randn</a:t>
+            </a:r>
+            <a:r>
+              <a:rPr lang="en-US" sz="2400" dirty="0">
+                <a:solidFill>
+                  <a:srgbClr val="D4D4D4"/>
+                </a:solidFill>
+                <a:latin typeface="Consolas" panose="020B0609020204030204" pitchFamily="49" charset="0"/>
+              </a:rPr>
+              <a:t>(n)</a:t>
+            </a:r>
+          </a:p>
+          <a:p>
+            <a:r>
+              <a:rPr lang="en-US" sz="2400" dirty="0">
+                <a:solidFill>
+                  <a:srgbClr val="D4D4D4"/>
+                </a:solidFill>
+                <a:latin typeface="Consolas" panose="020B0609020204030204" pitchFamily="49" charset="0"/>
+              </a:rPr>
+              <a:t>a = </a:t>
+            </a:r>
+            <a:r>
+              <a:rPr lang="en-US" sz="2400" dirty="0" err="1">
+                <a:solidFill>
+                  <a:srgbClr val="D4D4D4"/>
+                </a:solidFill>
+                <a:latin typeface="Consolas" panose="020B0609020204030204" pitchFamily="49" charset="0"/>
+              </a:rPr>
+              <a:t>np.random.choice</a:t>
+            </a:r>
+            <a:r>
+              <a:rPr lang="en-US" sz="2400" dirty="0">
+                <a:solidFill>
+                  <a:srgbClr val="D4D4D4"/>
+                </a:solidFill>
+                <a:latin typeface="Consolas" panose="020B0609020204030204" pitchFamily="49" charset="0"/>
+              </a:rPr>
+              <a:t>([</a:t>
+            </a:r>
+            <a:r>
+              <a:rPr lang="en-US" sz="2400" dirty="0">
+                <a:solidFill>
+                  <a:srgbClr val="CE9178"/>
+                </a:solidFill>
+                <a:latin typeface="Consolas" panose="020B0609020204030204" pitchFamily="49" charset="0"/>
+              </a:rPr>
+              <a:t>'N'</a:t>
+            </a:r>
+            <a:r>
+              <a:rPr lang="en-US" sz="2400" dirty="0">
+                <a:solidFill>
+                  <a:srgbClr val="D4D4D4"/>
+                </a:solidFill>
+                <a:latin typeface="Consolas" panose="020B0609020204030204" pitchFamily="49" charset="0"/>
+              </a:rPr>
+              <a:t>, </a:t>
+            </a:r>
+            <a:r>
+              <a:rPr lang="en-US" sz="2400" dirty="0">
+                <a:solidFill>
+                  <a:srgbClr val="CE9178"/>
+                </a:solidFill>
+                <a:latin typeface="Consolas" panose="020B0609020204030204" pitchFamily="49" charset="0"/>
+              </a:rPr>
+              <a:t>'Y'</a:t>
+            </a:r>
+            <a:r>
+              <a:rPr lang="en-US" sz="2400" dirty="0">
+                <a:solidFill>
+                  <a:srgbClr val="D4D4D4"/>
+                </a:solidFill>
+                <a:latin typeface="Consolas" panose="020B0609020204030204" pitchFamily="49" charset="0"/>
+              </a:rPr>
+              <a:t>],size=n)</a:t>
+            </a:r>
+          </a:p>
+          <a:p>
+            <a:r>
+              <a:rPr lang="en-US" sz="2400" dirty="0">
+                <a:solidFill>
+                  <a:srgbClr val="D4D4D4"/>
+                </a:solidFill>
+                <a:latin typeface="Consolas" panose="020B0609020204030204" pitchFamily="49" charset="0"/>
+              </a:rPr>
+              <a:t>df=</a:t>
+            </a:r>
+            <a:r>
+              <a:rPr lang="en-US" sz="2400" dirty="0" err="1">
+                <a:solidFill>
+                  <a:srgbClr val="D4D4D4"/>
+                </a:solidFill>
+                <a:latin typeface="Consolas" panose="020B0609020204030204" pitchFamily="49" charset="0"/>
+              </a:rPr>
+              <a:t>pd.DataFrame</a:t>
+            </a:r>
+            <a:r>
+              <a:rPr lang="en-US" sz="2400" dirty="0">
+                <a:solidFill>
+                  <a:srgbClr val="D4D4D4"/>
+                </a:solidFill>
+                <a:latin typeface="Consolas" panose="020B0609020204030204" pitchFamily="49" charset="0"/>
+              </a:rPr>
+              <a:t>(data={</a:t>
+            </a:r>
+            <a:r>
+              <a:rPr lang="en-US" sz="2400" dirty="0">
+                <a:solidFill>
+                  <a:srgbClr val="CE9178"/>
+                </a:solidFill>
+                <a:latin typeface="Consolas" panose="020B0609020204030204" pitchFamily="49" charset="0"/>
+              </a:rPr>
+              <a:t>'</a:t>
+            </a:r>
+            <a:r>
+              <a:rPr lang="en-US" sz="2400" dirty="0" err="1">
+                <a:solidFill>
+                  <a:srgbClr val="CE9178"/>
+                </a:solidFill>
+                <a:latin typeface="Consolas" panose="020B0609020204030204" pitchFamily="49" charset="0"/>
+              </a:rPr>
+              <a:t>x'</a:t>
+            </a:r>
+            <a:r>
+              <a:rPr lang="en-US" sz="2400" dirty="0" err="1">
+                <a:solidFill>
+                  <a:srgbClr val="D4D4D4"/>
+                </a:solidFill>
+                <a:latin typeface="Consolas" panose="020B0609020204030204" pitchFamily="49" charset="0"/>
+              </a:rPr>
+              <a:t>:x,</a:t>
+            </a:r>
+            <a:r>
+              <a:rPr lang="en-US" sz="2400" dirty="0" err="1">
+                <a:solidFill>
+                  <a:srgbClr val="CE9178"/>
+                </a:solidFill>
+                <a:latin typeface="Consolas" panose="020B0609020204030204" pitchFamily="49" charset="0"/>
+              </a:rPr>
+              <a:t>'y'</a:t>
+            </a:r>
+            <a:r>
+              <a:rPr lang="en-US" sz="2400" dirty="0" err="1">
+                <a:solidFill>
+                  <a:srgbClr val="D4D4D4"/>
+                </a:solidFill>
+                <a:latin typeface="Consolas" panose="020B0609020204030204" pitchFamily="49" charset="0"/>
+              </a:rPr>
+              <a:t>:y,</a:t>
+            </a:r>
+            <a:r>
+              <a:rPr lang="en-US" sz="2400" dirty="0" err="1">
+                <a:solidFill>
+                  <a:srgbClr val="CE9178"/>
+                </a:solidFill>
+                <a:latin typeface="Consolas" panose="020B0609020204030204" pitchFamily="49" charset="0"/>
+              </a:rPr>
+              <a:t>'a'</a:t>
+            </a:r>
+            <a:r>
+              <a:rPr lang="en-US" sz="2400" dirty="0" err="1">
+                <a:solidFill>
+                  <a:srgbClr val="D4D4D4"/>
+                </a:solidFill>
+                <a:latin typeface="Consolas" panose="020B0609020204030204" pitchFamily="49" charset="0"/>
+              </a:rPr>
+              <a:t>:a</a:t>
+            </a:r>
+            <a:r>
+              <a:rPr lang="en-US" sz="2400" dirty="0">
+                <a:solidFill>
+                  <a:srgbClr val="D4D4D4"/>
+                </a:solidFill>
+                <a:latin typeface="Consolas" panose="020B0609020204030204" pitchFamily="49" charset="0"/>
+              </a:rPr>
+              <a:t>},index=timestamp)</a:t>
+            </a:r>
+          </a:p>
+          <a:p>
+            <a:endParaRPr lang="en-US" sz="2400" dirty="0">
+              <a:solidFill>
+                <a:srgbClr val="D4D4D4"/>
+              </a:solidFill>
+              <a:latin typeface="Consolas" panose="020B0609020204030204" pitchFamily="49" charset="0"/>
+            </a:endParaRPr>
+          </a:p>
+          <a:p>
+            <a:r>
+              <a:rPr lang="en-US" sz="2400" dirty="0">
+                <a:solidFill>
+                  <a:srgbClr val="D4D4D4"/>
+                </a:solidFill>
+                <a:latin typeface="Consolas" panose="020B0609020204030204" pitchFamily="49" charset="0"/>
+              </a:rPr>
+              <a:t>df[</a:t>
+            </a:r>
+            <a:r>
+              <a:rPr lang="en-US" sz="2400" dirty="0">
+                <a:solidFill>
+                  <a:srgbClr val="CE9178"/>
+                </a:solidFill>
+                <a:latin typeface="Consolas" panose="020B0609020204030204" pitchFamily="49" charset="0"/>
+              </a:rPr>
+              <a:t>'y'</a:t>
+            </a:r>
+            <a:r>
+              <a:rPr lang="en-US" sz="2400" dirty="0">
+                <a:solidFill>
+                  <a:srgbClr val="D4D4D4"/>
+                </a:solidFill>
+                <a:latin typeface="Consolas" panose="020B0609020204030204" pitchFamily="49" charset="0"/>
+              </a:rPr>
+              <a:t>].plot(kind=</a:t>
+            </a:r>
+            <a:r>
+              <a:rPr lang="en-US" sz="2400" dirty="0">
+                <a:solidFill>
+                  <a:srgbClr val="CE9178"/>
+                </a:solidFill>
+                <a:latin typeface="Consolas" panose="020B0609020204030204" pitchFamily="49" charset="0"/>
+              </a:rPr>
+              <a:t>'hist'</a:t>
+            </a:r>
+            <a:r>
+              <a:rPr lang="en-US" sz="2400" dirty="0">
+                <a:solidFill>
+                  <a:srgbClr val="D4D4D4"/>
+                </a:solidFill>
+                <a:latin typeface="Consolas" panose="020B0609020204030204" pitchFamily="49" charset="0"/>
+              </a:rPr>
+              <a:t>)</a:t>
+            </a:r>
+          </a:p>
+          <a:p>
+            <a:r>
+              <a:rPr lang="en-US" sz="2400" dirty="0" err="1">
+                <a:solidFill>
+                  <a:srgbClr val="D4D4D4"/>
+                </a:solidFill>
+                <a:latin typeface="Consolas" panose="020B0609020204030204" pitchFamily="49" charset="0"/>
+              </a:rPr>
+              <a:t>plt.show</a:t>
+            </a:r>
+            <a:r>
+              <a:rPr lang="en-US" sz="2400" dirty="0">
+                <a:solidFill>
+                  <a:srgbClr val="D4D4D4"/>
+                </a:solidFill>
+                <a:latin typeface="Consolas" panose="020B0609020204030204" pitchFamily="49" charset="0"/>
+              </a:rPr>
+              <a:t>()</a:t>
+            </a:r>
+          </a:p>
+          <a:p>
+            <a:r>
+              <a:rPr lang="en-US" sz="2400" dirty="0">
+                <a:solidFill>
+                  <a:srgbClr val="D4D4D4"/>
+                </a:solidFill>
+                <a:latin typeface="Consolas" panose="020B0609020204030204" pitchFamily="49" charset="0"/>
+              </a:rPr>
+              <a:t>df[</a:t>
+            </a:r>
+            <a:r>
+              <a:rPr lang="en-US" sz="2400" dirty="0">
+                <a:solidFill>
+                  <a:srgbClr val="CE9178"/>
+                </a:solidFill>
+                <a:latin typeface="Consolas" panose="020B0609020204030204" pitchFamily="49" charset="0"/>
+              </a:rPr>
+              <a:t>'y'</a:t>
+            </a:r>
+            <a:r>
+              <a:rPr lang="en-US" sz="2400" dirty="0">
+                <a:solidFill>
+                  <a:srgbClr val="D4D4D4"/>
+                </a:solidFill>
+                <a:latin typeface="Consolas" panose="020B0609020204030204" pitchFamily="49" charset="0"/>
+              </a:rPr>
+              <a:t>].plot()</a:t>
+            </a:r>
+          </a:p>
+          <a:p>
+            <a:r>
+              <a:rPr lang="en-US" sz="2400" dirty="0" err="1">
+                <a:solidFill>
+                  <a:srgbClr val="D4D4D4"/>
+                </a:solidFill>
+                <a:latin typeface="Consolas" panose="020B0609020204030204" pitchFamily="49" charset="0"/>
+              </a:rPr>
+              <a:t>plt.show</a:t>
+            </a:r>
+            <a:r>
+              <a:rPr lang="en-US" sz="2400" dirty="0">
+                <a:solidFill>
+                  <a:srgbClr val="D4D4D4"/>
+                </a:solidFill>
+                <a:latin typeface="Consolas" panose="020B0609020204030204" pitchFamily="49" charset="0"/>
+              </a:rPr>
+              <a:t>()</a:t>
+            </a:r>
+          </a:p>
+          <a:p>
+            <a:r>
+              <a:rPr lang="en-US" sz="2400" dirty="0" err="1">
+                <a:solidFill>
+                  <a:srgbClr val="D4D4D4"/>
+                </a:solidFill>
+                <a:latin typeface="Consolas" panose="020B0609020204030204" pitchFamily="49" charset="0"/>
+              </a:rPr>
+              <a:t>df.plot</a:t>
+            </a:r>
+            <a:r>
+              <a:rPr lang="en-US" sz="2400" dirty="0">
+                <a:solidFill>
+                  <a:srgbClr val="D4D4D4"/>
+                </a:solidFill>
+                <a:latin typeface="Consolas" panose="020B0609020204030204" pitchFamily="49" charset="0"/>
+              </a:rPr>
+              <a:t>(x=</a:t>
+            </a:r>
+            <a:r>
+              <a:rPr lang="en-US" sz="2400" dirty="0">
+                <a:solidFill>
+                  <a:srgbClr val="CE9178"/>
+                </a:solidFill>
+                <a:latin typeface="Consolas" panose="020B0609020204030204" pitchFamily="49" charset="0"/>
+              </a:rPr>
+              <a:t>'</a:t>
+            </a:r>
+            <a:r>
+              <a:rPr lang="en-US" sz="2400" dirty="0" err="1">
+                <a:solidFill>
+                  <a:srgbClr val="CE9178"/>
+                </a:solidFill>
+                <a:latin typeface="Consolas" panose="020B0609020204030204" pitchFamily="49" charset="0"/>
+              </a:rPr>
+              <a:t>x'</a:t>
+            </a:r>
+            <a:r>
+              <a:rPr lang="en-US" sz="2400" dirty="0" err="1">
+                <a:solidFill>
+                  <a:srgbClr val="D4D4D4"/>
+                </a:solidFill>
+                <a:latin typeface="Consolas" panose="020B0609020204030204" pitchFamily="49" charset="0"/>
+              </a:rPr>
+              <a:t>,y</a:t>
+            </a:r>
+            <a:r>
+              <a:rPr lang="en-US" sz="2400" dirty="0">
+                <a:solidFill>
+                  <a:srgbClr val="D4D4D4"/>
+                </a:solidFill>
+                <a:latin typeface="Consolas" panose="020B0609020204030204" pitchFamily="49" charset="0"/>
+              </a:rPr>
+              <a:t>=</a:t>
+            </a:r>
+            <a:r>
+              <a:rPr lang="en-US" sz="2400" dirty="0">
+                <a:solidFill>
+                  <a:srgbClr val="CE9178"/>
+                </a:solidFill>
+                <a:latin typeface="Consolas" panose="020B0609020204030204" pitchFamily="49" charset="0"/>
+              </a:rPr>
+              <a:t>'</a:t>
+            </a:r>
+            <a:r>
+              <a:rPr lang="en-US" sz="2400" dirty="0" err="1">
+                <a:solidFill>
+                  <a:srgbClr val="CE9178"/>
+                </a:solidFill>
+                <a:latin typeface="Consolas" panose="020B0609020204030204" pitchFamily="49" charset="0"/>
+              </a:rPr>
+              <a:t>y'</a:t>
+            </a:r>
+            <a:r>
+              <a:rPr lang="en-US" sz="2400" dirty="0" err="1">
+                <a:solidFill>
+                  <a:srgbClr val="D4D4D4"/>
+                </a:solidFill>
+                <a:latin typeface="Consolas" panose="020B0609020204030204" pitchFamily="49" charset="0"/>
+              </a:rPr>
+              <a:t>,kind</a:t>
+            </a:r>
+            <a:r>
+              <a:rPr lang="en-US" sz="2400" dirty="0">
+                <a:solidFill>
+                  <a:srgbClr val="D4D4D4"/>
+                </a:solidFill>
+                <a:latin typeface="Consolas" panose="020B0609020204030204" pitchFamily="49" charset="0"/>
+              </a:rPr>
+              <a:t>=</a:t>
+            </a:r>
+            <a:r>
+              <a:rPr lang="en-US" sz="2400" dirty="0">
+                <a:solidFill>
+                  <a:srgbClr val="CE9178"/>
+                </a:solidFill>
+                <a:latin typeface="Consolas" panose="020B0609020204030204" pitchFamily="49" charset="0"/>
+              </a:rPr>
+              <a:t>'scatter'</a:t>
+            </a:r>
+            <a:r>
+              <a:rPr lang="en-US" sz="2400" dirty="0">
+                <a:solidFill>
+                  <a:srgbClr val="D4D4D4"/>
+                </a:solidFill>
+                <a:latin typeface="Consolas" panose="020B0609020204030204" pitchFamily="49" charset="0"/>
+              </a:rPr>
+              <a:t>)</a:t>
+            </a:r>
+          </a:p>
+          <a:p>
+            <a:r>
+              <a:rPr lang="en-US" sz="2400" dirty="0" err="1">
+                <a:solidFill>
+                  <a:srgbClr val="D4D4D4"/>
+                </a:solidFill>
+                <a:latin typeface="Consolas" panose="020B0609020204030204" pitchFamily="49" charset="0"/>
+              </a:rPr>
+              <a:t>plt.show</a:t>
+            </a:r>
+            <a:r>
+              <a:rPr lang="en-US" sz="2400" dirty="0">
+                <a:solidFill>
+                  <a:srgbClr val="D4D4D4"/>
+                </a:solidFill>
+                <a:latin typeface="Consolas" panose="020B0609020204030204" pitchFamily="49" charset="0"/>
+              </a:rPr>
+              <a:t>()</a:t>
+            </a:r>
+            <a:endParaRPr lang="en-US" sz="2400" b="0" dirty="0">
+              <a:solidFill>
+                <a:srgbClr val="D4D4D4"/>
+              </a:solidFill>
+              <a:effectLst/>
+              <a:latin typeface="Consolas" panose="020B0609020204030204" pitchFamily="49" charset="0"/>
+            </a:endParaRPr>
+          </a:p>
+        </p:txBody>
+      </p:sp>
+    </p:spTree>
+    <p:extLst>
+      <p:ext uri="{BB962C8B-B14F-4D97-AF65-F5344CB8AC3E}">
+        <p14:creationId xmlns:p14="http://schemas.microsoft.com/office/powerpoint/2010/main" val="90884321"/>
+      </p:ext>
+    </p:extLst>
+  </p:cSld>
+  <p:clrMapOvr>
+    <a:masterClrMapping/>
+  </p:clrMapOvr>
+</p:sld>
+</file>
+
+<file path=ppt/slides/slide21.xml><?xml version="1.0" encoding="utf-8"?>
 <p:sld xmlns:a="http://schemas.openxmlformats.org/drawingml/2006/main" xmlns:r="http://schemas.openxmlformats.org/officeDocument/2006/relationships" xmlns:p="http://schemas.openxmlformats.org/presentationml/2006/main" show="0">
   <p:cSld>
     <p:spTree>
@@ -10923,138 +12438,6 @@
     <p:extLst>
       <p:ext uri="{BB962C8B-B14F-4D97-AF65-F5344CB8AC3E}">
         <p14:creationId xmlns:p14="http://schemas.microsoft.com/office/powerpoint/2010/main" val="3843071050"/>
-      </p:ext>
-    </p:extLst>
-  </p:cSld>
-  <p:clrMapOvr>
-    <a:masterClrMapping/>
-  </p:clrMapOvr>
-</p:sld>
-</file>
-
-<file path=ppt/slides/slide21.xml><?xml version="1.0" encoding="utf-8"?>
-<p:sld xmlns:a="http://schemas.openxmlformats.org/drawingml/2006/main" xmlns:r="http://schemas.openxmlformats.org/officeDocument/2006/relationships" xmlns:p="http://schemas.openxmlformats.org/presentationml/2006/main">
-  <p:cSld>
-    <p:spTree>
-      <p:nvGrpSpPr>
-        <p:cNvPr id="1" name=""/>
-        <p:cNvGrpSpPr/>
-        <p:nvPr/>
-      </p:nvGrpSpPr>
-      <p:grpSpPr>
-        <a:xfrm>
-          <a:off x="0" y="0"/>
-          <a:ext cx="0" cy="0"/>
-          <a:chOff x="0" y="0"/>
-          <a:chExt cx="0" cy="0"/>
-        </a:xfrm>
-      </p:grpSpPr>
-      <p:sp>
-        <p:nvSpPr>
-          <p:cNvPr id="2" name="Title 1">
-            <a:extLst>
-              <a:ext uri="{FF2B5EF4-FFF2-40B4-BE49-F238E27FC236}">
-                <a16:creationId xmlns:a16="http://schemas.microsoft.com/office/drawing/2014/main" id="{81145683-86A2-4057-97CA-662DCFF3D0D4}"/>
-              </a:ext>
-            </a:extLst>
-          </p:cNvPr>
-          <p:cNvSpPr>
-            <a:spLocks noGrp="1"/>
-          </p:cNvSpPr>
-          <p:nvPr>
-            <p:ph type="title"/>
-          </p:nvPr>
-        </p:nvSpPr>
-        <p:spPr/>
-        <p:txBody>
-          <a:bodyPr/>
-          <a:lstStyle/>
-          <a:p>
-            <a:r>
-              <a:rPr lang="en-US" dirty="0" err="1"/>
-              <a:t>Jupyter</a:t>
-            </a:r>
-            <a:r>
-              <a:rPr lang="en-US" dirty="0"/>
-              <a:t> Lab Notebooks</a:t>
-            </a:r>
-          </a:p>
-        </p:txBody>
-      </p:sp>
-      <p:sp>
-        <p:nvSpPr>
-          <p:cNvPr id="3" name="Content Placeholder 2">
-            <a:extLst>
-              <a:ext uri="{FF2B5EF4-FFF2-40B4-BE49-F238E27FC236}">
-                <a16:creationId xmlns:a16="http://schemas.microsoft.com/office/drawing/2014/main" id="{6E4A6129-95B7-4057-B324-A55DEF7B98D2}"/>
-              </a:ext>
-            </a:extLst>
-          </p:cNvPr>
-          <p:cNvSpPr>
-            <a:spLocks noGrp="1"/>
-          </p:cNvSpPr>
-          <p:nvPr>
-            <p:ph idx="1"/>
-          </p:nvPr>
-        </p:nvSpPr>
-        <p:spPr/>
-        <p:txBody>
-          <a:bodyPr/>
-          <a:lstStyle/>
-          <a:p>
-            <a:endParaRPr lang="en-US" dirty="0"/>
-          </a:p>
-        </p:txBody>
-      </p:sp>
-      <p:pic>
-        <p:nvPicPr>
-          <p:cNvPr id="4" name="Picture 12" descr="Image result for jupyter logo">
-            <a:extLst>
-              <a:ext uri="{FF2B5EF4-FFF2-40B4-BE49-F238E27FC236}">
-                <a16:creationId xmlns:a16="http://schemas.microsoft.com/office/drawing/2014/main" id="{A977E875-EFD4-4585-A189-017A32B5F6DB}"/>
-              </a:ext>
-            </a:extLst>
-          </p:cNvPr>
-          <p:cNvPicPr>
-            <a:picLocks noChangeAspect="1" noChangeArrowheads="1"/>
-          </p:cNvPicPr>
-          <p:nvPr/>
-        </p:nvPicPr>
-        <p:blipFill rotWithShape="1">
-          <a:blip r:embed="rId3">
-            <a:extLst>
-              <a:ext uri="{28A0092B-C50C-407E-A947-70E740481C1C}">
-                <a14:useLocalDpi xmlns:a14="http://schemas.microsoft.com/office/drawing/2010/main" val="0"/>
-              </a:ext>
-            </a:extLst>
-          </a:blip>
-          <a:srcRect l="12774" t="7408" r="57807" b="7936"/>
-          <a:stretch/>
-        </p:blipFill>
-        <p:spPr bwMode="auto">
-          <a:xfrm>
-            <a:off x="7195798" y="-30156"/>
-            <a:ext cx="1961020" cy="2116124"/>
-          </a:xfrm>
-          <a:prstGeom prst="rect">
-            <a:avLst/>
-          </a:prstGeom>
-          <a:noFill/>
-          <a:extLst>
-            <a:ext uri="{909E8E84-426E-40DD-AFC4-6F175D3DCCD1}">
-              <a14:hiddenFill xmlns:a14="http://schemas.microsoft.com/office/drawing/2010/main">
-                <a:solidFill>
-                  <a:srgbClr val="FFFFFF"/>
-                </a:solidFill>
-              </a14:hiddenFill>
-            </a:ext>
-          </a:extLst>
-        </p:spPr>
-      </p:pic>
-    </p:spTree>
-    <p:extLst>
-      <p:ext uri="{BB962C8B-B14F-4D97-AF65-F5344CB8AC3E}">
-        <p14:creationId xmlns:p14="http://schemas.microsoft.com/office/powerpoint/2010/main" val="3054027760"/>
       </p:ext>
     </p:extLst>
   </p:cSld>
@@ -11086,6 +12469,138 @@
           <p:cNvPr id="2" name="Title 1">
             <a:extLst>
               <a:ext uri="{FF2B5EF4-FFF2-40B4-BE49-F238E27FC236}">
+                <a16:creationId xmlns:a16="http://schemas.microsoft.com/office/drawing/2014/main" id="{81145683-86A2-4057-97CA-662DCFF3D0D4}"/>
+              </a:ext>
+            </a:extLst>
+          </p:cNvPr>
+          <p:cNvSpPr>
+            <a:spLocks noGrp="1"/>
+          </p:cNvSpPr>
+          <p:nvPr>
+            <p:ph type="title"/>
+          </p:nvPr>
+        </p:nvSpPr>
+        <p:spPr/>
+        <p:txBody>
+          <a:bodyPr/>
+          <a:lstStyle/>
+          <a:p>
+            <a:r>
+              <a:rPr lang="en-US" dirty="0" err="1"/>
+              <a:t>Jupyter</a:t>
+            </a:r>
+            <a:r>
+              <a:rPr lang="en-US" dirty="0"/>
+              <a:t> Lab Notebooks</a:t>
+            </a:r>
+          </a:p>
+        </p:txBody>
+      </p:sp>
+      <p:sp>
+        <p:nvSpPr>
+          <p:cNvPr id="3" name="Content Placeholder 2">
+            <a:extLst>
+              <a:ext uri="{FF2B5EF4-FFF2-40B4-BE49-F238E27FC236}">
+                <a16:creationId xmlns:a16="http://schemas.microsoft.com/office/drawing/2014/main" id="{6E4A6129-95B7-4057-B324-A55DEF7B98D2}"/>
+              </a:ext>
+            </a:extLst>
+          </p:cNvPr>
+          <p:cNvSpPr>
+            <a:spLocks noGrp="1"/>
+          </p:cNvSpPr>
+          <p:nvPr>
+            <p:ph idx="1"/>
+          </p:nvPr>
+        </p:nvSpPr>
+        <p:spPr/>
+        <p:txBody>
+          <a:bodyPr/>
+          <a:lstStyle/>
+          <a:p>
+            <a:endParaRPr lang="en-US" dirty="0"/>
+          </a:p>
+        </p:txBody>
+      </p:sp>
+      <p:pic>
+        <p:nvPicPr>
+          <p:cNvPr id="4" name="Picture 12" descr="Image result for jupyter logo">
+            <a:extLst>
+              <a:ext uri="{FF2B5EF4-FFF2-40B4-BE49-F238E27FC236}">
+                <a16:creationId xmlns:a16="http://schemas.microsoft.com/office/drawing/2014/main" id="{A977E875-EFD4-4585-A189-017A32B5F6DB}"/>
+              </a:ext>
+            </a:extLst>
+          </p:cNvPr>
+          <p:cNvPicPr>
+            <a:picLocks noChangeAspect="1" noChangeArrowheads="1"/>
+          </p:cNvPicPr>
+          <p:nvPr/>
+        </p:nvPicPr>
+        <p:blipFill rotWithShape="1">
+          <a:blip r:embed="rId3">
+            <a:extLst>
+              <a:ext uri="{28A0092B-C50C-407E-A947-70E740481C1C}">
+                <a14:useLocalDpi xmlns:a14="http://schemas.microsoft.com/office/drawing/2010/main" val="0"/>
+              </a:ext>
+            </a:extLst>
+          </a:blip>
+          <a:srcRect l="12774" t="7408" r="57807" b="7936"/>
+          <a:stretch/>
+        </p:blipFill>
+        <p:spPr bwMode="auto">
+          <a:xfrm>
+            <a:off x="7195798" y="-30156"/>
+            <a:ext cx="1961020" cy="2116124"/>
+          </a:xfrm>
+          <a:prstGeom prst="rect">
+            <a:avLst/>
+          </a:prstGeom>
+          <a:noFill/>
+          <a:extLst>
+            <a:ext uri="{909E8E84-426E-40DD-AFC4-6F175D3DCCD1}">
+              <a14:hiddenFill xmlns:a14="http://schemas.microsoft.com/office/drawing/2010/main">
+                <a:solidFill>
+                  <a:srgbClr val="FFFFFF"/>
+                </a:solidFill>
+              </a14:hiddenFill>
+            </a:ext>
+          </a:extLst>
+        </p:spPr>
+      </p:pic>
+    </p:spTree>
+    <p:extLst>
+      <p:ext uri="{BB962C8B-B14F-4D97-AF65-F5344CB8AC3E}">
+        <p14:creationId xmlns:p14="http://schemas.microsoft.com/office/powerpoint/2010/main" val="3054027760"/>
+      </p:ext>
+    </p:extLst>
+  </p:cSld>
+  <p:clrMapOvr>
+    <a:masterClrMapping/>
+  </p:clrMapOvr>
+</p:sld>
+</file>
+
+<file path=ppt/slides/slide23.xml><?xml version="1.0" encoding="utf-8"?>
+<p:sld xmlns:a="http://schemas.openxmlformats.org/drawingml/2006/main" xmlns:r="http://schemas.openxmlformats.org/officeDocument/2006/relationships" xmlns:p="http://schemas.openxmlformats.org/presentationml/2006/main">
+  <p:cSld>
+    <p:spTree>
+      <p:nvGrpSpPr>
+        <p:cNvPr id="1" name=""/>
+        <p:cNvGrpSpPr/>
+        <p:nvPr/>
+      </p:nvGrpSpPr>
+      <p:grpSpPr>
+        <a:xfrm>
+          <a:off x="0" y="0"/>
+          <a:ext cx="0" cy="0"/>
+          <a:chOff x="0" y="0"/>
+          <a:chExt cx="0" cy="0"/>
+        </a:xfrm>
+      </p:grpSpPr>
+      <p:sp>
+        <p:nvSpPr>
+          <p:cNvPr id="2" name="Title 1">
+            <a:extLst>
+              <a:ext uri="{FF2B5EF4-FFF2-40B4-BE49-F238E27FC236}">
                 <a16:creationId xmlns:a16="http://schemas.microsoft.com/office/drawing/2014/main" id="{0EE90088-FAE6-421E-BDE5-BE146818F1C2}"/>
               </a:ext>
             </a:extLst>
@@ -11174,7 +12689,7 @@
 </p:sld>
 </file>
 
-<file path=ppt/slides/slide23.xml><?xml version="1.0" encoding="utf-8"?>
+<file path=ppt/slides/slide24.xml><?xml version="1.0" encoding="utf-8"?>
 <p:sld xmlns:a="http://schemas.openxmlformats.org/drawingml/2006/main" xmlns:r="http://schemas.openxmlformats.org/officeDocument/2006/relationships" xmlns:p="http://schemas.openxmlformats.org/presentationml/2006/main">
   <p:cSld>
     <p:spTree>
